--- a/政大ppt.pptx
+++ b/政大ppt.pptx
@@ -5,7 +5,7 @@
     <p:sldMasterId id="2147483648" r:id="rId1"/>
   </p:sldMasterIdLst>
   <p:notesMasterIdLst>
-    <p:notesMasterId r:id="rId25"/>
+    <p:notesMasterId r:id="rId26"/>
   </p:notesMasterIdLst>
   <p:sldIdLst>
     <p:sldId id="256" r:id="rId2"/>
@@ -14,28 +14,29 @@
     <p:sldId id="285" r:id="rId5"/>
     <p:sldId id="286" r:id="rId6"/>
     <p:sldId id="287" r:id="rId7"/>
-    <p:sldId id="288" r:id="rId8"/>
-    <p:sldId id="289" r:id="rId9"/>
-    <p:sldId id="290" r:id="rId10"/>
-    <p:sldId id="291" r:id="rId11"/>
-    <p:sldId id="292" r:id="rId12"/>
-    <p:sldId id="294" r:id="rId13"/>
-    <p:sldId id="295" r:id="rId14"/>
-    <p:sldId id="296" r:id="rId15"/>
-    <p:sldId id="298" r:id="rId16"/>
-    <p:sldId id="300" r:id="rId17"/>
-    <p:sldId id="301" r:id="rId18"/>
-    <p:sldId id="303" r:id="rId19"/>
-    <p:sldId id="304" r:id="rId20"/>
-    <p:sldId id="306" r:id="rId21"/>
-    <p:sldId id="307" r:id="rId22"/>
-    <p:sldId id="268" r:id="rId23"/>
-    <p:sldId id="282" r:id="rId24"/>
+    <p:sldId id="308" r:id="rId8"/>
+    <p:sldId id="288" r:id="rId9"/>
+    <p:sldId id="289" r:id="rId10"/>
+    <p:sldId id="290" r:id="rId11"/>
+    <p:sldId id="291" r:id="rId12"/>
+    <p:sldId id="292" r:id="rId13"/>
+    <p:sldId id="294" r:id="rId14"/>
+    <p:sldId id="295" r:id="rId15"/>
+    <p:sldId id="296" r:id="rId16"/>
+    <p:sldId id="298" r:id="rId17"/>
+    <p:sldId id="300" r:id="rId18"/>
+    <p:sldId id="301" r:id="rId19"/>
+    <p:sldId id="303" r:id="rId20"/>
+    <p:sldId id="304" r:id="rId21"/>
+    <p:sldId id="306" r:id="rId22"/>
+    <p:sldId id="307" r:id="rId23"/>
+    <p:sldId id="268" r:id="rId24"/>
+    <p:sldId id="282" r:id="rId25"/>
   </p:sldIdLst>
   <p:sldSz cx="12192000" cy="6858000"/>
   <p:notesSz cx="6858000" cy="9144000"/>
   <p:custDataLst>
-    <p:tags r:id="rId26"/>
+    <p:tags r:id="rId27"/>
   </p:custDataLst>
   <p:defaultTextStyle>
     <a:defPPr>
@@ -233,7 +234,7 @@
           <a:p>
             <a:fld id="{A4D371F4-B49E-4375-B4EB-31B3EAF04CFE}" type="datetimeFigureOut">
               <a:rPr lang="zh-CN" altLang="en-US" smtClean="0"/>
-              <a:t>2018/10/30</a:t>
+              <a:t>2018/10/31</a:t>
             </a:fld>
             <a:endParaRPr lang="zh-CN" altLang="en-US"/>
           </a:p>
@@ -659,7 +660,7 @@
     </p:spTree>
     <p:extLst>
       <p:ext uri="{BB962C8B-B14F-4D97-AF65-F5344CB8AC3E}">
-        <p14:creationId xmlns:p14="http://schemas.microsoft.com/office/powerpoint/2010/main" val="568432240"/>
+        <p14:creationId xmlns:p14="http://schemas.microsoft.com/office/powerpoint/2010/main" val="2574771276"/>
       </p:ext>
     </p:extLst>
   </p:cSld>
@@ -743,7 +744,7 @@
     </p:spTree>
     <p:extLst>
       <p:ext uri="{BB962C8B-B14F-4D97-AF65-F5344CB8AC3E}">
-        <p14:creationId xmlns:p14="http://schemas.microsoft.com/office/powerpoint/2010/main" val="3502570911"/>
+        <p14:creationId xmlns:p14="http://schemas.microsoft.com/office/powerpoint/2010/main" val="568432240"/>
       </p:ext>
     </p:extLst>
   </p:cSld>
@@ -827,7 +828,7 @@
     </p:spTree>
     <p:extLst>
       <p:ext uri="{BB962C8B-B14F-4D97-AF65-F5344CB8AC3E}">
-        <p14:creationId xmlns:p14="http://schemas.microsoft.com/office/powerpoint/2010/main" val="548037919"/>
+        <p14:creationId xmlns:p14="http://schemas.microsoft.com/office/powerpoint/2010/main" val="3502570911"/>
       </p:ext>
     </p:extLst>
   </p:cSld>
@@ -911,7 +912,7 @@
     </p:spTree>
     <p:extLst>
       <p:ext uri="{BB962C8B-B14F-4D97-AF65-F5344CB8AC3E}">
-        <p14:creationId xmlns:p14="http://schemas.microsoft.com/office/powerpoint/2010/main" val="320986365"/>
+        <p14:creationId xmlns:p14="http://schemas.microsoft.com/office/powerpoint/2010/main" val="548037919"/>
       </p:ext>
     </p:extLst>
   </p:cSld>
@@ -995,7 +996,7 @@
     </p:spTree>
     <p:extLst>
       <p:ext uri="{BB962C8B-B14F-4D97-AF65-F5344CB8AC3E}">
-        <p14:creationId xmlns:p14="http://schemas.microsoft.com/office/powerpoint/2010/main" val="1846022883"/>
+        <p14:creationId xmlns:p14="http://schemas.microsoft.com/office/powerpoint/2010/main" val="320986365"/>
       </p:ext>
     </p:extLst>
   </p:cSld>
@@ -1079,7 +1080,7 @@
     </p:spTree>
     <p:extLst>
       <p:ext uri="{BB962C8B-B14F-4D97-AF65-F5344CB8AC3E}">
-        <p14:creationId xmlns:p14="http://schemas.microsoft.com/office/powerpoint/2010/main" val="2288500647"/>
+        <p14:creationId xmlns:p14="http://schemas.microsoft.com/office/powerpoint/2010/main" val="1846022883"/>
       </p:ext>
     </p:extLst>
   </p:cSld>
@@ -1163,7 +1164,7 @@
     </p:spTree>
     <p:extLst>
       <p:ext uri="{BB962C8B-B14F-4D97-AF65-F5344CB8AC3E}">
-        <p14:creationId xmlns:p14="http://schemas.microsoft.com/office/powerpoint/2010/main" val="1600088114"/>
+        <p14:creationId xmlns:p14="http://schemas.microsoft.com/office/powerpoint/2010/main" val="2288500647"/>
       </p:ext>
     </p:extLst>
   </p:cSld>
@@ -1247,7 +1248,7 @@
     </p:spTree>
     <p:extLst>
       <p:ext uri="{BB962C8B-B14F-4D97-AF65-F5344CB8AC3E}">
-        <p14:creationId xmlns:p14="http://schemas.microsoft.com/office/powerpoint/2010/main" val="3599976154"/>
+        <p14:creationId xmlns:p14="http://schemas.microsoft.com/office/powerpoint/2010/main" val="1600088114"/>
       </p:ext>
     </p:extLst>
   </p:cSld>
@@ -1331,7 +1332,7 @@
     </p:spTree>
     <p:extLst>
       <p:ext uri="{BB962C8B-B14F-4D97-AF65-F5344CB8AC3E}">
-        <p14:creationId xmlns:p14="http://schemas.microsoft.com/office/powerpoint/2010/main" val="1687345162"/>
+        <p14:creationId xmlns:p14="http://schemas.microsoft.com/office/powerpoint/2010/main" val="3599976154"/>
       </p:ext>
     </p:extLst>
   </p:cSld>
@@ -1406,7 +1407,7 @@
           <a:p>
             <a:fld id="{FD6B9276-3D5B-46B9-8FB9-3C5C11460D11}" type="slidenum">
               <a:rPr lang="zh-CN" altLang="en-US" smtClean="0"/>
-              <a:t>20</a:t>
+              <a:t>19</a:t>
             </a:fld>
             <a:endParaRPr lang="zh-CN" altLang="en-US"/>
           </a:p>
@@ -1415,7 +1416,7 @@
     </p:spTree>
     <p:extLst>
       <p:ext uri="{BB962C8B-B14F-4D97-AF65-F5344CB8AC3E}">
-        <p14:creationId xmlns:p14="http://schemas.microsoft.com/office/powerpoint/2010/main" val="2714776271"/>
+        <p14:creationId xmlns:p14="http://schemas.microsoft.com/office/powerpoint/2010/main" val="1687345162"/>
       </p:ext>
     </p:extLst>
   </p:cSld>
@@ -1574,7 +1575,7 @@
           <a:p>
             <a:fld id="{FD6B9276-3D5B-46B9-8FB9-3C5C11460D11}" type="slidenum">
               <a:rPr lang="zh-CN" altLang="en-US" smtClean="0"/>
-              <a:t>22</a:t>
+              <a:t>21</a:t>
             </a:fld>
             <a:endParaRPr lang="zh-CN" altLang="en-US"/>
           </a:p>
@@ -1583,7 +1584,7 @@
     </p:spTree>
     <p:extLst>
       <p:ext uri="{BB962C8B-B14F-4D97-AF65-F5344CB8AC3E}">
-        <p14:creationId xmlns:p14="http://schemas.microsoft.com/office/powerpoint/2010/main" val="4132698345"/>
+        <p14:creationId xmlns:p14="http://schemas.microsoft.com/office/powerpoint/2010/main" val="2714776271"/>
       </p:ext>
     </p:extLst>
   </p:cSld>
@@ -1659,6 +1660,90 @@
             <a:fld id="{FD6B9276-3D5B-46B9-8FB9-3C5C11460D11}" type="slidenum">
               <a:rPr lang="zh-CN" altLang="en-US" smtClean="0"/>
               <a:t>23</a:t>
+            </a:fld>
+            <a:endParaRPr lang="zh-CN" altLang="en-US"/>
+          </a:p>
+        </p:txBody>
+      </p:sp>
+    </p:spTree>
+    <p:extLst>
+      <p:ext uri="{BB962C8B-B14F-4D97-AF65-F5344CB8AC3E}">
+        <p14:creationId xmlns:p14="http://schemas.microsoft.com/office/powerpoint/2010/main" val="4132698345"/>
+      </p:ext>
+    </p:extLst>
+  </p:cSld>
+  <p:clrMapOvr>
+    <a:masterClrMapping/>
+  </p:clrMapOvr>
+</p:notes>
+</file>
+
+<file path=ppt/notesSlides/notesSlide22.xml><?xml version="1.0" encoding="utf-8"?>
+<p:notes xmlns:a="http://schemas.openxmlformats.org/drawingml/2006/main" xmlns:r="http://schemas.openxmlformats.org/officeDocument/2006/relationships" xmlns:p="http://schemas.openxmlformats.org/presentationml/2006/main">
+  <p:cSld>
+    <p:spTree>
+      <p:nvGrpSpPr>
+        <p:cNvPr id="1" name=""/>
+        <p:cNvGrpSpPr/>
+        <p:nvPr/>
+      </p:nvGrpSpPr>
+      <p:grpSpPr>
+        <a:xfrm>
+          <a:off x="0" y="0"/>
+          <a:ext cx="0" cy="0"/>
+          <a:chOff x="0" y="0"/>
+          <a:chExt cx="0" cy="0"/>
+        </a:xfrm>
+      </p:grpSpPr>
+      <p:sp>
+        <p:nvSpPr>
+          <p:cNvPr id="2" name="幻灯片图像占位符 1"/>
+          <p:cNvSpPr>
+            <a:spLocks noGrp="1" noRot="1" noChangeAspect="1"/>
+          </p:cNvSpPr>
+          <p:nvPr>
+            <p:ph type="sldImg"/>
+          </p:nvPr>
+        </p:nvSpPr>
+        <p:spPr/>
+      </p:sp>
+      <p:sp>
+        <p:nvSpPr>
+          <p:cNvPr id="3" name="备注占位符 2"/>
+          <p:cNvSpPr>
+            <a:spLocks noGrp="1"/>
+          </p:cNvSpPr>
+          <p:nvPr>
+            <p:ph type="body" idx="1"/>
+          </p:nvPr>
+        </p:nvSpPr>
+        <p:spPr/>
+        <p:txBody>
+          <a:bodyPr/>
+          <a:lstStyle/>
+          <a:p>
+            <a:endParaRPr lang="zh-CN" altLang="en-US"/>
+          </a:p>
+        </p:txBody>
+      </p:sp>
+      <p:sp>
+        <p:nvSpPr>
+          <p:cNvPr id="4" name="灯片编号占位符 3"/>
+          <p:cNvSpPr>
+            <a:spLocks noGrp="1"/>
+          </p:cNvSpPr>
+          <p:nvPr>
+            <p:ph type="sldNum" sz="quarter" idx="10"/>
+          </p:nvPr>
+        </p:nvSpPr>
+        <p:spPr/>
+        <p:txBody>
+          <a:bodyPr/>
+          <a:lstStyle/>
+          <a:p>
+            <a:fld id="{FD6B9276-3D5B-46B9-8FB9-3C5C11460D11}" type="slidenum">
+              <a:rPr lang="zh-CN" altLang="en-US" smtClean="0"/>
+              <a:t>24</a:t>
             </a:fld>
             <a:endParaRPr lang="zh-CN" altLang="en-US"/>
           </a:p>
@@ -2087,7 +2172,7 @@
     </p:spTree>
     <p:extLst>
       <p:ext uri="{BB962C8B-B14F-4D97-AF65-F5344CB8AC3E}">
-        <p14:creationId xmlns:p14="http://schemas.microsoft.com/office/powerpoint/2010/main" val="321373807"/>
+        <p14:creationId xmlns:p14="http://schemas.microsoft.com/office/powerpoint/2010/main" val="3502417666"/>
       </p:ext>
     </p:extLst>
   </p:cSld>
@@ -2171,7 +2256,7 @@
     </p:spTree>
     <p:extLst>
       <p:ext uri="{BB962C8B-B14F-4D97-AF65-F5344CB8AC3E}">
-        <p14:creationId xmlns:p14="http://schemas.microsoft.com/office/powerpoint/2010/main" val="4183059674"/>
+        <p14:creationId xmlns:p14="http://schemas.microsoft.com/office/powerpoint/2010/main" val="321373807"/>
       </p:ext>
     </p:extLst>
   </p:cSld>
@@ -2255,7 +2340,7 @@
     </p:spTree>
     <p:extLst>
       <p:ext uri="{BB962C8B-B14F-4D97-AF65-F5344CB8AC3E}">
-        <p14:creationId xmlns:p14="http://schemas.microsoft.com/office/powerpoint/2010/main" val="2574771276"/>
+        <p14:creationId xmlns:p14="http://schemas.microsoft.com/office/powerpoint/2010/main" val="4183059674"/>
       </p:ext>
     </p:extLst>
   </p:cSld>
@@ -3245,7 +3330,7 @@
           <a:p>
             <a:fld id="{C944953B-A6FC-4252-9D65-5D435A04F887}" type="datetimeFigureOut">
               <a:rPr lang="zh-CN" altLang="en-US" smtClean="0"/>
-              <a:t>2018/10/30</a:t>
+              <a:t>2018/10/31</a:t>
             </a:fld>
             <a:endParaRPr lang="zh-CN" altLang="en-US"/>
           </a:p>
@@ -3425,7 +3510,7 @@
           <a:p>
             <a:fld id="{C944953B-A6FC-4252-9D65-5D435A04F887}" type="datetimeFigureOut">
               <a:rPr lang="zh-CN" altLang="en-US" smtClean="0"/>
-              <a:t>2018/10/30</a:t>
+              <a:t>2018/10/31</a:t>
             </a:fld>
             <a:endParaRPr lang="zh-CN" altLang="en-US"/>
           </a:p>
@@ -3595,7 +3680,7 @@
           <a:p>
             <a:fld id="{C944953B-A6FC-4252-9D65-5D435A04F887}" type="datetimeFigureOut">
               <a:rPr lang="zh-CN" altLang="en-US" smtClean="0"/>
-              <a:t>2018/10/30</a:t>
+              <a:t>2018/10/31</a:t>
             </a:fld>
             <a:endParaRPr lang="zh-CN" altLang="en-US"/>
           </a:p>
@@ -3841,7 +3926,7 @@
           <a:p>
             <a:fld id="{C944953B-A6FC-4252-9D65-5D435A04F887}" type="datetimeFigureOut">
               <a:rPr lang="zh-CN" altLang="en-US" smtClean="0"/>
-              <a:t>2018/10/30</a:t>
+              <a:t>2018/10/31</a:t>
             </a:fld>
             <a:endParaRPr lang="zh-CN" altLang="en-US"/>
           </a:p>
@@ -4073,7 +4158,7 @@
           <a:p>
             <a:fld id="{C944953B-A6FC-4252-9D65-5D435A04F887}" type="datetimeFigureOut">
               <a:rPr lang="zh-CN" altLang="en-US" smtClean="0"/>
-              <a:t>2018/10/30</a:t>
+              <a:t>2018/10/31</a:t>
             </a:fld>
             <a:endParaRPr lang="zh-CN" altLang="en-US"/>
           </a:p>
@@ -4440,7 +4525,7 @@
           <a:p>
             <a:fld id="{C944953B-A6FC-4252-9D65-5D435A04F887}" type="datetimeFigureOut">
               <a:rPr lang="zh-CN" altLang="en-US" smtClean="0"/>
-              <a:t>2018/10/30</a:t>
+              <a:t>2018/10/31</a:t>
             </a:fld>
             <a:endParaRPr lang="zh-CN" altLang="en-US"/>
           </a:p>
@@ -4558,7 +4643,7 @@
           <a:p>
             <a:fld id="{C944953B-A6FC-4252-9D65-5D435A04F887}" type="datetimeFigureOut">
               <a:rPr lang="zh-CN" altLang="en-US" smtClean="0"/>
-              <a:t>2018/10/30</a:t>
+              <a:t>2018/10/31</a:t>
             </a:fld>
             <a:endParaRPr lang="zh-CN" altLang="en-US"/>
           </a:p>
@@ -4653,7 +4738,7 @@
           <a:p>
             <a:fld id="{C944953B-A6FC-4252-9D65-5D435A04F887}" type="datetimeFigureOut">
               <a:rPr lang="zh-CN" altLang="en-US" smtClean="0"/>
-              <a:t>2018/10/30</a:t>
+              <a:t>2018/10/31</a:t>
             </a:fld>
             <a:endParaRPr lang="zh-CN" altLang="en-US"/>
           </a:p>
@@ -4930,7 +5015,7 @@
           <a:p>
             <a:fld id="{C944953B-A6FC-4252-9D65-5D435A04F887}" type="datetimeFigureOut">
               <a:rPr lang="zh-CN" altLang="en-US" smtClean="0"/>
-              <a:t>2018/10/30</a:t>
+              <a:t>2018/10/31</a:t>
             </a:fld>
             <a:endParaRPr lang="zh-CN" altLang="en-US"/>
           </a:p>
@@ -5183,7 +5268,7 @@
           <a:p>
             <a:fld id="{C944953B-A6FC-4252-9D65-5D435A04F887}" type="datetimeFigureOut">
               <a:rPr lang="zh-CN" altLang="en-US" smtClean="0"/>
-              <a:t>2018/10/30</a:t>
+              <a:t>2018/10/31</a:t>
             </a:fld>
             <a:endParaRPr lang="zh-CN" altLang="en-US"/>
           </a:p>
@@ -5396,7 +5481,7 @@
           <a:p>
             <a:fld id="{C944953B-A6FC-4252-9D65-5D435A04F887}" type="datetimeFigureOut">
               <a:rPr lang="zh-CN" altLang="en-US" smtClean="0"/>
-              <a:t>2018/10/30</a:t>
+              <a:t>2018/10/31</a:t>
             </a:fld>
             <a:endParaRPr lang="zh-CN" altLang="en-US"/>
           </a:p>
@@ -6139,18 +6224,9 @@
   <p:clrMapOvr>
     <a:masterClrMapping/>
   </p:clrMapOvr>
-  <mc:AlternateContent xmlns:mc="http://schemas.openxmlformats.org/markup-compatibility/2006" xmlns:p14="http://schemas.microsoft.com/office/powerpoint/2010/main">
-    <mc:Choice Requires="p14">
-      <p:transition spd="med" p14:dur="700">
-        <p:fade/>
-      </p:transition>
-    </mc:Choice>
-    <mc:Fallback xmlns="">
-      <p:transition spd="med">
-        <p:fade/>
-      </p:transition>
-    </mc:Fallback>
-  </mc:AlternateContent>
+  <p:transition spd="slow">
+    <p:push dir="u"/>
+  </p:transition>
   <p:timing>
     <p:tnLst>
       <p:par>
@@ -6300,8 +6376,8 @@
         </p:nvSpPr>
         <p:spPr>
           <a:xfrm>
-            <a:off x="1619089" y="1459753"/>
-            <a:ext cx="9453463" cy="4770537"/>
+            <a:off x="1619090" y="2444638"/>
+            <a:ext cx="8996264" cy="1938992"/>
           </a:xfrm>
           <a:prstGeom prst="rect">
             <a:avLst/>
@@ -6318,23 +6394,174 @@
           </a:bodyPr>
           <a:lstStyle/>
           <a:p>
+            <a:pPr lvl="0">
+              <a:defRPr/>
+            </a:pPr>
+            <a:r>
+              <a:rPr lang="zh-TW" altLang="en-US" sz="2400" b="1" dirty="0">
+                <a:solidFill>
+                  <a:schemeClr val="tx1">
+                    <a:lumMod val="75000"/>
+                    <a:lumOff val="25000"/>
+                  </a:schemeClr>
+                </a:solidFill>
+                <a:latin typeface="微軟正黑體" panose="020B0604030504040204" pitchFamily="34" charset="-120"/>
+                <a:ea typeface="微軟正黑體" panose="020B0604030504040204" pitchFamily="34" charset="-120"/>
+              </a:rPr>
+              <a:t>若三種均線均向下，</a:t>
+            </a:r>
+            <a:r>
+              <a:rPr lang="zh-TW" altLang="en-US" sz="2400" b="1" dirty="0" smtClean="0">
+                <a:solidFill>
+                  <a:schemeClr val="tx1">
+                    <a:lumMod val="75000"/>
+                    <a:lumOff val="25000"/>
+                  </a:schemeClr>
+                </a:solidFill>
+                <a:latin typeface="微軟正黑體" panose="020B0604030504040204" pitchFamily="34" charset="-120"/>
+                <a:ea typeface="微軟正黑體" panose="020B0604030504040204" pitchFamily="34" charset="-120"/>
+              </a:rPr>
+              <a:t>代表空頭</a:t>
+            </a:r>
+            <a:endParaRPr lang="en-US" altLang="zh-TW" sz="2400" b="1" dirty="0">
+              <a:solidFill>
+                <a:schemeClr val="tx1">
+                  <a:lumMod val="75000"/>
+                  <a:lumOff val="25000"/>
+                </a:schemeClr>
+              </a:solidFill>
+              <a:latin typeface="微軟正黑體" panose="020B0604030504040204" pitchFamily="34" charset="-120"/>
+              <a:ea typeface="微軟正黑體" panose="020B0604030504040204" pitchFamily="34" charset="-120"/>
+            </a:endParaRPr>
+          </a:p>
+          <a:p>
+            <a:pPr lvl="0">
+              <a:defRPr/>
+            </a:pPr>
+            <a:r>
+              <a:rPr lang="zh-TW" altLang="en-US" sz="2400" b="1" dirty="0">
+                <a:solidFill>
+                  <a:schemeClr val="tx1">
+                    <a:lumMod val="75000"/>
+                    <a:lumOff val="25000"/>
+                  </a:schemeClr>
+                </a:solidFill>
+                <a:latin typeface="微軟正黑體" panose="020B0604030504040204" pitchFamily="34" charset="-120"/>
+                <a:ea typeface="微軟正黑體" panose="020B0604030504040204" pitchFamily="34" charset="-120"/>
+              </a:rPr>
+              <a:t>反之，若三種均線均</a:t>
+            </a:r>
+            <a:r>
+              <a:rPr lang="zh-TW" altLang="en-US" sz="2400" b="1" dirty="0" smtClean="0">
+                <a:solidFill>
+                  <a:schemeClr val="tx1">
+                    <a:lumMod val="75000"/>
+                    <a:lumOff val="25000"/>
+                  </a:schemeClr>
+                </a:solidFill>
+                <a:latin typeface="微軟正黑體" panose="020B0604030504040204" pitchFamily="34" charset="-120"/>
+                <a:ea typeface="微軟正黑體" panose="020B0604030504040204" pitchFamily="34" charset="-120"/>
+              </a:rPr>
+              <a:t>向上，則</a:t>
+            </a:r>
+            <a:r>
+              <a:rPr lang="zh-TW" altLang="en-US" sz="2400" b="1" dirty="0">
+                <a:solidFill>
+                  <a:schemeClr val="tx1">
+                    <a:lumMod val="75000"/>
+                    <a:lumOff val="25000"/>
+                  </a:schemeClr>
+                </a:solidFill>
+                <a:latin typeface="微軟正黑體" panose="020B0604030504040204" pitchFamily="34" charset="-120"/>
+                <a:ea typeface="微軟正黑體" panose="020B0604030504040204" pitchFamily="34" charset="-120"/>
+              </a:rPr>
+              <a:t>為</a:t>
+            </a:r>
+            <a:r>
+              <a:rPr lang="zh-TW" altLang="en-US" sz="2400" b="1" dirty="0" smtClean="0">
+                <a:solidFill>
+                  <a:schemeClr val="tx1">
+                    <a:lumMod val="75000"/>
+                    <a:lumOff val="25000"/>
+                  </a:schemeClr>
+                </a:solidFill>
+                <a:latin typeface="微軟正黑體" panose="020B0604030504040204" pitchFamily="34" charset="-120"/>
+                <a:ea typeface="微軟正黑體" panose="020B0604030504040204" pitchFamily="34" charset="-120"/>
+              </a:rPr>
+              <a:t>多頭</a:t>
+            </a:r>
+            <a:endParaRPr lang="en-US" altLang="zh-TW" sz="2400" b="1" dirty="0">
+              <a:solidFill>
+                <a:schemeClr val="tx1">
+                  <a:lumMod val="75000"/>
+                  <a:lumOff val="25000"/>
+                </a:schemeClr>
+              </a:solidFill>
+              <a:latin typeface="微軟正黑體" panose="020B0604030504040204" pitchFamily="34" charset="-120"/>
+              <a:ea typeface="微軟正黑體" panose="020B0604030504040204" pitchFamily="34" charset="-120"/>
+            </a:endParaRPr>
+          </a:p>
+          <a:p>
+            <a:pPr lvl="0">
+              <a:defRPr/>
+            </a:pPr>
+            <a:endParaRPr lang="en-US" altLang="zh-TW" sz="2400" b="1" dirty="0">
+              <a:solidFill>
+                <a:schemeClr val="tx1">
+                  <a:lumMod val="75000"/>
+                  <a:lumOff val="25000"/>
+                </a:schemeClr>
+              </a:solidFill>
+              <a:latin typeface="微軟正黑體" panose="020B0604030504040204" pitchFamily="34" charset="-120"/>
+              <a:ea typeface="微軟正黑體" panose="020B0604030504040204" pitchFamily="34" charset="-120"/>
+            </a:endParaRPr>
+          </a:p>
+          <a:p>
+            <a:pPr lvl="0">
+              <a:defRPr/>
+            </a:pPr>
+            <a:r>
+              <a:rPr lang="zh-TW" altLang="en-US" sz="2400" b="1" dirty="0">
+                <a:solidFill>
+                  <a:schemeClr val="tx1">
+                    <a:lumMod val="75000"/>
+                    <a:lumOff val="25000"/>
+                  </a:schemeClr>
+                </a:solidFill>
+                <a:latin typeface="微軟正黑體" panose="020B0604030504040204" pitchFamily="34" charset="-120"/>
+                <a:ea typeface="微軟正黑體" panose="020B0604030504040204" pitchFamily="34" charset="-120"/>
+              </a:rPr>
+              <a:t>均線可以做為</a:t>
+            </a:r>
+            <a:r>
+              <a:rPr lang="zh-TW" altLang="en-US" sz="2400" b="1" dirty="0">
+                <a:solidFill>
+                  <a:schemeClr val="accent2">
+                    <a:lumMod val="50000"/>
+                  </a:schemeClr>
+                </a:solidFill>
+                <a:latin typeface="微軟正黑體" panose="020B0604030504040204" pitchFamily="34" charset="-120"/>
+                <a:ea typeface="微軟正黑體" panose="020B0604030504040204" pitchFamily="34" charset="-120"/>
+              </a:rPr>
+              <a:t>型態確認、多空轉換</a:t>
+            </a:r>
+            <a:r>
+              <a:rPr lang="zh-TW" altLang="en-US" sz="2400" b="1" dirty="0">
+                <a:solidFill>
+                  <a:schemeClr val="tx1">
+                    <a:lumMod val="75000"/>
+                    <a:lumOff val="25000"/>
+                  </a:schemeClr>
+                </a:solidFill>
+                <a:latin typeface="微軟正黑體" panose="020B0604030504040204" pitchFamily="34" charset="-120"/>
+                <a:ea typeface="微軟正黑體" panose="020B0604030504040204" pitchFamily="34" charset="-120"/>
+              </a:rPr>
+              <a:t>的標的之一</a:t>
+            </a:r>
+          </a:p>
+          <a:p>
             <a:pPr lvl="0" defTabSz="685800"/>
-            <a:r>
-              <a:rPr lang="zh-TW" altLang="en-US" sz="3600" b="1" dirty="0" smtClean="0">
-                <a:solidFill>
-                  <a:schemeClr val="tx1">
-                    <a:lumMod val="75000"/>
-                    <a:lumOff val="25000"/>
-                  </a:schemeClr>
-                </a:solidFill>
-                <a:latin typeface="思源黑体 CN Bold" panose="020B0800000000000000" pitchFamily="34" charset="-122"/>
-                <a:ea typeface="思源黑体 CN Bold" panose="020B0800000000000000" pitchFamily="34" charset="-122"/>
-                <a:cs typeface="+mn-ea"/>
-                <a:sym typeface="+mn-lt"/>
-              </a:rPr>
-              <a:t>均線扣抵理論</a:t>
-            </a:r>
-            <a:endParaRPr lang="en-US" altLang="zh-TW" sz="3600" b="1" dirty="0">
+            <a:endParaRPr lang="zh-CN" altLang="en-US" sz="2400" b="1" dirty="0">
               <a:solidFill>
                 <a:schemeClr val="tx1">
                   <a:lumMod val="75000"/>
@@ -6347,552 +6574,12 @@
               <a:sym typeface="+mn-lt"/>
             </a:endParaRPr>
           </a:p>
-          <a:p>
-            <a:pPr lvl="0" defTabSz="685800"/>
-            <a:r>
-              <a:rPr lang="zh-TW" altLang="en-US" sz="3600" b="1" dirty="0" smtClean="0">
-                <a:solidFill>
-                  <a:schemeClr val="tx1">
-                    <a:lumMod val="75000"/>
-                    <a:lumOff val="25000"/>
-                  </a:schemeClr>
-                </a:solidFill>
-                <a:latin typeface="思源黑体 CN Bold" panose="020B0800000000000000" pitchFamily="34" charset="-122"/>
-                <a:ea typeface="思源黑体 CN Bold" panose="020B0800000000000000" pitchFamily="34" charset="-122"/>
-                <a:cs typeface="+mn-ea"/>
-                <a:sym typeface="+mn-lt"/>
-              </a:rPr>
-              <a:t>可以判斷均線未來走向</a:t>
-            </a:r>
-            <a:endParaRPr lang="en-US" altLang="zh-TW" sz="3600" b="1" dirty="0" smtClean="0">
-              <a:solidFill>
-                <a:schemeClr val="tx1">
-                  <a:lumMod val="75000"/>
-                  <a:lumOff val="25000"/>
-                </a:schemeClr>
-              </a:solidFill>
-              <a:latin typeface="思源黑体 CN Bold" panose="020B0800000000000000" pitchFamily="34" charset="-122"/>
-              <a:ea typeface="思源黑体 CN Bold" panose="020B0800000000000000" pitchFamily="34" charset="-122"/>
-              <a:cs typeface="+mn-ea"/>
-              <a:sym typeface="+mn-lt"/>
-            </a:endParaRPr>
-          </a:p>
-          <a:p>
-            <a:pPr lvl="0" defTabSz="685800"/>
-            <a:endParaRPr lang="en-US" altLang="zh-CN" sz="3600" b="1" dirty="0">
-              <a:solidFill>
-                <a:schemeClr val="tx1">
-                  <a:lumMod val="75000"/>
-                  <a:lumOff val="25000"/>
-                </a:schemeClr>
-              </a:solidFill>
-              <a:latin typeface="思源黑体 CN Bold" panose="020B0800000000000000" pitchFamily="34" charset="-122"/>
-              <a:ea typeface="思源黑体 CN Bold" panose="020B0800000000000000" pitchFamily="34" charset="-122"/>
-              <a:cs typeface="+mn-ea"/>
-              <a:sym typeface="+mn-lt"/>
-            </a:endParaRPr>
-          </a:p>
-          <a:p>
-            <a:pPr lvl="0" defTabSz="685800"/>
-            <a:r>
-              <a:rPr lang="zh-TW" altLang="en-US" sz="2800" b="1" dirty="0" smtClean="0">
-                <a:solidFill>
-                  <a:schemeClr val="tx1">
-                    <a:lumMod val="75000"/>
-                    <a:lumOff val="25000"/>
-                  </a:schemeClr>
-                </a:solidFill>
-                <a:latin typeface="思源黑体 CN Bold" panose="020B0800000000000000" pitchFamily="34" charset="-122"/>
-                <a:ea typeface="思源黑体 CN Bold" panose="020B0800000000000000" pitchFamily="34" charset="-122"/>
-                <a:cs typeface="+mn-ea"/>
-                <a:sym typeface="+mn-lt"/>
-              </a:rPr>
-              <a:t>若以五日均線來判斷</a:t>
-            </a:r>
-            <a:endParaRPr lang="en-US" altLang="zh-TW" sz="2800" b="1" dirty="0" smtClean="0">
-              <a:solidFill>
-                <a:schemeClr val="tx1">
-                  <a:lumMod val="75000"/>
-                  <a:lumOff val="25000"/>
-                </a:schemeClr>
-              </a:solidFill>
-              <a:latin typeface="思源黑体 CN Bold" panose="020B0800000000000000" pitchFamily="34" charset="-122"/>
-              <a:ea typeface="思源黑体 CN Bold" panose="020B0800000000000000" pitchFamily="34" charset="-122"/>
-              <a:cs typeface="+mn-ea"/>
-              <a:sym typeface="+mn-lt"/>
-            </a:endParaRPr>
-          </a:p>
-          <a:p>
-            <a:pPr lvl="0" defTabSz="685800"/>
-            <a:r>
-              <a:rPr lang="en-US" altLang="zh-CN" sz="2800" b="1" dirty="0">
-                <a:solidFill>
-                  <a:schemeClr val="tx1">
-                    <a:lumMod val="75000"/>
-                    <a:lumOff val="25000"/>
-                  </a:schemeClr>
-                </a:solidFill>
-                <a:latin typeface="思源黑体 CN Bold" panose="020B0800000000000000" pitchFamily="34" charset="-122"/>
-                <a:ea typeface="思源黑体 CN Bold" panose="020B0800000000000000" pitchFamily="34" charset="-122"/>
-                <a:cs typeface="+mn-ea"/>
-                <a:sym typeface="+mn-lt"/>
-              </a:rPr>
-              <a:t>	</a:t>
-            </a:r>
-            <a:r>
-              <a:rPr lang="en-US" altLang="zh-TW" sz="2800" b="1" dirty="0" smtClean="0">
-                <a:solidFill>
-                  <a:schemeClr val="tx1">
-                    <a:lumMod val="75000"/>
-                    <a:lumOff val="25000"/>
-                  </a:schemeClr>
-                </a:solidFill>
-                <a:latin typeface="思源黑体 CN Bold" panose="020B0800000000000000" pitchFamily="34" charset="-122"/>
-                <a:ea typeface="思源黑体 CN Bold" panose="020B0800000000000000" pitchFamily="34" charset="-122"/>
-                <a:cs typeface="+mn-ea"/>
-                <a:sym typeface="+mn-lt"/>
-              </a:rPr>
-              <a:t>10/13</a:t>
-            </a:r>
-            <a:r>
-              <a:rPr lang="zh-TW" altLang="en-US" sz="2800" b="1" dirty="0" smtClean="0">
-                <a:solidFill>
-                  <a:schemeClr val="tx1">
-                    <a:lumMod val="75000"/>
-                    <a:lumOff val="25000"/>
-                  </a:schemeClr>
-                </a:solidFill>
-                <a:latin typeface="思源黑体 CN Bold" panose="020B0800000000000000" pitchFamily="34" charset="-122"/>
-                <a:ea typeface="思源黑体 CN Bold" panose="020B0800000000000000" pitchFamily="34" charset="-122"/>
-                <a:cs typeface="+mn-ea"/>
-                <a:sym typeface="+mn-lt"/>
-              </a:rPr>
-              <a:t>  </a:t>
-            </a:r>
-            <a:r>
-              <a:rPr lang="en-US" altLang="zh-TW" sz="2800" b="1" dirty="0" smtClean="0">
-                <a:solidFill>
-                  <a:schemeClr val="tx1">
-                    <a:lumMod val="75000"/>
-                    <a:lumOff val="25000"/>
-                  </a:schemeClr>
-                </a:solidFill>
-                <a:latin typeface="思源黑体 CN Bold" panose="020B0800000000000000" pitchFamily="34" charset="-122"/>
-                <a:ea typeface="思源黑体 CN Bold" panose="020B0800000000000000" pitchFamily="34" charset="-122"/>
-                <a:cs typeface="+mn-ea"/>
-                <a:sym typeface="+mn-lt"/>
-              </a:rPr>
-              <a:t>6285</a:t>
-            </a:r>
-          </a:p>
-          <a:p>
-            <a:pPr lvl="0" defTabSz="685800"/>
-            <a:r>
-              <a:rPr lang="en-US" altLang="zh-CN" sz="2800" b="1" dirty="0">
-                <a:solidFill>
-                  <a:schemeClr val="tx1">
-                    <a:lumMod val="75000"/>
-                    <a:lumOff val="25000"/>
-                  </a:schemeClr>
-                </a:solidFill>
-                <a:latin typeface="思源黑体 CN Bold" panose="020B0800000000000000" pitchFamily="34" charset="-122"/>
-                <a:ea typeface="思源黑体 CN Bold" panose="020B0800000000000000" pitchFamily="34" charset="-122"/>
-                <a:cs typeface="+mn-ea"/>
-                <a:sym typeface="+mn-lt"/>
-              </a:rPr>
-              <a:t>	</a:t>
-            </a:r>
-            <a:r>
-              <a:rPr lang="en-US" altLang="zh-TW" sz="2800" b="1" dirty="0" smtClean="0">
-                <a:solidFill>
-                  <a:schemeClr val="tx1">
-                    <a:lumMod val="75000"/>
-                    <a:lumOff val="25000"/>
-                  </a:schemeClr>
-                </a:solidFill>
-                <a:latin typeface="思源黑体 CN Bold" panose="020B0800000000000000" pitchFamily="34" charset="-122"/>
-                <a:ea typeface="思源黑体 CN Bold" panose="020B0800000000000000" pitchFamily="34" charset="-122"/>
-                <a:cs typeface="+mn-ea"/>
-                <a:sym typeface="+mn-lt"/>
-              </a:rPr>
-              <a:t>10/14</a:t>
-            </a:r>
-            <a:r>
-              <a:rPr lang="zh-TW" altLang="en-US" sz="2800" b="1" dirty="0" smtClean="0">
-                <a:solidFill>
-                  <a:schemeClr val="tx1">
-                    <a:lumMod val="75000"/>
-                    <a:lumOff val="25000"/>
-                  </a:schemeClr>
-                </a:solidFill>
-                <a:latin typeface="思源黑体 CN Bold" panose="020B0800000000000000" pitchFamily="34" charset="-122"/>
-                <a:ea typeface="思源黑体 CN Bold" panose="020B0800000000000000" pitchFamily="34" charset="-122"/>
-                <a:cs typeface="+mn-ea"/>
-                <a:sym typeface="+mn-lt"/>
-              </a:rPr>
-              <a:t>  </a:t>
-            </a:r>
-            <a:r>
-              <a:rPr lang="en-US" altLang="zh-TW" sz="2800" b="1" dirty="0" smtClean="0">
-                <a:solidFill>
-                  <a:schemeClr val="tx1">
-                    <a:lumMod val="75000"/>
-                    <a:lumOff val="25000"/>
-                  </a:schemeClr>
-                </a:solidFill>
-                <a:latin typeface="思源黑体 CN Bold" panose="020B0800000000000000" pitchFamily="34" charset="-122"/>
-                <a:ea typeface="思源黑体 CN Bold" panose="020B0800000000000000" pitchFamily="34" charset="-122"/>
-                <a:cs typeface="+mn-ea"/>
-                <a:sym typeface="+mn-lt"/>
-              </a:rPr>
-              <a:t>6314</a:t>
-            </a:r>
-          </a:p>
-          <a:p>
-            <a:pPr lvl="0" defTabSz="685800"/>
-            <a:r>
-              <a:rPr lang="en-US" altLang="zh-CN" sz="2800" b="1" dirty="0">
-                <a:solidFill>
-                  <a:schemeClr val="tx1">
-                    <a:lumMod val="75000"/>
-                    <a:lumOff val="25000"/>
-                  </a:schemeClr>
-                </a:solidFill>
-                <a:latin typeface="思源黑体 CN Bold" panose="020B0800000000000000" pitchFamily="34" charset="-122"/>
-                <a:ea typeface="思源黑体 CN Bold" panose="020B0800000000000000" pitchFamily="34" charset="-122"/>
-                <a:cs typeface="+mn-ea"/>
-                <a:sym typeface="+mn-lt"/>
-              </a:rPr>
-              <a:t>	</a:t>
-            </a:r>
-            <a:r>
-              <a:rPr lang="en-US" altLang="zh-TW" sz="2800" b="1" dirty="0" smtClean="0">
-                <a:solidFill>
-                  <a:schemeClr val="tx1">
-                    <a:lumMod val="75000"/>
-                    <a:lumOff val="25000"/>
-                  </a:schemeClr>
-                </a:solidFill>
-                <a:latin typeface="思源黑体 CN Bold" panose="020B0800000000000000" pitchFamily="34" charset="-122"/>
-                <a:ea typeface="思源黑体 CN Bold" panose="020B0800000000000000" pitchFamily="34" charset="-122"/>
-                <a:cs typeface="+mn-ea"/>
-                <a:sym typeface="+mn-lt"/>
-              </a:rPr>
-              <a:t>10/15</a:t>
-            </a:r>
-            <a:r>
-              <a:rPr lang="zh-TW" altLang="en-US" sz="2800" b="1" dirty="0" smtClean="0">
-                <a:solidFill>
-                  <a:schemeClr val="tx1">
-                    <a:lumMod val="75000"/>
-                    <a:lumOff val="25000"/>
-                  </a:schemeClr>
-                </a:solidFill>
-                <a:latin typeface="思源黑体 CN Bold" panose="020B0800000000000000" pitchFamily="34" charset="-122"/>
-                <a:ea typeface="思源黑体 CN Bold" panose="020B0800000000000000" pitchFamily="34" charset="-122"/>
-                <a:cs typeface="+mn-ea"/>
-                <a:sym typeface="+mn-lt"/>
-              </a:rPr>
-              <a:t>  </a:t>
-            </a:r>
-            <a:r>
-              <a:rPr lang="en-US" altLang="zh-TW" sz="2800" b="1" dirty="0" smtClean="0">
-                <a:solidFill>
-                  <a:schemeClr val="tx1">
-                    <a:lumMod val="75000"/>
-                    <a:lumOff val="25000"/>
-                  </a:schemeClr>
-                </a:solidFill>
-                <a:latin typeface="思源黑体 CN Bold" panose="020B0800000000000000" pitchFamily="34" charset="-122"/>
-                <a:ea typeface="思源黑体 CN Bold" panose="020B0800000000000000" pitchFamily="34" charset="-122"/>
-                <a:cs typeface="+mn-ea"/>
-                <a:sym typeface="+mn-lt"/>
-              </a:rPr>
-              <a:t>6328	</a:t>
-            </a:r>
-          </a:p>
-          <a:p>
-            <a:pPr lvl="0" defTabSz="685800"/>
-            <a:r>
-              <a:rPr lang="en-US" altLang="zh-CN" sz="2800" b="1" dirty="0">
-                <a:solidFill>
-                  <a:schemeClr val="tx1">
-                    <a:lumMod val="75000"/>
-                    <a:lumOff val="25000"/>
-                  </a:schemeClr>
-                </a:solidFill>
-                <a:latin typeface="思源黑体 CN Bold" panose="020B0800000000000000" pitchFamily="34" charset="-122"/>
-                <a:ea typeface="思源黑体 CN Bold" panose="020B0800000000000000" pitchFamily="34" charset="-122"/>
-                <a:cs typeface="+mn-ea"/>
-                <a:sym typeface="+mn-lt"/>
-              </a:rPr>
-              <a:t>	</a:t>
-            </a:r>
-            <a:r>
-              <a:rPr lang="en-US" altLang="zh-TW" sz="2800" b="1" dirty="0" smtClean="0">
-                <a:solidFill>
-                  <a:schemeClr val="tx1">
-                    <a:lumMod val="75000"/>
-                    <a:lumOff val="25000"/>
-                  </a:schemeClr>
-                </a:solidFill>
-                <a:latin typeface="思源黑体 CN Bold" panose="020B0800000000000000" pitchFamily="34" charset="-122"/>
-                <a:ea typeface="思源黑体 CN Bold" panose="020B0800000000000000" pitchFamily="34" charset="-122"/>
-                <a:cs typeface="+mn-ea"/>
-                <a:sym typeface="+mn-lt"/>
-              </a:rPr>
-              <a:t>10/16</a:t>
-            </a:r>
-            <a:r>
-              <a:rPr lang="zh-TW" altLang="en-US" sz="2800" b="1" dirty="0" smtClean="0">
-                <a:solidFill>
-                  <a:schemeClr val="tx1">
-                    <a:lumMod val="75000"/>
-                    <a:lumOff val="25000"/>
-                  </a:schemeClr>
-                </a:solidFill>
-                <a:latin typeface="思源黑体 CN Bold" panose="020B0800000000000000" pitchFamily="34" charset="-122"/>
-                <a:ea typeface="思源黑体 CN Bold" panose="020B0800000000000000" pitchFamily="34" charset="-122"/>
-                <a:cs typeface="+mn-ea"/>
-                <a:sym typeface="+mn-lt"/>
-              </a:rPr>
-              <a:t>  </a:t>
-            </a:r>
-            <a:r>
-              <a:rPr lang="en-US" altLang="zh-TW" sz="2800" b="1" dirty="0" smtClean="0">
-                <a:solidFill>
-                  <a:schemeClr val="tx1">
-                    <a:lumMod val="75000"/>
-                    <a:lumOff val="25000"/>
-                  </a:schemeClr>
-                </a:solidFill>
-                <a:latin typeface="思源黑体 CN Bold" panose="020B0800000000000000" pitchFamily="34" charset="-122"/>
-                <a:ea typeface="思源黑体 CN Bold" panose="020B0800000000000000" pitchFamily="34" charset="-122"/>
-                <a:cs typeface="+mn-ea"/>
-                <a:sym typeface="+mn-lt"/>
-              </a:rPr>
-              <a:t>6659	</a:t>
-            </a:r>
-          </a:p>
-          <a:p>
-            <a:pPr lvl="0" defTabSz="685800"/>
-            <a:r>
-              <a:rPr lang="en-US" altLang="zh-CN" sz="2800" b="1" dirty="0">
-                <a:solidFill>
-                  <a:schemeClr val="tx1">
-                    <a:lumMod val="75000"/>
-                    <a:lumOff val="25000"/>
-                  </a:schemeClr>
-                </a:solidFill>
-                <a:latin typeface="思源黑体 CN Bold" panose="020B0800000000000000" pitchFamily="34" charset="-122"/>
-                <a:ea typeface="思源黑体 CN Bold" panose="020B0800000000000000" pitchFamily="34" charset="-122"/>
-                <a:cs typeface="+mn-ea"/>
-                <a:sym typeface="+mn-lt"/>
-              </a:rPr>
-              <a:t>	</a:t>
-            </a:r>
-            <a:r>
-              <a:rPr lang="en-US" altLang="zh-TW" sz="2800" b="1" dirty="0" smtClean="0">
-                <a:solidFill>
-                  <a:schemeClr val="tx1">
-                    <a:lumMod val="75000"/>
-                    <a:lumOff val="25000"/>
-                  </a:schemeClr>
-                </a:solidFill>
-                <a:latin typeface="思源黑体 CN Bold" panose="020B0800000000000000" pitchFamily="34" charset="-122"/>
-                <a:ea typeface="思源黑体 CN Bold" panose="020B0800000000000000" pitchFamily="34" charset="-122"/>
-                <a:cs typeface="+mn-ea"/>
-                <a:sym typeface="+mn-lt"/>
-              </a:rPr>
-              <a:t>10/17</a:t>
-            </a:r>
-            <a:r>
-              <a:rPr lang="zh-TW" altLang="en-US" sz="2800" b="1" dirty="0" smtClean="0">
-                <a:solidFill>
-                  <a:schemeClr val="tx1">
-                    <a:lumMod val="75000"/>
-                    <a:lumOff val="25000"/>
-                  </a:schemeClr>
-                </a:solidFill>
-                <a:latin typeface="思源黑体 CN Bold" panose="020B0800000000000000" pitchFamily="34" charset="-122"/>
-                <a:ea typeface="思源黑体 CN Bold" panose="020B0800000000000000" pitchFamily="34" charset="-122"/>
-                <a:cs typeface="+mn-ea"/>
-                <a:sym typeface="+mn-lt"/>
-              </a:rPr>
-              <a:t>  </a:t>
-            </a:r>
-            <a:r>
-              <a:rPr lang="en-US" altLang="zh-TW" sz="2800" b="1" dirty="0" smtClean="0">
-                <a:solidFill>
-                  <a:schemeClr val="tx1">
-                    <a:lumMod val="75000"/>
-                    <a:lumOff val="25000"/>
-                  </a:schemeClr>
-                </a:solidFill>
-                <a:latin typeface="思源黑体 CN Bold" panose="020B0800000000000000" pitchFamily="34" charset="-122"/>
-                <a:ea typeface="思源黑体 CN Bold" panose="020B0800000000000000" pitchFamily="34" charset="-122"/>
-                <a:cs typeface="+mn-ea"/>
-                <a:sym typeface="+mn-lt"/>
-              </a:rPr>
-              <a:t>6635</a:t>
-            </a:r>
-          </a:p>
-          <a:p>
-            <a:pPr lvl="0" defTabSz="685800"/>
-            <a:r>
-              <a:rPr lang="zh-TW" altLang="en-US" sz="2800" b="1" dirty="0" smtClean="0">
-                <a:solidFill>
-                  <a:schemeClr val="tx1">
-                    <a:lumMod val="75000"/>
-                    <a:lumOff val="25000"/>
-                  </a:schemeClr>
-                </a:solidFill>
-                <a:latin typeface="思源黑体 CN Bold" panose="020B0800000000000000" pitchFamily="34" charset="-122"/>
-                <a:ea typeface="思源黑体 CN Bold" panose="020B0800000000000000" pitchFamily="34" charset="-122"/>
-                <a:cs typeface="+mn-ea"/>
-                <a:sym typeface="+mn-lt"/>
-              </a:rPr>
-              <a:t>若</a:t>
-            </a:r>
-            <a:r>
-              <a:rPr lang="en-US" altLang="zh-TW" sz="2800" b="1" dirty="0" smtClean="0">
-                <a:solidFill>
-                  <a:schemeClr val="tx1">
-                    <a:lumMod val="75000"/>
-                    <a:lumOff val="25000"/>
-                  </a:schemeClr>
-                </a:solidFill>
-                <a:latin typeface="思源黑体 CN Bold" panose="020B0800000000000000" pitchFamily="34" charset="-122"/>
-                <a:ea typeface="思源黑体 CN Bold" panose="020B0800000000000000" pitchFamily="34" charset="-122"/>
-                <a:cs typeface="+mn-ea"/>
-                <a:sym typeface="+mn-lt"/>
-              </a:rPr>
-              <a:t>10/18</a:t>
-            </a:r>
-            <a:r>
-              <a:rPr lang="zh-TW" altLang="en-US" sz="2800" b="1" dirty="0" smtClean="0">
-                <a:solidFill>
-                  <a:schemeClr val="tx1">
-                    <a:lumMod val="75000"/>
-                    <a:lumOff val="25000"/>
-                  </a:schemeClr>
-                </a:solidFill>
-                <a:latin typeface="思源黑体 CN Bold" panose="020B0800000000000000" pitchFamily="34" charset="-122"/>
-                <a:ea typeface="思源黑体 CN Bold" panose="020B0800000000000000" pitchFamily="34" charset="-122"/>
-                <a:cs typeface="+mn-ea"/>
-                <a:sym typeface="+mn-lt"/>
-              </a:rPr>
-              <a:t>日的價格高於</a:t>
-            </a:r>
-            <a:r>
-              <a:rPr lang="en-US" altLang="zh-TW" sz="2800" b="1" dirty="0" smtClean="0">
-                <a:solidFill>
-                  <a:schemeClr val="tx1">
-                    <a:lumMod val="75000"/>
-                    <a:lumOff val="25000"/>
-                  </a:schemeClr>
-                </a:solidFill>
-                <a:latin typeface="思源黑体 CN Bold" panose="020B0800000000000000" pitchFamily="34" charset="-122"/>
-                <a:ea typeface="思源黑体 CN Bold" panose="020B0800000000000000" pitchFamily="34" charset="-122"/>
-                <a:cs typeface="+mn-ea"/>
-                <a:sym typeface="+mn-lt"/>
-              </a:rPr>
-              <a:t>5</a:t>
-            </a:r>
-            <a:r>
-              <a:rPr lang="zh-TW" altLang="en-US" sz="2800" b="1" dirty="0" smtClean="0">
-                <a:solidFill>
-                  <a:schemeClr val="tx1">
-                    <a:lumMod val="75000"/>
-                    <a:lumOff val="25000"/>
-                  </a:schemeClr>
-                </a:solidFill>
-                <a:latin typeface="思源黑体 CN Bold" panose="020B0800000000000000" pitchFamily="34" charset="-122"/>
-                <a:ea typeface="思源黑体 CN Bold" panose="020B0800000000000000" pitchFamily="34" charset="-122"/>
-                <a:cs typeface="+mn-ea"/>
-                <a:sym typeface="+mn-lt"/>
-              </a:rPr>
-              <a:t>日前</a:t>
-            </a:r>
-            <a:r>
-              <a:rPr lang="en-US" altLang="zh-TW" sz="2800" b="1" dirty="0" smtClean="0">
-                <a:solidFill>
-                  <a:schemeClr val="tx1">
-                    <a:lumMod val="75000"/>
-                    <a:lumOff val="25000"/>
-                  </a:schemeClr>
-                </a:solidFill>
-                <a:latin typeface="思源黑体 CN Bold" panose="020B0800000000000000" pitchFamily="34" charset="-122"/>
-                <a:ea typeface="思源黑体 CN Bold" panose="020B0800000000000000" pitchFamily="34" charset="-122"/>
-                <a:cs typeface="+mn-ea"/>
-                <a:sym typeface="+mn-lt"/>
-              </a:rPr>
-              <a:t>(10/13)</a:t>
-            </a:r>
-            <a:r>
-              <a:rPr lang="zh-TW" altLang="en-US" sz="2800" b="1" dirty="0" smtClean="0">
-                <a:solidFill>
-                  <a:schemeClr val="tx1">
-                    <a:lumMod val="75000"/>
-                    <a:lumOff val="25000"/>
-                  </a:schemeClr>
-                </a:solidFill>
-                <a:latin typeface="思源黑体 CN Bold" panose="020B0800000000000000" pitchFamily="34" charset="-122"/>
-                <a:ea typeface="思源黑体 CN Bold" panose="020B0800000000000000" pitchFamily="34" charset="-122"/>
-                <a:cs typeface="+mn-ea"/>
-                <a:sym typeface="+mn-lt"/>
-              </a:rPr>
-              <a:t>的</a:t>
-            </a:r>
-            <a:r>
-              <a:rPr lang="en-US" altLang="zh-TW" sz="2800" b="1" dirty="0" smtClean="0">
-                <a:solidFill>
-                  <a:schemeClr val="tx1">
-                    <a:lumMod val="75000"/>
-                    <a:lumOff val="25000"/>
-                  </a:schemeClr>
-                </a:solidFill>
-                <a:latin typeface="思源黑体 CN Bold" panose="020B0800000000000000" pitchFamily="34" charset="-122"/>
-                <a:ea typeface="思源黑体 CN Bold" panose="020B0800000000000000" pitchFamily="34" charset="-122"/>
-                <a:cs typeface="+mn-ea"/>
-                <a:sym typeface="+mn-lt"/>
-              </a:rPr>
-              <a:t>6285</a:t>
-            </a:r>
-            <a:r>
-              <a:rPr lang="zh-TW" altLang="en-US" sz="2800" b="1" dirty="0" smtClean="0">
-                <a:solidFill>
-                  <a:schemeClr val="tx1">
-                    <a:lumMod val="75000"/>
-                    <a:lumOff val="25000"/>
-                  </a:schemeClr>
-                </a:solidFill>
-                <a:latin typeface="思源黑体 CN Bold" panose="020B0800000000000000" pitchFamily="34" charset="-122"/>
-                <a:ea typeface="思源黑体 CN Bold" panose="020B0800000000000000" pitchFamily="34" charset="-122"/>
-                <a:cs typeface="+mn-ea"/>
-                <a:sym typeface="+mn-lt"/>
-              </a:rPr>
-              <a:t>，均線將會上揚</a:t>
-            </a:r>
-            <a:endParaRPr lang="zh-CN" altLang="en-US" sz="2800" b="1" dirty="0">
-              <a:solidFill>
-                <a:schemeClr val="tx1">
-                  <a:lumMod val="75000"/>
-                  <a:lumOff val="25000"/>
-                </a:schemeClr>
-              </a:solidFill>
-              <a:latin typeface="思源黑体 CN Bold" panose="020B0800000000000000" pitchFamily="34" charset="-122"/>
-              <a:ea typeface="思源黑体 CN Bold" panose="020B0800000000000000" pitchFamily="34" charset="-122"/>
-              <a:cs typeface="+mn-ea"/>
-              <a:sym typeface="+mn-lt"/>
-            </a:endParaRPr>
-          </a:p>
         </p:txBody>
       </p:sp>
     </p:spTree>
     <p:extLst>
       <p:ext uri="{BB962C8B-B14F-4D97-AF65-F5344CB8AC3E}">
-        <p14:creationId xmlns:p14="http://schemas.microsoft.com/office/powerpoint/2010/main" val="1782054272"/>
+        <p14:creationId xmlns:p14="http://schemas.microsoft.com/office/powerpoint/2010/main" val="15961207"/>
       </p:ext>
     </p:extLst>
   </p:cSld>
@@ -7051,8 +6738,8 @@
         </p:nvSpPr>
         <p:spPr>
           <a:xfrm>
-            <a:off x="5027309" y="3044801"/>
-            <a:ext cx="2179826" cy="1200329"/>
+            <a:off x="1619089" y="1459753"/>
+            <a:ext cx="9453463" cy="4770537"/>
           </a:xfrm>
           <a:prstGeom prst="rect">
             <a:avLst/>
@@ -7071,7 +6758,7 @@
           <a:p>
             <a:pPr lvl="0" defTabSz="685800"/>
             <a:r>
-              <a:rPr lang="zh-TW" altLang="en-US" sz="7200" b="1" dirty="0">
+              <a:rPr lang="zh-TW" altLang="en-US" sz="3600" b="1" dirty="0" smtClean="0">
                 <a:solidFill>
                   <a:schemeClr val="tx1">
                     <a:lumMod val="75000"/>
@@ -7083,9 +6770,9 @@
                 <a:cs typeface="+mn-ea"/>
                 <a:sym typeface="+mn-lt"/>
               </a:rPr>
-              <a:t>盲點</a:t>
-            </a:r>
-            <a:endParaRPr lang="zh-CN" altLang="en-US" sz="7200" b="1" dirty="0">
+              <a:t>均線扣抵理論</a:t>
+            </a:r>
+            <a:endParaRPr lang="en-US" altLang="zh-TW" sz="3600" b="1" dirty="0">
               <a:solidFill>
                 <a:schemeClr val="tx1">
                   <a:lumMod val="75000"/>
@@ -7098,12 +6785,552 @@
               <a:sym typeface="+mn-lt"/>
             </a:endParaRPr>
           </a:p>
+          <a:p>
+            <a:pPr lvl="0" defTabSz="685800"/>
+            <a:r>
+              <a:rPr lang="zh-TW" altLang="en-US" sz="3600" b="1" dirty="0" smtClean="0">
+                <a:solidFill>
+                  <a:schemeClr val="tx1">
+                    <a:lumMod val="75000"/>
+                    <a:lumOff val="25000"/>
+                  </a:schemeClr>
+                </a:solidFill>
+                <a:latin typeface="思源黑体 CN Bold" panose="020B0800000000000000" pitchFamily="34" charset="-122"/>
+                <a:ea typeface="思源黑体 CN Bold" panose="020B0800000000000000" pitchFamily="34" charset="-122"/>
+                <a:cs typeface="+mn-ea"/>
+                <a:sym typeface="+mn-lt"/>
+              </a:rPr>
+              <a:t>可以判斷均線未來走向</a:t>
+            </a:r>
+            <a:endParaRPr lang="en-US" altLang="zh-TW" sz="3600" b="1" dirty="0" smtClean="0">
+              <a:solidFill>
+                <a:schemeClr val="tx1">
+                  <a:lumMod val="75000"/>
+                  <a:lumOff val="25000"/>
+                </a:schemeClr>
+              </a:solidFill>
+              <a:latin typeface="思源黑体 CN Bold" panose="020B0800000000000000" pitchFamily="34" charset="-122"/>
+              <a:ea typeface="思源黑体 CN Bold" panose="020B0800000000000000" pitchFamily="34" charset="-122"/>
+              <a:cs typeface="+mn-ea"/>
+              <a:sym typeface="+mn-lt"/>
+            </a:endParaRPr>
+          </a:p>
+          <a:p>
+            <a:pPr lvl="0" defTabSz="685800"/>
+            <a:endParaRPr lang="en-US" altLang="zh-CN" sz="3600" b="1" dirty="0">
+              <a:solidFill>
+                <a:schemeClr val="tx1">
+                  <a:lumMod val="75000"/>
+                  <a:lumOff val="25000"/>
+                </a:schemeClr>
+              </a:solidFill>
+              <a:latin typeface="思源黑体 CN Bold" panose="020B0800000000000000" pitchFamily="34" charset="-122"/>
+              <a:ea typeface="思源黑体 CN Bold" panose="020B0800000000000000" pitchFamily="34" charset="-122"/>
+              <a:cs typeface="+mn-ea"/>
+              <a:sym typeface="+mn-lt"/>
+            </a:endParaRPr>
+          </a:p>
+          <a:p>
+            <a:pPr lvl="0" defTabSz="685800"/>
+            <a:r>
+              <a:rPr lang="zh-TW" altLang="en-US" sz="2800" b="1" dirty="0" smtClean="0">
+                <a:solidFill>
+                  <a:schemeClr val="tx1">
+                    <a:lumMod val="75000"/>
+                    <a:lumOff val="25000"/>
+                  </a:schemeClr>
+                </a:solidFill>
+                <a:latin typeface="思源黑体 CN Bold" panose="020B0800000000000000" pitchFamily="34" charset="-122"/>
+                <a:ea typeface="思源黑体 CN Bold" panose="020B0800000000000000" pitchFamily="34" charset="-122"/>
+                <a:cs typeface="+mn-ea"/>
+                <a:sym typeface="+mn-lt"/>
+              </a:rPr>
+              <a:t>若以五日均線來判斷</a:t>
+            </a:r>
+            <a:endParaRPr lang="en-US" altLang="zh-TW" sz="2800" b="1" dirty="0" smtClean="0">
+              <a:solidFill>
+                <a:schemeClr val="tx1">
+                  <a:lumMod val="75000"/>
+                  <a:lumOff val="25000"/>
+                </a:schemeClr>
+              </a:solidFill>
+              <a:latin typeface="思源黑体 CN Bold" panose="020B0800000000000000" pitchFamily="34" charset="-122"/>
+              <a:ea typeface="思源黑体 CN Bold" panose="020B0800000000000000" pitchFamily="34" charset="-122"/>
+              <a:cs typeface="+mn-ea"/>
+              <a:sym typeface="+mn-lt"/>
+            </a:endParaRPr>
+          </a:p>
+          <a:p>
+            <a:pPr lvl="0" defTabSz="685800"/>
+            <a:r>
+              <a:rPr lang="en-US" altLang="zh-CN" sz="2800" b="1" dirty="0">
+                <a:solidFill>
+                  <a:schemeClr val="tx1">
+                    <a:lumMod val="75000"/>
+                    <a:lumOff val="25000"/>
+                  </a:schemeClr>
+                </a:solidFill>
+                <a:latin typeface="思源黑体 CN Bold" panose="020B0800000000000000" pitchFamily="34" charset="-122"/>
+                <a:ea typeface="思源黑体 CN Bold" panose="020B0800000000000000" pitchFamily="34" charset="-122"/>
+                <a:cs typeface="+mn-ea"/>
+                <a:sym typeface="+mn-lt"/>
+              </a:rPr>
+              <a:t>	</a:t>
+            </a:r>
+            <a:r>
+              <a:rPr lang="en-US" altLang="zh-TW" sz="2800" b="1" dirty="0" smtClean="0">
+                <a:solidFill>
+                  <a:schemeClr val="tx1">
+                    <a:lumMod val="75000"/>
+                    <a:lumOff val="25000"/>
+                  </a:schemeClr>
+                </a:solidFill>
+                <a:latin typeface="思源黑体 CN Bold" panose="020B0800000000000000" pitchFamily="34" charset="-122"/>
+                <a:ea typeface="思源黑体 CN Bold" panose="020B0800000000000000" pitchFamily="34" charset="-122"/>
+                <a:cs typeface="+mn-ea"/>
+                <a:sym typeface="+mn-lt"/>
+              </a:rPr>
+              <a:t>10/13</a:t>
+            </a:r>
+            <a:r>
+              <a:rPr lang="zh-TW" altLang="en-US" sz="2800" b="1" dirty="0" smtClean="0">
+                <a:solidFill>
+                  <a:schemeClr val="tx1">
+                    <a:lumMod val="75000"/>
+                    <a:lumOff val="25000"/>
+                  </a:schemeClr>
+                </a:solidFill>
+                <a:latin typeface="思源黑体 CN Bold" panose="020B0800000000000000" pitchFamily="34" charset="-122"/>
+                <a:ea typeface="思源黑体 CN Bold" panose="020B0800000000000000" pitchFamily="34" charset="-122"/>
+                <a:cs typeface="+mn-ea"/>
+                <a:sym typeface="+mn-lt"/>
+              </a:rPr>
+              <a:t>  </a:t>
+            </a:r>
+            <a:r>
+              <a:rPr lang="en-US" altLang="zh-TW" sz="2800" b="1" dirty="0" smtClean="0">
+                <a:solidFill>
+                  <a:schemeClr val="tx1">
+                    <a:lumMod val="75000"/>
+                    <a:lumOff val="25000"/>
+                  </a:schemeClr>
+                </a:solidFill>
+                <a:latin typeface="思源黑体 CN Bold" panose="020B0800000000000000" pitchFamily="34" charset="-122"/>
+                <a:ea typeface="思源黑体 CN Bold" panose="020B0800000000000000" pitchFamily="34" charset="-122"/>
+                <a:cs typeface="+mn-ea"/>
+                <a:sym typeface="+mn-lt"/>
+              </a:rPr>
+              <a:t>6285</a:t>
+            </a:r>
+          </a:p>
+          <a:p>
+            <a:pPr lvl="0" defTabSz="685800"/>
+            <a:r>
+              <a:rPr lang="en-US" altLang="zh-CN" sz="2800" b="1" dirty="0">
+                <a:solidFill>
+                  <a:schemeClr val="tx1">
+                    <a:lumMod val="75000"/>
+                    <a:lumOff val="25000"/>
+                  </a:schemeClr>
+                </a:solidFill>
+                <a:latin typeface="思源黑体 CN Bold" panose="020B0800000000000000" pitchFamily="34" charset="-122"/>
+                <a:ea typeface="思源黑体 CN Bold" panose="020B0800000000000000" pitchFamily="34" charset="-122"/>
+                <a:cs typeface="+mn-ea"/>
+                <a:sym typeface="+mn-lt"/>
+              </a:rPr>
+              <a:t>	</a:t>
+            </a:r>
+            <a:r>
+              <a:rPr lang="en-US" altLang="zh-TW" sz="2800" b="1" dirty="0" smtClean="0">
+                <a:solidFill>
+                  <a:schemeClr val="tx1">
+                    <a:lumMod val="75000"/>
+                    <a:lumOff val="25000"/>
+                  </a:schemeClr>
+                </a:solidFill>
+                <a:latin typeface="思源黑体 CN Bold" panose="020B0800000000000000" pitchFamily="34" charset="-122"/>
+                <a:ea typeface="思源黑体 CN Bold" panose="020B0800000000000000" pitchFamily="34" charset="-122"/>
+                <a:cs typeface="+mn-ea"/>
+                <a:sym typeface="+mn-lt"/>
+              </a:rPr>
+              <a:t>10/14</a:t>
+            </a:r>
+            <a:r>
+              <a:rPr lang="zh-TW" altLang="en-US" sz="2800" b="1" dirty="0" smtClean="0">
+                <a:solidFill>
+                  <a:schemeClr val="tx1">
+                    <a:lumMod val="75000"/>
+                    <a:lumOff val="25000"/>
+                  </a:schemeClr>
+                </a:solidFill>
+                <a:latin typeface="思源黑体 CN Bold" panose="020B0800000000000000" pitchFamily="34" charset="-122"/>
+                <a:ea typeface="思源黑体 CN Bold" panose="020B0800000000000000" pitchFamily="34" charset="-122"/>
+                <a:cs typeface="+mn-ea"/>
+                <a:sym typeface="+mn-lt"/>
+              </a:rPr>
+              <a:t>  </a:t>
+            </a:r>
+            <a:r>
+              <a:rPr lang="en-US" altLang="zh-TW" sz="2800" b="1" dirty="0" smtClean="0">
+                <a:solidFill>
+                  <a:schemeClr val="tx1">
+                    <a:lumMod val="75000"/>
+                    <a:lumOff val="25000"/>
+                  </a:schemeClr>
+                </a:solidFill>
+                <a:latin typeface="思源黑体 CN Bold" panose="020B0800000000000000" pitchFamily="34" charset="-122"/>
+                <a:ea typeface="思源黑体 CN Bold" panose="020B0800000000000000" pitchFamily="34" charset="-122"/>
+                <a:cs typeface="+mn-ea"/>
+                <a:sym typeface="+mn-lt"/>
+              </a:rPr>
+              <a:t>6314</a:t>
+            </a:r>
+          </a:p>
+          <a:p>
+            <a:pPr lvl="0" defTabSz="685800"/>
+            <a:r>
+              <a:rPr lang="en-US" altLang="zh-CN" sz="2800" b="1" dirty="0">
+                <a:solidFill>
+                  <a:schemeClr val="tx1">
+                    <a:lumMod val="75000"/>
+                    <a:lumOff val="25000"/>
+                  </a:schemeClr>
+                </a:solidFill>
+                <a:latin typeface="思源黑体 CN Bold" panose="020B0800000000000000" pitchFamily="34" charset="-122"/>
+                <a:ea typeface="思源黑体 CN Bold" panose="020B0800000000000000" pitchFamily="34" charset="-122"/>
+                <a:cs typeface="+mn-ea"/>
+                <a:sym typeface="+mn-lt"/>
+              </a:rPr>
+              <a:t>	</a:t>
+            </a:r>
+            <a:r>
+              <a:rPr lang="en-US" altLang="zh-TW" sz="2800" b="1" dirty="0" smtClean="0">
+                <a:solidFill>
+                  <a:schemeClr val="tx1">
+                    <a:lumMod val="75000"/>
+                    <a:lumOff val="25000"/>
+                  </a:schemeClr>
+                </a:solidFill>
+                <a:latin typeface="思源黑体 CN Bold" panose="020B0800000000000000" pitchFamily="34" charset="-122"/>
+                <a:ea typeface="思源黑体 CN Bold" panose="020B0800000000000000" pitchFamily="34" charset="-122"/>
+                <a:cs typeface="+mn-ea"/>
+                <a:sym typeface="+mn-lt"/>
+              </a:rPr>
+              <a:t>10/15</a:t>
+            </a:r>
+            <a:r>
+              <a:rPr lang="zh-TW" altLang="en-US" sz="2800" b="1" dirty="0" smtClean="0">
+                <a:solidFill>
+                  <a:schemeClr val="tx1">
+                    <a:lumMod val="75000"/>
+                    <a:lumOff val="25000"/>
+                  </a:schemeClr>
+                </a:solidFill>
+                <a:latin typeface="思源黑体 CN Bold" panose="020B0800000000000000" pitchFamily="34" charset="-122"/>
+                <a:ea typeface="思源黑体 CN Bold" panose="020B0800000000000000" pitchFamily="34" charset="-122"/>
+                <a:cs typeface="+mn-ea"/>
+                <a:sym typeface="+mn-lt"/>
+              </a:rPr>
+              <a:t>  </a:t>
+            </a:r>
+            <a:r>
+              <a:rPr lang="en-US" altLang="zh-TW" sz="2800" b="1" dirty="0" smtClean="0">
+                <a:solidFill>
+                  <a:schemeClr val="tx1">
+                    <a:lumMod val="75000"/>
+                    <a:lumOff val="25000"/>
+                  </a:schemeClr>
+                </a:solidFill>
+                <a:latin typeface="思源黑体 CN Bold" panose="020B0800000000000000" pitchFamily="34" charset="-122"/>
+                <a:ea typeface="思源黑体 CN Bold" panose="020B0800000000000000" pitchFamily="34" charset="-122"/>
+                <a:cs typeface="+mn-ea"/>
+                <a:sym typeface="+mn-lt"/>
+              </a:rPr>
+              <a:t>6328	</a:t>
+            </a:r>
+          </a:p>
+          <a:p>
+            <a:pPr lvl="0" defTabSz="685800"/>
+            <a:r>
+              <a:rPr lang="en-US" altLang="zh-CN" sz="2800" b="1" dirty="0">
+                <a:solidFill>
+                  <a:schemeClr val="tx1">
+                    <a:lumMod val="75000"/>
+                    <a:lumOff val="25000"/>
+                  </a:schemeClr>
+                </a:solidFill>
+                <a:latin typeface="思源黑体 CN Bold" panose="020B0800000000000000" pitchFamily="34" charset="-122"/>
+                <a:ea typeface="思源黑体 CN Bold" panose="020B0800000000000000" pitchFamily="34" charset="-122"/>
+                <a:cs typeface="+mn-ea"/>
+                <a:sym typeface="+mn-lt"/>
+              </a:rPr>
+              <a:t>	</a:t>
+            </a:r>
+            <a:r>
+              <a:rPr lang="en-US" altLang="zh-TW" sz="2800" b="1" dirty="0" smtClean="0">
+                <a:solidFill>
+                  <a:schemeClr val="tx1">
+                    <a:lumMod val="75000"/>
+                    <a:lumOff val="25000"/>
+                  </a:schemeClr>
+                </a:solidFill>
+                <a:latin typeface="思源黑体 CN Bold" panose="020B0800000000000000" pitchFamily="34" charset="-122"/>
+                <a:ea typeface="思源黑体 CN Bold" panose="020B0800000000000000" pitchFamily="34" charset="-122"/>
+                <a:cs typeface="+mn-ea"/>
+                <a:sym typeface="+mn-lt"/>
+              </a:rPr>
+              <a:t>10/16</a:t>
+            </a:r>
+            <a:r>
+              <a:rPr lang="zh-TW" altLang="en-US" sz="2800" b="1" dirty="0" smtClean="0">
+                <a:solidFill>
+                  <a:schemeClr val="tx1">
+                    <a:lumMod val="75000"/>
+                    <a:lumOff val="25000"/>
+                  </a:schemeClr>
+                </a:solidFill>
+                <a:latin typeface="思源黑体 CN Bold" panose="020B0800000000000000" pitchFamily="34" charset="-122"/>
+                <a:ea typeface="思源黑体 CN Bold" panose="020B0800000000000000" pitchFamily="34" charset="-122"/>
+                <a:cs typeface="+mn-ea"/>
+                <a:sym typeface="+mn-lt"/>
+              </a:rPr>
+              <a:t>  </a:t>
+            </a:r>
+            <a:r>
+              <a:rPr lang="en-US" altLang="zh-TW" sz="2800" b="1" dirty="0" smtClean="0">
+                <a:solidFill>
+                  <a:schemeClr val="tx1">
+                    <a:lumMod val="75000"/>
+                    <a:lumOff val="25000"/>
+                  </a:schemeClr>
+                </a:solidFill>
+                <a:latin typeface="思源黑体 CN Bold" panose="020B0800000000000000" pitchFamily="34" charset="-122"/>
+                <a:ea typeface="思源黑体 CN Bold" panose="020B0800000000000000" pitchFamily="34" charset="-122"/>
+                <a:cs typeface="+mn-ea"/>
+                <a:sym typeface="+mn-lt"/>
+              </a:rPr>
+              <a:t>6659	</a:t>
+            </a:r>
+          </a:p>
+          <a:p>
+            <a:pPr lvl="0" defTabSz="685800"/>
+            <a:r>
+              <a:rPr lang="en-US" altLang="zh-CN" sz="2800" b="1" dirty="0">
+                <a:solidFill>
+                  <a:schemeClr val="tx1">
+                    <a:lumMod val="75000"/>
+                    <a:lumOff val="25000"/>
+                  </a:schemeClr>
+                </a:solidFill>
+                <a:latin typeface="思源黑体 CN Bold" panose="020B0800000000000000" pitchFamily="34" charset="-122"/>
+                <a:ea typeface="思源黑体 CN Bold" panose="020B0800000000000000" pitchFamily="34" charset="-122"/>
+                <a:cs typeface="+mn-ea"/>
+                <a:sym typeface="+mn-lt"/>
+              </a:rPr>
+              <a:t>	</a:t>
+            </a:r>
+            <a:r>
+              <a:rPr lang="en-US" altLang="zh-TW" sz="2800" b="1" dirty="0" smtClean="0">
+                <a:solidFill>
+                  <a:schemeClr val="tx1">
+                    <a:lumMod val="75000"/>
+                    <a:lumOff val="25000"/>
+                  </a:schemeClr>
+                </a:solidFill>
+                <a:latin typeface="思源黑体 CN Bold" panose="020B0800000000000000" pitchFamily="34" charset="-122"/>
+                <a:ea typeface="思源黑体 CN Bold" panose="020B0800000000000000" pitchFamily="34" charset="-122"/>
+                <a:cs typeface="+mn-ea"/>
+                <a:sym typeface="+mn-lt"/>
+              </a:rPr>
+              <a:t>10/17</a:t>
+            </a:r>
+            <a:r>
+              <a:rPr lang="zh-TW" altLang="en-US" sz="2800" b="1" dirty="0" smtClean="0">
+                <a:solidFill>
+                  <a:schemeClr val="tx1">
+                    <a:lumMod val="75000"/>
+                    <a:lumOff val="25000"/>
+                  </a:schemeClr>
+                </a:solidFill>
+                <a:latin typeface="思源黑体 CN Bold" panose="020B0800000000000000" pitchFamily="34" charset="-122"/>
+                <a:ea typeface="思源黑体 CN Bold" panose="020B0800000000000000" pitchFamily="34" charset="-122"/>
+                <a:cs typeface="+mn-ea"/>
+                <a:sym typeface="+mn-lt"/>
+              </a:rPr>
+              <a:t>  </a:t>
+            </a:r>
+            <a:r>
+              <a:rPr lang="en-US" altLang="zh-TW" sz="2800" b="1" dirty="0" smtClean="0">
+                <a:solidFill>
+                  <a:schemeClr val="tx1">
+                    <a:lumMod val="75000"/>
+                    <a:lumOff val="25000"/>
+                  </a:schemeClr>
+                </a:solidFill>
+                <a:latin typeface="思源黑体 CN Bold" panose="020B0800000000000000" pitchFamily="34" charset="-122"/>
+                <a:ea typeface="思源黑体 CN Bold" panose="020B0800000000000000" pitchFamily="34" charset="-122"/>
+                <a:cs typeface="+mn-ea"/>
+                <a:sym typeface="+mn-lt"/>
+              </a:rPr>
+              <a:t>6635</a:t>
+            </a:r>
+          </a:p>
+          <a:p>
+            <a:pPr lvl="0" defTabSz="685800"/>
+            <a:r>
+              <a:rPr lang="zh-TW" altLang="en-US" sz="2800" b="1" dirty="0" smtClean="0">
+                <a:solidFill>
+                  <a:schemeClr val="tx1">
+                    <a:lumMod val="75000"/>
+                    <a:lumOff val="25000"/>
+                  </a:schemeClr>
+                </a:solidFill>
+                <a:latin typeface="思源黑体 CN Bold" panose="020B0800000000000000" pitchFamily="34" charset="-122"/>
+                <a:ea typeface="思源黑体 CN Bold" panose="020B0800000000000000" pitchFamily="34" charset="-122"/>
+                <a:cs typeface="+mn-ea"/>
+                <a:sym typeface="+mn-lt"/>
+              </a:rPr>
+              <a:t>若</a:t>
+            </a:r>
+            <a:r>
+              <a:rPr lang="en-US" altLang="zh-TW" sz="2800" b="1" dirty="0" smtClean="0">
+                <a:solidFill>
+                  <a:schemeClr val="tx1">
+                    <a:lumMod val="75000"/>
+                    <a:lumOff val="25000"/>
+                  </a:schemeClr>
+                </a:solidFill>
+                <a:latin typeface="思源黑体 CN Bold" panose="020B0800000000000000" pitchFamily="34" charset="-122"/>
+                <a:ea typeface="思源黑体 CN Bold" panose="020B0800000000000000" pitchFamily="34" charset="-122"/>
+                <a:cs typeface="+mn-ea"/>
+                <a:sym typeface="+mn-lt"/>
+              </a:rPr>
+              <a:t>10/18</a:t>
+            </a:r>
+            <a:r>
+              <a:rPr lang="zh-TW" altLang="en-US" sz="2800" b="1" dirty="0" smtClean="0">
+                <a:solidFill>
+                  <a:schemeClr val="tx1">
+                    <a:lumMod val="75000"/>
+                    <a:lumOff val="25000"/>
+                  </a:schemeClr>
+                </a:solidFill>
+                <a:latin typeface="思源黑体 CN Bold" panose="020B0800000000000000" pitchFamily="34" charset="-122"/>
+                <a:ea typeface="思源黑体 CN Bold" panose="020B0800000000000000" pitchFamily="34" charset="-122"/>
+                <a:cs typeface="+mn-ea"/>
+                <a:sym typeface="+mn-lt"/>
+              </a:rPr>
+              <a:t>日的價格高於</a:t>
+            </a:r>
+            <a:r>
+              <a:rPr lang="en-US" altLang="zh-TW" sz="2800" b="1" dirty="0" smtClean="0">
+                <a:solidFill>
+                  <a:schemeClr val="tx1">
+                    <a:lumMod val="75000"/>
+                    <a:lumOff val="25000"/>
+                  </a:schemeClr>
+                </a:solidFill>
+                <a:latin typeface="思源黑体 CN Bold" panose="020B0800000000000000" pitchFamily="34" charset="-122"/>
+                <a:ea typeface="思源黑体 CN Bold" panose="020B0800000000000000" pitchFamily="34" charset="-122"/>
+                <a:cs typeface="+mn-ea"/>
+                <a:sym typeface="+mn-lt"/>
+              </a:rPr>
+              <a:t>5</a:t>
+            </a:r>
+            <a:r>
+              <a:rPr lang="zh-TW" altLang="en-US" sz="2800" b="1" dirty="0" smtClean="0">
+                <a:solidFill>
+                  <a:schemeClr val="tx1">
+                    <a:lumMod val="75000"/>
+                    <a:lumOff val="25000"/>
+                  </a:schemeClr>
+                </a:solidFill>
+                <a:latin typeface="思源黑体 CN Bold" panose="020B0800000000000000" pitchFamily="34" charset="-122"/>
+                <a:ea typeface="思源黑体 CN Bold" panose="020B0800000000000000" pitchFamily="34" charset="-122"/>
+                <a:cs typeface="+mn-ea"/>
+                <a:sym typeface="+mn-lt"/>
+              </a:rPr>
+              <a:t>日前</a:t>
+            </a:r>
+            <a:r>
+              <a:rPr lang="en-US" altLang="zh-TW" sz="2800" b="1" dirty="0" smtClean="0">
+                <a:solidFill>
+                  <a:schemeClr val="tx1">
+                    <a:lumMod val="75000"/>
+                    <a:lumOff val="25000"/>
+                  </a:schemeClr>
+                </a:solidFill>
+                <a:latin typeface="思源黑体 CN Bold" panose="020B0800000000000000" pitchFamily="34" charset="-122"/>
+                <a:ea typeface="思源黑体 CN Bold" panose="020B0800000000000000" pitchFamily="34" charset="-122"/>
+                <a:cs typeface="+mn-ea"/>
+                <a:sym typeface="+mn-lt"/>
+              </a:rPr>
+              <a:t>(10/13)</a:t>
+            </a:r>
+            <a:r>
+              <a:rPr lang="zh-TW" altLang="en-US" sz="2800" b="1" dirty="0" smtClean="0">
+                <a:solidFill>
+                  <a:schemeClr val="tx1">
+                    <a:lumMod val="75000"/>
+                    <a:lumOff val="25000"/>
+                  </a:schemeClr>
+                </a:solidFill>
+                <a:latin typeface="思源黑体 CN Bold" panose="020B0800000000000000" pitchFamily="34" charset="-122"/>
+                <a:ea typeface="思源黑体 CN Bold" panose="020B0800000000000000" pitchFamily="34" charset="-122"/>
+                <a:cs typeface="+mn-ea"/>
+                <a:sym typeface="+mn-lt"/>
+              </a:rPr>
+              <a:t>的</a:t>
+            </a:r>
+            <a:r>
+              <a:rPr lang="en-US" altLang="zh-TW" sz="2800" b="1" dirty="0" smtClean="0">
+                <a:solidFill>
+                  <a:schemeClr val="tx1">
+                    <a:lumMod val="75000"/>
+                    <a:lumOff val="25000"/>
+                  </a:schemeClr>
+                </a:solidFill>
+                <a:latin typeface="思源黑体 CN Bold" panose="020B0800000000000000" pitchFamily="34" charset="-122"/>
+                <a:ea typeface="思源黑体 CN Bold" panose="020B0800000000000000" pitchFamily="34" charset="-122"/>
+                <a:cs typeface="+mn-ea"/>
+                <a:sym typeface="+mn-lt"/>
+              </a:rPr>
+              <a:t>6285</a:t>
+            </a:r>
+            <a:r>
+              <a:rPr lang="zh-TW" altLang="en-US" sz="2800" b="1" dirty="0" smtClean="0">
+                <a:solidFill>
+                  <a:schemeClr val="tx1">
+                    <a:lumMod val="75000"/>
+                    <a:lumOff val="25000"/>
+                  </a:schemeClr>
+                </a:solidFill>
+                <a:latin typeface="思源黑体 CN Bold" panose="020B0800000000000000" pitchFamily="34" charset="-122"/>
+                <a:ea typeface="思源黑体 CN Bold" panose="020B0800000000000000" pitchFamily="34" charset="-122"/>
+                <a:cs typeface="+mn-ea"/>
+                <a:sym typeface="+mn-lt"/>
+              </a:rPr>
+              <a:t>，均線將會上揚</a:t>
+            </a:r>
+            <a:endParaRPr lang="zh-CN" altLang="en-US" sz="2800" b="1" dirty="0">
+              <a:solidFill>
+                <a:schemeClr val="tx1">
+                  <a:lumMod val="75000"/>
+                  <a:lumOff val="25000"/>
+                </a:schemeClr>
+              </a:solidFill>
+              <a:latin typeface="思源黑体 CN Bold" panose="020B0800000000000000" pitchFamily="34" charset="-122"/>
+              <a:ea typeface="思源黑体 CN Bold" panose="020B0800000000000000" pitchFamily="34" charset="-122"/>
+              <a:cs typeface="+mn-ea"/>
+              <a:sym typeface="+mn-lt"/>
+            </a:endParaRPr>
+          </a:p>
         </p:txBody>
       </p:sp>
     </p:spTree>
     <p:extLst>
       <p:ext uri="{BB962C8B-B14F-4D97-AF65-F5344CB8AC3E}">
-        <p14:creationId xmlns:p14="http://schemas.microsoft.com/office/powerpoint/2010/main" val="2809642738"/>
+        <p14:creationId xmlns:p14="http://schemas.microsoft.com/office/powerpoint/2010/main" val="1782054272"/>
       </p:ext>
     </p:extLst>
   </p:cSld>
@@ -7262,8 +7489,8 @@
         </p:nvSpPr>
         <p:spPr>
           <a:xfrm>
-            <a:off x="1379914" y="1980772"/>
-            <a:ext cx="11280370" cy="3416320"/>
+            <a:off x="5027309" y="3044801"/>
+            <a:ext cx="2179826" cy="1200329"/>
           </a:xfrm>
           <a:prstGeom prst="rect">
             <a:avLst/>
@@ -7280,408 +7507,23 @@
           </a:bodyPr>
           <a:lstStyle/>
           <a:p>
-            <a:pPr lvl="0"/>
-            <a:r>
-              <a:rPr lang="en-US" altLang="zh-TW" sz="3600" b="1" dirty="0">
-                <a:solidFill>
-                  <a:schemeClr val="tx1">
-                    <a:lumMod val="75000"/>
-                    <a:lumOff val="25000"/>
-                  </a:schemeClr>
-                </a:solidFill>
-                <a:latin typeface="微軟正黑體" panose="020B0604030504040204" pitchFamily="34" charset="-120"/>
-                <a:ea typeface="微軟正黑體" panose="020B0604030504040204" pitchFamily="34" charset="-120"/>
-              </a:rPr>
-              <a:t>	</a:t>
-            </a:r>
-            <a:r>
-              <a:rPr lang="zh-TW" altLang="en-US" sz="3600" b="1" dirty="0">
-                <a:solidFill>
-                  <a:schemeClr val="tx1">
-                    <a:lumMod val="75000"/>
-                    <a:lumOff val="25000"/>
-                  </a:schemeClr>
-                </a:solidFill>
-                <a:latin typeface="微軟正黑體" panose="020B0604030504040204" pitchFamily="34" charset="-120"/>
-                <a:ea typeface="微軟正黑體" panose="020B0604030504040204" pitchFamily="34" charset="-120"/>
-              </a:rPr>
-              <a:t>將過去</a:t>
-            </a:r>
-            <a:r>
-              <a:rPr lang="en-US" altLang="zh-TW" sz="3600" b="1" dirty="0">
-                <a:solidFill>
-                  <a:schemeClr val="tx1">
-                    <a:lumMod val="75000"/>
-                    <a:lumOff val="25000"/>
-                  </a:schemeClr>
-                </a:solidFill>
-                <a:latin typeface="微軟正黑體" panose="020B0604030504040204" pitchFamily="34" charset="-120"/>
-                <a:ea typeface="微軟正黑體" panose="020B0604030504040204" pitchFamily="34" charset="-120"/>
-              </a:rPr>
-              <a:t>N</a:t>
-            </a:r>
-            <a:r>
-              <a:rPr lang="zh-TW" altLang="en-US" sz="3600" b="1" dirty="0">
-                <a:solidFill>
-                  <a:schemeClr val="tx1">
-                    <a:lumMod val="75000"/>
-                    <a:lumOff val="25000"/>
-                  </a:schemeClr>
-                </a:solidFill>
-                <a:latin typeface="微軟正黑體" panose="020B0604030504040204" pitchFamily="34" charset="-120"/>
-                <a:ea typeface="微軟正黑體" panose="020B0604030504040204" pitchFamily="34" charset="-120"/>
-              </a:rPr>
-              <a:t>日</a:t>
-            </a:r>
-            <a:r>
-              <a:rPr lang="zh-TW" altLang="en-US" sz="3600" b="1" dirty="0" smtClean="0">
-                <a:solidFill>
-                  <a:schemeClr val="tx1">
-                    <a:lumMod val="75000"/>
-                    <a:lumOff val="25000"/>
-                  </a:schemeClr>
-                </a:solidFill>
-                <a:latin typeface="微軟正黑體" panose="020B0604030504040204" pitchFamily="34" charset="-120"/>
-                <a:ea typeface="微軟正黑體" panose="020B0604030504040204" pitchFamily="34" charset="-120"/>
-              </a:rPr>
-              <a:t>的</a:t>
-            </a:r>
-            <a:r>
-              <a:rPr lang="zh-TW" altLang="en-US" sz="3600" b="1" dirty="0">
-                <a:solidFill>
-                  <a:schemeClr val="tx1">
-                    <a:lumMod val="75000"/>
-                    <a:lumOff val="25000"/>
-                  </a:schemeClr>
-                </a:solidFill>
-                <a:latin typeface="微軟正黑體" panose="020B0604030504040204" pitchFamily="34" charset="-120"/>
-                <a:ea typeface="微軟正黑體" panose="020B0604030504040204" pitchFamily="34" charset="-120"/>
-              </a:rPr>
-              <a:t>價格</a:t>
-            </a:r>
-            <a:r>
-              <a:rPr lang="zh-TW" altLang="en-US" sz="3600" b="1" dirty="0" smtClean="0">
-                <a:solidFill>
-                  <a:schemeClr val="tx1">
-                    <a:lumMod val="75000"/>
-                    <a:lumOff val="25000"/>
-                  </a:schemeClr>
-                </a:solidFill>
-                <a:latin typeface="微軟正黑體" panose="020B0604030504040204" pitchFamily="34" charset="-120"/>
-                <a:ea typeface="微軟正黑體" panose="020B0604030504040204" pitchFamily="34" charset="-120"/>
-              </a:rPr>
-              <a:t>做</a:t>
-            </a:r>
-            <a:r>
-              <a:rPr lang="zh-TW" altLang="en-US" sz="3600" b="1" dirty="0">
-                <a:solidFill>
-                  <a:schemeClr val="tx1">
-                    <a:lumMod val="75000"/>
-                    <a:lumOff val="25000"/>
-                  </a:schemeClr>
-                </a:solidFill>
-                <a:latin typeface="微軟正黑體" panose="020B0604030504040204" pitchFamily="34" charset="-120"/>
-                <a:ea typeface="微軟正黑體" panose="020B0604030504040204" pitchFamily="34" charset="-120"/>
-              </a:rPr>
-              <a:t>算術平均，</a:t>
-            </a:r>
-            <a:endParaRPr lang="en-US" altLang="zh-TW" sz="3600" b="1" dirty="0">
-              <a:solidFill>
-                <a:schemeClr val="tx1">
-                  <a:lumMod val="75000"/>
-                  <a:lumOff val="25000"/>
-                </a:schemeClr>
-              </a:solidFill>
-              <a:latin typeface="微軟正黑體" panose="020B0604030504040204" pitchFamily="34" charset="-120"/>
-              <a:ea typeface="微軟正黑體" panose="020B0604030504040204" pitchFamily="34" charset="-120"/>
-            </a:endParaRPr>
-          </a:p>
-          <a:p>
-            <a:pPr lvl="0"/>
-            <a:r>
-              <a:rPr lang="en-US" altLang="zh-TW" sz="3600" b="1" dirty="0">
-                <a:solidFill>
-                  <a:schemeClr val="tx1">
-                    <a:lumMod val="75000"/>
-                    <a:lumOff val="25000"/>
-                  </a:schemeClr>
-                </a:solidFill>
-                <a:latin typeface="微軟正黑體" panose="020B0604030504040204" pitchFamily="34" charset="-120"/>
-                <a:ea typeface="微軟正黑體" panose="020B0604030504040204" pitchFamily="34" charset="-120"/>
-              </a:rPr>
-              <a:t>	</a:t>
-            </a:r>
-            <a:r>
-              <a:rPr lang="zh-TW" altLang="en-US" sz="3600" b="1" dirty="0">
-                <a:solidFill>
-                  <a:schemeClr val="tx1">
-                    <a:lumMod val="75000"/>
-                    <a:lumOff val="25000"/>
-                  </a:schemeClr>
-                </a:solidFill>
-                <a:latin typeface="微軟正黑體" panose="020B0604030504040204" pitchFamily="34" charset="-120"/>
-                <a:ea typeface="微軟正黑體" panose="020B0604030504040204" pitchFamily="34" charset="-120"/>
-              </a:rPr>
-              <a:t>代表將過去</a:t>
-            </a:r>
-            <a:r>
-              <a:rPr lang="en-US" altLang="zh-TW" sz="3600" b="1" dirty="0">
-                <a:solidFill>
-                  <a:schemeClr val="tx1">
-                    <a:lumMod val="75000"/>
-                    <a:lumOff val="25000"/>
-                  </a:schemeClr>
-                </a:solidFill>
-                <a:latin typeface="微軟正黑體" panose="020B0604030504040204" pitchFamily="34" charset="-120"/>
-                <a:ea typeface="微軟正黑體" panose="020B0604030504040204" pitchFamily="34" charset="-120"/>
-              </a:rPr>
-              <a:t>N</a:t>
-            </a:r>
-            <a:r>
-              <a:rPr lang="zh-TW" altLang="en-US" sz="3600" b="1" dirty="0">
-                <a:solidFill>
-                  <a:schemeClr val="tx1">
-                    <a:lumMod val="75000"/>
-                    <a:lumOff val="25000"/>
-                  </a:schemeClr>
-                </a:solidFill>
-                <a:latin typeface="微軟正黑體" panose="020B0604030504040204" pitchFamily="34" charset="-120"/>
-                <a:ea typeface="微軟正黑體" panose="020B0604030504040204" pitchFamily="34" charset="-120"/>
-              </a:rPr>
-              <a:t>日</a:t>
-            </a:r>
-            <a:r>
-              <a:rPr lang="zh-TW" altLang="en-US" sz="3600" b="1" dirty="0" smtClean="0">
-                <a:solidFill>
-                  <a:schemeClr val="tx1">
-                    <a:lumMod val="75000"/>
-                    <a:lumOff val="25000"/>
-                  </a:schemeClr>
-                </a:solidFill>
-                <a:latin typeface="微軟正黑體" panose="020B0604030504040204" pitchFamily="34" charset="-120"/>
-                <a:ea typeface="微軟正黑體" panose="020B0604030504040204" pitchFamily="34" charset="-120"/>
-              </a:rPr>
-              <a:t>的價格影響</a:t>
-            </a:r>
-            <a:r>
-              <a:rPr lang="zh-TW" altLang="en-US" sz="3600" b="1" dirty="0">
-                <a:solidFill>
-                  <a:srgbClr val="FFC000"/>
-                </a:solidFill>
-                <a:latin typeface="微軟正黑體" panose="020B0604030504040204" pitchFamily="34" charset="-120"/>
-                <a:ea typeface="微軟正黑體" panose="020B0604030504040204" pitchFamily="34" charset="-120"/>
-              </a:rPr>
-              <a:t>視為相同</a:t>
-            </a:r>
-            <a:r>
-              <a:rPr lang="zh-TW" altLang="en-US" sz="3600" b="1" dirty="0">
-                <a:solidFill>
-                  <a:schemeClr val="tx1">
-                    <a:lumMod val="75000"/>
-                    <a:lumOff val="25000"/>
-                  </a:schemeClr>
-                </a:solidFill>
-                <a:latin typeface="微軟正黑體" panose="020B0604030504040204" pitchFamily="34" charset="-120"/>
-                <a:ea typeface="微軟正黑體" panose="020B0604030504040204" pitchFamily="34" charset="-120"/>
-              </a:rPr>
-              <a:t>。</a:t>
-            </a:r>
-            <a:endParaRPr lang="en-US" altLang="zh-TW" sz="3600" b="1" dirty="0">
-              <a:solidFill>
-                <a:schemeClr val="tx1">
-                  <a:lumMod val="75000"/>
-                  <a:lumOff val="25000"/>
-                </a:schemeClr>
-              </a:solidFill>
-              <a:latin typeface="微軟正黑體" panose="020B0604030504040204" pitchFamily="34" charset="-120"/>
-              <a:ea typeface="微軟正黑體" panose="020B0604030504040204" pitchFamily="34" charset="-120"/>
-            </a:endParaRPr>
-          </a:p>
-          <a:p>
-            <a:pPr lvl="0"/>
-            <a:endParaRPr lang="en-US" altLang="zh-TW" sz="3600" b="1" dirty="0">
-              <a:solidFill>
-                <a:schemeClr val="tx1">
-                  <a:lumMod val="75000"/>
-                  <a:lumOff val="25000"/>
-                </a:schemeClr>
-              </a:solidFill>
-              <a:latin typeface="微軟正黑體" panose="020B0604030504040204" pitchFamily="34" charset="-120"/>
-              <a:ea typeface="微軟正黑體" panose="020B0604030504040204" pitchFamily="34" charset="-120"/>
-            </a:endParaRPr>
-          </a:p>
-          <a:p>
-            <a:pPr lvl="0"/>
-            <a:r>
-              <a:rPr lang="en-US" altLang="zh-TW" sz="3600" b="1" dirty="0">
-                <a:solidFill>
-                  <a:schemeClr val="tx1">
-                    <a:lumMod val="75000"/>
-                    <a:lumOff val="25000"/>
-                  </a:schemeClr>
-                </a:solidFill>
-                <a:latin typeface="微軟正黑體" panose="020B0604030504040204" pitchFamily="34" charset="-120"/>
-                <a:ea typeface="微軟正黑體" panose="020B0604030504040204" pitchFamily="34" charset="-120"/>
-              </a:rPr>
-              <a:t>	</a:t>
-            </a:r>
-            <a:r>
-              <a:rPr lang="zh-TW" altLang="en-US" sz="3600" b="1" dirty="0">
-                <a:solidFill>
-                  <a:schemeClr val="tx1">
-                    <a:lumMod val="75000"/>
-                    <a:lumOff val="25000"/>
-                  </a:schemeClr>
-                </a:solidFill>
-                <a:latin typeface="微軟正黑體" panose="020B0604030504040204" pitchFamily="34" charset="-120"/>
-                <a:ea typeface="微軟正黑體" panose="020B0604030504040204" pitchFamily="34" charset="-120"/>
-              </a:rPr>
-              <a:t>然而</a:t>
-            </a:r>
-            <a:r>
-              <a:rPr lang="zh-TW" altLang="en-US" sz="3600" b="1" dirty="0" smtClean="0">
-                <a:solidFill>
-                  <a:schemeClr val="tx1">
-                    <a:lumMod val="75000"/>
-                    <a:lumOff val="25000"/>
-                  </a:schemeClr>
-                </a:solidFill>
-                <a:latin typeface="微軟正黑體" panose="020B0604030504040204" pitchFamily="34" charset="-120"/>
-                <a:ea typeface="微軟正黑體" panose="020B0604030504040204" pitchFamily="34" charset="-120"/>
-              </a:rPr>
-              <a:t>，過去</a:t>
-            </a:r>
-            <a:r>
-              <a:rPr lang="en-US" altLang="zh-TW" sz="3600" b="1" dirty="0">
-                <a:solidFill>
-                  <a:schemeClr val="tx1">
-                    <a:lumMod val="75000"/>
-                    <a:lumOff val="25000"/>
-                  </a:schemeClr>
-                </a:solidFill>
-                <a:latin typeface="微軟正黑體" panose="020B0604030504040204" pitchFamily="34" charset="-120"/>
-                <a:ea typeface="微軟正黑體" panose="020B0604030504040204" pitchFamily="34" charset="-120"/>
-              </a:rPr>
-              <a:t>N</a:t>
-            </a:r>
-            <a:r>
-              <a:rPr lang="zh-TW" altLang="en-US" sz="3600" b="1" dirty="0">
-                <a:solidFill>
-                  <a:schemeClr val="tx1">
-                    <a:lumMod val="75000"/>
-                    <a:lumOff val="25000"/>
-                  </a:schemeClr>
-                </a:solidFill>
-                <a:latin typeface="微軟正黑體" panose="020B0604030504040204" pitchFamily="34" charset="-120"/>
-                <a:ea typeface="微軟正黑體" panose="020B0604030504040204" pitchFamily="34" charset="-120"/>
-              </a:rPr>
-              <a:t>日對</a:t>
-            </a:r>
-            <a:r>
-              <a:rPr lang="zh-TW" altLang="en-US" sz="3600" b="1" dirty="0" smtClean="0">
-                <a:solidFill>
-                  <a:schemeClr val="tx1">
-                    <a:lumMod val="75000"/>
-                    <a:lumOff val="25000"/>
-                  </a:schemeClr>
-                </a:solidFill>
-                <a:latin typeface="微軟正黑體" panose="020B0604030504040204" pitchFamily="34" charset="-120"/>
-                <a:ea typeface="微軟正黑體" panose="020B0604030504040204" pitchFamily="34" charset="-120"/>
-              </a:rPr>
-              <a:t>今日價格和未來價格</a:t>
-            </a:r>
-            <a:endParaRPr lang="en-US" altLang="zh-TW" sz="3600" b="1" dirty="0" smtClean="0">
-              <a:solidFill>
-                <a:schemeClr val="tx1">
-                  <a:lumMod val="75000"/>
-                  <a:lumOff val="25000"/>
-                </a:schemeClr>
-              </a:solidFill>
-              <a:latin typeface="微軟正黑體" panose="020B0604030504040204" pitchFamily="34" charset="-120"/>
-              <a:ea typeface="微軟正黑體" panose="020B0604030504040204" pitchFamily="34" charset="-120"/>
-            </a:endParaRPr>
-          </a:p>
-          <a:p>
-            <a:pPr lvl="0"/>
-            <a:r>
-              <a:rPr lang="en-US" altLang="zh-TW" sz="3600" b="1" dirty="0">
-                <a:solidFill>
-                  <a:schemeClr val="tx1">
-                    <a:lumMod val="75000"/>
-                    <a:lumOff val="25000"/>
-                  </a:schemeClr>
-                </a:solidFill>
-                <a:latin typeface="微軟正黑體" panose="020B0604030504040204" pitchFamily="34" charset="-120"/>
-                <a:ea typeface="微軟正黑體" panose="020B0604030504040204" pitchFamily="34" charset="-120"/>
-              </a:rPr>
-              <a:t>	</a:t>
-            </a:r>
-            <a:r>
-              <a:rPr lang="zh-TW" altLang="en-US" sz="3600" b="1" dirty="0" smtClean="0">
-                <a:solidFill>
-                  <a:schemeClr val="tx1">
-                    <a:lumMod val="75000"/>
-                    <a:lumOff val="25000"/>
-                  </a:schemeClr>
-                </a:solidFill>
-                <a:latin typeface="微軟正黑體" panose="020B0604030504040204" pitchFamily="34" charset="-120"/>
-                <a:ea typeface="微軟正黑體" panose="020B0604030504040204" pitchFamily="34" charset="-120"/>
-              </a:rPr>
-              <a:t>的影響應</a:t>
-            </a:r>
-            <a:r>
-              <a:rPr lang="zh-TW" altLang="en-US" sz="3600" b="1" dirty="0">
-                <a:solidFill>
-                  <a:schemeClr val="tx1">
-                    <a:lumMod val="75000"/>
-                    <a:lumOff val="25000"/>
-                  </a:schemeClr>
-                </a:solidFill>
-                <a:latin typeface="微軟正黑體" panose="020B0604030504040204" pitchFamily="34" charset="-120"/>
-                <a:ea typeface="微軟正黑體" panose="020B0604030504040204" pitchFamily="34" charset="-120"/>
-              </a:rPr>
-              <a:t>該</a:t>
-            </a:r>
-            <a:r>
-              <a:rPr lang="zh-TW" altLang="en-US" sz="3600" b="1" dirty="0" smtClean="0">
-                <a:solidFill>
-                  <a:schemeClr val="tx1">
-                    <a:lumMod val="75000"/>
-                    <a:lumOff val="25000"/>
-                  </a:schemeClr>
-                </a:solidFill>
-                <a:latin typeface="微軟正黑體" panose="020B0604030504040204" pitchFamily="34" charset="-120"/>
-                <a:ea typeface="微軟正黑體" panose="020B0604030504040204" pitchFamily="34" charset="-120"/>
-              </a:rPr>
-              <a:t>是每日</a:t>
-            </a:r>
-            <a:r>
-              <a:rPr lang="zh-TW" altLang="en-US" sz="3600" b="1" dirty="0">
-                <a:solidFill>
-                  <a:schemeClr val="tx1">
-                    <a:lumMod val="75000"/>
-                    <a:lumOff val="25000"/>
-                  </a:schemeClr>
-                </a:solidFill>
-                <a:latin typeface="微軟正黑體" panose="020B0604030504040204" pitchFamily="34" charset="-120"/>
-                <a:ea typeface="微軟正黑體" panose="020B0604030504040204" pitchFamily="34" charset="-120"/>
-              </a:rPr>
-              <a:t>遞增。</a:t>
-            </a:r>
-            <a:endParaRPr lang="en-US" altLang="zh-TW" sz="3600" b="1" dirty="0">
-              <a:solidFill>
-                <a:schemeClr val="tx1">
-                  <a:lumMod val="75000"/>
-                  <a:lumOff val="25000"/>
-                </a:schemeClr>
-              </a:solidFill>
-              <a:latin typeface="微軟正黑體" panose="020B0604030504040204" pitchFamily="34" charset="-120"/>
-              <a:ea typeface="微軟正黑體" panose="020B0604030504040204" pitchFamily="34" charset="-120"/>
-            </a:endParaRPr>
-          </a:p>
-          <a:p>
             <a:pPr lvl="0" defTabSz="685800"/>
-            <a:endParaRPr lang="zh-CN" altLang="en-US" sz="3600" b="1" dirty="0">
+            <a:r>
+              <a:rPr lang="zh-TW" altLang="en-US" sz="7200" b="1" dirty="0">
+                <a:solidFill>
+                  <a:schemeClr val="tx1">
+                    <a:lumMod val="75000"/>
+                    <a:lumOff val="25000"/>
+                  </a:schemeClr>
+                </a:solidFill>
+                <a:latin typeface="思源黑体 CN Bold" panose="020B0800000000000000" pitchFamily="34" charset="-122"/>
+                <a:ea typeface="思源黑体 CN Bold" panose="020B0800000000000000" pitchFamily="34" charset="-122"/>
+                <a:cs typeface="+mn-ea"/>
+                <a:sym typeface="+mn-lt"/>
+              </a:rPr>
+              <a:t>盲點</a:t>
+            </a:r>
+            <a:endParaRPr lang="zh-CN" altLang="en-US" sz="7200" b="1" dirty="0">
               <a:solidFill>
                 <a:schemeClr val="tx1">
                   <a:lumMod val="75000"/>
@@ -7699,7 +7541,7 @@
     </p:spTree>
     <p:extLst>
       <p:ext uri="{BB962C8B-B14F-4D97-AF65-F5344CB8AC3E}">
-        <p14:creationId xmlns:p14="http://schemas.microsoft.com/office/powerpoint/2010/main" val="2004430101"/>
+        <p14:creationId xmlns:p14="http://schemas.microsoft.com/office/powerpoint/2010/main" val="2809642738"/>
       </p:ext>
     </p:extLst>
   </p:cSld>
@@ -7776,10 +7618,10 @@
                 <a:cs typeface="+mn-ea"/>
                 <a:sym typeface="+mn-lt"/>
               </a:rPr>
-              <a:t>指數移動平均 </a:t>
-            </a:r>
-            <a:r>
-              <a:rPr lang="en-US" altLang="zh-TW" sz="2400" b="1" dirty="0">
+              <a:t>均線理論 </a:t>
+            </a:r>
+            <a:r>
+              <a:rPr lang="en-US" altLang="zh-TW" sz="2400" b="1" dirty="0" smtClean="0">
                 <a:solidFill>
                   <a:schemeClr val="tx1">
                     <a:lumMod val="75000"/>
@@ -7791,21 +7633,7 @@
                 <a:cs typeface="+mn-ea"/>
                 <a:sym typeface="+mn-lt"/>
               </a:rPr>
-              <a:t>E</a:t>
-            </a:r>
-            <a:r>
-              <a:rPr lang="en-US" altLang="zh-TW" sz="2400" b="1" dirty="0" smtClean="0">
-                <a:solidFill>
-                  <a:schemeClr val="tx1">
-                    <a:lumMod val="75000"/>
-                    <a:lumOff val="25000"/>
-                  </a:schemeClr>
-                </a:solidFill>
-                <a:latin typeface="思源黑体 CN Bold" panose="020B0800000000000000" pitchFamily="34" charset="-122"/>
-                <a:ea typeface="思源黑体 CN Bold" panose="020B0800000000000000" pitchFamily="34" charset="-122"/>
-                <a:cs typeface="+mn-ea"/>
-              </a:rPr>
-              <a:t>xponential Moving Average</a:t>
+              <a:t>Moving Average</a:t>
             </a:r>
             <a:endParaRPr lang="zh-CN" altLang="en-US" sz="2400" b="1" dirty="0">
               <a:solidFill>
@@ -7866,29 +7694,33 @@
       </p:sp>
       <p:sp>
         <p:nvSpPr>
-          <p:cNvPr id="5" name="文字方塊 4"/>
-          <p:cNvSpPr txBox="1"/>
+          <p:cNvPr id="10" name="TextBox 1956"/>
+          <p:cNvSpPr/>
           <p:nvPr/>
         </p:nvSpPr>
         <p:spPr>
           <a:xfrm>
-            <a:off x="1619090" y="1982973"/>
-            <a:ext cx="13623636" cy="3416320"/>
+            <a:off x="1379914" y="1980772"/>
+            <a:ext cx="11280370" cy="3416320"/>
           </a:xfrm>
           <a:prstGeom prst="rect">
             <a:avLst/>
           </a:prstGeom>
           <a:noFill/>
+          <a:ln w="9525">
+            <a:noFill/>
+            <a:miter/>
+          </a:ln>
         </p:spPr>
         <p:txBody>
-          <a:bodyPr wrap="square" rtlCol="0">
+          <a:bodyPr wrap="square">
             <a:spAutoFit/>
           </a:bodyPr>
           <a:lstStyle/>
           <a:p>
             <a:pPr lvl="0"/>
             <a:r>
-              <a:rPr lang="zh-TW" altLang="en-US" sz="3600" b="1" dirty="0" smtClean="0">
+              <a:rPr lang="en-US" altLang="zh-TW" sz="3600" b="1" dirty="0">
                 <a:solidFill>
                   <a:schemeClr val="tx1">
                     <a:lumMod val="75000"/>
@@ -7898,7 +7730,7 @@
                 <a:latin typeface="微軟正黑體" panose="020B0604030504040204" pitchFamily="34" charset="-120"/>
                 <a:ea typeface="微軟正黑體" panose="020B0604030504040204" pitchFamily="34" charset="-120"/>
               </a:rPr>
-              <a:t>指數</a:t>
+              <a:t>	</a:t>
             </a:r>
             <a:r>
               <a:rPr lang="zh-TW" altLang="en-US" sz="3600" b="1" dirty="0">
@@ -7911,10 +7743,10 @@
                 <a:latin typeface="微軟正黑體" panose="020B0604030504040204" pitchFamily="34" charset="-120"/>
                 <a:ea typeface="微軟正黑體" panose="020B0604030504040204" pitchFamily="34" charset="-120"/>
               </a:rPr>
-              <a:t>移動</a:t>
-            </a:r>
-            <a:r>
-              <a:rPr lang="zh-TW" altLang="en-US" sz="3600" b="1" dirty="0" smtClean="0">
+              <a:t>將過去</a:t>
+            </a:r>
+            <a:r>
+              <a:rPr lang="en-US" altLang="zh-TW" sz="3600" b="1" dirty="0">
                 <a:solidFill>
                   <a:schemeClr val="tx1">
                     <a:lumMod val="75000"/>
@@ -7924,10 +7756,10 @@
                 <a:latin typeface="微軟正黑體" panose="020B0604030504040204" pitchFamily="34" charset="-120"/>
                 <a:ea typeface="微軟正黑體" panose="020B0604030504040204" pitchFamily="34" charset="-120"/>
               </a:rPr>
-              <a:t>平均</a:t>
-            </a:r>
-            <a:r>
-              <a:rPr lang="en-US" altLang="zh-TW" sz="3600" b="1" dirty="0" smtClean="0">
+              <a:t>N</a:t>
+            </a:r>
+            <a:r>
+              <a:rPr lang="zh-TW" altLang="en-US" sz="3600" b="1" dirty="0">
                 <a:solidFill>
                   <a:schemeClr val="tx1">
                     <a:lumMod val="75000"/>
@@ -7937,7 +7769,7 @@
                 <a:latin typeface="微軟正黑體" panose="020B0604030504040204" pitchFamily="34" charset="-120"/>
                 <a:ea typeface="微軟正黑體" panose="020B0604030504040204" pitchFamily="34" charset="-120"/>
               </a:rPr>
-              <a:t>(EMA)</a:t>
+              <a:t>日</a:t>
             </a:r>
             <a:r>
               <a:rPr lang="zh-TW" altLang="en-US" sz="3600" b="1" dirty="0" smtClean="0">
@@ -7950,7 +7782,251 @@
                 <a:latin typeface="微軟正黑體" panose="020B0604030504040204" pitchFamily="34" charset="-120"/>
                 <a:ea typeface="微軟正黑體" panose="020B0604030504040204" pitchFamily="34" charset="-120"/>
               </a:rPr>
-              <a:t> </a:t>
+              <a:t>的</a:t>
+            </a:r>
+            <a:r>
+              <a:rPr lang="zh-TW" altLang="en-US" sz="3600" b="1" dirty="0">
+                <a:solidFill>
+                  <a:schemeClr val="tx1">
+                    <a:lumMod val="75000"/>
+                    <a:lumOff val="25000"/>
+                  </a:schemeClr>
+                </a:solidFill>
+                <a:latin typeface="微軟正黑體" panose="020B0604030504040204" pitchFamily="34" charset="-120"/>
+                <a:ea typeface="微軟正黑體" panose="020B0604030504040204" pitchFamily="34" charset="-120"/>
+              </a:rPr>
+              <a:t>價格</a:t>
+            </a:r>
+            <a:r>
+              <a:rPr lang="zh-TW" altLang="en-US" sz="3600" b="1" dirty="0" smtClean="0">
+                <a:solidFill>
+                  <a:schemeClr val="tx1">
+                    <a:lumMod val="75000"/>
+                    <a:lumOff val="25000"/>
+                  </a:schemeClr>
+                </a:solidFill>
+                <a:latin typeface="微軟正黑體" panose="020B0604030504040204" pitchFamily="34" charset="-120"/>
+                <a:ea typeface="微軟正黑體" panose="020B0604030504040204" pitchFamily="34" charset="-120"/>
+              </a:rPr>
+              <a:t>做</a:t>
+            </a:r>
+            <a:r>
+              <a:rPr lang="zh-TW" altLang="en-US" sz="3600" b="1" dirty="0">
+                <a:solidFill>
+                  <a:schemeClr val="tx1">
+                    <a:lumMod val="75000"/>
+                    <a:lumOff val="25000"/>
+                  </a:schemeClr>
+                </a:solidFill>
+                <a:latin typeface="微軟正黑體" panose="020B0604030504040204" pitchFamily="34" charset="-120"/>
+                <a:ea typeface="微軟正黑體" panose="020B0604030504040204" pitchFamily="34" charset="-120"/>
+              </a:rPr>
+              <a:t>算術平均，</a:t>
+            </a:r>
+            <a:endParaRPr lang="en-US" altLang="zh-TW" sz="3600" b="1" dirty="0">
+              <a:solidFill>
+                <a:schemeClr val="tx1">
+                  <a:lumMod val="75000"/>
+                  <a:lumOff val="25000"/>
+                </a:schemeClr>
+              </a:solidFill>
+              <a:latin typeface="微軟正黑體" panose="020B0604030504040204" pitchFamily="34" charset="-120"/>
+              <a:ea typeface="微軟正黑體" panose="020B0604030504040204" pitchFamily="34" charset="-120"/>
+            </a:endParaRPr>
+          </a:p>
+          <a:p>
+            <a:pPr lvl="0"/>
+            <a:r>
+              <a:rPr lang="en-US" altLang="zh-TW" sz="3600" b="1" dirty="0">
+                <a:solidFill>
+                  <a:schemeClr val="tx1">
+                    <a:lumMod val="75000"/>
+                    <a:lumOff val="25000"/>
+                  </a:schemeClr>
+                </a:solidFill>
+                <a:latin typeface="微軟正黑體" panose="020B0604030504040204" pitchFamily="34" charset="-120"/>
+                <a:ea typeface="微軟正黑體" panose="020B0604030504040204" pitchFamily="34" charset="-120"/>
+              </a:rPr>
+              <a:t>	</a:t>
+            </a:r>
+            <a:r>
+              <a:rPr lang="zh-TW" altLang="en-US" sz="3600" b="1" dirty="0">
+                <a:solidFill>
+                  <a:schemeClr val="tx1">
+                    <a:lumMod val="75000"/>
+                    <a:lumOff val="25000"/>
+                  </a:schemeClr>
+                </a:solidFill>
+                <a:latin typeface="微軟正黑體" panose="020B0604030504040204" pitchFamily="34" charset="-120"/>
+                <a:ea typeface="微軟正黑體" panose="020B0604030504040204" pitchFamily="34" charset="-120"/>
+              </a:rPr>
+              <a:t>代表將過去</a:t>
+            </a:r>
+            <a:r>
+              <a:rPr lang="en-US" altLang="zh-TW" sz="3600" b="1" dirty="0">
+                <a:solidFill>
+                  <a:schemeClr val="tx1">
+                    <a:lumMod val="75000"/>
+                    <a:lumOff val="25000"/>
+                  </a:schemeClr>
+                </a:solidFill>
+                <a:latin typeface="微軟正黑體" panose="020B0604030504040204" pitchFamily="34" charset="-120"/>
+                <a:ea typeface="微軟正黑體" panose="020B0604030504040204" pitchFamily="34" charset="-120"/>
+              </a:rPr>
+              <a:t>N</a:t>
+            </a:r>
+            <a:r>
+              <a:rPr lang="zh-TW" altLang="en-US" sz="3600" b="1" dirty="0">
+                <a:solidFill>
+                  <a:schemeClr val="tx1">
+                    <a:lumMod val="75000"/>
+                    <a:lumOff val="25000"/>
+                  </a:schemeClr>
+                </a:solidFill>
+                <a:latin typeface="微軟正黑體" panose="020B0604030504040204" pitchFamily="34" charset="-120"/>
+                <a:ea typeface="微軟正黑體" panose="020B0604030504040204" pitchFamily="34" charset="-120"/>
+              </a:rPr>
+              <a:t>日</a:t>
+            </a:r>
+            <a:r>
+              <a:rPr lang="zh-TW" altLang="en-US" sz="3600" b="1" dirty="0" smtClean="0">
+                <a:solidFill>
+                  <a:schemeClr val="tx1">
+                    <a:lumMod val="75000"/>
+                    <a:lumOff val="25000"/>
+                  </a:schemeClr>
+                </a:solidFill>
+                <a:latin typeface="微軟正黑體" panose="020B0604030504040204" pitchFamily="34" charset="-120"/>
+                <a:ea typeface="微軟正黑體" panose="020B0604030504040204" pitchFamily="34" charset="-120"/>
+              </a:rPr>
+              <a:t>的價格影響</a:t>
+            </a:r>
+            <a:r>
+              <a:rPr lang="zh-TW" altLang="en-US" sz="3600" b="1" dirty="0">
+                <a:solidFill>
+                  <a:srgbClr val="FFC000"/>
+                </a:solidFill>
+                <a:latin typeface="微軟正黑體" panose="020B0604030504040204" pitchFamily="34" charset="-120"/>
+                <a:ea typeface="微軟正黑體" panose="020B0604030504040204" pitchFamily="34" charset="-120"/>
+              </a:rPr>
+              <a:t>視為相同</a:t>
+            </a:r>
+            <a:r>
+              <a:rPr lang="zh-TW" altLang="en-US" sz="3600" b="1" dirty="0">
+                <a:solidFill>
+                  <a:schemeClr val="tx1">
+                    <a:lumMod val="75000"/>
+                    <a:lumOff val="25000"/>
+                  </a:schemeClr>
+                </a:solidFill>
+                <a:latin typeface="微軟正黑體" panose="020B0604030504040204" pitchFamily="34" charset="-120"/>
+                <a:ea typeface="微軟正黑體" panose="020B0604030504040204" pitchFamily="34" charset="-120"/>
+              </a:rPr>
+              <a:t>。</a:t>
+            </a:r>
+            <a:endParaRPr lang="en-US" altLang="zh-TW" sz="3600" b="1" dirty="0">
+              <a:solidFill>
+                <a:schemeClr val="tx1">
+                  <a:lumMod val="75000"/>
+                  <a:lumOff val="25000"/>
+                </a:schemeClr>
+              </a:solidFill>
+              <a:latin typeface="微軟正黑體" panose="020B0604030504040204" pitchFamily="34" charset="-120"/>
+              <a:ea typeface="微軟正黑體" panose="020B0604030504040204" pitchFamily="34" charset="-120"/>
+            </a:endParaRPr>
+          </a:p>
+          <a:p>
+            <a:pPr lvl="0"/>
+            <a:endParaRPr lang="en-US" altLang="zh-TW" sz="3600" b="1" dirty="0">
+              <a:solidFill>
+                <a:schemeClr val="tx1">
+                  <a:lumMod val="75000"/>
+                  <a:lumOff val="25000"/>
+                </a:schemeClr>
+              </a:solidFill>
+              <a:latin typeface="微軟正黑體" panose="020B0604030504040204" pitchFamily="34" charset="-120"/>
+              <a:ea typeface="微軟正黑體" panose="020B0604030504040204" pitchFamily="34" charset="-120"/>
+            </a:endParaRPr>
+          </a:p>
+          <a:p>
+            <a:pPr lvl="0"/>
+            <a:r>
+              <a:rPr lang="en-US" altLang="zh-TW" sz="3600" b="1" dirty="0">
+                <a:solidFill>
+                  <a:schemeClr val="tx1">
+                    <a:lumMod val="75000"/>
+                    <a:lumOff val="25000"/>
+                  </a:schemeClr>
+                </a:solidFill>
+                <a:latin typeface="微軟正黑體" panose="020B0604030504040204" pitchFamily="34" charset="-120"/>
+                <a:ea typeface="微軟正黑體" panose="020B0604030504040204" pitchFamily="34" charset="-120"/>
+              </a:rPr>
+              <a:t>	</a:t>
+            </a:r>
+            <a:r>
+              <a:rPr lang="zh-TW" altLang="en-US" sz="3600" b="1" dirty="0">
+                <a:solidFill>
+                  <a:schemeClr val="tx1">
+                    <a:lumMod val="75000"/>
+                    <a:lumOff val="25000"/>
+                  </a:schemeClr>
+                </a:solidFill>
+                <a:latin typeface="微軟正黑體" panose="020B0604030504040204" pitchFamily="34" charset="-120"/>
+                <a:ea typeface="微軟正黑體" panose="020B0604030504040204" pitchFamily="34" charset="-120"/>
+              </a:rPr>
+              <a:t>然而</a:t>
+            </a:r>
+            <a:r>
+              <a:rPr lang="zh-TW" altLang="en-US" sz="3600" b="1" dirty="0" smtClean="0">
+                <a:solidFill>
+                  <a:schemeClr val="tx1">
+                    <a:lumMod val="75000"/>
+                    <a:lumOff val="25000"/>
+                  </a:schemeClr>
+                </a:solidFill>
+                <a:latin typeface="微軟正黑體" panose="020B0604030504040204" pitchFamily="34" charset="-120"/>
+                <a:ea typeface="微軟正黑體" panose="020B0604030504040204" pitchFamily="34" charset="-120"/>
+              </a:rPr>
+              <a:t>，過去</a:t>
+            </a:r>
+            <a:r>
+              <a:rPr lang="en-US" altLang="zh-TW" sz="3600" b="1" dirty="0">
+                <a:solidFill>
+                  <a:schemeClr val="tx1">
+                    <a:lumMod val="75000"/>
+                    <a:lumOff val="25000"/>
+                  </a:schemeClr>
+                </a:solidFill>
+                <a:latin typeface="微軟正黑體" panose="020B0604030504040204" pitchFamily="34" charset="-120"/>
+                <a:ea typeface="微軟正黑體" panose="020B0604030504040204" pitchFamily="34" charset="-120"/>
+              </a:rPr>
+              <a:t>N</a:t>
+            </a:r>
+            <a:r>
+              <a:rPr lang="zh-TW" altLang="en-US" sz="3600" b="1" dirty="0">
+                <a:solidFill>
+                  <a:schemeClr val="tx1">
+                    <a:lumMod val="75000"/>
+                    <a:lumOff val="25000"/>
+                  </a:schemeClr>
+                </a:solidFill>
+                <a:latin typeface="微軟正黑體" panose="020B0604030504040204" pitchFamily="34" charset="-120"/>
+                <a:ea typeface="微軟正黑體" panose="020B0604030504040204" pitchFamily="34" charset="-120"/>
+              </a:rPr>
+              <a:t>日對</a:t>
+            </a:r>
+            <a:r>
+              <a:rPr lang="zh-TW" altLang="en-US" sz="3600" b="1" dirty="0" smtClean="0">
+                <a:solidFill>
+                  <a:schemeClr val="tx1">
+                    <a:lumMod val="75000"/>
+                    <a:lumOff val="25000"/>
+                  </a:schemeClr>
+                </a:solidFill>
+                <a:latin typeface="微軟正黑體" panose="020B0604030504040204" pitchFamily="34" charset="-120"/>
+                <a:ea typeface="微軟正黑體" panose="020B0604030504040204" pitchFamily="34" charset="-120"/>
+              </a:rPr>
+              <a:t>今日價格和未來價格</a:t>
             </a:r>
             <a:endParaRPr lang="en-US" altLang="zh-TW" sz="3600" b="1" dirty="0" smtClean="0">
               <a:solidFill>
@@ -7965,7 +8041,72 @@
           </a:p>
           <a:p>
             <a:pPr lvl="0"/>
-            <a:endParaRPr lang="en-US" altLang="zh-TW" sz="3600" b="1" dirty="0" smtClean="0">
+            <a:r>
+              <a:rPr lang="en-US" altLang="zh-TW" sz="3600" b="1" dirty="0">
+                <a:solidFill>
+                  <a:schemeClr val="tx1">
+                    <a:lumMod val="75000"/>
+                    <a:lumOff val="25000"/>
+                  </a:schemeClr>
+                </a:solidFill>
+                <a:latin typeface="微軟正黑體" panose="020B0604030504040204" pitchFamily="34" charset="-120"/>
+                <a:ea typeface="微軟正黑體" panose="020B0604030504040204" pitchFamily="34" charset="-120"/>
+              </a:rPr>
+              <a:t>	</a:t>
+            </a:r>
+            <a:r>
+              <a:rPr lang="zh-TW" altLang="en-US" sz="3600" b="1" dirty="0" smtClean="0">
+                <a:solidFill>
+                  <a:schemeClr val="tx1">
+                    <a:lumMod val="75000"/>
+                    <a:lumOff val="25000"/>
+                  </a:schemeClr>
+                </a:solidFill>
+                <a:latin typeface="微軟正黑體" panose="020B0604030504040204" pitchFamily="34" charset="-120"/>
+                <a:ea typeface="微軟正黑體" panose="020B0604030504040204" pitchFamily="34" charset="-120"/>
+              </a:rPr>
+              <a:t>的影響應</a:t>
+            </a:r>
+            <a:r>
+              <a:rPr lang="zh-TW" altLang="en-US" sz="3600" b="1" dirty="0">
+                <a:solidFill>
+                  <a:schemeClr val="tx1">
+                    <a:lumMod val="75000"/>
+                    <a:lumOff val="25000"/>
+                  </a:schemeClr>
+                </a:solidFill>
+                <a:latin typeface="微軟正黑體" panose="020B0604030504040204" pitchFamily="34" charset="-120"/>
+                <a:ea typeface="微軟正黑體" panose="020B0604030504040204" pitchFamily="34" charset="-120"/>
+              </a:rPr>
+              <a:t>該</a:t>
+            </a:r>
+            <a:r>
+              <a:rPr lang="zh-TW" altLang="en-US" sz="3600" b="1" dirty="0" smtClean="0">
+                <a:solidFill>
+                  <a:schemeClr val="tx1">
+                    <a:lumMod val="75000"/>
+                    <a:lumOff val="25000"/>
+                  </a:schemeClr>
+                </a:solidFill>
+                <a:latin typeface="微軟正黑體" panose="020B0604030504040204" pitchFamily="34" charset="-120"/>
+                <a:ea typeface="微軟正黑體" panose="020B0604030504040204" pitchFamily="34" charset="-120"/>
+              </a:rPr>
+              <a:t>是每日</a:t>
+            </a:r>
+            <a:r>
+              <a:rPr lang="zh-TW" altLang="en-US" sz="3600" b="1" dirty="0">
+                <a:solidFill>
+                  <a:schemeClr val="tx1">
+                    <a:lumMod val="75000"/>
+                    <a:lumOff val="25000"/>
+                  </a:schemeClr>
+                </a:solidFill>
+                <a:latin typeface="微軟正黑體" panose="020B0604030504040204" pitchFamily="34" charset="-120"/>
+                <a:ea typeface="微軟正黑體" panose="020B0604030504040204" pitchFamily="34" charset="-120"/>
+              </a:rPr>
+              <a:t>遞增。</a:t>
+            </a:r>
+            <a:endParaRPr lang="en-US" altLang="zh-TW" sz="3600" b="1" dirty="0">
               <a:solidFill>
                 <a:schemeClr val="tx1">
                   <a:lumMod val="75000"/>
@@ -7977,265 +8118,26 @@
             </a:endParaRPr>
           </a:p>
           <a:p>
-            <a:pPr lvl="0"/>
-            <a:r>
-              <a:rPr lang="en-US" altLang="zh-TW" sz="3600" b="1" dirty="0">
-                <a:solidFill>
-                  <a:schemeClr val="tx1">
-                    <a:lumMod val="75000"/>
-                    <a:lumOff val="25000"/>
-                  </a:schemeClr>
-                </a:solidFill>
-                <a:latin typeface="微軟正黑體" panose="020B0604030504040204" pitchFamily="34" charset="-120"/>
-                <a:ea typeface="微軟正黑體" panose="020B0604030504040204" pitchFamily="34" charset="-120"/>
-              </a:rPr>
-              <a:t>	</a:t>
-            </a:r>
-            <a:r>
-              <a:rPr lang="zh-TW" altLang="en-US" sz="3600" b="1" dirty="0" smtClean="0">
-                <a:solidFill>
-                  <a:schemeClr val="tx1">
-                    <a:lumMod val="75000"/>
-                    <a:lumOff val="25000"/>
-                  </a:schemeClr>
-                </a:solidFill>
-                <a:latin typeface="微軟正黑體" panose="020B0604030504040204" pitchFamily="34" charset="-120"/>
-                <a:ea typeface="微軟正黑體" panose="020B0604030504040204" pitchFamily="34" charset="-120"/>
-              </a:rPr>
-              <a:t>是</a:t>
-            </a:r>
-            <a:r>
-              <a:rPr lang="zh-TW" altLang="en-US" sz="3600" b="1" dirty="0">
-                <a:solidFill>
-                  <a:schemeClr val="tx1">
-                    <a:lumMod val="75000"/>
-                    <a:lumOff val="25000"/>
-                  </a:schemeClr>
-                </a:solidFill>
-                <a:latin typeface="微軟正黑體" panose="020B0604030504040204" pitchFamily="34" charset="-120"/>
-                <a:ea typeface="微軟正黑體" panose="020B0604030504040204" pitchFamily="34" charset="-120"/>
-              </a:rPr>
-              <a:t>以</a:t>
-            </a:r>
-            <a:r>
-              <a:rPr lang="zh-TW" altLang="en-US" sz="3600" b="1" dirty="0">
-                <a:solidFill>
-                  <a:srgbClr val="FFC000"/>
-                </a:solidFill>
-                <a:latin typeface="微軟正黑體" panose="020B0604030504040204" pitchFamily="34" charset="-120"/>
-                <a:ea typeface="微軟正黑體" panose="020B0604030504040204" pitchFamily="34" charset="-120"/>
-              </a:rPr>
-              <a:t>指數式遞減加權</a:t>
-            </a:r>
-            <a:r>
-              <a:rPr lang="zh-TW" altLang="en-US" sz="3600" b="1" dirty="0">
-                <a:solidFill>
-                  <a:schemeClr val="tx1">
-                    <a:lumMod val="75000"/>
-                    <a:lumOff val="25000"/>
-                  </a:schemeClr>
-                </a:solidFill>
-                <a:latin typeface="微軟正黑體" panose="020B0604030504040204" pitchFamily="34" charset="-120"/>
-                <a:ea typeface="微軟正黑體" panose="020B0604030504040204" pitchFamily="34" charset="-120"/>
-              </a:rPr>
-              <a:t>的移動平均</a:t>
-            </a:r>
-            <a:r>
-              <a:rPr lang="zh-TW" altLang="en-US" sz="3600" b="1" dirty="0" smtClean="0">
-                <a:solidFill>
-                  <a:schemeClr val="tx1">
-                    <a:lumMod val="75000"/>
-                    <a:lumOff val="25000"/>
-                  </a:schemeClr>
-                </a:solidFill>
-                <a:latin typeface="微軟正黑體" panose="020B0604030504040204" pitchFamily="34" charset="-120"/>
-                <a:ea typeface="微軟正黑體" panose="020B0604030504040204" pitchFamily="34" charset="-120"/>
-              </a:rPr>
-              <a:t>。</a:t>
-            </a:r>
-            <a:endParaRPr lang="en-US" altLang="zh-TW" sz="3600" b="1" dirty="0" smtClean="0">
+            <a:pPr lvl="0" defTabSz="685800"/>
+            <a:endParaRPr lang="zh-CN" altLang="en-US" sz="3600" b="1" dirty="0">
               <a:solidFill>
                 <a:schemeClr val="tx1">
                   <a:lumMod val="75000"/>
                   <a:lumOff val="25000"/>
                 </a:schemeClr>
               </a:solidFill>
-              <a:latin typeface="微軟正黑體" panose="020B0604030504040204" pitchFamily="34" charset="-120"/>
-              <a:ea typeface="微軟正黑體" panose="020B0604030504040204" pitchFamily="34" charset="-120"/>
+              <a:latin typeface="思源黑体 CN Bold" panose="020B0800000000000000" pitchFamily="34" charset="-122"/>
+              <a:ea typeface="思源黑体 CN Bold" panose="020B0800000000000000" pitchFamily="34" charset="-122"/>
+              <a:cs typeface="+mn-ea"/>
+              <a:sym typeface="+mn-lt"/>
             </a:endParaRPr>
-          </a:p>
-          <a:p>
-            <a:pPr lvl="0"/>
-            <a:r>
-              <a:rPr lang="en-US" altLang="zh-TW" sz="3600" b="1" dirty="0" smtClean="0">
-                <a:solidFill>
-                  <a:schemeClr val="tx1">
-                    <a:lumMod val="75000"/>
-                    <a:lumOff val="25000"/>
-                  </a:schemeClr>
-                </a:solidFill>
-                <a:latin typeface="微軟正黑體" panose="020B0604030504040204" pitchFamily="34" charset="-120"/>
-                <a:ea typeface="微軟正黑體" panose="020B0604030504040204" pitchFamily="34" charset="-120"/>
-              </a:rPr>
-              <a:t>	</a:t>
-            </a:r>
-            <a:r>
-              <a:rPr lang="zh-TW" altLang="en-US" sz="3600" b="1" dirty="0" smtClean="0">
-                <a:solidFill>
-                  <a:schemeClr val="tx1">
-                    <a:lumMod val="75000"/>
-                    <a:lumOff val="25000"/>
-                  </a:schemeClr>
-                </a:solidFill>
-                <a:latin typeface="微軟正黑體" panose="020B0604030504040204" pitchFamily="34" charset="-120"/>
-                <a:ea typeface="微軟正黑體" panose="020B0604030504040204" pitchFamily="34" charset="-120"/>
-              </a:rPr>
-              <a:t>各</a:t>
-            </a:r>
-            <a:r>
-              <a:rPr lang="zh-TW" altLang="en-US" sz="3600" b="1" dirty="0">
-                <a:solidFill>
-                  <a:schemeClr val="tx1">
-                    <a:lumMod val="75000"/>
-                    <a:lumOff val="25000"/>
-                  </a:schemeClr>
-                </a:solidFill>
-                <a:latin typeface="微軟正黑體" panose="020B0604030504040204" pitchFamily="34" charset="-120"/>
-                <a:ea typeface="微軟正黑體" panose="020B0604030504040204" pitchFamily="34" charset="-120"/>
-              </a:rPr>
-              <a:t>數值的加權影響力隨時間而指數式遞減</a:t>
-            </a:r>
-            <a:r>
-              <a:rPr lang="zh-TW" altLang="en-US" sz="3600" b="1" dirty="0" smtClean="0">
-                <a:solidFill>
-                  <a:schemeClr val="tx1">
-                    <a:lumMod val="75000"/>
-                    <a:lumOff val="25000"/>
-                  </a:schemeClr>
-                </a:solidFill>
-                <a:latin typeface="微軟正黑體" panose="020B0604030504040204" pitchFamily="34" charset="-120"/>
-                <a:ea typeface="微軟正黑體" panose="020B0604030504040204" pitchFamily="34" charset="-120"/>
-              </a:rPr>
-              <a:t>，</a:t>
-            </a:r>
-            <a:endParaRPr lang="en-US" altLang="zh-TW" sz="3600" b="1" dirty="0" smtClean="0">
-              <a:solidFill>
-                <a:schemeClr val="tx1">
-                  <a:lumMod val="75000"/>
-                  <a:lumOff val="25000"/>
-                </a:schemeClr>
-              </a:solidFill>
-              <a:latin typeface="微軟正黑體" panose="020B0604030504040204" pitchFamily="34" charset="-120"/>
-              <a:ea typeface="微軟正黑體" panose="020B0604030504040204" pitchFamily="34" charset="-120"/>
-            </a:endParaRPr>
-          </a:p>
-          <a:p>
-            <a:pPr lvl="0"/>
-            <a:r>
-              <a:rPr lang="en-US" altLang="zh-TW" sz="3600" b="1" dirty="0" smtClean="0">
-                <a:solidFill>
-                  <a:schemeClr val="tx1">
-                    <a:lumMod val="75000"/>
-                    <a:lumOff val="25000"/>
-                  </a:schemeClr>
-                </a:solidFill>
-                <a:latin typeface="微軟正黑體" panose="020B0604030504040204" pitchFamily="34" charset="-120"/>
-                <a:ea typeface="微軟正黑體" panose="020B0604030504040204" pitchFamily="34" charset="-120"/>
-              </a:rPr>
-              <a:t>	</a:t>
-            </a:r>
-            <a:r>
-              <a:rPr lang="zh-TW" altLang="en-US" sz="3600" b="1" dirty="0" smtClean="0">
-                <a:solidFill>
-                  <a:srgbClr val="FFC000"/>
-                </a:solidFill>
-                <a:latin typeface="微軟正黑體" panose="020B0604030504040204" pitchFamily="34" charset="-120"/>
-                <a:ea typeface="微軟正黑體" panose="020B0604030504040204" pitchFamily="34" charset="-120"/>
-              </a:rPr>
-              <a:t>越</a:t>
-            </a:r>
-            <a:r>
-              <a:rPr lang="zh-TW" altLang="en-US" sz="3600" b="1" dirty="0">
-                <a:solidFill>
-                  <a:srgbClr val="FFC000"/>
-                </a:solidFill>
-                <a:latin typeface="微軟正黑體" panose="020B0604030504040204" pitchFamily="34" charset="-120"/>
-                <a:ea typeface="微軟正黑體" panose="020B0604030504040204" pitchFamily="34" charset="-120"/>
-              </a:rPr>
-              <a:t>近期的數據加權影響力越重</a:t>
-            </a:r>
-            <a:r>
-              <a:rPr lang="zh-TW" altLang="en-US" sz="3600" b="1" dirty="0" smtClean="0">
-                <a:solidFill>
-                  <a:schemeClr val="tx1">
-                    <a:lumMod val="75000"/>
-                    <a:lumOff val="25000"/>
-                  </a:schemeClr>
-                </a:solidFill>
-                <a:latin typeface="微軟正黑體" panose="020B0604030504040204" pitchFamily="34" charset="-120"/>
-                <a:ea typeface="微軟正黑體" panose="020B0604030504040204" pitchFamily="34" charset="-120"/>
-              </a:rPr>
-              <a:t>，</a:t>
-            </a:r>
-            <a:endParaRPr lang="en-US" altLang="zh-TW" sz="3600" b="1" dirty="0" smtClean="0">
-              <a:solidFill>
-                <a:schemeClr val="tx1">
-                  <a:lumMod val="75000"/>
-                  <a:lumOff val="25000"/>
-                </a:schemeClr>
-              </a:solidFill>
-              <a:latin typeface="微軟正黑體" panose="020B0604030504040204" pitchFamily="34" charset="-120"/>
-              <a:ea typeface="微軟正黑體" panose="020B0604030504040204" pitchFamily="34" charset="-120"/>
-            </a:endParaRPr>
-          </a:p>
-          <a:p>
-            <a:pPr lvl="0"/>
-            <a:r>
-              <a:rPr lang="en-US" altLang="zh-TW" sz="3600" b="1" dirty="0" smtClean="0">
-                <a:solidFill>
-                  <a:schemeClr val="tx1">
-                    <a:lumMod val="75000"/>
-                    <a:lumOff val="25000"/>
-                  </a:schemeClr>
-                </a:solidFill>
-                <a:latin typeface="微軟正黑體" panose="020B0604030504040204" pitchFamily="34" charset="-120"/>
-                <a:ea typeface="微軟正黑體" panose="020B0604030504040204" pitchFamily="34" charset="-120"/>
-              </a:rPr>
-              <a:t>	</a:t>
-            </a:r>
-            <a:r>
-              <a:rPr lang="zh-TW" altLang="en-US" sz="3600" b="1" dirty="0" smtClean="0">
-                <a:solidFill>
-                  <a:schemeClr val="tx1">
-                    <a:lumMod val="75000"/>
-                    <a:lumOff val="25000"/>
-                  </a:schemeClr>
-                </a:solidFill>
-                <a:latin typeface="微軟正黑體" panose="020B0604030504040204" pitchFamily="34" charset="-120"/>
-                <a:ea typeface="微軟正黑體" panose="020B0604030504040204" pitchFamily="34" charset="-120"/>
-              </a:rPr>
-              <a:t>但</a:t>
-            </a:r>
-            <a:r>
-              <a:rPr lang="zh-TW" altLang="en-US" sz="3600" b="1" dirty="0">
-                <a:solidFill>
-                  <a:schemeClr val="tx1">
-                    <a:lumMod val="75000"/>
-                    <a:lumOff val="25000"/>
-                  </a:schemeClr>
-                </a:solidFill>
-                <a:latin typeface="微軟正黑體" panose="020B0604030504040204" pitchFamily="34" charset="-120"/>
-                <a:ea typeface="微軟正黑體" panose="020B0604030504040204" pitchFamily="34" charset="-120"/>
-              </a:rPr>
-              <a:t>較舊的數據也給予一定的加權值。</a:t>
-            </a:r>
           </a:p>
         </p:txBody>
       </p:sp>
     </p:spTree>
     <p:extLst>
       <p:ext uri="{BB962C8B-B14F-4D97-AF65-F5344CB8AC3E}">
-        <p14:creationId xmlns:p14="http://schemas.microsoft.com/office/powerpoint/2010/main" val="4088085025"/>
+        <p14:creationId xmlns:p14="http://schemas.microsoft.com/office/powerpoint/2010/main" val="2004430101"/>
       </p:ext>
     </p:extLst>
   </p:cSld>
@@ -8300,7 +8202,7 @@
           <a:p>
             <a:pPr defTabSz="685800"/>
             <a:r>
-              <a:rPr lang="en-US" altLang="zh-CN" sz="2400" b="1" dirty="0" smtClean="0">
+              <a:rPr lang="zh-TW" altLang="en-US" sz="2400" b="1" dirty="0" smtClean="0">
                 <a:solidFill>
                   <a:schemeClr val="tx1">
                     <a:lumMod val="75000"/>
@@ -8312,7 +8214,36 @@
                 <a:cs typeface="+mn-ea"/>
                 <a:sym typeface="+mn-lt"/>
               </a:rPr>
-              <a:t>MACD</a:t>
+              <a:t>指數移動平均 </a:t>
+            </a:r>
+            <a:r>
+              <a:rPr lang="en-US" altLang="zh-TW" sz="2400" b="1" dirty="0">
+                <a:solidFill>
+                  <a:schemeClr val="tx1">
+                    <a:lumMod val="75000"/>
+                    <a:lumOff val="25000"/>
+                  </a:schemeClr>
+                </a:solidFill>
+                <a:latin typeface="思源黑体 CN Bold" panose="020B0800000000000000" pitchFamily="34" charset="-122"/>
+                <a:ea typeface="思源黑体 CN Bold" panose="020B0800000000000000" pitchFamily="34" charset="-122"/>
+                <a:cs typeface="+mn-ea"/>
+                <a:sym typeface="+mn-lt"/>
+              </a:rPr>
+              <a:t>E</a:t>
+            </a:r>
+            <a:r>
+              <a:rPr lang="en-US" altLang="zh-TW" sz="2400" b="1" dirty="0" smtClean="0">
+                <a:solidFill>
+                  <a:schemeClr val="tx1">
+                    <a:lumMod val="75000"/>
+                    <a:lumOff val="25000"/>
+                  </a:schemeClr>
+                </a:solidFill>
+                <a:latin typeface="思源黑体 CN Bold" panose="020B0800000000000000" pitchFamily="34" charset="-122"/>
+                <a:ea typeface="思源黑体 CN Bold" panose="020B0800000000000000" pitchFamily="34" charset="-122"/>
+                <a:cs typeface="+mn-ea"/>
+              </a:rPr>
+              <a:t>xponential Moving Average</a:t>
             </a:r>
             <a:endParaRPr lang="zh-CN" altLang="en-US" sz="2400" b="1" dirty="0">
               <a:solidFill>
@@ -8373,14 +8304,14 @@
       </p:sp>
       <p:sp>
         <p:nvSpPr>
-          <p:cNvPr id="6" name="文字方塊 5"/>
+          <p:cNvPr id="5" name="文字方塊 4"/>
           <p:cNvSpPr txBox="1"/>
           <p:nvPr/>
         </p:nvSpPr>
         <p:spPr>
           <a:xfrm>
-            <a:off x="1390844" y="2121565"/>
-            <a:ext cx="13623636" cy="2862322"/>
+            <a:off x="1619090" y="1982973"/>
+            <a:ext cx="13623636" cy="3416320"/>
           </a:xfrm>
           <a:prstGeom prst="rect">
             <a:avLst/>
@@ -8395,7 +8326,7 @@
           <a:p>
             <a:pPr lvl="0"/>
             <a:r>
-              <a:rPr lang="zh-TW" altLang="en-US" sz="3600" b="1" dirty="0">
+              <a:rPr lang="zh-TW" altLang="en-US" sz="3600" b="1" dirty="0" smtClean="0">
                 <a:solidFill>
                   <a:schemeClr val="tx1">
                     <a:lumMod val="75000"/>
@@ -8405,10 +8336,10 @@
                 <a:latin typeface="微軟正黑體" panose="020B0604030504040204" pitchFamily="34" charset="-120"/>
                 <a:ea typeface="微軟正黑體" panose="020B0604030504040204" pitchFamily="34" charset="-120"/>
               </a:rPr>
-              <a:t>用於</a:t>
-            </a:r>
-            <a:r>
-              <a:rPr lang="zh-TW" altLang="en-US" sz="3600" b="1" dirty="0" smtClean="0">
+              <a:t>指數</a:t>
+            </a:r>
+            <a:r>
+              <a:rPr lang="zh-TW" altLang="en-US" sz="3600" b="1" dirty="0">
                 <a:solidFill>
                   <a:schemeClr val="tx1">
                     <a:lumMod val="75000"/>
@@ -8418,47 +8349,47 @@
                 <a:latin typeface="微軟正黑體" panose="020B0604030504040204" pitchFamily="34" charset="-120"/>
                 <a:ea typeface="微軟正黑體" panose="020B0604030504040204" pitchFamily="34" charset="-120"/>
               </a:rPr>
-              <a:t>研判</a:t>
+              <a:t>移動</a:t>
             </a:r>
             <a:r>
               <a:rPr lang="zh-TW" altLang="en-US" sz="3600" b="1" dirty="0" smtClean="0">
                 <a:solidFill>
-                  <a:srgbClr val="FFC000"/>
+                  <a:schemeClr val="tx1">
+                    <a:lumMod val="75000"/>
+                    <a:lumOff val="25000"/>
+                  </a:schemeClr>
                 </a:solidFill>
                 <a:latin typeface="微軟正黑體" panose="020B0604030504040204" pitchFamily="34" charset="-120"/>
                 <a:ea typeface="微軟正黑體" panose="020B0604030504040204" pitchFamily="34" charset="-120"/>
               </a:rPr>
-              <a:t>價格</a:t>
-            </a:r>
-            <a:r>
-              <a:rPr lang="zh-TW" altLang="en-US" sz="3600" b="1" dirty="0">
-                <a:solidFill>
-                  <a:srgbClr val="FFC000"/>
+              <a:t>平均</a:t>
+            </a:r>
+            <a:r>
+              <a:rPr lang="en-US" altLang="zh-TW" sz="3600" b="1" dirty="0" smtClean="0">
+                <a:solidFill>
+                  <a:schemeClr val="tx1">
+                    <a:lumMod val="75000"/>
+                    <a:lumOff val="25000"/>
+                  </a:schemeClr>
                 </a:solidFill>
                 <a:latin typeface="微軟正黑體" panose="020B0604030504040204" pitchFamily="34" charset="-120"/>
                 <a:ea typeface="微軟正黑體" panose="020B0604030504040204" pitchFamily="34" charset="-120"/>
               </a:rPr>
-              <a:t>變化的強度、方向、</a:t>
+              <a:t>(EMA)</a:t>
             </a:r>
             <a:r>
               <a:rPr lang="zh-TW" altLang="en-US" sz="3600" b="1" dirty="0" smtClean="0">
                 <a:solidFill>
-                  <a:srgbClr val="FFC000"/>
+                  <a:schemeClr val="tx1">
+                    <a:lumMod val="75000"/>
+                    <a:lumOff val="25000"/>
+                  </a:schemeClr>
                 </a:solidFill>
                 <a:latin typeface="微軟正黑體" panose="020B0604030504040204" pitchFamily="34" charset="-120"/>
                 <a:ea typeface="微軟正黑體" panose="020B0604030504040204" pitchFamily="34" charset="-120"/>
               </a:rPr>
-              <a:t>能量以及趨勢</a:t>
-            </a:r>
-            <a:endParaRPr lang="en-US" altLang="zh-TW" sz="3600" b="1" dirty="0" smtClean="0">
-              <a:solidFill>
-                <a:srgbClr val="FFC000"/>
-              </a:solidFill>
-              <a:latin typeface="微軟正黑體" panose="020B0604030504040204" pitchFamily="34" charset="-120"/>
-              <a:ea typeface="微軟正黑體" panose="020B0604030504040204" pitchFamily="34" charset="-120"/>
-            </a:endParaRPr>
-          </a:p>
-          <a:p>
+              <a:t> </a:t>
+            </a:r>
             <a:endParaRPr lang="en-US" altLang="zh-TW" sz="3600" b="1" dirty="0" smtClean="0">
               <a:solidFill>
                 <a:schemeClr val="tx1">
@@ -8471,71 +8402,7 @@
             </a:endParaRPr>
           </a:p>
           <a:p>
-            <a:r>
-              <a:rPr lang="zh-TW" altLang="en-US" sz="3600" b="1" dirty="0" smtClean="0">
-                <a:solidFill>
-                  <a:schemeClr val="tx1">
-                    <a:lumMod val="75000"/>
-                    <a:lumOff val="25000"/>
-                  </a:schemeClr>
-                </a:solidFill>
-                <a:latin typeface="微軟正黑體" panose="020B0604030504040204" pitchFamily="34" charset="-120"/>
-                <a:ea typeface="微軟正黑體" panose="020B0604030504040204" pitchFamily="34" charset="-120"/>
-              </a:rPr>
-              <a:t>首先計算</a:t>
-            </a:r>
-            <a:r>
-              <a:rPr lang="en-US" altLang="zh-TW" sz="3600" b="1" dirty="0" smtClean="0">
-                <a:solidFill>
-                  <a:schemeClr val="tx1">
-                    <a:lumMod val="75000"/>
-                    <a:lumOff val="25000"/>
-                  </a:schemeClr>
-                </a:solidFill>
-                <a:latin typeface="微軟正黑體" panose="020B0604030504040204" pitchFamily="34" charset="-120"/>
-                <a:ea typeface="微軟正黑體" panose="020B0604030504040204" pitchFamily="34" charset="-120"/>
-              </a:rPr>
-              <a:t>12</a:t>
-            </a:r>
-            <a:r>
-              <a:rPr lang="zh-TW" altLang="en-US" sz="3600" b="1" dirty="0" smtClean="0">
-                <a:solidFill>
-                  <a:schemeClr val="tx1">
-                    <a:lumMod val="75000"/>
-                    <a:lumOff val="25000"/>
-                  </a:schemeClr>
-                </a:solidFill>
-                <a:latin typeface="微軟正黑體" panose="020B0604030504040204" pitchFamily="34" charset="-120"/>
-                <a:ea typeface="微軟正黑體" panose="020B0604030504040204" pitchFamily="34" charset="-120"/>
-              </a:rPr>
-              <a:t>日和</a:t>
-            </a:r>
-            <a:r>
-              <a:rPr lang="en-US" altLang="zh-TW" sz="3600" b="1" dirty="0" smtClean="0">
-                <a:solidFill>
-                  <a:schemeClr val="tx1">
-                    <a:lumMod val="75000"/>
-                    <a:lumOff val="25000"/>
-                  </a:schemeClr>
-                </a:solidFill>
-                <a:latin typeface="微軟正黑體" panose="020B0604030504040204" pitchFamily="34" charset="-120"/>
-                <a:ea typeface="微軟正黑體" panose="020B0604030504040204" pitchFamily="34" charset="-120"/>
-              </a:rPr>
-              <a:t>26</a:t>
-            </a:r>
-            <a:r>
-              <a:rPr lang="zh-TW" altLang="en-US" sz="3600" b="1" dirty="0" smtClean="0">
-                <a:solidFill>
-                  <a:schemeClr val="tx1">
-                    <a:lumMod val="75000"/>
-                    <a:lumOff val="25000"/>
-                  </a:schemeClr>
-                </a:solidFill>
-                <a:latin typeface="微軟正黑體" panose="020B0604030504040204" pitchFamily="34" charset="-120"/>
-                <a:ea typeface="微軟正黑體" panose="020B0604030504040204" pitchFamily="34" charset="-120"/>
-              </a:rPr>
-              <a:t>日的指數移動平均 ，</a:t>
-            </a:r>
+            <a:pPr lvl="0"/>
             <a:endParaRPr lang="en-US" altLang="zh-TW" sz="3600" b="1" dirty="0" smtClean="0">
               <a:solidFill>
                 <a:schemeClr val="tx1">
@@ -8548,8 +8415,9 @@
             </a:endParaRPr>
           </a:p>
           <a:p>
-            <a:r>
-              <a:rPr lang="zh-TW" altLang="en-US" sz="3600" b="1" dirty="0" smtClean="0">
+            <a:pPr lvl="0"/>
+            <a:r>
+              <a:rPr lang="en-US" altLang="zh-TW" sz="3600" b="1" dirty="0">
                 <a:solidFill>
                   <a:schemeClr val="tx1">
                     <a:lumMod val="75000"/>
@@ -8559,10 +8427,10 @@
                 <a:latin typeface="微軟正黑體" panose="020B0604030504040204" pitchFamily="34" charset="-120"/>
                 <a:ea typeface="微軟正黑體" panose="020B0604030504040204" pitchFamily="34" charset="-120"/>
               </a:rPr>
-              <a:t>令</a:t>
-            </a:r>
-            <a:r>
-              <a:rPr lang="en-US" altLang="zh-TW" sz="3600" b="1" dirty="0" smtClean="0">
+              <a:t>	</a:t>
+            </a:r>
+            <a:r>
+              <a:rPr lang="zh-TW" altLang="en-US" sz="3600" b="1" dirty="0" smtClean="0">
                 <a:solidFill>
                   <a:schemeClr val="tx1">
                     <a:lumMod val="75000"/>
@@ -8572,10 +8440,10 @@
                 <a:latin typeface="微軟正黑體" panose="020B0604030504040204" pitchFamily="34" charset="-120"/>
                 <a:ea typeface="微軟正黑體" panose="020B0604030504040204" pitchFamily="34" charset="-120"/>
               </a:rPr>
-              <a:t>DIF</a:t>
-            </a:r>
-            <a:r>
-              <a:rPr lang="zh-TW" altLang="en-US" sz="3600" b="1" dirty="0" smtClean="0">
+              <a:t>是</a:t>
+            </a:r>
+            <a:r>
+              <a:rPr lang="zh-TW" altLang="en-US" sz="3600" b="1" dirty="0">
                 <a:solidFill>
                   <a:schemeClr val="tx1">
                     <a:lumMod val="75000"/>
@@ -8585,23 +8453,20 @@
                 <a:latin typeface="微軟正黑體" panose="020B0604030504040204" pitchFamily="34" charset="-120"/>
                 <a:ea typeface="微軟正黑體" panose="020B0604030504040204" pitchFamily="34" charset="-120"/>
               </a:rPr>
-              <a:t>為</a:t>
-            </a:r>
-            <a:r>
-              <a:rPr lang="en-US" altLang="zh-TW" sz="3600" b="1" dirty="0" smtClean="0">
-                <a:solidFill>
-                  <a:schemeClr val="tx1">
-                    <a:lumMod val="75000"/>
-                    <a:lumOff val="25000"/>
-                  </a:schemeClr>
+              <a:t>以</a:t>
+            </a:r>
+            <a:r>
+              <a:rPr lang="zh-TW" altLang="en-US" sz="3600" b="1" dirty="0">
+                <a:solidFill>
+                  <a:srgbClr val="FFC000"/>
                 </a:solidFill>
                 <a:latin typeface="微軟正黑體" panose="020B0604030504040204" pitchFamily="34" charset="-120"/>
                 <a:ea typeface="微軟正黑體" panose="020B0604030504040204" pitchFamily="34" charset="-120"/>
               </a:rPr>
-              <a:t>12</a:t>
-            </a:r>
-            <a:r>
-              <a:rPr lang="zh-TW" altLang="en-US" sz="3600" b="1" dirty="0" smtClean="0">
+              <a:t>指數式遞減加權</a:t>
+            </a:r>
+            <a:r>
+              <a:rPr lang="zh-TW" altLang="en-US" sz="3600" b="1" dirty="0">
                 <a:solidFill>
                   <a:schemeClr val="tx1">
                     <a:lumMod val="75000"/>
@@ -8611,10 +8476,10 @@
                 <a:latin typeface="微軟正黑體" panose="020B0604030504040204" pitchFamily="34" charset="-120"/>
                 <a:ea typeface="微軟正黑體" panose="020B0604030504040204" pitchFamily="34" charset="-120"/>
               </a:rPr>
-              <a:t>日</a:t>
-            </a:r>
-            <a:r>
-              <a:rPr lang="en-US" altLang="zh-TW" sz="3600" b="1" dirty="0" smtClean="0">
+              <a:t>的移動平均</a:t>
+            </a:r>
+            <a:r>
+              <a:rPr lang="zh-TW" altLang="en-US" sz="3600" b="1" dirty="0" smtClean="0">
                 <a:solidFill>
                   <a:schemeClr val="tx1">
                     <a:lumMod val="75000"/>
@@ -8624,10 +8489,23 @@
                 <a:latin typeface="微軟正黑體" panose="020B0604030504040204" pitchFamily="34" charset="-120"/>
                 <a:ea typeface="微軟正黑體" panose="020B0604030504040204" pitchFamily="34" charset="-120"/>
               </a:rPr>
-              <a:t>EWA – 26</a:t>
-            </a:r>
-            <a:r>
-              <a:rPr lang="zh-TW" altLang="en-US" sz="3600" b="1" dirty="0" smtClean="0">
+              <a:t>。</a:t>
+            </a:r>
+            <a:endParaRPr lang="en-US" altLang="zh-TW" sz="3600" b="1" dirty="0" smtClean="0">
+              <a:solidFill>
+                <a:schemeClr val="tx1">
+                  <a:lumMod val="75000"/>
+                  <a:lumOff val="25000"/>
+                </a:schemeClr>
+              </a:solidFill>
+              <a:latin typeface="微軟正黑體" panose="020B0604030504040204" pitchFamily="34" charset="-120"/>
+              <a:ea typeface="微軟正黑體" panose="020B0604030504040204" pitchFamily="34" charset="-120"/>
+            </a:endParaRPr>
+          </a:p>
+          <a:p>
+            <a:pPr lvl="0"/>
+            <a:r>
+              <a:rPr lang="en-US" altLang="zh-TW" sz="3600" b="1" dirty="0" smtClean="0">
                 <a:solidFill>
                   <a:schemeClr val="tx1">
                     <a:lumMod val="75000"/>
@@ -8637,10 +8515,10 @@
                 <a:latin typeface="微軟正黑體" panose="020B0604030504040204" pitchFamily="34" charset="-120"/>
                 <a:ea typeface="微軟正黑體" panose="020B0604030504040204" pitchFamily="34" charset="-120"/>
               </a:rPr>
-              <a:t>日</a:t>
-            </a:r>
-            <a:r>
-              <a:rPr lang="en-US" altLang="zh-TW" sz="3600" b="1" dirty="0" smtClean="0">
+              <a:t>	</a:t>
+            </a:r>
+            <a:r>
+              <a:rPr lang="zh-TW" altLang="en-US" sz="3600" b="1" dirty="0" smtClean="0">
                 <a:solidFill>
                   <a:schemeClr val="tx1">
                     <a:lumMod val="75000"/>
@@ -8650,12 +8528,10 @@
                 <a:latin typeface="微軟正黑體" panose="020B0604030504040204" pitchFamily="34" charset="-120"/>
                 <a:ea typeface="微軟正黑體" panose="020B0604030504040204" pitchFamily="34" charset="-120"/>
               </a:rPr>
-              <a:t>EWA</a:t>
-            </a:r>
-          </a:p>
-          <a:p>
-            <a:r>
-              <a:rPr lang="zh-TW" altLang="en-US" sz="3600" b="1" dirty="0" smtClean="0">
+              <a:t>各</a:t>
+            </a:r>
+            <a:r>
+              <a:rPr lang="zh-TW" altLang="en-US" sz="3600" b="1" dirty="0">
                 <a:solidFill>
                   <a:schemeClr val="tx1">
                     <a:lumMod val="75000"/>
@@ -8665,10 +8541,10 @@
                 <a:latin typeface="微軟正黑體" panose="020B0604030504040204" pitchFamily="34" charset="-120"/>
                 <a:ea typeface="微軟正黑體" panose="020B0604030504040204" pitchFamily="34" charset="-120"/>
               </a:rPr>
-              <a:t>再令</a:t>
-            </a:r>
-            <a:r>
-              <a:rPr lang="en-US" altLang="zh-TW" sz="3600" b="1" dirty="0" smtClean="0">
+              <a:t>數值的加權影響力隨時間而指數式遞減</a:t>
+            </a:r>
+            <a:r>
+              <a:rPr lang="zh-TW" altLang="en-US" sz="3600" b="1" dirty="0" smtClean="0">
                 <a:solidFill>
                   <a:schemeClr val="tx1">
                     <a:lumMod val="75000"/>
@@ -8678,10 +8554,23 @@
                 <a:latin typeface="微軟正黑體" panose="020B0604030504040204" pitchFamily="34" charset="-120"/>
                 <a:ea typeface="微軟正黑體" panose="020B0604030504040204" pitchFamily="34" charset="-120"/>
               </a:rPr>
-              <a:t>DEM</a:t>
-            </a:r>
-            <a:r>
-              <a:rPr lang="zh-TW" altLang="en-US" sz="3600" b="1" dirty="0" smtClean="0">
+              <a:t>，</a:t>
+            </a:r>
+            <a:endParaRPr lang="en-US" altLang="zh-TW" sz="3600" b="1" dirty="0" smtClean="0">
+              <a:solidFill>
+                <a:schemeClr val="tx1">
+                  <a:lumMod val="75000"/>
+                  <a:lumOff val="25000"/>
+                </a:schemeClr>
+              </a:solidFill>
+              <a:latin typeface="微軟正黑體" panose="020B0604030504040204" pitchFamily="34" charset="-120"/>
+              <a:ea typeface="微軟正黑體" panose="020B0604030504040204" pitchFamily="34" charset="-120"/>
+            </a:endParaRPr>
+          </a:p>
+          <a:p>
+            <a:pPr lvl="0"/>
+            <a:r>
+              <a:rPr lang="en-US" altLang="zh-TW" sz="3600" b="1" dirty="0" smtClean="0">
                 <a:solidFill>
                   <a:schemeClr val="tx1">
                     <a:lumMod val="75000"/>
@@ -8691,36 +8580,30 @@
                 <a:latin typeface="微軟正黑體" panose="020B0604030504040204" pitchFamily="34" charset="-120"/>
                 <a:ea typeface="微軟正黑體" panose="020B0604030504040204" pitchFamily="34" charset="-120"/>
               </a:rPr>
-              <a:t>為</a:t>
-            </a:r>
-            <a:r>
-              <a:rPr lang="en-US" altLang="zh-TW" sz="3600" b="1" dirty="0" smtClean="0">
-                <a:solidFill>
-                  <a:schemeClr val="tx1">
-                    <a:lumMod val="75000"/>
-                    <a:lumOff val="25000"/>
-                  </a:schemeClr>
+              <a:t>	</a:t>
+            </a:r>
+            <a:r>
+              <a:rPr lang="zh-TW" altLang="en-US" sz="3600" b="1" dirty="0" smtClean="0">
+                <a:solidFill>
+                  <a:srgbClr val="FFC000"/>
                 </a:solidFill>
                 <a:latin typeface="微軟正黑體" panose="020B0604030504040204" pitchFamily="34" charset="-120"/>
                 <a:ea typeface="微軟正黑體" panose="020B0604030504040204" pitchFamily="34" charset="-120"/>
               </a:rPr>
-              <a:t>DIF</a:t>
-            </a:r>
-            <a:r>
-              <a:rPr lang="zh-TW" altLang="en-US" sz="3600" b="1" dirty="0" smtClean="0">
-                <a:solidFill>
-                  <a:schemeClr val="tx1">
-                    <a:lumMod val="75000"/>
-                    <a:lumOff val="25000"/>
-                  </a:schemeClr>
+              <a:t>越</a:t>
+            </a:r>
+            <a:r>
+              <a:rPr lang="zh-TW" altLang="en-US" sz="3600" b="1" dirty="0">
+                <a:solidFill>
+                  <a:srgbClr val="FFC000"/>
                 </a:solidFill>
                 <a:latin typeface="微軟正黑體" panose="020B0604030504040204" pitchFamily="34" charset="-120"/>
                 <a:ea typeface="微軟正黑體" panose="020B0604030504040204" pitchFamily="34" charset="-120"/>
               </a:rPr>
-              <a:t>的</a:t>
-            </a:r>
-            <a:r>
-              <a:rPr lang="en-US" altLang="zh-TW" sz="3600" b="1" dirty="0" smtClean="0">
+              <a:t>近期的數據加權影響力越重</a:t>
+            </a:r>
+            <a:r>
+              <a:rPr lang="zh-TW" altLang="en-US" sz="3600" b="1" dirty="0" smtClean="0">
                 <a:solidFill>
                   <a:schemeClr val="tx1">
                     <a:lumMod val="75000"/>
@@ -8730,10 +8613,23 @@
                 <a:latin typeface="微軟正黑體" panose="020B0604030504040204" pitchFamily="34" charset="-120"/>
                 <a:ea typeface="微軟正黑體" panose="020B0604030504040204" pitchFamily="34" charset="-120"/>
               </a:rPr>
-              <a:t>9</a:t>
-            </a:r>
-            <a:r>
-              <a:rPr lang="zh-TW" altLang="en-US" sz="3600" b="1" dirty="0" smtClean="0">
+              <a:t>，</a:t>
+            </a:r>
+            <a:endParaRPr lang="en-US" altLang="zh-TW" sz="3600" b="1" dirty="0" smtClean="0">
+              <a:solidFill>
+                <a:schemeClr val="tx1">
+                  <a:lumMod val="75000"/>
+                  <a:lumOff val="25000"/>
+                </a:schemeClr>
+              </a:solidFill>
+              <a:latin typeface="微軟正黑體" panose="020B0604030504040204" pitchFamily="34" charset="-120"/>
+              <a:ea typeface="微軟正黑體" panose="020B0604030504040204" pitchFamily="34" charset="-120"/>
+            </a:endParaRPr>
+          </a:p>
+          <a:p>
+            <a:pPr lvl="0"/>
+            <a:r>
+              <a:rPr lang="en-US" altLang="zh-TW" sz="3600" b="1" dirty="0" smtClean="0">
                 <a:solidFill>
                   <a:schemeClr val="tx1">
                     <a:lumMod val="75000"/>
@@ -8743,10 +8639,10 @@
                 <a:latin typeface="微軟正黑體" panose="020B0604030504040204" pitchFamily="34" charset="-120"/>
                 <a:ea typeface="微軟正黑體" panose="020B0604030504040204" pitchFamily="34" charset="-120"/>
               </a:rPr>
-              <a:t>日</a:t>
-            </a:r>
-            <a:r>
-              <a:rPr lang="en-US" altLang="zh-TW" sz="3600" b="1" dirty="0" smtClean="0">
+              <a:t>	</a:t>
+            </a:r>
+            <a:r>
+              <a:rPr lang="zh-TW" altLang="en-US" sz="3600" b="1" dirty="0" smtClean="0">
                 <a:solidFill>
                   <a:schemeClr val="tx1">
                     <a:lumMod val="75000"/>
@@ -8756,7 +8652,20 @@
                 <a:latin typeface="微軟正黑體" panose="020B0604030504040204" pitchFamily="34" charset="-120"/>
                 <a:ea typeface="微軟正黑體" panose="020B0604030504040204" pitchFamily="34" charset="-120"/>
               </a:rPr>
-              <a:t>EMA </a:t>
+              <a:t>但</a:t>
+            </a:r>
+            <a:r>
+              <a:rPr lang="zh-TW" altLang="en-US" sz="3600" b="1" dirty="0">
+                <a:solidFill>
+                  <a:schemeClr val="tx1">
+                    <a:lumMod val="75000"/>
+                    <a:lumOff val="25000"/>
+                  </a:schemeClr>
+                </a:solidFill>
+                <a:latin typeface="微軟正黑體" panose="020B0604030504040204" pitchFamily="34" charset="-120"/>
+                <a:ea typeface="微軟正黑體" panose="020B0604030504040204" pitchFamily="34" charset="-120"/>
+              </a:rPr>
+              <a:t>較舊的數據也給予一定的加權值。</a:t>
             </a:r>
           </a:p>
         </p:txBody>
@@ -8764,7 +8673,7 @@
     </p:spTree>
     <p:extLst>
       <p:ext uri="{BB962C8B-B14F-4D97-AF65-F5344CB8AC3E}">
-        <p14:creationId xmlns:p14="http://schemas.microsoft.com/office/powerpoint/2010/main" val="2461780200"/>
+        <p14:creationId xmlns:p14="http://schemas.microsoft.com/office/powerpoint/2010/main" val="4088085025"/>
       </p:ext>
     </p:extLst>
   </p:cSld>
@@ -8902,14 +8811,14 @@
       </p:sp>
       <p:sp>
         <p:nvSpPr>
-          <p:cNvPr id="5" name="文字方塊 4"/>
+          <p:cNvPr id="6" name="文字方塊 5"/>
           <p:cNvSpPr txBox="1"/>
           <p:nvPr/>
         </p:nvSpPr>
         <p:spPr>
           <a:xfrm>
-            <a:off x="2069717" y="2445417"/>
-            <a:ext cx="13623636" cy="1754326"/>
+            <a:off x="1390844" y="2121565"/>
+            <a:ext cx="13623636" cy="2862322"/>
           </a:xfrm>
           <a:prstGeom prst="rect">
             <a:avLst/>
@@ -8924,7 +8833,7 @@
           <a:p>
             <a:pPr lvl="0"/>
             <a:r>
-              <a:rPr lang="zh-TW" altLang="en-US" sz="3600" b="1" dirty="0" smtClean="0">
+              <a:rPr lang="zh-TW" altLang="en-US" sz="3600" b="1" dirty="0">
                 <a:solidFill>
                   <a:schemeClr val="tx1">
                     <a:lumMod val="75000"/>
@@ -8934,17 +8843,20 @@
                 <a:latin typeface="微軟正黑體" panose="020B0604030504040204" pitchFamily="34" charset="-120"/>
                 <a:ea typeface="微軟正黑體" panose="020B0604030504040204" pitchFamily="34" charset="-120"/>
               </a:rPr>
-              <a:t>若</a:t>
-            </a:r>
-            <a:r>
-              <a:rPr lang="en-US" altLang="zh-TW" sz="3600" b="1" dirty="0" smtClean="0">
-                <a:solidFill>
-                  <a:srgbClr val="FFC000"/>
+              <a:t>用於</a:t>
+            </a:r>
+            <a:r>
+              <a:rPr lang="zh-TW" altLang="en-US" sz="3600" b="1" dirty="0" smtClean="0">
+                <a:solidFill>
+                  <a:schemeClr val="tx1">
+                    <a:lumMod val="75000"/>
+                    <a:lumOff val="25000"/>
+                  </a:schemeClr>
                 </a:solidFill>
                 <a:latin typeface="微軟正黑體" panose="020B0604030504040204" pitchFamily="34" charset="-120"/>
                 <a:ea typeface="微軟正黑體" panose="020B0604030504040204" pitchFamily="34" charset="-120"/>
               </a:rPr>
-              <a:t>DIF</a:t>
+              <a:t>研判</a:t>
             </a:r>
             <a:r>
               <a:rPr lang="zh-TW" altLang="en-US" sz="3600" b="1" dirty="0" smtClean="0">
@@ -8954,70 +8866,37 @@
                 <a:latin typeface="微軟正黑體" panose="020B0604030504040204" pitchFamily="34" charset="-120"/>
                 <a:ea typeface="微軟正黑體" panose="020B0604030504040204" pitchFamily="34" charset="-120"/>
               </a:rPr>
-              <a:t>自下而上</a:t>
-            </a:r>
-            <a:r>
-              <a:rPr lang="zh-TW" altLang="en-US" sz="3600" b="1" dirty="0" smtClean="0">
-                <a:solidFill>
-                  <a:schemeClr val="tx1">
-                    <a:lumMod val="75000"/>
-                    <a:lumOff val="25000"/>
-                  </a:schemeClr>
+              <a:t>價格</a:t>
+            </a:r>
+            <a:r>
+              <a:rPr lang="zh-TW" altLang="en-US" sz="3600" b="1" dirty="0">
+                <a:solidFill>
+                  <a:srgbClr val="FFC000"/>
                 </a:solidFill>
                 <a:latin typeface="微軟正黑體" panose="020B0604030504040204" pitchFamily="34" charset="-120"/>
                 <a:ea typeface="微軟正黑體" panose="020B0604030504040204" pitchFamily="34" charset="-120"/>
               </a:rPr>
-              <a:t>突破</a:t>
-            </a:r>
-            <a:r>
-              <a:rPr lang="en-US" altLang="zh-TW" sz="3600" b="1" dirty="0" smtClean="0">
-                <a:solidFill>
-                  <a:schemeClr val="tx1">
-                    <a:lumMod val="75000"/>
-                    <a:lumOff val="25000"/>
-                  </a:schemeClr>
+              <a:t>變化的強度、方向、</a:t>
+            </a:r>
+            <a:r>
+              <a:rPr lang="zh-TW" altLang="en-US" sz="3600" b="1" dirty="0" smtClean="0">
+                <a:solidFill>
+                  <a:srgbClr val="FFC000"/>
                 </a:solidFill>
                 <a:latin typeface="微軟正黑體" panose="020B0604030504040204" pitchFamily="34" charset="-120"/>
                 <a:ea typeface="微軟正黑體" panose="020B0604030504040204" pitchFamily="34" charset="-120"/>
               </a:rPr>
-              <a:t>DEM</a:t>
-            </a:r>
-            <a:r>
-              <a:rPr lang="zh-TW" altLang="en-US" sz="3600" b="1" dirty="0" smtClean="0">
-                <a:solidFill>
-                  <a:schemeClr val="tx1">
-                    <a:lumMod val="75000"/>
-                    <a:lumOff val="25000"/>
-                  </a:schemeClr>
-                </a:solidFill>
-                <a:latin typeface="微軟正黑體" panose="020B0604030504040204" pitchFamily="34" charset="-120"/>
-                <a:ea typeface="微軟正黑體" panose="020B0604030504040204" pitchFamily="34" charset="-120"/>
-              </a:rPr>
-              <a:t>，為</a:t>
-            </a:r>
-            <a:r>
-              <a:rPr lang="zh-TW" altLang="en-US" sz="3600" b="1" dirty="0" smtClean="0">
-                <a:solidFill>
-                  <a:srgbClr val="FFC000"/>
-                </a:solidFill>
-                <a:latin typeface="微軟正黑體" panose="020B0604030504040204" pitchFamily="34" charset="-120"/>
-                <a:ea typeface="微軟正黑體" panose="020B0604030504040204" pitchFamily="34" charset="-120"/>
-              </a:rPr>
-              <a:t>買進</a:t>
-            </a:r>
-            <a:r>
-              <a:rPr lang="zh-TW" altLang="en-US" sz="3600" b="1" dirty="0" smtClean="0">
-                <a:solidFill>
-                  <a:schemeClr val="tx1">
-                    <a:lumMod val="75000"/>
-                    <a:lumOff val="25000"/>
-                  </a:schemeClr>
-                </a:solidFill>
-                <a:latin typeface="微軟正黑體" panose="020B0604030504040204" pitchFamily="34" charset="-120"/>
-                <a:ea typeface="微軟正黑體" panose="020B0604030504040204" pitchFamily="34" charset="-120"/>
-              </a:rPr>
-              <a:t>訊號</a:t>
-            </a:r>
+              <a:t>能量以及趨勢</a:t>
+            </a:r>
+            <a:endParaRPr lang="en-US" altLang="zh-TW" sz="3600" b="1" dirty="0" smtClean="0">
+              <a:solidFill>
+                <a:srgbClr val="FFC000"/>
+              </a:solidFill>
+              <a:latin typeface="微軟正黑體" panose="020B0604030504040204" pitchFamily="34" charset="-120"/>
+              <a:ea typeface="微軟正黑體" panose="020B0604030504040204" pitchFamily="34" charset="-120"/>
+            </a:endParaRPr>
+          </a:p>
+          <a:p>
             <a:endParaRPr lang="en-US" altLang="zh-TW" sz="3600" b="1" dirty="0" smtClean="0">
               <a:solidFill>
                 <a:schemeClr val="tx1">
@@ -9030,7 +8909,71 @@
             </a:endParaRPr>
           </a:p>
           <a:p>
-            <a:pPr lvl="0"/>
+            <a:r>
+              <a:rPr lang="zh-TW" altLang="en-US" sz="3600" b="1" dirty="0" smtClean="0">
+                <a:solidFill>
+                  <a:schemeClr val="tx1">
+                    <a:lumMod val="75000"/>
+                    <a:lumOff val="25000"/>
+                  </a:schemeClr>
+                </a:solidFill>
+                <a:latin typeface="微軟正黑體" panose="020B0604030504040204" pitchFamily="34" charset="-120"/>
+                <a:ea typeface="微軟正黑體" panose="020B0604030504040204" pitchFamily="34" charset="-120"/>
+              </a:rPr>
+              <a:t>首先計算</a:t>
+            </a:r>
+            <a:r>
+              <a:rPr lang="en-US" altLang="zh-TW" sz="3600" b="1" dirty="0" smtClean="0">
+                <a:solidFill>
+                  <a:schemeClr val="tx1">
+                    <a:lumMod val="75000"/>
+                    <a:lumOff val="25000"/>
+                  </a:schemeClr>
+                </a:solidFill>
+                <a:latin typeface="微軟正黑體" panose="020B0604030504040204" pitchFamily="34" charset="-120"/>
+                <a:ea typeface="微軟正黑體" panose="020B0604030504040204" pitchFamily="34" charset="-120"/>
+              </a:rPr>
+              <a:t>12</a:t>
+            </a:r>
+            <a:r>
+              <a:rPr lang="zh-TW" altLang="en-US" sz="3600" b="1" dirty="0" smtClean="0">
+                <a:solidFill>
+                  <a:schemeClr val="tx1">
+                    <a:lumMod val="75000"/>
+                    <a:lumOff val="25000"/>
+                  </a:schemeClr>
+                </a:solidFill>
+                <a:latin typeface="微軟正黑體" panose="020B0604030504040204" pitchFamily="34" charset="-120"/>
+                <a:ea typeface="微軟正黑體" panose="020B0604030504040204" pitchFamily="34" charset="-120"/>
+              </a:rPr>
+              <a:t>日和</a:t>
+            </a:r>
+            <a:r>
+              <a:rPr lang="en-US" altLang="zh-TW" sz="3600" b="1" dirty="0" smtClean="0">
+                <a:solidFill>
+                  <a:schemeClr val="tx1">
+                    <a:lumMod val="75000"/>
+                    <a:lumOff val="25000"/>
+                  </a:schemeClr>
+                </a:solidFill>
+                <a:latin typeface="微軟正黑體" panose="020B0604030504040204" pitchFamily="34" charset="-120"/>
+                <a:ea typeface="微軟正黑體" panose="020B0604030504040204" pitchFamily="34" charset="-120"/>
+              </a:rPr>
+              <a:t>26</a:t>
+            </a:r>
+            <a:r>
+              <a:rPr lang="zh-TW" altLang="en-US" sz="3600" b="1" dirty="0" smtClean="0">
+                <a:solidFill>
+                  <a:schemeClr val="tx1">
+                    <a:lumMod val="75000"/>
+                    <a:lumOff val="25000"/>
+                  </a:schemeClr>
+                </a:solidFill>
+                <a:latin typeface="微軟正黑體" panose="020B0604030504040204" pitchFamily="34" charset="-120"/>
+                <a:ea typeface="微軟正黑體" panose="020B0604030504040204" pitchFamily="34" charset="-120"/>
+              </a:rPr>
+              <a:t>日的指數移動平均 ，</a:t>
+            </a:r>
             <a:endParaRPr lang="en-US" altLang="zh-TW" sz="3600" b="1" dirty="0" smtClean="0">
               <a:solidFill>
                 <a:schemeClr val="tx1">
@@ -9043,7 +8986,6 @@
             </a:endParaRPr>
           </a:p>
           <a:p>
-            <a:pPr lvl="0"/>
             <a:r>
               <a:rPr lang="zh-TW" altLang="en-US" sz="3600" b="1" dirty="0" smtClean="0">
                 <a:solidFill>
@@ -9055,12 +8997,15 @@
                 <a:latin typeface="微軟正黑體" panose="020B0604030504040204" pitchFamily="34" charset="-120"/>
                 <a:ea typeface="微軟正黑體" panose="020B0604030504040204" pitchFamily="34" charset="-120"/>
               </a:rPr>
-              <a:t>若</a:t>
+              <a:t>令</a:t>
             </a:r>
             <a:r>
               <a:rPr lang="en-US" altLang="zh-TW" sz="3600" b="1" dirty="0" smtClean="0">
                 <a:solidFill>
-                  <a:srgbClr val="FFC000"/>
+                  <a:schemeClr val="tx1">
+                    <a:lumMod val="75000"/>
+                    <a:lumOff val="25000"/>
+                  </a:schemeClr>
                 </a:solidFill>
                 <a:latin typeface="微軟正黑體" panose="020B0604030504040204" pitchFamily="34" charset="-120"/>
                 <a:ea typeface="微軟正黑體" panose="020B0604030504040204" pitchFamily="34" charset="-120"/>
@@ -9070,15 +9015,18 @@
             <a:r>
               <a:rPr lang="zh-TW" altLang="en-US" sz="3600" b="1" dirty="0" smtClean="0">
                 <a:solidFill>
-                  <a:srgbClr val="FFC000"/>
+                  <a:schemeClr val="tx1">
+                    <a:lumMod val="75000"/>
+                    <a:lumOff val="25000"/>
+                  </a:schemeClr>
                 </a:solidFill>
                 <a:latin typeface="微軟正黑體" panose="020B0604030504040204" pitchFamily="34" charset="-120"/>
                 <a:ea typeface="微軟正黑體" panose="020B0604030504040204" pitchFamily="34" charset="-120"/>
               </a:rPr>
-              <a:t>由上而下</a:t>
-            </a:r>
-            <a:r>
-              <a:rPr lang="zh-TW" altLang="en-US" sz="3600" b="1" dirty="0" smtClean="0">
+              <a:t>為</a:t>
+            </a:r>
+            <a:r>
+              <a:rPr lang="en-US" altLang="zh-TW" sz="3600" b="1" dirty="0" smtClean="0">
                 <a:solidFill>
                   <a:schemeClr val="tx1">
                     <a:lumMod val="75000"/>
@@ -9088,10 +9036,10 @@
                 <a:latin typeface="微軟正黑體" panose="020B0604030504040204" pitchFamily="34" charset="-120"/>
                 <a:ea typeface="微軟正黑體" panose="020B0604030504040204" pitchFamily="34" charset="-120"/>
               </a:rPr>
-              <a:t>穿透</a:t>
-            </a:r>
-            <a:r>
-              <a:rPr lang="en-US" altLang="zh-TW" sz="3600" b="1" dirty="0" smtClean="0">
+              <a:t>12</a:t>
+            </a:r>
+            <a:r>
+              <a:rPr lang="zh-TW" altLang="en-US" sz="3600" b="1" dirty="0" smtClean="0">
                 <a:solidFill>
                   <a:schemeClr val="tx1">
                     <a:lumMod val="75000"/>
@@ -9101,10 +9049,10 @@
                 <a:latin typeface="微軟正黑體" panose="020B0604030504040204" pitchFamily="34" charset="-120"/>
                 <a:ea typeface="微軟正黑體" panose="020B0604030504040204" pitchFamily="34" charset="-120"/>
               </a:rPr>
-              <a:t>DEM</a:t>
-            </a:r>
-            <a:r>
-              <a:rPr lang="zh-TW" altLang="en-US" sz="3600" b="1" dirty="0" smtClean="0">
+              <a:t>日</a:t>
+            </a:r>
+            <a:r>
+              <a:rPr lang="en-US" altLang="zh-TW" sz="3600" b="1" dirty="0" smtClean="0">
                 <a:solidFill>
                   <a:schemeClr val="tx1">
                     <a:lumMod val="75000"/>
@@ -9114,20 +9062,23 @@
                 <a:latin typeface="微軟正黑體" panose="020B0604030504040204" pitchFamily="34" charset="-120"/>
                 <a:ea typeface="微軟正黑體" panose="020B0604030504040204" pitchFamily="34" charset="-120"/>
               </a:rPr>
-              <a:t>，為</a:t>
+              <a:t>EWA – 26</a:t>
             </a:r>
             <a:r>
               <a:rPr lang="zh-TW" altLang="en-US" sz="3600" b="1" dirty="0" smtClean="0">
                 <a:solidFill>
-                  <a:srgbClr val="FFC000"/>
+                  <a:schemeClr val="tx1">
+                    <a:lumMod val="75000"/>
+                    <a:lumOff val="25000"/>
+                  </a:schemeClr>
                 </a:solidFill>
                 <a:latin typeface="微軟正黑體" panose="020B0604030504040204" pitchFamily="34" charset="-120"/>
                 <a:ea typeface="微軟正黑體" panose="020B0604030504040204" pitchFamily="34" charset="-120"/>
               </a:rPr>
-              <a:t>賣出</a:t>
-            </a:r>
-            <a:r>
-              <a:rPr lang="zh-TW" altLang="en-US" sz="3600" b="1" dirty="0" smtClean="0">
+              <a:t>日</a:t>
+            </a:r>
+            <a:r>
+              <a:rPr lang="en-US" altLang="zh-TW" sz="3600" b="1" dirty="0" smtClean="0">
                 <a:solidFill>
                   <a:schemeClr val="tx1">
                     <a:lumMod val="75000"/>
@@ -9137,25 +9088,121 @@
                 <a:latin typeface="微軟正黑體" panose="020B0604030504040204" pitchFamily="34" charset="-120"/>
                 <a:ea typeface="微軟正黑體" panose="020B0604030504040204" pitchFamily="34" charset="-120"/>
               </a:rPr>
-              <a:t>訊號</a:t>
-            </a:r>
-            <a:endParaRPr lang="en-US" altLang="zh-TW" sz="3600" b="1" dirty="0" smtClean="0">
-              <a:solidFill>
-                <a:schemeClr val="tx1">
-                  <a:lumMod val="75000"/>
-                  <a:lumOff val="25000"/>
-                </a:schemeClr>
-              </a:solidFill>
-              <a:latin typeface="微軟正黑體" panose="020B0604030504040204" pitchFamily="34" charset="-120"/>
-              <a:ea typeface="微軟正黑體" panose="020B0604030504040204" pitchFamily="34" charset="-120"/>
-            </a:endParaRPr>
+              <a:t>EWA</a:t>
+            </a:r>
+          </a:p>
+          <a:p>
+            <a:r>
+              <a:rPr lang="zh-TW" altLang="en-US" sz="3600" b="1" dirty="0" smtClean="0">
+                <a:solidFill>
+                  <a:schemeClr val="tx1">
+                    <a:lumMod val="75000"/>
+                    <a:lumOff val="25000"/>
+                  </a:schemeClr>
+                </a:solidFill>
+                <a:latin typeface="微軟正黑體" panose="020B0604030504040204" pitchFamily="34" charset="-120"/>
+                <a:ea typeface="微軟正黑體" panose="020B0604030504040204" pitchFamily="34" charset="-120"/>
+              </a:rPr>
+              <a:t>再令</a:t>
+            </a:r>
+            <a:r>
+              <a:rPr lang="en-US" altLang="zh-TW" sz="3600" b="1" dirty="0" smtClean="0">
+                <a:solidFill>
+                  <a:schemeClr val="tx1">
+                    <a:lumMod val="75000"/>
+                    <a:lumOff val="25000"/>
+                  </a:schemeClr>
+                </a:solidFill>
+                <a:latin typeface="微軟正黑體" panose="020B0604030504040204" pitchFamily="34" charset="-120"/>
+                <a:ea typeface="微軟正黑體" panose="020B0604030504040204" pitchFamily="34" charset="-120"/>
+              </a:rPr>
+              <a:t>DEM</a:t>
+            </a:r>
+            <a:r>
+              <a:rPr lang="zh-TW" altLang="en-US" sz="3600" b="1" dirty="0" smtClean="0">
+                <a:solidFill>
+                  <a:schemeClr val="tx1">
+                    <a:lumMod val="75000"/>
+                    <a:lumOff val="25000"/>
+                  </a:schemeClr>
+                </a:solidFill>
+                <a:latin typeface="微軟正黑體" panose="020B0604030504040204" pitchFamily="34" charset="-120"/>
+                <a:ea typeface="微軟正黑體" panose="020B0604030504040204" pitchFamily="34" charset="-120"/>
+              </a:rPr>
+              <a:t>為</a:t>
+            </a:r>
+            <a:r>
+              <a:rPr lang="en-US" altLang="zh-TW" sz="3600" b="1" dirty="0" smtClean="0">
+                <a:solidFill>
+                  <a:schemeClr val="tx1">
+                    <a:lumMod val="75000"/>
+                    <a:lumOff val="25000"/>
+                  </a:schemeClr>
+                </a:solidFill>
+                <a:latin typeface="微軟正黑體" panose="020B0604030504040204" pitchFamily="34" charset="-120"/>
+                <a:ea typeface="微軟正黑體" panose="020B0604030504040204" pitchFamily="34" charset="-120"/>
+              </a:rPr>
+              <a:t>DIF</a:t>
+            </a:r>
+            <a:r>
+              <a:rPr lang="zh-TW" altLang="en-US" sz="3600" b="1" dirty="0" smtClean="0">
+                <a:solidFill>
+                  <a:schemeClr val="tx1">
+                    <a:lumMod val="75000"/>
+                    <a:lumOff val="25000"/>
+                  </a:schemeClr>
+                </a:solidFill>
+                <a:latin typeface="微軟正黑體" panose="020B0604030504040204" pitchFamily="34" charset="-120"/>
+                <a:ea typeface="微軟正黑體" panose="020B0604030504040204" pitchFamily="34" charset="-120"/>
+              </a:rPr>
+              <a:t>的</a:t>
+            </a:r>
+            <a:r>
+              <a:rPr lang="en-US" altLang="zh-TW" sz="3600" b="1" dirty="0" smtClean="0">
+                <a:solidFill>
+                  <a:schemeClr val="tx1">
+                    <a:lumMod val="75000"/>
+                    <a:lumOff val="25000"/>
+                  </a:schemeClr>
+                </a:solidFill>
+                <a:latin typeface="微軟正黑體" panose="020B0604030504040204" pitchFamily="34" charset="-120"/>
+                <a:ea typeface="微軟正黑體" panose="020B0604030504040204" pitchFamily="34" charset="-120"/>
+              </a:rPr>
+              <a:t>9</a:t>
+            </a:r>
+            <a:r>
+              <a:rPr lang="zh-TW" altLang="en-US" sz="3600" b="1" dirty="0" smtClean="0">
+                <a:solidFill>
+                  <a:schemeClr val="tx1">
+                    <a:lumMod val="75000"/>
+                    <a:lumOff val="25000"/>
+                  </a:schemeClr>
+                </a:solidFill>
+                <a:latin typeface="微軟正黑體" panose="020B0604030504040204" pitchFamily="34" charset="-120"/>
+                <a:ea typeface="微軟正黑體" panose="020B0604030504040204" pitchFamily="34" charset="-120"/>
+              </a:rPr>
+              <a:t>日</a:t>
+            </a:r>
+            <a:r>
+              <a:rPr lang="en-US" altLang="zh-TW" sz="3600" b="1" dirty="0" smtClean="0">
+                <a:solidFill>
+                  <a:schemeClr val="tx1">
+                    <a:lumMod val="75000"/>
+                    <a:lumOff val="25000"/>
+                  </a:schemeClr>
+                </a:solidFill>
+                <a:latin typeface="微軟正黑體" panose="020B0604030504040204" pitchFamily="34" charset="-120"/>
+                <a:ea typeface="微軟正黑體" panose="020B0604030504040204" pitchFamily="34" charset="-120"/>
+              </a:rPr>
+              <a:t>EMA </a:t>
+            </a:r>
           </a:p>
         </p:txBody>
       </p:sp>
     </p:spTree>
     <p:extLst>
       <p:ext uri="{BB962C8B-B14F-4D97-AF65-F5344CB8AC3E}">
-        <p14:creationId xmlns:p14="http://schemas.microsoft.com/office/powerpoint/2010/main" val="265694418"/>
+        <p14:creationId xmlns:p14="http://schemas.microsoft.com/office/powerpoint/2010/main" val="2461780200"/>
       </p:ext>
     </p:extLst>
   </p:cSld>
@@ -9220,7 +9267,7 @@
           <a:p>
             <a:pPr defTabSz="685800"/>
             <a:r>
-              <a:rPr lang="en-US" altLang="zh-CN" sz="2400" b="1" dirty="0" err="1" smtClean="0">
+              <a:rPr lang="en-US" altLang="zh-CN" sz="2400" b="1" dirty="0" smtClean="0">
                 <a:solidFill>
                   <a:schemeClr val="tx1">
                     <a:lumMod val="75000"/>
@@ -9232,22 +9279,7 @@
                 <a:cs typeface="+mn-ea"/>
                 <a:sym typeface="+mn-lt"/>
               </a:rPr>
-              <a:t>Bollienger</a:t>
-            </a:r>
-            <a:r>
-              <a:rPr lang="en-US" altLang="zh-CN" sz="2400" b="1" dirty="0" smtClean="0">
-                <a:solidFill>
-                  <a:schemeClr val="tx1">
-                    <a:lumMod val="75000"/>
-                    <a:lumOff val="25000"/>
-                  </a:schemeClr>
-                </a:solidFill>
-                <a:latin typeface="思源黑体 CN Bold" panose="020B0800000000000000" pitchFamily="34" charset="-122"/>
-                <a:ea typeface="思源黑体 CN Bold" panose="020B0800000000000000" pitchFamily="34" charset="-122"/>
-                <a:cs typeface="+mn-ea"/>
-                <a:sym typeface="+mn-lt"/>
-              </a:rPr>
-              <a:t> Bands</a:t>
+              <a:t>MACD</a:t>
             </a:r>
             <a:endParaRPr lang="zh-CN" altLang="en-US" sz="2400" b="1" dirty="0">
               <a:solidFill>
@@ -9561,7 +9593,7 @@
     </p:spTree>
     <p:extLst>
       <p:ext uri="{BB962C8B-B14F-4D97-AF65-F5344CB8AC3E}">
-        <p14:creationId xmlns:p14="http://schemas.microsoft.com/office/powerpoint/2010/main" val="1770639796"/>
+        <p14:creationId xmlns:p14="http://schemas.microsoft.com/office/powerpoint/2010/main" val="265694418"/>
       </p:ext>
     </p:extLst>
   </p:cSld>
@@ -9714,14 +9746,14 @@
       </p:sp>
       <p:sp>
         <p:nvSpPr>
-          <p:cNvPr id="6" name="文字方塊 5"/>
+          <p:cNvPr id="5" name="文字方塊 4"/>
           <p:cNvSpPr txBox="1"/>
           <p:nvPr/>
         </p:nvSpPr>
         <p:spPr>
           <a:xfrm>
-            <a:off x="1790007" y="1829084"/>
-            <a:ext cx="10113818" cy="3170099"/>
+            <a:off x="2069717" y="2445417"/>
+            <a:ext cx="13623636" cy="1754326"/>
           </a:xfrm>
           <a:prstGeom prst="rect">
             <a:avLst/>
@@ -9734,110 +9766,103 @@
           </a:bodyPr>
           <a:lstStyle/>
           <a:p>
-            <a:pPr marL="0" marR="0" lvl="0" indent="0" algn="l" defTabSz="914400" rtl="0" eaLnBrk="1" fontAlgn="auto" latinLnBrk="0" hangingPunct="1">
-              <a:lnSpc>
-                <a:spcPct val="100000"/>
-              </a:lnSpc>
-              <a:spcBef>
-                <a:spcPts val="0"/>
-              </a:spcBef>
-              <a:spcAft>
-                <a:spcPts val="0"/>
-              </a:spcAft>
-              <a:buClrTx/>
-              <a:buSzTx/>
-              <a:buFontTx/>
-              <a:buNone/>
-              <a:tabLst/>
-              <a:defRPr/>
-            </a:pPr>
-            <a:r>
-              <a:rPr kumimoji="0" lang="zh-TW" altLang="en-US" sz="4000" b="1" i="0" u="none" strike="noStrike" kern="1200" cap="none" spc="0" normalizeH="0" baseline="0" noProof="0" dirty="0" smtClean="0">
-                <a:ln>
-                  <a:noFill/>
-                </a:ln>
-                <a:solidFill>
-                  <a:schemeClr val="tx1">
-                    <a:lumMod val="75000"/>
-                    <a:lumOff val="25000"/>
-                  </a:schemeClr>
-                </a:solidFill>
-                <a:effectLst/>
-                <a:uLnTx/>
-                <a:uFillTx/>
+            <a:pPr lvl="0"/>
+            <a:r>
+              <a:rPr lang="zh-TW" altLang="en-US" sz="3600" b="1" dirty="0" smtClean="0">
+                <a:solidFill>
+                  <a:schemeClr val="tx1">
+                    <a:lumMod val="75000"/>
+                    <a:lumOff val="25000"/>
+                  </a:schemeClr>
+                </a:solidFill>
                 <a:latin typeface="微軟正黑體" panose="020B0604030504040204" pitchFamily="34" charset="-120"/>
                 <a:ea typeface="微軟正黑體" panose="020B0604030504040204" pitchFamily="34" charset="-120"/>
               </a:rPr>
-              <a:t>布林通道由三條線</a:t>
-            </a:r>
-            <a:r>
-              <a:rPr kumimoji="0" lang="zh-TW" altLang="en-US" sz="4000" b="1" i="0" u="none" strike="noStrike" kern="1200" cap="none" spc="0" normalizeH="0" baseline="0" noProof="0" dirty="0" smtClean="0">
-                <a:ln>
-                  <a:noFill/>
-                </a:ln>
-                <a:solidFill>
-                  <a:schemeClr val="tx1">
-                    <a:lumMod val="75000"/>
-                    <a:lumOff val="25000"/>
-                  </a:schemeClr>
-                </a:solidFill>
-                <a:effectLst/>
-                <a:uLnTx/>
-                <a:uFillTx/>
+              <a:t>若</a:t>
+            </a:r>
+            <a:r>
+              <a:rPr lang="en-US" altLang="zh-TW" sz="3600" b="1" dirty="0" smtClean="0">
+                <a:solidFill>
+                  <a:srgbClr val="FFC000"/>
+                </a:solidFill>
                 <a:latin typeface="微軟正黑體" panose="020B0604030504040204" pitchFamily="34" charset="-120"/>
                 <a:ea typeface="微軟正黑體" panose="020B0604030504040204" pitchFamily="34" charset="-120"/>
               </a:rPr>
-              <a:t>組成</a:t>
-            </a:r>
-            <a:endParaRPr kumimoji="0" lang="en-US" altLang="zh-TW" sz="4000" b="1" i="0" u="none" strike="noStrike" kern="1200" cap="none" spc="0" normalizeH="0" baseline="0" noProof="0" dirty="0" smtClean="0">
-              <a:ln>
-                <a:noFill/>
-              </a:ln>
-              <a:solidFill>
-                <a:schemeClr val="tx1">
-                  <a:lumMod val="75000"/>
-                  <a:lumOff val="25000"/>
-                </a:schemeClr>
-              </a:solidFill>
-              <a:effectLst/>
-              <a:uLnTx/>
-              <a:uFillTx/>
-              <a:latin typeface="微軟正黑體" panose="020B0604030504040204" pitchFamily="34" charset="-120"/>
-              <a:ea typeface="微軟正黑體" panose="020B0604030504040204" pitchFamily="34" charset="-120"/>
-            </a:endParaRPr>
-          </a:p>
-          <a:p>
-            <a:pPr marL="742950" marR="0" lvl="0" indent="-742950" algn="l" defTabSz="914400" rtl="0" eaLnBrk="1" fontAlgn="auto" latinLnBrk="0" hangingPunct="1">
-              <a:lnSpc>
-                <a:spcPct val="100000"/>
-              </a:lnSpc>
-              <a:spcBef>
-                <a:spcPts val="0"/>
-              </a:spcBef>
-              <a:spcAft>
-                <a:spcPts val="0"/>
-              </a:spcAft>
-              <a:buClrTx/>
-              <a:buSzTx/>
-              <a:buFontTx/>
-              <a:buAutoNum type="arabicPeriod"/>
-              <a:tabLst/>
-              <a:defRPr/>
-            </a:pPr>
-            <a:r>
-              <a:rPr lang="zh-TW" altLang="en-US" sz="4000" b="1" dirty="0" smtClean="0">
-                <a:solidFill>
-                  <a:schemeClr val="tx1">
-                    <a:lumMod val="75000"/>
-                    <a:lumOff val="25000"/>
-                  </a:schemeClr>
+              <a:t>DIF</a:t>
+            </a:r>
+            <a:r>
+              <a:rPr lang="zh-TW" altLang="en-US" sz="3600" b="1" dirty="0" smtClean="0">
+                <a:solidFill>
+                  <a:srgbClr val="FFC000"/>
                 </a:solidFill>
                 <a:latin typeface="微軟正黑體" panose="020B0604030504040204" pitchFamily="34" charset="-120"/>
                 <a:ea typeface="微軟正黑體" panose="020B0604030504040204" pitchFamily="34" charset="-120"/>
               </a:rPr>
-              <a:t>當前價格</a:t>
-            </a:r>
-            <a:endParaRPr lang="en-US" altLang="zh-TW" sz="4000" b="1" dirty="0" smtClean="0">
+              <a:t>自下而上</a:t>
+            </a:r>
+            <a:r>
+              <a:rPr lang="zh-TW" altLang="en-US" sz="3600" b="1" dirty="0" smtClean="0">
+                <a:solidFill>
+                  <a:schemeClr val="tx1">
+                    <a:lumMod val="75000"/>
+                    <a:lumOff val="25000"/>
+                  </a:schemeClr>
+                </a:solidFill>
+                <a:latin typeface="微軟正黑體" panose="020B0604030504040204" pitchFamily="34" charset="-120"/>
+                <a:ea typeface="微軟正黑體" panose="020B0604030504040204" pitchFamily="34" charset="-120"/>
+              </a:rPr>
+              <a:t>突破</a:t>
+            </a:r>
+            <a:r>
+              <a:rPr lang="en-US" altLang="zh-TW" sz="3600" b="1" dirty="0" smtClean="0">
+                <a:solidFill>
+                  <a:schemeClr val="tx1">
+                    <a:lumMod val="75000"/>
+                    <a:lumOff val="25000"/>
+                  </a:schemeClr>
+                </a:solidFill>
+                <a:latin typeface="微軟正黑體" panose="020B0604030504040204" pitchFamily="34" charset="-120"/>
+                <a:ea typeface="微軟正黑體" panose="020B0604030504040204" pitchFamily="34" charset="-120"/>
+              </a:rPr>
+              <a:t>DEM</a:t>
+            </a:r>
+            <a:r>
+              <a:rPr lang="zh-TW" altLang="en-US" sz="3600" b="1" dirty="0" smtClean="0">
+                <a:solidFill>
+                  <a:schemeClr val="tx1">
+                    <a:lumMod val="75000"/>
+                    <a:lumOff val="25000"/>
+                  </a:schemeClr>
+                </a:solidFill>
+                <a:latin typeface="微軟正黑體" panose="020B0604030504040204" pitchFamily="34" charset="-120"/>
+                <a:ea typeface="微軟正黑體" panose="020B0604030504040204" pitchFamily="34" charset="-120"/>
+              </a:rPr>
+              <a:t>，為</a:t>
+            </a:r>
+            <a:r>
+              <a:rPr lang="zh-TW" altLang="en-US" sz="3600" b="1" dirty="0" smtClean="0">
+                <a:solidFill>
+                  <a:srgbClr val="FFC000"/>
+                </a:solidFill>
+                <a:latin typeface="微軟正黑體" panose="020B0604030504040204" pitchFamily="34" charset="-120"/>
+                <a:ea typeface="微軟正黑體" panose="020B0604030504040204" pitchFamily="34" charset="-120"/>
+              </a:rPr>
+              <a:t>買進</a:t>
+            </a:r>
+            <a:r>
+              <a:rPr lang="zh-TW" altLang="en-US" sz="3600" b="1" dirty="0" smtClean="0">
+                <a:solidFill>
+                  <a:schemeClr val="tx1">
+                    <a:lumMod val="75000"/>
+                    <a:lumOff val="25000"/>
+                  </a:schemeClr>
+                </a:solidFill>
+                <a:latin typeface="微軟正黑體" panose="020B0604030504040204" pitchFamily="34" charset="-120"/>
+                <a:ea typeface="微軟正黑體" panose="020B0604030504040204" pitchFamily="34" charset="-120"/>
+              </a:rPr>
+              <a:t>訊號</a:t>
+            </a:r>
+            <a:endParaRPr lang="en-US" altLang="zh-TW" sz="3600" b="1" dirty="0" smtClean="0">
               <a:solidFill>
                 <a:schemeClr val="tx1">
                   <a:lumMod val="75000"/>
@@ -9849,113 +9874,8 @@
             </a:endParaRPr>
           </a:p>
           <a:p>
-            <a:pPr marL="742950" marR="0" lvl="0" indent="-742950" algn="l" defTabSz="914400" rtl="0" eaLnBrk="1" fontAlgn="auto" latinLnBrk="0" hangingPunct="1">
-              <a:lnSpc>
-                <a:spcPct val="100000"/>
-              </a:lnSpc>
-              <a:spcBef>
-                <a:spcPts val="0"/>
-              </a:spcBef>
-              <a:spcAft>
-                <a:spcPts val="0"/>
-              </a:spcAft>
-              <a:buClrTx/>
-              <a:buSzTx/>
-              <a:buFontTx/>
-              <a:buAutoNum type="arabicPeriod"/>
-              <a:tabLst/>
-              <a:defRPr/>
-            </a:pPr>
-            <a:r>
-              <a:rPr kumimoji="0" lang="en-US" altLang="zh-TW" sz="4000" b="1" i="0" u="none" strike="noStrike" kern="1200" cap="none" spc="0" normalizeH="0" baseline="0" noProof="0" dirty="0" smtClean="0">
-                <a:ln>
-                  <a:noFill/>
-                </a:ln>
-                <a:solidFill>
-                  <a:schemeClr val="tx1">
-                    <a:lumMod val="75000"/>
-                    <a:lumOff val="25000"/>
-                  </a:schemeClr>
-                </a:solidFill>
-                <a:effectLst/>
-                <a:uLnTx/>
-                <a:uFillTx/>
-                <a:latin typeface="微軟正黑體" panose="020B0604030504040204" pitchFamily="34" charset="-120"/>
-                <a:ea typeface="微軟正黑體" panose="020B0604030504040204" pitchFamily="34" charset="-120"/>
-              </a:rPr>
-              <a:t>20</a:t>
-            </a:r>
-            <a:r>
-              <a:rPr kumimoji="0" lang="zh-TW" altLang="en-US" sz="4000" b="1" i="0" u="none" strike="noStrike" kern="1200" cap="none" spc="0" normalizeH="0" baseline="0" noProof="0" dirty="0" smtClean="0">
-                <a:ln>
-                  <a:noFill/>
-                </a:ln>
-                <a:solidFill>
-                  <a:schemeClr val="tx1">
-                    <a:lumMod val="75000"/>
-                    <a:lumOff val="25000"/>
-                  </a:schemeClr>
-                </a:solidFill>
-                <a:effectLst/>
-                <a:uLnTx/>
-                <a:uFillTx/>
-                <a:latin typeface="微軟正黑體" panose="020B0604030504040204" pitchFamily="34" charset="-120"/>
-                <a:ea typeface="微軟正黑體" panose="020B0604030504040204" pitchFamily="34" charset="-120"/>
-              </a:rPr>
-              <a:t>天的移動平均線 </a:t>
-            </a:r>
-            <a:r>
-              <a:rPr kumimoji="0" lang="en-US" altLang="zh-TW" sz="4000" b="1" i="0" u="none" strike="noStrike" kern="1200" cap="none" spc="0" normalizeH="0" baseline="0" noProof="0" dirty="0" smtClean="0">
-                <a:ln>
-                  <a:noFill/>
-                </a:ln>
-                <a:solidFill>
-                  <a:schemeClr val="tx1">
-                    <a:lumMod val="75000"/>
-                    <a:lumOff val="25000"/>
-                  </a:schemeClr>
-                </a:solidFill>
-                <a:effectLst/>
-                <a:uLnTx/>
-                <a:uFillTx/>
-                <a:latin typeface="微軟正黑體" panose="020B0604030504040204" pitchFamily="34" charset="-120"/>
-                <a:ea typeface="微軟正黑體" panose="020B0604030504040204" pitchFamily="34" charset="-120"/>
-              </a:rPr>
-              <a:t>+</a:t>
-            </a:r>
-            <a:r>
-              <a:rPr kumimoji="0" lang="zh-TW" altLang="en-US" sz="4000" b="1" i="0" u="none" strike="noStrike" kern="1200" cap="none" spc="0" normalizeH="0" baseline="0" noProof="0" dirty="0" smtClean="0">
-                <a:ln>
-                  <a:noFill/>
-                </a:ln>
-                <a:solidFill>
-                  <a:schemeClr val="tx1">
-                    <a:lumMod val="75000"/>
-                    <a:lumOff val="25000"/>
-                  </a:schemeClr>
-                </a:solidFill>
-                <a:effectLst/>
-                <a:uLnTx/>
-                <a:uFillTx/>
-                <a:latin typeface="微軟正黑體" panose="020B0604030504040204" pitchFamily="34" charset="-120"/>
-                <a:ea typeface="微軟正黑體" panose="020B0604030504040204" pitchFamily="34" charset="-120"/>
-              </a:rPr>
-              <a:t> </a:t>
-            </a:r>
-            <a:r>
-              <a:rPr lang="zh-TW" altLang="en-US" sz="4000" b="1" dirty="0" smtClean="0">
-                <a:solidFill>
-                  <a:schemeClr val="tx1">
-                    <a:lumMod val="75000"/>
-                    <a:lumOff val="25000"/>
-                  </a:schemeClr>
-                </a:solidFill>
-                <a:latin typeface="微軟正黑體" panose="020B0604030504040204" pitchFamily="34" charset="-120"/>
-                <a:ea typeface="微軟正黑體" panose="020B0604030504040204" pitchFamily="34" charset="-120"/>
-              </a:rPr>
-              <a:t>兩倍標準差</a:t>
-            </a:r>
-            <a:endParaRPr lang="en-US" altLang="zh-TW" sz="4000" b="1" dirty="0" smtClean="0">
+            <a:pPr lvl="0"/>
+            <a:endParaRPr lang="en-US" altLang="zh-TW" sz="3600" b="1" dirty="0" smtClean="0">
               <a:solidFill>
                 <a:schemeClr val="tx1">
                   <a:lumMod val="75000"/>
@@ -9967,65 +9887,42 @@
             </a:endParaRPr>
           </a:p>
           <a:p>
-            <a:r>
-              <a:rPr kumimoji="0" lang="en-US" altLang="zh-TW" sz="4000" b="1" i="0" u="none" strike="noStrike" kern="1200" cap="none" spc="0" normalizeH="0" baseline="0" noProof="0" dirty="0" smtClean="0">
-                <a:ln>
-                  <a:noFill/>
-                </a:ln>
-                <a:solidFill>
-                  <a:schemeClr val="tx1">
-                    <a:lumMod val="75000"/>
-                    <a:lumOff val="25000"/>
-                  </a:schemeClr>
-                </a:solidFill>
-                <a:effectLst/>
-                <a:uLnTx/>
-                <a:uFillTx/>
+            <a:pPr lvl="0"/>
+            <a:r>
+              <a:rPr lang="zh-TW" altLang="en-US" sz="3600" b="1" dirty="0" smtClean="0">
+                <a:solidFill>
+                  <a:schemeClr val="tx1">
+                    <a:lumMod val="75000"/>
+                    <a:lumOff val="25000"/>
+                  </a:schemeClr>
+                </a:solidFill>
                 <a:latin typeface="微軟正黑體" panose="020B0604030504040204" pitchFamily="34" charset="-120"/>
                 <a:ea typeface="微軟正黑體" panose="020B0604030504040204" pitchFamily="34" charset="-120"/>
               </a:rPr>
-              <a:t>3.</a:t>
-            </a:r>
-            <a:r>
-              <a:rPr kumimoji="0" lang="zh-TW" altLang="en-US" sz="4000" b="1" i="0" u="none" strike="noStrike" kern="1200" cap="none" spc="0" normalizeH="0" baseline="0" noProof="0" dirty="0" smtClean="0">
-                <a:ln>
-                  <a:noFill/>
-                </a:ln>
-                <a:solidFill>
-                  <a:schemeClr val="tx1">
-                    <a:lumMod val="75000"/>
-                    <a:lumOff val="25000"/>
-                  </a:schemeClr>
-                </a:solidFill>
-                <a:effectLst/>
-                <a:uLnTx/>
-                <a:uFillTx/>
+              <a:t>若</a:t>
+            </a:r>
+            <a:r>
+              <a:rPr lang="en-US" altLang="zh-TW" sz="3600" b="1" dirty="0" smtClean="0">
+                <a:solidFill>
+                  <a:srgbClr val="FFC000"/>
+                </a:solidFill>
                 <a:latin typeface="微軟正黑體" panose="020B0604030504040204" pitchFamily="34" charset="-120"/>
                 <a:ea typeface="微軟正黑體" panose="020B0604030504040204" pitchFamily="34" charset="-120"/>
               </a:rPr>
-              <a:t> </a:t>
-            </a:r>
-            <a:r>
-              <a:rPr kumimoji="0" lang="zh-TW" altLang="en-US" sz="4000" b="1" i="0" u="none" strike="noStrike" kern="1200" cap="none" spc="0" normalizeH="0" baseline="0" noProof="0" dirty="0" smtClean="0">
-                <a:ln>
-                  <a:noFill/>
-                </a:ln>
-                <a:solidFill>
-                  <a:schemeClr val="tx1">
-                    <a:lumMod val="75000"/>
-                    <a:lumOff val="25000"/>
-                  </a:schemeClr>
-                </a:solidFill>
-                <a:effectLst/>
-                <a:uLnTx/>
-                <a:uFillTx/>
+              <a:t>DIF</a:t>
+            </a:r>
+            <a:r>
+              <a:rPr lang="zh-TW" altLang="en-US" sz="3600" b="1" dirty="0" smtClean="0">
+                <a:solidFill>
+                  <a:srgbClr val="FFC000"/>
+                </a:solidFill>
                 <a:latin typeface="微軟正黑體" panose="020B0604030504040204" pitchFamily="34" charset="-120"/>
                 <a:ea typeface="微軟正黑體" panose="020B0604030504040204" pitchFamily="34" charset="-120"/>
               </a:rPr>
-              <a:t>  </a:t>
-            </a:r>
-            <a:r>
-              <a:rPr lang="en-US" altLang="zh-TW" sz="4000" b="1" dirty="0" smtClean="0">
+              <a:t>由上而下</a:t>
+            </a:r>
+            <a:r>
+              <a:rPr lang="zh-TW" altLang="en-US" sz="3600" b="1" dirty="0" smtClean="0">
                 <a:solidFill>
                   <a:schemeClr val="tx1">
                     <a:lumMod val="75000"/>
@@ -10035,10 +9932,10 @@
                 <a:latin typeface="微軟正黑體" panose="020B0604030504040204" pitchFamily="34" charset="-120"/>
                 <a:ea typeface="微軟正黑體" panose="020B0604030504040204" pitchFamily="34" charset="-120"/>
               </a:rPr>
-              <a:t>20</a:t>
-            </a:r>
-            <a:r>
-              <a:rPr lang="zh-TW" altLang="en-US" sz="4000" b="1" dirty="0">
+              <a:t>穿透</a:t>
+            </a:r>
+            <a:r>
+              <a:rPr lang="en-US" altLang="zh-TW" sz="3600" b="1" dirty="0" smtClean="0">
                 <a:solidFill>
                   <a:schemeClr val="tx1">
                     <a:lumMod val="75000"/>
@@ -10048,10 +9945,10 @@
                 <a:latin typeface="微軟正黑體" panose="020B0604030504040204" pitchFamily="34" charset="-120"/>
                 <a:ea typeface="微軟正黑體" panose="020B0604030504040204" pitchFamily="34" charset="-120"/>
               </a:rPr>
-              <a:t>天的移動平均線 </a:t>
-            </a:r>
-            <a:r>
-              <a:rPr lang="en-US" altLang="zh-TW" sz="4000" b="1" dirty="0" smtClean="0">
+              <a:t>DEM</a:t>
+            </a:r>
+            <a:r>
+              <a:rPr lang="zh-TW" altLang="en-US" sz="3600" b="1" dirty="0" smtClean="0">
                 <a:solidFill>
                   <a:schemeClr val="tx1">
                     <a:lumMod val="75000"/>
@@ -10061,23 +9958,20 @@
                 <a:latin typeface="微軟正黑體" panose="020B0604030504040204" pitchFamily="34" charset="-120"/>
                 <a:ea typeface="微軟正黑體" panose="020B0604030504040204" pitchFamily="34" charset="-120"/>
               </a:rPr>
-              <a:t>-</a:t>
-            </a:r>
-            <a:r>
-              <a:rPr lang="zh-TW" altLang="en-US" sz="4000" b="1" dirty="0" smtClean="0">
-                <a:solidFill>
-                  <a:schemeClr val="tx1">
-                    <a:lumMod val="75000"/>
-                    <a:lumOff val="25000"/>
-                  </a:schemeClr>
+              <a:t>，為</a:t>
+            </a:r>
+            <a:r>
+              <a:rPr lang="zh-TW" altLang="en-US" sz="3600" b="1" dirty="0" smtClean="0">
+                <a:solidFill>
+                  <a:srgbClr val="FFC000"/>
                 </a:solidFill>
                 <a:latin typeface="微軟正黑體" panose="020B0604030504040204" pitchFamily="34" charset="-120"/>
                 <a:ea typeface="微軟正黑體" panose="020B0604030504040204" pitchFamily="34" charset="-120"/>
               </a:rPr>
-              <a:t>  </a:t>
-            </a:r>
-            <a:r>
-              <a:rPr lang="zh-TW" altLang="en-US" sz="4000" b="1" dirty="0" smtClean="0">
+              <a:t>賣出</a:t>
+            </a:r>
+            <a:r>
+              <a:rPr lang="zh-TW" altLang="en-US" sz="3600" b="1" dirty="0" smtClean="0">
                 <a:solidFill>
                   <a:schemeClr val="tx1">
                     <a:lumMod val="75000"/>
@@ -10087,9 +9981,9 @@
                 <a:latin typeface="微軟正黑體" panose="020B0604030504040204" pitchFamily="34" charset="-120"/>
                 <a:ea typeface="微軟正黑體" panose="020B0604030504040204" pitchFamily="34" charset="-120"/>
               </a:rPr>
-              <a:t>兩倍標準差</a:t>
-            </a:r>
-            <a:endParaRPr lang="zh-TW" altLang="en-US" sz="4000" b="1" dirty="0">
+              <a:t>訊號</a:t>
+            </a:r>
+            <a:endParaRPr lang="en-US" altLang="zh-TW" sz="3600" b="1" dirty="0" smtClean="0">
               <a:solidFill>
                 <a:schemeClr val="tx1">
                   <a:lumMod val="75000"/>
@@ -10100,47 +9994,12 @@
               <a:ea typeface="微軟正黑體" panose="020B0604030504040204" pitchFamily="34" charset="-120"/>
             </a:endParaRPr>
           </a:p>
-          <a:p>
-            <a:pPr marL="0" marR="0" lvl="0" indent="0" algn="l" defTabSz="914400" rtl="0" eaLnBrk="1" fontAlgn="auto" latinLnBrk="0" hangingPunct="1">
-              <a:lnSpc>
-                <a:spcPct val="100000"/>
-              </a:lnSpc>
-              <a:spcBef>
-                <a:spcPts val="0"/>
-              </a:spcBef>
-              <a:spcAft>
-                <a:spcPts val="0"/>
-              </a:spcAft>
-              <a:buClrTx/>
-              <a:buSzTx/>
-              <a:buFontTx/>
-              <a:buNone/>
-              <a:tabLst/>
-              <a:defRPr/>
-            </a:pPr>
-            <a:endParaRPr kumimoji="0" lang="zh-TW" altLang="en-US" sz="4000" b="1" i="0" u="none" strike="noStrike" kern="1200" cap="none" spc="0" normalizeH="0" baseline="0" noProof="0" dirty="0" smtClean="0">
-              <a:ln>
-                <a:noFill/>
-              </a:ln>
-              <a:solidFill>
-                <a:schemeClr val="tx1">
-                  <a:lumMod val="75000"/>
-                  <a:lumOff val="25000"/>
-                </a:schemeClr>
-              </a:solidFill>
-              <a:effectLst/>
-              <a:uLnTx/>
-              <a:uFillTx/>
-              <a:latin typeface="微軟正黑體" panose="020B0604030504040204" pitchFamily="34" charset="-120"/>
-              <a:ea typeface="微軟正黑體" panose="020B0604030504040204" pitchFamily="34" charset="-120"/>
-            </a:endParaRPr>
-          </a:p>
         </p:txBody>
       </p:sp>
     </p:spTree>
     <p:extLst>
       <p:ext uri="{BB962C8B-B14F-4D97-AF65-F5344CB8AC3E}">
-        <p14:creationId xmlns:p14="http://schemas.microsoft.com/office/powerpoint/2010/main" val="459981496"/>
+        <p14:creationId xmlns:p14="http://schemas.microsoft.com/office/powerpoint/2010/main" val="1770639796"/>
       </p:ext>
     </p:extLst>
   </p:cSld>
@@ -10347,26 +10206,7 @@
                 <a:latin typeface="微軟正黑體" panose="020B0604030504040204" pitchFamily="34" charset="-120"/>
                 <a:ea typeface="微軟正黑體" panose="020B0604030504040204" pitchFamily="34" charset="-120"/>
               </a:rPr>
-              <a:t>布林通道由三條線</a:t>
-            </a:r>
-            <a:r>
-              <a:rPr kumimoji="0" lang="zh-TW" altLang="en-US" sz="4000" b="1" i="0" u="none" strike="noStrike" kern="1200" cap="none" spc="0" normalizeH="0" baseline="0" noProof="0" dirty="0" smtClean="0">
-                <a:ln>
-                  <a:noFill/>
-                </a:ln>
-                <a:solidFill>
-                  <a:schemeClr val="tx1">
-                    <a:lumMod val="75000"/>
-                    <a:lumOff val="25000"/>
-                  </a:schemeClr>
-                </a:solidFill>
-                <a:effectLst/>
-                <a:uLnTx/>
-                <a:uFillTx/>
-                <a:latin typeface="微軟正黑體" panose="020B0604030504040204" pitchFamily="34" charset="-120"/>
-                <a:ea typeface="微軟正黑體" panose="020B0604030504040204" pitchFamily="34" charset="-120"/>
-              </a:rPr>
-              <a:t>組成</a:t>
+              <a:t>布林通道由三條線組成</a:t>
             </a:r>
             <a:endParaRPr kumimoji="0" lang="en-US" altLang="zh-TW" sz="4000" b="1" i="0" u="none" strike="noStrike" kern="1200" cap="none" spc="0" normalizeH="0" baseline="0" noProof="0" dirty="0" smtClean="0">
               <a:ln>
@@ -10582,29 +10422,23 @@
                 <a:latin typeface="微軟正黑體" panose="020B0604030504040204" pitchFamily="34" charset="-120"/>
                 <a:ea typeface="微軟正黑體" panose="020B0604030504040204" pitchFamily="34" charset="-120"/>
               </a:rPr>
-              <a:t> </a:t>
-            </a:r>
-            <a:r>
-              <a:rPr kumimoji="0" lang="zh-TW" altLang="en-US" sz="4000" b="1" i="0" u="none" strike="noStrike" kern="1200" cap="none" spc="0" normalizeH="0" baseline="0" noProof="0" dirty="0" smtClean="0">
-                <a:ln>
-                  <a:noFill/>
-                </a:ln>
-                <a:solidFill>
-                  <a:schemeClr val="tx1">
-                    <a:lumMod val="75000"/>
-                    <a:lumOff val="25000"/>
-                  </a:schemeClr>
-                </a:solidFill>
-                <a:effectLst/>
-                <a:uLnTx/>
-                <a:uFillTx/>
+              <a:t>   </a:t>
+            </a:r>
+            <a:r>
+              <a:rPr lang="en-US" altLang="zh-TW" sz="4000" b="1" dirty="0" smtClean="0">
+                <a:solidFill>
+                  <a:schemeClr val="tx1">
+                    <a:lumMod val="75000"/>
+                    <a:lumOff val="25000"/>
+                  </a:schemeClr>
+                </a:solidFill>
                 <a:latin typeface="微軟正黑體" panose="020B0604030504040204" pitchFamily="34" charset="-120"/>
                 <a:ea typeface="微軟正黑體" panose="020B0604030504040204" pitchFamily="34" charset="-120"/>
               </a:rPr>
-              <a:t>  </a:t>
-            </a:r>
-            <a:r>
-              <a:rPr lang="en-US" altLang="zh-TW" sz="4000" b="1" dirty="0" smtClean="0">
+              <a:t>20</a:t>
+            </a:r>
+            <a:r>
+              <a:rPr lang="zh-TW" altLang="en-US" sz="4000" b="1" dirty="0">
                 <a:solidFill>
                   <a:schemeClr val="tx1">
                     <a:lumMod val="75000"/>
@@ -10614,10 +10448,10 @@
                 <a:latin typeface="微軟正黑體" panose="020B0604030504040204" pitchFamily="34" charset="-120"/>
                 <a:ea typeface="微軟正黑體" panose="020B0604030504040204" pitchFamily="34" charset="-120"/>
               </a:rPr>
-              <a:t>20</a:t>
-            </a:r>
-            <a:r>
-              <a:rPr lang="zh-TW" altLang="en-US" sz="4000" b="1" dirty="0">
+              <a:t>天的移動平均線 </a:t>
+            </a:r>
+            <a:r>
+              <a:rPr lang="en-US" altLang="zh-TW" sz="4000" b="1" dirty="0" smtClean="0">
                 <a:solidFill>
                   <a:schemeClr val="tx1">
                     <a:lumMod val="75000"/>
@@ -10627,10 +10461,10 @@
                 <a:latin typeface="微軟正黑體" panose="020B0604030504040204" pitchFamily="34" charset="-120"/>
                 <a:ea typeface="微軟正黑體" panose="020B0604030504040204" pitchFamily="34" charset="-120"/>
               </a:rPr>
-              <a:t>天的移動平均線 </a:t>
-            </a:r>
-            <a:r>
-              <a:rPr lang="en-US" altLang="zh-TW" sz="4000" b="1" dirty="0" smtClean="0">
+              <a:t>-</a:t>
+            </a:r>
+            <a:r>
+              <a:rPr lang="zh-TW" altLang="en-US" sz="4000" b="1" dirty="0" smtClean="0">
                 <a:solidFill>
                   <a:schemeClr val="tx1">
                     <a:lumMod val="75000"/>
@@ -10640,33 +10474,7 @@
                 <a:latin typeface="微軟正黑體" panose="020B0604030504040204" pitchFamily="34" charset="-120"/>
                 <a:ea typeface="微軟正黑體" panose="020B0604030504040204" pitchFamily="34" charset="-120"/>
               </a:rPr>
-              <a:t>-</a:t>
-            </a:r>
-            <a:r>
-              <a:rPr lang="zh-TW" altLang="en-US" sz="4000" b="1" dirty="0" smtClean="0">
-                <a:solidFill>
-                  <a:schemeClr val="tx1">
-                    <a:lumMod val="75000"/>
-                    <a:lumOff val="25000"/>
-                  </a:schemeClr>
-                </a:solidFill>
-                <a:latin typeface="微軟正黑體" panose="020B0604030504040204" pitchFamily="34" charset="-120"/>
-                <a:ea typeface="微軟正黑體" panose="020B0604030504040204" pitchFamily="34" charset="-120"/>
-              </a:rPr>
-              <a:t>  </a:t>
-            </a:r>
-            <a:r>
-              <a:rPr lang="zh-TW" altLang="en-US" sz="4000" b="1" dirty="0" smtClean="0">
-                <a:solidFill>
-                  <a:schemeClr val="tx1">
-                    <a:lumMod val="75000"/>
-                    <a:lumOff val="25000"/>
-                  </a:schemeClr>
-                </a:solidFill>
-                <a:latin typeface="微軟正黑體" panose="020B0604030504040204" pitchFamily="34" charset="-120"/>
-                <a:ea typeface="微軟正黑體" panose="020B0604030504040204" pitchFamily="34" charset="-120"/>
-              </a:rPr>
-              <a:t>兩倍標準差</a:t>
+              <a:t>  兩倍標準差</a:t>
             </a:r>
             <a:endParaRPr lang="zh-TW" altLang="en-US" sz="4000" b="1" dirty="0">
               <a:solidFill>
@@ -10719,7 +10527,7 @@
     </p:spTree>
     <p:extLst>
       <p:ext uri="{BB962C8B-B14F-4D97-AF65-F5344CB8AC3E}">
-        <p14:creationId xmlns:p14="http://schemas.microsoft.com/office/powerpoint/2010/main" val="3862359517"/>
+        <p14:creationId xmlns:p14="http://schemas.microsoft.com/office/powerpoint/2010/main" val="459981496"/>
       </p:ext>
     </p:extLst>
   </p:cSld>
@@ -10758,62 +10566,505 @@
       </p:grpSpPr>
       <p:sp>
         <p:nvSpPr>
-          <p:cNvPr id="2" name="標題 1"/>
-          <p:cNvSpPr>
-            <a:spLocks noGrp="1"/>
-          </p:cNvSpPr>
-          <p:nvPr>
-            <p:ph type="title"/>
-          </p:nvPr>
-        </p:nvSpPr>
-        <p:spPr/>
-        <p:txBody>
-          <a:bodyPr/>
-          <a:lstStyle/>
-          <a:p>
-            <a:endParaRPr lang="zh-TW" altLang="en-US"/>
-          </a:p>
-        </p:txBody>
-      </p:sp>
-      <p:pic>
-        <p:nvPicPr>
-          <p:cNvPr id="4" name="內容版面配置區 3"/>
-          <p:cNvPicPr>
-            <a:picLocks noGrp="1" noChangeAspect="1"/>
-          </p:cNvPicPr>
-          <p:nvPr>
-            <p:ph idx="1"/>
-          </p:nvPr>
-        </p:nvPicPr>
-        <p:blipFill>
-          <a:blip r:embed="rId2" cstate="print">
-            <a:extLst>
-              <a:ext uri="{28A0092B-C50C-407E-A947-70E740481C1C}">
-                <a14:useLocalDpi xmlns:a14="http://schemas.microsoft.com/office/drawing/2010/main" val="0"/>
-              </a:ext>
-            </a:extLst>
-          </a:blip>
-          <a:stretch>
-            <a:fillRect/>
-          </a:stretch>
-        </p:blipFill>
+          <p:cNvPr id="4" name="TextBox 1956"/>
+          <p:cNvSpPr/>
+          <p:nvPr/>
+        </p:nvSpPr>
         <p:spPr>
           <a:xfrm>
-            <a:off x="813262" y="0"/>
-            <a:ext cx="10565476" cy="6858000"/>
+            <a:off x="937444" y="705711"/>
+            <a:ext cx="7076024" cy="461665"/>
           </a:xfrm>
+          <a:prstGeom prst="rect">
+            <a:avLst/>
+          </a:prstGeom>
+          <a:noFill/>
+          <a:ln w="9525">
+            <a:noFill/>
+            <a:miter/>
+          </a:ln>
         </p:spPr>
-      </p:pic>
+        <p:txBody>
+          <a:bodyPr wrap="square">
+            <a:spAutoFit/>
+          </a:bodyPr>
+          <a:lstStyle/>
+          <a:p>
+            <a:pPr defTabSz="685800"/>
+            <a:r>
+              <a:rPr lang="en-US" altLang="zh-CN" sz="2400" b="1" dirty="0" err="1" smtClean="0">
+                <a:solidFill>
+                  <a:schemeClr val="tx1">
+                    <a:lumMod val="75000"/>
+                    <a:lumOff val="25000"/>
+                  </a:schemeClr>
+                </a:solidFill>
+                <a:latin typeface="思源黑体 CN Bold" panose="020B0800000000000000" pitchFamily="34" charset="-122"/>
+                <a:ea typeface="思源黑体 CN Bold" panose="020B0800000000000000" pitchFamily="34" charset="-122"/>
+                <a:cs typeface="+mn-ea"/>
+                <a:sym typeface="+mn-lt"/>
+              </a:rPr>
+              <a:t>Bollienger</a:t>
+            </a:r>
+            <a:r>
+              <a:rPr lang="en-US" altLang="zh-CN" sz="2400" b="1" dirty="0" smtClean="0">
+                <a:solidFill>
+                  <a:schemeClr val="tx1">
+                    <a:lumMod val="75000"/>
+                    <a:lumOff val="25000"/>
+                  </a:schemeClr>
+                </a:solidFill>
+                <a:latin typeface="思源黑体 CN Bold" panose="020B0800000000000000" pitchFamily="34" charset="-122"/>
+                <a:ea typeface="思源黑体 CN Bold" panose="020B0800000000000000" pitchFamily="34" charset="-122"/>
+                <a:cs typeface="+mn-ea"/>
+                <a:sym typeface="+mn-lt"/>
+              </a:rPr>
+              <a:t> Bands</a:t>
+            </a:r>
+            <a:endParaRPr lang="zh-CN" altLang="en-US" sz="2400" b="1" dirty="0">
+              <a:solidFill>
+                <a:schemeClr val="tx1">
+                  <a:lumMod val="75000"/>
+                  <a:lumOff val="25000"/>
+                </a:schemeClr>
+              </a:solidFill>
+              <a:latin typeface="思源黑体 CN Bold" panose="020B0800000000000000" pitchFamily="34" charset="-122"/>
+              <a:ea typeface="思源黑体 CN Bold" panose="020B0800000000000000" pitchFamily="34" charset="-122"/>
+              <a:cs typeface="+mn-ea"/>
+              <a:sym typeface="+mn-lt"/>
+            </a:endParaRPr>
+          </a:p>
+        </p:txBody>
+      </p:sp>
+      <p:sp>
+        <p:nvSpPr>
+          <p:cNvPr id="9" name="TextBox 1956"/>
+          <p:cNvSpPr/>
+          <p:nvPr/>
+        </p:nvSpPr>
+        <p:spPr>
+          <a:xfrm>
+            <a:off x="1619090" y="3414134"/>
+            <a:ext cx="8996264" cy="461665"/>
+          </a:xfrm>
+          <a:prstGeom prst="rect">
+            <a:avLst/>
+          </a:prstGeom>
+          <a:noFill/>
+          <a:ln w="9525">
+            <a:noFill/>
+            <a:miter/>
+          </a:ln>
+        </p:spPr>
+        <p:txBody>
+          <a:bodyPr wrap="square">
+            <a:spAutoFit/>
+          </a:bodyPr>
+          <a:lstStyle/>
+          <a:p>
+            <a:pPr defTabSz="685800"/>
+            <a:endParaRPr lang="zh-CN" altLang="en-US" sz="2400" b="1" dirty="0">
+              <a:solidFill>
+                <a:schemeClr val="tx1">
+                  <a:lumMod val="75000"/>
+                  <a:lumOff val="25000"/>
+                </a:schemeClr>
+              </a:solidFill>
+              <a:latin typeface="思源黑体 CN Bold" panose="020B0800000000000000" pitchFamily="34" charset="-122"/>
+              <a:ea typeface="思源黑体 CN Bold" panose="020B0800000000000000" pitchFamily="34" charset="-122"/>
+              <a:cs typeface="+mn-ea"/>
+              <a:sym typeface="+mn-lt"/>
+            </a:endParaRPr>
+          </a:p>
+        </p:txBody>
+      </p:sp>
+      <p:sp>
+        <p:nvSpPr>
+          <p:cNvPr id="6" name="文字方塊 5"/>
+          <p:cNvSpPr txBox="1"/>
+          <p:nvPr/>
+        </p:nvSpPr>
+        <p:spPr>
+          <a:xfrm>
+            <a:off x="1790007" y="1829084"/>
+            <a:ext cx="10113818" cy="3170099"/>
+          </a:xfrm>
+          <a:prstGeom prst="rect">
+            <a:avLst/>
+          </a:prstGeom>
+          <a:noFill/>
+        </p:spPr>
+        <p:txBody>
+          <a:bodyPr wrap="square" rtlCol="0">
+            <a:spAutoFit/>
+          </a:bodyPr>
+          <a:lstStyle/>
+          <a:p>
+            <a:pPr marL="0" marR="0" lvl="0" indent="0" algn="l" defTabSz="914400" rtl="0" eaLnBrk="1" fontAlgn="auto" latinLnBrk="0" hangingPunct="1">
+              <a:lnSpc>
+                <a:spcPct val="100000"/>
+              </a:lnSpc>
+              <a:spcBef>
+                <a:spcPts val="0"/>
+              </a:spcBef>
+              <a:spcAft>
+                <a:spcPts val="0"/>
+              </a:spcAft>
+              <a:buClrTx/>
+              <a:buSzTx/>
+              <a:buFontTx/>
+              <a:buNone/>
+              <a:tabLst/>
+              <a:defRPr/>
+            </a:pPr>
+            <a:r>
+              <a:rPr kumimoji="0" lang="zh-TW" altLang="en-US" sz="4000" b="1" i="0" u="none" strike="noStrike" kern="1200" cap="none" spc="0" normalizeH="0" baseline="0" noProof="0" dirty="0" smtClean="0">
+                <a:ln>
+                  <a:noFill/>
+                </a:ln>
+                <a:solidFill>
+                  <a:schemeClr val="tx1">
+                    <a:lumMod val="75000"/>
+                    <a:lumOff val="25000"/>
+                  </a:schemeClr>
+                </a:solidFill>
+                <a:effectLst/>
+                <a:uLnTx/>
+                <a:uFillTx/>
+                <a:latin typeface="微軟正黑體" panose="020B0604030504040204" pitchFamily="34" charset="-120"/>
+                <a:ea typeface="微軟正黑體" panose="020B0604030504040204" pitchFamily="34" charset="-120"/>
+              </a:rPr>
+              <a:t>布林通道由三條線組成</a:t>
+            </a:r>
+            <a:endParaRPr kumimoji="0" lang="en-US" altLang="zh-TW" sz="4000" b="1" i="0" u="none" strike="noStrike" kern="1200" cap="none" spc="0" normalizeH="0" baseline="0" noProof="0" dirty="0" smtClean="0">
+              <a:ln>
+                <a:noFill/>
+              </a:ln>
+              <a:solidFill>
+                <a:schemeClr val="tx1">
+                  <a:lumMod val="75000"/>
+                  <a:lumOff val="25000"/>
+                </a:schemeClr>
+              </a:solidFill>
+              <a:effectLst/>
+              <a:uLnTx/>
+              <a:uFillTx/>
+              <a:latin typeface="微軟正黑體" panose="020B0604030504040204" pitchFamily="34" charset="-120"/>
+              <a:ea typeface="微軟正黑體" panose="020B0604030504040204" pitchFamily="34" charset="-120"/>
+            </a:endParaRPr>
+          </a:p>
+          <a:p>
+            <a:pPr marL="742950" marR="0" lvl="0" indent="-742950" algn="l" defTabSz="914400" rtl="0" eaLnBrk="1" fontAlgn="auto" latinLnBrk="0" hangingPunct="1">
+              <a:lnSpc>
+                <a:spcPct val="100000"/>
+              </a:lnSpc>
+              <a:spcBef>
+                <a:spcPts val="0"/>
+              </a:spcBef>
+              <a:spcAft>
+                <a:spcPts val="0"/>
+              </a:spcAft>
+              <a:buClrTx/>
+              <a:buSzTx/>
+              <a:buFontTx/>
+              <a:buAutoNum type="arabicPeriod"/>
+              <a:tabLst/>
+              <a:defRPr/>
+            </a:pPr>
+            <a:r>
+              <a:rPr lang="zh-TW" altLang="en-US" sz="4000" b="1" dirty="0" smtClean="0">
+                <a:solidFill>
+                  <a:schemeClr val="tx1">
+                    <a:lumMod val="75000"/>
+                    <a:lumOff val="25000"/>
+                  </a:schemeClr>
+                </a:solidFill>
+                <a:latin typeface="微軟正黑體" panose="020B0604030504040204" pitchFamily="34" charset="-120"/>
+                <a:ea typeface="微軟正黑體" panose="020B0604030504040204" pitchFamily="34" charset="-120"/>
+              </a:rPr>
+              <a:t>當前價格</a:t>
+            </a:r>
+            <a:endParaRPr lang="en-US" altLang="zh-TW" sz="4000" b="1" dirty="0" smtClean="0">
+              <a:solidFill>
+                <a:schemeClr val="tx1">
+                  <a:lumMod val="75000"/>
+                  <a:lumOff val="25000"/>
+                </a:schemeClr>
+              </a:solidFill>
+              <a:latin typeface="微軟正黑體" panose="020B0604030504040204" pitchFamily="34" charset="-120"/>
+              <a:ea typeface="微軟正黑體" panose="020B0604030504040204" pitchFamily="34" charset="-120"/>
+            </a:endParaRPr>
+          </a:p>
+          <a:p>
+            <a:pPr marL="742950" marR="0" lvl="0" indent="-742950" algn="l" defTabSz="914400" rtl="0" eaLnBrk="1" fontAlgn="auto" latinLnBrk="0" hangingPunct="1">
+              <a:lnSpc>
+                <a:spcPct val="100000"/>
+              </a:lnSpc>
+              <a:spcBef>
+                <a:spcPts val="0"/>
+              </a:spcBef>
+              <a:spcAft>
+                <a:spcPts val="0"/>
+              </a:spcAft>
+              <a:buClrTx/>
+              <a:buSzTx/>
+              <a:buFontTx/>
+              <a:buAutoNum type="arabicPeriod"/>
+              <a:tabLst/>
+              <a:defRPr/>
+            </a:pPr>
+            <a:r>
+              <a:rPr kumimoji="0" lang="en-US" altLang="zh-TW" sz="4000" b="1" i="0" u="none" strike="noStrike" kern="1200" cap="none" spc="0" normalizeH="0" baseline="0" noProof="0" dirty="0" smtClean="0">
+                <a:ln>
+                  <a:noFill/>
+                </a:ln>
+                <a:solidFill>
+                  <a:schemeClr val="tx1">
+                    <a:lumMod val="75000"/>
+                    <a:lumOff val="25000"/>
+                  </a:schemeClr>
+                </a:solidFill>
+                <a:effectLst/>
+                <a:uLnTx/>
+                <a:uFillTx/>
+                <a:latin typeface="微軟正黑體" panose="020B0604030504040204" pitchFamily="34" charset="-120"/>
+                <a:ea typeface="微軟正黑體" panose="020B0604030504040204" pitchFamily="34" charset="-120"/>
+              </a:rPr>
+              <a:t>20</a:t>
+            </a:r>
+            <a:r>
+              <a:rPr kumimoji="0" lang="zh-TW" altLang="en-US" sz="4000" b="1" i="0" u="none" strike="noStrike" kern="1200" cap="none" spc="0" normalizeH="0" baseline="0" noProof="0" dirty="0" smtClean="0">
+                <a:ln>
+                  <a:noFill/>
+                </a:ln>
+                <a:solidFill>
+                  <a:schemeClr val="tx1">
+                    <a:lumMod val="75000"/>
+                    <a:lumOff val="25000"/>
+                  </a:schemeClr>
+                </a:solidFill>
+                <a:effectLst/>
+                <a:uLnTx/>
+                <a:uFillTx/>
+                <a:latin typeface="微軟正黑體" panose="020B0604030504040204" pitchFamily="34" charset="-120"/>
+                <a:ea typeface="微軟正黑體" panose="020B0604030504040204" pitchFamily="34" charset="-120"/>
+              </a:rPr>
+              <a:t>天的移動平均線 </a:t>
+            </a:r>
+            <a:r>
+              <a:rPr kumimoji="0" lang="en-US" altLang="zh-TW" sz="4000" b="1" i="0" u="none" strike="noStrike" kern="1200" cap="none" spc="0" normalizeH="0" baseline="0" noProof="0" dirty="0" smtClean="0">
+                <a:ln>
+                  <a:noFill/>
+                </a:ln>
+                <a:solidFill>
+                  <a:schemeClr val="tx1">
+                    <a:lumMod val="75000"/>
+                    <a:lumOff val="25000"/>
+                  </a:schemeClr>
+                </a:solidFill>
+                <a:effectLst/>
+                <a:uLnTx/>
+                <a:uFillTx/>
+                <a:latin typeface="微軟正黑體" panose="020B0604030504040204" pitchFamily="34" charset="-120"/>
+                <a:ea typeface="微軟正黑體" panose="020B0604030504040204" pitchFamily="34" charset="-120"/>
+              </a:rPr>
+              <a:t>+</a:t>
+            </a:r>
+            <a:r>
+              <a:rPr kumimoji="0" lang="zh-TW" altLang="en-US" sz="4000" b="1" i="0" u="none" strike="noStrike" kern="1200" cap="none" spc="0" normalizeH="0" baseline="0" noProof="0" dirty="0" smtClean="0">
+                <a:ln>
+                  <a:noFill/>
+                </a:ln>
+                <a:solidFill>
+                  <a:schemeClr val="tx1">
+                    <a:lumMod val="75000"/>
+                    <a:lumOff val="25000"/>
+                  </a:schemeClr>
+                </a:solidFill>
+                <a:effectLst/>
+                <a:uLnTx/>
+                <a:uFillTx/>
+                <a:latin typeface="微軟正黑體" panose="020B0604030504040204" pitchFamily="34" charset="-120"/>
+                <a:ea typeface="微軟正黑體" panose="020B0604030504040204" pitchFamily="34" charset="-120"/>
+              </a:rPr>
+              <a:t> </a:t>
+            </a:r>
+            <a:r>
+              <a:rPr lang="zh-TW" altLang="en-US" sz="4000" b="1" dirty="0" smtClean="0">
+                <a:solidFill>
+                  <a:schemeClr val="tx1">
+                    <a:lumMod val="75000"/>
+                    <a:lumOff val="25000"/>
+                  </a:schemeClr>
+                </a:solidFill>
+                <a:latin typeface="微軟正黑體" panose="020B0604030504040204" pitchFamily="34" charset="-120"/>
+                <a:ea typeface="微軟正黑體" panose="020B0604030504040204" pitchFamily="34" charset="-120"/>
+              </a:rPr>
+              <a:t>兩倍標準差</a:t>
+            </a:r>
+            <a:endParaRPr lang="en-US" altLang="zh-TW" sz="4000" b="1" dirty="0" smtClean="0">
+              <a:solidFill>
+                <a:schemeClr val="tx1">
+                  <a:lumMod val="75000"/>
+                  <a:lumOff val="25000"/>
+                </a:schemeClr>
+              </a:solidFill>
+              <a:latin typeface="微軟正黑體" panose="020B0604030504040204" pitchFamily="34" charset="-120"/>
+              <a:ea typeface="微軟正黑體" panose="020B0604030504040204" pitchFamily="34" charset="-120"/>
+            </a:endParaRPr>
+          </a:p>
+          <a:p>
+            <a:r>
+              <a:rPr kumimoji="0" lang="en-US" altLang="zh-TW" sz="4000" b="1" i="0" u="none" strike="noStrike" kern="1200" cap="none" spc="0" normalizeH="0" baseline="0" noProof="0" dirty="0" smtClean="0">
+                <a:ln>
+                  <a:noFill/>
+                </a:ln>
+                <a:solidFill>
+                  <a:schemeClr val="tx1">
+                    <a:lumMod val="75000"/>
+                    <a:lumOff val="25000"/>
+                  </a:schemeClr>
+                </a:solidFill>
+                <a:effectLst/>
+                <a:uLnTx/>
+                <a:uFillTx/>
+                <a:latin typeface="微軟正黑體" panose="020B0604030504040204" pitchFamily="34" charset="-120"/>
+                <a:ea typeface="微軟正黑體" panose="020B0604030504040204" pitchFamily="34" charset="-120"/>
+              </a:rPr>
+              <a:t>3.</a:t>
+            </a:r>
+            <a:r>
+              <a:rPr kumimoji="0" lang="zh-TW" altLang="en-US" sz="4000" b="1" i="0" u="none" strike="noStrike" kern="1200" cap="none" spc="0" normalizeH="0" baseline="0" noProof="0" dirty="0" smtClean="0">
+                <a:ln>
+                  <a:noFill/>
+                </a:ln>
+                <a:solidFill>
+                  <a:schemeClr val="tx1">
+                    <a:lumMod val="75000"/>
+                    <a:lumOff val="25000"/>
+                  </a:schemeClr>
+                </a:solidFill>
+                <a:effectLst/>
+                <a:uLnTx/>
+                <a:uFillTx/>
+                <a:latin typeface="微軟正黑體" panose="020B0604030504040204" pitchFamily="34" charset="-120"/>
+                <a:ea typeface="微軟正黑體" panose="020B0604030504040204" pitchFamily="34" charset="-120"/>
+              </a:rPr>
+              <a:t>   </a:t>
+            </a:r>
+            <a:r>
+              <a:rPr lang="en-US" altLang="zh-TW" sz="4000" b="1" dirty="0" smtClean="0">
+                <a:solidFill>
+                  <a:schemeClr val="tx1">
+                    <a:lumMod val="75000"/>
+                    <a:lumOff val="25000"/>
+                  </a:schemeClr>
+                </a:solidFill>
+                <a:latin typeface="微軟正黑體" panose="020B0604030504040204" pitchFamily="34" charset="-120"/>
+                <a:ea typeface="微軟正黑體" panose="020B0604030504040204" pitchFamily="34" charset="-120"/>
+              </a:rPr>
+              <a:t>20</a:t>
+            </a:r>
+            <a:r>
+              <a:rPr lang="zh-TW" altLang="en-US" sz="4000" b="1" dirty="0">
+                <a:solidFill>
+                  <a:schemeClr val="tx1">
+                    <a:lumMod val="75000"/>
+                    <a:lumOff val="25000"/>
+                  </a:schemeClr>
+                </a:solidFill>
+                <a:latin typeface="微軟正黑體" panose="020B0604030504040204" pitchFamily="34" charset="-120"/>
+                <a:ea typeface="微軟正黑體" panose="020B0604030504040204" pitchFamily="34" charset="-120"/>
+              </a:rPr>
+              <a:t>天的移動平均線 </a:t>
+            </a:r>
+            <a:r>
+              <a:rPr lang="en-US" altLang="zh-TW" sz="4000" b="1" dirty="0" smtClean="0">
+                <a:solidFill>
+                  <a:schemeClr val="tx1">
+                    <a:lumMod val="75000"/>
+                    <a:lumOff val="25000"/>
+                  </a:schemeClr>
+                </a:solidFill>
+                <a:latin typeface="微軟正黑體" panose="020B0604030504040204" pitchFamily="34" charset="-120"/>
+                <a:ea typeface="微軟正黑體" panose="020B0604030504040204" pitchFamily="34" charset="-120"/>
+              </a:rPr>
+              <a:t>-</a:t>
+            </a:r>
+            <a:r>
+              <a:rPr lang="zh-TW" altLang="en-US" sz="4000" b="1" dirty="0" smtClean="0">
+                <a:solidFill>
+                  <a:schemeClr val="tx1">
+                    <a:lumMod val="75000"/>
+                    <a:lumOff val="25000"/>
+                  </a:schemeClr>
+                </a:solidFill>
+                <a:latin typeface="微軟正黑體" panose="020B0604030504040204" pitchFamily="34" charset="-120"/>
+                <a:ea typeface="微軟正黑體" panose="020B0604030504040204" pitchFamily="34" charset="-120"/>
+              </a:rPr>
+              <a:t>  兩倍標準差</a:t>
+            </a:r>
+            <a:endParaRPr lang="zh-TW" altLang="en-US" sz="4000" b="1" dirty="0">
+              <a:solidFill>
+                <a:schemeClr val="tx1">
+                  <a:lumMod val="75000"/>
+                  <a:lumOff val="25000"/>
+                </a:schemeClr>
+              </a:solidFill>
+              <a:latin typeface="微軟正黑體" panose="020B0604030504040204" pitchFamily="34" charset="-120"/>
+              <a:ea typeface="微軟正黑體" panose="020B0604030504040204" pitchFamily="34" charset="-120"/>
+            </a:endParaRPr>
+          </a:p>
+          <a:p>
+            <a:pPr marL="0" marR="0" lvl="0" indent="0" algn="l" defTabSz="914400" rtl="0" eaLnBrk="1" fontAlgn="auto" latinLnBrk="0" hangingPunct="1">
+              <a:lnSpc>
+                <a:spcPct val="100000"/>
+              </a:lnSpc>
+              <a:spcBef>
+                <a:spcPts val="0"/>
+              </a:spcBef>
+              <a:spcAft>
+                <a:spcPts val="0"/>
+              </a:spcAft>
+              <a:buClrTx/>
+              <a:buSzTx/>
+              <a:buFontTx/>
+              <a:buNone/>
+              <a:tabLst/>
+              <a:defRPr/>
+            </a:pPr>
+            <a:endParaRPr kumimoji="0" lang="zh-TW" altLang="en-US" sz="4000" b="1" i="0" u="none" strike="noStrike" kern="1200" cap="none" spc="0" normalizeH="0" baseline="0" noProof="0" dirty="0" smtClean="0">
+              <a:ln>
+                <a:noFill/>
+              </a:ln>
+              <a:solidFill>
+                <a:schemeClr val="tx1">
+                  <a:lumMod val="75000"/>
+                  <a:lumOff val="25000"/>
+                </a:schemeClr>
+              </a:solidFill>
+              <a:effectLst/>
+              <a:uLnTx/>
+              <a:uFillTx/>
+              <a:latin typeface="微軟正黑體" panose="020B0604030504040204" pitchFamily="34" charset="-120"/>
+              <a:ea typeface="微軟正黑體" panose="020B0604030504040204" pitchFamily="34" charset="-120"/>
+            </a:endParaRPr>
+          </a:p>
+        </p:txBody>
+      </p:sp>
     </p:spTree>
     <p:extLst>
       <p:ext uri="{BB962C8B-B14F-4D97-AF65-F5344CB8AC3E}">
-        <p14:creationId xmlns:p14="http://schemas.microsoft.com/office/powerpoint/2010/main" val="134129590"/>
+        <p14:creationId xmlns:p14="http://schemas.microsoft.com/office/powerpoint/2010/main" val="3862359517"/>
       </p:ext>
     </p:extLst>
   </p:cSld>
   <p:clrMapOvr>
     <a:masterClrMapping/>
   </p:clrMapOvr>
+  <p:transition spd="slow">
+    <p:push dir="u"/>
+  </p:transition>
   <p:timing>
     <p:tnLst>
       <p:par>
@@ -11300,405 +11551,56 @@
       </p:grpSpPr>
       <p:sp>
         <p:nvSpPr>
-          <p:cNvPr id="4" name="TextBox 1956"/>
-          <p:cNvSpPr/>
-          <p:nvPr/>
-        </p:nvSpPr>
+          <p:cNvPr id="2" name="標題 1"/>
+          <p:cNvSpPr>
+            <a:spLocks noGrp="1"/>
+          </p:cNvSpPr>
+          <p:nvPr>
+            <p:ph type="title"/>
+          </p:nvPr>
+        </p:nvSpPr>
+        <p:spPr/>
+        <p:txBody>
+          <a:bodyPr/>
+          <a:lstStyle/>
+          <a:p>
+            <a:endParaRPr lang="zh-TW" altLang="en-US"/>
+          </a:p>
+        </p:txBody>
+      </p:sp>
+      <p:pic>
+        <p:nvPicPr>
+          <p:cNvPr id="4" name="內容版面配置區 3"/>
+          <p:cNvPicPr>
+            <a:picLocks noGrp="1" noChangeAspect="1"/>
+          </p:cNvPicPr>
+          <p:nvPr>
+            <p:ph idx="1"/>
+          </p:nvPr>
+        </p:nvPicPr>
+        <p:blipFill>
+          <a:blip r:embed="rId2" cstate="print">
+            <a:extLst>
+              <a:ext uri="{28A0092B-C50C-407E-A947-70E740481C1C}">
+                <a14:useLocalDpi xmlns:a14="http://schemas.microsoft.com/office/drawing/2010/main" val="0"/>
+              </a:ext>
+            </a:extLst>
+          </a:blip>
+          <a:stretch>
+            <a:fillRect/>
+          </a:stretch>
+        </p:blipFill>
         <p:spPr>
           <a:xfrm>
-            <a:off x="937444" y="705711"/>
-            <a:ext cx="7076024" cy="461665"/>
+            <a:off x="813262" y="0"/>
+            <a:ext cx="10565476" cy="6858000"/>
           </a:xfrm>
-          <a:prstGeom prst="rect">
-            <a:avLst/>
-          </a:prstGeom>
-          <a:noFill/>
-          <a:ln w="9525">
-            <a:noFill/>
-            <a:miter/>
-          </a:ln>
         </p:spPr>
-        <p:txBody>
-          <a:bodyPr wrap="square">
-            <a:spAutoFit/>
-          </a:bodyPr>
-          <a:lstStyle/>
-          <a:p>
-            <a:pPr defTabSz="685800"/>
-            <a:r>
-              <a:rPr lang="en-US" altLang="zh-CN" sz="2400" b="1" dirty="0" err="1" smtClean="0">
-                <a:solidFill>
-                  <a:schemeClr val="tx1">
-                    <a:lumMod val="75000"/>
-                    <a:lumOff val="25000"/>
-                  </a:schemeClr>
-                </a:solidFill>
-                <a:latin typeface="思源黑体 CN Bold" panose="020B0800000000000000" pitchFamily="34" charset="-122"/>
-                <a:ea typeface="思源黑体 CN Bold" panose="020B0800000000000000" pitchFamily="34" charset="-122"/>
-                <a:cs typeface="+mn-ea"/>
-                <a:sym typeface="+mn-lt"/>
-              </a:rPr>
-              <a:t>Bollienger</a:t>
-            </a:r>
-            <a:r>
-              <a:rPr lang="en-US" altLang="zh-CN" sz="2400" b="1" dirty="0" smtClean="0">
-                <a:solidFill>
-                  <a:schemeClr val="tx1">
-                    <a:lumMod val="75000"/>
-                    <a:lumOff val="25000"/>
-                  </a:schemeClr>
-                </a:solidFill>
-                <a:latin typeface="思源黑体 CN Bold" panose="020B0800000000000000" pitchFamily="34" charset="-122"/>
-                <a:ea typeface="思源黑体 CN Bold" panose="020B0800000000000000" pitchFamily="34" charset="-122"/>
-                <a:cs typeface="+mn-ea"/>
-                <a:sym typeface="+mn-lt"/>
-              </a:rPr>
-              <a:t> Bands</a:t>
-            </a:r>
-            <a:endParaRPr lang="zh-CN" altLang="en-US" sz="2400" b="1" dirty="0">
-              <a:solidFill>
-                <a:schemeClr val="tx1">
-                  <a:lumMod val="75000"/>
-                  <a:lumOff val="25000"/>
-                </a:schemeClr>
-              </a:solidFill>
-              <a:latin typeface="思源黑体 CN Bold" panose="020B0800000000000000" pitchFamily="34" charset="-122"/>
-              <a:ea typeface="思源黑体 CN Bold" panose="020B0800000000000000" pitchFamily="34" charset="-122"/>
-              <a:cs typeface="+mn-ea"/>
-              <a:sym typeface="+mn-lt"/>
-            </a:endParaRPr>
-          </a:p>
-        </p:txBody>
-      </p:sp>
-      <p:sp>
-        <p:nvSpPr>
-          <p:cNvPr id="9" name="TextBox 1956"/>
-          <p:cNvSpPr/>
-          <p:nvPr/>
-        </p:nvSpPr>
-        <p:spPr>
-          <a:xfrm>
-            <a:off x="1619090" y="3414134"/>
-            <a:ext cx="8996264" cy="461665"/>
-          </a:xfrm>
-          <a:prstGeom prst="rect">
-            <a:avLst/>
-          </a:prstGeom>
-          <a:noFill/>
-          <a:ln w="9525">
-            <a:noFill/>
-            <a:miter/>
-          </a:ln>
-        </p:spPr>
-        <p:txBody>
-          <a:bodyPr wrap="square">
-            <a:spAutoFit/>
-          </a:bodyPr>
-          <a:lstStyle/>
-          <a:p>
-            <a:pPr defTabSz="685800"/>
-            <a:endParaRPr lang="zh-CN" altLang="en-US" sz="2400" b="1" dirty="0">
-              <a:solidFill>
-                <a:schemeClr val="tx1">
-                  <a:lumMod val="75000"/>
-                  <a:lumOff val="25000"/>
-                </a:schemeClr>
-              </a:solidFill>
-              <a:latin typeface="思源黑体 CN Bold" panose="020B0800000000000000" pitchFamily="34" charset="-122"/>
-              <a:ea typeface="思源黑体 CN Bold" panose="020B0800000000000000" pitchFamily="34" charset="-122"/>
-              <a:cs typeface="+mn-ea"/>
-              <a:sym typeface="+mn-lt"/>
-            </a:endParaRPr>
-          </a:p>
-        </p:txBody>
-      </p:sp>
-      <p:sp>
-        <p:nvSpPr>
-          <p:cNvPr id="6" name="文字方塊 5"/>
-          <p:cNvSpPr txBox="1"/>
-          <p:nvPr/>
-        </p:nvSpPr>
-        <p:spPr>
-          <a:xfrm>
-            <a:off x="1619090" y="2419287"/>
-            <a:ext cx="10113818" cy="2308324"/>
-          </a:xfrm>
-          <a:prstGeom prst="rect">
-            <a:avLst/>
-          </a:prstGeom>
-          <a:noFill/>
-        </p:spPr>
-        <p:txBody>
-          <a:bodyPr wrap="square" rtlCol="0">
-            <a:spAutoFit/>
-          </a:bodyPr>
-          <a:lstStyle/>
-          <a:p>
-            <a:pPr marL="0" marR="0" lvl="0" indent="0" algn="l" defTabSz="914400" rtl="0" eaLnBrk="1" fontAlgn="auto" latinLnBrk="0" hangingPunct="1">
-              <a:lnSpc>
-                <a:spcPct val="100000"/>
-              </a:lnSpc>
-              <a:spcBef>
-                <a:spcPts val="0"/>
-              </a:spcBef>
-              <a:spcAft>
-                <a:spcPts val="0"/>
-              </a:spcAft>
-              <a:buClrTx/>
-              <a:buSzTx/>
-              <a:buFontTx/>
-              <a:buNone/>
-              <a:tabLst/>
-              <a:defRPr/>
-            </a:pPr>
-            <a:r>
-              <a:rPr lang="zh-TW" altLang="en-US" sz="3600" b="1" dirty="0" smtClean="0">
-                <a:solidFill>
-                  <a:schemeClr val="tx1">
-                    <a:lumMod val="75000"/>
-                    <a:lumOff val="25000"/>
-                  </a:schemeClr>
-                </a:solidFill>
-                <a:latin typeface="微軟正黑體" panose="020B0604030504040204" pitchFamily="34" charset="-120"/>
-                <a:ea typeface="微軟正黑體" panose="020B0604030504040204" pitchFamily="34" charset="-120"/>
-              </a:rPr>
-              <a:t>簡單來說，如果我們相信股價是</a:t>
-            </a:r>
-            <a:r>
-              <a:rPr lang="en-US" altLang="zh-TW" sz="3600" b="1" dirty="0" smtClean="0">
-                <a:solidFill>
-                  <a:schemeClr val="tx1">
-                    <a:lumMod val="75000"/>
-                    <a:lumOff val="25000"/>
-                  </a:schemeClr>
-                </a:solidFill>
-                <a:latin typeface="微軟正黑體" panose="020B0604030504040204" pitchFamily="34" charset="-120"/>
-                <a:ea typeface="微軟正黑體" panose="020B0604030504040204" pitchFamily="34" charset="-120"/>
-              </a:rPr>
-              <a:t>log</a:t>
-            </a:r>
-            <a:r>
-              <a:rPr lang="zh-TW" altLang="en-US" sz="3600" b="1" dirty="0" smtClean="0">
-                <a:solidFill>
-                  <a:schemeClr val="tx1">
-                    <a:lumMod val="75000"/>
-                    <a:lumOff val="25000"/>
-                  </a:schemeClr>
-                </a:solidFill>
-                <a:latin typeface="微軟正黑體" panose="020B0604030504040204" pitchFamily="34" charset="-120"/>
-                <a:ea typeface="微軟正黑體" panose="020B0604030504040204" pitchFamily="34" charset="-120"/>
-              </a:rPr>
-              <a:t>的常態分配</a:t>
-            </a:r>
-            <a:endParaRPr lang="en-US" altLang="zh-TW" sz="3600" b="1" dirty="0" smtClean="0">
-              <a:solidFill>
-                <a:schemeClr val="tx1">
-                  <a:lumMod val="75000"/>
-                  <a:lumOff val="25000"/>
-                </a:schemeClr>
-              </a:solidFill>
-              <a:latin typeface="微軟正黑體" panose="020B0604030504040204" pitchFamily="34" charset="-120"/>
-              <a:ea typeface="微軟正黑體" panose="020B0604030504040204" pitchFamily="34" charset="-120"/>
-            </a:endParaRPr>
-          </a:p>
-          <a:p>
-            <a:pPr lvl="0"/>
-            <a:r>
-              <a:rPr lang="zh-TW" altLang="en-US" sz="3600" b="1" dirty="0" smtClean="0">
-                <a:solidFill>
-                  <a:schemeClr val="tx1">
-                    <a:lumMod val="75000"/>
-                    <a:lumOff val="25000"/>
-                  </a:schemeClr>
-                </a:solidFill>
-                <a:latin typeface="微軟正黑體" panose="020B0604030504040204" pitchFamily="34" charset="-120"/>
-                <a:ea typeface="微軟正黑體" panose="020B0604030504040204" pitchFamily="34" charset="-120"/>
-              </a:rPr>
-              <a:t>而布林</a:t>
-            </a:r>
-            <a:r>
-              <a:rPr lang="zh-TW" altLang="en-US" sz="3600" b="1" dirty="0">
-                <a:solidFill>
-                  <a:schemeClr val="tx1">
-                    <a:lumMod val="75000"/>
-                    <a:lumOff val="25000"/>
-                  </a:schemeClr>
-                </a:solidFill>
-                <a:latin typeface="微軟正黑體" panose="020B0604030504040204" pitchFamily="34" charset="-120"/>
-                <a:ea typeface="微軟正黑體" panose="020B0604030504040204" pitchFamily="34" charset="-120"/>
-              </a:rPr>
-              <a:t>通道包含了</a:t>
-            </a:r>
-            <a:r>
-              <a:rPr lang="en-US" altLang="zh-TW" sz="3600" b="1" dirty="0">
-                <a:solidFill>
-                  <a:schemeClr val="tx1">
-                    <a:lumMod val="75000"/>
-                    <a:lumOff val="25000"/>
-                  </a:schemeClr>
-                </a:solidFill>
-                <a:latin typeface="微軟正黑體" panose="020B0604030504040204" pitchFamily="34" charset="-120"/>
-                <a:ea typeface="微軟正黑體" panose="020B0604030504040204" pitchFamily="34" charset="-120"/>
-              </a:rPr>
-              <a:t>20</a:t>
-            </a:r>
-            <a:r>
-              <a:rPr lang="zh-TW" altLang="en-US" sz="3600" b="1" dirty="0">
-                <a:solidFill>
-                  <a:schemeClr val="tx1">
-                    <a:lumMod val="75000"/>
-                    <a:lumOff val="25000"/>
-                  </a:schemeClr>
-                </a:solidFill>
-                <a:latin typeface="微軟正黑體" panose="020B0604030504040204" pitchFamily="34" charset="-120"/>
-                <a:ea typeface="微軟正黑體" panose="020B0604030504040204" pitchFamily="34" charset="-120"/>
-              </a:rPr>
-              <a:t>日均線的</a:t>
-            </a:r>
-            <a:r>
-              <a:rPr lang="en-US" altLang="zh-TW" sz="3600" b="1" dirty="0">
-                <a:solidFill>
-                  <a:srgbClr val="FFC000"/>
-                </a:solidFill>
-                <a:latin typeface="微軟正黑體" panose="020B0604030504040204" pitchFamily="34" charset="-120"/>
-                <a:ea typeface="微軟正黑體" panose="020B0604030504040204" pitchFamily="34" charset="-120"/>
-              </a:rPr>
-              <a:t>4</a:t>
-            </a:r>
-            <a:r>
-              <a:rPr lang="zh-TW" altLang="en-US" sz="3600" b="1" dirty="0">
-                <a:solidFill>
-                  <a:srgbClr val="FFC000"/>
-                </a:solidFill>
-                <a:latin typeface="微軟正黑體" panose="020B0604030504040204" pitchFamily="34" charset="-120"/>
-                <a:ea typeface="微軟正黑體" panose="020B0604030504040204" pitchFamily="34" charset="-120"/>
-              </a:rPr>
-              <a:t>個標準差</a:t>
-            </a:r>
-            <a:r>
-              <a:rPr lang="zh-TW" altLang="en-US" sz="3600" b="1" dirty="0">
-                <a:solidFill>
-                  <a:schemeClr val="tx1">
-                    <a:lumMod val="75000"/>
-                    <a:lumOff val="25000"/>
-                  </a:schemeClr>
-                </a:solidFill>
-                <a:latin typeface="微軟正黑體" panose="020B0604030504040204" pitchFamily="34" charset="-120"/>
-                <a:ea typeface="微軟正黑體" panose="020B0604030504040204" pitchFamily="34" charset="-120"/>
-              </a:rPr>
-              <a:t>，</a:t>
-            </a:r>
-            <a:r>
-              <a:rPr lang="zh-TW" altLang="en-US" sz="3600" b="1" dirty="0" smtClean="0">
-                <a:solidFill>
-                  <a:schemeClr val="tx1">
-                    <a:lumMod val="75000"/>
-                    <a:lumOff val="25000"/>
-                  </a:schemeClr>
-                </a:solidFill>
-                <a:latin typeface="微軟正黑體" panose="020B0604030504040204" pitchFamily="34" charset="-120"/>
-                <a:ea typeface="微軟正黑體" panose="020B0604030504040204" pitchFamily="34" charset="-120"/>
-              </a:rPr>
-              <a:t>換句話說</a:t>
-            </a:r>
-            <a:r>
-              <a:rPr lang="zh-TW" altLang="en-US" sz="3600" b="1" dirty="0">
-                <a:solidFill>
-                  <a:schemeClr val="tx1">
-                    <a:lumMod val="75000"/>
-                    <a:lumOff val="25000"/>
-                  </a:schemeClr>
-                </a:solidFill>
-                <a:latin typeface="微軟正黑體" panose="020B0604030504040204" pitchFamily="34" charset="-120"/>
-                <a:ea typeface="微軟正黑體" panose="020B0604030504040204" pitchFamily="34" charset="-120"/>
-              </a:rPr>
-              <a:t>，布林通道涵蓋了近</a:t>
-            </a:r>
-            <a:r>
-              <a:rPr lang="en-US" altLang="zh-TW" sz="3600" b="1" dirty="0">
-                <a:solidFill>
-                  <a:srgbClr val="FFC000"/>
-                </a:solidFill>
-                <a:latin typeface="微軟正黑體" panose="020B0604030504040204" pitchFamily="34" charset="-120"/>
-                <a:ea typeface="微軟正黑體" panose="020B0604030504040204" pitchFamily="34" charset="-120"/>
-              </a:rPr>
-              <a:t>96%</a:t>
-            </a:r>
-            <a:r>
-              <a:rPr lang="zh-TW" altLang="en-US" sz="3600" b="1" dirty="0" smtClean="0">
-                <a:solidFill>
-                  <a:srgbClr val="FFC000"/>
-                </a:solidFill>
-                <a:latin typeface="微軟正黑體" panose="020B0604030504040204" pitchFamily="34" charset="-120"/>
-                <a:ea typeface="微軟正黑體" panose="020B0604030504040204" pitchFamily="34" charset="-120"/>
-              </a:rPr>
-              <a:t>的價格機率</a:t>
-            </a:r>
-            <a:r>
-              <a:rPr lang="zh-TW" altLang="en-US" sz="3600" b="1" dirty="0" smtClean="0">
-                <a:solidFill>
-                  <a:schemeClr val="tx1">
-                    <a:lumMod val="75000"/>
-                    <a:lumOff val="25000"/>
-                  </a:schemeClr>
-                </a:solidFill>
-                <a:latin typeface="微軟正黑體" panose="020B0604030504040204" pitchFamily="34" charset="-120"/>
-                <a:ea typeface="微軟正黑體" panose="020B0604030504040204" pitchFamily="34" charset="-120"/>
-              </a:rPr>
-              <a:t>。</a:t>
-            </a:r>
-            <a:endParaRPr lang="zh-TW" altLang="en-US" sz="3600" b="1" dirty="0">
-              <a:solidFill>
-                <a:schemeClr val="tx1">
-                  <a:lumMod val="75000"/>
-                  <a:lumOff val="25000"/>
-                </a:schemeClr>
-              </a:solidFill>
-              <a:latin typeface="微軟正黑體" panose="020B0604030504040204" pitchFamily="34" charset="-120"/>
-              <a:ea typeface="微軟正黑體" panose="020B0604030504040204" pitchFamily="34" charset="-120"/>
-            </a:endParaRPr>
-          </a:p>
-          <a:p>
-            <a:pPr marL="0" marR="0" lvl="0" indent="0" algn="l" defTabSz="914400" rtl="0" eaLnBrk="1" fontAlgn="auto" latinLnBrk="0" hangingPunct="1">
-              <a:lnSpc>
-                <a:spcPct val="100000"/>
-              </a:lnSpc>
-              <a:spcBef>
-                <a:spcPts val="0"/>
-              </a:spcBef>
-              <a:spcAft>
-                <a:spcPts val="0"/>
-              </a:spcAft>
-              <a:buClrTx/>
-              <a:buSzTx/>
-              <a:buFontTx/>
-              <a:buNone/>
-              <a:tabLst/>
-              <a:defRPr/>
-            </a:pPr>
-            <a:endParaRPr kumimoji="0" lang="zh-TW" altLang="en-US" sz="3600" b="1" i="0" u="none" strike="noStrike" kern="1200" cap="none" spc="0" normalizeH="0" baseline="0" noProof="0" dirty="0" smtClean="0">
-              <a:ln>
-                <a:noFill/>
-              </a:ln>
-              <a:solidFill>
-                <a:schemeClr val="tx1">
-                  <a:lumMod val="75000"/>
-                  <a:lumOff val="25000"/>
-                </a:schemeClr>
-              </a:solidFill>
-              <a:effectLst/>
-              <a:uLnTx/>
-              <a:uFillTx/>
-              <a:latin typeface="微軟正黑體" panose="020B0604030504040204" pitchFamily="34" charset="-120"/>
-              <a:ea typeface="微軟正黑體" panose="020B0604030504040204" pitchFamily="34" charset="-120"/>
-            </a:endParaRPr>
-          </a:p>
-        </p:txBody>
-      </p:sp>
+      </p:pic>
     </p:spTree>
     <p:extLst>
       <p:ext uri="{BB962C8B-B14F-4D97-AF65-F5344CB8AC3E}">
-        <p14:creationId xmlns:p14="http://schemas.microsoft.com/office/powerpoint/2010/main" val="1369951793"/>
+        <p14:creationId xmlns:p14="http://schemas.microsoft.com/office/powerpoint/2010/main" val="134129590"/>
       </p:ext>
     </p:extLst>
   </p:cSld>
@@ -11737,6 +11639,443 @@
       </p:grpSpPr>
       <p:sp>
         <p:nvSpPr>
+          <p:cNvPr id="4" name="TextBox 1956"/>
+          <p:cNvSpPr/>
+          <p:nvPr/>
+        </p:nvSpPr>
+        <p:spPr>
+          <a:xfrm>
+            <a:off x="937444" y="705711"/>
+            <a:ext cx="7076024" cy="461665"/>
+          </a:xfrm>
+          <a:prstGeom prst="rect">
+            <a:avLst/>
+          </a:prstGeom>
+          <a:noFill/>
+          <a:ln w="9525">
+            <a:noFill/>
+            <a:miter/>
+          </a:ln>
+        </p:spPr>
+        <p:txBody>
+          <a:bodyPr wrap="square">
+            <a:spAutoFit/>
+          </a:bodyPr>
+          <a:lstStyle/>
+          <a:p>
+            <a:pPr defTabSz="685800"/>
+            <a:r>
+              <a:rPr lang="en-US" altLang="zh-CN" sz="2400" b="1" dirty="0" err="1" smtClean="0">
+                <a:solidFill>
+                  <a:schemeClr val="tx1">
+                    <a:lumMod val="75000"/>
+                    <a:lumOff val="25000"/>
+                  </a:schemeClr>
+                </a:solidFill>
+                <a:latin typeface="思源黑体 CN Bold" panose="020B0800000000000000" pitchFamily="34" charset="-122"/>
+                <a:ea typeface="思源黑体 CN Bold" panose="020B0800000000000000" pitchFamily="34" charset="-122"/>
+                <a:cs typeface="+mn-ea"/>
+                <a:sym typeface="+mn-lt"/>
+              </a:rPr>
+              <a:t>Bollienger</a:t>
+            </a:r>
+            <a:r>
+              <a:rPr lang="en-US" altLang="zh-CN" sz="2400" b="1" dirty="0" smtClean="0">
+                <a:solidFill>
+                  <a:schemeClr val="tx1">
+                    <a:lumMod val="75000"/>
+                    <a:lumOff val="25000"/>
+                  </a:schemeClr>
+                </a:solidFill>
+                <a:latin typeface="思源黑体 CN Bold" panose="020B0800000000000000" pitchFamily="34" charset="-122"/>
+                <a:ea typeface="思源黑体 CN Bold" panose="020B0800000000000000" pitchFamily="34" charset="-122"/>
+                <a:cs typeface="+mn-ea"/>
+                <a:sym typeface="+mn-lt"/>
+              </a:rPr>
+              <a:t> Bands</a:t>
+            </a:r>
+            <a:endParaRPr lang="zh-CN" altLang="en-US" sz="2400" b="1" dirty="0">
+              <a:solidFill>
+                <a:schemeClr val="tx1">
+                  <a:lumMod val="75000"/>
+                  <a:lumOff val="25000"/>
+                </a:schemeClr>
+              </a:solidFill>
+              <a:latin typeface="思源黑体 CN Bold" panose="020B0800000000000000" pitchFamily="34" charset="-122"/>
+              <a:ea typeface="思源黑体 CN Bold" panose="020B0800000000000000" pitchFamily="34" charset="-122"/>
+              <a:cs typeface="+mn-ea"/>
+              <a:sym typeface="+mn-lt"/>
+            </a:endParaRPr>
+          </a:p>
+        </p:txBody>
+      </p:sp>
+      <p:sp>
+        <p:nvSpPr>
+          <p:cNvPr id="9" name="TextBox 1956"/>
+          <p:cNvSpPr/>
+          <p:nvPr/>
+        </p:nvSpPr>
+        <p:spPr>
+          <a:xfrm>
+            <a:off x="1619090" y="3414134"/>
+            <a:ext cx="8996264" cy="461665"/>
+          </a:xfrm>
+          <a:prstGeom prst="rect">
+            <a:avLst/>
+          </a:prstGeom>
+          <a:noFill/>
+          <a:ln w="9525">
+            <a:noFill/>
+            <a:miter/>
+          </a:ln>
+        </p:spPr>
+        <p:txBody>
+          <a:bodyPr wrap="square">
+            <a:spAutoFit/>
+          </a:bodyPr>
+          <a:lstStyle/>
+          <a:p>
+            <a:pPr defTabSz="685800"/>
+            <a:endParaRPr lang="zh-CN" altLang="en-US" sz="2400" b="1" dirty="0">
+              <a:solidFill>
+                <a:schemeClr val="tx1">
+                  <a:lumMod val="75000"/>
+                  <a:lumOff val="25000"/>
+                </a:schemeClr>
+              </a:solidFill>
+              <a:latin typeface="思源黑体 CN Bold" panose="020B0800000000000000" pitchFamily="34" charset="-122"/>
+              <a:ea typeface="思源黑体 CN Bold" panose="020B0800000000000000" pitchFamily="34" charset="-122"/>
+              <a:cs typeface="+mn-ea"/>
+              <a:sym typeface="+mn-lt"/>
+            </a:endParaRPr>
+          </a:p>
+        </p:txBody>
+      </p:sp>
+      <p:sp>
+        <p:nvSpPr>
+          <p:cNvPr id="6" name="文字方塊 5"/>
+          <p:cNvSpPr txBox="1"/>
+          <p:nvPr/>
+        </p:nvSpPr>
+        <p:spPr>
+          <a:xfrm>
+            <a:off x="1619090" y="2419287"/>
+            <a:ext cx="10113818" cy="2308324"/>
+          </a:xfrm>
+          <a:prstGeom prst="rect">
+            <a:avLst/>
+          </a:prstGeom>
+          <a:noFill/>
+        </p:spPr>
+        <p:txBody>
+          <a:bodyPr wrap="square" rtlCol="0">
+            <a:spAutoFit/>
+          </a:bodyPr>
+          <a:lstStyle/>
+          <a:p>
+            <a:pPr marL="0" marR="0" lvl="0" indent="0" algn="l" defTabSz="914400" rtl="0" eaLnBrk="1" fontAlgn="auto" latinLnBrk="0" hangingPunct="1">
+              <a:lnSpc>
+                <a:spcPct val="100000"/>
+              </a:lnSpc>
+              <a:spcBef>
+                <a:spcPts val="0"/>
+              </a:spcBef>
+              <a:spcAft>
+                <a:spcPts val="0"/>
+              </a:spcAft>
+              <a:buClrTx/>
+              <a:buSzTx/>
+              <a:buFontTx/>
+              <a:buNone/>
+              <a:tabLst/>
+              <a:defRPr/>
+            </a:pPr>
+            <a:r>
+              <a:rPr lang="zh-TW" altLang="en-US" sz="3600" b="1" dirty="0" smtClean="0">
+                <a:solidFill>
+                  <a:schemeClr val="tx1">
+                    <a:lumMod val="75000"/>
+                    <a:lumOff val="25000"/>
+                  </a:schemeClr>
+                </a:solidFill>
+                <a:latin typeface="微軟正黑體" panose="020B0604030504040204" pitchFamily="34" charset="-120"/>
+                <a:ea typeface="微軟正黑體" panose="020B0604030504040204" pitchFamily="34" charset="-120"/>
+              </a:rPr>
+              <a:t>簡單來說，如果我們相信股價是</a:t>
+            </a:r>
+            <a:r>
+              <a:rPr lang="en-US" altLang="zh-TW" sz="3600" b="1" dirty="0" smtClean="0">
+                <a:solidFill>
+                  <a:schemeClr val="tx1">
+                    <a:lumMod val="75000"/>
+                    <a:lumOff val="25000"/>
+                  </a:schemeClr>
+                </a:solidFill>
+                <a:latin typeface="微軟正黑體" panose="020B0604030504040204" pitchFamily="34" charset="-120"/>
+                <a:ea typeface="微軟正黑體" panose="020B0604030504040204" pitchFamily="34" charset="-120"/>
+              </a:rPr>
+              <a:t>log</a:t>
+            </a:r>
+            <a:r>
+              <a:rPr lang="zh-TW" altLang="en-US" sz="3600" b="1" dirty="0" smtClean="0">
+                <a:solidFill>
+                  <a:schemeClr val="tx1">
+                    <a:lumMod val="75000"/>
+                    <a:lumOff val="25000"/>
+                  </a:schemeClr>
+                </a:solidFill>
+                <a:latin typeface="微軟正黑體" panose="020B0604030504040204" pitchFamily="34" charset="-120"/>
+                <a:ea typeface="微軟正黑體" panose="020B0604030504040204" pitchFamily="34" charset="-120"/>
+              </a:rPr>
+              <a:t>的常態分配</a:t>
+            </a:r>
+            <a:endParaRPr lang="en-US" altLang="zh-TW" sz="3600" b="1" dirty="0" smtClean="0">
+              <a:solidFill>
+                <a:schemeClr val="tx1">
+                  <a:lumMod val="75000"/>
+                  <a:lumOff val="25000"/>
+                </a:schemeClr>
+              </a:solidFill>
+              <a:latin typeface="微軟正黑體" panose="020B0604030504040204" pitchFamily="34" charset="-120"/>
+              <a:ea typeface="微軟正黑體" panose="020B0604030504040204" pitchFamily="34" charset="-120"/>
+            </a:endParaRPr>
+          </a:p>
+          <a:p>
+            <a:pPr lvl="0"/>
+            <a:r>
+              <a:rPr lang="zh-TW" altLang="en-US" sz="3600" b="1" dirty="0" smtClean="0">
+                <a:solidFill>
+                  <a:schemeClr val="tx1">
+                    <a:lumMod val="75000"/>
+                    <a:lumOff val="25000"/>
+                  </a:schemeClr>
+                </a:solidFill>
+                <a:latin typeface="微軟正黑體" panose="020B0604030504040204" pitchFamily="34" charset="-120"/>
+                <a:ea typeface="微軟正黑體" panose="020B0604030504040204" pitchFamily="34" charset="-120"/>
+              </a:rPr>
+              <a:t>而布林</a:t>
+            </a:r>
+            <a:r>
+              <a:rPr lang="zh-TW" altLang="en-US" sz="3600" b="1" dirty="0">
+                <a:solidFill>
+                  <a:schemeClr val="tx1">
+                    <a:lumMod val="75000"/>
+                    <a:lumOff val="25000"/>
+                  </a:schemeClr>
+                </a:solidFill>
+                <a:latin typeface="微軟正黑體" panose="020B0604030504040204" pitchFamily="34" charset="-120"/>
+                <a:ea typeface="微軟正黑體" panose="020B0604030504040204" pitchFamily="34" charset="-120"/>
+              </a:rPr>
+              <a:t>通道包含了</a:t>
+            </a:r>
+            <a:r>
+              <a:rPr lang="en-US" altLang="zh-TW" sz="3600" b="1" dirty="0">
+                <a:solidFill>
+                  <a:schemeClr val="tx1">
+                    <a:lumMod val="75000"/>
+                    <a:lumOff val="25000"/>
+                  </a:schemeClr>
+                </a:solidFill>
+                <a:latin typeface="微軟正黑體" panose="020B0604030504040204" pitchFamily="34" charset="-120"/>
+                <a:ea typeface="微軟正黑體" panose="020B0604030504040204" pitchFamily="34" charset="-120"/>
+              </a:rPr>
+              <a:t>20</a:t>
+            </a:r>
+            <a:r>
+              <a:rPr lang="zh-TW" altLang="en-US" sz="3600" b="1" dirty="0">
+                <a:solidFill>
+                  <a:schemeClr val="tx1">
+                    <a:lumMod val="75000"/>
+                    <a:lumOff val="25000"/>
+                  </a:schemeClr>
+                </a:solidFill>
+                <a:latin typeface="微軟正黑體" panose="020B0604030504040204" pitchFamily="34" charset="-120"/>
+                <a:ea typeface="微軟正黑體" panose="020B0604030504040204" pitchFamily="34" charset="-120"/>
+              </a:rPr>
+              <a:t>日均線的</a:t>
+            </a:r>
+            <a:r>
+              <a:rPr lang="en-US" altLang="zh-TW" sz="3600" b="1" dirty="0">
+                <a:solidFill>
+                  <a:srgbClr val="FFC000"/>
+                </a:solidFill>
+                <a:latin typeface="微軟正黑體" panose="020B0604030504040204" pitchFamily="34" charset="-120"/>
+                <a:ea typeface="微軟正黑體" panose="020B0604030504040204" pitchFamily="34" charset="-120"/>
+              </a:rPr>
+              <a:t>4</a:t>
+            </a:r>
+            <a:r>
+              <a:rPr lang="zh-TW" altLang="en-US" sz="3600" b="1" dirty="0">
+                <a:solidFill>
+                  <a:srgbClr val="FFC000"/>
+                </a:solidFill>
+                <a:latin typeface="微軟正黑體" panose="020B0604030504040204" pitchFamily="34" charset="-120"/>
+                <a:ea typeface="微軟正黑體" panose="020B0604030504040204" pitchFamily="34" charset="-120"/>
+              </a:rPr>
+              <a:t>個標準差</a:t>
+            </a:r>
+            <a:r>
+              <a:rPr lang="zh-TW" altLang="en-US" sz="3600" b="1" dirty="0">
+                <a:solidFill>
+                  <a:schemeClr val="tx1">
+                    <a:lumMod val="75000"/>
+                    <a:lumOff val="25000"/>
+                  </a:schemeClr>
+                </a:solidFill>
+                <a:latin typeface="微軟正黑體" panose="020B0604030504040204" pitchFamily="34" charset="-120"/>
+                <a:ea typeface="微軟正黑體" panose="020B0604030504040204" pitchFamily="34" charset="-120"/>
+              </a:rPr>
+              <a:t>，</a:t>
+            </a:r>
+            <a:r>
+              <a:rPr lang="zh-TW" altLang="en-US" sz="3600" b="1" dirty="0" smtClean="0">
+                <a:solidFill>
+                  <a:schemeClr val="tx1">
+                    <a:lumMod val="75000"/>
+                    <a:lumOff val="25000"/>
+                  </a:schemeClr>
+                </a:solidFill>
+                <a:latin typeface="微軟正黑體" panose="020B0604030504040204" pitchFamily="34" charset="-120"/>
+                <a:ea typeface="微軟正黑體" panose="020B0604030504040204" pitchFamily="34" charset="-120"/>
+              </a:rPr>
+              <a:t>換句話說</a:t>
+            </a:r>
+            <a:r>
+              <a:rPr lang="zh-TW" altLang="en-US" sz="3600" b="1" dirty="0">
+                <a:solidFill>
+                  <a:schemeClr val="tx1">
+                    <a:lumMod val="75000"/>
+                    <a:lumOff val="25000"/>
+                  </a:schemeClr>
+                </a:solidFill>
+                <a:latin typeface="微軟正黑體" panose="020B0604030504040204" pitchFamily="34" charset="-120"/>
+                <a:ea typeface="微軟正黑體" panose="020B0604030504040204" pitchFamily="34" charset="-120"/>
+              </a:rPr>
+              <a:t>，布林通道涵蓋了近</a:t>
+            </a:r>
+            <a:r>
+              <a:rPr lang="en-US" altLang="zh-TW" sz="3600" b="1" dirty="0">
+                <a:solidFill>
+                  <a:srgbClr val="FFC000"/>
+                </a:solidFill>
+                <a:latin typeface="微軟正黑體" panose="020B0604030504040204" pitchFamily="34" charset="-120"/>
+                <a:ea typeface="微軟正黑體" panose="020B0604030504040204" pitchFamily="34" charset="-120"/>
+              </a:rPr>
+              <a:t>96%</a:t>
+            </a:r>
+            <a:r>
+              <a:rPr lang="zh-TW" altLang="en-US" sz="3600" b="1" dirty="0" smtClean="0">
+                <a:solidFill>
+                  <a:srgbClr val="FFC000"/>
+                </a:solidFill>
+                <a:latin typeface="微軟正黑體" panose="020B0604030504040204" pitchFamily="34" charset="-120"/>
+                <a:ea typeface="微軟正黑體" panose="020B0604030504040204" pitchFamily="34" charset="-120"/>
+              </a:rPr>
+              <a:t>的價格機率</a:t>
+            </a:r>
+            <a:r>
+              <a:rPr lang="zh-TW" altLang="en-US" sz="3600" b="1" dirty="0" smtClean="0">
+                <a:solidFill>
+                  <a:schemeClr val="tx1">
+                    <a:lumMod val="75000"/>
+                    <a:lumOff val="25000"/>
+                  </a:schemeClr>
+                </a:solidFill>
+                <a:latin typeface="微軟正黑體" panose="020B0604030504040204" pitchFamily="34" charset="-120"/>
+                <a:ea typeface="微軟正黑體" panose="020B0604030504040204" pitchFamily="34" charset="-120"/>
+              </a:rPr>
+              <a:t>。</a:t>
+            </a:r>
+            <a:endParaRPr lang="zh-TW" altLang="en-US" sz="3600" b="1" dirty="0">
+              <a:solidFill>
+                <a:schemeClr val="tx1">
+                  <a:lumMod val="75000"/>
+                  <a:lumOff val="25000"/>
+                </a:schemeClr>
+              </a:solidFill>
+              <a:latin typeface="微軟正黑體" panose="020B0604030504040204" pitchFamily="34" charset="-120"/>
+              <a:ea typeface="微軟正黑體" panose="020B0604030504040204" pitchFamily="34" charset="-120"/>
+            </a:endParaRPr>
+          </a:p>
+          <a:p>
+            <a:pPr marL="0" marR="0" lvl="0" indent="0" algn="l" defTabSz="914400" rtl="0" eaLnBrk="1" fontAlgn="auto" latinLnBrk="0" hangingPunct="1">
+              <a:lnSpc>
+                <a:spcPct val="100000"/>
+              </a:lnSpc>
+              <a:spcBef>
+                <a:spcPts val="0"/>
+              </a:spcBef>
+              <a:spcAft>
+                <a:spcPts val="0"/>
+              </a:spcAft>
+              <a:buClrTx/>
+              <a:buSzTx/>
+              <a:buFontTx/>
+              <a:buNone/>
+              <a:tabLst/>
+              <a:defRPr/>
+            </a:pPr>
+            <a:endParaRPr kumimoji="0" lang="zh-TW" altLang="en-US" sz="3600" b="1" i="0" u="none" strike="noStrike" kern="1200" cap="none" spc="0" normalizeH="0" baseline="0" noProof="0" dirty="0" smtClean="0">
+              <a:ln>
+                <a:noFill/>
+              </a:ln>
+              <a:solidFill>
+                <a:schemeClr val="tx1">
+                  <a:lumMod val="75000"/>
+                  <a:lumOff val="25000"/>
+                </a:schemeClr>
+              </a:solidFill>
+              <a:effectLst/>
+              <a:uLnTx/>
+              <a:uFillTx/>
+              <a:latin typeface="微軟正黑體" panose="020B0604030504040204" pitchFamily="34" charset="-120"/>
+              <a:ea typeface="微軟正黑體" panose="020B0604030504040204" pitchFamily="34" charset="-120"/>
+            </a:endParaRPr>
+          </a:p>
+        </p:txBody>
+      </p:sp>
+    </p:spTree>
+    <p:extLst>
+      <p:ext uri="{BB962C8B-B14F-4D97-AF65-F5344CB8AC3E}">
+        <p14:creationId xmlns:p14="http://schemas.microsoft.com/office/powerpoint/2010/main" val="1369951793"/>
+      </p:ext>
+    </p:extLst>
+  </p:cSld>
+  <p:clrMapOvr>
+    <a:masterClrMapping/>
+  </p:clrMapOvr>
+  <p:transition spd="slow">
+    <p:push dir="u"/>
+  </p:transition>
+  <p:timing>
+    <p:tnLst>
+      <p:par>
+        <p:cTn id="1" dur="indefinite" restart="never" nodeType="tmRoot"/>
+      </p:par>
+    </p:tnLst>
+  </p:timing>
+</p:sld>
+</file>
+
+<file path=ppt/slides/slide22.xml><?xml version="1.0" encoding="utf-8"?>
+<p:sld xmlns:a="http://schemas.openxmlformats.org/drawingml/2006/main" xmlns:r="http://schemas.openxmlformats.org/officeDocument/2006/relationships" xmlns:p="http://schemas.openxmlformats.org/presentationml/2006/main">
+  <p:cSld>
+    <p:spTree>
+      <p:nvGrpSpPr>
+        <p:cNvPr id="1" name=""/>
+        <p:cNvGrpSpPr/>
+        <p:nvPr/>
+      </p:nvGrpSpPr>
+      <p:grpSpPr>
+        <a:xfrm>
+          <a:off x="0" y="0"/>
+          <a:ext cx="0" cy="0"/>
+          <a:chOff x="0" y="0"/>
+          <a:chExt cx="0" cy="0"/>
+        </a:xfrm>
+      </p:grpSpPr>
+      <p:sp>
+        <p:nvSpPr>
           <p:cNvPr id="2" name="標題 1"/>
           <p:cNvSpPr>
             <a:spLocks noGrp="1"/>
@@ -11888,6 +12227,9 @@
   <p:clrMapOvr>
     <a:masterClrMapping/>
   </p:clrMapOvr>
+  <p:transition spd="slow">
+    <p:push dir="u"/>
+  </p:transition>
   <p:timing>
     <p:tnLst>
       <p:par>
@@ -12015,7 +12357,7 @@
 </p:sld>
 </file>
 
-<file path=ppt/slides/slide22.xml><?xml version="1.0" encoding="utf-8"?>
+<file path=ppt/slides/slide23.xml><?xml version="1.0" encoding="utf-8"?>
 <p:sld xmlns:a="http://schemas.openxmlformats.org/drawingml/2006/main" xmlns:r="http://schemas.openxmlformats.org/officeDocument/2006/relationships" xmlns:p="http://schemas.openxmlformats.org/presentationml/2006/main">
   <p:cSld>
     <p:spTree>
@@ -12636,7 +12978,7 @@
 </p:sld>
 </file>
 
-<file path=ppt/slides/slide23.xml><?xml version="1.0" encoding="utf-8"?>
+<file path=ppt/slides/slide24.xml><?xml version="1.0" encoding="utf-8"?>
 <p:sld xmlns:a="http://schemas.openxmlformats.org/drawingml/2006/main" xmlns:r="http://schemas.openxmlformats.org/officeDocument/2006/relationships" xmlns:p="http://schemas.openxmlformats.org/presentationml/2006/main">
   <p:cSld>
     <p:spTree>
@@ -12782,10 +13124,6 @@
                 </a:rPr>
                 <a:t>E-mail: b04303109@ntu.edu.tw</a:t>
               </a:r>
-              <a:endParaRPr kumimoji="1" lang="en-US" altLang="zh-CN" sz="1600" spc="-150" dirty="0" smtClean="0">
-                <a:latin typeface="微軟正黑體" panose="020B0604030504040204" pitchFamily="34" charset="-120"/>
-                <a:ea typeface="微軟正黑體" panose="020B0604030504040204" pitchFamily="34" charset="-120"/>
-              </a:endParaRPr>
             </a:p>
           </p:txBody>
         </p:sp>
@@ -12838,8 +13176,8 @@
   <p:clrMapOvr>
     <a:masterClrMapping/>
   </p:clrMapOvr>
-  <p:transition spd="med">
-    <p:pull/>
+  <p:transition spd="slow">
+    <p:push dir="u"/>
   </p:transition>
   <p:timing>
     <p:tnLst>
@@ -13668,37 +14006,7 @@
                 <a:cs typeface="+mn-ea"/>
                 <a:sym typeface="+mn-lt"/>
               </a:rPr>
-              <a:t> </a:t>
-            </a:r>
-            <a:r>
-              <a:rPr lang="zh-TW" altLang="en-US" sz="2400" dirty="0" smtClean="0">
-                <a:solidFill>
-                  <a:schemeClr val="tx1">
-                    <a:lumMod val="75000"/>
-                    <a:lumOff val="25000"/>
-                  </a:schemeClr>
-                </a:solidFill>
-                <a:latin typeface="思源黑体 CN Bold" panose="020B0800000000000000" pitchFamily="34" charset="-122"/>
-                <a:ea typeface="思源黑体 CN Bold" panose="020B0800000000000000" pitchFamily="34" charset="-122"/>
-                <a:cs typeface="+mn-ea"/>
-                <a:sym typeface="+mn-lt"/>
-              </a:rPr>
-              <a:t>台大經濟系 </a:t>
-            </a:r>
-            <a:r>
-              <a:rPr lang="zh-TW" altLang="en-US" sz="2400" dirty="0" smtClean="0">
-                <a:solidFill>
-                  <a:schemeClr val="tx1">
-                    <a:lumMod val="75000"/>
-                    <a:lumOff val="25000"/>
-                  </a:schemeClr>
-                </a:solidFill>
-                <a:latin typeface="思源黑体 CN Bold" panose="020B0800000000000000" pitchFamily="34" charset="-122"/>
-                <a:ea typeface="思源黑体 CN Bold" panose="020B0800000000000000" pitchFamily="34" charset="-122"/>
-                <a:cs typeface="+mn-ea"/>
-                <a:sym typeface="+mn-lt"/>
-              </a:rPr>
-              <a:t>資料科學與社會研究 課程助教</a:t>
+              <a:t> 台大經濟系 資料科學與社會研究 課程助教</a:t>
             </a:r>
             <a:endParaRPr lang="zh-CN" altLang="en-US" sz="2400" dirty="0">
               <a:solidFill>
@@ -13937,18 +14245,9 @@
   <p:clrMapOvr>
     <a:masterClrMapping/>
   </p:clrMapOvr>
-  <mc:AlternateContent xmlns:mc="http://schemas.openxmlformats.org/markup-compatibility/2006" xmlns:p14="http://schemas.microsoft.com/office/powerpoint/2010/main">
-    <mc:Choice Requires="p14">
-      <p:transition spd="med" p14:dur="700">
-        <p:fade/>
-      </p:transition>
-    </mc:Choice>
-    <mc:Fallback xmlns="">
-      <p:transition spd="med">
-        <p:fade/>
-      </p:transition>
-    </mc:Fallback>
-  </mc:AlternateContent>
+  <p:transition spd="slow">
+    <p:push dir="u"/>
+  </p:transition>
   <p:timing>
     <p:tnLst>
       <p:par>
@@ -15691,18 +15990,9 @@
   <p:clrMapOvr>
     <a:masterClrMapping/>
   </p:clrMapOvr>
-  <mc:AlternateContent xmlns:mc="http://schemas.openxmlformats.org/markup-compatibility/2006" xmlns:p14="http://schemas.microsoft.com/office/powerpoint/2010/main">
-    <mc:Choice Requires="p14">
-      <p:transition spd="med" p14:dur="700">
-        <p:fade/>
-      </p:transition>
-    </mc:Choice>
-    <mc:Fallback xmlns="">
-      <p:transition spd="med">
-        <p:fade/>
-      </p:transition>
-    </mc:Fallback>
-  </mc:AlternateContent>
+  <p:transition spd="slow">
+    <p:push dir="u"/>
+  </p:transition>
   <p:timing>
     <p:tnLst>
       <p:par>
@@ -16641,6 +16931,627 @@
           <a:chExt cx="0" cy="0"/>
         </a:xfrm>
       </p:grpSpPr>
+      <p:sp>
+        <p:nvSpPr>
+          <p:cNvPr id="4" name="TextBox 1956"/>
+          <p:cNvSpPr/>
+          <p:nvPr/>
+        </p:nvSpPr>
+        <p:spPr>
+          <a:xfrm>
+            <a:off x="3123692" y="1770985"/>
+            <a:ext cx="8214868" cy="461665"/>
+          </a:xfrm>
+          <a:prstGeom prst="rect">
+            <a:avLst/>
+          </a:prstGeom>
+          <a:noFill/>
+          <a:ln w="9525">
+            <a:noFill/>
+            <a:miter/>
+          </a:ln>
+        </p:spPr>
+        <p:txBody>
+          <a:bodyPr wrap="square">
+            <a:spAutoFit/>
+          </a:bodyPr>
+          <a:lstStyle/>
+          <a:p>
+            <a:pPr defTabSz="685800"/>
+            <a:r>
+              <a:rPr lang="zh-TW" altLang="en-US" sz="2400" b="1" dirty="0" smtClean="0">
+                <a:solidFill>
+                  <a:schemeClr val="tx1">
+                    <a:lumMod val="75000"/>
+                    <a:lumOff val="25000"/>
+                  </a:schemeClr>
+                </a:solidFill>
+                <a:latin typeface="思源黑体 CN Bold" panose="020B0800000000000000" pitchFamily="34" charset="-122"/>
+                <a:ea typeface="思源黑体 CN Bold" panose="020B0800000000000000" pitchFamily="34" charset="-122"/>
+                <a:cs typeface="+mn-ea"/>
+                <a:sym typeface="+mn-lt"/>
+              </a:rPr>
+              <a:t>利用</a:t>
+            </a:r>
+            <a:r>
+              <a:rPr lang="en-US" altLang="zh-TW" sz="2400" b="1" dirty="0" smtClean="0">
+                <a:solidFill>
+                  <a:schemeClr val="tx1">
+                    <a:lumMod val="75000"/>
+                    <a:lumOff val="25000"/>
+                  </a:schemeClr>
+                </a:solidFill>
+                <a:latin typeface="思源黑体 CN Bold" panose="020B0800000000000000" pitchFamily="34" charset="-122"/>
+                <a:ea typeface="思源黑体 CN Bold" panose="020B0800000000000000" pitchFamily="34" charset="-122"/>
+                <a:cs typeface="+mn-ea"/>
+                <a:sym typeface="+mn-lt"/>
+              </a:rPr>
+              <a:t>requests</a:t>
+            </a:r>
+            <a:r>
+              <a:rPr lang="zh-TW" altLang="en-US" sz="2400" b="1" dirty="0" smtClean="0">
+                <a:solidFill>
+                  <a:schemeClr val="tx1">
+                    <a:lumMod val="75000"/>
+                    <a:lumOff val="25000"/>
+                  </a:schemeClr>
+                </a:solidFill>
+                <a:latin typeface="思源黑体 CN Bold" panose="020B0800000000000000" pitchFamily="34" charset="-122"/>
+                <a:ea typeface="思源黑体 CN Bold" panose="020B0800000000000000" pitchFamily="34" charset="-122"/>
+                <a:cs typeface="+mn-ea"/>
+                <a:sym typeface="+mn-lt"/>
+              </a:rPr>
+              <a:t>套件下載本日比特幣最新價格的</a:t>
+            </a:r>
+            <a:r>
+              <a:rPr lang="en-US" altLang="zh-TW" sz="2400" b="1" dirty="0" smtClean="0">
+                <a:solidFill>
+                  <a:schemeClr val="tx1">
+                    <a:lumMod val="75000"/>
+                    <a:lumOff val="25000"/>
+                  </a:schemeClr>
+                </a:solidFill>
+                <a:latin typeface="思源黑体 CN Bold" panose="020B0800000000000000" pitchFamily="34" charset="-122"/>
+                <a:ea typeface="思源黑体 CN Bold" panose="020B0800000000000000" pitchFamily="34" charset="-122"/>
+                <a:cs typeface="+mn-ea"/>
+                <a:sym typeface="+mn-lt"/>
+              </a:rPr>
+              <a:t>csv</a:t>
+            </a:r>
+            <a:r>
+              <a:rPr lang="zh-TW" altLang="en-US" sz="2400" b="1" dirty="0" smtClean="0">
+                <a:solidFill>
+                  <a:schemeClr val="tx1">
+                    <a:lumMod val="75000"/>
+                    <a:lumOff val="25000"/>
+                  </a:schemeClr>
+                </a:solidFill>
+                <a:latin typeface="思源黑体 CN Bold" panose="020B0800000000000000" pitchFamily="34" charset="-122"/>
+                <a:ea typeface="思源黑体 CN Bold" panose="020B0800000000000000" pitchFamily="34" charset="-122"/>
+                <a:cs typeface="+mn-ea"/>
+                <a:sym typeface="+mn-lt"/>
+              </a:rPr>
+              <a:t>檔</a:t>
+            </a:r>
+            <a:endParaRPr lang="zh-CN" altLang="en-US" sz="2400" b="1" dirty="0">
+              <a:solidFill>
+                <a:schemeClr val="tx1">
+                  <a:lumMod val="75000"/>
+                  <a:lumOff val="25000"/>
+                </a:schemeClr>
+              </a:solidFill>
+              <a:latin typeface="思源黑体 CN Bold" panose="020B0800000000000000" pitchFamily="34" charset="-122"/>
+              <a:ea typeface="思源黑体 CN Bold" panose="020B0800000000000000" pitchFamily="34" charset="-122"/>
+              <a:cs typeface="+mn-ea"/>
+              <a:sym typeface="+mn-lt"/>
+            </a:endParaRPr>
+          </a:p>
+        </p:txBody>
+      </p:sp>
+      <p:sp>
+        <p:nvSpPr>
+          <p:cNvPr id="54" name="文本框 53"/>
+          <p:cNvSpPr txBox="1"/>
+          <p:nvPr/>
+        </p:nvSpPr>
+        <p:spPr>
+          <a:xfrm>
+            <a:off x="1129062" y="672460"/>
+            <a:ext cx="4203131" cy="438582"/>
+          </a:xfrm>
+          <a:prstGeom prst="rect">
+            <a:avLst/>
+          </a:prstGeom>
+          <a:noFill/>
+        </p:spPr>
+        <p:txBody>
+          <a:bodyPr wrap="square" lIns="68580" tIns="34290" rIns="68580" bIns="34290" rtlCol="0">
+            <a:spAutoFit/>
+          </a:bodyPr>
+          <a:lstStyle/>
+          <a:p>
+            <a:pPr defTabSz="685800"/>
+            <a:r>
+              <a:rPr lang="en-US" altLang="zh-CN" sz="2400" b="1" dirty="0" smtClean="0">
+                <a:latin typeface="微软雅黑"/>
+                <a:ea typeface="微软雅黑"/>
+                <a:cs typeface="+mn-ea"/>
+                <a:sym typeface="+mn-lt"/>
+              </a:rPr>
+              <a:t>Workflow</a:t>
+            </a:r>
+            <a:endParaRPr lang="zh-CN" altLang="en-US" sz="2400" b="1" dirty="0">
+              <a:latin typeface="微软雅黑"/>
+              <a:ea typeface="微软雅黑"/>
+              <a:cs typeface="+mn-ea"/>
+              <a:sym typeface="+mn-lt"/>
+            </a:endParaRPr>
+          </a:p>
+        </p:txBody>
+      </p:sp>
+      <p:sp>
+        <p:nvSpPr>
+          <p:cNvPr id="59" name="TextBox 1956"/>
+          <p:cNvSpPr/>
+          <p:nvPr/>
+        </p:nvSpPr>
+        <p:spPr>
+          <a:xfrm>
+            <a:off x="3123691" y="2486239"/>
+            <a:ext cx="6759716" cy="461665"/>
+          </a:xfrm>
+          <a:prstGeom prst="rect">
+            <a:avLst/>
+          </a:prstGeom>
+          <a:noFill/>
+          <a:ln w="9525">
+            <a:noFill/>
+            <a:miter/>
+          </a:ln>
+        </p:spPr>
+        <p:txBody>
+          <a:bodyPr wrap="square">
+            <a:spAutoFit/>
+          </a:bodyPr>
+          <a:lstStyle/>
+          <a:p>
+            <a:pPr defTabSz="685800"/>
+            <a:r>
+              <a:rPr lang="zh-TW" altLang="en-US" sz="2400" b="1" dirty="0" smtClean="0">
+                <a:solidFill>
+                  <a:schemeClr val="tx1">
+                    <a:lumMod val="75000"/>
+                    <a:lumOff val="25000"/>
+                  </a:schemeClr>
+                </a:solidFill>
+                <a:latin typeface="思源黑体 CN Bold" panose="020B0800000000000000" pitchFamily="34" charset="-122"/>
+                <a:ea typeface="思源黑体 CN Bold" panose="020B0800000000000000" pitchFamily="34" charset="-122"/>
+                <a:cs typeface="+mn-ea"/>
+                <a:sym typeface="+mn-lt"/>
+              </a:rPr>
+              <a:t>以</a:t>
+            </a:r>
+            <a:r>
+              <a:rPr lang="en-US" altLang="zh-TW" sz="2400" b="1" dirty="0" smtClean="0">
+                <a:solidFill>
+                  <a:schemeClr val="tx1">
+                    <a:lumMod val="75000"/>
+                    <a:lumOff val="25000"/>
+                  </a:schemeClr>
+                </a:solidFill>
+                <a:latin typeface="思源黑体 CN Bold" panose="020B0800000000000000" pitchFamily="34" charset="-122"/>
+                <a:ea typeface="思源黑体 CN Bold" panose="020B0800000000000000" pitchFamily="34" charset="-122"/>
+                <a:cs typeface="+mn-ea"/>
+                <a:sym typeface="+mn-lt"/>
+              </a:rPr>
+              <a:t>Pandas</a:t>
+            </a:r>
+            <a:r>
+              <a:rPr lang="zh-TW" altLang="en-US" sz="2400" b="1" dirty="0" smtClean="0">
+                <a:solidFill>
+                  <a:schemeClr val="tx1">
+                    <a:lumMod val="75000"/>
+                    <a:lumOff val="25000"/>
+                  </a:schemeClr>
+                </a:solidFill>
+                <a:latin typeface="思源黑体 CN Bold" panose="020B0800000000000000" pitchFamily="34" charset="-122"/>
+                <a:ea typeface="思源黑体 CN Bold" panose="020B0800000000000000" pitchFamily="34" charset="-122"/>
+                <a:cs typeface="+mn-ea"/>
+                <a:sym typeface="+mn-lt"/>
+              </a:rPr>
+              <a:t>套件進行資料前處理</a:t>
+            </a:r>
+            <a:endParaRPr lang="zh-CN" altLang="en-US" sz="2400" b="1" dirty="0">
+              <a:solidFill>
+                <a:schemeClr val="tx1">
+                  <a:lumMod val="75000"/>
+                  <a:lumOff val="25000"/>
+                </a:schemeClr>
+              </a:solidFill>
+              <a:latin typeface="思源黑体 CN Bold" panose="020B0800000000000000" pitchFamily="34" charset="-122"/>
+              <a:ea typeface="思源黑体 CN Bold" panose="020B0800000000000000" pitchFamily="34" charset="-122"/>
+              <a:cs typeface="+mn-ea"/>
+              <a:sym typeface="+mn-lt"/>
+            </a:endParaRPr>
+          </a:p>
+        </p:txBody>
+      </p:sp>
+      <p:sp>
+        <p:nvSpPr>
+          <p:cNvPr id="60" name="TextBox 1956"/>
+          <p:cNvSpPr/>
+          <p:nvPr/>
+        </p:nvSpPr>
+        <p:spPr>
+          <a:xfrm>
+            <a:off x="3123691" y="3201493"/>
+            <a:ext cx="6759716" cy="461665"/>
+          </a:xfrm>
+          <a:prstGeom prst="rect">
+            <a:avLst/>
+          </a:prstGeom>
+          <a:noFill/>
+          <a:ln w="9525">
+            <a:noFill/>
+            <a:miter/>
+          </a:ln>
+        </p:spPr>
+        <p:txBody>
+          <a:bodyPr wrap="square">
+            <a:spAutoFit/>
+          </a:bodyPr>
+          <a:lstStyle/>
+          <a:p>
+            <a:pPr defTabSz="685800"/>
+            <a:r>
+              <a:rPr lang="zh-TW" altLang="en-US" sz="2400" b="1" dirty="0" smtClean="0">
+                <a:solidFill>
+                  <a:schemeClr val="tx1">
+                    <a:lumMod val="75000"/>
+                    <a:lumOff val="25000"/>
+                  </a:schemeClr>
+                </a:solidFill>
+                <a:latin typeface="思源黑体 CN Bold" panose="020B0800000000000000" pitchFamily="34" charset="-122"/>
+                <a:ea typeface="思源黑体 CN Bold" panose="020B0800000000000000" pitchFamily="34" charset="-122"/>
+                <a:cs typeface="+mn-ea"/>
+                <a:sym typeface="+mn-lt"/>
+              </a:rPr>
+              <a:t>以</a:t>
+            </a:r>
+            <a:r>
+              <a:rPr lang="en-US" altLang="zh-TW" sz="2400" b="1" dirty="0" err="1" smtClean="0">
+                <a:solidFill>
+                  <a:schemeClr val="tx1">
+                    <a:lumMod val="75000"/>
+                    <a:lumOff val="25000"/>
+                  </a:schemeClr>
+                </a:solidFill>
+                <a:latin typeface="思源黑体 CN Bold" panose="020B0800000000000000" pitchFamily="34" charset="-122"/>
+                <a:ea typeface="思源黑体 CN Bold" panose="020B0800000000000000" pitchFamily="34" charset="-122"/>
+                <a:cs typeface="+mn-ea"/>
+                <a:sym typeface="+mn-lt"/>
+              </a:rPr>
+              <a:t>Matplotlib</a:t>
+            </a:r>
+            <a:r>
+              <a:rPr lang="zh-TW" altLang="en-US" sz="2400" b="1" dirty="0" smtClean="0">
+                <a:solidFill>
+                  <a:schemeClr val="tx1">
+                    <a:lumMod val="75000"/>
+                    <a:lumOff val="25000"/>
+                  </a:schemeClr>
+                </a:solidFill>
+                <a:latin typeface="思源黑体 CN Bold" panose="020B0800000000000000" pitchFamily="34" charset="-122"/>
+                <a:ea typeface="思源黑体 CN Bold" panose="020B0800000000000000" pitchFamily="34" charset="-122"/>
+                <a:cs typeface="+mn-ea"/>
+                <a:sym typeface="+mn-lt"/>
+              </a:rPr>
+              <a:t>套件進行資料視覺化</a:t>
+            </a:r>
+            <a:endParaRPr lang="zh-CN" altLang="en-US" sz="2400" b="1" dirty="0">
+              <a:solidFill>
+                <a:schemeClr val="tx1">
+                  <a:lumMod val="75000"/>
+                  <a:lumOff val="25000"/>
+                </a:schemeClr>
+              </a:solidFill>
+              <a:latin typeface="思源黑体 CN Bold" panose="020B0800000000000000" pitchFamily="34" charset="-122"/>
+              <a:ea typeface="思源黑体 CN Bold" panose="020B0800000000000000" pitchFamily="34" charset="-122"/>
+              <a:cs typeface="+mn-ea"/>
+              <a:sym typeface="+mn-lt"/>
+            </a:endParaRPr>
+          </a:p>
+        </p:txBody>
+      </p:sp>
+      <p:sp>
+        <p:nvSpPr>
+          <p:cNvPr id="61" name="TextBox 1956"/>
+          <p:cNvSpPr/>
+          <p:nvPr/>
+        </p:nvSpPr>
+        <p:spPr>
+          <a:xfrm>
+            <a:off x="3123690" y="3916747"/>
+            <a:ext cx="6759716" cy="461665"/>
+          </a:xfrm>
+          <a:prstGeom prst="rect">
+            <a:avLst/>
+          </a:prstGeom>
+          <a:noFill/>
+          <a:ln w="9525">
+            <a:noFill/>
+            <a:miter/>
+          </a:ln>
+        </p:spPr>
+        <p:txBody>
+          <a:bodyPr wrap="square">
+            <a:spAutoFit/>
+          </a:bodyPr>
+          <a:lstStyle/>
+          <a:p>
+            <a:pPr defTabSz="685800"/>
+            <a:r>
+              <a:rPr lang="zh-TW" altLang="en-US" sz="2400" b="1" dirty="0" smtClean="0">
+                <a:solidFill>
+                  <a:schemeClr val="tx1">
+                    <a:lumMod val="75000"/>
+                    <a:lumOff val="25000"/>
+                  </a:schemeClr>
+                </a:solidFill>
+                <a:latin typeface="思源黑体 CN Bold" panose="020B0800000000000000" pitchFamily="34" charset="-122"/>
+                <a:ea typeface="思源黑体 CN Bold" panose="020B0800000000000000" pitchFamily="34" charset="-122"/>
+                <a:cs typeface="+mn-ea"/>
+                <a:sym typeface="+mn-lt"/>
+              </a:rPr>
+              <a:t>計算 </a:t>
+            </a:r>
+            <a:r>
+              <a:rPr lang="en-US" altLang="zh-TW" sz="2400" b="1" dirty="0" smtClean="0">
+                <a:solidFill>
+                  <a:schemeClr val="tx1">
+                    <a:lumMod val="75000"/>
+                    <a:lumOff val="25000"/>
+                  </a:schemeClr>
+                </a:solidFill>
+                <a:latin typeface="思源黑体 CN Bold" panose="020B0800000000000000" pitchFamily="34" charset="-122"/>
+                <a:ea typeface="思源黑体 CN Bold" panose="020B0800000000000000" pitchFamily="34" charset="-122"/>
+                <a:cs typeface="+mn-ea"/>
+                <a:sym typeface="+mn-lt"/>
+              </a:rPr>
+              <a:t>MA, EMA,</a:t>
+            </a:r>
+            <a:r>
+              <a:rPr lang="zh-TW" altLang="en-US" sz="2400" b="1" dirty="0" smtClean="0">
+                <a:solidFill>
+                  <a:schemeClr val="tx1">
+                    <a:lumMod val="75000"/>
+                    <a:lumOff val="25000"/>
+                  </a:schemeClr>
+                </a:solidFill>
+                <a:latin typeface="思源黑体 CN Bold" panose="020B0800000000000000" pitchFamily="34" charset="-122"/>
+                <a:ea typeface="思源黑体 CN Bold" panose="020B0800000000000000" pitchFamily="34" charset="-122"/>
+                <a:cs typeface="+mn-ea"/>
+                <a:sym typeface="+mn-lt"/>
+              </a:rPr>
+              <a:t> </a:t>
+            </a:r>
+            <a:r>
+              <a:rPr lang="en-US" altLang="zh-TW" sz="2400" b="1" dirty="0" smtClean="0">
+                <a:solidFill>
+                  <a:schemeClr val="tx1">
+                    <a:lumMod val="75000"/>
+                    <a:lumOff val="25000"/>
+                  </a:schemeClr>
+                </a:solidFill>
+                <a:latin typeface="思源黑体 CN Bold" panose="020B0800000000000000" pitchFamily="34" charset="-122"/>
+                <a:ea typeface="思源黑体 CN Bold" panose="020B0800000000000000" pitchFamily="34" charset="-122"/>
+                <a:cs typeface="+mn-ea"/>
+                <a:sym typeface="+mn-lt"/>
+              </a:rPr>
+              <a:t>MACD, </a:t>
+            </a:r>
+            <a:r>
+              <a:rPr lang="en-US" altLang="zh-TW" sz="2400" b="1" dirty="0" err="1" smtClean="0">
+                <a:solidFill>
+                  <a:schemeClr val="tx1">
+                    <a:lumMod val="75000"/>
+                    <a:lumOff val="25000"/>
+                  </a:schemeClr>
+                </a:solidFill>
+                <a:latin typeface="思源黑体 CN Bold" panose="020B0800000000000000" pitchFamily="34" charset="-122"/>
+                <a:ea typeface="思源黑体 CN Bold" panose="020B0800000000000000" pitchFamily="34" charset="-122"/>
+                <a:cs typeface="+mn-ea"/>
+                <a:sym typeface="+mn-lt"/>
+              </a:rPr>
+              <a:t>Bollienger</a:t>
+            </a:r>
+            <a:r>
+              <a:rPr lang="en-US" altLang="zh-TW" sz="2400" b="1" dirty="0" smtClean="0">
+                <a:solidFill>
+                  <a:schemeClr val="tx1">
+                    <a:lumMod val="75000"/>
+                    <a:lumOff val="25000"/>
+                  </a:schemeClr>
+                </a:solidFill>
+                <a:latin typeface="思源黑体 CN Bold" panose="020B0800000000000000" pitchFamily="34" charset="-122"/>
+                <a:ea typeface="思源黑体 CN Bold" panose="020B0800000000000000" pitchFamily="34" charset="-122"/>
+                <a:cs typeface="+mn-ea"/>
+                <a:sym typeface="+mn-lt"/>
+              </a:rPr>
+              <a:t> Bands </a:t>
+            </a:r>
+            <a:endParaRPr lang="zh-CN" altLang="en-US" sz="2400" b="1" dirty="0">
+              <a:solidFill>
+                <a:schemeClr val="tx1">
+                  <a:lumMod val="75000"/>
+                  <a:lumOff val="25000"/>
+                </a:schemeClr>
+              </a:solidFill>
+              <a:latin typeface="思源黑体 CN Bold" panose="020B0800000000000000" pitchFamily="34" charset="-122"/>
+              <a:ea typeface="思源黑体 CN Bold" panose="020B0800000000000000" pitchFamily="34" charset="-122"/>
+              <a:cs typeface="+mn-ea"/>
+              <a:sym typeface="+mn-lt"/>
+            </a:endParaRPr>
+          </a:p>
+        </p:txBody>
+      </p:sp>
+      <p:sp>
+        <p:nvSpPr>
+          <p:cNvPr id="62" name="TextBox 1956"/>
+          <p:cNvSpPr/>
+          <p:nvPr/>
+        </p:nvSpPr>
+        <p:spPr>
+          <a:xfrm>
+            <a:off x="3123691" y="4576690"/>
+            <a:ext cx="8214869" cy="461665"/>
+          </a:xfrm>
+          <a:prstGeom prst="rect">
+            <a:avLst/>
+          </a:prstGeom>
+          <a:noFill/>
+          <a:ln w="9525">
+            <a:noFill/>
+            <a:miter/>
+          </a:ln>
+        </p:spPr>
+        <p:txBody>
+          <a:bodyPr wrap="square">
+            <a:spAutoFit/>
+          </a:bodyPr>
+          <a:lstStyle/>
+          <a:p>
+            <a:pPr defTabSz="685800"/>
+            <a:r>
+              <a:rPr lang="zh-TW" altLang="en-US" sz="2400" b="1" dirty="0" smtClean="0">
+                <a:solidFill>
+                  <a:schemeClr val="tx1">
+                    <a:lumMod val="75000"/>
+                    <a:lumOff val="25000"/>
+                  </a:schemeClr>
+                </a:solidFill>
+                <a:latin typeface="思源黑体 CN Bold" panose="020B0800000000000000" pitchFamily="34" charset="-122"/>
+                <a:ea typeface="思源黑体 CN Bold" panose="020B0800000000000000" pitchFamily="34" charset="-122"/>
+                <a:cs typeface="+mn-ea"/>
+                <a:sym typeface="+mn-lt"/>
+              </a:rPr>
+              <a:t>使用</a:t>
+            </a:r>
+            <a:r>
+              <a:rPr lang="en-US" altLang="zh-TW" sz="2400" b="1" dirty="0" err="1" smtClean="0">
+                <a:solidFill>
+                  <a:schemeClr val="tx1">
+                    <a:lumMod val="75000"/>
+                    <a:lumOff val="25000"/>
+                  </a:schemeClr>
+                </a:solidFill>
+                <a:latin typeface="思源黑体 CN Bold" panose="020B0800000000000000" pitchFamily="34" charset="-122"/>
+                <a:ea typeface="思源黑体 CN Bold" panose="020B0800000000000000" pitchFamily="34" charset="-122"/>
+                <a:cs typeface="+mn-ea"/>
+                <a:sym typeface="+mn-lt"/>
+              </a:rPr>
+              <a:t>smtplib</a:t>
+            </a:r>
+            <a:r>
+              <a:rPr lang="zh-TW" altLang="en-US" sz="2400" b="1" dirty="0" smtClean="0">
+                <a:solidFill>
+                  <a:schemeClr val="tx1">
+                    <a:lumMod val="75000"/>
+                    <a:lumOff val="25000"/>
+                  </a:schemeClr>
+                </a:solidFill>
+                <a:latin typeface="思源黑体 CN Bold" panose="020B0800000000000000" pitchFamily="34" charset="-122"/>
+                <a:ea typeface="思源黑体 CN Bold" panose="020B0800000000000000" pitchFamily="34" charset="-122"/>
+                <a:cs typeface="+mn-ea"/>
+                <a:sym typeface="+mn-lt"/>
+              </a:rPr>
+              <a:t>套件自動發送</a:t>
+            </a:r>
+            <a:r>
+              <a:rPr lang="en-US" altLang="zh-TW" sz="2400" b="1" dirty="0" smtClean="0">
+                <a:solidFill>
+                  <a:schemeClr val="tx1">
+                    <a:lumMod val="75000"/>
+                    <a:lumOff val="25000"/>
+                  </a:schemeClr>
+                </a:solidFill>
+                <a:latin typeface="思源黑体 CN Bold" panose="020B0800000000000000" pitchFamily="34" charset="-122"/>
+                <a:ea typeface="思源黑体 CN Bold" panose="020B0800000000000000" pitchFamily="34" charset="-122"/>
+                <a:cs typeface="+mn-ea"/>
+                <a:sym typeface="+mn-lt"/>
+              </a:rPr>
+              <a:t>email</a:t>
+            </a:r>
+            <a:r>
+              <a:rPr lang="zh-TW" altLang="en-US" sz="2400" b="1" dirty="0" smtClean="0">
+                <a:solidFill>
+                  <a:schemeClr val="tx1">
+                    <a:lumMod val="75000"/>
+                    <a:lumOff val="25000"/>
+                  </a:schemeClr>
+                </a:solidFill>
+                <a:latin typeface="思源黑体 CN Bold" panose="020B0800000000000000" pitchFamily="34" charset="-122"/>
+                <a:ea typeface="思源黑体 CN Bold" panose="020B0800000000000000" pitchFamily="34" charset="-122"/>
+                <a:cs typeface="+mn-ea"/>
+                <a:sym typeface="+mn-lt"/>
+              </a:rPr>
+              <a:t>通知本日價格及策略</a:t>
+            </a:r>
+            <a:endParaRPr lang="zh-CN" altLang="en-US" sz="2400" b="1" dirty="0">
+              <a:solidFill>
+                <a:schemeClr val="tx1">
+                  <a:lumMod val="75000"/>
+                  <a:lumOff val="25000"/>
+                </a:schemeClr>
+              </a:solidFill>
+              <a:latin typeface="思源黑体 CN Bold" panose="020B0800000000000000" pitchFamily="34" charset="-122"/>
+              <a:ea typeface="思源黑体 CN Bold" panose="020B0800000000000000" pitchFamily="34" charset="-122"/>
+              <a:cs typeface="+mn-ea"/>
+              <a:sym typeface="+mn-lt"/>
+            </a:endParaRPr>
+          </a:p>
+        </p:txBody>
+      </p:sp>
+    </p:spTree>
+    <p:extLst>
+      <p:ext uri="{BB962C8B-B14F-4D97-AF65-F5344CB8AC3E}">
+        <p14:creationId xmlns:p14="http://schemas.microsoft.com/office/powerpoint/2010/main" val="3861256810"/>
+      </p:ext>
+    </p:extLst>
+  </p:cSld>
+  <p:clrMapOvr>
+    <a:masterClrMapping/>
+  </p:clrMapOvr>
+  <p:transition spd="slow">
+    <p:push dir="u"/>
+  </p:transition>
+  <p:timing>
+    <p:tnLst>
+      <p:par>
+        <p:cTn id="1" dur="indefinite" restart="never" nodeType="tmRoot"/>
+      </p:par>
+    </p:tnLst>
+  </p:timing>
+</p:sld>
+</file>
+
+<file path=ppt/slides/slide8.xml><?xml version="1.0" encoding="utf-8"?>
+<p:sld xmlns:a="http://schemas.openxmlformats.org/drawingml/2006/main" xmlns:r="http://schemas.openxmlformats.org/officeDocument/2006/relationships" xmlns:p="http://schemas.openxmlformats.org/presentationml/2006/main">
+  <p:cSld>
+    <p:spTree>
+      <p:nvGrpSpPr>
+        <p:cNvPr id="1" name=""/>
+        <p:cNvGrpSpPr/>
+        <p:nvPr/>
+      </p:nvGrpSpPr>
+      <p:grpSpPr>
+        <a:xfrm>
+          <a:off x="0" y="0"/>
+          <a:ext cx="0" cy="0"/>
+          <a:chOff x="0" y="0"/>
+          <a:chExt cx="0" cy="0"/>
+        </a:xfrm>
+      </p:grpSpPr>
       <p:pic>
         <p:nvPicPr>
           <p:cNvPr id="4" name="图片 3"/>
@@ -17224,7 +18135,7 @@
 </p:sld>
 </file>
 
-<file path=ppt/slides/slide8.xml><?xml version="1.0" encoding="utf-8"?>
+<file path=ppt/slides/slide9.xml><?xml version="1.0" encoding="utf-8"?>
 <p:sld xmlns:a="http://schemas.openxmlformats.org/drawingml/2006/main" xmlns:r="http://schemas.openxmlformats.org/officeDocument/2006/relationships" xmlns:p="http://schemas.openxmlformats.org/presentationml/2006/main">
   <p:cSld>
     <p:spTree>
@@ -17827,368 +18738,6 @@
     <p:extLst>
       <p:ext uri="{BB962C8B-B14F-4D97-AF65-F5344CB8AC3E}">
         <p14:creationId xmlns:p14="http://schemas.microsoft.com/office/powerpoint/2010/main" val="1937880195"/>
-      </p:ext>
-    </p:extLst>
-  </p:cSld>
-  <p:clrMapOvr>
-    <a:masterClrMapping/>
-  </p:clrMapOvr>
-  <p:transition spd="slow">
-    <p:push dir="u"/>
-  </p:transition>
-  <p:timing>
-    <p:tnLst>
-      <p:par>
-        <p:cTn id="1" dur="indefinite" restart="never" nodeType="tmRoot"/>
-      </p:par>
-    </p:tnLst>
-  </p:timing>
-</p:sld>
-</file>
-
-<file path=ppt/slides/slide9.xml><?xml version="1.0" encoding="utf-8"?>
-<p:sld xmlns:a="http://schemas.openxmlformats.org/drawingml/2006/main" xmlns:r="http://schemas.openxmlformats.org/officeDocument/2006/relationships" xmlns:p="http://schemas.openxmlformats.org/presentationml/2006/main">
-  <p:cSld>
-    <p:spTree>
-      <p:nvGrpSpPr>
-        <p:cNvPr id="1" name=""/>
-        <p:cNvGrpSpPr/>
-        <p:nvPr/>
-      </p:nvGrpSpPr>
-      <p:grpSpPr>
-        <a:xfrm>
-          <a:off x="0" y="0"/>
-          <a:ext cx="0" cy="0"/>
-          <a:chOff x="0" y="0"/>
-          <a:chExt cx="0" cy="0"/>
-        </a:xfrm>
-      </p:grpSpPr>
-      <p:sp>
-        <p:nvSpPr>
-          <p:cNvPr id="4" name="TextBox 1956"/>
-          <p:cNvSpPr/>
-          <p:nvPr/>
-        </p:nvSpPr>
-        <p:spPr>
-          <a:xfrm>
-            <a:off x="937444" y="705711"/>
-            <a:ext cx="7076024" cy="461665"/>
-          </a:xfrm>
-          <a:prstGeom prst="rect">
-            <a:avLst/>
-          </a:prstGeom>
-          <a:noFill/>
-          <a:ln w="9525">
-            <a:noFill/>
-            <a:miter/>
-          </a:ln>
-        </p:spPr>
-        <p:txBody>
-          <a:bodyPr wrap="square">
-            <a:spAutoFit/>
-          </a:bodyPr>
-          <a:lstStyle/>
-          <a:p>
-            <a:pPr defTabSz="685800"/>
-            <a:r>
-              <a:rPr lang="zh-TW" altLang="en-US" sz="2400" b="1" dirty="0" smtClean="0">
-                <a:solidFill>
-                  <a:schemeClr val="tx1">
-                    <a:lumMod val="75000"/>
-                    <a:lumOff val="25000"/>
-                  </a:schemeClr>
-                </a:solidFill>
-                <a:latin typeface="思源黑体 CN Bold" panose="020B0800000000000000" pitchFamily="34" charset="-122"/>
-                <a:ea typeface="思源黑体 CN Bold" panose="020B0800000000000000" pitchFamily="34" charset="-122"/>
-                <a:cs typeface="+mn-ea"/>
-                <a:sym typeface="+mn-lt"/>
-              </a:rPr>
-              <a:t>均線理論 </a:t>
-            </a:r>
-            <a:r>
-              <a:rPr lang="en-US" altLang="zh-TW" sz="2400" b="1" dirty="0" smtClean="0">
-                <a:solidFill>
-                  <a:schemeClr val="tx1">
-                    <a:lumMod val="75000"/>
-                    <a:lumOff val="25000"/>
-                  </a:schemeClr>
-                </a:solidFill>
-                <a:latin typeface="思源黑体 CN Bold" panose="020B0800000000000000" pitchFamily="34" charset="-122"/>
-                <a:ea typeface="思源黑体 CN Bold" panose="020B0800000000000000" pitchFamily="34" charset="-122"/>
-                <a:cs typeface="+mn-ea"/>
-                <a:sym typeface="+mn-lt"/>
-              </a:rPr>
-              <a:t>Moving Average</a:t>
-            </a:r>
-            <a:endParaRPr lang="zh-CN" altLang="en-US" sz="2400" b="1" dirty="0">
-              <a:solidFill>
-                <a:schemeClr val="tx1">
-                  <a:lumMod val="75000"/>
-                  <a:lumOff val="25000"/>
-                </a:schemeClr>
-              </a:solidFill>
-              <a:latin typeface="思源黑体 CN Bold" panose="020B0800000000000000" pitchFamily="34" charset="-122"/>
-              <a:ea typeface="思源黑体 CN Bold" panose="020B0800000000000000" pitchFamily="34" charset="-122"/>
-              <a:cs typeface="+mn-ea"/>
-              <a:sym typeface="+mn-lt"/>
-            </a:endParaRPr>
-          </a:p>
-        </p:txBody>
-      </p:sp>
-      <p:sp>
-        <p:nvSpPr>
-          <p:cNvPr id="9" name="TextBox 1956"/>
-          <p:cNvSpPr/>
-          <p:nvPr/>
-        </p:nvSpPr>
-        <p:spPr>
-          <a:xfrm>
-            <a:off x="1619090" y="3414134"/>
-            <a:ext cx="8996264" cy="461665"/>
-          </a:xfrm>
-          <a:prstGeom prst="rect">
-            <a:avLst/>
-          </a:prstGeom>
-          <a:noFill/>
-          <a:ln w="9525">
-            <a:noFill/>
-            <a:miter/>
-          </a:ln>
-        </p:spPr>
-        <p:txBody>
-          <a:bodyPr wrap="square">
-            <a:spAutoFit/>
-          </a:bodyPr>
-          <a:lstStyle/>
-          <a:p>
-            <a:pPr defTabSz="685800"/>
-            <a:endParaRPr lang="zh-CN" altLang="en-US" sz="2400" b="1" dirty="0">
-              <a:solidFill>
-                <a:schemeClr val="tx1">
-                  <a:lumMod val="75000"/>
-                  <a:lumOff val="25000"/>
-                </a:schemeClr>
-              </a:solidFill>
-              <a:latin typeface="思源黑体 CN Bold" panose="020B0800000000000000" pitchFamily="34" charset="-122"/>
-              <a:ea typeface="思源黑体 CN Bold" panose="020B0800000000000000" pitchFamily="34" charset="-122"/>
-              <a:cs typeface="+mn-ea"/>
-              <a:sym typeface="+mn-lt"/>
-            </a:endParaRPr>
-          </a:p>
-        </p:txBody>
-      </p:sp>
-      <p:sp>
-        <p:nvSpPr>
-          <p:cNvPr id="10" name="TextBox 1956"/>
-          <p:cNvSpPr/>
-          <p:nvPr/>
-        </p:nvSpPr>
-        <p:spPr>
-          <a:xfrm>
-            <a:off x="1619090" y="2444638"/>
-            <a:ext cx="8996264" cy="1938992"/>
-          </a:xfrm>
-          <a:prstGeom prst="rect">
-            <a:avLst/>
-          </a:prstGeom>
-          <a:noFill/>
-          <a:ln w="9525">
-            <a:noFill/>
-            <a:miter/>
-          </a:ln>
-        </p:spPr>
-        <p:txBody>
-          <a:bodyPr wrap="square">
-            <a:spAutoFit/>
-          </a:bodyPr>
-          <a:lstStyle/>
-          <a:p>
-            <a:pPr lvl="0">
-              <a:defRPr/>
-            </a:pPr>
-            <a:r>
-              <a:rPr lang="zh-TW" altLang="en-US" sz="2400" b="1" dirty="0">
-                <a:solidFill>
-                  <a:schemeClr val="tx1">
-                    <a:lumMod val="75000"/>
-                    <a:lumOff val="25000"/>
-                  </a:schemeClr>
-                </a:solidFill>
-                <a:latin typeface="微軟正黑體" panose="020B0604030504040204" pitchFamily="34" charset="-120"/>
-                <a:ea typeface="微軟正黑體" panose="020B0604030504040204" pitchFamily="34" charset="-120"/>
-              </a:rPr>
-              <a:t>若三種均線均向下，</a:t>
-            </a:r>
-            <a:r>
-              <a:rPr lang="zh-TW" altLang="en-US" sz="2400" b="1" dirty="0" smtClean="0">
-                <a:solidFill>
-                  <a:schemeClr val="tx1">
-                    <a:lumMod val="75000"/>
-                    <a:lumOff val="25000"/>
-                  </a:schemeClr>
-                </a:solidFill>
-                <a:latin typeface="微軟正黑體" panose="020B0604030504040204" pitchFamily="34" charset="-120"/>
-                <a:ea typeface="微軟正黑體" panose="020B0604030504040204" pitchFamily="34" charset="-120"/>
-              </a:rPr>
-              <a:t>代表空頭</a:t>
-            </a:r>
-            <a:endParaRPr lang="en-US" altLang="zh-TW" sz="2400" b="1" dirty="0">
-              <a:solidFill>
-                <a:schemeClr val="tx1">
-                  <a:lumMod val="75000"/>
-                  <a:lumOff val="25000"/>
-                </a:schemeClr>
-              </a:solidFill>
-              <a:latin typeface="微軟正黑體" panose="020B0604030504040204" pitchFamily="34" charset="-120"/>
-              <a:ea typeface="微軟正黑體" panose="020B0604030504040204" pitchFamily="34" charset="-120"/>
-            </a:endParaRPr>
-          </a:p>
-          <a:p>
-            <a:pPr lvl="0">
-              <a:defRPr/>
-            </a:pPr>
-            <a:r>
-              <a:rPr lang="zh-TW" altLang="en-US" sz="2400" b="1" dirty="0">
-                <a:solidFill>
-                  <a:schemeClr val="tx1">
-                    <a:lumMod val="75000"/>
-                    <a:lumOff val="25000"/>
-                  </a:schemeClr>
-                </a:solidFill>
-                <a:latin typeface="微軟正黑體" panose="020B0604030504040204" pitchFamily="34" charset="-120"/>
-                <a:ea typeface="微軟正黑體" panose="020B0604030504040204" pitchFamily="34" charset="-120"/>
-              </a:rPr>
-              <a:t>反之，若三種均線均</a:t>
-            </a:r>
-            <a:r>
-              <a:rPr lang="zh-TW" altLang="en-US" sz="2400" b="1" dirty="0" smtClean="0">
-                <a:solidFill>
-                  <a:schemeClr val="tx1">
-                    <a:lumMod val="75000"/>
-                    <a:lumOff val="25000"/>
-                  </a:schemeClr>
-                </a:solidFill>
-                <a:latin typeface="微軟正黑體" panose="020B0604030504040204" pitchFamily="34" charset="-120"/>
-                <a:ea typeface="微軟正黑體" panose="020B0604030504040204" pitchFamily="34" charset="-120"/>
-              </a:rPr>
-              <a:t>向上，則</a:t>
-            </a:r>
-            <a:r>
-              <a:rPr lang="zh-TW" altLang="en-US" sz="2400" b="1" dirty="0">
-                <a:solidFill>
-                  <a:schemeClr val="tx1">
-                    <a:lumMod val="75000"/>
-                    <a:lumOff val="25000"/>
-                  </a:schemeClr>
-                </a:solidFill>
-                <a:latin typeface="微軟正黑體" panose="020B0604030504040204" pitchFamily="34" charset="-120"/>
-                <a:ea typeface="微軟正黑體" panose="020B0604030504040204" pitchFamily="34" charset="-120"/>
-              </a:rPr>
-              <a:t>為</a:t>
-            </a:r>
-            <a:r>
-              <a:rPr lang="zh-TW" altLang="en-US" sz="2400" b="1" dirty="0" smtClean="0">
-                <a:solidFill>
-                  <a:schemeClr val="tx1">
-                    <a:lumMod val="75000"/>
-                    <a:lumOff val="25000"/>
-                  </a:schemeClr>
-                </a:solidFill>
-                <a:latin typeface="微軟正黑體" panose="020B0604030504040204" pitchFamily="34" charset="-120"/>
-                <a:ea typeface="微軟正黑體" panose="020B0604030504040204" pitchFamily="34" charset="-120"/>
-              </a:rPr>
-              <a:t>多頭</a:t>
-            </a:r>
-            <a:endParaRPr lang="en-US" altLang="zh-TW" sz="2400" b="1" dirty="0">
-              <a:solidFill>
-                <a:schemeClr val="tx1">
-                  <a:lumMod val="75000"/>
-                  <a:lumOff val="25000"/>
-                </a:schemeClr>
-              </a:solidFill>
-              <a:latin typeface="微軟正黑體" panose="020B0604030504040204" pitchFamily="34" charset="-120"/>
-              <a:ea typeface="微軟正黑體" panose="020B0604030504040204" pitchFamily="34" charset="-120"/>
-            </a:endParaRPr>
-          </a:p>
-          <a:p>
-            <a:pPr lvl="0">
-              <a:defRPr/>
-            </a:pPr>
-            <a:endParaRPr lang="en-US" altLang="zh-TW" sz="2400" b="1" dirty="0">
-              <a:solidFill>
-                <a:schemeClr val="tx1">
-                  <a:lumMod val="75000"/>
-                  <a:lumOff val="25000"/>
-                </a:schemeClr>
-              </a:solidFill>
-              <a:latin typeface="微軟正黑體" panose="020B0604030504040204" pitchFamily="34" charset="-120"/>
-              <a:ea typeface="微軟正黑體" panose="020B0604030504040204" pitchFamily="34" charset="-120"/>
-            </a:endParaRPr>
-          </a:p>
-          <a:p>
-            <a:pPr lvl="0">
-              <a:defRPr/>
-            </a:pPr>
-            <a:r>
-              <a:rPr lang="zh-TW" altLang="en-US" sz="2400" b="1" dirty="0">
-                <a:solidFill>
-                  <a:schemeClr val="tx1">
-                    <a:lumMod val="75000"/>
-                    <a:lumOff val="25000"/>
-                  </a:schemeClr>
-                </a:solidFill>
-                <a:latin typeface="微軟正黑體" panose="020B0604030504040204" pitchFamily="34" charset="-120"/>
-                <a:ea typeface="微軟正黑體" panose="020B0604030504040204" pitchFamily="34" charset="-120"/>
-              </a:rPr>
-              <a:t>均線可以做為</a:t>
-            </a:r>
-            <a:r>
-              <a:rPr lang="zh-TW" altLang="en-US" sz="2400" b="1" dirty="0">
-                <a:solidFill>
-                  <a:schemeClr val="accent2">
-                    <a:lumMod val="50000"/>
-                  </a:schemeClr>
-                </a:solidFill>
-                <a:latin typeface="微軟正黑體" panose="020B0604030504040204" pitchFamily="34" charset="-120"/>
-                <a:ea typeface="微軟正黑體" panose="020B0604030504040204" pitchFamily="34" charset="-120"/>
-              </a:rPr>
-              <a:t>型態確認、多空轉換</a:t>
-            </a:r>
-            <a:r>
-              <a:rPr lang="zh-TW" altLang="en-US" sz="2400" b="1" dirty="0">
-                <a:solidFill>
-                  <a:schemeClr val="tx1">
-                    <a:lumMod val="75000"/>
-                    <a:lumOff val="25000"/>
-                  </a:schemeClr>
-                </a:solidFill>
-                <a:latin typeface="微軟正黑體" panose="020B0604030504040204" pitchFamily="34" charset="-120"/>
-                <a:ea typeface="微軟正黑體" panose="020B0604030504040204" pitchFamily="34" charset="-120"/>
-              </a:rPr>
-              <a:t>的標的之一</a:t>
-            </a:r>
-          </a:p>
-          <a:p>
-            <a:pPr lvl="0" defTabSz="685800"/>
-            <a:endParaRPr lang="zh-CN" altLang="en-US" sz="2400" b="1" dirty="0">
-              <a:solidFill>
-                <a:schemeClr val="tx1">
-                  <a:lumMod val="75000"/>
-                  <a:lumOff val="25000"/>
-                </a:schemeClr>
-              </a:solidFill>
-              <a:latin typeface="思源黑体 CN Bold" panose="020B0800000000000000" pitchFamily="34" charset="-122"/>
-              <a:ea typeface="思源黑体 CN Bold" panose="020B0800000000000000" pitchFamily="34" charset="-122"/>
-              <a:cs typeface="+mn-ea"/>
-              <a:sym typeface="+mn-lt"/>
-            </a:endParaRPr>
-          </a:p>
-        </p:txBody>
-      </p:sp>
-    </p:spTree>
-    <p:extLst>
-      <p:ext uri="{BB962C8B-B14F-4D97-AF65-F5344CB8AC3E}">
-        <p14:creationId xmlns:p14="http://schemas.microsoft.com/office/powerpoint/2010/main" val="15961207"/>
       </p:ext>
     </p:extLst>
   </p:cSld>

--- a/政大ppt.pptx
+++ b/政大ppt.pptx
@@ -5,7 +5,7 @@
     <p:sldMasterId id="2147483648" r:id="rId1"/>
   </p:sldMasterIdLst>
   <p:notesMasterIdLst>
-    <p:notesMasterId r:id="rId26"/>
+    <p:notesMasterId r:id="rId25"/>
   </p:notesMasterIdLst>
   <p:sldIdLst>
     <p:sldId id="256" r:id="rId2"/>
@@ -26,17 +26,16 @@
     <p:sldId id="298" r:id="rId17"/>
     <p:sldId id="300" r:id="rId18"/>
     <p:sldId id="301" r:id="rId19"/>
-    <p:sldId id="303" r:id="rId20"/>
-    <p:sldId id="304" r:id="rId21"/>
-    <p:sldId id="306" r:id="rId22"/>
-    <p:sldId id="307" r:id="rId23"/>
-    <p:sldId id="268" r:id="rId24"/>
-    <p:sldId id="282" r:id="rId25"/>
+    <p:sldId id="304" r:id="rId20"/>
+    <p:sldId id="306" r:id="rId21"/>
+    <p:sldId id="307" r:id="rId22"/>
+    <p:sldId id="268" r:id="rId23"/>
+    <p:sldId id="282" r:id="rId24"/>
   </p:sldIdLst>
   <p:sldSz cx="12192000" cy="6858000"/>
   <p:notesSz cx="6858000" cy="9144000"/>
   <p:custDataLst>
-    <p:tags r:id="rId27"/>
+    <p:tags r:id="rId26"/>
   </p:custDataLst>
   <p:defaultTextStyle>
     <a:defPPr>
@@ -1407,7 +1406,7 @@
           <a:p>
             <a:fld id="{FD6B9276-3D5B-46B9-8FB9-3C5C11460D11}" type="slidenum">
               <a:rPr lang="zh-CN" altLang="en-US" smtClean="0"/>
-              <a:t>19</a:t>
+              <a:t>20</a:t>
             </a:fld>
             <a:endParaRPr lang="zh-CN" altLang="en-US"/>
           </a:p>
@@ -1416,7 +1415,7 @@
     </p:spTree>
     <p:extLst>
       <p:ext uri="{BB962C8B-B14F-4D97-AF65-F5344CB8AC3E}">
-        <p14:creationId xmlns:p14="http://schemas.microsoft.com/office/powerpoint/2010/main" val="1687345162"/>
+        <p14:creationId xmlns:p14="http://schemas.microsoft.com/office/powerpoint/2010/main" val="2714776271"/>
       </p:ext>
     </p:extLst>
   </p:cSld>
@@ -1575,7 +1574,7 @@
           <a:p>
             <a:fld id="{FD6B9276-3D5B-46B9-8FB9-3C5C11460D11}" type="slidenum">
               <a:rPr lang="zh-CN" altLang="en-US" smtClean="0"/>
-              <a:t>21</a:t>
+              <a:t>22</a:t>
             </a:fld>
             <a:endParaRPr lang="zh-CN" altLang="en-US"/>
           </a:p>
@@ -1584,7 +1583,7 @@
     </p:spTree>
     <p:extLst>
       <p:ext uri="{BB962C8B-B14F-4D97-AF65-F5344CB8AC3E}">
-        <p14:creationId xmlns:p14="http://schemas.microsoft.com/office/powerpoint/2010/main" val="2714776271"/>
+        <p14:creationId xmlns:p14="http://schemas.microsoft.com/office/powerpoint/2010/main" val="4132698345"/>
       </p:ext>
     </p:extLst>
   </p:cSld>
@@ -1660,90 +1659,6 @@
             <a:fld id="{FD6B9276-3D5B-46B9-8FB9-3C5C11460D11}" type="slidenum">
               <a:rPr lang="zh-CN" altLang="en-US" smtClean="0"/>
               <a:t>23</a:t>
-            </a:fld>
-            <a:endParaRPr lang="zh-CN" altLang="en-US"/>
-          </a:p>
-        </p:txBody>
-      </p:sp>
-    </p:spTree>
-    <p:extLst>
-      <p:ext uri="{BB962C8B-B14F-4D97-AF65-F5344CB8AC3E}">
-        <p14:creationId xmlns:p14="http://schemas.microsoft.com/office/powerpoint/2010/main" val="4132698345"/>
-      </p:ext>
-    </p:extLst>
-  </p:cSld>
-  <p:clrMapOvr>
-    <a:masterClrMapping/>
-  </p:clrMapOvr>
-</p:notes>
-</file>
-
-<file path=ppt/notesSlides/notesSlide22.xml><?xml version="1.0" encoding="utf-8"?>
-<p:notes xmlns:a="http://schemas.openxmlformats.org/drawingml/2006/main" xmlns:r="http://schemas.openxmlformats.org/officeDocument/2006/relationships" xmlns:p="http://schemas.openxmlformats.org/presentationml/2006/main">
-  <p:cSld>
-    <p:spTree>
-      <p:nvGrpSpPr>
-        <p:cNvPr id="1" name=""/>
-        <p:cNvGrpSpPr/>
-        <p:nvPr/>
-      </p:nvGrpSpPr>
-      <p:grpSpPr>
-        <a:xfrm>
-          <a:off x="0" y="0"/>
-          <a:ext cx="0" cy="0"/>
-          <a:chOff x="0" y="0"/>
-          <a:chExt cx="0" cy="0"/>
-        </a:xfrm>
-      </p:grpSpPr>
-      <p:sp>
-        <p:nvSpPr>
-          <p:cNvPr id="2" name="幻灯片图像占位符 1"/>
-          <p:cNvSpPr>
-            <a:spLocks noGrp="1" noRot="1" noChangeAspect="1"/>
-          </p:cNvSpPr>
-          <p:nvPr>
-            <p:ph type="sldImg"/>
-          </p:nvPr>
-        </p:nvSpPr>
-        <p:spPr/>
-      </p:sp>
-      <p:sp>
-        <p:nvSpPr>
-          <p:cNvPr id="3" name="备注占位符 2"/>
-          <p:cNvSpPr>
-            <a:spLocks noGrp="1"/>
-          </p:cNvSpPr>
-          <p:nvPr>
-            <p:ph type="body" idx="1"/>
-          </p:nvPr>
-        </p:nvSpPr>
-        <p:spPr/>
-        <p:txBody>
-          <a:bodyPr/>
-          <a:lstStyle/>
-          <a:p>
-            <a:endParaRPr lang="zh-CN" altLang="en-US"/>
-          </a:p>
-        </p:txBody>
-      </p:sp>
-      <p:sp>
-        <p:nvSpPr>
-          <p:cNvPr id="4" name="灯片编号占位符 3"/>
-          <p:cNvSpPr>
-            <a:spLocks noGrp="1"/>
-          </p:cNvSpPr>
-          <p:nvPr>
-            <p:ph type="sldNum" sz="quarter" idx="10"/>
-          </p:nvPr>
-        </p:nvSpPr>
-        <p:spPr/>
-        <p:txBody>
-          <a:bodyPr/>
-          <a:lstStyle/>
-          <a:p>
-            <a:fld id="{FD6B9276-3D5B-46B9-8FB9-3C5C11460D11}" type="slidenum">
-              <a:rPr lang="zh-CN" altLang="en-US" smtClean="0"/>
-              <a:t>24</a:t>
             </a:fld>
             <a:endParaRPr lang="zh-CN" altLang="en-US"/>
           </a:p>
@@ -10566,496 +10481,56 @@
       </p:grpSpPr>
       <p:sp>
         <p:nvSpPr>
-          <p:cNvPr id="4" name="TextBox 1956"/>
-          <p:cNvSpPr/>
-          <p:nvPr/>
-        </p:nvSpPr>
+          <p:cNvPr id="2" name="標題 1"/>
+          <p:cNvSpPr>
+            <a:spLocks noGrp="1"/>
+          </p:cNvSpPr>
+          <p:nvPr>
+            <p:ph type="title"/>
+          </p:nvPr>
+        </p:nvSpPr>
+        <p:spPr/>
+        <p:txBody>
+          <a:bodyPr/>
+          <a:lstStyle/>
+          <a:p>
+            <a:endParaRPr lang="zh-TW" altLang="en-US"/>
+          </a:p>
+        </p:txBody>
+      </p:sp>
+      <p:pic>
+        <p:nvPicPr>
+          <p:cNvPr id="4" name="內容版面配置區 3"/>
+          <p:cNvPicPr>
+            <a:picLocks noGrp="1" noChangeAspect="1"/>
+          </p:cNvPicPr>
+          <p:nvPr>
+            <p:ph idx="1"/>
+          </p:nvPr>
+        </p:nvPicPr>
+        <p:blipFill>
+          <a:blip r:embed="rId2" cstate="print">
+            <a:extLst>
+              <a:ext uri="{28A0092B-C50C-407E-A947-70E740481C1C}">
+                <a14:useLocalDpi xmlns:a14="http://schemas.microsoft.com/office/drawing/2010/main" val="0"/>
+              </a:ext>
+            </a:extLst>
+          </a:blip>
+          <a:stretch>
+            <a:fillRect/>
+          </a:stretch>
+        </p:blipFill>
         <p:spPr>
           <a:xfrm>
-            <a:off x="937444" y="705711"/>
-            <a:ext cx="7076024" cy="461665"/>
+            <a:off x="813262" y="0"/>
+            <a:ext cx="10565476" cy="6858000"/>
           </a:xfrm>
-          <a:prstGeom prst="rect">
-            <a:avLst/>
-          </a:prstGeom>
-          <a:noFill/>
-          <a:ln w="9525">
-            <a:noFill/>
-            <a:miter/>
-          </a:ln>
         </p:spPr>
-        <p:txBody>
-          <a:bodyPr wrap="square">
-            <a:spAutoFit/>
-          </a:bodyPr>
-          <a:lstStyle/>
-          <a:p>
-            <a:pPr defTabSz="685800"/>
-            <a:r>
-              <a:rPr lang="en-US" altLang="zh-CN" sz="2400" b="1" dirty="0" err="1" smtClean="0">
-                <a:solidFill>
-                  <a:schemeClr val="tx1">
-                    <a:lumMod val="75000"/>
-                    <a:lumOff val="25000"/>
-                  </a:schemeClr>
-                </a:solidFill>
-                <a:latin typeface="思源黑体 CN Bold" panose="020B0800000000000000" pitchFamily="34" charset="-122"/>
-                <a:ea typeface="思源黑体 CN Bold" panose="020B0800000000000000" pitchFamily="34" charset="-122"/>
-                <a:cs typeface="+mn-ea"/>
-                <a:sym typeface="+mn-lt"/>
-              </a:rPr>
-              <a:t>Bollienger</a:t>
-            </a:r>
-            <a:r>
-              <a:rPr lang="en-US" altLang="zh-CN" sz="2400" b="1" dirty="0" smtClean="0">
-                <a:solidFill>
-                  <a:schemeClr val="tx1">
-                    <a:lumMod val="75000"/>
-                    <a:lumOff val="25000"/>
-                  </a:schemeClr>
-                </a:solidFill>
-                <a:latin typeface="思源黑体 CN Bold" panose="020B0800000000000000" pitchFamily="34" charset="-122"/>
-                <a:ea typeface="思源黑体 CN Bold" panose="020B0800000000000000" pitchFamily="34" charset="-122"/>
-                <a:cs typeface="+mn-ea"/>
-                <a:sym typeface="+mn-lt"/>
-              </a:rPr>
-              <a:t> Bands</a:t>
-            </a:r>
-            <a:endParaRPr lang="zh-CN" altLang="en-US" sz="2400" b="1" dirty="0">
-              <a:solidFill>
-                <a:schemeClr val="tx1">
-                  <a:lumMod val="75000"/>
-                  <a:lumOff val="25000"/>
-                </a:schemeClr>
-              </a:solidFill>
-              <a:latin typeface="思源黑体 CN Bold" panose="020B0800000000000000" pitchFamily="34" charset="-122"/>
-              <a:ea typeface="思源黑体 CN Bold" panose="020B0800000000000000" pitchFamily="34" charset="-122"/>
-              <a:cs typeface="+mn-ea"/>
-              <a:sym typeface="+mn-lt"/>
-            </a:endParaRPr>
-          </a:p>
-        </p:txBody>
-      </p:sp>
-      <p:sp>
-        <p:nvSpPr>
-          <p:cNvPr id="9" name="TextBox 1956"/>
-          <p:cNvSpPr/>
-          <p:nvPr/>
-        </p:nvSpPr>
-        <p:spPr>
-          <a:xfrm>
-            <a:off x="1619090" y="3414134"/>
-            <a:ext cx="8996264" cy="461665"/>
-          </a:xfrm>
-          <a:prstGeom prst="rect">
-            <a:avLst/>
-          </a:prstGeom>
-          <a:noFill/>
-          <a:ln w="9525">
-            <a:noFill/>
-            <a:miter/>
-          </a:ln>
-        </p:spPr>
-        <p:txBody>
-          <a:bodyPr wrap="square">
-            <a:spAutoFit/>
-          </a:bodyPr>
-          <a:lstStyle/>
-          <a:p>
-            <a:pPr defTabSz="685800"/>
-            <a:endParaRPr lang="zh-CN" altLang="en-US" sz="2400" b="1" dirty="0">
-              <a:solidFill>
-                <a:schemeClr val="tx1">
-                  <a:lumMod val="75000"/>
-                  <a:lumOff val="25000"/>
-                </a:schemeClr>
-              </a:solidFill>
-              <a:latin typeface="思源黑体 CN Bold" panose="020B0800000000000000" pitchFamily="34" charset="-122"/>
-              <a:ea typeface="思源黑体 CN Bold" panose="020B0800000000000000" pitchFamily="34" charset="-122"/>
-              <a:cs typeface="+mn-ea"/>
-              <a:sym typeface="+mn-lt"/>
-            </a:endParaRPr>
-          </a:p>
-        </p:txBody>
-      </p:sp>
-      <p:sp>
-        <p:nvSpPr>
-          <p:cNvPr id="6" name="文字方塊 5"/>
-          <p:cNvSpPr txBox="1"/>
-          <p:nvPr/>
-        </p:nvSpPr>
-        <p:spPr>
-          <a:xfrm>
-            <a:off x="1790007" y="1829084"/>
-            <a:ext cx="10113818" cy="3170099"/>
-          </a:xfrm>
-          <a:prstGeom prst="rect">
-            <a:avLst/>
-          </a:prstGeom>
-          <a:noFill/>
-        </p:spPr>
-        <p:txBody>
-          <a:bodyPr wrap="square" rtlCol="0">
-            <a:spAutoFit/>
-          </a:bodyPr>
-          <a:lstStyle/>
-          <a:p>
-            <a:pPr marL="0" marR="0" lvl="0" indent="0" algn="l" defTabSz="914400" rtl="0" eaLnBrk="1" fontAlgn="auto" latinLnBrk="0" hangingPunct="1">
-              <a:lnSpc>
-                <a:spcPct val="100000"/>
-              </a:lnSpc>
-              <a:spcBef>
-                <a:spcPts val="0"/>
-              </a:spcBef>
-              <a:spcAft>
-                <a:spcPts val="0"/>
-              </a:spcAft>
-              <a:buClrTx/>
-              <a:buSzTx/>
-              <a:buFontTx/>
-              <a:buNone/>
-              <a:tabLst/>
-              <a:defRPr/>
-            </a:pPr>
-            <a:r>
-              <a:rPr kumimoji="0" lang="zh-TW" altLang="en-US" sz="4000" b="1" i="0" u="none" strike="noStrike" kern="1200" cap="none" spc="0" normalizeH="0" baseline="0" noProof="0" dirty="0" smtClean="0">
-                <a:ln>
-                  <a:noFill/>
-                </a:ln>
-                <a:solidFill>
-                  <a:schemeClr val="tx1">
-                    <a:lumMod val="75000"/>
-                    <a:lumOff val="25000"/>
-                  </a:schemeClr>
-                </a:solidFill>
-                <a:effectLst/>
-                <a:uLnTx/>
-                <a:uFillTx/>
-                <a:latin typeface="微軟正黑體" panose="020B0604030504040204" pitchFamily="34" charset="-120"/>
-                <a:ea typeface="微軟正黑體" panose="020B0604030504040204" pitchFamily="34" charset="-120"/>
-              </a:rPr>
-              <a:t>布林通道由三條線組成</a:t>
-            </a:r>
-            <a:endParaRPr kumimoji="0" lang="en-US" altLang="zh-TW" sz="4000" b="1" i="0" u="none" strike="noStrike" kern="1200" cap="none" spc="0" normalizeH="0" baseline="0" noProof="0" dirty="0" smtClean="0">
-              <a:ln>
-                <a:noFill/>
-              </a:ln>
-              <a:solidFill>
-                <a:schemeClr val="tx1">
-                  <a:lumMod val="75000"/>
-                  <a:lumOff val="25000"/>
-                </a:schemeClr>
-              </a:solidFill>
-              <a:effectLst/>
-              <a:uLnTx/>
-              <a:uFillTx/>
-              <a:latin typeface="微軟正黑體" panose="020B0604030504040204" pitchFamily="34" charset="-120"/>
-              <a:ea typeface="微軟正黑體" panose="020B0604030504040204" pitchFamily="34" charset="-120"/>
-            </a:endParaRPr>
-          </a:p>
-          <a:p>
-            <a:pPr marL="742950" marR="0" lvl="0" indent="-742950" algn="l" defTabSz="914400" rtl="0" eaLnBrk="1" fontAlgn="auto" latinLnBrk="0" hangingPunct="1">
-              <a:lnSpc>
-                <a:spcPct val="100000"/>
-              </a:lnSpc>
-              <a:spcBef>
-                <a:spcPts val="0"/>
-              </a:spcBef>
-              <a:spcAft>
-                <a:spcPts val="0"/>
-              </a:spcAft>
-              <a:buClrTx/>
-              <a:buSzTx/>
-              <a:buFontTx/>
-              <a:buAutoNum type="arabicPeriod"/>
-              <a:tabLst/>
-              <a:defRPr/>
-            </a:pPr>
-            <a:r>
-              <a:rPr lang="zh-TW" altLang="en-US" sz="4000" b="1" dirty="0" smtClean="0">
-                <a:solidFill>
-                  <a:schemeClr val="tx1">
-                    <a:lumMod val="75000"/>
-                    <a:lumOff val="25000"/>
-                  </a:schemeClr>
-                </a:solidFill>
-                <a:latin typeface="微軟正黑體" panose="020B0604030504040204" pitchFamily="34" charset="-120"/>
-                <a:ea typeface="微軟正黑體" panose="020B0604030504040204" pitchFamily="34" charset="-120"/>
-              </a:rPr>
-              <a:t>當前價格</a:t>
-            </a:r>
-            <a:endParaRPr lang="en-US" altLang="zh-TW" sz="4000" b="1" dirty="0" smtClean="0">
-              <a:solidFill>
-                <a:schemeClr val="tx1">
-                  <a:lumMod val="75000"/>
-                  <a:lumOff val="25000"/>
-                </a:schemeClr>
-              </a:solidFill>
-              <a:latin typeface="微軟正黑體" panose="020B0604030504040204" pitchFamily="34" charset="-120"/>
-              <a:ea typeface="微軟正黑體" panose="020B0604030504040204" pitchFamily="34" charset="-120"/>
-            </a:endParaRPr>
-          </a:p>
-          <a:p>
-            <a:pPr marL="742950" marR="0" lvl="0" indent="-742950" algn="l" defTabSz="914400" rtl="0" eaLnBrk="1" fontAlgn="auto" latinLnBrk="0" hangingPunct="1">
-              <a:lnSpc>
-                <a:spcPct val="100000"/>
-              </a:lnSpc>
-              <a:spcBef>
-                <a:spcPts val="0"/>
-              </a:spcBef>
-              <a:spcAft>
-                <a:spcPts val="0"/>
-              </a:spcAft>
-              <a:buClrTx/>
-              <a:buSzTx/>
-              <a:buFontTx/>
-              <a:buAutoNum type="arabicPeriod"/>
-              <a:tabLst/>
-              <a:defRPr/>
-            </a:pPr>
-            <a:r>
-              <a:rPr kumimoji="0" lang="en-US" altLang="zh-TW" sz="4000" b="1" i="0" u="none" strike="noStrike" kern="1200" cap="none" spc="0" normalizeH="0" baseline="0" noProof="0" dirty="0" smtClean="0">
-                <a:ln>
-                  <a:noFill/>
-                </a:ln>
-                <a:solidFill>
-                  <a:schemeClr val="tx1">
-                    <a:lumMod val="75000"/>
-                    <a:lumOff val="25000"/>
-                  </a:schemeClr>
-                </a:solidFill>
-                <a:effectLst/>
-                <a:uLnTx/>
-                <a:uFillTx/>
-                <a:latin typeface="微軟正黑體" panose="020B0604030504040204" pitchFamily="34" charset="-120"/>
-                <a:ea typeface="微軟正黑體" panose="020B0604030504040204" pitchFamily="34" charset="-120"/>
-              </a:rPr>
-              <a:t>20</a:t>
-            </a:r>
-            <a:r>
-              <a:rPr kumimoji="0" lang="zh-TW" altLang="en-US" sz="4000" b="1" i="0" u="none" strike="noStrike" kern="1200" cap="none" spc="0" normalizeH="0" baseline="0" noProof="0" dirty="0" smtClean="0">
-                <a:ln>
-                  <a:noFill/>
-                </a:ln>
-                <a:solidFill>
-                  <a:schemeClr val="tx1">
-                    <a:lumMod val="75000"/>
-                    <a:lumOff val="25000"/>
-                  </a:schemeClr>
-                </a:solidFill>
-                <a:effectLst/>
-                <a:uLnTx/>
-                <a:uFillTx/>
-                <a:latin typeface="微軟正黑體" panose="020B0604030504040204" pitchFamily="34" charset="-120"/>
-                <a:ea typeface="微軟正黑體" panose="020B0604030504040204" pitchFamily="34" charset="-120"/>
-              </a:rPr>
-              <a:t>天的移動平均線 </a:t>
-            </a:r>
-            <a:r>
-              <a:rPr kumimoji="0" lang="en-US" altLang="zh-TW" sz="4000" b="1" i="0" u="none" strike="noStrike" kern="1200" cap="none" spc="0" normalizeH="0" baseline="0" noProof="0" dirty="0" smtClean="0">
-                <a:ln>
-                  <a:noFill/>
-                </a:ln>
-                <a:solidFill>
-                  <a:schemeClr val="tx1">
-                    <a:lumMod val="75000"/>
-                    <a:lumOff val="25000"/>
-                  </a:schemeClr>
-                </a:solidFill>
-                <a:effectLst/>
-                <a:uLnTx/>
-                <a:uFillTx/>
-                <a:latin typeface="微軟正黑體" panose="020B0604030504040204" pitchFamily="34" charset="-120"/>
-                <a:ea typeface="微軟正黑體" panose="020B0604030504040204" pitchFamily="34" charset="-120"/>
-              </a:rPr>
-              <a:t>+</a:t>
-            </a:r>
-            <a:r>
-              <a:rPr kumimoji="0" lang="zh-TW" altLang="en-US" sz="4000" b="1" i="0" u="none" strike="noStrike" kern="1200" cap="none" spc="0" normalizeH="0" baseline="0" noProof="0" dirty="0" smtClean="0">
-                <a:ln>
-                  <a:noFill/>
-                </a:ln>
-                <a:solidFill>
-                  <a:schemeClr val="tx1">
-                    <a:lumMod val="75000"/>
-                    <a:lumOff val="25000"/>
-                  </a:schemeClr>
-                </a:solidFill>
-                <a:effectLst/>
-                <a:uLnTx/>
-                <a:uFillTx/>
-                <a:latin typeface="微軟正黑體" panose="020B0604030504040204" pitchFamily="34" charset="-120"/>
-                <a:ea typeface="微軟正黑體" panose="020B0604030504040204" pitchFamily="34" charset="-120"/>
-              </a:rPr>
-              <a:t> </a:t>
-            </a:r>
-            <a:r>
-              <a:rPr lang="zh-TW" altLang="en-US" sz="4000" b="1" dirty="0" smtClean="0">
-                <a:solidFill>
-                  <a:schemeClr val="tx1">
-                    <a:lumMod val="75000"/>
-                    <a:lumOff val="25000"/>
-                  </a:schemeClr>
-                </a:solidFill>
-                <a:latin typeface="微軟正黑體" panose="020B0604030504040204" pitchFamily="34" charset="-120"/>
-                <a:ea typeface="微軟正黑體" panose="020B0604030504040204" pitchFamily="34" charset="-120"/>
-              </a:rPr>
-              <a:t>兩倍標準差</a:t>
-            </a:r>
-            <a:endParaRPr lang="en-US" altLang="zh-TW" sz="4000" b="1" dirty="0" smtClean="0">
-              <a:solidFill>
-                <a:schemeClr val="tx1">
-                  <a:lumMod val="75000"/>
-                  <a:lumOff val="25000"/>
-                </a:schemeClr>
-              </a:solidFill>
-              <a:latin typeface="微軟正黑體" panose="020B0604030504040204" pitchFamily="34" charset="-120"/>
-              <a:ea typeface="微軟正黑體" panose="020B0604030504040204" pitchFamily="34" charset="-120"/>
-            </a:endParaRPr>
-          </a:p>
-          <a:p>
-            <a:r>
-              <a:rPr kumimoji="0" lang="en-US" altLang="zh-TW" sz="4000" b="1" i="0" u="none" strike="noStrike" kern="1200" cap="none" spc="0" normalizeH="0" baseline="0" noProof="0" dirty="0" smtClean="0">
-                <a:ln>
-                  <a:noFill/>
-                </a:ln>
-                <a:solidFill>
-                  <a:schemeClr val="tx1">
-                    <a:lumMod val="75000"/>
-                    <a:lumOff val="25000"/>
-                  </a:schemeClr>
-                </a:solidFill>
-                <a:effectLst/>
-                <a:uLnTx/>
-                <a:uFillTx/>
-                <a:latin typeface="微軟正黑體" panose="020B0604030504040204" pitchFamily="34" charset="-120"/>
-                <a:ea typeface="微軟正黑體" panose="020B0604030504040204" pitchFamily="34" charset="-120"/>
-              </a:rPr>
-              <a:t>3.</a:t>
-            </a:r>
-            <a:r>
-              <a:rPr kumimoji="0" lang="zh-TW" altLang="en-US" sz="4000" b="1" i="0" u="none" strike="noStrike" kern="1200" cap="none" spc="0" normalizeH="0" baseline="0" noProof="0" dirty="0" smtClean="0">
-                <a:ln>
-                  <a:noFill/>
-                </a:ln>
-                <a:solidFill>
-                  <a:schemeClr val="tx1">
-                    <a:lumMod val="75000"/>
-                    <a:lumOff val="25000"/>
-                  </a:schemeClr>
-                </a:solidFill>
-                <a:effectLst/>
-                <a:uLnTx/>
-                <a:uFillTx/>
-                <a:latin typeface="微軟正黑體" panose="020B0604030504040204" pitchFamily="34" charset="-120"/>
-                <a:ea typeface="微軟正黑體" panose="020B0604030504040204" pitchFamily="34" charset="-120"/>
-              </a:rPr>
-              <a:t>   </a:t>
-            </a:r>
-            <a:r>
-              <a:rPr lang="en-US" altLang="zh-TW" sz="4000" b="1" dirty="0" smtClean="0">
-                <a:solidFill>
-                  <a:schemeClr val="tx1">
-                    <a:lumMod val="75000"/>
-                    <a:lumOff val="25000"/>
-                  </a:schemeClr>
-                </a:solidFill>
-                <a:latin typeface="微軟正黑體" panose="020B0604030504040204" pitchFamily="34" charset="-120"/>
-                <a:ea typeface="微軟正黑體" panose="020B0604030504040204" pitchFamily="34" charset="-120"/>
-              </a:rPr>
-              <a:t>20</a:t>
-            </a:r>
-            <a:r>
-              <a:rPr lang="zh-TW" altLang="en-US" sz="4000" b="1" dirty="0">
-                <a:solidFill>
-                  <a:schemeClr val="tx1">
-                    <a:lumMod val="75000"/>
-                    <a:lumOff val="25000"/>
-                  </a:schemeClr>
-                </a:solidFill>
-                <a:latin typeface="微軟正黑體" panose="020B0604030504040204" pitchFamily="34" charset="-120"/>
-                <a:ea typeface="微軟正黑體" panose="020B0604030504040204" pitchFamily="34" charset="-120"/>
-              </a:rPr>
-              <a:t>天的移動平均線 </a:t>
-            </a:r>
-            <a:r>
-              <a:rPr lang="en-US" altLang="zh-TW" sz="4000" b="1" dirty="0" smtClean="0">
-                <a:solidFill>
-                  <a:schemeClr val="tx1">
-                    <a:lumMod val="75000"/>
-                    <a:lumOff val="25000"/>
-                  </a:schemeClr>
-                </a:solidFill>
-                <a:latin typeface="微軟正黑體" panose="020B0604030504040204" pitchFamily="34" charset="-120"/>
-                <a:ea typeface="微軟正黑體" panose="020B0604030504040204" pitchFamily="34" charset="-120"/>
-              </a:rPr>
-              <a:t>-</a:t>
-            </a:r>
-            <a:r>
-              <a:rPr lang="zh-TW" altLang="en-US" sz="4000" b="1" dirty="0" smtClean="0">
-                <a:solidFill>
-                  <a:schemeClr val="tx1">
-                    <a:lumMod val="75000"/>
-                    <a:lumOff val="25000"/>
-                  </a:schemeClr>
-                </a:solidFill>
-                <a:latin typeface="微軟正黑體" panose="020B0604030504040204" pitchFamily="34" charset="-120"/>
-                <a:ea typeface="微軟正黑體" panose="020B0604030504040204" pitchFamily="34" charset="-120"/>
-              </a:rPr>
-              <a:t>  兩倍標準差</a:t>
-            </a:r>
-            <a:endParaRPr lang="zh-TW" altLang="en-US" sz="4000" b="1" dirty="0">
-              <a:solidFill>
-                <a:schemeClr val="tx1">
-                  <a:lumMod val="75000"/>
-                  <a:lumOff val="25000"/>
-                </a:schemeClr>
-              </a:solidFill>
-              <a:latin typeface="微軟正黑體" panose="020B0604030504040204" pitchFamily="34" charset="-120"/>
-              <a:ea typeface="微軟正黑體" panose="020B0604030504040204" pitchFamily="34" charset="-120"/>
-            </a:endParaRPr>
-          </a:p>
-          <a:p>
-            <a:pPr marL="0" marR="0" lvl="0" indent="0" algn="l" defTabSz="914400" rtl="0" eaLnBrk="1" fontAlgn="auto" latinLnBrk="0" hangingPunct="1">
-              <a:lnSpc>
-                <a:spcPct val="100000"/>
-              </a:lnSpc>
-              <a:spcBef>
-                <a:spcPts val="0"/>
-              </a:spcBef>
-              <a:spcAft>
-                <a:spcPts val="0"/>
-              </a:spcAft>
-              <a:buClrTx/>
-              <a:buSzTx/>
-              <a:buFontTx/>
-              <a:buNone/>
-              <a:tabLst/>
-              <a:defRPr/>
-            </a:pPr>
-            <a:endParaRPr kumimoji="0" lang="zh-TW" altLang="en-US" sz="4000" b="1" i="0" u="none" strike="noStrike" kern="1200" cap="none" spc="0" normalizeH="0" baseline="0" noProof="0" dirty="0" smtClean="0">
-              <a:ln>
-                <a:noFill/>
-              </a:ln>
-              <a:solidFill>
-                <a:schemeClr val="tx1">
-                  <a:lumMod val="75000"/>
-                  <a:lumOff val="25000"/>
-                </a:schemeClr>
-              </a:solidFill>
-              <a:effectLst/>
-              <a:uLnTx/>
-              <a:uFillTx/>
-              <a:latin typeface="微軟正黑體" panose="020B0604030504040204" pitchFamily="34" charset="-120"/>
-              <a:ea typeface="微軟正黑體" panose="020B0604030504040204" pitchFamily="34" charset="-120"/>
-            </a:endParaRPr>
-          </a:p>
-        </p:txBody>
-      </p:sp>
+      </p:pic>
     </p:spTree>
     <p:extLst>
       <p:ext uri="{BB962C8B-B14F-4D97-AF65-F5344CB8AC3E}">
-        <p14:creationId xmlns:p14="http://schemas.microsoft.com/office/powerpoint/2010/main" val="3862359517"/>
+        <p14:creationId xmlns:p14="http://schemas.microsoft.com/office/powerpoint/2010/main" val="134129590"/>
       </p:ext>
     </p:extLst>
   </p:cSld>
@@ -11551,94 +11026,6 @@
       </p:grpSpPr>
       <p:sp>
         <p:nvSpPr>
-          <p:cNvPr id="2" name="標題 1"/>
-          <p:cNvSpPr>
-            <a:spLocks noGrp="1"/>
-          </p:cNvSpPr>
-          <p:nvPr>
-            <p:ph type="title"/>
-          </p:nvPr>
-        </p:nvSpPr>
-        <p:spPr/>
-        <p:txBody>
-          <a:bodyPr/>
-          <a:lstStyle/>
-          <a:p>
-            <a:endParaRPr lang="zh-TW" altLang="en-US"/>
-          </a:p>
-        </p:txBody>
-      </p:sp>
-      <p:pic>
-        <p:nvPicPr>
-          <p:cNvPr id="4" name="內容版面配置區 3"/>
-          <p:cNvPicPr>
-            <a:picLocks noGrp="1" noChangeAspect="1"/>
-          </p:cNvPicPr>
-          <p:nvPr>
-            <p:ph idx="1"/>
-          </p:nvPr>
-        </p:nvPicPr>
-        <p:blipFill>
-          <a:blip r:embed="rId2" cstate="print">
-            <a:extLst>
-              <a:ext uri="{28A0092B-C50C-407E-A947-70E740481C1C}">
-                <a14:useLocalDpi xmlns:a14="http://schemas.microsoft.com/office/drawing/2010/main" val="0"/>
-              </a:ext>
-            </a:extLst>
-          </a:blip>
-          <a:stretch>
-            <a:fillRect/>
-          </a:stretch>
-        </p:blipFill>
-        <p:spPr>
-          <a:xfrm>
-            <a:off x="813262" y="0"/>
-            <a:ext cx="10565476" cy="6858000"/>
-          </a:xfrm>
-        </p:spPr>
-      </p:pic>
-    </p:spTree>
-    <p:extLst>
-      <p:ext uri="{BB962C8B-B14F-4D97-AF65-F5344CB8AC3E}">
-        <p14:creationId xmlns:p14="http://schemas.microsoft.com/office/powerpoint/2010/main" val="134129590"/>
-      </p:ext>
-    </p:extLst>
-  </p:cSld>
-  <p:clrMapOvr>
-    <a:masterClrMapping/>
-  </p:clrMapOvr>
-  <p:transition spd="slow">
-    <p:push dir="u"/>
-  </p:transition>
-  <p:timing>
-    <p:tnLst>
-      <p:par>
-        <p:cTn id="1" dur="indefinite" restart="never" nodeType="tmRoot"/>
-      </p:par>
-    </p:tnLst>
-  </p:timing>
-</p:sld>
-</file>
-
-<file path=ppt/slides/slide21.xml><?xml version="1.0" encoding="utf-8"?>
-<p:sld xmlns:a="http://schemas.openxmlformats.org/drawingml/2006/main" xmlns:r="http://schemas.openxmlformats.org/officeDocument/2006/relationships" xmlns:p="http://schemas.openxmlformats.org/presentationml/2006/main">
-  <p:cSld>
-    <p:spTree>
-      <p:nvGrpSpPr>
-        <p:cNvPr id="1" name=""/>
-        <p:cNvGrpSpPr/>
-        <p:nvPr/>
-      </p:nvGrpSpPr>
-      <p:grpSpPr>
-        <a:xfrm>
-          <a:off x="0" y="0"/>
-          <a:ext cx="0" cy="0"/>
-          <a:chOff x="0" y="0"/>
-          <a:chExt cx="0" cy="0"/>
-        </a:xfrm>
-      </p:grpSpPr>
-      <p:sp>
-        <p:nvSpPr>
           <p:cNvPr id="4" name="TextBox 1956"/>
           <p:cNvSpPr/>
           <p:nvPr/>
@@ -11801,7 +11188,20 @@
                 <a:latin typeface="微軟正黑體" panose="020B0604030504040204" pitchFamily="34" charset="-120"/>
                 <a:ea typeface="微軟正黑體" panose="020B0604030504040204" pitchFamily="34" charset="-120"/>
               </a:rPr>
-              <a:t>簡單來說，如果我們相信股價是</a:t>
+              <a:t>簡單來說，如果我們</a:t>
+            </a:r>
+            <a:r>
+              <a:rPr lang="zh-TW" altLang="en-US" sz="3600" b="1" dirty="0" smtClean="0">
+                <a:solidFill>
+                  <a:schemeClr val="tx1">
+                    <a:lumMod val="75000"/>
+                    <a:lumOff val="25000"/>
+                  </a:schemeClr>
+                </a:solidFill>
+                <a:latin typeface="微軟正黑體" panose="020B0604030504040204" pitchFamily="34" charset="-120"/>
+                <a:ea typeface="微軟正黑體" panose="020B0604030504040204" pitchFamily="34" charset="-120"/>
+              </a:rPr>
+              <a:t>相信價格是</a:t>
             </a:r>
             <a:r>
               <a:rPr lang="en-US" altLang="zh-TW" sz="3600" b="1" dirty="0" smtClean="0">
@@ -12057,7 +11457,7 @@
 </p:sld>
 </file>
 
-<file path=ppt/slides/slide22.xml><?xml version="1.0" encoding="utf-8"?>
+<file path=ppt/slides/slide21.xml><?xml version="1.0" encoding="utf-8"?>
 <p:sld xmlns:a="http://schemas.openxmlformats.org/drawingml/2006/main" xmlns:r="http://schemas.openxmlformats.org/officeDocument/2006/relationships" xmlns:p="http://schemas.openxmlformats.org/presentationml/2006/main">
   <p:cSld>
     <p:spTree>
@@ -12357,7 +11757,7 @@
 </p:sld>
 </file>
 
-<file path=ppt/slides/slide23.xml><?xml version="1.0" encoding="utf-8"?>
+<file path=ppt/slides/slide22.xml><?xml version="1.0" encoding="utf-8"?>
 <p:sld xmlns:a="http://schemas.openxmlformats.org/drawingml/2006/main" xmlns:r="http://schemas.openxmlformats.org/officeDocument/2006/relationships" xmlns:p="http://schemas.openxmlformats.org/presentationml/2006/main">
   <p:cSld>
     <p:spTree>
@@ -12978,7 +12378,7 @@
 </p:sld>
 </file>
 
-<file path=ppt/slides/slide24.xml><?xml version="1.0" encoding="utf-8"?>
+<file path=ppt/slides/slide23.xml><?xml version="1.0" encoding="utf-8"?>
 <p:sld xmlns:a="http://schemas.openxmlformats.org/drawingml/2006/main" xmlns:r="http://schemas.openxmlformats.org/officeDocument/2006/relationships" xmlns:p="http://schemas.openxmlformats.org/presentationml/2006/main">
   <p:cSld>
     <p:spTree>

--- a/政大ppt.pptx
+++ b/政大ppt.pptx
@@ -5,7 +5,7 @@
     <p:sldMasterId id="2147483648" r:id="rId1"/>
   </p:sldMasterIdLst>
   <p:notesMasterIdLst>
-    <p:notesMasterId r:id="rId25"/>
+    <p:notesMasterId r:id="rId28"/>
   </p:notesMasterIdLst>
   <p:sldIdLst>
     <p:sldId id="256" r:id="rId2"/>
@@ -16,26 +16,29 @@
     <p:sldId id="287" r:id="rId7"/>
     <p:sldId id="308" r:id="rId8"/>
     <p:sldId id="288" r:id="rId9"/>
-    <p:sldId id="289" r:id="rId10"/>
-    <p:sldId id="290" r:id="rId11"/>
-    <p:sldId id="291" r:id="rId12"/>
-    <p:sldId id="292" r:id="rId13"/>
-    <p:sldId id="294" r:id="rId14"/>
-    <p:sldId id="295" r:id="rId15"/>
-    <p:sldId id="296" r:id="rId16"/>
-    <p:sldId id="298" r:id="rId17"/>
-    <p:sldId id="300" r:id="rId18"/>
-    <p:sldId id="301" r:id="rId19"/>
-    <p:sldId id="304" r:id="rId20"/>
-    <p:sldId id="306" r:id="rId21"/>
-    <p:sldId id="307" r:id="rId22"/>
-    <p:sldId id="268" r:id="rId23"/>
-    <p:sldId id="282" r:id="rId24"/>
+    <p:sldId id="309" r:id="rId10"/>
+    <p:sldId id="289" r:id="rId11"/>
+    <p:sldId id="290" r:id="rId12"/>
+    <p:sldId id="291" r:id="rId13"/>
+    <p:sldId id="292" r:id="rId14"/>
+    <p:sldId id="294" r:id="rId15"/>
+    <p:sldId id="295" r:id="rId16"/>
+    <p:sldId id="296" r:id="rId17"/>
+    <p:sldId id="298" r:id="rId18"/>
+    <p:sldId id="300" r:id="rId19"/>
+    <p:sldId id="301" r:id="rId20"/>
+    <p:sldId id="304" r:id="rId21"/>
+    <p:sldId id="306" r:id="rId22"/>
+    <p:sldId id="307" r:id="rId23"/>
+    <p:sldId id="268" r:id="rId24"/>
+    <p:sldId id="311" r:id="rId25"/>
+    <p:sldId id="312" r:id="rId26"/>
+    <p:sldId id="282" r:id="rId27"/>
   </p:sldIdLst>
   <p:sldSz cx="12192000" cy="6858000"/>
   <p:notesSz cx="6858000" cy="9144000"/>
   <p:custDataLst>
-    <p:tags r:id="rId26"/>
+    <p:tags r:id="rId29"/>
   </p:custDataLst>
   <p:defaultTextStyle>
     <a:defPPr>
@@ -233,7 +236,7 @@
           <a:p>
             <a:fld id="{A4D371F4-B49E-4375-B4EB-31B3EAF04CFE}" type="datetimeFigureOut">
               <a:rPr lang="zh-CN" altLang="en-US" smtClean="0"/>
-              <a:t>2018/10/31</a:t>
+              <a:t>2018/11/1</a:t>
             </a:fld>
             <a:endParaRPr lang="zh-CN" altLang="en-US"/>
           </a:p>
@@ -650,7 +653,7 @@
           <a:p>
             <a:fld id="{FD6B9276-3D5B-46B9-8FB9-3C5C11460D11}" type="slidenum">
               <a:rPr lang="zh-CN" altLang="en-US" smtClean="0"/>
-              <a:t>10</a:t>
+              <a:t>11</a:t>
             </a:fld>
             <a:endParaRPr lang="zh-CN" altLang="en-US"/>
           </a:p>
@@ -734,7 +737,7 @@
           <a:p>
             <a:fld id="{FD6B9276-3D5B-46B9-8FB9-3C5C11460D11}" type="slidenum">
               <a:rPr lang="zh-CN" altLang="en-US" smtClean="0"/>
-              <a:t>11</a:t>
+              <a:t>12</a:t>
             </a:fld>
             <a:endParaRPr lang="zh-CN" altLang="en-US"/>
           </a:p>
@@ -818,7 +821,7 @@
           <a:p>
             <a:fld id="{FD6B9276-3D5B-46B9-8FB9-3C5C11460D11}" type="slidenum">
               <a:rPr lang="zh-CN" altLang="en-US" smtClean="0"/>
-              <a:t>12</a:t>
+              <a:t>13</a:t>
             </a:fld>
             <a:endParaRPr lang="zh-CN" altLang="en-US"/>
           </a:p>
@@ -902,7 +905,7 @@
           <a:p>
             <a:fld id="{FD6B9276-3D5B-46B9-8FB9-3C5C11460D11}" type="slidenum">
               <a:rPr lang="zh-CN" altLang="en-US" smtClean="0"/>
-              <a:t>13</a:t>
+              <a:t>14</a:t>
             </a:fld>
             <a:endParaRPr lang="zh-CN" altLang="en-US"/>
           </a:p>
@@ -986,7 +989,7 @@
           <a:p>
             <a:fld id="{FD6B9276-3D5B-46B9-8FB9-3C5C11460D11}" type="slidenum">
               <a:rPr lang="zh-CN" altLang="en-US" smtClean="0"/>
-              <a:t>14</a:t>
+              <a:t>15</a:t>
             </a:fld>
             <a:endParaRPr lang="zh-CN" altLang="en-US"/>
           </a:p>
@@ -1070,7 +1073,7 @@
           <a:p>
             <a:fld id="{FD6B9276-3D5B-46B9-8FB9-3C5C11460D11}" type="slidenum">
               <a:rPr lang="zh-CN" altLang="en-US" smtClean="0"/>
-              <a:t>15</a:t>
+              <a:t>16</a:t>
             </a:fld>
             <a:endParaRPr lang="zh-CN" altLang="en-US"/>
           </a:p>
@@ -1154,7 +1157,7 @@
           <a:p>
             <a:fld id="{FD6B9276-3D5B-46B9-8FB9-3C5C11460D11}" type="slidenum">
               <a:rPr lang="zh-CN" altLang="en-US" smtClean="0"/>
-              <a:t>16</a:t>
+              <a:t>17</a:t>
             </a:fld>
             <a:endParaRPr lang="zh-CN" altLang="en-US"/>
           </a:p>
@@ -1238,7 +1241,7 @@
           <a:p>
             <a:fld id="{FD6B9276-3D5B-46B9-8FB9-3C5C11460D11}" type="slidenum">
               <a:rPr lang="zh-CN" altLang="en-US" smtClean="0"/>
-              <a:t>17</a:t>
+              <a:t>18</a:t>
             </a:fld>
             <a:endParaRPr lang="zh-CN" altLang="en-US"/>
           </a:p>
@@ -1322,7 +1325,7 @@
           <a:p>
             <a:fld id="{FD6B9276-3D5B-46B9-8FB9-3C5C11460D11}" type="slidenum">
               <a:rPr lang="zh-CN" altLang="en-US" smtClean="0"/>
-              <a:t>18</a:t>
+              <a:t>19</a:t>
             </a:fld>
             <a:endParaRPr lang="zh-CN" altLang="en-US"/>
           </a:p>
@@ -1406,7 +1409,7 @@
           <a:p>
             <a:fld id="{FD6B9276-3D5B-46B9-8FB9-3C5C11460D11}" type="slidenum">
               <a:rPr lang="zh-CN" altLang="en-US" smtClean="0"/>
-              <a:t>20</a:t>
+              <a:t>21</a:t>
             </a:fld>
             <a:endParaRPr lang="zh-CN" altLang="en-US"/>
           </a:p>
@@ -1574,7 +1577,7 @@
           <a:p>
             <a:fld id="{FD6B9276-3D5B-46B9-8FB9-3C5C11460D11}" type="slidenum">
               <a:rPr lang="zh-CN" altLang="en-US" smtClean="0"/>
-              <a:t>22</a:t>
+              <a:t>23</a:t>
             </a:fld>
             <a:endParaRPr lang="zh-CN" altLang="en-US"/>
           </a:p>
@@ -1658,7 +1661,175 @@
           <a:p>
             <a:fld id="{FD6B9276-3D5B-46B9-8FB9-3C5C11460D11}" type="slidenum">
               <a:rPr lang="zh-CN" altLang="en-US" smtClean="0"/>
-              <a:t>23</a:t>
+              <a:t>24</a:t>
+            </a:fld>
+            <a:endParaRPr lang="zh-CN" altLang="en-US"/>
+          </a:p>
+        </p:txBody>
+      </p:sp>
+    </p:spTree>
+    <p:extLst>
+      <p:ext uri="{BB962C8B-B14F-4D97-AF65-F5344CB8AC3E}">
+        <p14:creationId xmlns:p14="http://schemas.microsoft.com/office/powerpoint/2010/main" val="113596814"/>
+      </p:ext>
+    </p:extLst>
+  </p:cSld>
+  <p:clrMapOvr>
+    <a:masterClrMapping/>
+  </p:clrMapOvr>
+</p:notes>
+</file>
+
+<file path=ppt/notesSlides/notesSlide22.xml><?xml version="1.0" encoding="utf-8"?>
+<p:notes xmlns:a="http://schemas.openxmlformats.org/drawingml/2006/main" xmlns:r="http://schemas.openxmlformats.org/officeDocument/2006/relationships" xmlns:p="http://schemas.openxmlformats.org/presentationml/2006/main">
+  <p:cSld>
+    <p:spTree>
+      <p:nvGrpSpPr>
+        <p:cNvPr id="1" name=""/>
+        <p:cNvGrpSpPr/>
+        <p:nvPr/>
+      </p:nvGrpSpPr>
+      <p:grpSpPr>
+        <a:xfrm>
+          <a:off x="0" y="0"/>
+          <a:ext cx="0" cy="0"/>
+          <a:chOff x="0" y="0"/>
+          <a:chExt cx="0" cy="0"/>
+        </a:xfrm>
+      </p:grpSpPr>
+      <p:sp>
+        <p:nvSpPr>
+          <p:cNvPr id="2" name="幻灯片图像占位符 1"/>
+          <p:cNvSpPr>
+            <a:spLocks noGrp="1" noRot="1" noChangeAspect="1"/>
+          </p:cNvSpPr>
+          <p:nvPr>
+            <p:ph type="sldImg"/>
+          </p:nvPr>
+        </p:nvSpPr>
+        <p:spPr/>
+      </p:sp>
+      <p:sp>
+        <p:nvSpPr>
+          <p:cNvPr id="3" name="备注占位符 2"/>
+          <p:cNvSpPr>
+            <a:spLocks noGrp="1"/>
+          </p:cNvSpPr>
+          <p:nvPr>
+            <p:ph type="body" idx="1"/>
+          </p:nvPr>
+        </p:nvSpPr>
+        <p:spPr/>
+        <p:txBody>
+          <a:bodyPr/>
+          <a:lstStyle/>
+          <a:p>
+            <a:endParaRPr lang="zh-CN" altLang="en-US"/>
+          </a:p>
+        </p:txBody>
+      </p:sp>
+      <p:sp>
+        <p:nvSpPr>
+          <p:cNvPr id="4" name="灯片编号占位符 3"/>
+          <p:cNvSpPr>
+            <a:spLocks noGrp="1"/>
+          </p:cNvSpPr>
+          <p:nvPr>
+            <p:ph type="sldNum" sz="quarter" idx="10"/>
+          </p:nvPr>
+        </p:nvSpPr>
+        <p:spPr/>
+        <p:txBody>
+          <a:bodyPr/>
+          <a:lstStyle/>
+          <a:p>
+            <a:fld id="{FD6B9276-3D5B-46B9-8FB9-3C5C11460D11}" type="slidenum">
+              <a:rPr lang="zh-CN" altLang="en-US" smtClean="0"/>
+              <a:t>25</a:t>
+            </a:fld>
+            <a:endParaRPr lang="zh-CN" altLang="en-US"/>
+          </a:p>
+        </p:txBody>
+      </p:sp>
+    </p:spTree>
+    <p:extLst>
+      <p:ext uri="{BB962C8B-B14F-4D97-AF65-F5344CB8AC3E}">
+        <p14:creationId xmlns:p14="http://schemas.microsoft.com/office/powerpoint/2010/main" val="1175157208"/>
+      </p:ext>
+    </p:extLst>
+  </p:cSld>
+  <p:clrMapOvr>
+    <a:masterClrMapping/>
+  </p:clrMapOvr>
+</p:notes>
+</file>
+
+<file path=ppt/notesSlides/notesSlide23.xml><?xml version="1.0" encoding="utf-8"?>
+<p:notes xmlns:a="http://schemas.openxmlformats.org/drawingml/2006/main" xmlns:r="http://schemas.openxmlformats.org/officeDocument/2006/relationships" xmlns:p="http://schemas.openxmlformats.org/presentationml/2006/main">
+  <p:cSld>
+    <p:spTree>
+      <p:nvGrpSpPr>
+        <p:cNvPr id="1" name=""/>
+        <p:cNvGrpSpPr/>
+        <p:nvPr/>
+      </p:nvGrpSpPr>
+      <p:grpSpPr>
+        <a:xfrm>
+          <a:off x="0" y="0"/>
+          <a:ext cx="0" cy="0"/>
+          <a:chOff x="0" y="0"/>
+          <a:chExt cx="0" cy="0"/>
+        </a:xfrm>
+      </p:grpSpPr>
+      <p:sp>
+        <p:nvSpPr>
+          <p:cNvPr id="2" name="幻灯片图像占位符 1"/>
+          <p:cNvSpPr>
+            <a:spLocks noGrp="1" noRot="1" noChangeAspect="1"/>
+          </p:cNvSpPr>
+          <p:nvPr>
+            <p:ph type="sldImg"/>
+          </p:nvPr>
+        </p:nvSpPr>
+        <p:spPr/>
+      </p:sp>
+      <p:sp>
+        <p:nvSpPr>
+          <p:cNvPr id="3" name="备注占位符 2"/>
+          <p:cNvSpPr>
+            <a:spLocks noGrp="1"/>
+          </p:cNvSpPr>
+          <p:nvPr>
+            <p:ph type="body" idx="1"/>
+          </p:nvPr>
+        </p:nvSpPr>
+        <p:spPr/>
+        <p:txBody>
+          <a:bodyPr/>
+          <a:lstStyle/>
+          <a:p>
+            <a:endParaRPr lang="zh-CN" altLang="en-US"/>
+          </a:p>
+        </p:txBody>
+      </p:sp>
+      <p:sp>
+        <p:nvSpPr>
+          <p:cNvPr id="4" name="灯片编号占位符 3"/>
+          <p:cNvSpPr>
+            <a:spLocks noGrp="1"/>
+          </p:cNvSpPr>
+          <p:nvPr>
+            <p:ph type="sldNum" sz="quarter" idx="10"/>
+          </p:nvPr>
+        </p:nvSpPr>
+        <p:spPr/>
+        <p:txBody>
+          <a:bodyPr/>
+          <a:lstStyle/>
+          <a:p>
+            <a:fld id="{FD6B9276-3D5B-46B9-8FB9-3C5C11460D11}" type="slidenum">
+              <a:rPr lang="zh-CN" altLang="en-US" smtClean="0"/>
+              <a:t>26</a:t>
             </a:fld>
             <a:endParaRPr lang="zh-CN" altLang="en-US"/>
           </a:p>
@@ -2246,7 +2417,7 @@
           <a:p>
             <a:fld id="{FD6B9276-3D5B-46B9-8FB9-3C5C11460D11}" type="slidenum">
               <a:rPr lang="zh-CN" altLang="en-US" smtClean="0"/>
-              <a:t>9</a:t>
+              <a:t>10</a:t>
             </a:fld>
             <a:endParaRPr lang="zh-CN" altLang="en-US"/>
           </a:p>
@@ -3245,7 +3416,7 @@
           <a:p>
             <a:fld id="{C944953B-A6FC-4252-9D65-5D435A04F887}" type="datetimeFigureOut">
               <a:rPr lang="zh-CN" altLang="en-US" smtClean="0"/>
-              <a:t>2018/10/31</a:t>
+              <a:t>2018/11/1</a:t>
             </a:fld>
             <a:endParaRPr lang="zh-CN" altLang="en-US"/>
           </a:p>
@@ -3425,7 +3596,7 @@
           <a:p>
             <a:fld id="{C944953B-A6FC-4252-9D65-5D435A04F887}" type="datetimeFigureOut">
               <a:rPr lang="zh-CN" altLang="en-US" smtClean="0"/>
-              <a:t>2018/10/31</a:t>
+              <a:t>2018/11/1</a:t>
             </a:fld>
             <a:endParaRPr lang="zh-CN" altLang="en-US"/>
           </a:p>
@@ -3595,7 +3766,7 @@
           <a:p>
             <a:fld id="{C944953B-A6FC-4252-9D65-5D435A04F887}" type="datetimeFigureOut">
               <a:rPr lang="zh-CN" altLang="en-US" smtClean="0"/>
-              <a:t>2018/10/31</a:t>
+              <a:t>2018/11/1</a:t>
             </a:fld>
             <a:endParaRPr lang="zh-CN" altLang="en-US"/>
           </a:p>
@@ -3841,7 +4012,7 @@
           <a:p>
             <a:fld id="{C944953B-A6FC-4252-9D65-5D435A04F887}" type="datetimeFigureOut">
               <a:rPr lang="zh-CN" altLang="en-US" smtClean="0"/>
-              <a:t>2018/10/31</a:t>
+              <a:t>2018/11/1</a:t>
             </a:fld>
             <a:endParaRPr lang="zh-CN" altLang="en-US"/>
           </a:p>
@@ -4073,7 +4244,7 @@
           <a:p>
             <a:fld id="{C944953B-A6FC-4252-9D65-5D435A04F887}" type="datetimeFigureOut">
               <a:rPr lang="zh-CN" altLang="en-US" smtClean="0"/>
-              <a:t>2018/10/31</a:t>
+              <a:t>2018/11/1</a:t>
             </a:fld>
             <a:endParaRPr lang="zh-CN" altLang="en-US"/>
           </a:p>
@@ -4440,7 +4611,7 @@
           <a:p>
             <a:fld id="{C944953B-A6FC-4252-9D65-5D435A04F887}" type="datetimeFigureOut">
               <a:rPr lang="zh-CN" altLang="en-US" smtClean="0"/>
-              <a:t>2018/10/31</a:t>
+              <a:t>2018/11/1</a:t>
             </a:fld>
             <a:endParaRPr lang="zh-CN" altLang="en-US"/>
           </a:p>
@@ -4558,7 +4729,7 @@
           <a:p>
             <a:fld id="{C944953B-A6FC-4252-9D65-5D435A04F887}" type="datetimeFigureOut">
               <a:rPr lang="zh-CN" altLang="en-US" smtClean="0"/>
-              <a:t>2018/10/31</a:t>
+              <a:t>2018/11/1</a:t>
             </a:fld>
             <a:endParaRPr lang="zh-CN" altLang="en-US"/>
           </a:p>
@@ -4653,7 +4824,7 @@
           <a:p>
             <a:fld id="{C944953B-A6FC-4252-9D65-5D435A04F887}" type="datetimeFigureOut">
               <a:rPr lang="zh-CN" altLang="en-US" smtClean="0"/>
-              <a:t>2018/10/31</a:t>
+              <a:t>2018/11/1</a:t>
             </a:fld>
             <a:endParaRPr lang="zh-CN" altLang="en-US"/>
           </a:p>
@@ -4930,7 +5101,7 @@
           <a:p>
             <a:fld id="{C944953B-A6FC-4252-9D65-5D435A04F887}" type="datetimeFigureOut">
               <a:rPr lang="zh-CN" altLang="en-US" smtClean="0"/>
-              <a:t>2018/10/31</a:t>
+              <a:t>2018/11/1</a:t>
             </a:fld>
             <a:endParaRPr lang="zh-CN" altLang="en-US"/>
           </a:p>
@@ -5183,7 +5354,7 @@
           <a:p>
             <a:fld id="{C944953B-A6FC-4252-9D65-5D435A04F887}" type="datetimeFigureOut">
               <a:rPr lang="zh-CN" altLang="en-US" smtClean="0"/>
-              <a:t>2018/10/31</a:t>
+              <a:t>2018/11/1</a:t>
             </a:fld>
             <a:endParaRPr lang="zh-CN" altLang="en-US"/>
           </a:p>
@@ -5396,7 +5567,7 @@
           <a:p>
             <a:fld id="{C944953B-A6FC-4252-9D65-5D435A04F887}" type="datetimeFigureOut">
               <a:rPr lang="zh-CN" altLang="en-US" smtClean="0"/>
-              <a:t>2018/10/31</a:t>
+              <a:t>2018/11/1</a:t>
             </a:fld>
             <a:endParaRPr lang="zh-CN" altLang="en-US"/>
           </a:p>
@@ -5907,8 +6078,8 @@
         </p:nvSpPr>
         <p:spPr>
           <a:xfrm>
-            <a:off x="4801557" y="3851489"/>
-            <a:ext cx="4703398" cy="315471"/>
+            <a:off x="4801557" y="3877247"/>
+            <a:ext cx="4703398" cy="500137"/>
           </a:xfrm>
           <a:prstGeom prst="rect">
             <a:avLst/>
@@ -5928,7 +6099,7 @@
           <a:p>
             <a:pPr defTabSz="685800" eaLnBrk="0" hangingPunct="0"/>
             <a:r>
-              <a:rPr lang="zh-TW" altLang="en-US" sz="1600" dirty="0" smtClean="0">
+              <a:rPr lang="zh-TW" altLang="en-US" sz="2800" dirty="0" smtClean="0">
                 <a:latin typeface="微软雅黑"/>
                 <a:ea typeface="微软雅黑"/>
                 <a:cs typeface="+mn-ea"/>
@@ -5937,7 +6108,7 @@
               <a:t>政大區塊鏈研究社</a:t>
             </a:r>
             <a:r>
-              <a:rPr lang="en-US" altLang="zh-CN" sz="1600" dirty="0" smtClean="0">
+              <a:rPr lang="en-US" altLang="zh-CN" sz="2800" dirty="0" smtClean="0">
                 <a:latin typeface="微软雅黑"/>
                 <a:ea typeface="微软雅黑"/>
                 <a:cs typeface="+mn-ea"/>
@@ -5946,7 +6117,7 @@
               <a:t>- </a:t>
             </a:r>
             <a:r>
-              <a:rPr lang="en-US" altLang="zh-TW" sz="1600" dirty="0" smtClean="0">
+              <a:rPr lang="en-US" altLang="zh-TW" sz="2800" dirty="0" smtClean="0">
                 <a:latin typeface="微软雅黑"/>
                 <a:ea typeface="微软雅黑"/>
                 <a:cs typeface="+mn-ea"/>
@@ -5954,7 +6125,7 @@
               </a:rPr>
               <a:t>11/01</a:t>
             </a:r>
-            <a:endParaRPr lang="zh-CN" altLang="en-US" sz="1600" dirty="0">
+            <a:endParaRPr lang="zh-CN" altLang="en-US" sz="2800" dirty="0">
               <a:latin typeface="微软雅黑"/>
               <a:ea typeface="微软雅黑"/>
               <a:cs typeface="+mn-ea"/>
@@ -5971,8 +6142,8 @@
         </p:nvSpPr>
         <p:spPr>
           <a:xfrm>
-            <a:off x="4801557" y="3339330"/>
-            <a:ext cx="4533262" cy="374571"/>
+            <a:off x="4801557" y="3240433"/>
+            <a:ext cx="3428043" cy="578882"/>
           </a:xfrm>
           <a:prstGeom prst="roundRect">
             <a:avLst/>
@@ -5992,7 +6163,7 @@
           <a:p>
             <a:pPr defTabSz="685800"/>
             <a:r>
-              <a:rPr lang="zh-TW" altLang="en-US" sz="1600" dirty="0" smtClean="0">
+              <a:rPr lang="zh-TW" altLang="en-US" sz="2800" dirty="0" smtClean="0">
                 <a:solidFill>
                   <a:prstClr val="white"/>
                 </a:solidFill>
@@ -6004,7 +6175,7 @@
               <a:t>廖冠豪 </a:t>
             </a:r>
             <a:r>
-              <a:rPr lang="en-US" altLang="zh-CN" sz="1600" dirty="0" smtClean="0">
+              <a:rPr lang="en-US" altLang="zh-CN" sz="2800" dirty="0" smtClean="0">
                 <a:solidFill>
                   <a:prstClr val="white"/>
                 </a:solidFill>
@@ -6015,7 +6186,7 @@
               </a:rPr>
               <a:t>Ashe Liao</a:t>
             </a:r>
-            <a:endParaRPr lang="zh-CN" altLang="en-US" sz="1600" dirty="0">
+            <a:endParaRPr lang="zh-CN" altLang="en-US" sz="2800" dirty="0">
               <a:solidFill>
                 <a:prstClr val="white"/>
               </a:solidFill>
@@ -6036,7 +6207,7 @@
         <p:grpSpPr>
           <a:xfrm>
             <a:off x="4391230" y="2391860"/>
-            <a:ext cx="132770" cy="1724700"/>
+            <a:ext cx="169100" cy="1959766"/>
             <a:chOff x="995161" y="2391860"/>
             <a:chExt cx="135370" cy="1758474"/>
           </a:xfrm>
@@ -6204,9 +6375,9 @@
                     <a:lumOff val="25000"/>
                   </a:schemeClr>
                 </a:solidFill>
-                <a:latin typeface="思源黑体 CN Bold" panose="020B0800000000000000" pitchFamily="34" charset="-122"/>
-                <a:ea typeface="思源黑体 CN Bold" panose="020B0800000000000000" pitchFamily="34" charset="-122"/>
-                <a:cs typeface="+mn-ea"/>
+                <a:latin typeface="Microsoft JhengHei" charset="-120"/>
+                <a:ea typeface="Microsoft JhengHei" charset="-120"/>
+                <a:cs typeface="Microsoft JhengHei" charset="-120"/>
                 <a:sym typeface="+mn-lt"/>
               </a:rPr>
               <a:t>均線理論 </a:t>
@@ -6219,9 +6390,9 @@
                     <a:lumOff val="25000"/>
                   </a:schemeClr>
                 </a:solidFill>
-                <a:latin typeface="思源黑体 CN Bold" panose="020B0800000000000000" pitchFamily="34" charset="-122"/>
-                <a:ea typeface="思源黑体 CN Bold" panose="020B0800000000000000" pitchFamily="34" charset="-122"/>
-                <a:cs typeface="+mn-ea"/>
+                <a:latin typeface="Microsoft JhengHei" charset="-120"/>
+                <a:ea typeface="Microsoft JhengHei" charset="-120"/>
+                <a:cs typeface="Microsoft JhengHei" charset="-120"/>
                 <a:sym typeface="+mn-lt"/>
               </a:rPr>
               <a:t>Moving Average</a:t>
@@ -6233,10 +6404,170 @@
                   <a:lumOff val="25000"/>
                 </a:schemeClr>
               </a:solidFill>
-              <a:latin typeface="思源黑体 CN Bold" panose="020B0800000000000000" pitchFamily="34" charset="-122"/>
-              <a:ea typeface="思源黑体 CN Bold" panose="020B0800000000000000" pitchFamily="34" charset="-122"/>
-              <a:cs typeface="+mn-ea"/>
+              <a:latin typeface="Microsoft JhengHei" charset="-120"/>
+              <a:ea typeface="Microsoft JhengHei" charset="-120"/>
+              <a:cs typeface="Microsoft JhengHei" charset="-120"/>
               <a:sym typeface="+mn-lt"/>
+            </a:endParaRPr>
+          </a:p>
+        </p:txBody>
+      </p:sp>
+      <p:sp>
+        <p:nvSpPr>
+          <p:cNvPr id="8" name="TextBox 1956"/>
+          <p:cNvSpPr/>
+          <p:nvPr/>
+        </p:nvSpPr>
+        <p:spPr>
+          <a:xfrm>
+            <a:off x="1619090" y="1740505"/>
+            <a:ext cx="8996264" cy="830997"/>
+          </a:xfrm>
+          <a:prstGeom prst="rect">
+            <a:avLst/>
+          </a:prstGeom>
+          <a:noFill/>
+          <a:ln w="9525">
+            <a:noFill/>
+            <a:miter/>
+          </a:ln>
+        </p:spPr>
+        <p:txBody>
+          <a:bodyPr wrap="square">
+            <a:spAutoFit/>
+          </a:bodyPr>
+          <a:lstStyle/>
+          <a:p>
+            <a:pPr lvl="0" defTabSz="685800"/>
+            <a:r>
+              <a:rPr lang="en-US" altLang="zh-TW" sz="2400" b="1" dirty="0" smtClean="0">
+                <a:solidFill>
+                  <a:schemeClr val="tx1">
+                    <a:lumMod val="75000"/>
+                    <a:lumOff val="25000"/>
+                  </a:schemeClr>
+                </a:solidFill>
+                <a:latin typeface="微軟正黑體" panose="020B0604030504040204" pitchFamily="34" charset="-120"/>
+                <a:ea typeface="微軟正黑體" panose="020B0604030504040204" pitchFamily="34" charset="-120"/>
+              </a:rPr>
+              <a:t>N</a:t>
+            </a:r>
+            <a:r>
+              <a:rPr lang="zh-TW" altLang="en-US" sz="2400" b="1" dirty="0" smtClean="0">
+                <a:solidFill>
+                  <a:schemeClr val="tx1">
+                    <a:lumMod val="75000"/>
+                    <a:lumOff val="25000"/>
+                  </a:schemeClr>
+                </a:solidFill>
+                <a:latin typeface="微軟正黑體" panose="020B0604030504040204" pitchFamily="34" charset="-120"/>
+                <a:ea typeface="微軟正黑體" panose="020B0604030504040204" pitchFamily="34" charset="-120"/>
+              </a:rPr>
+              <a:t>日均線</a:t>
+            </a:r>
+            <a:r>
+              <a:rPr lang="en-US" altLang="zh-TW" sz="2400" b="1" dirty="0" smtClean="0">
+                <a:solidFill>
+                  <a:schemeClr val="tx1">
+                    <a:lumMod val="75000"/>
+                    <a:lumOff val="25000"/>
+                  </a:schemeClr>
+                </a:solidFill>
+                <a:latin typeface="微軟正黑體" panose="020B0604030504040204" pitchFamily="34" charset="-120"/>
+                <a:ea typeface="微軟正黑體" panose="020B0604030504040204" pitchFamily="34" charset="-120"/>
+              </a:rPr>
+              <a:t>:</a:t>
+            </a:r>
+          </a:p>
+          <a:p>
+            <a:pPr lvl="0" defTabSz="685800"/>
+            <a:r>
+              <a:rPr lang="zh-TW" altLang="en-US" sz="2400" b="1" dirty="0" smtClean="0">
+                <a:solidFill>
+                  <a:schemeClr val="tx1">
+                    <a:lumMod val="75000"/>
+                    <a:lumOff val="25000"/>
+                  </a:schemeClr>
+                </a:solidFill>
+                <a:latin typeface="微軟正黑體" panose="020B0604030504040204" pitchFamily="34" charset="-120"/>
+                <a:ea typeface="微軟正黑體" panose="020B0604030504040204" pitchFamily="34" charset="-120"/>
+              </a:rPr>
+              <a:t>過去</a:t>
+            </a:r>
+            <a:r>
+              <a:rPr lang="en-US" altLang="zh-TW" sz="2400" b="1" dirty="0" smtClean="0">
+                <a:solidFill>
+                  <a:schemeClr val="tx1">
+                    <a:lumMod val="75000"/>
+                    <a:lumOff val="25000"/>
+                  </a:schemeClr>
+                </a:solidFill>
+                <a:latin typeface="微軟正黑體" panose="020B0604030504040204" pitchFamily="34" charset="-120"/>
+                <a:ea typeface="微軟正黑體" panose="020B0604030504040204" pitchFamily="34" charset="-120"/>
+              </a:rPr>
+              <a:t>N</a:t>
+            </a:r>
+            <a:r>
+              <a:rPr lang="zh-TW" altLang="en-US" sz="2400" b="1" dirty="0" smtClean="0">
+                <a:solidFill>
+                  <a:schemeClr val="tx1">
+                    <a:lumMod val="75000"/>
+                    <a:lumOff val="25000"/>
+                  </a:schemeClr>
+                </a:solidFill>
+                <a:latin typeface="微軟正黑體" panose="020B0604030504040204" pitchFamily="34" charset="-120"/>
+                <a:ea typeface="微軟正黑體" panose="020B0604030504040204" pitchFamily="34" charset="-120"/>
+              </a:rPr>
+              <a:t>日的價格平均畫成的線，可以代表過去</a:t>
+            </a:r>
+            <a:r>
+              <a:rPr lang="en-US" altLang="zh-TW" sz="2400" b="1" dirty="0" smtClean="0">
+                <a:solidFill>
+                  <a:schemeClr val="tx1">
+                    <a:lumMod val="75000"/>
+                    <a:lumOff val="25000"/>
+                  </a:schemeClr>
+                </a:solidFill>
+                <a:latin typeface="微軟正黑體" panose="020B0604030504040204" pitchFamily="34" charset="-120"/>
+                <a:ea typeface="微軟正黑體" panose="020B0604030504040204" pitchFamily="34" charset="-120"/>
+              </a:rPr>
+              <a:t>N</a:t>
+            </a:r>
+            <a:r>
+              <a:rPr lang="zh-TW" altLang="en-US" sz="2400" b="1" dirty="0" smtClean="0">
+                <a:solidFill>
+                  <a:schemeClr val="tx1">
+                    <a:lumMod val="75000"/>
+                    <a:lumOff val="25000"/>
+                  </a:schemeClr>
+                </a:solidFill>
+                <a:latin typeface="微軟正黑體" panose="020B0604030504040204" pitchFamily="34" charset="-120"/>
+                <a:ea typeface="微軟正黑體" panose="020B0604030504040204" pitchFamily="34" charset="-120"/>
+              </a:rPr>
+              <a:t>日購入者的</a:t>
+            </a:r>
+            <a:r>
+              <a:rPr lang="zh-TW" altLang="en-US" sz="2400" b="1" dirty="0" smtClean="0">
+                <a:solidFill>
+                  <a:schemeClr val="tx1">
+                    <a:lumMod val="75000"/>
+                    <a:lumOff val="25000"/>
+                  </a:schemeClr>
+                </a:solidFill>
+                <a:latin typeface="微軟正黑體" panose="020B0604030504040204" pitchFamily="34" charset="-120"/>
+                <a:ea typeface="微軟正黑體" panose="020B0604030504040204" pitchFamily="34" charset="-120"/>
+              </a:rPr>
+              <a:t>成本</a:t>
+            </a:r>
+            <a:endParaRPr lang="zh-TW" altLang="en-US" sz="2400" b="1" dirty="0" smtClean="0">
+              <a:solidFill>
+                <a:schemeClr val="tx1">
+                  <a:lumMod val="75000"/>
+                  <a:lumOff val="25000"/>
+                </a:schemeClr>
+              </a:solidFill>
+              <a:latin typeface="微軟正黑體" panose="020B0604030504040204" pitchFamily="34" charset="-120"/>
+              <a:ea typeface="微軟正黑體" panose="020B0604030504040204" pitchFamily="34" charset="-120"/>
             </a:endParaRPr>
           </a:p>
         </p:txBody>
@@ -6291,8 +6622,8 @@
         </p:nvSpPr>
         <p:spPr>
           <a:xfrm>
-            <a:off x="1619090" y="2444638"/>
-            <a:ext cx="8996264" cy="1938992"/>
+            <a:off x="1619090" y="2848869"/>
+            <a:ext cx="8996264" cy="3046988"/>
           </a:xfrm>
           <a:prstGeom prst="rect">
             <a:avLst/>
@@ -6309,11 +6640,8 @@
           </a:bodyPr>
           <a:lstStyle/>
           <a:p>
-            <a:pPr lvl="0">
-              <a:defRPr/>
-            </a:pPr>
-            <a:r>
-              <a:rPr lang="zh-TW" altLang="en-US" sz="2400" b="1" dirty="0">
+            <a:r>
+              <a:rPr lang="zh-TW" altLang="en-US" sz="2400" b="1" dirty="0" smtClean="0">
                 <a:solidFill>
                   <a:schemeClr val="tx1">
                     <a:lumMod val="75000"/>
@@ -6323,10 +6651,10 @@
                 <a:latin typeface="微軟正黑體" panose="020B0604030504040204" pitchFamily="34" charset="-120"/>
                 <a:ea typeface="微軟正黑體" panose="020B0604030504040204" pitchFamily="34" charset="-120"/>
               </a:rPr>
-              <a:t>若三種均線均向下，</a:t>
-            </a:r>
-            <a:r>
-              <a:rPr lang="zh-TW" altLang="en-US" sz="2400" b="1" dirty="0" smtClean="0">
+              <a:t>超短期均線</a:t>
+            </a:r>
+            <a:r>
+              <a:rPr lang="en-US" altLang="zh-TW" sz="2400" b="1" dirty="0">
                 <a:solidFill>
                   <a:schemeClr val="tx1">
                     <a:lumMod val="75000"/>
@@ -6336,8 +6664,75 @@
                 <a:latin typeface="微軟正黑體" panose="020B0604030504040204" pitchFamily="34" charset="-120"/>
                 <a:ea typeface="微軟正黑體" panose="020B0604030504040204" pitchFamily="34" charset="-120"/>
               </a:rPr>
-              <a:t>代表空頭</a:t>
-            </a:r>
+              <a:t>(</a:t>
+            </a:r>
+            <a:r>
+              <a:rPr lang="en-US" altLang="zh-TW" sz="2400" b="1" dirty="0" smtClean="0">
+                <a:solidFill>
+                  <a:schemeClr val="tx1">
+                    <a:lumMod val="75000"/>
+                    <a:lumOff val="25000"/>
+                  </a:schemeClr>
+                </a:solidFill>
+                <a:latin typeface="微軟正黑體" panose="020B0604030504040204" pitchFamily="34" charset="-120"/>
+                <a:ea typeface="微軟正黑體" panose="020B0604030504040204" pitchFamily="34" charset="-120"/>
+              </a:rPr>
+              <a:t>5</a:t>
+            </a:r>
+            <a:r>
+              <a:rPr lang="zh-TW" altLang="en-US" sz="2400" b="1" dirty="0" smtClean="0">
+                <a:solidFill>
+                  <a:schemeClr val="tx1">
+                    <a:lumMod val="75000"/>
+                    <a:lumOff val="25000"/>
+                  </a:schemeClr>
+                </a:solidFill>
+                <a:latin typeface="微軟正黑體" panose="020B0604030504040204" pitchFamily="34" charset="-120"/>
+                <a:ea typeface="微軟正黑體" panose="020B0604030504040204" pitchFamily="34" charset="-120"/>
+              </a:rPr>
+              <a:t>分</a:t>
+            </a:r>
+            <a:r>
+              <a:rPr lang="en-US" altLang="zh-TW" sz="2400" b="1" dirty="0" smtClean="0">
+                <a:solidFill>
+                  <a:schemeClr val="tx1">
+                    <a:lumMod val="75000"/>
+                    <a:lumOff val="25000"/>
+                  </a:schemeClr>
+                </a:solidFill>
+                <a:latin typeface="微軟正黑體" panose="020B0604030504040204" pitchFamily="34" charset="-120"/>
+                <a:ea typeface="微軟正黑體" panose="020B0604030504040204" pitchFamily="34" charset="-120"/>
+              </a:rPr>
+              <a:t>, 30</a:t>
+            </a:r>
+            <a:r>
+              <a:rPr lang="zh-TW" altLang="en-US" sz="2400" b="1" dirty="0" smtClean="0">
+                <a:solidFill>
+                  <a:schemeClr val="tx1">
+                    <a:lumMod val="75000"/>
+                    <a:lumOff val="25000"/>
+                  </a:schemeClr>
+                </a:solidFill>
+                <a:latin typeface="微軟正黑體" panose="020B0604030504040204" pitchFamily="34" charset="-120"/>
+                <a:ea typeface="微軟正黑體" panose="020B0604030504040204" pitchFamily="34" charset="-120"/>
+              </a:rPr>
+              <a:t>分</a:t>
+            </a:r>
+            <a:r>
+              <a:rPr lang="en-US" altLang="zh-TW" sz="2400" b="1" dirty="0" smtClean="0">
+                <a:solidFill>
+                  <a:schemeClr val="tx1">
+                    <a:lumMod val="75000"/>
+                    <a:lumOff val="25000"/>
+                  </a:schemeClr>
+                </a:solidFill>
+                <a:latin typeface="微軟正黑體" panose="020B0604030504040204" pitchFamily="34" charset="-120"/>
+                <a:ea typeface="微軟正黑體" panose="020B0604030504040204" pitchFamily="34" charset="-120"/>
+              </a:rPr>
+              <a:t>)</a:t>
+            </a:r>
+          </a:p>
+          <a:p>
             <a:endParaRPr lang="en-US" altLang="zh-TW" sz="2400" b="1" dirty="0">
               <a:solidFill>
                 <a:schemeClr val="tx1">
@@ -6350,11 +6745,8 @@
             </a:endParaRPr>
           </a:p>
           <a:p>
-            <a:pPr lvl="0">
-              <a:defRPr/>
-            </a:pPr>
-            <a:r>
-              <a:rPr lang="zh-TW" altLang="en-US" sz="2400" b="1" dirty="0">
+            <a:r>
+              <a:rPr lang="zh-TW" altLang="en-US" sz="2400" b="1" dirty="0" smtClean="0">
                 <a:solidFill>
                   <a:schemeClr val="tx1">
                     <a:lumMod val="75000"/>
@@ -6364,10 +6756,10 @@
                 <a:latin typeface="微軟正黑體" panose="020B0604030504040204" pitchFamily="34" charset="-120"/>
                 <a:ea typeface="微軟正黑體" panose="020B0604030504040204" pitchFamily="34" charset="-120"/>
               </a:rPr>
-              <a:t>反之，若三種均線均</a:t>
-            </a:r>
-            <a:r>
-              <a:rPr lang="zh-TW" altLang="en-US" sz="2400" b="1" dirty="0" smtClean="0">
+              <a:t>短期</a:t>
+            </a:r>
+            <a:r>
+              <a:rPr lang="zh-TW" altLang="en-US" sz="2400" b="1" dirty="0">
                 <a:solidFill>
                   <a:schemeClr val="tx1">
                     <a:lumMod val="75000"/>
@@ -6377,10 +6769,10 @@
                 <a:latin typeface="微軟正黑體" panose="020B0604030504040204" pitchFamily="34" charset="-120"/>
                 <a:ea typeface="微軟正黑體" panose="020B0604030504040204" pitchFamily="34" charset="-120"/>
               </a:rPr>
-              <a:t>向上，則</a:t>
-            </a:r>
-            <a:r>
-              <a:rPr lang="zh-TW" altLang="en-US" sz="2400" b="1" dirty="0">
+              <a:t>均線</a:t>
+            </a:r>
+            <a:r>
+              <a:rPr lang="en-US" altLang="zh-TW" sz="2400" b="1" dirty="0">
                 <a:solidFill>
                   <a:schemeClr val="tx1">
                     <a:lumMod val="75000"/>
@@ -6390,10 +6782,10 @@
                 <a:latin typeface="微軟正黑體" panose="020B0604030504040204" pitchFamily="34" charset="-120"/>
                 <a:ea typeface="微軟正黑體" panose="020B0604030504040204" pitchFamily="34" charset="-120"/>
               </a:rPr>
-              <a:t>為</a:t>
-            </a:r>
-            <a:r>
-              <a:rPr lang="zh-TW" altLang="en-US" sz="2400" b="1" dirty="0" smtClean="0">
+              <a:t>(5</a:t>
+            </a:r>
+            <a:r>
+              <a:rPr lang="zh-TW" altLang="en-US" sz="2400" b="1" dirty="0">
                 <a:solidFill>
                   <a:schemeClr val="tx1">
                     <a:lumMod val="75000"/>
@@ -6403,8 +6795,49 @@
                 <a:latin typeface="微軟正黑體" panose="020B0604030504040204" pitchFamily="34" charset="-120"/>
                 <a:ea typeface="微軟正黑體" panose="020B0604030504040204" pitchFamily="34" charset="-120"/>
               </a:rPr>
-              <a:t>多頭</a:t>
-            </a:r>
+              <a:t>日、</a:t>
+            </a:r>
+            <a:r>
+              <a:rPr lang="en-US" altLang="zh-TW" sz="2400" b="1" dirty="0">
+                <a:solidFill>
+                  <a:schemeClr val="tx1">
+                    <a:lumMod val="75000"/>
+                    <a:lumOff val="25000"/>
+                  </a:schemeClr>
+                </a:solidFill>
+                <a:latin typeface="微軟正黑體" panose="020B0604030504040204" pitchFamily="34" charset="-120"/>
+                <a:ea typeface="微軟正黑體" panose="020B0604030504040204" pitchFamily="34" charset="-120"/>
+              </a:rPr>
+              <a:t>10</a:t>
+            </a:r>
+            <a:r>
+              <a:rPr lang="zh-TW" altLang="en-US" sz="2400" b="1" dirty="0">
+                <a:solidFill>
+                  <a:schemeClr val="tx1">
+                    <a:lumMod val="75000"/>
+                    <a:lumOff val="25000"/>
+                  </a:schemeClr>
+                </a:solidFill>
+                <a:latin typeface="微軟正黑體" panose="020B0604030504040204" pitchFamily="34" charset="-120"/>
+                <a:ea typeface="微軟正黑體" panose="020B0604030504040204" pitchFamily="34" charset="-120"/>
+              </a:rPr>
+              <a:t>日</a:t>
+            </a:r>
+            <a:r>
+              <a:rPr lang="en-US" altLang="zh-TW" sz="2400" b="1" dirty="0">
+                <a:solidFill>
+                  <a:schemeClr val="tx1">
+                    <a:lumMod val="75000"/>
+                    <a:lumOff val="25000"/>
+                  </a:schemeClr>
+                </a:solidFill>
+                <a:latin typeface="微軟正黑體" panose="020B0604030504040204" pitchFamily="34" charset="-120"/>
+                <a:ea typeface="微軟正黑體" panose="020B0604030504040204" pitchFamily="34" charset="-120"/>
+              </a:rPr>
+              <a:t>)</a:t>
+            </a:r>
+          </a:p>
+          <a:p>
             <a:endParaRPr lang="en-US" altLang="zh-TW" sz="2400" b="1" dirty="0">
               <a:solidFill>
                 <a:schemeClr val="tx1">
@@ -6417,9 +6850,86 @@
             </a:endParaRPr>
           </a:p>
           <a:p>
-            <a:pPr lvl="0">
-              <a:defRPr/>
-            </a:pPr>
+            <a:r>
+              <a:rPr lang="zh-TW" altLang="en-US" sz="2400" b="1" dirty="0">
+                <a:solidFill>
+                  <a:schemeClr val="tx1">
+                    <a:lumMod val="75000"/>
+                    <a:lumOff val="25000"/>
+                  </a:schemeClr>
+                </a:solidFill>
+                <a:latin typeface="微軟正黑體" panose="020B0604030504040204" pitchFamily="34" charset="-120"/>
+                <a:ea typeface="微軟正黑體" panose="020B0604030504040204" pitchFamily="34" charset="-120"/>
+              </a:rPr>
+              <a:t>中期均線</a:t>
+            </a:r>
+            <a:r>
+              <a:rPr lang="en-US" altLang="zh-TW" sz="2400" b="1" dirty="0">
+                <a:solidFill>
+                  <a:schemeClr val="tx1">
+                    <a:lumMod val="75000"/>
+                    <a:lumOff val="25000"/>
+                  </a:schemeClr>
+                </a:solidFill>
+                <a:latin typeface="微軟正黑體" panose="020B0604030504040204" pitchFamily="34" charset="-120"/>
+                <a:ea typeface="微軟正黑體" panose="020B0604030504040204" pitchFamily="34" charset="-120"/>
+              </a:rPr>
+              <a:t>(30</a:t>
+            </a:r>
+            <a:r>
+              <a:rPr lang="zh-TW" altLang="en-US" sz="2400" b="1" dirty="0">
+                <a:solidFill>
+                  <a:schemeClr val="tx1">
+                    <a:lumMod val="75000"/>
+                    <a:lumOff val="25000"/>
+                  </a:schemeClr>
+                </a:solidFill>
+                <a:latin typeface="微軟正黑體" panose="020B0604030504040204" pitchFamily="34" charset="-120"/>
+                <a:ea typeface="微軟正黑體" panose="020B0604030504040204" pitchFamily="34" charset="-120"/>
+              </a:rPr>
+              <a:t>日、</a:t>
+            </a:r>
+            <a:r>
+              <a:rPr lang="en-US" altLang="zh-TW" sz="2400" b="1" dirty="0">
+                <a:solidFill>
+                  <a:schemeClr val="tx1">
+                    <a:lumMod val="75000"/>
+                    <a:lumOff val="25000"/>
+                  </a:schemeClr>
+                </a:solidFill>
+                <a:latin typeface="微軟正黑體" panose="020B0604030504040204" pitchFamily="34" charset="-120"/>
+                <a:ea typeface="微軟正黑體" panose="020B0604030504040204" pitchFamily="34" charset="-120"/>
+              </a:rPr>
+              <a:t>60</a:t>
+            </a:r>
+            <a:r>
+              <a:rPr lang="zh-TW" altLang="en-US" sz="2400" b="1" dirty="0">
+                <a:solidFill>
+                  <a:schemeClr val="tx1">
+                    <a:lumMod val="75000"/>
+                    <a:lumOff val="25000"/>
+                  </a:schemeClr>
+                </a:solidFill>
+                <a:latin typeface="微軟正黑體" panose="020B0604030504040204" pitchFamily="34" charset="-120"/>
+                <a:ea typeface="微軟正黑體" panose="020B0604030504040204" pitchFamily="34" charset="-120"/>
+              </a:rPr>
+              <a:t>日</a:t>
+            </a:r>
+            <a:r>
+              <a:rPr lang="en-US" altLang="zh-TW" sz="2400" b="1" dirty="0">
+                <a:solidFill>
+                  <a:schemeClr val="tx1">
+                    <a:lumMod val="75000"/>
+                    <a:lumOff val="25000"/>
+                  </a:schemeClr>
+                </a:solidFill>
+                <a:latin typeface="微軟正黑體" panose="020B0604030504040204" pitchFamily="34" charset="-120"/>
+                <a:ea typeface="微軟正黑體" panose="020B0604030504040204" pitchFamily="34" charset="-120"/>
+              </a:rPr>
+              <a:t>)</a:t>
+            </a:r>
+          </a:p>
+          <a:p>
             <a:endParaRPr lang="en-US" altLang="zh-TW" sz="2400" b="1" dirty="0">
               <a:solidFill>
                 <a:schemeClr val="tx1">
@@ -6432,9 +6942,6 @@
             </a:endParaRPr>
           </a:p>
           <a:p>
-            <a:pPr lvl="0">
-              <a:defRPr/>
-            </a:pPr>
             <a:r>
               <a:rPr lang="zh-TW" altLang="en-US" sz="2400" b="1" dirty="0">
                 <a:solidFill>
@@ -6446,19 +6953,20 @@
                 <a:latin typeface="微軟正黑體" panose="020B0604030504040204" pitchFamily="34" charset="-120"/>
                 <a:ea typeface="微軟正黑體" panose="020B0604030504040204" pitchFamily="34" charset="-120"/>
               </a:rPr>
-              <a:t>均線可以做為</a:t>
-            </a:r>
-            <a:r>
-              <a:rPr lang="zh-TW" altLang="en-US" sz="2400" b="1" dirty="0">
-                <a:solidFill>
-                  <a:schemeClr val="accent2">
-                    <a:lumMod val="50000"/>
+              <a:t>長期均線</a:t>
+            </a:r>
+            <a:r>
+              <a:rPr lang="en-US" altLang="zh-TW" sz="2400" b="1" dirty="0">
+                <a:solidFill>
+                  <a:schemeClr val="tx1">
+                    <a:lumMod val="75000"/>
+                    <a:lumOff val="25000"/>
                   </a:schemeClr>
                 </a:solidFill>
                 <a:latin typeface="微軟正黑體" panose="020B0604030504040204" pitchFamily="34" charset="-120"/>
                 <a:ea typeface="微軟正黑體" panose="020B0604030504040204" pitchFamily="34" charset="-120"/>
               </a:rPr>
-              <a:t>型態確認、多空轉換</a:t>
+              <a:t>(90</a:t>
             </a:r>
             <a:r>
               <a:rPr lang="zh-TW" altLang="en-US" sz="2400" b="1" dirty="0">
@@ -6471,8 +6979,57 @@
                 <a:latin typeface="微軟正黑體" panose="020B0604030504040204" pitchFamily="34" charset="-120"/>
                 <a:ea typeface="微軟正黑體" panose="020B0604030504040204" pitchFamily="34" charset="-120"/>
               </a:rPr>
-              <a:t>的標的之一</a:t>
-            </a:r>
+              <a:t>日、</a:t>
+            </a:r>
+            <a:r>
+              <a:rPr lang="en-US" altLang="zh-TW" sz="2400" b="1" dirty="0">
+                <a:solidFill>
+                  <a:schemeClr val="tx1">
+                    <a:lumMod val="75000"/>
+                    <a:lumOff val="25000"/>
+                  </a:schemeClr>
+                </a:solidFill>
+                <a:latin typeface="微軟正黑體" panose="020B0604030504040204" pitchFamily="34" charset="-120"/>
+                <a:ea typeface="微軟正黑體" panose="020B0604030504040204" pitchFamily="34" charset="-120"/>
+              </a:rPr>
+              <a:t>200</a:t>
+            </a:r>
+            <a:r>
+              <a:rPr lang="zh-TW" altLang="en-US" sz="2400" b="1" dirty="0">
+                <a:solidFill>
+                  <a:schemeClr val="tx1">
+                    <a:lumMod val="75000"/>
+                    <a:lumOff val="25000"/>
+                  </a:schemeClr>
+                </a:solidFill>
+                <a:latin typeface="微軟正黑體" panose="020B0604030504040204" pitchFamily="34" charset="-120"/>
+                <a:ea typeface="微軟正黑體" panose="020B0604030504040204" pitchFamily="34" charset="-120"/>
+              </a:rPr>
+              <a:t>日</a:t>
+            </a:r>
+            <a:r>
+              <a:rPr lang="en-US" altLang="zh-TW" sz="2400" b="1" dirty="0">
+                <a:solidFill>
+                  <a:schemeClr val="tx1">
+                    <a:lumMod val="75000"/>
+                    <a:lumOff val="25000"/>
+                  </a:schemeClr>
+                </a:solidFill>
+                <a:latin typeface="微軟正黑體" panose="020B0604030504040204" pitchFamily="34" charset="-120"/>
+                <a:ea typeface="微軟正黑體" panose="020B0604030504040204" pitchFamily="34" charset="-120"/>
+              </a:rPr>
+              <a:t>)</a:t>
+            </a:r>
+            <a:endParaRPr lang="zh-TW" altLang="en-US" sz="2400" b="1" dirty="0">
+              <a:solidFill>
+                <a:schemeClr val="tx1">
+                  <a:lumMod val="75000"/>
+                  <a:lumOff val="25000"/>
+                </a:schemeClr>
+              </a:solidFill>
+              <a:latin typeface="微軟正黑體" panose="020B0604030504040204" pitchFamily="34" charset="-120"/>
+              <a:ea typeface="微軟正黑體" panose="020B0604030504040204" pitchFamily="34" charset="-120"/>
+            </a:endParaRPr>
           </a:p>
           <a:p>
             <a:pPr lvl="0" defTabSz="685800"/>
@@ -6494,7 +7051,7 @@
     </p:spTree>
     <p:extLst>
       <p:ext uri="{BB962C8B-B14F-4D97-AF65-F5344CB8AC3E}">
-        <p14:creationId xmlns:p14="http://schemas.microsoft.com/office/powerpoint/2010/main" val="15961207"/>
+        <p14:creationId xmlns:p14="http://schemas.microsoft.com/office/powerpoint/2010/main" val="1937880195"/>
       </p:ext>
     </p:extLst>
   </p:cSld>
@@ -6566,9 +7123,9 @@
                     <a:lumOff val="25000"/>
                   </a:schemeClr>
                 </a:solidFill>
-                <a:latin typeface="思源黑体 CN Bold" panose="020B0800000000000000" pitchFamily="34" charset="-122"/>
-                <a:ea typeface="思源黑体 CN Bold" panose="020B0800000000000000" pitchFamily="34" charset="-122"/>
-                <a:cs typeface="+mn-ea"/>
+                <a:latin typeface="Microsoft JhengHei" charset="-120"/>
+                <a:ea typeface="Microsoft JhengHei" charset="-120"/>
+                <a:cs typeface="Microsoft JhengHei" charset="-120"/>
                 <a:sym typeface="+mn-lt"/>
               </a:rPr>
               <a:t>均線理論 </a:t>
@@ -6581,9 +7138,9 @@
                     <a:lumOff val="25000"/>
                   </a:schemeClr>
                 </a:solidFill>
-                <a:latin typeface="思源黑体 CN Bold" panose="020B0800000000000000" pitchFamily="34" charset="-122"/>
-                <a:ea typeface="思源黑体 CN Bold" panose="020B0800000000000000" pitchFamily="34" charset="-122"/>
-                <a:cs typeface="+mn-ea"/>
+                <a:latin typeface="Microsoft JhengHei" charset="-120"/>
+                <a:ea typeface="Microsoft JhengHei" charset="-120"/>
+                <a:cs typeface="Microsoft JhengHei" charset="-120"/>
                 <a:sym typeface="+mn-lt"/>
               </a:rPr>
               <a:t>Moving Average</a:t>
@@ -6595,9 +7152,9 @@
                   <a:lumOff val="25000"/>
                 </a:schemeClr>
               </a:solidFill>
-              <a:latin typeface="思源黑体 CN Bold" panose="020B0800000000000000" pitchFamily="34" charset="-122"/>
-              <a:ea typeface="思源黑体 CN Bold" panose="020B0800000000000000" pitchFamily="34" charset="-122"/>
-              <a:cs typeface="+mn-ea"/>
+              <a:latin typeface="Microsoft JhengHei" charset="-120"/>
+              <a:ea typeface="Microsoft JhengHei" charset="-120"/>
+              <a:cs typeface="Microsoft JhengHei" charset="-120"/>
               <a:sym typeface="+mn-lt"/>
             </a:endParaRPr>
           </a:p>
@@ -6653,8 +7210,8 @@
         </p:nvSpPr>
         <p:spPr>
           <a:xfrm>
-            <a:off x="1619089" y="1459753"/>
-            <a:ext cx="9453463" cy="4770537"/>
+            <a:off x="1619090" y="2444638"/>
+            <a:ext cx="8996264" cy="2554545"/>
           </a:xfrm>
           <a:prstGeom prst="rect">
             <a:avLst/>
@@ -6671,23 +7228,174 @@
           </a:bodyPr>
           <a:lstStyle/>
           <a:p>
+            <a:pPr lvl="0">
+              <a:defRPr/>
+            </a:pPr>
+            <a:r>
+              <a:rPr lang="zh-TW" altLang="en-US" sz="3200" b="1" dirty="0">
+                <a:solidFill>
+                  <a:schemeClr val="tx1">
+                    <a:lumMod val="75000"/>
+                    <a:lumOff val="25000"/>
+                  </a:schemeClr>
+                </a:solidFill>
+                <a:latin typeface="微軟正黑體" panose="020B0604030504040204" pitchFamily="34" charset="-120"/>
+                <a:ea typeface="微軟正黑體" panose="020B0604030504040204" pitchFamily="34" charset="-120"/>
+              </a:rPr>
+              <a:t>若三種均線均向下，</a:t>
+            </a:r>
+            <a:r>
+              <a:rPr lang="zh-TW" altLang="en-US" sz="3200" b="1" dirty="0" smtClean="0">
+                <a:solidFill>
+                  <a:schemeClr val="tx1">
+                    <a:lumMod val="75000"/>
+                    <a:lumOff val="25000"/>
+                  </a:schemeClr>
+                </a:solidFill>
+                <a:latin typeface="微軟正黑體" panose="020B0604030504040204" pitchFamily="34" charset="-120"/>
+                <a:ea typeface="微軟正黑體" panose="020B0604030504040204" pitchFamily="34" charset="-120"/>
+              </a:rPr>
+              <a:t>代表空頭</a:t>
+            </a:r>
+            <a:endParaRPr lang="en-US" altLang="zh-TW" sz="3200" b="1" dirty="0">
+              <a:solidFill>
+                <a:schemeClr val="tx1">
+                  <a:lumMod val="75000"/>
+                  <a:lumOff val="25000"/>
+                </a:schemeClr>
+              </a:solidFill>
+              <a:latin typeface="微軟正黑體" panose="020B0604030504040204" pitchFamily="34" charset="-120"/>
+              <a:ea typeface="微軟正黑體" panose="020B0604030504040204" pitchFamily="34" charset="-120"/>
+            </a:endParaRPr>
+          </a:p>
+          <a:p>
+            <a:pPr lvl="0">
+              <a:defRPr/>
+            </a:pPr>
+            <a:r>
+              <a:rPr lang="zh-TW" altLang="en-US" sz="3200" b="1" dirty="0">
+                <a:solidFill>
+                  <a:schemeClr val="tx1">
+                    <a:lumMod val="75000"/>
+                    <a:lumOff val="25000"/>
+                  </a:schemeClr>
+                </a:solidFill>
+                <a:latin typeface="微軟正黑體" panose="020B0604030504040204" pitchFamily="34" charset="-120"/>
+                <a:ea typeface="微軟正黑體" panose="020B0604030504040204" pitchFamily="34" charset="-120"/>
+              </a:rPr>
+              <a:t>反之，若三種均線均</a:t>
+            </a:r>
+            <a:r>
+              <a:rPr lang="zh-TW" altLang="en-US" sz="3200" b="1" dirty="0" smtClean="0">
+                <a:solidFill>
+                  <a:schemeClr val="tx1">
+                    <a:lumMod val="75000"/>
+                    <a:lumOff val="25000"/>
+                  </a:schemeClr>
+                </a:solidFill>
+                <a:latin typeface="微軟正黑體" panose="020B0604030504040204" pitchFamily="34" charset="-120"/>
+                <a:ea typeface="微軟正黑體" panose="020B0604030504040204" pitchFamily="34" charset="-120"/>
+              </a:rPr>
+              <a:t>向上，則</a:t>
+            </a:r>
+            <a:r>
+              <a:rPr lang="zh-TW" altLang="en-US" sz="3200" b="1" dirty="0">
+                <a:solidFill>
+                  <a:schemeClr val="tx1">
+                    <a:lumMod val="75000"/>
+                    <a:lumOff val="25000"/>
+                  </a:schemeClr>
+                </a:solidFill>
+                <a:latin typeface="微軟正黑體" panose="020B0604030504040204" pitchFamily="34" charset="-120"/>
+                <a:ea typeface="微軟正黑體" panose="020B0604030504040204" pitchFamily="34" charset="-120"/>
+              </a:rPr>
+              <a:t>為</a:t>
+            </a:r>
+            <a:r>
+              <a:rPr lang="zh-TW" altLang="en-US" sz="3200" b="1" dirty="0" smtClean="0">
+                <a:solidFill>
+                  <a:schemeClr val="tx1">
+                    <a:lumMod val="75000"/>
+                    <a:lumOff val="25000"/>
+                  </a:schemeClr>
+                </a:solidFill>
+                <a:latin typeface="微軟正黑體" panose="020B0604030504040204" pitchFamily="34" charset="-120"/>
+                <a:ea typeface="微軟正黑體" panose="020B0604030504040204" pitchFamily="34" charset="-120"/>
+              </a:rPr>
+              <a:t>多頭</a:t>
+            </a:r>
+            <a:endParaRPr lang="en-US" altLang="zh-TW" sz="3200" b="1" dirty="0">
+              <a:solidFill>
+                <a:schemeClr val="tx1">
+                  <a:lumMod val="75000"/>
+                  <a:lumOff val="25000"/>
+                </a:schemeClr>
+              </a:solidFill>
+              <a:latin typeface="微軟正黑體" panose="020B0604030504040204" pitchFamily="34" charset="-120"/>
+              <a:ea typeface="微軟正黑體" panose="020B0604030504040204" pitchFamily="34" charset="-120"/>
+            </a:endParaRPr>
+          </a:p>
+          <a:p>
+            <a:pPr lvl="0">
+              <a:defRPr/>
+            </a:pPr>
+            <a:endParaRPr lang="en-US" altLang="zh-TW" sz="3200" b="1" dirty="0">
+              <a:solidFill>
+                <a:schemeClr val="tx1">
+                  <a:lumMod val="75000"/>
+                  <a:lumOff val="25000"/>
+                </a:schemeClr>
+              </a:solidFill>
+              <a:latin typeface="微軟正黑體" panose="020B0604030504040204" pitchFamily="34" charset="-120"/>
+              <a:ea typeface="微軟正黑體" panose="020B0604030504040204" pitchFamily="34" charset="-120"/>
+            </a:endParaRPr>
+          </a:p>
+          <a:p>
+            <a:pPr lvl="0">
+              <a:defRPr/>
+            </a:pPr>
+            <a:r>
+              <a:rPr lang="zh-TW" altLang="en-US" sz="3200" b="1" dirty="0">
+                <a:solidFill>
+                  <a:schemeClr val="tx1">
+                    <a:lumMod val="75000"/>
+                    <a:lumOff val="25000"/>
+                  </a:schemeClr>
+                </a:solidFill>
+                <a:latin typeface="微軟正黑體" panose="020B0604030504040204" pitchFamily="34" charset="-120"/>
+                <a:ea typeface="微軟正黑體" panose="020B0604030504040204" pitchFamily="34" charset="-120"/>
+              </a:rPr>
+              <a:t>均線可以做為</a:t>
+            </a:r>
+            <a:r>
+              <a:rPr lang="zh-TW" altLang="en-US" sz="3200" b="1" dirty="0">
+                <a:solidFill>
+                  <a:schemeClr val="accent2">
+                    <a:lumMod val="50000"/>
+                  </a:schemeClr>
+                </a:solidFill>
+                <a:latin typeface="微軟正黑體" panose="020B0604030504040204" pitchFamily="34" charset="-120"/>
+                <a:ea typeface="微軟正黑體" panose="020B0604030504040204" pitchFamily="34" charset="-120"/>
+              </a:rPr>
+              <a:t>型態確認、多空轉換</a:t>
+            </a:r>
+            <a:r>
+              <a:rPr lang="zh-TW" altLang="en-US" sz="3200" b="1" dirty="0">
+                <a:solidFill>
+                  <a:schemeClr val="tx1">
+                    <a:lumMod val="75000"/>
+                    <a:lumOff val="25000"/>
+                  </a:schemeClr>
+                </a:solidFill>
+                <a:latin typeface="微軟正黑體" panose="020B0604030504040204" pitchFamily="34" charset="-120"/>
+                <a:ea typeface="微軟正黑體" panose="020B0604030504040204" pitchFamily="34" charset="-120"/>
+              </a:rPr>
+              <a:t>的標的之一</a:t>
+            </a:r>
+          </a:p>
+          <a:p>
             <a:pPr lvl="0" defTabSz="685800"/>
-            <a:r>
-              <a:rPr lang="zh-TW" altLang="en-US" sz="3600" b="1" dirty="0" smtClean="0">
-                <a:solidFill>
-                  <a:schemeClr val="tx1">
-                    <a:lumMod val="75000"/>
-                    <a:lumOff val="25000"/>
-                  </a:schemeClr>
-                </a:solidFill>
-                <a:latin typeface="思源黑体 CN Bold" panose="020B0800000000000000" pitchFamily="34" charset="-122"/>
-                <a:ea typeface="思源黑体 CN Bold" panose="020B0800000000000000" pitchFamily="34" charset="-122"/>
-                <a:cs typeface="+mn-ea"/>
-                <a:sym typeface="+mn-lt"/>
-              </a:rPr>
-              <a:t>均線扣抵理論</a:t>
-            </a:r>
-            <a:endParaRPr lang="en-US" altLang="zh-TW" sz="3600" b="1" dirty="0">
+            <a:endParaRPr lang="zh-CN" altLang="en-US" sz="3200" b="1" dirty="0">
               <a:solidFill>
                 <a:schemeClr val="tx1">
                   <a:lumMod val="75000"/>
@@ -6700,552 +7408,12 @@
               <a:sym typeface="+mn-lt"/>
             </a:endParaRPr>
           </a:p>
-          <a:p>
-            <a:pPr lvl="0" defTabSz="685800"/>
-            <a:r>
-              <a:rPr lang="zh-TW" altLang="en-US" sz="3600" b="1" dirty="0" smtClean="0">
-                <a:solidFill>
-                  <a:schemeClr val="tx1">
-                    <a:lumMod val="75000"/>
-                    <a:lumOff val="25000"/>
-                  </a:schemeClr>
-                </a:solidFill>
-                <a:latin typeface="思源黑体 CN Bold" panose="020B0800000000000000" pitchFamily="34" charset="-122"/>
-                <a:ea typeface="思源黑体 CN Bold" panose="020B0800000000000000" pitchFamily="34" charset="-122"/>
-                <a:cs typeface="+mn-ea"/>
-                <a:sym typeface="+mn-lt"/>
-              </a:rPr>
-              <a:t>可以判斷均線未來走向</a:t>
-            </a:r>
-            <a:endParaRPr lang="en-US" altLang="zh-TW" sz="3600" b="1" dirty="0" smtClean="0">
-              <a:solidFill>
-                <a:schemeClr val="tx1">
-                  <a:lumMod val="75000"/>
-                  <a:lumOff val="25000"/>
-                </a:schemeClr>
-              </a:solidFill>
-              <a:latin typeface="思源黑体 CN Bold" panose="020B0800000000000000" pitchFamily="34" charset="-122"/>
-              <a:ea typeface="思源黑体 CN Bold" panose="020B0800000000000000" pitchFamily="34" charset="-122"/>
-              <a:cs typeface="+mn-ea"/>
-              <a:sym typeface="+mn-lt"/>
-            </a:endParaRPr>
-          </a:p>
-          <a:p>
-            <a:pPr lvl="0" defTabSz="685800"/>
-            <a:endParaRPr lang="en-US" altLang="zh-CN" sz="3600" b="1" dirty="0">
-              <a:solidFill>
-                <a:schemeClr val="tx1">
-                  <a:lumMod val="75000"/>
-                  <a:lumOff val="25000"/>
-                </a:schemeClr>
-              </a:solidFill>
-              <a:latin typeface="思源黑体 CN Bold" panose="020B0800000000000000" pitchFamily="34" charset="-122"/>
-              <a:ea typeface="思源黑体 CN Bold" panose="020B0800000000000000" pitchFamily="34" charset="-122"/>
-              <a:cs typeface="+mn-ea"/>
-              <a:sym typeface="+mn-lt"/>
-            </a:endParaRPr>
-          </a:p>
-          <a:p>
-            <a:pPr lvl="0" defTabSz="685800"/>
-            <a:r>
-              <a:rPr lang="zh-TW" altLang="en-US" sz="2800" b="1" dirty="0" smtClean="0">
-                <a:solidFill>
-                  <a:schemeClr val="tx1">
-                    <a:lumMod val="75000"/>
-                    <a:lumOff val="25000"/>
-                  </a:schemeClr>
-                </a:solidFill>
-                <a:latin typeface="思源黑体 CN Bold" panose="020B0800000000000000" pitchFamily="34" charset="-122"/>
-                <a:ea typeface="思源黑体 CN Bold" panose="020B0800000000000000" pitchFamily="34" charset="-122"/>
-                <a:cs typeface="+mn-ea"/>
-                <a:sym typeface="+mn-lt"/>
-              </a:rPr>
-              <a:t>若以五日均線來判斷</a:t>
-            </a:r>
-            <a:endParaRPr lang="en-US" altLang="zh-TW" sz="2800" b="1" dirty="0" smtClean="0">
-              <a:solidFill>
-                <a:schemeClr val="tx1">
-                  <a:lumMod val="75000"/>
-                  <a:lumOff val="25000"/>
-                </a:schemeClr>
-              </a:solidFill>
-              <a:latin typeface="思源黑体 CN Bold" panose="020B0800000000000000" pitchFamily="34" charset="-122"/>
-              <a:ea typeface="思源黑体 CN Bold" panose="020B0800000000000000" pitchFamily="34" charset="-122"/>
-              <a:cs typeface="+mn-ea"/>
-              <a:sym typeface="+mn-lt"/>
-            </a:endParaRPr>
-          </a:p>
-          <a:p>
-            <a:pPr lvl="0" defTabSz="685800"/>
-            <a:r>
-              <a:rPr lang="en-US" altLang="zh-CN" sz="2800" b="1" dirty="0">
-                <a:solidFill>
-                  <a:schemeClr val="tx1">
-                    <a:lumMod val="75000"/>
-                    <a:lumOff val="25000"/>
-                  </a:schemeClr>
-                </a:solidFill>
-                <a:latin typeface="思源黑体 CN Bold" panose="020B0800000000000000" pitchFamily="34" charset="-122"/>
-                <a:ea typeface="思源黑体 CN Bold" panose="020B0800000000000000" pitchFamily="34" charset="-122"/>
-                <a:cs typeface="+mn-ea"/>
-                <a:sym typeface="+mn-lt"/>
-              </a:rPr>
-              <a:t>	</a:t>
-            </a:r>
-            <a:r>
-              <a:rPr lang="en-US" altLang="zh-TW" sz="2800" b="1" dirty="0" smtClean="0">
-                <a:solidFill>
-                  <a:schemeClr val="tx1">
-                    <a:lumMod val="75000"/>
-                    <a:lumOff val="25000"/>
-                  </a:schemeClr>
-                </a:solidFill>
-                <a:latin typeface="思源黑体 CN Bold" panose="020B0800000000000000" pitchFamily="34" charset="-122"/>
-                <a:ea typeface="思源黑体 CN Bold" panose="020B0800000000000000" pitchFamily="34" charset="-122"/>
-                <a:cs typeface="+mn-ea"/>
-                <a:sym typeface="+mn-lt"/>
-              </a:rPr>
-              <a:t>10/13</a:t>
-            </a:r>
-            <a:r>
-              <a:rPr lang="zh-TW" altLang="en-US" sz="2800" b="1" dirty="0" smtClean="0">
-                <a:solidFill>
-                  <a:schemeClr val="tx1">
-                    <a:lumMod val="75000"/>
-                    <a:lumOff val="25000"/>
-                  </a:schemeClr>
-                </a:solidFill>
-                <a:latin typeface="思源黑体 CN Bold" panose="020B0800000000000000" pitchFamily="34" charset="-122"/>
-                <a:ea typeface="思源黑体 CN Bold" panose="020B0800000000000000" pitchFamily="34" charset="-122"/>
-                <a:cs typeface="+mn-ea"/>
-                <a:sym typeface="+mn-lt"/>
-              </a:rPr>
-              <a:t>  </a:t>
-            </a:r>
-            <a:r>
-              <a:rPr lang="en-US" altLang="zh-TW" sz="2800" b="1" dirty="0" smtClean="0">
-                <a:solidFill>
-                  <a:schemeClr val="tx1">
-                    <a:lumMod val="75000"/>
-                    <a:lumOff val="25000"/>
-                  </a:schemeClr>
-                </a:solidFill>
-                <a:latin typeface="思源黑体 CN Bold" panose="020B0800000000000000" pitchFamily="34" charset="-122"/>
-                <a:ea typeface="思源黑体 CN Bold" panose="020B0800000000000000" pitchFamily="34" charset="-122"/>
-                <a:cs typeface="+mn-ea"/>
-                <a:sym typeface="+mn-lt"/>
-              </a:rPr>
-              <a:t>6285</a:t>
-            </a:r>
-          </a:p>
-          <a:p>
-            <a:pPr lvl="0" defTabSz="685800"/>
-            <a:r>
-              <a:rPr lang="en-US" altLang="zh-CN" sz="2800" b="1" dirty="0">
-                <a:solidFill>
-                  <a:schemeClr val="tx1">
-                    <a:lumMod val="75000"/>
-                    <a:lumOff val="25000"/>
-                  </a:schemeClr>
-                </a:solidFill>
-                <a:latin typeface="思源黑体 CN Bold" panose="020B0800000000000000" pitchFamily="34" charset="-122"/>
-                <a:ea typeface="思源黑体 CN Bold" panose="020B0800000000000000" pitchFamily="34" charset="-122"/>
-                <a:cs typeface="+mn-ea"/>
-                <a:sym typeface="+mn-lt"/>
-              </a:rPr>
-              <a:t>	</a:t>
-            </a:r>
-            <a:r>
-              <a:rPr lang="en-US" altLang="zh-TW" sz="2800" b="1" dirty="0" smtClean="0">
-                <a:solidFill>
-                  <a:schemeClr val="tx1">
-                    <a:lumMod val="75000"/>
-                    <a:lumOff val="25000"/>
-                  </a:schemeClr>
-                </a:solidFill>
-                <a:latin typeface="思源黑体 CN Bold" panose="020B0800000000000000" pitchFamily="34" charset="-122"/>
-                <a:ea typeface="思源黑体 CN Bold" panose="020B0800000000000000" pitchFamily="34" charset="-122"/>
-                <a:cs typeface="+mn-ea"/>
-                <a:sym typeface="+mn-lt"/>
-              </a:rPr>
-              <a:t>10/14</a:t>
-            </a:r>
-            <a:r>
-              <a:rPr lang="zh-TW" altLang="en-US" sz="2800" b="1" dirty="0" smtClean="0">
-                <a:solidFill>
-                  <a:schemeClr val="tx1">
-                    <a:lumMod val="75000"/>
-                    <a:lumOff val="25000"/>
-                  </a:schemeClr>
-                </a:solidFill>
-                <a:latin typeface="思源黑体 CN Bold" panose="020B0800000000000000" pitchFamily="34" charset="-122"/>
-                <a:ea typeface="思源黑体 CN Bold" panose="020B0800000000000000" pitchFamily="34" charset="-122"/>
-                <a:cs typeface="+mn-ea"/>
-                <a:sym typeface="+mn-lt"/>
-              </a:rPr>
-              <a:t>  </a:t>
-            </a:r>
-            <a:r>
-              <a:rPr lang="en-US" altLang="zh-TW" sz="2800" b="1" dirty="0" smtClean="0">
-                <a:solidFill>
-                  <a:schemeClr val="tx1">
-                    <a:lumMod val="75000"/>
-                    <a:lumOff val="25000"/>
-                  </a:schemeClr>
-                </a:solidFill>
-                <a:latin typeface="思源黑体 CN Bold" panose="020B0800000000000000" pitchFamily="34" charset="-122"/>
-                <a:ea typeface="思源黑体 CN Bold" panose="020B0800000000000000" pitchFamily="34" charset="-122"/>
-                <a:cs typeface="+mn-ea"/>
-                <a:sym typeface="+mn-lt"/>
-              </a:rPr>
-              <a:t>6314</a:t>
-            </a:r>
-          </a:p>
-          <a:p>
-            <a:pPr lvl="0" defTabSz="685800"/>
-            <a:r>
-              <a:rPr lang="en-US" altLang="zh-CN" sz="2800" b="1" dirty="0">
-                <a:solidFill>
-                  <a:schemeClr val="tx1">
-                    <a:lumMod val="75000"/>
-                    <a:lumOff val="25000"/>
-                  </a:schemeClr>
-                </a:solidFill>
-                <a:latin typeface="思源黑体 CN Bold" panose="020B0800000000000000" pitchFamily="34" charset="-122"/>
-                <a:ea typeface="思源黑体 CN Bold" panose="020B0800000000000000" pitchFamily="34" charset="-122"/>
-                <a:cs typeface="+mn-ea"/>
-                <a:sym typeface="+mn-lt"/>
-              </a:rPr>
-              <a:t>	</a:t>
-            </a:r>
-            <a:r>
-              <a:rPr lang="en-US" altLang="zh-TW" sz="2800" b="1" dirty="0" smtClean="0">
-                <a:solidFill>
-                  <a:schemeClr val="tx1">
-                    <a:lumMod val="75000"/>
-                    <a:lumOff val="25000"/>
-                  </a:schemeClr>
-                </a:solidFill>
-                <a:latin typeface="思源黑体 CN Bold" panose="020B0800000000000000" pitchFamily="34" charset="-122"/>
-                <a:ea typeface="思源黑体 CN Bold" panose="020B0800000000000000" pitchFamily="34" charset="-122"/>
-                <a:cs typeface="+mn-ea"/>
-                <a:sym typeface="+mn-lt"/>
-              </a:rPr>
-              <a:t>10/15</a:t>
-            </a:r>
-            <a:r>
-              <a:rPr lang="zh-TW" altLang="en-US" sz="2800" b="1" dirty="0" smtClean="0">
-                <a:solidFill>
-                  <a:schemeClr val="tx1">
-                    <a:lumMod val="75000"/>
-                    <a:lumOff val="25000"/>
-                  </a:schemeClr>
-                </a:solidFill>
-                <a:latin typeface="思源黑体 CN Bold" panose="020B0800000000000000" pitchFamily="34" charset="-122"/>
-                <a:ea typeface="思源黑体 CN Bold" panose="020B0800000000000000" pitchFamily="34" charset="-122"/>
-                <a:cs typeface="+mn-ea"/>
-                <a:sym typeface="+mn-lt"/>
-              </a:rPr>
-              <a:t>  </a:t>
-            </a:r>
-            <a:r>
-              <a:rPr lang="en-US" altLang="zh-TW" sz="2800" b="1" dirty="0" smtClean="0">
-                <a:solidFill>
-                  <a:schemeClr val="tx1">
-                    <a:lumMod val="75000"/>
-                    <a:lumOff val="25000"/>
-                  </a:schemeClr>
-                </a:solidFill>
-                <a:latin typeface="思源黑体 CN Bold" panose="020B0800000000000000" pitchFamily="34" charset="-122"/>
-                <a:ea typeface="思源黑体 CN Bold" panose="020B0800000000000000" pitchFamily="34" charset="-122"/>
-                <a:cs typeface="+mn-ea"/>
-                <a:sym typeface="+mn-lt"/>
-              </a:rPr>
-              <a:t>6328	</a:t>
-            </a:r>
-          </a:p>
-          <a:p>
-            <a:pPr lvl="0" defTabSz="685800"/>
-            <a:r>
-              <a:rPr lang="en-US" altLang="zh-CN" sz="2800" b="1" dirty="0">
-                <a:solidFill>
-                  <a:schemeClr val="tx1">
-                    <a:lumMod val="75000"/>
-                    <a:lumOff val="25000"/>
-                  </a:schemeClr>
-                </a:solidFill>
-                <a:latin typeface="思源黑体 CN Bold" panose="020B0800000000000000" pitchFamily="34" charset="-122"/>
-                <a:ea typeface="思源黑体 CN Bold" panose="020B0800000000000000" pitchFamily="34" charset="-122"/>
-                <a:cs typeface="+mn-ea"/>
-                <a:sym typeface="+mn-lt"/>
-              </a:rPr>
-              <a:t>	</a:t>
-            </a:r>
-            <a:r>
-              <a:rPr lang="en-US" altLang="zh-TW" sz="2800" b="1" dirty="0" smtClean="0">
-                <a:solidFill>
-                  <a:schemeClr val="tx1">
-                    <a:lumMod val="75000"/>
-                    <a:lumOff val="25000"/>
-                  </a:schemeClr>
-                </a:solidFill>
-                <a:latin typeface="思源黑体 CN Bold" panose="020B0800000000000000" pitchFamily="34" charset="-122"/>
-                <a:ea typeface="思源黑体 CN Bold" panose="020B0800000000000000" pitchFamily="34" charset="-122"/>
-                <a:cs typeface="+mn-ea"/>
-                <a:sym typeface="+mn-lt"/>
-              </a:rPr>
-              <a:t>10/16</a:t>
-            </a:r>
-            <a:r>
-              <a:rPr lang="zh-TW" altLang="en-US" sz="2800" b="1" dirty="0" smtClean="0">
-                <a:solidFill>
-                  <a:schemeClr val="tx1">
-                    <a:lumMod val="75000"/>
-                    <a:lumOff val="25000"/>
-                  </a:schemeClr>
-                </a:solidFill>
-                <a:latin typeface="思源黑体 CN Bold" panose="020B0800000000000000" pitchFamily="34" charset="-122"/>
-                <a:ea typeface="思源黑体 CN Bold" panose="020B0800000000000000" pitchFamily="34" charset="-122"/>
-                <a:cs typeface="+mn-ea"/>
-                <a:sym typeface="+mn-lt"/>
-              </a:rPr>
-              <a:t>  </a:t>
-            </a:r>
-            <a:r>
-              <a:rPr lang="en-US" altLang="zh-TW" sz="2800" b="1" dirty="0" smtClean="0">
-                <a:solidFill>
-                  <a:schemeClr val="tx1">
-                    <a:lumMod val="75000"/>
-                    <a:lumOff val="25000"/>
-                  </a:schemeClr>
-                </a:solidFill>
-                <a:latin typeface="思源黑体 CN Bold" panose="020B0800000000000000" pitchFamily="34" charset="-122"/>
-                <a:ea typeface="思源黑体 CN Bold" panose="020B0800000000000000" pitchFamily="34" charset="-122"/>
-                <a:cs typeface="+mn-ea"/>
-                <a:sym typeface="+mn-lt"/>
-              </a:rPr>
-              <a:t>6659	</a:t>
-            </a:r>
-          </a:p>
-          <a:p>
-            <a:pPr lvl="0" defTabSz="685800"/>
-            <a:r>
-              <a:rPr lang="en-US" altLang="zh-CN" sz="2800" b="1" dirty="0">
-                <a:solidFill>
-                  <a:schemeClr val="tx1">
-                    <a:lumMod val="75000"/>
-                    <a:lumOff val="25000"/>
-                  </a:schemeClr>
-                </a:solidFill>
-                <a:latin typeface="思源黑体 CN Bold" panose="020B0800000000000000" pitchFamily="34" charset="-122"/>
-                <a:ea typeface="思源黑体 CN Bold" panose="020B0800000000000000" pitchFamily="34" charset="-122"/>
-                <a:cs typeface="+mn-ea"/>
-                <a:sym typeface="+mn-lt"/>
-              </a:rPr>
-              <a:t>	</a:t>
-            </a:r>
-            <a:r>
-              <a:rPr lang="en-US" altLang="zh-TW" sz="2800" b="1" dirty="0" smtClean="0">
-                <a:solidFill>
-                  <a:schemeClr val="tx1">
-                    <a:lumMod val="75000"/>
-                    <a:lumOff val="25000"/>
-                  </a:schemeClr>
-                </a:solidFill>
-                <a:latin typeface="思源黑体 CN Bold" panose="020B0800000000000000" pitchFamily="34" charset="-122"/>
-                <a:ea typeface="思源黑体 CN Bold" panose="020B0800000000000000" pitchFamily="34" charset="-122"/>
-                <a:cs typeface="+mn-ea"/>
-                <a:sym typeface="+mn-lt"/>
-              </a:rPr>
-              <a:t>10/17</a:t>
-            </a:r>
-            <a:r>
-              <a:rPr lang="zh-TW" altLang="en-US" sz="2800" b="1" dirty="0" smtClean="0">
-                <a:solidFill>
-                  <a:schemeClr val="tx1">
-                    <a:lumMod val="75000"/>
-                    <a:lumOff val="25000"/>
-                  </a:schemeClr>
-                </a:solidFill>
-                <a:latin typeface="思源黑体 CN Bold" panose="020B0800000000000000" pitchFamily="34" charset="-122"/>
-                <a:ea typeface="思源黑体 CN Bold" panose="020B0800000000000000" pitchFamily="34" charset="-122"/>
-                <a:cs typeface="+mn-ea"/>
-                <a:sym typeface="+mn-lt"/>
-              </a:rPr>
-              <a:t>  </a:t>
-            </a:r>
-            <a:r>
-              <a:rPr lang="en-US" altLang="zh-TW" sz="2800" b="1" dirty="0" smtClean="0">
-                <a:solidFill>
-                  <a:schemeClr val="tx1">
-                    <a:lumMod val="75000"/>
-                    <a:lumOff val="25000"/>
-                  </a:schemeClr>
-                </a:solidFill>
-                <a:latin typeface="思源黑体 CN Bold" panose="020B0800000000000000" pitchFamily="34" charset="-122"/>
-                <a:ea typeface="思源黑体 CN Bold" panose="020B0800000000000000" pitchFamily="34" charset="-122"/>
-                <a:cs typeface="+mn-ea"/>
-                <a:sym typeface="+mn-lt"/>
-              </a:rPr>
-              <a:t>6635</a:t>
-            </a:r>
-          </a:p>
-          <a:p>
-            <a:pPr lvl="0" defTabSz="685800"/>
-            <a:r>
-              <a:rPr lang="zh-TW" altLang="en-US" sz="2800" b="1" dirty="0" smtClean="0">
-                <a:solidFill>
-                  <a:schemeClr val="tx1">
-                    <a:lumMod val="75000"/>
-                    <a:lumOff val="25000"/>
-                  </a:schemeClr>
-                </a:solidFill>
-                <a:latin typeface="思源黑体 CN Bold" panose="020B0800000000000000" pitchFamily="34" charset="-122"/>
-                <a:ea typeface="思源黑体 CN Bold" panose="020B0800000000000000" pitchFamily="34" charset="-122"/>
-                <a:cs typeface="+mn-ea"/>
-                <a:sym typeface="+mn-lt"/>
-              </a:rPr>
-              <a:t>若</a:t>
-            </a:r>
-            <a:r>
-              <a:rPr lang="en-US" altLang="zh-TW" sz="2800" b="1" dirty="0" smtClean="0">
-                <a:solidFill>
-                  <a:schemeClr val="tx1">
-                    <a:lumMod val="75000"/>
-                    <a:lumOff val="25000"/>
-                  </a:schemeClr>
-                </a:solidFill>
-                <a:latin typeface="思源黑体 CN Bold" panose="020B0800000000000000" pitchFamily="34" charset="-122"/>
-                <a:ea typeface="思源黑体 CN Bold" panose="020B0800000000000000" pitchFamily="34" charset="-122"/>
-                <a:cs typeface="+mn-ea"/>
-                <a:sym typeface="+mn-lt"/>
-              </a:rPr>
-              <a:t>10/18</a:t>
-            </a:r>
-            <a:r>
-              <a:rPr lang="zh-TW" altLang="en-US" sz="2800" b="1" dirty="0" smtClean="0">
-                <a:solidFill>
-                  <a:schemeClr val="tx1">
-                    <a:lumMod val="75000"/>
-                    <a:lumOff val="25000"/>
-                  </a:schemeClr>
-                </a:solidFill>
-                <a:latin typeface="思源黑体 CN Bold" panose="020B0800000000000000" pitchFamily="34" charset="-122"/>
-                <a:ea typeface="思源黑体 CN Bold" panose="020B0800000000000000" pitchFamily="34" charset="-122"/>
-                <a:cs typeface="+mn-ea"/>
-                <a:sym typeface="+mn-lt"/>
-              </a:rPr>
-              <a:t>日的價格高於</a:t>
-            </a:r>
-            <a:r>
-              <a:rPr lang="en-US" altLang="zh-TW" sz="2800" b="1" dirty="0" smtClean="0">
-                <a:solidFill>
-                  <a:schemeClr val="tx1">
-                    <a:lumMod val="75000"/>
-                    <a:lumOff val="25000"/>
-                  </a:schemeClr>
-                </a:solidFill>
-                <a:latin typeface="思源黑体 CN Bold" panose="020B0800000000000000" pitchFamily="34" charset="-122"/>
-                <a:ea typeface="思源黑体 CN Bold" panose="020B0800000000000000" pitchFamily="34" charset="-122"/>
-                <a:cs typeface="+mn-ea"/>
-                <a:sym typeface="+mn-lt"/>
-              </a:rPr>
-              <a:t>5</a:t>
-            </a:r>
-            <a:r>
-              <a:rPr lang="zh-TW" altLang="en-US" sz="2800" b="1" dirty="0" smtClean="0">
-                <a:solidFill>
-                  <a:schemeClr val="tx1">
-                    <a:lumMod val="75000"/>
-                    <a:lumOff val="25000"/>
-                  </a:schemeClr>
-                </a:solidFill>
-                <a:latin typeface="思源黑体 CN Bold" panose="020B0800000000000000" pitchFamily="34" charset="-122"/>
-                <a:ea typeface="思源黑体 CN Bold" panose="020B0800000000000000" pitchFamily="34" charset="-122"/>
-                <a:cs typeface="+mn-ea"/>
-                <a:sym typeface="+mn-lt"/>
-              </a:rPr>
-              <a:t>日前</a:t>
-            </a:r>
-            <a:r>
-              <a:rPr lang="en-US" altLang="zh-TW" sz="2800" b="1" dirty="0" smtClean="0">
-                <a:solidFill>
-                  <a:schemeClr val="tx1">
-                    <a:lumMod val="75000"/>
-                    <a:lumOff val="25000"/>
-                  </a:schemeClr>
-                </a:solidFill>
-                <a:latin typeface="思源黑体 CN Bold" panose="020B0800000000000000" pitchFamily="34" charset="-122"/>
-                <a:ea typeface="思源黑体 CN Bold" panose="020B0800000000000000" pitchFamily="34" charset="-122"/>
-                <a:cs typeface="+mn-ea"/>
-                <a:sym typeface="+mn-lt"/>
-              </a:rPr>
-              <a:t>(10/13)</a:t>
-            </a:r>
-            <a:r>
-              <a:rPr lang="zh-TW" altLang="en-US" sz="2800" b="1" dirty="0" smtClean="0">
-                <a:solidFill>
-                  <a:schemeClr val="tx1">
-                    <a:lumMod val="75000"/>
-                    <a:lumOff val="25000"/>
-                  </a:schemeClr>
-                </a:solidFill>
-                <a:latin typeface="思源黑体 CN Bold" panose="020B0800000000000000" pitchFamily="34" charset="-122"/>
-                <a:ea typeface="思源黑体 CN Bold" panose="020B0800000000000000" pitchFamily="34" charset="-122"/>
-                <a:cs typeface="+mn-ea"/>
-                <a:sym typeface="+mn-lt"/>
-              </a:rPr>
-              <a:t>的</a:t>
-            </a:r>
-            <a:r>
-              <a:rPr lang="en-US" altLang="zh-TW" sz="2800" b="1" dirty="0" smtClean="0">
-                <a:solidFill>
-                  <a:schemeClr val="tx1">
-                    <a:lumMod val="75000"/>
-                    <a:lumOff val="25000"/>
-                  </a:schemeClr>
-                </a:solidFill>
-                <a:latin typeface="思源黑体 CN Bold" panose="020B0800000000000000" pitchFamily="34" charset="-122"/>
-                <a:ea typeface="思源黑体 CN Bold" panose="020B0800000000000000" pitchFamily="34" charset="-122"/>
-                <a:cs typeface="+mn-ea"/>
-                <a:sym typeface="+mn-lt"/>
-              </a:rPr>
-              <a:t>6285</a:t>
-            </a:r>
-            <a:r>
-              <a:rPr lang="zh-TW" altLang="en-US" sz="2800" b="1" dirty="0" smtClean="0">
-                <a:solidFill>
-                  <a:schemeClr val="tx1">
-                    <a:lumMod val="75000"/>
-                    <a:lumOff val="25000"/>
-                  </a:schemeClr>
-                </a:solidFill>
-                <a:latin typeface="思源黑体 CN Bold" panose="020B0800000000000000" pitchFamily="34" charset="-122"/>
-                <a:ea typeface="思源黑体 CN Bold" panose="020B0800000000000000" pitchFamily="34" charset="-122"/>
-                <a:cs typeface="+mn-ea"/>
-                <a:sym typeface="+mn-lt"/>
-              </a:rPr>
-              <a:t>，均線將會上揚</a:t>
-            </a:r>
-            <a:endParaRPr lang="zh-CN" altLang="en-US" sz="2800" b="1" dirty="0">
-              <a:solidFill>
-                <a:schemeClr val="tx1">
-                  <a:lumMod val="75000"/>
-                  <a:lumOff val="25000"/>
-                </a:schemeClr>
-              </a:solidFill>
-              <a:latin typeface="思源黑体 CN Bold" panose="020B0800000000000000" pitchFamily="34" charset="-122"/>
-              <a:ea typeface="思源黑体 CN Bold" panose="020B0800000000000000" pitchFamily="34" charset="-122"/>
-              <a:cs typeface="+mn-ea"/>
-              <a:sym typeface="+mn-lt"/>
-            </a:endParaRPr>
-          </a:p>
         </p:txBody>
       </p:sp>
     </p:spTree>
     <p:extLst>
       <p:ext uri="{BB962C8B-B14F-4D97-AF65-F5344CB8AC3E}">
-        <p14:creationId xmlns:p14="http://schemas.microsoft.com/office/powerpoint/2010/main" val="1782054272"/>
+        <p14:creationId xmlns:p14="http://schemas.microsoft.com/office/powerpoint/2010/main" val="15961207"/>
       </p:ext>
     </p:extLst>
   </p:cSld>
@@ -7317,9 +7485,9 @@
                     <a:lumOff val="25000"/>
                   </a:schemeClr>
                 </a:solidFill>
-                <a:latin typeface="思源黑体 CN Bold" panose="020B0800000000000000" pitchFamily="34" charset="-122"/>
-                <a:ea typeface="思源黑体 CN Bold" panose="020B0800000000000000" pitchFamily="34" charset="-122"/>
-                <a:cs typeface="+mn-ea"/>
+                <a:latin typeface="Microsoft JhengHei" charset="-120"/>
+                <a:ea typeface="Microsoft JhengHei" charset="-120"/>
+                <a:cs typeface="Microsoft JhengHei" charset="-120"/>
                 <a:sym typeface="+mn-lt"/>
               </a:rPr>
               <a:t>均線理論 </a:t>
@@ -7332,9 +7500,9 @@
                     <a:lumOff val="25000"/>
                   </a:schemeClr>
                 </a:solidFill>
-                <a:latin typeface="思源黑体 CN Bold" panose="020B0800000000000000" pitchFamily="34" charset="-122"/>
-                <a:ea typeface="思源黑体 CN Bold" panose="020B0800000000000000" pitchFamily="34" charset="-122"/>
-                <a:cs typeface="+mn-ea"/>
+                <a:latin typeface="Microsoft JhengHei" charset="-120"/>
+                <a:ea typeface="Microsoft JhengHei" charset="-120"/>
+                <a:cs typeface="Microsoft JhengHei" charset="-120"/>
                 <a:sym typeface="+mn-lt"/>
               </a:rPr>
               <a:t>Moving Average</a:t>
@@ -7346,9 +7514,9 @@
                   <a:lumOff val="25000"/>
                 </a:schemeClr>
               </a:solidFill>
-              <a:latin typeface="思源黑体 CN Bold" panose="020B0800000000000000" pitchFamily="34" charset="-122"/>
-              <a:ea typeface="思源黑体 CN Bold" panose="020B0800000000000000" pitchFamily="34" charset="-122"/>
-              <a:cs typeface="+mn-ea"/>
+              <a:latin typeface="Microsoft JhengHei" charset="-120"/>
+              <a:ea typeface="Microsoft JhengHei" charset="-120"/>
+              <a:cs typeface="Microsoft JhengHei" charset="-120"/>
               <a:sym typeface="+mn-lt"/>
             </a:endParaRPr>
           </a:p>
@@ -7404,8 +7572,8 @@
         </p:nvSpPr>
         <p:spPr>
           <a:xfrm>
-            <a:off x="5027309" y="3044801"/>
-            <a:ext cx="2179826" cy="1200329"/>
+            <a:off x="1619089" y="1459753"/>
+            <a:ext cx="9907503" cy="4770537"/>
           </a:xfrm>
           <a:prstGeom prst="rect">
             <a:avLst/>
@@ -7424,30 +7592,585 @@
           <a:p>
             <a:pPr lvl="0" defTabSz="685800"/>
             <a:r>
-              <a:rPr lang="zh-TW" altLang="en-US" sz="7200" b="1" dirty="0">
-                <a:solidFill>
-                  <a:schemeClr val="tx1">
-                    <a:lumMod val="75000"/>
-                    <a:lumOff val="25000"/>
-                  </a:schemeClr>
-                </a:solidFill>
-                <a:latin typeface="思源黑体 CN Bold" panose="020B0800000000000000" pitchFamily="34" charset="-122"/>
-                <a:ea typeface="思源黑体 CN Bold" panose="020B0800000000000000" pitchFamily="34" charset="-122"/>
-                <a:cs typeface="+mn-ea"/>
+              <a:rPr lang="zh-TW" altLang="en-US" sz="3600" b="1" dirty="0" smtClean="0">
+                <a:solidFill>
+                  <a:schemeClr val="tx1">
+                    <a:lumMod val="75000"/>
+                    <a:lumOff val="25000"/>
+                  </a:schemeClr>
+                </a:solidFill>
+                <a:latin typeface="Microsoft JhengHei" charset="-120"/>
+                <a:ea typeface="Microsoft JhengHei" charset="-120"/>
+                <a:cs typeface="Microsoft JhengHei" charset="-120"/>
                 <a:sym typeface="+mn-lt"/>
               </a:rPr>
-              <a:t>盲點</a:t>
-            </a:r>
-            <a:endParaRPr lang="zh-CN" altLang="en-US" sz="7200" b="1" dirty="0">
+              <a:t>均線扣抵</a:t>
+            </a:r>
+            <a:r>
+              <a:rPr lang="zh-TW" altLang="en-US" sz="3600" b="1" dirty="0" smtClean="0">
+                <a:solidFill>
+                  <a:schemeClr val="tx1">
+                    <a:lumMod val="75000"/>
+                    <a:lumOff val="25000"/>
+                  </a:schemeClr>
+                </a:solidFill>
+                <a:latin typeface="Microsoft JhengHei" charset="-120"/>
+                <a:ea typeface="Microsoft JhengHei" charset="-120"/>
+                <a:cs typeface="Microsoft JhengHei" charset="-120"/>
+                <a:sym typeface="+mn-lt"/>
+              </a:rPr>
+              <a:t>理論</a:t>
+            </a:r>
+            <a:endParaRPr lang="en-US" altLang="zh-TW" sz="3600" b="1" dirty="0">
               <a:solidFill>
                 <a:schemeClr val="tx1">
                   <a:lumMod val="75000"/>
                   <a:lumOff val="25000"/>
                 </a:schemeClr>
               </a:solidFill>
-              <a:latin typeface="思源黑体 CN Bold" panose="020B0800000000000000" pitchFamily="34" charset="-122"/>
-              <a:ea typeface="思源黑体 CN Bold" panose="020B0800000000000000" pitchFamily="34" charset="-122"/>
-              <a:cs typeface="+mn-ea"/>
+              <a:latin typeface="Microsoft JhengHei" charset="-120"/>
+              <a:ea typeface="Microsoft JhengHei" charset="-120"/>
+              <a:cs typeface="Microsoft JhengHei" charset="-120"/>
+              <a:sym typeface="+mn-lt"/>
+            </a:endParaRPr>
+          </a:p>
+          <a:p>
+            <a:pPr lvl="0" defTabSz="685800"/>
+            <a:r>
+              <a:rPr lang="zh-TW" altLang="en-US" sz="3600" b="1" dirty="0" smtClean="0">
+                <a:solidFill>
+                  <a:schemeClr val="tx1">
+                    <a:lumMod val="75000"/>
+                    <a:lumOff val="25000"/>
+                  </a:schemeClr>
+                </a:solidFill>
+                <a:latin typeface="Microsoft JhengHei" charset="-120"/>
+                <a:ea typeface="Microsoft JhengHei" charset="-120"/>
+                <a:cs typeface="Microsoft JhengHei" charset="-120"/>
+                <a:sym typeface="+mn-lt"/>
+              </a:rPr>
+              <a:t>可以判斷均線未來走向</a:t>
+            </a:r>
+            <a:endParaRPr lang="en-US" altLang="zh-TW" sz="3600" b="1" dirty="0" smtClean="0">
+              <a:solidFill>
+                <a:schemeClr val="tx1">
+                  <a:lumMod val="75000"/>
+                  <a:lumOff val="25000"/>
+                </a:schemeClr>
+              </a:solidFill>
+              <a:latin typeface="Microsoft JhengHei" charset="-120"/>
+              <a:ea typeface="Microsoft JhengHei" charset="-120"/>
+              <a:cs typeface="Microsoft JhengHei" charset="-120"/>
+              <a:sym typeface="+mn-lt"/>
+            </a:endParaRPr>
+          </a:p>
+          <a:p>
+            <a:pPr lvl="0" defTabSz="685800"/>
+            <a:endParaRPr lang="en-US" altLang="zh-CN" sz="3600" b="1" dirty="0">
+              <a:solidFill>
+                <a:schemeClr val="tx1">
+                  <a:lumMod val="75000"/>
+                  <a:lumOff val="25000"/>
+                </a:schemeClr>
+              </a:solidFill>
+              <a:latin typeface="Microsoft JhengHei" charset="-120"/>
+              <a:ea typeface="Microsoft JhengHei" charset="-120"/>
+              <a:cs typeface="Microsoft JhengHei" charset="-120"/>
+              <a:sym typeface="+mn-lt"/>
+            </a:endParaRPr>
+          </a:p>
+          <a:p>
+            <a:pPr lvl="0" defTabSz="685800"/>
+            <a:r>
+              <a:rPr lang="zh-TW" altLang="en-US" sz="2800" b="1" dirty="0" smtClean="0">
+                <a:solidFill>
+                  <a:schemeClr val="tx1">
+                    <a:lumMod val="75000"/>
+                    <a:lumOff val="25000"/>
+                  </a:schemeClr>
+                </a:solidFill>
+                <a:latin typeface="Microsoft JhengHei" charset="-120"/>
+                <a:ea typeface="Microsoft JhengHei" charset="-120"/>
+                <a:cs typeface="Microsoft JhengHei" charset="-120"/>
+                <a:sym typeface="+mn-lt"/>
+              </a:rPr>
+              <a:t>若以五日均線來判斷</a:t>
+            </a:r>
+            <a:endParaRPr lang="en-US" altLang="zh-TW" sz="2800" b="1" dirty="0" smtClean="0">
+              <a:solidFill>
+                <a:schemeClr val="tx1">
+                  <a:lumMod val="75000"/>
+                  <a:lumOff val="25000"/>
+                </a:schemeClr>
+              </a:solidFill>
+              <a:latin typeface="Microsoft JhengHei" charset="-120"/>
+              <a:ea typeface="Microsoft JhengHei" charset="-120"/>
+              <a:cs typeface="Microsoft JhengHei" charset="-120"/>
+              <a:sym typeface="+mn-lt"/>
+            </a:endParaRPr>
+          </a:p>
+          <a:p>
+            <a:pPr lvl="0" defTabSz="685800"/>
+            <a:r>
+              <a:rPr lang="en-US" altLang="zh-CN" sz="2800" b="1" dirty="0">
+                <a:solidFill>
+                  <a:schemeClr val="tx1">
+                    <a:lumMod val="75000"/>
+                    <a:lumOff val="25000"/>
+                  </a:schemeClr>
+                </a:solidFill>
+                <a:latin typeface="Microsoft JhengHei" charset="-120"/>
+                <a:ea typeface="Microsoft JhengHei" charset="-120"/>
+                <a:cs typeface="Microsoft JhengHei" charset="-120"/>
+                <a:sym typeface="+mn-lt"/>
+              </a:rPr>
+              <a:t>	</a:t>
+            </a:r>
+            <a:r>
+              <a:rPr lang="en-US" altLang="zh-TW" sz="2800" b="1" dirty="0" smtClean="0">
+                <a:solidFill>
+                  <a:schemeClr val="tx1">
+                    <a:lumMod val="75000"/>
+                    <a:lumOff val="25000"/>
+                  </a:schemeClr>
+                </a:solidFill>
+                <a:latin typeface="Microsoft JhengHei" charset="-120"/>
+                <a:ea typeface="Microsoft JhengHei" charset="-120"/>
+                <a:cs typeface="Microsoft JhengHei" charset="-120"/>
+                <a:sym typeface="+mn-lt"/>
+              </a:rPr>
+              <a:t>10/13</a:t>
+            </a:r>
+            <a:r>
+              <a:rPr lang="zh-TW" altLang="en-US" sz="2800" b="1" dirty="0" smtClean="0">
+                <a:solidFill>
+                  <a:schemeClr val="tx1">
+                    <a:lumMod val="75000"/>
+                    <a:lumOff val="25000"/>
+                  </a:schemeClr>
+                </a:solidFill>
+                <a:latin typeface="Microsoft JhengHei" charset="-120"/>
+                <a:ea typeface="Microsoft JhengHei" charset="-120"/>
+                <a:cs typeface="Microsoft JhengHei" charset="-120"/>
+                <a:sym typeface="+mn-lt"/>
+              </a:rPr>
+              <a:t>  </a:t>
+            </a:r>
+            <a:r>
+              <a:rPr lang="en-US" altLang="zh-TW" sz="2800" b="1" dirty="0" smtClean="0">
+                <a:solidFill>
+                  <a:schemeClr val="tx1">
+                    <a:lumMod val="75000"/>
+                    <a:lumOff val="25000"/>
+                  </a:schemeClr>
+                </a:solidFill>
+                <a:latin typeface="Microsoft JhengHei" charset="-120"/>
+                <a:ea typeface="Microsoft JhengHei" charset="-120"/>
+                <a:cs typeface="Microsoft JhengHei" charset="-120"/>
+                <a:sym typeface="+mn-lt"/>
+              </a:rPr>
+              <a:t>6285</a:t>
+            </a:r>
+          </a:p>
+          <a:p>
+            <a:pPr lvl="0" defTabSz="685800"/>
+            <a:r>
+              <a:rPr lang="en-US" altLang="zh-CN" sz="2800" b="1" dirty="0">
+                <a:solidFill>
+                  <a:schemeClr val="tx1">
+                    <a:lumMod val="75000"/>
+                    <a:lumOff val="25000"/>
+                  </a:schemeClr>
+                </a:solidFill>
+                <a:latin typeface="Microsoft JhengHei" charset="-120"/>
+                <a:ea typeface="Microsoft JhengHei" charset="-120"/>
+                <a:cs typeface="Microsoft JhengHei" charset="-120"/>
+                <a:sym typeface="+mn-lt"/>
+              </a:rPr>
+              <a:t>	</a:t>
+            </a:r>
+            <a:r>
+              <a:rPr lang="en-US" altLang="zh-TW" sz="2800" b="1" dirty="0" smtClean="0">
+                <a:solidFill>
+                  <a:schemeClr val="tx1">
+                    <a:lumMod val="75000"/>
+                    <a:lumOff val="25000"/>
+                  </a:schemeClr>
+                </a:solidFill>
+                <a:latin typeface="Microsoft JhengHei" charset="-120"/>
+                <a:ea typeface="Microsoft JhengHei" charset="-120"/>
+                <a:cs typeface="Microsoft JhengHei" charset="-120"/>
+                <a:sym typeface="+mn-lt"/>
+              </a:rPr>
+              <a:t>10/14</a:t>
+            </a:r>
+            <a:r>
+              <a:rPr lang="zh-TW" altLang="en-US" sz="2800" b="1" dirty="0" smtClean="0">
+                <a:solidFill>
+                  <a:schemeClr val="tx1">
+                    <a:lumMod val="75000"/>
+                    <a:lumOff val="25000"/>
+                  </a:schemeClr>
+                </a:solidFill>
+                <a:latin typeface="Microsoft JhengHei" charset="-120"/>
+                <a:ea typeface="Microsoft JhengHei" charset="-120"/>
+                <a:cs typeface="Microsoft JhengHei" charset="-120"/>
+                <a:sym typeface="+mn-lt"/>
+              </a:rPr>
+              <a:t>  </a:t>
+            </a:r>
+            <a:r>
+              <a:rPr lang="en-US" altLang="zh-TW" sz="2800" b="1" dirty="0" smtClean="0">
+                <a:solidFill>
+                  <a:schemeClr val="tx1">
+                    <a:lumMod val="75000"/>
+                    <a:lumOff val="25000"/>
+                  </a:schemeClr>
+                </a:solidFill>
+                <a:latin typeface="Microsoft JhengHei" charset="-120"/>
+                <a:ea typeface="Microsoft JhengHei" charset="-120"/>
+                <a:cs typeface="Microsoft JhengHei" charset="-120"/>
+                <a:sym typeface="+mn-lt"/>
+              </a:rPr>
+              <a:t>6314</a:t>
+            </a:r>
+          </a:p>
+          <a:p>
+            <a:pPr lvl="0" defTabSz="685800"/>
+            <a:r>
+              <a:rPr lang="en-US" altLang="zh-CN" sz="2800" b="1" dirty="0">
+                <a:solidFill>
+                  <a:schemeClr val="tx1">
+                    <a:lumMod val="75000"/>
+                    <a:lumOff val="25000"/>
+                  </a:schemeClr>
+                </a:solidFill>
+                <a:latin typeface="Microsoft JhengHei" charset="-120"/>
+                <a:ea typeface="Microsoft JhengHei" charset="-120"/>
+                <a:cs typeface="Microsoft JhengHei" charset="-120"/>
+                <a:sym typeface="+mn-lt"/>
+              </a:rPr>
+              <a:t>	</a:t>
+            </a:r>
+            <a:r>
+              <a:rPr lang="en-US" altLang="zh-TW" sz="2800" b="1" dirty="0" smtClean="0">
+                <a:solidFill>
+                  <a:schemeClr val="tx1">
+                    <a:lumMod val="75000"/>
+                    <a:lumOff val="25000"/>
+                  </a:schemeClr>
+                </a:solidFill>
+                <a:latin typeface="Microsoft JhengHei" charset="-120"/>
+                <a:ea typeface="Microsoft JhengHei" charset="-120"/>
+                <a:cs typeface="Microsoft JhengHei" charset="-120"/>
+                <a:sym typeface="+mn-lt"/>
+              </a:rPr>
+              <a:t>10/15</a:t>
+            </a:r>
+            <a:r>
+              <a:rPr lang="zh-TW" altLang="en-US" sz="2800" b="1" dirty="0" smtClean="0">
+                <a:solidFill>
+                  <a:schemeClr val="tx1">
+                    <a:lumMod val="75000"/>
+                    <a:lumOff val="25000"/>
+                  </a:schemeClr>
+                </a:solidFill>
+                <a:latin typeface="Microsoft JhengHei" charset="-120"/>
+                <a:ea typeface="Microsoft JhengHei" charset="-120"/>
+                <a:cs typeface="Microsoft JhengHei" charset="-120"/>
+                <a:sym typeface="+mn-lt"/>
+              </a:rPr>
+              <a:t>  </a:t>
+            </a:r>
+            <a:r>
+              <a:rPr lang="en-US" altLang="zh-TW" sz="2800" b="1" dirty="0" smtClean="0">
+                <a:solidFill>
+                  <a:schemeClr val="tx1">
+                    <a:lumMod val="75000"/>
+                    <a:lumOff val="25000"/>
+                  </a:schemeClr>
+                </a:solidFill>
+                <a:latin typeface="Microsoft JhengHei" charset="-120"/>
+                <a:ea typeface="Microsoft JhengHei" charset="-120"/>
+                <a:cs typeface="Microsoft JhengHei" charset="-120"/>
+                <a:sym typeface="+mn-lt"/>
+              </a:rPr>
+              <a:t>6328	</a:t>
+            </a:r>
+          </a:p>
+          <a:p>
+            <a:pPr lvl="0" defTabSz="685800"/>
+            <a:r>
+              <a:rPr lang="en-US" altLang="zh-CN" sz="2800" b="1" dirty="0">
+                <a:solidFill>
+                  <a:schemeClr val="tx1">
+                    <a:lumMod val="75000"/>
+                    <a:lumOff val="25000"/>
+                  </a:schemeClr>
+                </a:solidFill>
+                <a:latin typeface="Microsoft JhengHei" charset="-120"/>
+                <a:ea typeface="Microsoft JhengHei" charset="-120"/>
+                <a:cs typeface="Microsoft JhengHei" charset="-120"/>
+                <a:sym typeface="+mn-lt"/>
+              </a:rPr>
+              <a:t>	</a:t>
+            </a:r>
+            <a:r>
+              <a:rPr lang="en-US" altLang="zh-TW" sz="2800" b="1" dirty="0" smtClean="0">
+                <a:solidFill>
+                  <a:schemeClr val="tx1">
+                    <a:lumMod val="75000"/>
+                    <a:lumOff val="25000"/>
+                  </a:schemeClr>
+                </a:solidFill>
+                <a:latin typeface="Microsoft JhengHei" charset="-120"/>
+                <a:ea typeface="Microsoft JhengHei" charset="-120"/>
+                <a:cs typeface="Microsoft JhengHei" charset="-120"/>
+                <a:sym typeface="+mn-lt"/>
+              </a:rPr>
+              <a:t>10/16</a:t>
+            </a:r>
+            <a:r>
+              <a:rPr lang="zh-TW" altLang="en-US" sz="2800" b="1" dirty="0" smtClean="0">
+                <a:solidFill>
+                  <a:schemeClr val="tx1">
+                    <a:lumMod val="75000"/>
+                    <a:lumOff val="25000"/>
+                  </a:schemeClr>
+                </a:solidFill>
+                <a:latin typeface="Microsoft JhengHei" charset="-120"/>
+                <a:ea typeface="Microsoft JhengHei" charset="-120"/>
+                <a:cs typeface="Microsoft JhengHei" charset="-120"/>
+                <a:sym typeface="+mn-lt"/>
+              </a:rPr>
+              <a:t>  </a:t>
+            </a:r>
+            <a:r>
+              <a:rPr lang="en-US" altLang="zh-TW" sz="2800" b="1" dirty="0" smtClean="0">
+                <a:solidFill>
+                  <a:schemeClr val="tx1">
+                    <a:lumMod val="75000"/>
+                    <a:lumOff val="25000"/>
+                  </a:schemeClr>
+                </a:solidFill>
+                <a:latin typeface="Microsoft JhengHei" charset="-120"/>
+                <a:ea typeface="Microsoft JhengHei" charset="-120"/>
+                <a:cs typeface="Microsoft JhengHei" charset="-120"/>
+                <a:sym typeface="+mn-lt"/>
+              </a:rPr>
+              <a:t>6659	</a:t>
+            </a:r>
+          </a:p>
+          <a:p>
+            <a:pPr lvl="0" defTabSz="685800"/>
+            <a:r>
+              <a:rPr lang="en-US" altLang="zh-CN" sz="2800" b="1" dirty="0">
+                <a:solidFill>
+                  <a:schemeClr val="tx1">
+                    <a:lumMod val="75000"/>
+                    <a:lumOff val="25000"/>
+                  </a:schemeClr>
+                </a:solidFill>
+                <a:latin typeface="Microsoft JhengHei" charset="-120"/>
+                <a:ea typeface="Microsoft JhengHei" charset="-120"/>
+                <a:cs typeface="Microsoft JhengHei" charset="-120"/>
+                <a:sym typeface="+mn-lt"/>
+              </a:rPr>
+              <a:t>	</a:t>
+            </a:r>
+            <a:r>
+              <a:rPr lang="en-US" altLang="zh-TW" sz="2800" b="1" dirty="0" smtClean="0">
+                <a:solidFill>
+                  <a:schemeClr val="tx1">
+                    <a:lumMod val="75000"/>
+                    <a:lumOff val="25000"/>
+                  </a:schemeClr>
+                </a:solidFill>
+                <a:latin typeface="Microsoft JhengHei" charset="-120"/>
+                <a:ea typeface="Microsoft JhengHei" charset="-120"/>
+                <a:cs typeface="Microsoft JhengHei" charset="-120"/>
+                <a:sym typeface="+mn-lt"/>
+              </a:rPr>
+              <a:t>10/17</a:t>
+            </a:r>
+            <a:r>
+              <a:rPr lang="zh-TW" altLang="en-US" sz="2800" b="1" dirty="0" smtClean="0">
+                <a:solidFill>
+                  <a:schemeClr val="tx1">
+                    <a:lumMod val="75000"/>
+                    <a:lumOff val="25000"/>
+                  </a:schemeClr>
+                </a:solidFill>
+                <a:latin typeface="Microsoft JhengHei" charset="-120"/>
+                <a:ea typeface="Microsoft JhengHei" charset="-120"/>
+                <a:cs typeface="Microsoft JhengHei" charset="-120"/>
+                <a:sym typeface="+mn-lt"/>
+              </a:rPr>
+              <a:t>  </a:t>
+            </a:r>
+            <a:r>
+              <a:rPr lang="en-US" altLang="zh-TW" sz="2800" b="1" dirty="0" smtClean="0">
+                <a:solidFill>
+                  <a:schemeClr val="tx1">
+                    <a:lumMod val="75000"/>
+                    <a:lumOff val="25000"/>
+                  </a:schemeClr>
+                </a:solidFill>
+                <a:latin typeface="Microsoft JhengHei" charset="-120"/>
+                <a:ea typeface="Microsoft JhengHei" charset="-120"/>
+                <a:cs typeface="Microsoft JhengHei" charset="-120"/>
+                <a:sym typeface="+mn-lt"/>
+              </a:rPr>
+              <a:t>6635</a:t>
+            </a:r>
+          </a:p>
+          <a:p>
+            <a:pPr lvl="0" defTabSz="685800"/>
+            <a:r>
+              <a:rPr lang="zh-TW" altLang="en-US" sz="2800" b="1" dirty="0" smtClean="0">
+                <a:solidFill>
+                  <a:schemeClr val="tx1">
+                    <a:lumMod val="75000"/>
+                    <a:lumOff val="25000"/>
+                  </a:schemeClr>
+                </a:solidFill>
+                <a:latin typeface="Microsoft JhengHei" charset="-120"/>
+                <a:ea typeface="Microsoft JhengHei" charset="-120"/>
+                <a:cs typeface="Microsoft JhengHei" charset="-120"/>
+                <a:sym typeface="+mn-lt"/>
+              </a:rPr>
+              <a:t>若</a:t>
+            </a:r>
+            <a:r>
+              <a:rPr lang="en-US" altLang="zh-TW" sz="2800" b="1" dirty="0" smtClean="0">
+                <a:solidFill>
+                  <a:schemeClr val="tx1">
+                    <a:lumMod val="75000"/>
+                    <a:lumOff val="25000"/>
+                  </a:schemeClr>
+                </a:solidFill>
+                <a:latin typeface="Microsoft JhengHei" charset="-120"/>
+                <a:ea typeface="Microsoft JhengHei" charset="-120"/>
+                <a:cs typeface="Microsoft JhengHei" charset="-120"/>
+                <a:sym typeface="+mn-lt"/>
+              </a:rPr>
+              <a:t>10/18</a:t>
+            </a:r>
+            <a:r>
+              <a:rPr lang="zh-TW" altLang="en-US" sz="2800" b="1" dirty="0" smtClean="0">
+                <a:solidFill>
+                  <a:schemeClr val="tx1">
+                    <a:lumMod val="75000"/>
+                    <a:lumOff val="25000"/>
+                  </a:schemeClr>
+                </a:solidFill>
+                <a:latin typeface="Microsoft JhengHei" charset="-120"/>
+                <a:ea typeface="Microsoft JhengHei" charset="-120"/>
+                <a:cs typeface="Microsoft JhengHei" charset="-120"/>
+                <a:sym typeface="+mn-lt"/>
+              </a:rPr>
+              <a:t>日的價格高於</a:t>
+            </a:r>
+            <a:r>
+              <a:rPr lang="en-US" altLang="zh-TW" sz="2800" b="1" dirty="0" smtClean="0">
+                <a:solidFill>
+                  <a:schemeClr val="tx1">
+                    <a:lumMod val="75000"/>
+                    <a:lumOff val="25000"/>
+                  </a:schemeClr>
+                </a:solidFill>
+                <a:latin typeface="Microsoft JhengHei" charset="-120"/>
+                <a:ea typeface="Microsoft JhengHei" charset="-120"/>
+                <a:cs typeface="Microsoft JhengHei" charset="-120"/>
+                <a:sym typeface="+mn-lt"/>
+              </a:rPr>
+              <a:t>5</a:t>
+            </a:r>
+            <a:r>
+              <a:rPr lang="zh-TW" altLang="en-US" sz="2800" b="1" dirty="0" smtClean="0">
+                <a:solidFill>
+                  <a:schemeClr val="tx1">
+                    <a:lumMod val="75000"/>
+                    <a:lumOff val="25000"/>
+                  </a:schemeClr>
+                </a:solidFill>
+                <a:latin typeface="Microsoft JhengHei" charset="-120"/>
+                <a:ea typeface="Microsoft JhengHei" charset="-120"/>
+                <a:cs typeface="Microsoft JhengHei" charset="-120"/>
+                <a:sym typeface="+mn-lt"/>
+              </a:rPr>
+              <a:t>日前</a:t>
+            </a:r>
+            <a:r>
+              <a:rPr lang="en-US" altLang="zh-TW" sz="2800" b="1" dirty="0" smtClean="0">
+                <a:solidFill>
+                  <a:schemeClr val="tx1">
+                    <a:lumMod val="75000"/>
+                    <a:lumOff val="25000"/>
+                  </a:schemeClr>
+                </a:solidFill>
+                <a:latin typeface="Microsoft JhengHei" charset="-120"/>
+                <a:ea typeface="Microsoft JhengHei" charset="-120"/>
+                <a:cs typeface="Microsoft JhengHei" charset="-120"/>
+                <a:sym typeface="+mn-lt"/>
+              </a:rPr>
+              <a:t>(10/13)</a:t>
+            </a:r>
+            <a:r>
+              <a:rPr lang="zh-TW" altLang="en-US" sz="2800" b="1" dirty="0" smtClean="0">
+                <a:solidFill>
+                  <a:schemeClr val="tx1">
+                    <a:lumMod val="75000"/>
+                    <a:lumOff val="25000"/>
+                  </a:schemeClr>
+                </a:solidFill>
+                <a:latin typeface="Microsoft JhengHei" charset="-120"/>
+                <a:ea typeface="Microsoft JhengHei" charset="-120"/>
+                <a:cs typeface="Microsoft JhengHei" charset="-120"/>
+                <a:sym typeface="+mn-lt"/>
+              </a:rPr>
+              <a:t>的</a:t>
+            </a:r>
+            <a:r>
+              <a:rPr lang="en-US" altLang="zh-TW" sz="2800" b="1" dirty="0" smtClean="0">
+                <a:solidFill>
+                  <a:schemeClr val="tx1">
+                    <a:lumMod val="75000"/>
+                    <a:lumOff val="25000"/>
+                  </a:schemeClr>
+                </a:solidFill>
+                <a:latin typeface="Microsoft JhengHei" charset="-120"/>
+                <a:ea typeface="Microsoft JhengHei" charset="-120"/>
+                <a:cs typeface="Microsoft JhengHei" charset="-120"/>
+                <a:sym typeface="+mn-lt"/>
+              </a:rPr>
+              <a:t>6285</a:t>
+            </a:r>
+            <a:r>
+              <a:rPr lang="zh-TW" altLang="en-US" sz="2800" b="1" dirty="0" smtClean="0">
+                <a:solidFill>
+                  <a:schemeClr val="tx1">
+                    <a:lumMod val="75000"/>
+                    <a:lumOff val="25000"/>
+                  </a:schemeClr>
+                </a:solidFill>
+                <a:latin typeface="Microsoft JhengHei" charset="-120"/>
+                <a:ea typeface="Microsoft JhengHei" charset="-120"/>
+                <a:cs typeface="Microsoft JhengHei" charset="-120"/>
+                <a:sym typeface="+mn-lt"/>
+              </a:rPr>
+              <a:t>，均線將會上揚</a:t>
+            </a:r>
+            <a:endParaRPr lang="zh-CN" altLang="en-US" sz="2800" b="1" dirty="0">
+              <a:solidFill>
+                <a:schemeClr val="tx1">
+                  <a:lumMod val="75000"/>
+                  <a:lumOff val="25000"/>
+                </a:schemeClr>
+              </a:solidFill>
+              <a:latin typeface="Microsoft JhengHei" charset="-120"/>
+              <a:ea typeface="Microsoft JhengHei" charset="-120"/>
+              <a:cs typeface="Microsoft JhengHei" charset="-120"/>
               <a:sym typeface="+mn-lt"/>
             </a:endParaRPr>
           </a:p>
@@ -7456,7 +8179,7 @@
     </p:spTree>
     <p:extLst>
       <p:ext uri="{BB962C8B-B14F-4D97-AF65-F5344CB8AC3E}">
-        <p14:creationId xmlns:p14="http://schemas.microsoft.com/office/powerpoint/2010/main" val="2809642738"/>
+        <p14:creationId xmlns:p14="http://schemas.microsoft.com/office/powerpoint/2010/main" val="1782054272"/>
       </p:ext>
     </p:extLst>
   </p:cSld>
@@ -7528,9 +8251,9 @@
                     <a:lumOff val="25000"/>
                   </a:schemeClr>
                 </a:solidFill>
-                <a:latin typeface="思源黑体 CN Bold" panose="020B0800000000000000" pitchFamily="34" charset="-122"/>
-                <a:ea typeface="思源黑体 CN Bold" panose="020B0800000000000000" pitchFamily="34" charset="-122"/>
-                <a:cs typeface="+mn-ea"/>
+                <a:latin typeface="Microsoft JhengHei" charset="-120"/>
+                <a:ea typeface="Microsoft JhengHei" charset="-120"/>
+                <a:cs typeface="Microsoft JhengHei" charset="-120"/>
                 <a:sym typeface="+mn-lt"/>
               </a:rPr>
               <a:t>均線理論 </a:t>
@@ -7543,9 +8266,9 @@
                     <a:lumOff val="25000"/>
                   </a:schemeClr>
                 </a:solidFill>
-                <a:latin typeface="思源黑体 CN Bold" panose="020B0800000000000000" pitchFamily="34" charset="-122"/>
-                <a:ea typeface="思源黑体 CN Bold" panose="020B0800000000000000" pitchFamily="34" charset="-122"/>
-                <a:cs typeface="+mn-ea"/>
+                <a:latin typeface="Microsoft JhengHei" charset="-120"/>
+                <a:ea typeface="Microsoft JhengHei" charset="-120"/>
+                <a:cs typeface="Microsoft JhengHei" charset="-120"/>
                 <a:sym typeface="+mn-lt"/>
               </a:rPr>
               <a:t>Moving Average</a:t>
@@ -7557,9 +8280,9 @@
                   <a:lumOff val="25000"/>
                 </a:schemeClr>
               </a:solidFill>
-              <a:latin typeface="思源黑体 CN Bold" panose="020B0800000000000000" pitchFamily="34" charset="-122"/>
-              <a:ea typeface="思源黑体 CN Bold" panose="020B0800000000000000" pitchFamily="34" charset="-122"/>
-              <a:cs typeface="+mn-ea"/>
+              <a:latin typeface="Microsoft JhengHei" charset="-120"/>
+              <a:ea typeface="Microsoft JhengHei" charset="-120"/>
+              <a:cs typeface="Microsoft JhengHei" charset="-120"/>
               <a:sym typeface="+mn-lt"/>
             </a:endParaRPr>
           </a:p>
@@ -7615,8 +8338,8 @@
         </p:nvSpPr>
         <p:spPr>
           <a:xfrm>
-            <a:off x="1379914" y="1980772"/>
-            <a:ext cx="11280370" cy="3416320"/>
+            <a:off x="5027309" y="3044801"/>
+            <a:ext cx="2179826" cy="1200329"/>
           </a:xfrm>
           <a:prstGeom prst="rect">
             <a:avLst/>
@@ -7633,417 +8356,32 @@
           </a:bodyPr>
           <a:lstStyle/>
           <a:p>
-            <a:pPr lvl="0"/>
-            <a:r>
-              <a:rPr lang="en-US" altLang="zh-TW" sz="3600" b="1" dirty="0">
-                <a:solidFill>
-                  <a:schemeClr val="tx1">
-                    <a:lumMod val="75000"/>
-                    <a:lumOff val="25000"/>
-                  </a:schemeClr>
-                </a:solidFill>
-                <a:latin typeface="微軟正黑體" panose="020B0604030504040204" pitchFamily="34" charset="-120"/>
-                <a:ea typeface="微軟正黑體" panose="020B0604030504040204" pitchFamily="34" charset="-120"/>
-              </a:rPr>
-              <a:t>	</a:t>
-            </a:r>
-            <a:r>
-              <a:rPr lang="zh-TW" altLang="en-US" sz="3600" b="1" dirty="0">
-                <a:solidFill>
-                  <a:schemeClr val="tx1">
-                    <a:lumMod val="75000"/>
-                    <a:lumOff val="25000"/>
-                  </a:schemeClr>
-                </a:solidFill>
-                <a:latin typeface="微軟正黑體" panose="020B0604030504040204" pitchFamily="34" charset="-120"/>
-                <a:ea typeface="微軟正黑體" panose="020B0604030504040204" pitchFamily="34" charset="-120"/>
-              </a:rPr>
-              <a:t>將過去</a:t>
-            </a:r>
-            <a:r>
-              <a:rPr lang="en-US" altLang="zh-TW" sz="3600" b="1" dirty="0">
-                <a:solidFill>
-                  <a:schemeClr val="tx1">
-                    <a:lumMod val="75000"/>
-                    <a:lumOff val="25000"/>
-                  </a:schemeClr>
-                </a:solidFill>
-                <a:latin typeface="微軟正黑體" panose="020B0604030504040204" pitchFamily="34" charset="-120"/>
-                <a:ea typeface="微軟正黑體" panose="020B0604030504040204" pitchFamily="34" charset="-120"/>
-              </a:rPr>
-              <a:t>N</a:t>
-            </a:r>
-            <a:r>
-              <a:rPr lang="zh-TW" altLang="en-US" sz="3600" b="1" dirty="0">
-                <a:solidFill>
-                  <a:schemeClr val="tx1">
-                    <a:lumMod val="75000"/>
-                    <a:lumOff val="25000"/>
-                  </a:schemeClr>
-                </a:solidFill>
-                <a:latin typeface="微軟正黑體" panose="020B0604030504040204" pitchFamily="34" charset="-120"/>
-                <a:ea typeface="微軟正黑體" panose="020B0604030504040204" pitchFamily="34" charset="-120"/>
-              </a:rPr>
-              <a:t>日</a:t>
-            </a:r>
-            <a:r>
-              <a:rPr lang="zh-TW" altLang="en-US" sz="3600" b="1" dirty="0" smtClean="0">
-                <a:solidFill>
-                  <a:schemeClr val="tx1">
-                    <a:lumMod val="75000"/>
-                    <a:lumOff val="25000"/>
-                  </a:schemeClr>
-                </a:solidFill>
-                <a:latin typeface="微軟正黑體" panose="020B0604030504040204" pitchFamily="34" charset="-120"/>
-                <a:ea typeface="微軟正黑體" panose="020B0604030504040204" pitchFamily="34" charset="-120"/>
-              </a:rPr>
-              <a:t>的</a:t>
-            </a:r>
-            <a:r>
-              <a:rPr lang="zh-TW" altLang="en-US" sz="3600" b="1" dirty="0">
-                <a:solidFill>
-                  <a:schemeClr val="tx1">
-                    <a:lumMod val="75000"/>
-                    <a:lumOff val="25000"/>
-                  </a:schemeClr>
-                </a:solidFill>
-                <a:latin typeface="微軟正黑體" panose="020B0604030504040204" pitchFamily="34" charset="-120"/>
-                <a:ea typeface="微軟正黑體" panose="020B0604030504040204" pitchFamily="34" charset="-120"/>
-              </a:rPr>
-              <a:t>價格</a:t>
-            </a:r>
-            <a:r>
-              <a:rPr lang="zh-TW" altLang="en-US" sz="3600" b="1" dirty="0" smtClean="0">
-                <a:solidFill>
-                  <a:schemeClr val="tx1">
-                    <a:lumMod val="75000"/>
-                    <a:lumOff val="25000"/>
-                  </a:schemeClr>
-                </a:solidFill>
-                <a:latin typeface="微軟正黑體" panose="020B0604030504040204" pitchFamily="34" charset="-120"/>
-                <a:ea typeface="微軟正黑體" panose="020B0604030504040204" pitchFamily="34" charset="-120"/>
-              </a:rPr>
-              <a:t>做</a:t>
-            </a:r>
-            <a:r>
-              <a:rPr lang="zh-TW" altLang="en-US" sz="3600" b="1" dirty="0">
-                <a:solidFill>
-                  <a:schemeClr val="tx1">
-                    <a:lumMod val="75000"/>
-                    <a:lumOff val="25000"/>
-                  </a:schemeClr>
-                </a:solidFill>
-                <a:latin typeface="微軟正黑體" panose="020B0604030504040204" pitchFamily="34" charset="-120"/>
-                <a:ea typeface="微軟正黑體" panose="020B0604030504040204" pitchFamily="34" charset="-120"/>
-              </a:rPr>
-              <a:t>算術平均，</a:t>
-            </a:r>
-            <a:endParaRPr lang="en-US" altLang="zh-TW" sz="3600" b="1" dirty="0">
+            <a:pPr lvl="0" defTabSz="685800"/>
+            <a:r>
+              <a:rPr lang="zh-TW" altLang="en-US" sz="7200" b="1" dirty="0">
+                <a:solidFill>
+                  <a:schemeClr val="tx1">
+                    <a:lumMod val="75000"/>
+                    <a:lumOff val="25000"/>
+                  </a:schemeClr>
+                </a:solidFill>
+                <a:latin typeface="Microsoft JhengHei" charset="-120"/>
+                <a:ea typeface="Microsoft JhengHei" charset="-120"/>
+                <a:cs typeface="Microsoft JhengHei" charset="-120"/>
+                <a:sym typeface="+mn-lt"/>
+              </a:rPr>
+              <a:t>盲點</a:t>
+            </a:r>
+            <a:endParaRPr lang="zh-CN" altLang="en-US" sz="7200" b="1" dirty="0">
               <a:solidFill>
                 <a:schemeClr val="tx1">
                   <a:lumMod val="75000"/>
                   <a:lumOff val="25000"/>
                 </a:schemeClr>
               </a:solidFill>
-              <a:latin typeface="微軟正黑體" panose="020B0604030504040204" pitchFamily="34" charset="-120"/>
-              <a:ea typeface="微軟正黑體" panose="020B0604030504040204" pitchFamily="34" charset="-120"/>
-            </a:endParaRPr>
-          </a:p>
-          <a:p>
-            <a:pPr lvl="0"/>
-            <a:r>
-              <a:rPr lang="en-US" altLang="zh-TW" sz="3600" b="1" dirty="0">
-                <a:solidFill>
-                  <a:schemeClr val="tx1">
-                    <a:lumMod val="75000"/>
-                    <a:lumOff val="25000"/>
-                  </a:schemeClr>
-                </a:solidFill>
-                <a:latin typeface="微軟正黑體" panose="020B0604030504040204" pitchFamily="34" charset="-120"/>
-                <a:ea typeface="微軟正黑體" panose="020B0604030504040204" pitchFamily="34" charset="-120"/>
-              </a:rPr>
-              <a:t>	</a:t>
-            </a:r>
-            <a:r>
-              <a:rPr lang="zh-TW" altLang="en-US" sz="3600" b="1" dirty="0">
-                <a:solidFill>
-                  <a:schemeClr val="tx1">
-                    <a:lumMod val="75000"/>
-                    <a:lumOff val="25000"/>
-                  </a:schemeClr>
-                </a:solidFill>
-                <a:latin typeface="微軟正黑體" panose="020B0604030504040204" pitchFamily="34" charset="-120"/>
-                <a:ea typeface="微軟正黑體" panose="020B0604030504040204" pitchFamily="34" charset="-120"/>
-              </a:rPr>
-              <a:t>代表將過去</a:t>
-            </a:r>
-            <a:r>
-              <a:rPr lang="en-US" altLang="zh-TW" sz="3600" b="1" dirty="0">
-                <a:solidFill>
-                  <a:schemeClr val="tx1">
-                    <a:lumMod val="75000"/>
-                    <a:lumOff val="25000"/>
-                  </a:schemeClr>
-                </a:solidFill>
-                <a:latin typeface="微軟正黑體" panose="020B0604030504040204" pitchFamily="34" charset="-120"/>
-                <a:ea typeface="微軟正黑體" panose="020B0604030504040204" pitchFamily="34" charset="-120"/>
-              </a:rPr>
-              <a:t>N</a:t>
-            </a:r>
-            <a:r>
-              <a:rPr lang="zh-TW" altLang="en-US" sz="3600" b="1" dirty="0">
-                <a:solidFill>
-                  <a:schemeClr val="tx1">
-                    <a:lumMod val="75000"/>
-                    <a:lumOff val="25000"/>
-                  </a:schemeClr>
-                </a:solidFill>
-                <a:latin typeface="微軟正黑體" panose="020B0604030504040204" pitchFamily="34" charset="-120"/>
-                <a:ea typeface="微軟正黑體" panose="020B0604030504040204" pitchFamily="34" charset="-120"/>
-              </a:rPr>
-              <a:t>日</a:t>
-            </a:r>
-            <a:r>
-              <a:rPr lang="zh-TW" altLang="en-US" sz="3600" b="1" dirty="0" smtClean="0">
-                <a:solidFill>
-                  <a:schemeClr val="tx1">
-                    <a:lumMod val="75000"/>
-                    <a:lumOff val="25000"/>
-                  </a:schemeClr>
-                </a:solidFill>
-                <a:latin typeface="微軟正黑體" panose="020B0604030504040204" pitchFamily="34" charset="-120"/>
-                <a:ea typeface="微軟正黑體" panose="020B0604030504040204" pitchFamily="34" charset="-120"/>
-              </a:rPr>
-              <a:t>的價格影響</a:t>
-            </a:r>
-            <a:r>
-              <a:rPr lang="zh-TW" altLang="en-US" sz="3600" b="1" dirty="0">
-                <a:solidFill>
-                  <a:srgbClr val="FFC000"/>
-                </a:solidFill>
-                <a:latin typeface="微軟正黑體" panose="020B0604030504040204" pitchFamily="34" charset="-120"/>
-                <a:ea typeface="微軟正黑體" panose="020B0604030504040204" pitchFamily="34" charset="-120"/>
-              </a:rPr>
-              <a:t>視為相同</a:t>
-            </a:r>
-            <a:r>
-              <a:rPr lang="zh-TW" altLang="en-US" sz="3600" b="1" dirty="0">
-                <a:solidFill>
-                  <a:schemeClr val="tx1">
-                    <a:lumMod val="75000"/>
-                    <a:lumOff val="25000"/>
-                  </a:schemeClr>
-                </a:solidFill>
-                <a:latin typeface="微軟正黑體" panose="020B0604030504040204" pitchFamily="34" charset="-120"/>
-                <a:ea typeface="微軟正黑體" panose="020B0604030504040204" pitchFamily="34" charset="-120"/>
-              </a:rPr>
-              <a:t>。</a:t>
-            </a:r>
-            <a:endParaRPr lang="en-US" altLang="zh-TW" sz="3600" b="1" dirty="0">
-              <a:solidFill>
-                <a:schemeClr val="tx1">
-                  <a:lumMod val="75000"/>
-                  <a:lumOff val="25000"/>
-                </a:schemeClr>
-              </a:solidFill>
-              <a:latin typeface="微軟正黑體" panose="020B0604030504040204" pitchFamily="34" charset="-120"/>
-              <a:ea typeface="微軟正黑體" panose="020B0604030504040204" pitchFamily="34" charset="-120"/>
-            </a:endParaRPr>
-          </a:p>
-          <a:p>
-            <a:pPr lvl="0"/>
-            <a:endParaRPr lang="en-US" altLang="zh-TW" sz="3600" b="1" dirty="0">
-              <a:solidFill>
-                <a:schemeClr val="tx1">
-                  <a:lumMod val="75000"/>
-                  <a:lumOff val="25000"/>
-                </a:schemeClr>
-              </a:solidFill>
-              <a:latin typeface="微軟正黑體" panose="020B0604030504040204" pitchFamily="34" charset="-120"/>
-              <a:ea typeface="微軟正黑體" panose="020B0604030504040204" pitchFamily="34" charset="-120"/>
-            </a:endParaRPr>
-          </a:p>
-          <a:p>
-            <a:pPr lvl="0"/>
-            <a:r>
-              <a:rPr lang="en-US" altLang="zh-TW" sz="3600" b="1" dirty="0">
-                <a:solidFill>
-                  <a:schemeClr val="tx1">
-                    <a:lumMod val="75000"/>
-                    <a:lumOff val="25000"/>
-                  </a:schemeClr>
-                </a:solidFill>
-                <a:latin typeface="微軟正黑體" panose="020B0604030504040204" pitchFamily="34" charset="-120"/>
-                <a:ea typeface="微軟正黑體" panose="020B0604030504040204" pitchFamily="34" charset="-120"/>
-              </a:rPr>
-              <a:t>	</a:t>
-            </a:r>
-            <a:r>
-              <a:rPr lang="zh-TW" altLang="en-US" sz="3600" b="1" dirty="0">
-                <a:solidFill>
-                  <a:schemeClr val="tx1">
-                    <a:lumMod val="75000"/>
-                    <a:lumOff val="25000"/>
-                  </a:schemeClr>
-                </a:solidFill>
-                <a:latin typeface="微軟正黑體" panose="020B0604030504040204" pitchFamily="34" charset="-120"/>
-                <a:ea typeface="微軟正黑體" panose="020B0604030504040204" pitchFamily="34" charset="-120"/>
-              </a:rPr>
-              <a:t>然而</a:t>
-            </a:r>
-            <a:r>
-              <a:rPr lang="zh-TW" altLang="en-US" sz="3600" b="1" dirty="0" smtClean="0">
-                <a:solidFill>
-                  <a:schemeClr val="tx1">
-                    <a:lumMod val="75000"/>
-                    <a:lumOff val="25000"/>
-                  </a:schemeClr>
-                </a:solidFill>
-                <a:latin typeface="微軟正黑體" panose="020B0604030504040204" pitchFamily="34" charset="-120"/>
-                <a:ea typeface="微軟正黑體" panose="020B0604030504040204" pitchFamily="34" charset="-120"/>
-              </a:rPr>
-              <a:t>，過去</a:t>
-            </a:r>
-            <a:r>
-              <a:rPr lang="en-US" altLang="zh-TW" sz="3600" b="1" dirty="0">
-                <a:solidFill>
-                  <a:schemeClr val="tx1">
-                    <a:lumMod val="75000"/>
-                    <a:lumOff val="25000"/>
-                  </a:schemeClr>
-                </a:solidFill>
-                <a:latin typeface="微軟正黑體" panose="020B0604030504040204" pitchFamily="34" charset="-120"/>
-                <a:ea typeface="微軟正黑體" panose="020B0604030504040204" pitchFamily="34" charset="-120"/>
-              </a:rPr>
-              <a:t>N</a:t>
-            </a:r>
-            <a:r>
-              <a:rPr lang="zh-TW" altLang="en-US" sz="3600" b="1" dirty="0">
-                <a:solidFill>
-                  <a:schemeClr val="tx1">
-                    <a:lumMod val="75000"/>
-                    <a:lumOff val="25000"/>
-                  </a:schemeClr>
-                </a:solidFill>
-                <a:latin typeface="微軟正黑體" panose="020B0604030504040204" pitchFamily="34" charset="-120"/>
-                <a:ea typeface="微軟正黑體" panose="020B0604030504040204" pitchFamily="34" charset="-120"/>
-              </a:rPr>
-              <a:t>日對</a:t>
-            </a:r>
-            <a:r>
-              <a:rPr lang="zh-TW" altLang="en-US" sz="3600" b="1" dirty="0" smtClean="0">
-                <a:solidFill>
-                  <a:schemeClr val="tx1">
-                    <a:lumMod val="75000"/>
-                    <a:lumOff val="25000"/>
-                  </a:schemeClr>
-                </a:solidFill>
-                <a:latin typeface="微軟正黑體" panose="020B0604030504040204" pitchFamily="34" charset="-120"/>
-                <a:ea typeface="微軟正黑體" panose="020B0604030504040204" pitchFamily="34" charset="-120"/>
-              </a:rPr>
-              <a:t>今日價格和未來價格</a:t>
-            </a:r>
-            <a:endParaRPr lang="en-US" altLang="zh-TW" sz="3600" b="1" dirty="0" smtClean="0">
-              <a:solidFill>
-                <a:schemeClr val="tx1">
-                  <a:lumMod val="75000"/>
-                  <a:lumOff val="25000"/>
-                </a:schemeClr>
-              </a:solidFill>
-              <a:latin typeface="微軟正黑體" panose="020B0604030504040204" pitchFamily="34" charset="-120"/>
-              <a:ea typeface="微軟正黑體" panose="020B0604030504040204" pitchFamily="34" charset="-120"/>
-            </a:endParaRPr>
-          </a:p>
-          <a:p>
-            <a:pPr lvl="0"/>
-            <a:r>
-              <a:rPr lang="en-US" altLang="zh-TW" sz="3600" b="1" dirty="0">
-                <a:solidFill>
-                  <a:schemeClr val="tx1">
-                    <a:lumMod val="75000"/>
-                    <a:lumOff val="25000"/>
-                  </a:schemeClr>
-                </a:solidFill>
-                <a:latin typeface="微軟正黑體" panose="020B0604030504040204" pitchFamily="34" charset="-120"/>
-                <a:ea typeface="微軟正黑體" panose="020B0604030504040204" pitchFamily="34" charset="-120"/>
-              </a:rPr>
-              <a:t>	</a:t>
-            </a:r>
-            <a:r>
-              <a:rPr lang="zh-TW" altLang="en-US" sz="3600" b="1" dirty="0" smtClean="0">
-                <a:solidFill>
-                  <a:schemeClr val="tx1">
-                    <a:lumMod val="75000"/>
-                    <a:lumOff val="25000"/>
-                  </a:schemeClr>
-                </a:solidFill>
-                <a:latin typeface="微軟正黑體" panose="020B0604030504040204" pitchFamily="34" charset="-120"/>
-                <a:ea typeface="微軟正黑體" panose="020B0604030504040204" pitchFamily="34" charset="-120"/>
-              </a:rPr>
-              <a:t>的影響應</a:t>
-            </a:r>
-            <a:r>
-              <a:rPr lang="zh-TW" altLang="en-US" sz="3600" b="1" dirty="0">
-                <a:solidFill>
-                  <a:schemeClr val="tx1">
-                    <a:lumMod val="75000"/>
-                    <a:lumOff val="25000"/>
-                  </a:schemeClr>
-                </a:solidFill>
-                <a:latin typeface="微軟正黑體" panose="020B0604030504040204" pitchFamily="34" charset="-120"/>
-                <a:ea typeface="微軟正黑體" panose="020B0604030504040204" pitchFamily="34" charset="-120"/>
-              </a:rPr>
-              <a:t>該</a:t>
-            </a:r>
-            <a:r>
-              <a:rPr lang="zh-TW" altLang="en-US" sz="3600" b="1" dirty="0" smtClean="0">
-                <a:solidFill>
-                  <a:schemeClr val="tx1">
-                    <a:lumMod val="75000"/>
-                    <a:lumOff val="25000"/>
-                  </a:schemeClr>
-                </a:solidFill>
-                <a:latin typeface="微軟正黑體" panose="020B0604030504040204" pitchFamily="34" charset="-120"/>
-                <a:ea typeface="微軟正黑體" panose="020B0604030504040204" pitchFamily="34" charset="-120"/>
-              </a:rPr>
-              <a:t>是每日</a:t>
-            </a:r>
-            <a:r>
-              <a:rPr lang="zh-TW" altLang="en-US" sz="3600" b="1" dirty="0">
-                <a:solidFill>
-                  <a:schemeClr val="tx1">
-                    <a:lumMod val="75000"/>
-                    <a:lumOff val="25000"/>
-                  </a:schemeClr>
-                </a:solidFill>
-                <a:latin typeface="微軟正黑體" panose="020B0604030504040204" pitchFamily="34" charset="-120"/>
-                <a:ea typeface="微軟正黑體" panose="020B0604030504040204" pitchFamily="34" charset="-120"/>
-              </a:rPr>
-              <a:t>遞增。</a:t>
-            </a:r>
-            <a:endParaRPr lang="en-US" altLang="zh-TW" sz="3600" b="1" dirty="0">
-              <a:solidFill>
-                <a:schemeClr val="tx1">
-                  <a:lumMod val="75000"/>
-                  <a:lumOff val="25000"/>
-                </a:schemeClr>
-              </a:solidFill>
-              <a:latin typeface="微軟正黑體" panose="020B0604030504040204" pitchFamily="34" charset="-120"/>
-              <a:ea typeface="微軟正黑體" panose="020B0604030504040204" pitchFamily="34" charset="-120"/>
-            </a:endParaRPr>
-          </a:p>
-          <a:p>
-            <a:pPr lvl="0" defTabSz="685800"/>
-            <a:endParaRPr lang="zh-CN" altLang="en-US" sz="3600" b="1" dirty="0">
-              <a:solidFill>
-                <a:schemeClr val="tx1">
-                  <a:lumMod val="75000"/>
-                  <a:lumOff val="25000"/>
-                </a:schemeClr>
-              </a:solidFill>
-              <a:latin typeface="思源黑体 CN Bold" panose="020B0800000000000000" pitchFamily="34" charset="-122"/>
-              <a:ea typeface="思源黑体 CN Bold" panose="020B0800000000000000" pitchFamily="34" charset="-122"/>
-              <a:cs typeface="+mn-ea"/>
+              <a:latin typeface="Microsoft JhengHei" charset="-120"/>
+              <a:ea typeface="Microsoft JhengHei" charset="-120"/>
+              <a:cs typeface="Microsoft JhengHei" charset="-120"/>
               <a:sym typeface="+mn-lt"/>
             </a:endParaRPr>
           </a:p>
@@ -8052,7 +8390,7 @@
     </p:spTree>
     <p:extLst>
       <p:ext uri="{BB962C8B-B14F-4D97-AF65-F5344CB8AC3E}">
-        <p14:creationId xmlns:p14="http://schemas.microsoft.com/office/powerpoint/2010/main" val="2004430101"/>
+        <p14:creationId xmlns:p14="http://schemas.microsoft.com/office/powerpoint/2010/main" val="2809642738"/>
       </p:ext>
     </p:extLst>
   </p:cSld>
@@ -8124,41 +8462,27 @@
                     <a:lumOff val="25000"/>
                   </a:schemeClr>
                 </a:solidFill>
-                <a:latin typeface="思源黑体 CN Bold" panose="020B0800000000000000" pitchFamily="34" charset="-122"/>
-                <a:ea typeface="思源黑体 CN Bold" panose="020B0800000000000000" pitchFamily="34" charset="-122"/>
-                <a:cs typeface="+mn-ea"/>
+                <a:latin typeface="Microsoft JhengHei" charset="-120"/>
+                <a:ea typeface="Microsoft JhengHei" charset="-120"/>
+                <a:cs typeface="Microsoft JhengHei" charset="-120"/>
                 <a:sym typeface="+mn-lt"/>
               </a:rPr>
-              <a:t>指數移動平均 </a:t>
-            </a:r>
-            <a:r>
-              <a:rPr lang="en-US" altLang="zh-TW" sz="2400" b="1" dirty="0">
-                <a:solidFill>
-                  <a:schemeClr val="tx1">
-                    <a:lumMod val="75000"/>
-                    <a:lumOff val="25000"/>
-                  </a:schemeClr>
-                </a:solidFill>
-                <a:latin typeface="思源黑体 CN Bold" panose="020B0800000000000000" pitchFamily="34" charset="-122"/>
-                <a:ea typeface="思源黑体 CN Bold" panose="020B0800000000000000" pitchFamily="34" charset="-122"/>
-                <a:cs typeface="+mn-ea"/>
+              <a:t>均線理論 </a:t>
+            </a:r>
+            <a:r>
+              <a:rPr lang="en-US" altLang="zh-TW" sz="2400" b="1" dirty="0" smtClean="0">
+                <a:solidFill>
+                  <a:schemeClr val="tx1">
+                    <a:lumMod val="75000"/>
+                    <a:lumOff val="25000"/>
+                  </a:schemeClr>
+                </a:solidFill>
+                <a:latin typeface="Microsoft JhengHei" charset="-120"/>
+                <a:ea typeface="Microsoft JhengHei" charset="-120"/>
+                <a:cs typeface="Microsoft JhengHei" charset="-120"/>
                 <a:sym typeface="+mn-lt"/>
               </a:rPr>
-              <a:t>E</a:t>
-            </a:r>
-            <a:r>
-              <a:rPr lang="en-US" altLang="zh-TW" sz="2400" b="1" dirty="0" smtClean="0">
-                <a:solidFill>
-                  <a:schemeClr val="tx1">
-                    <a:lumMod val="75000"/>
-                    <a:lumOff val="25000"/>
-                  </a:schemeClr>
-                </a:solidFill>
-                <a:latin typeface="思源黑体 CN Bold" panose="020B0800000000000000" pitchFamily="34" charset="-122"/>
-                <a:ea typeface="思源黑体 CN Bold" panose="020B0800000000000000" pitchFamily="34" charset="-122"/>
-                <a:cs typeface="+mn-ea"/>
-              </a:rPr>
-              <a:t>xponential Moving Average</a:t>
+              <a:t>Moving Average</a:t>
             </a:r>
             <a:endParaRPr lang="zh-CN" altLang="en-US" sz="2400" b="1" dirty="0">
               <a:solidFill>
@@ -8167,9 +8491,9 @@
                   <a:lumOff val="25000"/>
                 </a:schemeClr>
               </a:solidFill>
-              <a:latin typeface="思源黑体 CN Bold" panose="020B0800000000000000" pitchFamily="34" charset="-122"/>
-              <a:ea typeface="思源黑体 CN Bold" panose="020B0800000000000000" pitchFamily="34" charset="-122"/>
-              <a:cs typeface="+mn-ea"/>
+              <a:latin typeface="Microsoft JhengHei" charset="-120"/>
+              <a:ea typeface="Microsoft JhengHei" charset="-120"/>
+              <a:cs typeface="Microsoft JhengHei" charset="-120"/>
               <a:sym typeface="+mn-lt"/>
             </a:endParaRPr>
           </a:p>
@@ -8219,29 +8543,33 @@
       </p:sp>
       <p:sp>
         <p:nvSpPr>
-          <p:cNvPr id="5" name="文字方塊 4"/>
-          <p:cNvSpPr txBox="1"/>
+          <p:cNvPr id="10" name="TextBox 1956"/>
+          <p:cNvSpPr/>
           <p:nvPr/>
         </p:nvSpPr>
         <p:spPr>
           <a:xfrm>
-            <a:off x="1619090" y="1982973"/>
-            <a:ext cx="13623636" cy="3416320"/>
+            <a:off x="1379914" y="1980772"/>
+            <a:ext cx="11280370" cy="3416320"/>
           </a:xfrm>
           <a:prstGeom prst="rect">
             <a:avLst/>
           </a:prstGeom>
           <a:noFill/>
+          <a:ln w="9525">
+            <a:noFill/>
+            <a:miter/>
+          </a:ln>
         </p:spPr>
         <p:txBody>
-          <a:bodyPr wrap="square" rtlCol="0">
+          <a:bodyPr wrap="square">
             <a:spAutoFit/>
           </a:bodyPr>
           <a:lstStyle/>
           <a:p>
             <a:pPr lvl="0"/>
             <a:r>
-              <a:rPr lang="zh-TW" altLang="en-US" sz="3600" b="1" dirty="0" smtClean="0">
+              <a:rPr lang="en-US" altLang="zh-TW" sz="3600" b="1" dirty="0">
                 <a:solidFill>
                   <a:schemeClr val="tx1">
                     <a:lumMod val="75000"/>
@@ -8251,7 +8579,7 @@
                 <a:latin typeface="微軟正黑體" panose="020B0604030504040204" pitchFamily="34" charset="-120"/>
                 <a:ea typeface="微軟正黑體" panose="020B0604030504040204" pitchFamily="34" charset="-120"/>
               </a:rPr>
-              <a:t>指數</a:t>
+              <a:t>	</a:t>
             </a:r>
             <a:r>
               <a:rPr lang="zh-TW" altLang="en-US" sz="3600" b="1" dirty="0">
@@ -8264,10 +8592,10 @@
                 <a:latin typeface="微軟正黑體" panose="020B0604030504040204" pitchFamily="34" charset="-120"/>
                 <a:ea typeface="微軟正黑體" panose="020B0604030504040204" pitchFamily="34" charset="-120"/>
               </a:rPr>
-              <a:t>移動</a:t>
-            </a:r>
-            <a:r>
-              <a:rPr lang="zh-TW" altLang="en-US" sz="3600" b="1" dirty="0" smtClean="0">
+              <a:t>將過去</a:t>
+            </a:r>
+            <a:r>
+              <a:rPr lang="en-US" altLang="zh-TW" sz="3600" b="1" dirty="0">
                 <a:solidFill>
                   <a:schemeClr val="tx1">
                     <a:lumMod val="75000"/>
@@ -8277,10 +8605,10 @@
                 <a:latin typeface="微軟正黑體" panose="020B0604030504040204" pitchFamily="34" charset="-120"/>
                 <a:ea typeface="微軟正黑體" panose="020B0604030504040204" pitchFamily="34" charset="-120"/>
               </a:rPr>
-              <a:t>平均</a:t>
-            </a:r>
-            <a:r>
-              <a:rPr lang="en-US" altLang="zh-TW" sz="3600" b="1" dirty="0" smtClean="0">
+              <a:t>N</a:t>
+            </a:r>
+            <a:r>
+              <a:rPr lang="zh-TW" altLang="en-US" sz="3600" b="1" dirty="0">
                 <a:solidFill>
                   <a:schemeClr val="tx1">
                     <a:lumMod val="75000"/>
@@ -8290,7 +8618,7 @@
                 <a:latin typeface="微軟正黑體" panose="020B0604030504040204" pitchFamily="34" charset="-120"/>
                 <a:ea typeface="微軟正黑體" panose="020B0604030504040204" pitchFamily="34" charset="-120"/>
               </a:rPr>
-              <a:t>(EMA)</a:t>
+              <a:t>日</a:t>
             </a:r>
             <a:r>
               <a:rPr lang="zh-TW" altLang="en-US" sz="3600" b="1" dirty="0" smtClean="0">
@@ -8303,7 +8631,251 @@
                 <a:latin typeface="微軟正黑體" panose="020B0604030504040204" pitchFamily="34" charset="-120"/>
                 <a:ea typeface="微軟正黑體" panose="020B0604030504040204" pitchFamily="34" charset="-120"/>
               </a:rPr>
-              <a:t> </a:t>
+              <a:t>的</a:t>
+            </a:r>
+            <a:r>
+              <a:rPr lang="zh-TW" altLang="en-US" sz="3600" b="1" dirty="0">
+                <a:solidFill>
+                  <a:schemeClr val="tx1">
+                    <a:lumMod val="75000"/>
+                    <a:lumOff val="25000"/>
+                  </a:schemeClr>
+                </a:solidFill>
+                <a:latin typeface="微軟正黑體" panose="020B0604030504040204" pitchFamily="34" charset="-120"/>
+                <a:ea typeface="微軟正黑體" panose="020B0604030504040204" pitchFamily="34" charset="-120"/>
+              </a:rPr>
+              <a:t>價格</a:t>
+            </a:r>
+            <a:r>
+              <a:rPr lang="zh-TW" altLang="en-US" sz="3600" b="1" dirty="0" smtClean="0">
+                <a:solidFill>
+                  <a:schemeClr val="tx1">
+                    <a:lumMod val="75000"/>
+                    <a:lumOff val="25000"/>
+                  </a:schemeClr>
+                </a:solidFill>
+                <a:latin typeface="微軟正黑體" panose="020B0604030504040204" pitchFamily="34" charset="-120"/>
+                <a:ea typeface="微軟正黑體" panose="020B0604030504040204" pitchFamily="34" charset="-120"/>
+              </a:rPr>
+              <a:t>做</a:t>
+            </a:r>
+            <a:r>
+              <a:rPr lang="zh-TW" altLang="en-US" sz="3600" b="1" dirty="0">
+                <a:solidFill>
+                  <a:schemeClr val="tx1">
+                    <a:lumMod val="75000"/>
+                    <a:lumOff val="25000"/>
+                  </a:schemeClr>
+                </a:solidFill>
+                <a:latin typeface="微軟正黑體" panose="020B0604030504040204" pitchFamily="34" charset="-120"/>
+                <a:ea typeface="微軟正黑體" panose="020B0604030504040204" pitchFamily="34" charset="-120"/>
+              </a:rPr>
+              <a:t>算術平均，</a:t>
+            </a:r>
+            <a:endParaRPr lang="en-US" altLang="zh-TW" sz="3600" b="1" dirty="0">
+              <a:solidFill>
+                <a:schemeClr val="tx1">
+                  <a:lumMod val="75000"/>
+                  <a:lumOff val="25000"/>
+                </a:schemeClr>
+              </a:solidFill>
+              <a:latin typeface="微軟正黑體" panose="020B0604030504040204" pitchFamily="34" charset="-120"/>
+              <a:ea typeface="微軟正黑體" panose="020B0604030504040204" pitchFamily="34" charset="-120"/>
+            </a:endParaRPr>
+          </a:p>
+          <a:p>
+            <a:pPr lvl="0"/>
+            <a:r>
+              <a:rPr lang="en-US" altLang="zh-TW" sz="3600" b="1" dirty="0">
+                <a:solidFill>
+                  <a:schemeClr val="tx1">
+                    <a:lumMod val="75000"/>
+                    <a:lumOff val="25000"/>
+                  </a:schemeClr>
+                </a:solidFill>
+                <a:latin typeface="微軟正黑體" panose="020B0604030504040204" pitchFamily="34" charset="-120"/>
+                <a:ea typeface="微軟正黑體" panose="020B0604030504040204" pitchFamily="34" charset="-120"/>
+              </a:rPr>
+              <a:t>	</a:t>
+            </a:r>
+            <a:r>
+              <a:rPr lang="zh-TW" altLang="en-US" sz="3600" b="1" dirty="0">
+                <a:solidFill>
+                  <a:schemeClr val="tx1">
+                    <a:lumMod val="75000"/>
+                    <a:lumOff val="25000"/>
+                  </a:schemeClr>
+                </a:solidFill>
+                <a:latin typeface="微軟正黑體" panose="020B0604030504040204" pitchFamily="34" charset="-120"/>
+                <a:ea typeface="微軟正黑體" panose="020B0604030504040204" pitchFamily="34" charset="-120"/>
+              </a:rPr>
+              <a:t>代表將過去</a:t>
+            </a:r>
+            <a:r>
+              <a:rPr lang="en-US" altLang="zh-TW" sz="3600" b="1" dirty="0">
+                <a:solidFill>
+                  <a:schemeClr val="tx1">
+                    <a:lumMod val="75000"/>
+                    <a:lumOff val="25000"/>
+                  </a:schemeClr>
+                </a:solidFill>
+                <a:latin typeface="微軟正黑體" panose="020B0604030504040204" pitchFamily="34" charset="-120"/>
+                <a:ea typeface="微軟正黑體" panose="020B0604030504040204" pitchFamily="34" charset="-120"/>
+              </a:rPr>
+              <a:t>N</a:t>
+            </a:r>
+            <a:r>
+              <a:rPr lang="zh-TW" altLang="en-US" sz="3600" b="1" dirty="0">
+                <a:solidFill>
+                  <a:schemeClr val="tx1">
+                    <a:lumMod val="75000"/>
+                    <a:lumOff val="25000"/>
+                  </a:schemeClr>
+                </a:solidFill>
+                <a:latin typeface="微軟正黑體" panose="020B0604030504040204" pitchFamily="34" charset="-120"/>
+                <a:ea typeface="微軟正黑體" panose="020B0604030504040204" pitchFamily="34" charset="-120"/>
+              </a:rPr>
+              <a:t>日</a:t>
+            </a:r>
+            <a:r>
+              <a:rPr lang="zh-TW" altLang="en-US" sz="3600" b="1" dirty="0" smtClean="0">
+                <a:solidFill>
+                  <a:schemeClr val="tx1">
+                    <a:lumMod val="75000"/>
+                    <a:lumOff val="25000"/>
+                  </a:schemeClr>
+                </a:solidFill>
+                <a:latin typeface="微軟正黑體" panose="020B0604030504040204" pitchFamily="34" charset="-120"/>
+                <a:ea typeface="微軟正黑體" panose="020B0604030504040204" pitchFamily="34" charset="-120"/>
+              </a:rPr>
+              <a:t>的價格影響</a:t>
+            </a:r>
+            <a:r>
+              <a:rPr lang="zh-TW" altLang="en-US" sz="3600" b="1" dirty="0">
+                <a:solidFill>
+                  <a:srgbClr val="FFC000"/>
+                </a:solidFill>
+                <a:latin typeface="微軟正黑體" panose="020B0604030504040204" pitchFamily="34" charset="-120"/>
+                <a:ea typeface="微軟正黑體" panose="020B0604030504040204" pitchFamily="34" charset="-120"/>
+              </a:rPr>
+              <a:t>視為相同</a:t>
+            </a:r>
+            <a:r>
+              <a:rPr lang="zh-TW" altLang="en-US" sz="3600" b="1" dirty="0">
+                <a:solidFill>
+                  <a:schemeClr val="tx1">
+                    <a:lumMod val="75000"/>
+                    <a:lumOff val="25000"/>
+                  </a:schemeClr>
+                </a:solidFill>
+                <a:latin typeface="微軟正黑體" panose="020B0604030504040204" pitchFamily="34" charset="-120"/>
+                <a:ea typeface="微軟正黑體" panose="020B0604030504040204" pitchFamily="34" charset="-120"/>
+              </a:rPr>
+              <a:t>。</a:t>
+            </a:r>
+            <a:endParaRPr lang="en-US" altLang="zh-TW" sz="3600" b="1" dirty="0">
+              <a:solidFill>
+                <a:schemeClr val="tx1">
+                  <a:lumMod val="75000"/>
+                  <a:lumOff val="25000"/>
+                </a:schemeClr>
+              </a:solidFill>
+              <a:latin typeface="微軟正黑體" panose="020B0604030504040204" pitchFamily="34" charset="-120"/>
+              <a:ea typeface="微軟正黑體" panose="020B0604030504040204" pitchFamily="34" charset="-120"/>
+            </a:endParaRPr>
+          </a:p>
+          <a:p>
+            <a:pPr lvl="0"/>
+            <a:endParaRPr lang="en-US" altLang="zh-TW" sz="3600" b="1" dirty="0">
+              <a:solidFill>
+                <a:schemeClr val="tx1">
+                  <a:lumMod val="75000"/>
+                  <a:lumOff val="25000"/>
+                </a:schemeClr>
+              </a:solidFill>
+              <a:latin typeface="微軟正黑體" panose="020B0604030504040204" pitchFamily="34" charset="-120"/>
+              <a:ea typeface="微軟正黑體" panose="020B0604030504040204" pitchFamily="34" charset="-120"/>
+            </a:endParaRPr>
+          </a:p>
+          <a:p>
+            <a:pPr lvl="0"/>
+            <a:r>
+              <a:rPr lang="en-US" altLang="zh-TW" sz="3600" b="1" dirty="0">
+                <a:solidFill>
+                  <a:schemeClr val="tx1">
+                    <a:lumMod val="75000"/>
+                    <a:lumOff val="25000"/>
+                  </a:schemeClr>
+                </a:solidFill>
+                <a:latin typeface="微軟正黑體" panose="020B0604030504040204" pitchFamily="34" charset="-120"/>
+                <a:ea typeface="微軟正黑體" panose="020B0604030504040204" pitchFamily="34" charset="-120"/>
+              </a:rPr>
+              <a:t>	</a:t>
+            </a:r>
+            <a:r>
+              <a:rPr lang="zh-TW" altLang="en-US" sz="3600" b="1" dirty="0">
+                <a:solidFill>
+                  <a:schemeClr val="tx1">
+                    <a:lumMod val="75000"/>
+                    <a:lumOff val="25000"/>
+                  </a:schemeClr>
+                </a:solidFill>
+                <a:latin typeface="微軟正黑體" panose="020B0604030504040204" pitchFamily="34" charset="-120"/>
+                <a:ea typeface="微軟正黑體" panose="020B0604030504040204" pitchFamily="34" charset="-120"/>
+              </a:rPr>
+              <a:t>然而</a:t>
+            </a:r>
+            <a:r>
+              <a:rPr lang="zh-TW" altLang="en-US" sz="3600" b="1" dirty="0" smtClean="0">
+                <a:solidFill>
+                  <a:schemeClr val="tx1">
+                    <a:lumMod val="75000"/>
+                    <a:lumOff val="25000"/>
+                  </a:schemeClr>
+                </a:solidFill>
+                <a:latin typeface="微軟正黑體" panose="020B0604030504040204" pitchFamily="34" charset="-120"/>
+                <a:ea typeface="微軟正黑體" panose="020B0604030504040204" pitchFamily="34" charset="-120"/>
+              </a:rPr>
+              <a:t>，過去</a:t>
+            </a:r>
+            <a:r>
+              <a:rPr lang="en-US" altLang="zh-TW" sz="3600" b="1" dirty="0">
+                <a:solidFill>
+                  <a:schemeClr val="tx1">
+                    <a:lumMod val="75000"/>
+                    <a:lumOff val="25000"/>
+                  </a:schemeClr>
+                </a:solidFill>
+                <a:latin typeface="微軟正黑體" panose="020B0604030504040204" pitchFamily="34" charset="-120"/>
+                <a:ea typeface="微軟正黑體" panose="020B0604030504040204" pitchFamily="34" charset="-120"/>
+              </a:rPr>
+              <a:t>N</a:t>
+            </a:r>
+            <a:r>
+              <a:rPr lang="zh-TW" altLang="en-US" sz="3600" b="1" dirty="0">
+                <a:solidFill>
+                  <a:schemeClr val="tx1">
+                    <a:lumMod val="75000"/>
+                    <a:lumOff val="25000"/>
+                  </a:schemeClr>
+                </a:solidFill>
+                <a:latin typeface="微軟正黑體" panose="020B0604030504040204" pitchFamily="34" charset="-120"/>
+                <a:ea typeface="微軟正黑體" panose="020B0604030504040204" pitchFamily="34" charset="-120"/>
+              </a:rPr>
+              <a:t>日對</a:t>
+            </a:r>
+            <a:r>
+              <a:rPr lang="zh-TW" altLang="en-US" sz="3600" b="1" dirty="0" smtClean="0">
+                <a:solidFill>
+                  <a:schemeClr val="tx1">
+                    <a:lumMod val="75000"/>
+                    <a:lumOff val="25000"/>
+                  </a:schemeClr>
+                </a:solidFill>
+                <a:latin typeface="微軟正黑體" panose="020B0604030504040204" pitchFamily="34" charset="-120"/>
+                <a:ea typeface="微軟正黑體" panose="020B0604030504040204" pitchFamily="34" charset="-120"/>
+              </a:rPr>
+              <a:t>今日價格和未來價格</a:t>
             </a:r>
             <a:endParaRPr lang="en-US" altLang="zh-TW" sz="3600" b="1" dirty="0" smtClean="0">
               <a:solidFill>
@@ -8318,7 +8890,72 @@
           </a:p>
           <a:p>
             <a:pPr lvl="0"/>
-            <a:endParaRPr lang="en-US" altLang="zh-TW" sz="3600" b="1" dirty="0" smtClean="0">
+            <a:r>
+              <a:rPr lang="en-US" altLang="zh-TW" sz="3600" b="1" dirty="0">
+                <a:solidFill>
+                  <a:schemeClr val="tx1">
+                    <a:lumMod val="75000"/>
+                    <a:lumOff val="25000"/>
+                  </a:schemeClr>
+                </a:solidFill>
+                <a:latin typeface="微軟正黑體" panose="020B0604030504040204" pitchFamily="34" charset="-120"/>
+                <a:ea typeface="微軟正黑體" panose="020B0604030504040204" pitchFamily="34" charset="-120"/>
+              </a:rPr>
+              <a:t>	</a:t>
+            </a:r>
+            <a:r>
+              <a:rPr lang="zh-TW" altLang="en-US" sz="3600" b="1" dirty="0" smtClean="0">
+                <a:solidFill>
+                  <a:schemeClr val="tx1">
+                    <a:lumMod val="75000"/>
+                    <a:lumOff val="25000"/>
+                  </a:schemeClr>
+                </a:solidFill>
+                <a:latin typeface="微軟正黑體" panose="020B0604030504040204" pitchFamily="34" charset="-120"/>
+                <a:ea typeface="微軟正黑體" panose="020B0604030504040204" pitchFamily="34" charset="-120"/>
+              </a:rPr>
+              <a:t>的影響應</a:t>
+            </a:r>
+            <a:r>
+              <a:rPr lang="zh-TW" altLang="en-US" sz="3600" b="1" dirty="0">
+                <a:solidFill>
+                  <a:schemeClr val="tx1">
+                    <a:lumMod val="75000"/>
+                    <a:lumOff val="25000"/>
+                  </a:schemeClr>
+                </a:solidFill>
+                <a:latin typeface="微軟正黑體" panose="020B0604030504040204" pitchFamily="34" charset="-120"/>
+                <a:ea typeface="微軟正黑體" panose="020B0604030504040204" pitchFamily="34" charset="-120"/>
+              </a:rPr>
+              <a:t>該</a:t>
+            </a:r>
+            <a:r>
+              <a:rPr lang="zh-TW" altLang="en-US" sz="3600" b="1" dirty="0" smtClean="0">
+                <a:solidFill>
+                  <a:schemeClr val="tx1">
+                    <a:lumMod val="75000"/>
+                    <a:lumOff val="25000"/>
+                  </a:schemeClr>
+                </a:solidFill>
+                <a:latin typeface="微軟正黑體" panose="020B0604030504040204" pitchFamily="34" charset="-120"/>
+                <a:ea typeface="微軟正黑體" panose="020B0604030504040204" pitchFamily="34" charset="-120"/>
+              </a:rPr>
+              <a:t>是每日</a:t>
+            </a:r>
+            <a:r>
+              <a:rPr lang="zh-TW" altLang="en-US" sz="3600" b="1" dirty="0">
+                <a:solidFill>
+                  <a:schemeClr val="tx1">
+                    <a:lumMod val="75000"/>
+                    <a:lumOff val="25000"/>
+                  </a:schemeClr>
+                </a:solidFill>
+                <a:latin typeface="微軟正黑體" panose="020B0604030504040204" pitchFamily="34" charset="-120"/>
+                <a:ea typeface="微軟正黑體" panose="020B0604030504040204" pitchFamily="34" charset="-120"/>
+              </a:rPr>
+              <a:t>遞增。</a:t>
+            </a:r>
+            <a:endParaRPr lang="en-US" altLang="zh-TW" sz="3600" b="1" dirty="0">
               <a:solidFill>
                 <a:schemeClr val="tx1">
                   <a:lumMod val="75000"/>
@@ -8330,265 +8967,26 @@
             </a:endParaRPr>
           </a:p>
           <a:p>
-            <a:pPr lvl="0"/>
-            <a:r>
-              <a:rPr lang="en-US" altLang="zh-TW" sz="3600" b="1" dirty="0">
-                <a:solidFill>
-                  <a:schemeClr val="tx1">
-                    <a:lumMod val="75000"/>
-                    <a:lumOff val="25000"/>
-                  </a:schemeClr>
-                </a:solidFill>
-                <a:latin typeface="微軟正黑體" panose="020B0604030504040204" pitchFamily="34" charset="-120"/>
-                <a:ea typeface="微軟正黑體" panose="020B0604030504040204" pitchFamily="34" charset="-120"/>
-              </a:rPr>
-              <a:t>	</a:t>
-            </a:r>
-            <a:r>
-              <a:rPr lang="zh-TW" altLang="en-US" sz="3600" b="1" dirty="0" smtClean="0">
-                <a:solidFill>
-                  <a:schemeClr val="tx1">
-                    <a:lumMod val="75000"/>
-                    <a:lumOff val="25000"/>
-                  </a:schemeClr>
-                </a:solidFill>
-                <a:latin typeface="微軟正黑體" panose="020B0604030504040204" pitchFamily="34" charset="-120"/>
-                <a:ea typeface="微軟正黑體" panose="020B0604030504040204" pitchFamily="34" charset="-120"/>
-              </a:rPr>
-              <a:t>是</a:t>
-            </a:r>
-            <a:r>
-              <a:rPr lang="zh-TW" altLang="en-US" sz="3600" b="1" dirty="0">
-                <a:solidFill>
-                  <a:schemeClr val="tx1">
-                    <a:lumMod val="75000"/>
-                    <a:lumOff val="25000"/>
-                  </a:schemeClr>
-                </a:solidFill>
-                <a:latin typeface="微軟正黑體" panose="020B0604030504040204" pitchFamily="34" charset="-120"/>
-                <a:ea typeface="微軟正黑體" panose="020B0604030504040204" pitchFamily="34" charset="-120"/>
-              </a:rPr>
-              <a:t>以</a:t>
-            </a:r>
-            <a:r>
-              <a:rPr lang="zh-TW" altLang="en-US" sz="3600" b="1" dirty="0">
-                <a:solidFill>
-                  <a:srgbClr val="FFC000"/>
-                </a:solidFill>
-                <a:latin typeface="微軟正黑體" panose="020B0604030504040204" pitchFamily="34" charset="-120"/>
-                <a:ea typeface="微軟正黑體" panose="020B0604030504040204" pitchFamily="34" charset="-120"/>
-              </a:rPr>
-              <a:t>指數式遞減加權</a:t>
-            </a:r>
-            <a:r>
-              <a:rPr lang="zh-TW" altLang="en-US" sz="3600" b="1" dirty="0">
-                <a:solidFill>
-                  <a:schemeClr val="tx1">
-                    <a:lumMod val="75000"/>
-                    <a:lumOff val="25000"/>
-                  </a:schemeClr>
-                </a:solidFill>
-                <a:latin typeface="微軟正黑體" panose="020B0604030504040204" pitchFamily="34" charset="-120"/>
-                <a:ea typeface="微軟正黑體" panose="020B0604030504040204" pitchFamily="34" charset="-120"/>
-              </a:rPr>
-              <a:t>的移動平均</a:t>
-            </a:r>
-            <a:r>
-              <a:rPr lang="zh-TW" altLang="en-US" sz="3600" b="1" dirty="0" smtClean="0">
-                <a:solidFill>
-                  <a:schemeClr val="tx1">
-                    <a:lumMod val="75000"/>
-                    <a:lumOff val="25000"/>
-                  </a:schemeClr>
-                </a:solidFill>
-                <a:latin typeface="微軟正黑體" panose="020B0604030504040204" pitchFamily="34" charset="-120"/>
-                <a:ea typeface="微軟正黑體" panose="020B0604030504040204" pitchFamily="34" charset="-120"/>
-              </a:rPr>
-              <a:t>。</a:t>
-            </a:r>
-            <a:endParaRPr lang="en-US" altLang="zh-TW" sz="3600" b="1" dirty="0" smtClean="0">
+            <a:pPr lvl="0" defTabSz="685800"/>
+            <a:endParaRPr lang="zh-CN" altLang="en-US" sz="3600" b="1" dirty="0">
               <a:solidFill>
                 <a:schemeClr val="tx1">
                   <a:lumMod val="75000"/>
                   <a:lumOff val="25000"/>
                 </a:schemeClr>
               </a:solidFill>
-              <a:latin typeface="微軟正黑體" panose="020B0604030504040204" pitchFamily="34" charset="-120"/>
-              <a:ea typeface="微軟正黑體" panose="020B0604030504040204" pitchFamily="34" charset="-120"/>
+              <a:latin typeface="思源黑体 CN Bold" panose="020B0800000000000000" pitchFamily="34" charset="-122"/>
+              <a:ea typeface="思源黑体 CN Bold" panose="020B0800000000000000" pitchFamily="34" charset="-122"/>
+              <a:cs typeface="+mn-ea"/>
+              <a:sym typeface="+mn-lt"/>
             </a:endParaRPr>
-          </a:p>
-          <a:p>
-            <a:pPr lvl="0"/>
-            <a:r>
-              <a:rPr lang="en-US" altLang="zh-TW" sz="3600" b="1" dirty="0" smtClean="0">
-                <a:solidFill>
-                  <a:schemeClr val="tx1">
-                    <a:lumMod val="75000"/>
-                    <a:lumOff val="25000"/>
-                  </a:schemeClr>
-                </a:solidFill>
-                <a:latin typeface="微軟正黑體" panose="020B0604030504040204" pitchFamily="34" charset="-120"/>
-                <a:ea typeface="微軟正黑體" panose="020B0604030504040204" pitchFamily="34" charset="-120"/>
-              </a:rPr>
-              <a:t>	</a:t>
-            </a:r>
-            <a:r>
-              <a:rPr lang="zh-TW" altLang="en-US" sz="3600" b="1" dirty="0" smtClean="0">
-                <a:solidFill>
-                  <a:schemeClr val="tx1">
-                    <a:lumMod val="75000"/>
-                    <a:lumOff val="25000"/>
-                  </a:schemeClr>
-                </a:solidFill>
-                <a:latin typeface="微軟正黑體" panose="020B0604030504040204" pitchFamily="34" charset="-120"/>
-                <a:ea typeface="微軟正黑體" panose="020B0604030504040204" pitchFamily="34" charset="-120"/>
-              </a:rPr>
-              <a:t>各</a:t>
-            </a:r>
-            <a:r>
-              <a:rPr lang="zh-TW" altLang="en-US" sz="3600" b="1" dirty="0">
-                <a:solidFill>
-                  <a:schemeClr val="tx1">
-                    <a:lumMod val="75000"/>
-                    <a:lumOff val="25000"/>
-                  </a:schemeClr>
-                </a:solidFill>
-                <a:latin typeface="微軟正黑體" panose="020B0604030504040204" pitchFamily="34" charset="-120"/>
-                <a:ea typeface="微軟正黑體" panose="020B0604030504040204" pitchFamily="34" charset="-120"/>
-              </a:rPr>
-              <a:t>數值的加權影響力隨時間而指數式遞減</a:t>
-            </a:r>
-            <a:r>
-              <a:rPr lang="zh-TW" altLang="en-US" sz="3600" b="1" dirty="0" smtClean="0">
-                <a:solidFill>
-                  <a:schemeClr val="tx1">
-                    <a:lumMod val="75000"/>
-                    <a:lumOff val="25000"/>
-                  </a:schemeClr>
-                </a:solidFill>
-                <a:latin typeface="微軟正黑體" panose="020B0604030504040204" pitchFamily="34" charset="-120"/>
-                <a:ea typeface="微軟正黑體" panose="020B0604030504040204" pitchFamily="34" charset="-120"/>
-              </a:rPr>
-              <a:t>，</a:t>
-            </a:r>
-            <a:endParaRPr lang="en-US" altLang="zh-TW" sz="3600" b="1" dirty="0" smtClean="0">
-              <a:solidFill>
-                <a:schemeClr val="tx1">
-                  <a:lumMod val="75000"/>
-                  <a:lumOff val="25000"/>
-                </a:schemeClr>
-              </a:solidFill>
-              <a:latin typeface="微軟正黑體" panose="020B0604030504040204" pitchFamily="34" charset="-120"/>
-              <a:ea typeface="微軟正黑體" panose="020B0604030504040204" pitchFamily="34" charset="-120"/>
-            </a:endParaRPr>
-          </a:p>
-          <a:p>
-            <a:pPr lvl="0"/>
-            <a:r>
-              <a:rPr lang="en-US" altLang="zh-TW" sz="3600" b="1" dirty="0" smtClean="0">
-                <a:solidFill>
-                  <a:schemeClr val="tx1">
-                    <a:lumMod val="75000"/>
-                    <a:lumOff val="25000"/>
-                  </a:schemeClr>
-                </a:solidFill>
-                <a:latin typeface="微軟正黑體" panose="020B0604030504040204" pitchFamily="34" charset="-120"/>
-                <a:ea typeface="微軟正黑體" panose="020B0604030504040204" pitchFamily="34" charset="-120"/>
-              </a:rPr>
-              <a:t>	</a:t>
-            </a:r>
-            <a:r>
-              <a:rPr lang="zh-TW" altLang="en-US" sz="3600" b="1" dirty="0" smtClean="0">
-                <a:solidFill>
-                  <a:srgbClr val="FFC000"/>
-                </a:solidFill>
-                <a:latin typeface="微軟正黑體" panose="020B0604030504040204" pitchFamily="34" charset="-120"/>
-                <a:ea typeface="微軟正黑體" panose="020B0604030504040204" pitchFamily="34" charset="-120"/>
-              </a:rPr>
-              <a:t>越</a:t>
-            </a:r>
-            <a:r>
-              <a:rPr lang="zh-TW" altLang="en-US" sz="3600" b="1" dirty="0">
-                <a:solidFill>
-                  <a:srgbClr val="FFC000"/>
-                </a:solidFill>
-                <a:latin typeface="微軟正黑體" panose="020B0604030504040204" pitchFamily="34" charset="-120"/>
-                <a:ea typeface="微軟正黑體" panose="020B0604030504040204" pitchFamily="34" charset="-120"/>
-              </a:rPr>
-              <a:t>近期的數據加權影響力越重</a:t>
-            </a:r>
-            <a:r>
-              <a:rPr lang="zh-TW" altLang="en-US" sz="3600" b="1" dirty="0" smtClean="0">
-                <a:solidFill>
-                  <a:schemeClr val="tx1">
-                    <a:lumMod val="75000"/>
-                    <a:lumOff val="25000"/>
-                  </a:schemeClr>
-                </a:solidFill>
-                <a:latin typeface="微軟正黑體" panose="020B0604030504040204" pitchFamily="34" charset="-120"/>
-                <a:ea typeface="微軟正黑體" panose="020B0604030504040204" pitchFamily="34" charset="-120"/>
-              </a:rPr>
-              <a:t>，</a:t>
-            </a:r>
-            <a:endParaRPr lang="en-US" altLang="zh-TW" sz="3600" b="1" dirty="0" smtClean="0">
-              <a:solidFill>
-                <a:schemeClr val="tx1">
-                  <a:lumMod val="75000"/>
-                  <a:lumOff val="25000"/>
-                </a:schemeClr>
-              </a:solidFill>
-              <a:latin typeface="微軟正黑體" panose="020B0604030504040204" pitchFamily="34" charset="-120"/>
-              <a:ea typeface="微軟正黑體" panose="020B0604030504040204" pitchFamily="34" charset="-120"/>
-            </a:endParaRPr>
-          </a:p>
-          <a:p>
-            <a:pPr lvl="0"/>
-            <a:r>
-              <a:rPr lang="en-US" altLang="zh-TW" sz="3600" b="1" dirty="0" smtClean="0">
-                <a:solidFill>
-                  <a:schemeClr val="tx1">
-                    <a:lumMod val="75000"/>
-                    <a:lumOff val="25000"/>
-                  </a:schemeClr>
-                </a:solidFill>
-                <a:latin typeface="微軟正黑體" panose="020B0604030504040204" pitchFamily="34" charset="-120"/>
-                <a:ea typeface="微軟正黑體" panose="020B0604030504040204" pitchFamily="34" charset="-120"/>
-              </a:rPr>
-              <a:t>	</a:t>
-            </a:r>
-            <a:r>
-              <a:rPr lang="zh-TW" altLang="en-US" sz="3600" b="1" dirty="0" smtClean="0">
-                <a:solidFill>
-                  <a:schemeClr val="tx1">
-                    <a:lumMod val="75000"/>
-                    <a:lumOff val="25000"/>
-                  </a:schemeClr>
-                </a:solidFill>
-                <a:latin typeface="微軟正黑體" panose="020B0604030504040204" pitchFamily="34" charset="-120"/>
-                <a:ea typeface="微軟正黑體" panose="020B0604030504040204" pitchFamily="34" charset="-120"/>
-              </a:rPr>
-              <a:t>但</a:t>
-            </a:r>
-            <a:r>
-              <a:rPr lang="zh-TW" altLang="en-US" sz="3600" b="1" dirty="0">
-                <a:solidFill>
-                  <a:schemeClr val="tx1">
-                    <a:lumMod val="75000"/>
-                    <a:lumOff val="25000"/>
-                  </a:schemeClr>
-                </a:solidFill>
-                <a:latin typeface="微軟正黑體" panose="020B0604030504040204" pitchFamily="34" charset="-120"/>
-                <a:ea typeface="微軟正黑體" panose="020B0604030504040204" pitchFamily="34" charset="-120"/>
-              </a:rPr>
-              <a:t>較舊的數據也給予一定的加權值。</a:t>
-            </a:r>
           </a:p>
         </p:txBody>
       </p:sp>
     </p:spTree>
     <p:extLst>
       <p:ext uri="{BB962C8B-B14F-4D97-AF65-F5344CB8AC3E}">
-        <p14:creationId xmlns:p14="http://schemas.microsoft.com/office/powerpoint/2010/main" val="4088085025"/>
+        <p14:creationId xmlns:p14="http://schemas.microsoft.com/office/powerpoint/2010/main" val="2004430101"/>
       </p:ext>
     </p:extLst>
   </p:cSld>
@@ -8653,19 +9051,48 @@
           <a:p>
             <a:pPr defTabSz="685800"/>
             <a:r>
-              <a:rPr lang="en-US" altLang="zh-CN" sz="2400" b="1" dirty="0" smtClean="0">
-                <a:solidFill>
-                  <a:schemeClr val="tx1">
-                    <a:lumMod val="75000"/>
-                    <a:lumOff val="25000"/>
-                  </a:schemeClr>
-                </a:solidFill>
-                <a:latin typeface="思源黑体 CN Bold" panose="020B0800000000000000" pitchFamily="34" charset="-122"/>
-                <a:ea typeface="思源黑体 CN Bold" panose="020B0800000000000000" pitchFamily="34" charset="-122"/>
-                <a:cs typeface="+mn-ea"/>
+              <a:rPr lang="zh-TW" altLang="en-US" sz="2400" b="1" dirty="0" smtClean="0">
+                <a:solidFill>
+                  <a:schemeClr val="tx1">
+                    <a:lumMod val="75000"/>
+                    <a:lumOff val="25000"/>
+                  </a:schemeClr>
+                </a:solidFill>
+                <a:latin typeface="Microsoft JhengHei" charset="-120"/>
+                <a:ea typeface="Microsoft JhengHei" charset="-120"/>
+                <a:cs typeface="Microsoft JhengHei" charset="-120"/>
                 <a:sym typeface="+mn-lt"/>
               </a:rPr>
-              <a:t>MACD</a:t>
+              <a:t>指數移動平均 </a:t>
+            </a:r>
+            <a:r>
+              <a:rPr lang="en-US" altLang="zh-TW" sz="2400" b="1" dirty="0">
+                <a:solidFill>
+                  <a:schemeClr val="tx1">
+                    <a:lumMod val="75000"/>
+                    <a:lumOff val="25000"/>
+                  </a:schemeClr>
+                </a:solidFill>
+                <a:latin typeface="Microsoft JhengHei" charset="-120"/>
+                <a:ea typeface="Microsoft JhengHei" charset="-120"/>
+                <a:cs typeface="Microsoft JhengHei" charset="-120"/>
+                <a:sym typeface="+mn-lt"/>
+              </a:rPr>
+              <a:t>E</a:t>
+            </a:r>
+            <a:r>
+              <a:rPr lang="en-US" altLang="zh-TW" sz="2400" b="1" dirty="0" smtClean="0">
+                <a:solidFill>
+                  <a:schemeClr val="tx1">
+                    <a:lumMod val="75000"/>
+                    <a:lumOff val="25000"/>
+                  </a:schemeClr>
+                </a:solidFill>
+                <a:latin typeface="Microsoft JhengHei" charset="-120"/>
+                <a:ea typeface="Microsoft JhengHei" charset="-120"/>
+                <a:cs typeface="Microsoft JhengHei" charset="-120"/>
+              </a:rPr>
+              <a:t>xponential Moving Average</a:t>
             </a:r>
             <a:endParaRPr lang="zh-CN" altLang="en-US" sz="2400" b="1" dirty="0">
               <a:solidFill>
@@ -8674,9 +9101,9 @@
                   <a:lumOff val="25000"/>
                 </a:schemeClr>
               </a:solidFill>
-              <a:latin typeface="思源黑体 CN Bold" panose="020B0800000000000000" pitchFamily="34" charset="-122"/>
-              <a:ea typeface="思源黑体 CN Bold" panose="020B0800000000000000" pitchFamily="34" charset="-122"/>
-              <a:cs typeface="+mn-ea"/>
+              <a:latin typeface="Microsoft JhengHei" charset="-120"/>
+              <a:ea typeface="Microsoft JhengHei" charset="-120"/>
+              <a:cs typeface="Microsoft JhengHei" charset="-120"/>
               <a:sym typeface="+mn-lt"/>
             </a:endParaRPr>
           </a:p>
@@ -8726,14 +9153,14 @@
       </p:sp>
       <p:sp>
         <p:nvSpPr>
-          <p:cNvPr id="6" name="文字方塊 5"/>
+          <p:cNvPr id="5" name="文字方塊 4"/>
           <p:cNvSpPr txBox="1"/>
           <p:nvPr/>
         </p:nvSpPr>
         <p:spPr>
           <a:xfrm>
-            <a:off x="1390844" y="2121565"/>
-            <a:ext cx="13623636" cy="2862322"/>
+            <a:off x="1619090" y="1982973"/>
+            <a:ext cx="13623636" cy="3416320"/>
           </a:xfrm>
           <a:prstGeom prst="rect">
             <a:avLst/>
@@ -8748,7 +9175,7 @@
           <a:p>
             <a:pPr lvl="0"/>
             <a:r>
-              <a:rPr lang="zh-TW" altLang="en-US" sz="3600" b="1" dirty="0">
+              <a:rPr lang="zh-TW" altLang="en-US" sz="3600" b="1" dirty="0" smtClean="0">
                 <a:solidFill>
                   <a:schemeClr val="tx1">
                     <a:lumMod val="75000"/>
@@ -8758,10 +9185,10 @@
                 <a:latin typeface="微軟正黑體" panose="020B0604030504040204" pitchFamily="34" charset="-120"/>
                 <a:ea typeface="微軟正黑體" panose="020B0604030504040204" pitchFamily="34" charset="-120"/>
               </a:rPr>
-              <a:t>用於</a:t>
-            </a:r>
-            <a:r>
-              <a:rPr lang="zh-TW" altLang="en-US" sz="3600" b="1" dirty="0" smtClean="0">
+              <a:t>指數</a:t>
+            </a:r>
+            <a:r>
+              <a:rPr lang="zh-TW" altLang="en-US" sz="3600" b="1" dirty="0">
                 <a:solidFill>
                   <a:schemeClr val="tx1">
                     <a:lumMod val="75000"/>
@@ -8771,47 +9198,47 @@
                 <a:latin typeface="微軟正黑體" panose="020B0604030504040204" pitchFamily="34" charset="-120"/>
                 <a:ea typeface="微軟正黑體" panose="020B0604030504040204" pitchFamily="34" charset="-120"/>
               </a:rPr>
-              <a:t>研判</a:t>
+              <a:t>移動</a:t>
             </a:r>
             <a:r>
               <a:rPr lang="zh-TW" altLang="en-US" sz="3600" b="1" dirty="0" smtClean="0">
                 <a:solidFill>
-                  <a:srgbClr val="FFC000"/>
+                  <a:schemeClr val="tx1">
+                    <a:lumMod val="75000"/>
+                    <a:lumOff val="25000"/>
+                  </a:schemeClr>
                 </a:solidFill>
                 <a:latin typeface="微軟正黑體" panose="020B0604030504040204" pitchFamily="34" charset="-120"/>
                 <a:ea typeface="微軟正黑體" panose="020B0604030504040204" pitchFamily="34" charset="-120"/>
               </a:rPr>
-              <a:t>價格</a:t>
-            </a:r>
-            <a:r>
-              <a:rPr lang="zh-TW" altLang="en-US" sz="3600" b="1" dirty="0">
-                <a:solidFill>
-                  <a:srgbClr val="FFC000"/>
+              <a:t>平均</a:t>
+            </a:r>
+            <a:r>
+              <a:rPr lang="en-US" altLang="zh-TW" sz="3600" b="1" dirty="0" smtClean="0">
+                <a:solidFill>
+                  <a:schemeClr val="tx1">
+                    <a:lumMod val="75000"/>
+                    <a:lumOff val="25000"/>
+                  </a:schemeClr>
                 </a:solidFill>
                 <a:latin typeface="微軟正黑體" panose="020B0604030504040204" pitchFamily="34" charset="-120"/>
                 <a:ea typeface="微軟正黑體" panose="020B0604030504040204" pitchFamily="34" charset="-120"/>
               </a:rPr>
-              <a:t>變化的強度、方向、</a:t>
+              <a:t>(EMA)</a:t>
             </a:r>
             <a:r>
               <a:rPr lang="zh-TW" altLang="en-US" sz="3600" b="1" dirty="0" smtClean="0">
                 <a:solidFill>
-                  <a:srgbClr val="FFC000"/>
+                  <a:schemeClr val="tx1">
+                    <a:lumMod val="75000"/>
+                    <a:lumOff val="25000"/>
+                  </a:schemeClr>
                 </a:solidFill>
                 <a:latin typeface="微軟正黑體" panose="020B0604030504040204" pitchFamily="34" charset="-120"/>
                 <a:ea typeface="微軟正黑體" panose="020B0604030504040204" pitchFamily="34" charset="-120"/>
               </a:rPr>
-              <a:t>能量以及趨勢</a:t>
-            </a:r>
-            <a:endParaRPr lang="en-US" altLang="zh-TW" sz="3600" b="1" dirty="0" smtClean="0">
-              <a:solidFill>
-                <a:srgbClr val="FFC000"/>
-              </a:solidFill>
-              <a:latin typeface="微軟正黑體" panose="020B0604030504040204" pitchFamily="34" charset="-120"/>
-              <a:ea typeface="微軟正黑體" panose="020B0604030504040204" pitchFamily="34" charset="-120"/>
-            </a:endParaRPr>
-          </a:p>
-          <a:p>
+              <a:t> </a:t>
+            </a:r>
             <a:endParaRPr lang="en-US" altLang="zh-TW" sz="3600" b="1" dirty="0" smtClean="0">
               <a:solidFill>
                 <a:schemeClr val="tx1">
@@ -8824,71 +9251,7 @@
             </a:endParaRPr>
           </a:p>
           <a:p>
-            <a:r>
-              <a:rPr lang="zh-TW" altLang="en-US" sz="3600" b="1" dirty="0" smtClean="0">
-                <a:solidFill>
-                  <a:schemeClr val="tx1">
-                    <a:lumMod val="75000"/>
-                    <a:lumOff val="25000"/>
-                  </a:schemeClr>
-                </a:solidFill>
-                <a:latin typeface="微軟正黑體" panose="020B0604030504040204" pitchFamily="34" charset="-120"/>
-                <a:ea typeface="微軟正黑體" panose="020B0604030504040204" pitchFamily="34" charset="-120"/>
-              </a:rPr>
-              <a:t>首先計算</a:t>
-            </a:r>
-            <a:r>
-              <a:rPr lang="en-US" altLang="zh-TW" sz="3600" b="1" dirty="0" smtClean="0">
-                <a:solidFill>
-                  <a:schemeClr val="tx1">
-                    <a:lumMod val="75000"/>
-                    <a:lumOff val="25000"/>
-                  </a:schemeClr>
-                </a:solidFill>
-                <a:latin typeface="微軟正黑體" panose="020B0604030504040204" pitchFamily="34" charset="-120"/>
-                <a:ea typeface="微軟正黑體" panose="020B0604030504040204" pitchFamily="34" charset="-120"/>
-              </a:rPr>
-              <a:t>12</a:t>
-            </a:r>
-            <a:r>
-              <a:rPr lang="zh-TW" altLang="en-US" sz="3600" b="1" dirty="0" smtClean="0">
-                <a:solidFill>
-                  <a:schemeClr val="tx1">
-                    <a:lumMod val="75000"/>
-                    <a:lumOff val="25000"/>
-                  </a:schemeClr>
-                </a:solidFill>
-                <a:latin typeface="微軟正黑體" panose="020B0604030504040204" pitchFamily="34" charset="-120"/>
-                <a:ea typeface="微軟正黑體" panose="020B0604030504040204" pitchFamily="34" charset="-120"/>
-              </a:rPr>
-              <a:t>日和</a:t>
-            </a:r>
-            <a:r>
-              <a:rPr lang="en-US" altLang="zh-TW" sz="3600" b="1" dirty="0" smtClean="0">
-                <a:solidFill>
-                  <a:schemeClr val="tx1">
-                    <a:lumMod val="75000"/>
-                    <a:lumOff val="25000"/>
-                  </a:schemeClr>
-                </a:solidFill>
-                <a:latin typeface="微軟正黑體" panose="020B0604030504040204" pitchFamily="34" charset="-120"/>
-                <a:ea typeface="微軟正黑體" panose="020B0604030504040204" pitchFamily="34" charset="-120"/>
-              </a:rPr>
-              <a:t>26</a:t>
-            </a:r>
-            <a:r>
-              <a:rPr lang="zh-TW" altLang="en-US" sz="3600" b="1" dirty="0" smtClean="0">
-                <a:solidFill>
-                  <a:schemeClr val="tx1">
-                    <a:lumMod val="75000"/>
-                    <a:lumOff val="25000"/>
-                  </a:schemeClr>
-                </a:solidFill>
-                <a:latin typeface="微軟正黑體" panose="020B0604030504040204" pitchFamily="34" charset="-120"/>
-                <a:ea typeface="微軟正黑體" panose="020B0604030504040204" pitchFamily="34" charset="-120"/>
-              </a:rPr>
-              <a:t>日的指數移動平均 ，</a:t>
-            </a:r>
+            <a:pPr lvl="0"/>
             <a:endParaRPr lang="en-US" altLang="zh-TW" sz="3600" b="1" dirty="0" smtClean="0">
               <a:solidFill>
                 <a:schemeClr val="tx1">
@@ -8901,8 +9264,9 @@
             </a:endParaRPr>
           </a:p>
           <a:p>
-            <a:r>
-              <a:rPr lang="zh-TW" altLang="en-US" sz="3600" b="1" dirty="0" smtClean="0">
+            <a:pPr lvl="0"/>
+            <a:r>
+              <a:rPr lang="en-US" altLang="zh-TW" sz="3600" b="1" dirty="0">
                 <a:solidFill>
                   <a:schemeClr val="tx1">
                     <a:lumMod val="75000"/>
@@ -8912,10 +9276,10 @@
                 <a:latin typeface="微軟正黑體" panose="020B0604030504040204" pitchFamily="34" charset="-120"/>
                 <a:ea typeface="微軟正黑體" panose="020B0604030504040204" pitchFamily="34" charset="-120"/>
               </a:rPr>
-              <a:t>令</a:t>
-            </a:r>
-            <a:r>
-              <a:rPr lang="en-US" altLang="zh-TW" sz="3600" b="1" dirty="0" smtClean="0">
+              <a:t>	</a:t>
+            </a:r>
+            <a:r>
+              <a:rPr lang="zh-TW" altLang="en-US" sz="3600" b="1" dirty="0" smtClean="0">
                 <a:solidFill>
                   <a:schemeClr val="tx1">
                     <a:lumMod val="75000"/>
@@ -8925,10 +9289,10 @@
                 <a:latin typeface="微軟正黑體" panose="020B0604030504040204" pitchFamily="34" charset="-120"/>
                 <a:ea typeface="微軟正黑體" panose="020B0604030504040204" pitchFamily="34" charset="-120"/>
               </a:rPr>
-              <a:t>DIF</a:t>
-            </a:r>
-            <a:r>
-              <a:rPr lang="zh-TW" altLang="en-US" sz="3600" b="1" dirty="0" smtClean="0">
+              <a:t>是</a:t>
+            </a:r>
+            <a:r>
+              <a:rPr lang="zh-TW" altLang="en-US" sz="3600" b="1" dirty="0">
                 <a:solidFill>
                   <a:schemeClr val="tx1">
                     <a:lumMod val="75000"/>
@@ -8938,23 +9302,20 @@
                 <a:latin typeface="微軟正黑體" panose="020B0604030504040204" pitchFamily="34" charset="-120"/>
                 <a:ea typeface="微軟正黑體" panose="020B0604030504040204" pitchFamily="34" charset="-120"/>
               </a:rPr>
-              <a:t>為</a:t>
-            </a:r>
-            <a:r>
-              <a:rPr lang="en-US" altLang="zh-TW" sz="3600" b="1" dirty="0" smtClean="0">
-                <a:solidFill>
-                  <a:schemeClr val="tx1">
-                    <a:lumMod val="75000"/>
-                    <a:lumOff val="25000"/>
-                  </a:schemeClr>
+              <a:t>以</a:t>
+            </a:r>
+            <a:r>
+              <a:rPr lang="zh-TW" altLang="en-US" sz="3600" b="1" dirty="0">
+                <a:solidFill>
+                  <a:srgbClr val="FFC000"/>
                 </a:solidFill>
                 <a:latin typeface="微軟正黑體" panose="020B0604030504040204" pitchFamily="34" charset="-120"/>
                 <a:ea typeface="微軟正黑體" panose="020B0604030504040204" pitchFamily="34" charset="-120"/>
               </a:rPr>
-              <a:t>12</a:t>
-            </a:r>
-            <a:r>
-              <a:rPr lang="zh-TW" altLang="en-US" sz="3600" b="1" dirty="0" smtClean="0">
+              <a:t>指數式遞減加權</a:t>
+            </a:r>
+            <a:r>
+              <a:rPr lang="zh-TW" altLang="en-US" sz="3600" b="1" dirty="0">
                 <a:solidFill>
                   <a:schemeClr val="tx1">
                     <a:lumMod val="75000"/>
@@ -8964,10 +9325,10 @@
                 <a:latin typeface="微軟正黑體" panose="020B0604030504040204" pitchFamily="34" charset="-120"/>
                 <a:ea typeface="微軟正黑體" panose="020B0604030504040204" pitchFamily="34" charset="-120"/>
               </a:rPr>
-              <a:t>日</a:t>
-            </a:r>
-            <a:r>
-              <a:rPr lang="en-US" altLang="zh-TW" sz="3600" b="1" dirty="0" smtClean="0">
+              <a:t>的移動平均</a:t>
+            </a:r>
+            <a:r>
+              <a:rPr lang="zh-TW" altLang="en-US" sz="3600" b="1" dirty="0" smtClean="0">
                 <a:solidFill>
                   <a:schemeClr val="tx1">
                     <a:lumMod val="75000"/>
@@ -8977,10 +9338,23 @@
                 <a:latin typeface="微軟正黑體" panose="020B0604030504040204" pitchFamily="34" charset="-120"/>
                 <a:ea typeface="微軟正黑體" panose="020B0604030504040204" pitchFamily="34" charset="-120"/>
               </a:rPr>
-              <a:t>EWA – 26</a:t>
-            </a:r>
-            <a:r>
-              <a:rPr lang="zh-TW" altLang="en-US" sz="3600" b="1" dirty="0" smtClean="0">
+              <a:t>。</a:t>
+            </a:r>
+            <a:endParaRPr lang="en-US" altLang="zh-TW" sz="3600" b="1" dirty="0" smtClean="0">
+              <a:solidFill>
+                <a:schemeClr val="tx1">
+                  <a:lumMod val="75000"/>
+                  <a:lumOff val="25000"/>
+                </a:schemeClr>
+              </a:solidFill>
+              <a:latin typeface="微軟正黑體" panose="020B0604030504040204" pitchFamily="34" charset="-120"/>
+              <a:ea typeface="微軟正黑體" panose="020B0604030504040204" pitchFamily="34" charset="-120"/>
+            </a:endParaRPr>
+          </a:p>
+          <a:p>
+            <a:pPr lvl="0"/>
+            <a:r>
+              <a:rPr lang="en-US" altLang="zh-TW" sz="3600" b="1" dirty="0" smtClean="0">
                 <a:solidFill>
                   <a:schemeClr val="tx1">
                     <a:lumMod val="75000"/>
@@ -8990,10 +9364,10 @@
                 <a:latin typeface="微軟正黑體" panose="020B0604030504040204" pitchFamily="34" charset="-120"/>
                 <a:ea typeface="微軟正黑體" panose="020B0604030504040204" pitchFamily="34" charset="-120"/>
               </a:rPr>
-              <a:t>日</a:t>
-            </a:r>
-            <a:r>
-              <a:rPr lang="en-US" altLang="zh-TW" sz="3600" b="1" dirty="0" smtClean="0">
+              <a:t>	</a:t>
+            </a:r>
+            <a:r>
+              <a:rPr lang="zh-TW" altLang="en-US" sz="3600" b="1" dirty="0" smtClean="0">
                 <a:solidFill>
                   <a:schemeClr val="tx1">
                     <a:lumMod val="75000"/>
@@ -9003,12 +9377,10 @@
                 <a:latin typeface="微軟正黑體" panose="020B0604030504040204" pitchFamily="34" charset="-120"/>
                 <a:ea typeface="微軟正黑體" panose="020B0604030504040204" pitchFamily="34" charset="-120"/>
               </a:rPr>
-              <a:t>EWA</a:t>
-            </a:r>
-          </a:p>
-          <a:p>
-            <a:r>
-              <a:rPr lang="zh-TW" altLang="en-US" sz="3600" b="1" dirty="0" smtClean="0">
+              <a:t>各</a:t>
+            </a:r>
+            <a:r>
+              <a:rPr lang="zh-TW" altLang="en-US" sz="3600" b="1" dirty="0">
                 <a:solidFill>
                   <a:schemeClr val="tx1">
                     <a:lumMod val="75000"/>
@@ -9018,10 +9390,10 @@
                 <a:latin typeface="微軟正黑體" panose="020B0604030504040204" pitchFamily="34" charset="-120"/>
                 <a:ea typeface="微軟正黑體" panose="020B0604030504040204" pitchFamily="34" charset="-120"/>
               </a:rPr>
-              <a:t>再令</a:t>
-            </a:r>
-            <a:r>
-              <a:rPr lang="en-US" altLang="zh-TW" sz="3600" b="1" dirty="0" smtClean="0">
+              <a:t>數值的加權影響力隨時間而指數式遞減</a:t>
+            </a:r>
+            <a:r>
+              <a:rPr lang="zh-TW" altLang="en-US" sz="3600" b="1" dirty="0" smtClean="0">
                 <a:solidFill>
                   <a:schemeClr val="tx1">
                     <a:lumMod val="75000"/>
@@ -9031,10 +9403,23 @@
                 <a:latin typeface="微軟正黑體" panose="020B0604030504040204" pitchFamily="34" charset="-120"/>
                 <a:ea typeface="微軟正黑體" panose="020B0604030504040204" pitchFamily="34" charset="-120"/>
               </a:rPr>
-              <a:t>DEM</a:t>
-            </a:r>
-            <a:r>
-              <a:rPr lang="zh-TW" altLang="en-US" sz="3600" b="1" dirty="0" smtClean="0">
+              <a:t>，</a:t>
+            </a:r>
+            <a:endParaRPr lang="en-US" altLang="zh-TW" sz="3600" b="1" dirty="0" smtClean="0">
+              <a:solidFill>
+                <a:schemeClr val="tx1">
+                  <a:lumMod val="75000"/>
+                  <a:lumOff val="25000"/>
+                </a:schemeClr>
+              </a:solidFill>
+              <a:latin typeface="微軟正黑體" panose="020B0604030504040204" pitchFamily="34" charset="-120"/>
+              <a:ea typeface="微軟正黑體" panose="020B0604030504040204" pitchFamily="34" charset="-120"/>
+            </a:endParaRPr>
+          </a:p>
+          <a:p>
+            <a:pPr lvl="0"/>
+            <a:r>
+              <a:rPr lang="en-US" altLang="zh-TW" sz="3600" b="1" dirty="0" smtClean="0">
                 <a:solidFill>
                   <a:schemeClr val="tx1">
                     <a:lumMod val="75000"/>
@@ -9044,36 +9429,30 @@
                 <a:latin typeface="微軟正黑體" panose="020B0604030504040204" pitchFamily="34" charset="-120"/>
                 <a:ea typeface="微軟正黑體" panose="020B0604030504040204" pitchFamily="34" charset="-120"/>
               </a:rPr>
-              <a:t>為</a:t>
-            </a:r>
-            <a:r>
-              <a:rPr lang="en-US" altLang="zh-TW" sz="3600" b="1" dirty="0" smtClean="0">
-                <a:solidFill>
-                  <a:schemeClr val="tx1">
-                    <a:lumMod val="75000"/>
-                    <a:lumOff val="25000"/>
-                  </a:schemeClr>
+              <a:t>	</a:t>
+            </a:r>
+            <a:r>
+              <a:rPr lang="zh-TW" altLang="en-US" sz="3600" b="1" dirty="0" smtClean="0">
+                <a:solidFill>
+                  <a:srgbClr val="FFC000"/>
                 </a:solidFill>
                 <a:latin typeface="微軟正黑體" panose="020B0604030504040204" pitchFamily="34" charset="-120"/>
                 <a:ea typeface="微軟正黑體" panose="020B0604030504040204" pitchFamily="34" charset="-120"/>
               </a:rPr>
-              <a:t>DIF</a:t>
-            </a:r>
-            <a:r>
-              <a:rPr lang="zh-TW" altLang="en-US" sz="3600" b="1" dirty="0" smtClean="0">
-                <a:solidFill>
-                  <a:schemeClr val="tx1">
-                    <a:lumMod val="75000"/>
-                    <a:lumOff val="25000"/>
-                  </a:schemeClr>
+              <a:t>越</a:t>
+            </a:r>
+            <a:r>
+              <a:rPr lang="zh-TW" altLang="en-US" sz="3600" b="1" dirty="0">
+                <a:solidFill>
+                  <a:srgbClr val="FFC000"/>
                 </a:solidFill>
                 <a:latin typeface="微軟正黑體" panose="020B0604030504040204" pitchFamily="34" charset="-120"/>
                 <a:ea typeface="微軟正黑體" panose="020B0604030504040204" pitchFamily="34" charset="-120"/>
               </a:rPr>
-              <a:t>的</a:t>
-            </a:r>
-            <a:r>
-              <a:rPr lang="en-US" altLang="zh-TW" sz="3600" b="1" dirty="0" smtClean="0">
+              <a:t>近期的數據加權影響力越重</a:t>
+            </a:r>
+            <a:r>
+              <a:rPr lang="zh-TW" altLang="en-US" sz="3600" b="1" dirty="0" smtClean="0">
                 <a:solidFill>
                   <a:schemeClr val="tx1">
                     <a:lumMod val="75000"/>
@@ -9083,10 +9462,23 @@
                 <a:latin typeface="微軟正黑體" panose="020B0604030504040204" pitchFamily="34" charset="-120"/>
                 <a:ea typeface="微軟正黑體" panose="020B0604030504040204" pitchFamily="34" charset="-120"/>
               </a:rPr>
-              <a:t>9</a:t>
-            </a:r>
-            <a:r>
-              <a:rPr lang="zh-TW" altLang="en-US" sz="3600" b="1" dirty="0" smtClean="0">
+              <a:t>，</a:t>
+            </a:r>
+            <a:endParaRPr lang="en-US" altLang="zh-TW" sz="3600" b="1" dirty="0" smtClean="0">
+              <a:solidFill>
+                <a:schemeClr val="tx1">
+                  <a:lumMod val="75000"/>
+                  <a:lumOff val="25000"/>
+                </a:schemeClr>
+              </a:solidFill>
+              <a:latin typeface="微軟正黑體" panose="020B0604030504040204" pitchFamily="34" charset="-120"/>
+              <a:ea typeface="微軟正黑體" panose="020B0604030504040204" pitchFamily="34" charset="-120"/>
+            </a:endParaRPr>
+          </a:p>
+          <a:p>
+            <a:pPr lvl="0"/>
+            <a:r>
+              <a:rPr lang="en-US" altLang="zh-TW" sz="3600" b="1" dirty="0" smtClean="0">
                 <a:solidFill>
                   <a:schemeClr val="tx1">
                     <a:lumMod val="75000"/>
@@ -9096,10 +9488,10 @@
                 <a:latin typeface="微軟正黑體" panose="020B0604030504040204" pitchFamily="34" charset="-120"/>
                 <a:ea typeface="微軟正黑體" panose="020B0604030504040204" pitchFamily="34" charset="-120"/>
               </a:rPr>
-              <a:t>日</a:t>
-            </a:r>
-            <a:r>
-              <a:rPr lang="en-US" altLang="zh-TW" sz="3600" b="1" dirty="0" smtClean="0">
+              <a:t>	</a:t>
+            </a:r>
+            <a:r>
+              <a:rPr lang="zh-TW" altLang="en-US" sz="3600" b="1" dirty="0" smtClean="0">
                 <a:solidFill>
                   <a:schemeClr val="tx1">
                     <a:lumMod val="75000"/>
@@ -9109,7 +9501,20 @@
                 <a:latin typeface="微軟正黑體" panose="020B0604030504040204" pitchFamily="34" charset="-120"/>
                 <a:ea typeface="微軟正黑體" panose="020B0604030504040204" pitchFamily="34" charset="-120"/>
               </a:rPr>
-              <a:t>EMA </a:t>
+              <a:t>但</a:t>
+            </a:r>
+            <a:r>
+              <a:rPr lang="zh-TW" altLang="en-US" sz="3600" b="1" dirty="0">
+                <a:solidFill>
+                  <a:schemeClr val="tx1">
+                    <a:lumMod val="75000"/>
+                    <a:lumOff val="25000"/>
+                  </a:schemeClr>
+                </a:solidFill>
+                <a:latin typeface="微軟正黑體" panose="020B0604030504040204" pitchFamily="34" charset="-120"/>
+                <a:ea typeface="微軟正黑體" panose="020B0604030504040204" pitchFamily="34" charset="-120"/>
+              </a:rPr>
+              <a:t>較舊的數據也給予一定的加權值。</a:t>
             </a:r>
           </a:p>
         </p:txBody>
@@ -9117,7 +9522,7 @@
     </p:spTree>
     <p:extLst>
       <p:ext uri="{BB962C8B-B14F-4D97-AF65-F5344CB8AC3E}">
-        <p14:creationId xmlns:p14="http://schemas.microsoft.com/office/powerpoint/2010/main" val="2461780200"/>
+        <p14:creationId xmlns:p14="http://schemas.microsoft.com/office/powerpoint/2010/main" val="4088085025"/>
       </p:ext>
     </p:extLst>
   </p:cSld>
@@ -9189,9 +9594,9 @@
                     <a:lumOff val="25000"/>
                   </a:schemeClr>
                 </a:solidFill>
-                <a:latin typeface="思源黑体 CN Bold" panose="020B0800000000000000" pitchFamily="34" charset="-122"/>
-                <a:ea typeface="思源黑体 CN Bold" panose="020B0800000000000000" pitchFamily="34" charset="-122"/>
-                <a:cs typeface="+mn-ea"/>
+                <a:latin typeface="Microsoft JhengHei" charset="-120"/>
+                <a:ea typeface="Microsoft JhengHei" charset="-120"/>
+                <a:cs typeface="Microsoft JhengHei" charset="-120"/>
                 <a:sym typeface="+mn-lt"/>
               </a:rPr>
               <a:t>MACD</a:t>
@@ -9203,9 +9608,9 @@
                   <a:lumOff val="25000"/>
                 </a:schemeClr>
               </a:solidFill>
-              <a:latin typeface="思源黑体 CN Bold" panose="020B0800000000000000" pitchFamily="34" charset="-122"/>
-              <a:ea typeface="思源黑体 CN Bold" panose="020B0800000000000000" pitchFamily="34" charset="-122"/>
-              <a:cs typeface="+mn-ea"/>
+              <a:latin typeface="Microsoft JhengHei" charset="-120"/>
+              <a:ea typeface="Microsoft JhengHei" charset="-120"/>
+              <a:cs typeface="Microsoft JhengHei" charset="-120"/>
               <a:sym typeface="+mn-lt"/>
             </a:endParaRPr>
           </a:p>
@@ -9255,14 +9660,14 @@
       </p:sp>
       <p:sp>
         <p:nvSpPr>
-          <p:cNvPr id="5" name="文字方塊 4"/>
+          <p:cNvPr id="6" name="文字方塊 5"/>
           <p:cNvSpPr txBox="1"/>
           <p:nvPr/>
         </p:nvSpPr>
         <p:spPr>
           <a:xfrm>
-            <a:off x="2069717" y="2445417"/>
-            <a:ext cx="13623636" cy="1754326"/>
+            <a:off x="1390844" y="2121565"/>
+            <a:ext cx="13623636" cy="2862322"/>
           </a:xfrm>
           <a:prstGeom prst="rect">
             <a:avLst/>
@@ -9277,7 +9682,7 @@
           <a:p>
             <a:pPr lvl="0"/>
             <a:r>
-              <a:rPr lang="zh-TW" altLang="en-US" sz="3600" b="1" dirty="0" smtClean="0">
+              <a:rPr lang="zh-TW" altLang="en-US" sz="3600" b="1" dirty="0">
                 <a:solidFill>
                   <a:schemeClr val="tx1">
                     <a:lumMod val="75000"/>
@@ -9287,17 +9692,20 @@
                 <a:latin typeface="微軟正黑體" panose="020B0604030504040204" pitchFamily="34" charset="-120"/>
                 <a:ea typeface="微軟正黑體" panose="020B0604030504040204" pitchFamily="34" charset="-120"/>
               </a:rPr>
-              <a:t>若</a:t>
-            </a:r>
-            <a:r>
-              <a:rPr lang="en-US" altLang="zh-TW" sz="3600" b="1" dirty="0" smtClean="0">
-                <a:solidFill>
-                  <a:srgbClr val="FFC000"/>
+              <a:t>用於</a:t>
+            </a:r>
+            <a:r>
+              <a:rPr lang="zh-TW" altLang="en-US" sz="3600" b="1" dirty="0" smtClean="0">
+                <a:solidFill>
+                  <a:schemeClr val="tx1">
+                    <a:lumMod val="75000"/>
+                    <a:lumOff val="25000"/>
+                  </a:schemeClr>
                 </a:solidFill>
                 <a:latin typeface="微軟正黑體" panose="020B0604030504040204" pitchFamily="34" charset="-120"/>
                 <a:ea typeface="微軟正黑體" panose="020B0604030504040204" pitchFamily="34" charset="-120"/>
               </a:rPr>
-              <a:t>DIF</a:t>
+              <a:t>研判</a:t>
             </a:r>
             <a:r>
               <a:rPr lang="zh-TW" altLang="en-US" sz="3600" b="1" dirty="0" smtClean="0">
@@ -9307,70 +9715,37 @@
                 <a:latin typeface="微軟正黑體" panose="020B0604030504040204" pitchFamily="34" charset="-120"/>
                 <a:ea typeface="微軟正黑體" panose="020B0604030504040204" pitchFamily="34" charset="-120"/>
               </a:rPr>
-              <a:t>自下而上</a:t>
-            </a:r>
-            <a:r>
-              <a:rPr lang="zh-TW" altLang="en-US" sz="3600" b="1" dirty="0" smtClean="0">
-                <a:solidFill>
-                  <a:schemeClr val="tx1">
-                    <a:lumMod val="75000"/>
-                    <a:lumOff val="25000"/>
-                  </a:schemeClr>
+              <a:t>價格</a:t>
+            </a:r>
+            <a:r>
+              <a:rPr lang="zh-TW" altLang="en-US" sz="3600" b="1" dirty="0">
+                <a:solidFill>
+                  <a:srgbClr val="FFC000"/>
                 </a:solidFill>
                 <a:latin typeface="微軟正黑體" panose="020B0604030504040204" pitchFamily="34" charset="-120"/>
                 <a:ea typeface="微軟正黑體" panose="020B0604030504040204" pitchFamily="34" charset="-120"/>
               </a:rPr>
-              <a:t>突破</a:t>
-            </a:r>
-            <a:r>
-              <a:rPr lang="en-US" altLang="zh-TW" sz="3600" b="1" dirty="0" smtClean="0">
-                <a:solidFill>
-                  <a:schemeClr val="tx1">
-                    <a:lumMod val="75000"/>
-                    <a:lumOff val="25000"/>
-                  </a:schemeClr>
+              <a:t>變化的強度、方向、</a:t>
+            </a:r>
+            <a:r>
+              <a:rPr lang="zh-TW" altLang="en-US" sz="3600" b="1" dirty="0" smtClean="0">
+                <a:solidFill>
+                  <a:srgbClr val="FFC000"/>
                 </a:solidFill>
                 <a:latin typeface="微軟正黑體" panose="020B0604030504040204" pitchFamily="34" charset="-120"/>
                 <a:ea typeface="微軟正黑體" panose="020B0604030504040204" pitchFamily="34" charset="-120"/>
               </a:rPr>
-              <a:t>DEM</a:t>
-            </a:r>
-            <a:r>
-              <a:rPr lang="zh-TW" altLang="en-US" sz="3600" b="1" dirty="0" smtClean="0">
-                <a:solidFill>
-                  <a:schemeClr val="tx1">
-                    <a:lumMod val="75000"/>
-                    <a:lumOff val="25000"/>
-                  </a:schemeClr>
-                </a:solidFill>
-                <a:latin typeface="微軟正黑體" panose="020B0604030504040204" pitchFamily="34" charset="-120"/>
-                <a:ea typeface="微軟正黑體" panose="020B0604030504040204" pitchFamily="34" charset="-120"/>
-              </a:rPr>
-              <a:t>，為</a:t>
-            </a:r>
-            <a:r>
-              <a:rPr lang="zh-TW" altLang="en-US" sz="3600" b="1" dirty="0" smtClean="0">
-                <a:solidFill>
-                  <a:srgbClr val="FFC000"/>
-                </a:solidFill>
-                <a:latin typeface="微軟正黑體" panose="020B0604030504040204" pitchFamily="34" charset="-120"/>
-                <a:ea typeface="微軟正黑體" panose="020B0604030504040204" pitchFamily="34" charset="-120"/>
-              </a:rPr>
-              <a:t>買進</a:t>
-            </a:r>
-            <a:r>
-              <a:rPr lang="zh-TW" altLang="en-US" sz="3600" b="1" dirty="0" smtClean="0">
-                <a:solidFill>
-                  <a:schemeClr val="tx1">
-                    <a:lumMod val="75000"/>
-                    <a:lumOff val="25000"/>
-                  </a:schemeClr>
-                </a:solidFill>
-                <a:latin typeface="微軟正黑體" panose="020B0604030504040204" pitchFamily="34" charset="-120"/>
-                <a:ea typeface="微軟正黑體" panose="020B0604030504040204" pitchFamily="34" charset="-120"/>
-              </a:rPr>
-              <a:t>訊號</a:t>
-            </a:r>
+              <a:t>能量以及趨勢</a:t>
+            </a:r>
+            <a:endParaRPr lang="en-US" altLang="zh-TW" sz="3600" b="1" dirty="0" smtClean="0">
+              <a:solidFill>
+                <a:srgbClr val="FFC000"/>
+              </a:solidFill>
+              <a:latin typeface="微軟正黑體" panose="020B0604030504040204" pitchFamily="34" charset="-120"/>
+              <a:ea typeface="微軟正黑體" panose="020B0604030504040204" pitchFamily="34" charset="-120"/>
+            </a:endParaRPr>
+          </a:p>
+          <a:p>
             <a:endParaRPr lang="en-US" altLang="zh-TW" sz="3600" b="1" dirty="0" smtClean="0">
               <a:solidFill>
                 <a:schemeClr val="tx1">
@@ -9383,7 +9758,71 @@
             </a:endParaRPr>
           </a:p>
           <a:p>
-            <a:pPr lvl="0"/>
+            <a:r>
+              <a:rPr lang="zh-TW" altLang="en-US" sz="3600" b="1" dirty="0" smtClean="0">
+                <a:solidFill>
+                  <a:schemeClr val="tx1">
+                    <a:lumMod val="75000"/>
+                    <a:lumOff val="25000"/>
+                  </a:schemeClr>
+                </a:solidFill>
+                <a:latin typeface="微軟正黑體" panose="020B0604030504040204" pitchFamily="34" charset="-120"/>
+                <a:ea typeface="微軟正黑體" panose="020B0604030504040204" pitchFamily="34" charset="-120"/>
+              </a:rPr>
+              <a:t>首先計算</a:t>
+            </a:r>
+            <a:r>
+              <a:rPr lang="en-US" altLang="zh-TW" sz="3600" b="1" dirty="0" smtClean="0">
+                <a:solidFill>
+                  <a:schemeClr val="tx1">
+                    <a:lumMod val="75000"/>
+                    <a:lumOff val="25000"/>
+                  </a:schemeClr>
+                </a:solidFill>
+                <a:latin typeface="微軟正黑體" panose="020B0604030504040204" pitchFamily="34" charset="-120"/>
+                <a:ea typeface="微軟正黑體" panose="020B0604030504040204" pitchFamily="34" charset="-120"/>
+              </a:rPr>
+              <a:t>12</a:t>
+            </a:r>
+            <a:r>
+              <a:rPr lang="zh-TW" altLang="en-US" sz="3600" b="1" dirty="0" smtClean="0">
+                <a:solidFill>
+                  <a:schemeClr val="tx1">
+                    <a:lumMod val="75000"/>
+                    <a:lumOff val="25000"/>
+                  </a:schemeClr>
+                </a:solidFill>
+                <a:latin typeface="微軟正黑體" panose="020B0604030504040204" pitchFamily="34" charset="-120"/>
+                <a:ea typeface="微軟正黑體" panose="020B0604030504040204" pitchFamily="34" charset="-120"/>
+              </a:rPr>
+              <a:t>日和</a:t>
+            </a:r>
+            <a:r>
+              <a:rPr lang="en-US" altLang="zh-TW" sz="3600" b="1" dirty="0" smtClean="0">
+                <a:solidFill>
+                  <a:schemeClr val="tx1">
+                    <a:lumMod val="75000"/>
+                    <a:lumOff val="25000"/>
+                  </a:schemeClr>
+                </a:solidFill>
+                <a:latin typeface="微軟正黑體" panose="020B0604030504040204" pitchFamily="34" charset="-120"/>
+                <a:ea typeface="微軟正黑體" panose="020B0604030504040204" pitchFamily="34" charset="-120"/>
+              </a:rPr>
+              <a:t>26</a:t>
+            </a:r>
+            <a:r>
+              <a:rPr lang="zh-TW" altLang="en-US" sz="3600" b="1" dirty="0" smtClean="0">
+                <a:solidFill>
+                  <a:schemeClr val="tx1">
+                    <a:lumMod val="75000"/>
+                    <a:lumOff val="25000"/>
+                  </a:schemeClr>
+                </a:solidFill>
+                <a:latin typeface="微軟正黑體" panose="020B0604030504040204" pitchFamily="34" charset="-120"/>
+                <a:ea typeface="微軟正黑體" panose="020B0604030504040204" pitchFamily="34" charset="-120"/>
+              </a:rPr>
+              <a:t>日的指數移動平均 ，</a:t>
+            </a:r>
             <a:endParaRPr lang="en-US" altLang="zh-TW" sz="3600" b="1" dirty="0" smtClean="0">
               <a:solidFill>
                 <a:schemeClr val="tx1">
@@ -9396,7 +9835,6 @@
             </a:endParaRPr>
           </a:p>
           <a:p>
-            <a:pPr lvl="0"/>
             <a:r>
               <a:rPr lang="zh-TW" altLang="en-US" sz="3600" b="1" dirty="0" smtClean="0">
                 <a:solidFill>
@@ -9408,12 +9846,15 @@
                 <a:latin typeface="微軟正黑體" panose="020B0604030504040204" pitchFamily="34" charset="-120"/>
                 <a:ea typeface="微軟正黑體" panose="020B0604030504040204" pitchFamily="34" charset="-120"/>
               </a:rPr>
-              <a:t>若</a:t>
+              <a:t>令</a:t>
             </a:r>
             <a:r>
               <a:rPr lang="en-US" altLang="zh-TW" sz="3600" b="1" dirty="0" smtClean="0">
                 <a:solidFill>
-                  <a:srgbClr val="FFC000"/>
+                  <a:schemeClr val="tx1">
+                    <a:lumMod val="75000"/>
+                    <a:lumOff val="25000"/>
+                  </a:schemeClr>
                 </a:solidFill>
                 <a:latin typeface="微軟正黑體" panose="020B0604030504040204" pitchFamily="34" charset="-120"/>
                 <a:ea typeface="微軟正黑體" panose="020B0604030504040204" pitchFamily="34" charset="-120"/>
@@ -9423,15 +9864,18 @@
             <a:r>
               <a:rPr lang="zh-TW" altLang="en-US" sz="3600" b="1" dirty="0" smtClean="0">
                 <a:solidFill>
-                  <a:srgbClr val="FFC000"/>
+                  <a:schemeClr val="tx1">
+                    <a:lumMod val="75000"/>
+                    <a:lumOff val="25000"/>
+                  </a:schemeClr>
                 </a:solidFill>
                 <a:latin typeface="微軟正黑體" panose="020B0604030504040204" pitchFamily="34" charset="-120"/>
                 <a:ea typeface="微軟正黑體" panose="020B0604030504040204" pitchFamily="34" charset="-120"/>
               </a:rPr>
-              <a:t>由上而下</a:t>
-            </a:r>
-            <a:r>
-              <a:rPr lang="zh-TW" altLang="en-US" sz="3600" b="1" dirty="0" smtClean="0">
+              <a:t>為</a:t>
+            </a:r>
+            <a:r>
+              <a:rPr lang="en-US" altLang="zh-TW" sz="3600" b="1" dirty="0" smtClean="0">
                 <a:solidFill>
                   <a:schemeClr val="tx1">
                     <a:lumMod val="75000"/>
@@ -9441,10 +9885,10 @@
                 <a:latin typeface="微軟正黑體" panose="020B0604030504040204" pitchFamily="34" charset="-120"/>
                 <a:ea typeface="微軟正黑體" panose="020B0604030504040204" pitchFamily="34" charset="-120"/>
               </a:rPr>
-              <a:t>穿透</a:t>
-            </a:r>
-            <a:r>
-              <a:rPr lang="en-US" altLang="zh-TW" sz="3600" b="1" dirty="0" smtClean="0">
+              <a:t>12</a:t>
+            </a:r>
+            <a:r>
+              <a:rPr lang="zh-TW" altLang="en-US" sz="3600" b="1" dirty="0" smtClean="0">
                 <a:solidFill>
                   <a:schemeClr val="tx1">
                     <a:lumMod val="75000"/>
@@ -9454,10 +9898,10 @@
                 <a:latin typeface="微軟正黑體" panose="020B0604030504040204" pitchFamily="34" charset="-120"/>
                 <a:ea typeface="微軟正黑體" panose="020B0604030504040204" pitchFamily="34" charset="-120"/>
               </a:rPr>
-              <a:t>DEM</a:t>
-            </a:r>
-            <a:r>
-              <a:rPr lang="zh-TW" altLang="en-US" sz="3600" b="1" dirty="0" smtClean="0">
+              <a:t>日</a:t>
+            </a:r>
+            <a:r>
+              <a:rPr lang="en-US" altLang="zh-TW" sz="3600" b="1" dirty="0" smtClean="0">
                 <a:solidFill>
                   <a:schemeClr val="tx1">
                     <a:lumMod val="75000"/>
@@ -9467,20 +9911,23 @@
                 <a:latin typeface="微軟正黑體" panose="020B0604030504040204" pitchFamily="34" charset="-120"/>
                 <a:ea typeface="微軟正黑體" panose="020B0604030504040204" pitchFamily="34" charset="-120"/>
               </a:rPr>
-              <a:t>，為</a:t>
+              <a:t>EWA – 26</a:t>
             </a:r>
             <a:r>
               <a:rPr lang="zh-TW" altLang="en-US" sz="3600" b="1" dirty="0" smtClean="0">
                 <a:solidFill>
-                  <a:srgbClr val="FFC000"/>
+                  <a:schemeClr val="tx1">
+                    <a:lumMod val="75000"/>
+                    <a:lumOff val="25000"/>
+                  </a:schemeClr>
                 </a:solidFill>
                 <a:latin typeface="微軟正黑體" panose="020B0604030504040204" pitchFamily="34" charset="-120"/>
                 <a:ea typeface="微軟正黑體" panose="020B0604030504040204" pitchFamily="34" charset="-120"/>
               </a:rPr>
-              <a:t>賣出</a:t>
-            </a:r>
-            <a:r>
-              <a:rPr lang="zh-TW" altLang="en-US" sz="3600" b="1" dirty="0" smtClean="0">
+              <a:t>日</a:t>
+            </a:r>
+            <a:r>
+              <a:rPr lang="en-US" altLang="zh-TW" sz="3600" b="1" dirty="0" smtClean="0">
                 <a:solidFill>
                   <a:schemeClr val="tx1">
                     <a:lumMod val="75000"/>
@@ -9490,25 +9937,121 @@
                 <a:latin typeface="微軟正黑體" panose="020B0604030504040204" pitchFamily="34" charset="-120"/>
                 <a:ea typeface="微軟正黑體" panose="020B0604030504040204" pitchFamily="34" charset="-120"/>
               </a:rPr>
-              <a:t>訊號</a:t>
-            </a:r>
-            <a:endParaRPr lang="en-US" altLang="zh-TW" sz="3600" b="1" dirty="0" smtClean="0">
-              <a:solidFill>
-                <a:schemeClr val="tx1">
-                  <a:lumMod val="75000"/>
-                  <a:lumOff val="25000"/>
-                </a:schemeClr>
-              </a:solidFill>
-              <a:latin typeface="微軟正黑體" panose="020B0604030504040204" pitchFamily="34" charset="-120"/>
-              <a:ea typeface="微軟正黑體" panose="020B0604030504040204" pitchFamily="34" charset="-120"/>
-            </a:endParaRPr>
+              <a:t>EWA</a:t>
+            </a:r>
+          </a:p>
+          <a:p>
+            <a:r>
+              <a:rPr lang="zh-TW" altLang="en-US" sz="3600" b="1" dirty="0" smtClean="0">
+                <a:solidFill>
+                  <a:schemeClr val="tx1">
+                    <a:lumMod val="75000"/>
+                    <a:lumOff val="25000"/>
+                  </a:schemeClr>
+                </a:solidFill>
+                <a:latin typeface="微軟正黑體" panose="020B0604030504040204" pitchFamily="34" charset="-120"/>
+                <a:ea typeface="微軟正黑體" panose="020B0604030504040204" pitchFamily="34" charset="-120"/>
+              </a:rPr>
+              <a:t>再令</a:t>
+            </a:r>
+            <a:r>
+              <a:rPr lang="en-US" altLang="zh-TW" sz="3600" b="1" dirty="0" smtClean="0">
+                <a:solidFill>
+                  <a:schemeClr val="tx1">
+                    <a:lumMod val="75000"/>
+                    <a:lumOff val="25000"/>
+                  </a:schemeClr>
+                </a:solidFill>
+                <a:latin typeface="微軟正黑體" panose="020B0604030504040204" pitchFamily="34" charset="-120"/>
+                <a:ea typeface="微軟正黑體" panose="020B0604030504040204" pitchFamily="34" charset="-120"/>
+              </a:rPr>
+              <a:t>DEM</a:t>
+            </a:r>
+            <a:r>
+              <a:rPr lang="zh-TW" altLang="en-US" sz="3600" b="1" dirty="0" smtClean="0">
+                <a:solidFill>
+                  <a:schemeClr val="tx1">
+                    <a:lumMod val="75000"/>
+                    <a:lumOff val="25000"/>
+                  </a:schemeClr>
+                </a:solidFill>
+                <a:latin typeface="微軟正黑體" panose="020B0604030504040204" pitchFamily="34" charset="-120"/>
+                <a:ea typeface="微軟正黑體" panose="020B0604030504040204" pitchFamily="34" charset="-120"/>
+              </a:rPr>
+              <a:t>為</a:t>
+            </a:r>
+            <a:r>
+              <a:rPr lang="en-US" altLang="zh-TW" sz="3600" b="1" dirty="0" smtClean="0">
+                <a:solidFill>
+                  <a:schemeClr val="tx1">
+                    <a:lumMod val="75000"/>
+                    <a:lumOff val="25000"/>
+                  </a:schemeClr>
+                </a:solidFill>
+                <a:latin typeface="微軟正黑體" panose="020B0604030504040204" pitchFamily="34" charset="-120"/>
+                <a:ea typeface="微軟正黑體" panose="020B0604030504040204" pitchFamily="34" charset="-120"/>
+              </a:rPr>
+              <a:t>DIF</a:t>
+            </a:r>
+            <a:r>
+              <a:rPr lang="zh-TW" altLang="en-US" sz="3600" b="1" dirty="0" smtClean="0">
+                <a:solidFill>
+                  <a:schemeClr val="tx1">
+                    <a:lumMod val="75000"/>
+                    <a:lumOff val="25000"/>
+                  </a:schemeClr>
+                </a:solidFill>
+                <a:latin typeface="微軟正黑體" panose="020B0604030504040204" pitchFamily="34" charset="-120"/>
+                <a:ea typeface="微軟正黑體" panose="020B0604030504040204" pitchFamily="34" charset="-120"/>
+              </a:rPr>
+              <a:t>的</a:t>
+            </a:r>
+            <a:r>
+              <a:rPr lang="en-US" altLang="zh-TW" sz="3600" b="1" dirty="0" smtClean="0">
+                <a:solidFill>
+                  <a:schemeClr val="tx1">
+                    <a:lumMod val="75000"/>
+                    <a:lumOff val="25000"/>
+                  </a:schemeClr>
+                </a:solidFill>
+                <a:latin typeface="微軟正黑體" panose="020B0604030504040204" pitchFamily="34" charset="-120"/>
+                <a:ea typeface="微軟正黑體" panose="020B0604030504040204" pitchFamily="34" charset="-120"/>
+              </a:rPr>
+              <a:t>9</a:t>
+            </a:r>
+            <a:r>
+              <a:rPr lang="zh-TW" altLang="en-US" sz="3600" b="1" dirty="0" smtClean="0">
+                <a:solidFill>
+                  <a:schemeClr val="tx1">
+                    <a:lumMod val="75000"/>
+                    <a:lumOff val="25000"/>
+                  </a:schemeClr>
+                </a:solidFill>
+                <a:latin typeface="微軟正黑體" panose="020B0604030504040204" pitchFamily="34" charset="-120"/>
+                <a:ea typeface="微軟正黑體" panose="020B0604030504040204" pitchFamily="34" charset="-120"/>
+              </a:rPr>
+              <a:t>日</a:t>
+            </a:r>
+            <a:r>
+              <a:rPr lang="en-US" altLang="zh-TW" sz="3600" b="1" dirty="0" smtClean="0">
+                <a:solidFill>
+                  <a:schemeClr val="tx1">
+                    <a:lumMod val="75000"/>
+                    <a:lumOff val="25000"/>
+                  </a:schemeClr>
+                </a:solidFill>
+                <a:latin typeface="微軟正黑體" panose="020B0604030504040204" pitchFamily="34" charset="-120"/>
+                <a:ea typeface="微軟正黑體" panose="020B0604030504040204" pitchFamily="34" charset="-120"/>
+              </a:rPr>
+              <a:t>EMA </a:t>
+            </a:r>
           </a:p>
         </p:txBody>
       </p:sp>
     </p:spTree>
     <p:extLst>
       <p:ext uri="{BB962C8B-B14F-4D97-AF65-F5344CB8AC3E}">
-        <p14:creationId xmlns:p14="http://schemas.microsoft.com/office/powerpoint/2010/main" val="265694418"/>
+        <p14:creationId xmlns:p14="http://schemas.microsoft.com/office/powerpoint/2010/main" val="2461780200"/>
       </p:ext>
     </p:extLst>
   </p:cSld>
@@ -9573,34 +10116,19 @@
           <a:p>
             <a:pPr defTabSz="685800"/>
             <a:r>
-              <a:rPr lang="en-US" altLang="zh-CN" sz="2400" b="1" dirty="0" err="1" smtClean="0">
-                <a:solidFill>
-                  <a:schemeClr val="tx1">
-                    <a:lumMod val="75000"/>
-                    <a:lumOff val="25000"/>
-                  </a:schemeClr>
-                </a:solidFill>
-                <a:latin typeface="思源黑体 CN Bold" panose="020B0800000000000000" pitchFamily="34" charset="-122"/>
-                <a:ea typeface="思源黑体 CN Bold" panose="020B0800000000000000" pitchFamily="34" charset="-122"/>
-                <a:cs typeface="+mn-ea"/>
+              <a:rPr lang="en-US" altLang="zh-CN" sz="2400" b="1" dirty="0" smtClean="0">
+                <a:solidFill>
+                  <a:schemeClr val="tx1">
+                    <a:lumMod val="75000"/>
+                    <a:lumOff val="25000"/>
+                  </a:schemeClr>
+                </a:solidFill>
+                <a:latin typeface="Microsoft JhengHei" charset="-120"/>
+                <a:ea typeface="Microsoft JhengHei" charset="-120"/>
+                <a:cs typeface="Microsoft JhengHei" charset="-120"/>
                 <a:sym typeface="+mn-lt"/>
               </a:rPr>
-              <a:t>Bollienger</a:t>
-            </a:r>
-            <a:r>
-              <a:rPr lang="en-US" altLang="zh-CN" sz="2400" b="1" dirty="0" smtClean="0">
-                <a:solidFill>
-                  <a:schemeClr val="tx1">
-                    <a:lumMod val="75000"/>
-                    <a:lumOff val="25000"/>
-                  </a:schemeClr>
-                </a:solidFill>
-                <a:latin typeface="思源黑体 CN Bold" panose="020B0800000000000000" pitchFamily="34" charset="-122"/>
-                <a:ea typeface="思源黑体 CN Bold" panose="020B0800000000000000" pitchFamily="34" charset="-122"/>
-                <a:cs typeface="+mn-ea"/>
-                <a:sym typeface="+mn-lt"/>
-              </a:rPr>
-              <a:t> Bands</a:t>
+              <a:t>MACD</a:t>
             </a:r>
             <a:endParaRPr lang="zh-CN" altLang="en-US" sz="2400" b="1" dirty="0">
               <a:solidFill>
@@ -9609,9 +10137,9 @@
                   <a:lumOff val="25000"/>
                 </a:schemeClr>
               </a:solidFill>
-              <a:latin typeface="思源黑体 CN Bold" panose="020B0800000000000000" pitchFamily="34" charset="-122"/>
-              <a:ea typeface="思源黑体 CN Bold" panose="020B0800000000000000" pitchFamily="34" charset="-122"/>
-              <a:cs typeface="+mn-ea"/>
+              <a:latin typeface="Microsoft JhengHei" charset="-120"/>
+              <a:ea typeface="Microsoft JhengHei" charset="-120"/>
+              <a:cs typeface="Microsoft JhengHei" charset="-120"/>
               <a:sym typeface="+mn-lt"/>
             </a:endParaRPr>
           </a:p>
@@ -9914,7 +10442,7 @@
     </p:spTree>
     <p:extLst>
       <p:ext uri="{BB962C8B-B14F-4D97-AF65-F5344CB8AC3E}">
-        <p14:creationId xmlns:p14="http://schemas.microsoft.com/office/powerpoint/2010/main" val="1770639796"/>
+        <p14:creationId xmlns:p14="http://schemas.microsoft.com/office/powerpoint/2010/main" val="265694418"/>
       </p:ext>
     </p:extLst>
   </p:cSld>
@@ -9986,9 +10514,9 @@
                     <a:lumOff val="25000"/>
                   </a:schemeClr>
                 </a:solidFill>
-                <a:latin typeface="思源黑体 CN Bold" panose="020B0800000000000000" pitchFamily="34" charset="-122"/>
-                <a:ea typeface="思源黑体 CN Bold" panose="020B0800000000000000" pitchFamily="34" charset="-122"/>
-                <a:cs typeface="+mn-ea"/>
+                <a:latin typeface="Microsoft JhengHei" charset="-120"/>
+                <a:ea typeface="Microsoft JhengHei" charset="-120"/>
+                <a:cs typeface="Microsoft JhengHei" charset="-120"/>
                 <a:sym typeface="+mn-lt"/>
               </a:rPr>
               <a:t>Bollienger</a:t>
@@ -10001,9 +10529,9 @@
                     <a:lumOff val="25000"/>
                   </a:schemeClr>
                 </a:solidFill>
-                <a:latin typeface="思源黑体 CN Bold" panose="020B0800000000000000" pitchFamily="34" charset="-122"/>
-                <a:ea typeface="思源黑体 CN Bold" panose="020B0800000000000000" pitchFamily="34" charset="-122"/>
-                <a:cs typeface="+mn-ea"/>
+                <a:latin typeface="Microsoft JhengHei" charset="-120"/>
+                <a:ea typeface="Microsoft JhengHei" charset="-120"/>
+                <a:cs typeface="Microsoft JhengHei" charset="-120"/>
                 <a:sym typeface="+mn-lt"/>
               </a:rPr>
               <a:t> Bands</a:t>
@@ -10015,9 +10543,9 @@
                   <a:lumOff val="25000"/>
                 </a:schemeClr>
               </a:solidFill>
-              <a:latin typeface="思源黑体 CN Bold" panose="020B0800000000000000" pitchFamily="34" charset="-122"/>
-              <a:ea typeface="思源黑体 CN Bold" panose="020B0800000000000000" pitchFamily="34" charset="-122"/>
-              <a:cs typeface="+mn-ea"/>
+              <a:latin typeface="Microsoft JhengHei" charset="-120"/>
+              <a:ea typeface="Microsoft JhengHei" charset="-120"/>
+              <a:cs typeface="Microsoft JhengHei" charset="-120"/>
               <a:sym typeface="+mn-lt"/>
             </a:endParaRPr>
           </a:p>
@@ -10067,14 +10595,14 @@
       </p:sp>
       <p:sp>
         <p:nvSpPr>
-          <p:cNvPr id="6" name="文字方塊 5"/>
+          <p:cNvPr id="5" name="文字方塊 4"/>
           <p:cNvSpPr txBox="1"/>
           <p:nvPr/>
         </p:nvSpPr>
         <p:spPr>
           <a:xfrm>
-            <a:off x="1790007" y="1829084"/>
-            <a:ext cx="10113818" cy="3170099"/>
+            <a:off x="2069717" y="2445417"/>
+            <a:ext cx="13623636" cy="1754326"/>
           </a:xfrm>
           <a:prstGeom prst="rect">
             <a:avLst/>
@@ -10087,91 +10615,103 @@
           </a:bodyPr>
           <a:lstStyle/>
           <a:p>
-            <a:pPr marL="0" marR="0" lvl="0" indent="0" algn="l" defTabSz="914400" rtl="0" eaLnBrk="1" fontAlgn="auto" latinLnBrk="0" hangingPunct="1">
-              <a:lnSpc>
-                <a:spcPct val="100000"/>
-              </a:lnSpc>
-              <a:spcBef>
-                <a:spcPts val="0"/>
-              </a:spcBef>
-              <a:spcAft>
-                <a:spcPts val="0"/>
-              </a:spcAft>
-              <a:buClrTx/>
-              <a:buSzTx/>
-              <a:buFontTx/>
-              <a:buNone/>
-              <a:tabLst/>
-              <a:defRPr/>
-            </a:pPr>
-            <a:r>
-              <a:rPr kumimoji="0" lang="zh-TW" altLang="en-US" sz="4000" b="1" i="0" u="none" strike="noStrike" kern="1200" cap="none" spc="0" normalizeH="0" baseline="0" noProof="0" dirty="0" smtClean="0">
-                <a:ln>
-                  <a:noFill/>
-                </a:ln>
-                <a:solidFill>
-                  <a:schemeClr val="tx1">
-                    <a:lumMod val="75000"/>
-                    <a:lumOff val="25000"/>
-                  </a:schemeClr>
-                </a:solidFill>
-                <a:effectLst/>
-                <a:uLnTx/>
-                <a:uFillTx/>
+            <a:pPr lvl="0"/>
+            <a:r>
+              <a:rPr lang="zh-TW" altLang="en-US" sz="3600" b="1" dirty="0" smtClean="0">
+                <a:solidFill>
+                  <a:schemeClr val="tx1">
+                    <a:lumMod val="75000"/>
+                    <a:lumOff val="25000"/>
+                  </a:schemeClr>
+                </a:solidFill>
                 <a:latin typeface="微軟正黑體" panose="020B0604030504040204" pitchFamily="34" charset="-120"/>
                 <a:ea typeface="微軟正黑體" panose="020B0604030504040204" pitchFamily="34" charset="-120"/>
               </a:rPr>
-              <a:t>布林通道由三條線組成</a:t>
-            </a:r>
-            <a:endParaRPr kumimoji="0" lang="en-US" altLang="zh-TW" sz="4000" b="1" i="0" u="none" strike="noStrike" kern="1200" cap="none" spc="0" normalizeH="0" baseline="0" noProof="0" dirty="0" smtClean="0">
-              <a:ln>
-                <a:noFill/>
-              </a:ln>
-              <a:solidFill>
-                <a:schemeClr val="tx1">
-                  <a:lumMod val="75000"/>
-                  <a:lumOff val="25000"/>
-                </a:schemeClr>
-              </a:solidFill>
-              <a:effectLst/>
-              <a:uLnTx/>
-              <a:uFillTx/>
-              <a:latin typeface="微軟正黑體" panose="020B0604030504040204" pitchFamily="34" charset="-120"/>
-              <a:ea typeface="微軟正黑體" panose="020B0604030504040204" pitchFamily="34" charset="-120"/>
-            </a:endParaRPr>
-          </a:p>
-          <a:p>
-            <a:pPr marL="742950" marR="0" lvl="0" indent="-742950" algn="l" defTabSz="914400" rtl="0" eaLnBrk="1" fontAlgn="auto" latinLnBrk="0" hangingPunct="1">
-              <a:lnSpc>
-                <a:spcPct val="100000"/>
-              </a:lnSpc>
-              <a:spcBef>
-                <a:spcPts val="0"/>
-              </a:spcBef>
-              <a:spcAft>
-                <a:spcPts val="0"/>
-              </a:spcAft>
-              <a:buClrTx/>
-              <a:buSzTx/>
-              <a:buFontTx/>
-              <a:buAutoNum type="arabicPeriod"/>
-              <a:tabLst/>
-              <a:defRPr/>
-            </a:pPr>
-            <a:r>
-              <a:rPr lang="zh-TW" altLang="en-US" sz="4000" b="1" dirty="0" smtClean="0">
-                <a:solidFill>
-                  <a:schemeClr val="tx1">
-                    <a:lumMod val="75000"/>
-                    <a:lumOff val="25000"/>
-                  </a:schemeClr>
+              <a:t>若</a:t>
+            </a:r>
+            <a:r>
+              <a:rPr lang="en-US" altLang="zh-TW" sz="3600" b="1" dirty="0" smtClean="0">
+                <a:solidFill>
+                  <a:srgbClr val="FFC000"/>
                 </a:solidFill>
                 <a:latin typeface="微軟正黑體" panose="020B0604030504040204" pitchFamily="34" charset="-120"/>
                 <a:ea typeface="微軟正黑體" panose="020B0604030504040204" pitchFamily="34" charset="-120"/>
               </a:rPr>
-              <a:t>當前價格</a:t>
-            </a:r>
-            <a:endParaRPr lang="en-US" altLang="zh-TW" sz="4000" b="1" dirty="0" smtClean="0">
+              <a:t>DIF</a:t>
+            </a:r>
+            <a:r>
+              <a:rPr lang="zh-TW" altLang="en-US" sz="3600" b="1" dirty="0" smtClean="0">
+                <a:solidFill>
+                  <a:srgbClr val="FFC000"/>
+                </a:solidFill>
+                <a:latin typeface="微軟正黑體" panose="020B0604030504040204" pitchFamily="34" charset="-120"/>
+                <a:ea typeface="微軟正黑體" panose="020B0604030504040204" pitchFamily="34" charset="-120"/>
+              </a:rPr>
+              <a:t>自下而上</a:t>
+            </a:r>
+            <a:r>
+              <a:rPr lang="zh-TW" altLang="en-US" sz="3600" b="1" dirty="0" smtClean="0">
+                <a:solidFill>
+                  <a:schemeClr val="tx1">
+                    <a:lumMod val="75000"/>
+                    <a:lumOff val="25000"/>
+                  </a:schemeClr>
+                </a:solidFill>
+                <a:latin typeface="微軟正黑體" panose="020B0604030504040204" pitchFamily="34" charset="-120"/>
+                <a:ea typeface="微軟正黑體" panose="020B0604030504040204" pitchFamily="34" charset="-120"/>
+              </a:rPr>
+              <a:t>突破</a:t>
+            </a:r>
+            <a:r>
+              <a:rPr lang="en-US" altLang="zh-TW" sz="3600" b="1" dirty="0" smtClean="0">
+                <a:solidFill>
+                  <a:schemeClr val="tx1">
+                    <a:lumMod val="75000"/>
+                    <a:lumOff val="25000"/>
+                  </a:schemeClr>
+                </a:solidFill>
+                <a:latin typeface="微軟正黑體" panose="020B0604030504040204" pitchFamily="34" charset="-120"/>
+                <a:ea typeface="微軟正黑體" panose="020B0604030504040204" pitchFamily="34" charset="-120"/>
+              </a:rPr>
+              <a:t>DEM</a:t>
+            </a:r>
+            <a:r>
+              <a:rPr lang="zh-TW" altLang="en-US" sz="3600" b="1" dirty="0" smtClean="0">
+                <a:solidFill>
+                  <a:schemeClr val="tx1">
+                    <a:lumMod val="75000"/>
+                    <a:lumOff val="25000"/>
+                  </a:schemeClr>
+                </a:solidFill>
+                <a:latin typeface="微軟正黑體" panose="020B0604030504040204" pitchFamily="34" charset="-120"/>
+                <a:ea typeface="微軟正黑體" panose="020B0604030504040204" pitchFamily="34" charset="-120"/>
+              </a:rPr>
+              <a:t>，為</a:t>
+            </a:r>
+            <a:r>
+              <a:rPr lang="zh-TW" altLang="en-US" sz="3600" b="1" dirty="0" smtClean="0">
+                <a:solidFill>
+                  <a:srgbClr val="FFC000"/>
+                </a:solidFill>
+                <a:latin typeface="微軟正黑體" panose="020B0604030504040204" pitchFamily="34" charset="-120"/>
+                <a:ea typeface="微軟正黑體" panose="020B0604030504040204" pitchFamily="34" charset="-120"/>
+              </a:rPr>
+              <a:t>買進</a:t>
+            </a:r>
+            <a:r>
+              <a:rPr lang="zh-TW" altLang="en-US" sz="3600" b="1" dirty="0" smtClean="0">
+                <a:solidFill>
+                  <a:schemeClr val="tx1">
+                    <a:lumMod val="75000"/>
+                    <a:lumOff val="25000"/>
+                  </a:schemeClr>
+                </a:solidFill>
+                <a:latin typeface="微軟正黑體" panose="020B0604030504040204" pitchFamily="34" charset="-120"/>
+                <a:ea typeface="微軟正黑體" panose="020B0604030504040204" pitchFamily="34" charset="-120"/>
+              </a:rPr>
+              <a:t>訊號</a:t>
+            </a:r>
+            <a:endParaRPr lang="en-US" altLang="zh-TW" sz="3600" b="1" dirty="0" smtClean="0">
               <a:solidFill>
                 <a:schemeClr val="tx1">
                   <a:lumMod val="75000"/>
@@ -10183,113 +10723,8 @@
             </a:endParaRPr>
           </a:p>
           <a:p>
-            <a:pPr marL="742950" marR="0" lvl="0" indent="-742950" algn="l" defTabSz="914400" rtl="0" eaLnBrk="1" fontAlgn="auto" latinLnBrk="0" hangingPunct="1">
-              <a:lnSpc>
-                <a:spcPct val="100000"/>
-              </a:lnSpc>
-              <a:spcBef>
-                <a:spcPts val="0"/>
-              </a:spcBef>
-              <a:spcAft>
-                <a:spcPts val="0"/>
-              </a:spcAft>
-              <a:buClrTx/>
-              <a:buSzTx/>
-              <a:buFontTx/>
-              <a:buAutoNum type="arabicPeriod"/>
-              <a:tabLst/>
-              <a:defRPr/>
-            </a:pPr>
-            <a:r>
-              <a:rPr kumimoji="0" lang="en-US" altLang="zh-TW" sz="4000" b="1" i="0" u="none" strike="noStrike" kern="1200" cap="none" spc="0" normalizeH="0" baseline="0" noProof="0" dirty="0" smtClean="0">
-                <a:ln>
-                  <a:noFill/>
-                </a:ln>
-                <a:solidFill>
-                  <a:schemeClr val="tx1">
-                    <a:lumMod val="75000"/>
-                    <a:lumOff val="25000"/>
-                  </a:schemeClr>
-                </a:solidFill>
-                <a:effectLst/>
-                <a:uLnTx/>
-                <a:uFillTx/>
-                <a:latin typeface="微軟正黑體" panose="020B0604030504040204" pitchFamily="34" charset="-120"/>
-                <a:ea typeface="微軟正黑體" panose="020B0604030504040204" pitchFamily="34" charset="-120"/>
-              </a:rPr>
-              <a:t>20</a:t>
-            </a:r>
-            <a:r>
-              <a:rPr kumimoji="0" lang="zh-TW" altLang="en-US" sz="4000" b="1" i="0" u="none" strike="noStrike" kern="1200" cap="none" spc="0" normalizeH="0" baseline="0" noProof="0" dirty="0" smtClean="0">
-                <a:ln>
-                  <a:noFill/>
-                </a:ln>
-                <a:solidFill>
-                  <a:schemeClr val="tx1">
-                    <a:lumMod val="75000"/>
-                    <a:lumOff val="25000"/>
-                  </a:schemeClr>
-                </a:solidFill>
-                <a:effectLst/>
-                <a:uLnTx/>
-                <a:uFillTx/>
-                <a:latin typeface="微軟正黑體" panose="020B0604030504040204" pitchFamily="34" charset="-120"/>
-                <a:ea typeface="微軟正黑體" panose="020B0604030504040204" pitchFamily="34" charset="-120"/>
-              </a:rPr>
-              <a:t>天的移動平均線 </a:t>
-            </a:r>
-            <a:r>
-              <a:rPr kumimoji="0" lang="en-US" altLang="zh-TW" sz="4000" b="1" i="0" u="none" strike="noStrike" kern="1200" cap="none" spc="0" normalizeH="0" baseline="0" noProof="0" dirty="0" smtClean="0">
-                <a:ln>
-                  <a:noFill/>
-                </a:ln>
-                <a:solidFill>
-                  <a:schemeClr val="tx1">
-                    <a:lumMod val="75000"/>
-                    <a:lumOff val="25000"/>
-                  </a:schemeClr>
-                </a:solidFill>
-                <a:effectLst/>
-                <a:uLnTx/>
-                <a:uFillTx/>
-                <a:latin typeface="微軟正黑體" panose="020B0604030504040204" pitchFamily="34" charset="-120"/>
-                <a:ea typeface="微軟正黑體" panose="020B0604030504040204" pitchFamily="34" charset="-120"/>
-              </a:rPr>
-              <a:t>+</a:t>
-            </a:r>
-            <a:r>
-              <a:rPr kumimoji="0" lang="zh-TW" altLang="en-US" sz="4000" b="1" i="0" u="none" strike="noStrike" kern="1200" cap="none" spc="0" normalizeH="0" baseline="0" noProof="0" dirty="0" smtClean="0">
-                <a:ln>
-                  <a:noFill/>
-                </a:ln>
-                <a:solidFill>
-                  <a:schemeClr val="tx1">
-                    <a:lumMod val="75000"/>
-                    <a:lumOff val="25000"/>
-                  </a:schemeClr>
-                </a:solidFill>
-                <a:effectLst/>
-                <a:uLnTx/>
-                <a:uFillTx/>
-                <a:latin typeface="微軟正黑體" panose="020B0604030504040204" pitchFamily="34" charset="-120"/>
-                <a:ea typeface="微軟正黑體" panose="020B0604030504040204" pitchFamily="34" charset="-120"/>
-              </a:rPr>
-              <a:t> </a:t>
-            </a:r>
-            <a:r>
-              <a:rPr lang="zh-TW" altLang="en-US" sz="4000" b="1" dirty="0" smtClean="0">
-                <a:solidFill>
-                  <a:schemeClr val="tx1">
-                    <a:lumMod val="75000"/>
-                    <a:lumOff val="25000"/>
-                  </a:schemeClr>
-                </a:solidFill>
-                <a:latin typeface="微軟正黑體" panose="020B0604030504040204" pitchFamily="34" charset="-120"/>
-                <a:ea typeface="微軟正黑體" panose="020B0604030504040204" pitchFamily="34" charset="-120"/>
-              </a:rPr>
-              <a:t>兩倍標準差</a:t>
-            </a:r>
-            <a:endParaRPr lang="en-US" altLang="zh-TW" sz="4000" b="1" dirty="0" smtClean="0">
+            <a:pPr lvl="0"/>
+            <a:endParaRPr lang="en-US" altLang="zh-TW" sz="3600" b="1" dirty="0" smtClean="0">
               <a:solidFill>
                 <a:schemeClr val="tx1">
                   <a:lumMod val="75000"/>
@@ -10301,59 +10736,42 @@
             </a:endParaRPr>
           </a:p>
           <a:p>
-            <a:r>
-              <a:rPr kumimoji="0" lang="en-US" altLang="zh-TW" sz="4000" b="1" i="0" u="none" strike="noStrike" kern="1200" cap="none" spc="0" normalizeH="0" baseline="0" noProof="0" dirty="0" smtClean="0">
-                <a:ln>
-                  <a:noFill/>
-                </a:ln>
-                <a:solidFill>
-                  <a:schemeClr val="tx1">
-                    <a:lumMod val="75000"/>
-                    <a:lumOff val="25000"/>
-                  </a:schemeClr>
-                </a:solidFill>
-                <a:effectLst/>
-                <a:uLnTx/>
-                <a:uFillTx/>
+            <a:pPr lvl="0"/>
+            <a:r>
+              <a:rPr lang="zh-TW" altLang="en-US" sz="3600" b="1" dirty="0" smtClean="0">
+                <a:solidFill>
+                  <a:schemeClr val="tx1">
+                    <a:lumMod val="75000"/>
+                    <a:lumOff val="25000"/>
+                  </a:schemeClr>
+                </a:solidFill>
                 <a:latin typeface="微軟正黑體" panose="020B0604030504040204" pitchFamily="34" charset="-120"/>
                 <a:ea typeface="微軟正黑體" panose="020B0604030504040204" pitchFamily="34" charset="-120"/>
               </a:rPr>
-              <a:t>3.</a:t>
-            </a:r>
-            <a:r>
-              <a:rPr kumimoji="0" lang="zh-TW" altLang="en-US" sz="4000" b="1" i="0" u="none" strike="noStrike" kern="1200" cap="none" spc="0" normalizeH="0" baseline="0" noProof="0" dirty="0" smtClean="0">
-                <a:ln>
-                  <a:noFill/>
-                </a:ln>
-                <a:solidFill>
-                  <a:schemeClr val="tx1">
-                    <a:lumMod val="75000"/>
-                    <a:lumOff val="25000"/>
-                  </a:schemeClr>
-                </a:solidFill>
-                <a:effectLst/>
-                <a:uLnTx/>
-                <a:uFillTx/>
+              <a:t>若</a:t>
+            </a:r>
+            <a:r>
+              <a:rPr lang="en-US" altLang="zh-TW" sz="3600" b="1" dirty="0" smtClean="0">
+                <a:solidFill>
+                  <a:srgbClr val="FFC000"/>
+                </a:solidFill>
                 <a:latin typeface="微軟正黑體" panose="020B0604030504040204" pitchFamily="34" charset="-120"/>
                 <a:ea typeface="微軟正黑體" panose="020B0604030504040204" pitchFamily="34" charset="-120"/>
               </a:rPr>
-              <a:t>   </a:t>
-            </a:r>
-            <a:r>
-              <a:rPr lang="en-US" altLang="zh-TW" sz="4000" b="1" dirty="0" smtClean="0">
-                <a:solidFill>
-                  <a:schemeClr val="tx1">
-                    <a:lumMod val="75000"/>
-                    <a:lumOff val="25000"/>
-                  </a:schemeClr>
+              <a:t>DIF</a:t>
+            </a:r>
+            <a:r>
+              <a:rPr lang="zh-TW" altLang="en-US" sz="3600" b="1" dirty="0" smtClean="0">
+                <a:solidFill>
+                  <a:srgbClr val="FFC000"/>
                 </a:solidFill>
                 <a:latin typeface="微軟正黑體" panose="020B0604030504040204" pitchFamily="34" charset="-120"/>
                 <a:ea typeface="微軟正黑體" panose="020B0604030504040204" pitchFamily="34" charset="-120"/>
               </a:rPr>
-              <a:t>20</a:t>
-            </a:r>
-            <a:r>
-              <a:rPr lang="zh-TW" altLang="en-US" sz="4000" b="1" dirty="0">
+              <a:t>由上而下</a:t>
+            </a:r>
+            <a:r>
+              <a:rPr lang="zh-TW" altLang="en-US" sz="3600" b="1" dirty="0" smtClean="0">
                 <a:solidFill>
                   <a:schemeClr val="tx1">
                     <a:lumMod val="75000"/>
@@ -10363,10 +10781,10 @@
                 <a:latin typeface="微軟正黑體" panose="020B0604030504040204" pitchFamily="34" charset="-120"/>
                 <a:ea typeface="微軟正黑體" panose="020B0604030504040204" pitchFamily="34" charset="-120"/>
               </a:rPr>
-              <a:t>天的移動平均線 </a:t>
-            </a:r>
-            <a:r>
-              <a:rPr lang="en-US" altLang="zh-TW" sz="4000" b="1" dirty="0" smtClean="0">
+              <a:t>穿透</a:t>
+            </a:r>
+            <a:r>
+              <a:rPr lang="en-US" altLang="zh-TW" sz="3600" b="1" dirty="0" smtClean="0">
                 <a:solidFill>
                   <a:schemeClr val="tx1">
                     <a:lumMod val="75000"/>
@@ -10376,10 +10794,10 @@
                 <a:latin typeface="微軟正黑體" panose="020B0604030504040204" pitchFamily="34" charset="-120"/>
                 <a:ea typeface="微軟正黑體" panose="020B0604030504040204" pitchFamily="34" charset="-120"/>
               </a:rPr>
-              <a:t>-</a:t>
-            </a:r>
-            <a:r>
-              <a:rPr lang="zh-TW" altLang="en-US" sz="4000" b="1" dirty="0" smtClean="0">
+              <a:t>DEM</a:t>
+            </a:r>
+            <a:r>
+              <a:rPr lang="zh-TW" altLang="en-US" sz="3600" b="1" dirty="0" smtClean="0">
                 <a:solidFill>
                   <a:schemeClr val="tx1">
                     <a:lumMod val="75000"/>
@@ -10389,9 +10807,32 @@
                 <a:latin typeface="微軟正黑體" panose="020B0604030504040204" pitchFamily="34" charset="-120"/>
                 <a:ea typeface="微軟正黑體" panose="020B0604030504040204" pitchFamily="34" charset="-120"/>
               </a:rPr>
-              <a:t>  兩倍標準差</a:t>
-            </a:r>
-            <a:endParaRPr lang="zh-TW" altLang="en-US" sz="4000" b="1" dirty="0">
+              <a:t>，為</a:t>
+            </a:r>
+            <a:r>
+              <a:rPr lang="zh-TW" altLang="en-US" sz="3600" b="1" dirty="0" smtClean="0">
+                <a:solidFill>
+                  <a:srgbClr val="FFC000"/>
+                </a:solidFill>
+                <a:latin typeface="微軟正黑體" panose="020B0604030504040204" pitchFamily="34" charset="-120"/>
+                <a:ea typeface="微軟正黑體" panose="020B0604030504040204" pitchFamily="34" charset="-120"/>
+              </a:rPr>
+              <a:t>賣出</a:t>
+            </a:r>
+            <a:r>
+              <a:rPr lang="zh-TW" altLang="en-US" sz="3600" b="1" dirty="0" smtClean="0">
+                <a:solidFill>
+                  <a:schemeClr val="tx1">
+                    <a:lumMod val="75000"/>
+                    <a:lumOff val="25000"/>
+                  </a:schemeClr>
+                </a:solidFill>
+                <a:latin typeface="微軟正黑體" panose="020B0604030504040204" pitchFamily="34" charset="-120"/>
+                <a:ea typeface="微軟正黑體" panose="020B0604030504040204" pitchFamily="34" charset="-120"/>
+              </a:rPr>
+              <a:t>訊號</a:t>
+            </a:r>
+            <a:endParaRPr lang="en-US" altLang="zh-TW" sz="3600" b="1" dirty="0" smtClean="0">
               <a:solidFill>
                 <a:schemeClr val="tx1">
                   <a:lumMod val="75000"/>
@@ -10402,47 +10843,12 @@
               <a:ea typeface="微軟正黑體" panose="020B0604030504040204" pitchFamily="34" charset="-120"/>
             </a:endParaRPr>
           </a:p>
-          <a:p>
-            <a:pPr marL="0" marR="0" lvl="0" indent="0" algn="l" defTabSz="914400" rtl="0" eaLnBrk="1" fontAlgn="auto" latinLnBrk="0" hangingPunct="1">
-              <a:lnSpc>
-                <a:spcPct val="100000"/>
-              </a:lnSpc>
-              <a:spcBef>
-                <a:spcPts val="0"/>
-              </a:spcBef>
-              <a:spcAft>
-                <a:spcPts val="0"/>
-              </a:spcAft>
-              <a:buClrTx/>
-              <a:buSzTx/>
-              <a:buFontTx/>
-              <a:buNone/>
-              <a:tabLst/>
-              <a:defRPr/>
-            </a:pPr>
-            <a:endParaRPr kumimoji="0" lang="zh-TW" altLang="en-US" sz="4000" b="1" i="0" u="none" strike="noStrike" kern="1200" cap="none" spc="0" normalizeH="0" baseline="0" noProof="0" dirty="0" smtClean="0">
-              <a:ln>
-                <a:noFill/>
-              </a:ln>
-              <a:solidFill>
-                <a:schemeClr val="tx1">
-                  <a:lumMod val="75000"/>
-                  <a:lumOff val="25000"/>
-                </a:schemeClr>
-              </a:solidFill>
-              <a:effectLst/>
-              <a:uLnTx/>
-              <a:uFillTx/>
-              <a:latin typeface="微軟正黑體" panose="020B0604030504040204" pitchFamily="34" charset="-120"/>
-              <a:ea typeface="微軟正黑體" panose="020B0604030504040204" pitchFamily="34" charset="-120"/>
-            </a:endParaRPr>
-          </a:p>
         </p:txBody>
       </p:sp>
     </p:spTree>
     <p:extLst>
       <p:ext uri="{BB962C8B-B14F-4D97-AF65-F5344CB8AC3E}">
-        <p14:creationId xmlns:p14="http://schemas.microsoft.com/office/powerpoint/2010/main" val="459981496"/>
+        <p14:creationId xmlns:p14="http://schemas.microsoft.com/office/powerpoint/2010/main" val="1770639796"/>
       </p:ext>
     </p:extLst>
   </p:cSld>
@@ -10481,56 +10887,496 @@
       </p:grpSpPr>
       <p:sp>
         <p:nvSpPr>
-          <p:cNvPr id="2" name="標題 1"/>
-          <p:cNvSpPr>
-            <a:spLocks noGrp="1"/>
-          </p:cNvSpPr>
-          <p:nvPr>
-            <p:ph type="title"/>
-          </p:nvPr>
-        </p:nvSpPr>
-        <p:spPr/>
-        <p:txBody>
-          <a:bodyPr/>
-          <a:lstStyle/>
-          <a:p>
-            <a:endParaRPr lang="zh-TW" altLang="en-US"/>
-          </a:p>
-        </p:txBody>
-      </p:sp>
-      <p:pic>
-        <p:nvPicPr>
-          <p:cNvPr id="4" name="內容版面配置區 3"/>
-          <p:cNvPicPr>
-            <a:picLocks noGrp="1" noChangeAspect="1"/>
-          </p:cNvPicPr>
-          <p:nvPr>
-            <p:ph idx="1"/>
-          </p:nvPr>
-        </p:nvPicPr>
-        <p:blipFill>
-          <a:blip r:embed="rId2" cstate="print">
-            <a:extLst>
-              <a:ext uri="{28A0092B-C50C-407E-A947-70E740481C1C}">
-                <a14:useLocalDpi xmlns:a14="http://schemas.microsoft.com/office/drawing/2010/main" val="0"/>
-              </a:ext>
-            </a:extLst>
-          </a:blip>
-          <a:stretch>
-            <a:fillRect/>
-          </a:stretch>
-        </p:blipFill>
+          <p:cNvPr id="4" name="TextBox 1956"/>
+          <p:cNvSpPr/>
+          <p:nvPr/>
+        </p:nvSpPr>
         <p:spPr>
           <a:xfrm>
-            <a:off x="813262" y="0"/>
-            <a:ext cx="10565476" cy="6858000"/>
+            <a:off x="937444" y="705711"/>
+            <a:ext cx="7076024" cy="461665"/>
           </a:xfrm>
+          <a:prstGeom prst="rect">
+            <a:avLst/>
+          </a:prstGeom>
+          <a:noFill/>
+          <a:ln w="9525">
+            <a:noFill/>
+            <a:miter/>
+          </a:ln>
         </p:spPr>
-      </p:pic>
+        <p:txBody>
+          <a:bodyPr wrap="square">
+            <a:spAutoFit/>
+          </a:bodyPr>
+          <a:lstStyle/>
+          <a:p>
+            <a:pPr defTabSz="685800"/>
+            <a:r>
+              <a:rPr lang="en-US" altLang="zh-CN" sz="2400" b="1" dirty="0" err="1" smtClean="0">
+                <a:solidFill>
+                  <a:schemeClr val="tx1">
+                    <a:lumMod val="75000"/>
+                    <a:lumOff val="25000"/>
+                  </a:schemeClr>
+                </a:solidFill>
+                <a:latin typeface="Microsoft JhengHei" charset="-120"/>
+                <a:ea typeface="Microsoft JhengHei" charset="-120"/>
+                <a:cs typeface="Microsoft JhengHei" charset="-120"/>
+                <a:sym typeface="+mn-lt"/>
+              </a:rPr>
+              <a:t>Bollienger</a:t>
+            </a:r>
+            <a:r>
+              <a:rPr lang="en-US" altLang="zh-CN" sz="2400" b="1" dirty="0" smtClean="0">
+                <a:solidFill>
+                  <a:schemeClr val="tx1">
+                    <a:lumMod val="75000"/>
+                    <a:lumOff val="25000"/>
+                  </a:schemeClr>
+                </a:solidFill>
+                <a:latin typeface="Microsoft JhengHei" charset="-120"/>
+                <a:ea typeface="Microsoft JhengHei" charset="-120"/>
+                <a:cs typeface="Microsoft JhengHei" charset="-120"/>
+                <a:sym typeface="+mn-lt"/>
+              </a:rPr>
+              <a:t> Bands</a:t>
+            </a:r>
+            <a:endParaRPr lang="zh-CN" altLang="en-US" sz="2400" b="1" dirty="0">
+              <a:solidFill>
+                <a:schemeClr val="tx1">
+                  <a:lumMod val="75000"/>
+                  <a:lumOff val="25000"/>
+                </a:schemeClr>
+              </a:solidFill>
+              <a:latin typeface="Microsoft JhengHei" charset="-120"/>
+              <a:ea typeface="Microsoft JhengHei" charset="-120"/>
+              <a:cs typeface="Microsoft JhengHei" charset="-120"/>
+              <a:sym typeface="+mn-lt"/>
+            </a:endParaRPr>
+          </a:p>
+        </p:txBody>
+      </p:sp>
+      <p:sp>
+        <p:nvSpPr>
+          <p:cNvPr id="9" name="TextBox 1956"/>
+          <p:cNvSpPr/>
+          <p:nvPr/>
+        </p:nvSpPr>
+        <p:spPr>
+          <a:xfrm>
+            <a:off x="1619090" y="3414134"/>
+            <a:ext cx="8996264" cy="461665"/>
+          </a:xfrm>
+          <a:prstGeom prst="rect">
+            <a:avLst/>
+          </a:prstGeom>
+          <a:noFill/>
+          <a:ln w="9525">
+            <a:noFill/>
+            <a:miter/>
+          </a:ln>
+        </p:spPr>
+        <p:txBody>
+          <a:bodyPr wrap="square">
+            <a:spAutoFit/>
+          </a:bodyPr>
+          <a:lstStyle/>
+          <a:p>
+            <a:pPr defTabSz="685800"/>
+            <a:endParaRPr lang="zh-CN" altLang="en-US" sz="2400" b="1" dirty="0">
+              <a:solidFill>
+                <a:schemeClr val="tx1">
+                  <a:lumMod val="75000"/>
+                  <a:lumOff val="25000"/>
+                </a:schemeClr>
+              </a:solidFill>
+              <a:latin typeface="思源黑体 CN Bold" panose="020B0800000000000000" pitchFamily="34" charset="-122"/>
+              <a:ea typeface="思源黑体 CN Bold" panose="020B0800000000000000" pitchFamily="34" charset="-122"/>
+              <a:cs typeface="+mn-ea"/>
+              <a:sym typeface="+mn-lt"/>
+            </a:endParaRPr>
+          </a:p>
+        </p:txBody>
+      </p:sp>
+      <p:sp>
+        <p:nvSpPr>
+          <p:cNvPr id="6" name="文字方塊 5"/>
+          <p:cNvSpPr txBox="1"/>
+          <p:nvPr/>
+        </p:nvSpPr>
+        <p:spPr>
+          <a:xfrm>
+            <a:off x="1790007" y="1829084"/>
+            <a:ext cx="10113818" cy="3170099"/>
+          </a:xfrm>
+          <a:prstGeom prst="rect">
+            <a:avLst/>
+          </a:prstGeom>
+          <a:noFill/>
+        </p:spPr>
+        <p:txBody>
+          <a:bodyPr wrap="square" rtlCol="0">
+            <a:spAutoFit/>
+          </a:bodyPr>
+          <a:lstStyle/>
+          <a:p>
+            <a:pPr marL="0" marR="0" lvl="0" indent="0" algn="l" defTabSz="914400" rtl="0" eaLnBrk="1" fontAlgn="auto" latinLnBrk="0" hangingPunct="1">
+              <a:lnSpc>
+                <a:spcPct val="100000"/>
+              </a:lnSpc>
+              <a:spcBef>
+                <a:spcPts val="0"/>
+              </a:spcBef>
+              <a:spcAft>
+                <a:spcPts val="0"/>
+              </a:spcAft>
+              <a:buClrTx/>
+              <a:buSzTx/>
+              <a:buFontTx/>
+              <a:buNone/>
+              <a:tabLst/>
+              <a:defRPr/>
+            </a:pPr>
+            <a:r>
+              <a:rPr kumimoji="0" lang="zh-TW" altLang="en-US" sz="4000" b="1" i="0" u="none" strike="noStrike" kern="1200" cap="none" spc="0" normalizeH="0" baseline="0" noProof="0" dirty="0" smtClean="0">
+                <a:ln>
+                  <a:noFill/>
+                </a:ln>
+                <a:solidFill>
+                  <a:schemeClr val="tx1">
+                    <a:lumMod val="75000"/>
+                    <a:lumOff val="25000"/>
+                  </a:schemeClr>
+                </a:solidFill>
+                <a:effectLst/>
+                <a:uLnTx/>
+                <a:uFillTx/>
+                <a:latin typeface="微軟正黑體" panose="020B0604030504040204" pitchFamily="34" charset="-120"/>
+                <a:ea typeface="微軟正黑體" panose="020B0604030504040204" pitchFamily="34" charset="-120"/>
+              </a:rPr>
+              <a:t>布林通道由三條線組成</a:t>
+            </a:r>
+            <a:endParaRPr kumimoji="0" lang="en-US" altLang="zh-TW" sz="4000" b="1" i="0" u="none" strike="noStrike" kern="1200" cap="none" spc="0" normalizeH="0" baseline="0" noProof="0" dirty="0" smtClean="0">
+              <a:ln>
+                <a:noFill/>
+              </a:ln>
+              <a:solidFill>
+                <a:schemeClr val="tx1">
+                  <a:lumMod val="75000"/>
+                  <a:lumOff val="25000"/>
+                </a:schemeClr>
+              </a:solidFill>
+              <a:effectLst/>
+              <a:uLnTx/>
+              <a:uFillTx/>
+              <a:latin typeface="微軟正黑體" panose="020B0604030504040204" pitchFamily="34" charset="-120"/>
+              <a:ea typeface="微軟正黑體" panose="020B0604030504040204" pitchFamily="34" charset="-120"/>
+            </a:endParaRPr>
+          </a:p>
+          <a:p>
+            <a:pPr marL="742950" marR="0" lvl="0" indent="-742950" algn="l" defTabSz="914400" rtl="0" eaLnBrk="1" fontAlgn="auto" latinLnBrk="0" hangingPunct="1">
+              <a:lnSpc>
+                <a:spcPct val="100000"/>
+              </a:lnSpc>
+              <a:spcBef>
+                <a:spcPts val="0"/>
+              </a:spcBef>
+              <a:spcAft>
+                <a:spcPts val="0"/>
+              </a:spcAft>
+              <a:buClrTx/>
+              <a:buSzTx/>
+              <a:buFontTx/>
+              <a:buAutoNum type="arabicPeriod"/>
+              <a:tabLst/>
+              <a:defRPr/>
+            </a:pPr>
+            <a:r>
+              <a:rPr lang="zh-TW" altLang="en-US" sz="4000" b="1" dirty="0" smtClean="0">
+                <a:solidFill>
+                  <a:schemeClr val="tx1">
+                    <a:lumMod val="75000"/>
+                    <a:lumOff val="25000"/>
+                  </a:schemeClr>
+                </a:solidFill>
+                <a:latin typeface="微軟正黑體" panose="020B0604030504040204" pitchFamily="34" charset="-120"/>
+                <a:ea typeface="微軟正黑體" panose="020B0604030504040204" pitchFamily="34" charset="-120"/>
+              </a:rPr>
+              <a:t>當前價格</a:t>
+            </a:r>
+            <a:endParaRPr lang="en-US" altLang="zh-TW" sz="4000" b="1" dirty="0" smtClean="0">
+              <a:solidFill>
+                <a:schemeClr val="tx1">
+                  <a:lumMod val="75000"/>
+                  <a:lumOff val="25000"/>
+                </a:schemeClr>
+              </a:solidFill>
+              <a:latin typeface="微軟正黑體" panose="020B0604030504040204" pitchFamily="34" charset="-120"/>
+              <a:ea typeface="微軟正黑體" panose="020B0604030504040204" pitchFamily="34" charset="-120"/>
+            </a:endParaRPr>
+          </a:p>
+          <a:p>
+            <a:pPr marL="742950" marR="0" lvl="0" indent="-742950" algn="l" defTabSz="914400" rtl="0" eaLnBrk="1" fontAlgn="auto" latinLnBrk="0" hangingPunct="1">
+              <a:lnSpc>
+                <a:spcPct val="100000"/>
+              </a:lnSpc>
+              <a:spcBef>
+                <a:spcPts val="0"/>
+              </a:spcBef>
+              <a:spcAft>
+                <a:spcPts val="0"/>
+              </a:spcAft>
+              <a:buClrTx/>
+              <a:buSzTx/>
+              <a:buFontTx/>
+              <a:buAutoNum type="arabicPeriod"/>
+              <a:tabLst/>
+              <a:defRPr/>
+            </a:pPr>
+            <a:r>
+              <a:rPr kumimoji="0" lang="en-US" altLang="zh-TW" sz="4000" b="1" i="0" u="none" strike="noStrike" kern="1200" cap="none" spc="0" normalizeH="0" baseline="0" noProof="0" dirty="0" smtClean="0">
+                <a:ln>
+                  <a:noFill/>
+                </a:ln>
+                <a:solidFill>
+                  <a:schemeClr val="tx1">
+                    <a:lumMod val="75000"/>
+                    <a:lumOff val="25000"/>
+                  </a:schemeClr>
+                </a:solidFill>
+                <a:effectLst/>
+                <a:uLnTx/>
+                <a:uFillTx/>
+                <a:latin typeface="微軟正黑體" panose="020B0604030504040204" pitchFamily="34" charset="-120"/>
+                <a:ea typeface="微軟正黑體" panose="020B0604030504040204" pitchFamily="34" charset="-120"/>
+              </a:rPr>
+              <a:t>20</a:t>
+            </a:r>
+            <a:r>
+              <a:rPr kumimoji="0" lang="zh-TW" altLang="en-US" sz="4000" b="1" i="0" u="none" strike="noStrike" kern="1200" cap="none" spc="0" normalizeH="0" baseline="0" noProof="0" dirty="0" smtClean="0">
+                <a:ln>
+                  <a:noFill/>
+                </a:ln>
+                <a:solidFill>
+                  <a:schemeClr val="tx1">
+                    <a:lumMod val="75000"/>
+                    <a:lumOff val="25000"/>
+                  </a:schemeClr>
+                </a:solidFill>
+                <a:effectLst/>
+                <a:uLnTx/>
+                <a:uFillTx/>
+                <a:latin typeface="微軟正黑體" panose="020B0604030504040204" pitchFamily="34" charset="-120"/>
+                <a:ea typeface="微軟正黑體" panose="020B0604030504040204" pitchFamily="34" charset="-120"/>
+              </a:rPr>
+              <a:t>天的移動平均線 </a:t>
+            </a:r>
+            <a:r>
+              <a:rPr kumimoji="0" lang="en-US" altLang="zh-TW" sz="4000" b="1" i="0" u="none" strike="noStrike" kern="1200" cap="none" spc="0" normalizeH="0" baseline="0" noProof="0" dirty="0" smtClean="0">
+                <a:ln>
+                  <a:noFill/>
+                </a:ln>
+                <a:solidFill>
+                  <a:schemeClr val="tx1">
+                    <a:lumMod val="75000"/>
+                    <a:lumOff val="25000"/>
+                  </a:schemeClr>
+                </a:solidFill>
+                <a:effectLst/>
+                <a:uLnTx/>
+                <a:uFillTx/>
+                <a:latin typeface="微軟正黑體" panose="020B0604030504040204" pitchFamily="34" charset="-120"/>
+                <a:ea typeface="微軟正黑體" panose="020B0604030504040204" pitchFamily="34" charset="-120"/>
+              </a:rPr>
+              <a:t>+</a:t>
+            </a:r>
+            <a:r>
+              <a:rPr kumimoji="0" lang="zh-TW" altLang="en-US" sz="4000" b="1" i="0" u="none" strike="noStrike" kern="1200" cap="none" spc="0" normalizeH="0" baseline="0" noProof="0" dirty="0" smtClean="0">
+                <a:ln>
+                  <a:noFill/>
+                </a:ln>
+                <a:solidFill>
+                  <a:schemeClr val="tx1">
+                    <a:lumMod val="75000"/>
+                    <a:lumOff val="25000"/>
+                  </a:schemeClr>
+                </a:solidFill>
+                <a:effectLst/>
+                <a:uLnTx/>
+                <a:uFillTx/>
+                <a:latin typeface="微軟正黑體" panose="020B0604030504040204" pitchFamily="34" charset="-120"/>
+                <a:ea typeface="微軟正黑體" panose="020B0604030504040204" pitchFamily="34" charset="-120"/>
+              </a:rPr>
+              <a:t> </a:t>
+            </a:r>
+            <a:r>
+              <a:rPr lang="zh-TW" altLang="en-US" sz="4000" b="1" dirty="0" smtClean="0">
+                <a:solidFill>
+                  <a:schemeClr val="tx1">
+                    <a:lumMod val="75000"/>
+                    <a:lumOff val="25000"/>
+                  </a:schemeClr>
+                </a:solidFill>
+                <a:latin typeface="微軟正黑體" panose="020B0604030504040204" pitchFamily="34" charset="-120"/>
+                <a:ea typeface="微軟正黑體" panose="020B0604030504040204" pitchFamily="34" charset="-120"/>
+              </a:rPr>
+              <a:t>兩倍標準差</a:t>
+            </a:r>
+            <a:endParaRPr lang="en-US" altLang="zh-TW" sz="4000" b="1" dirty="0" smtClean="0">
+              <a:solidFill>
+                <a:schemeClr val="tx1">
+                  <a:lumMod val="75000"/>
+                  <a:lumOff val="25000"/>
+                </a:schemeClr>
+              </a:solidFill>
+              <a:latin typeface="微軟正黑體" panose="020B0604030504040204" pitchFamily="34" charset="-120"/>
+              <a:ea typeface="微軟正黑體" panose="020B0604030504040204" pitchFamily="34" charset="-120"/>
+            </a:endParaRPr>
+          </a:p>
+          <a:p>
+            <a:r>
+              <a:rPr kumimoji="0" lang="en-US" altLang="zh-TW" sz="4000" b="1" i="0" u="none" strike="noStrike" kern="1200" cap="none" spc="0" normalizeH="0" baseline="0" noProof="0" dirty="0" smtClean="0">
+                <a:ln>
+                  <a:noFill/>
+                </a:ln>
+                <a:solidFill>
+                  <a:schemeClr val="tx1">
+                    <a:lumMod val="75000"/>
+                    <a:lumOff val="25000"/>
+                  </a:schemeClr>
+                </a:solidFill>
+                <a:effectLst/>
+                <a:uLnTx/>
+                <a:uFillTx/>
+                <a:latin typeface="微軟正黑體" panose="020B0604030504040204" pitchFamily="34" charset="-120"/>
+                <a:ea typeface="微軟正黑體" panose="020B0604030504040204" pitchFamily="34" charset="-120"/>
+              </a:rPr>
+              <a:t>3.</a:t>
+            </a:r>
+            <a:r>
+              <a:rPr kumimoji="0" lang="zh-TW" altLang="en-US" sz="4000" b="1" i="0" u="none" strike="noStrike" kern="1200" cap="none" spc="0" normalizeH="0" baseline="0" noProof="0" dirty="0" smtClean="0">
+                <a:ln>
+                  <a:noFill/>
+                </a:ln>
+                <a:solidFill>
+                  <a:schemeClr val="tx1">
+                    <a:lumMod val="75000"/>
+                    <a:lumOff val="25000"/>
+                  </a:schemeClr>
+                </a:solidFill>
+                <a:effectLst/>
+                <a:uLnTx/>
+                <a:uFillTx/>
+                <a:latin typeface="微軟正黑體" panose="020B0604030504040204" pitchFamily="34" charset="-120"/>
+                <a:ea typeface="微軟正黑體" panose="020B0604030504040204" pitchFamily="34" charset="-120"/>
+              </a:rPr>
+              <a:t>   </a:t>
+            </a:r>
+            <a:r>
+              <a:rPr lang="en-US" altLang="zh-TW" sz="4000" b="1" dirty="0" smtClean="0">
+                <a:solidFill>
+                  <a:schemeClr val="tx1">
+                    <a:lumMod val="75000"/>
+                    <a:lumOff val="25000"/>
+                  </a:schemeClr>
+                </a:solidFill>
+                <a:latin typeface="微軟正黑體" panose="020B0604030504040204" pitchFamily="34" charset="-120"/>
+                <a:ea typeface="微軟正黑體" panose="020B0604030504040204" pitchFamily="34" charset="-120"/>
+              </a:rPr>
+              <a:t>20</a:t>
+            </a:r>
+            <a:r>
+              <a:rPr lang="zh-TW" altLang="en-US" sz="4000" b="1" dirty="0">
+                <a:solidFill>
+                  <a:schemeClr val="tx1">
+                    <a:lumMod val="75000"/>
+                    <a:lumOff val="25000"/>
+                  </a:schemeClr>
+                </a:solidFill>
+                <a:latin typeface="微軟正黑體" panose="020B0604030504040204" pitchFamily="34" charset="-120"/>
+                <a:ea typeface="微軟正黑體" panose="020B0604030504040204" pitchFamily="34" charset="-120"/>
+              </a:rPr>
+              <a:t>天的移動平均線 </a:t>
+            </a:r>
+            <a:r>
+              <a:rPr lang="en-US" altLang="zh-TW" sz="4000" b="1" dirty="0" smtClean="0">
+                <a:solidFill>
+                  <a:schemeClr val="tx1">
+                    <a:lumMod val="75000"/>
+                    <a:lumOff val="25000"/>
+                  </a:schemeClr>
+                </a:solidFill>
+                <a:latin typeface="微軟正黑體" panose="020B0604030504040204" pitchFamily="34" charset="-120"/>
+                <a:ea typeface="微軟正黑體" panose="020B0604030504040204" pitchFamily="34" charset="-120"/>
+              </a:rPr>
+              <a:t>-</a:t>
+            </a:r>
+            <a:r>
+              <a:rPr lang="zh-TW" altLang="en-US" sz="4000" b="1" dirty="0" smtClean="0">
+                <a:solidFill>
+                  <a:schemeClr val="tx1">
+                    <a:lumMod val="75000"/>
+                    <a:lumOff val="25000"/>
+                  </a:schemeClr>
+                </a:solidFill>
+                <a:latin typeface="微軟正黑體" panose="020B0604030504040204" pitchFamily="34" charset="-120"/>
+                <a:ea typeface="微軟正黑體" panose="020B0604030504040204" pitchFamily="34" charset="-120"/>
+              </a:rPr>
+              <a:t>  兩倍標準差</a:t>
+            </a:r>
+            <a:endParaRPr lang="zh-TW" altLang="en-US" sz="4000" b="1" dirty="0">
+              <a:solidFill>
+                <a:schemeClr val="tx1">
+                  <a:lumMod val="75000"/>
+                  <a:lumOff val="25000"/>
+                </a:schemeClr>
+              </a:solidFill>
+              <a:latin typeface="微軟正黑體" panose="020B0604030504040204" pitchFamily="34" charset="-120"/>
+              <a:ea typeface="微軟正黑體" panose="020B0604030504040204" pitchFamily="34" charset="-120"/>
+            </a:endParaRPr>
+          </a:p>
+          <a:p>
+            <a:pPr marL="0" marR="0" lvl="0" indent="0" algn="l" defTabSz="914400" rtl="0" eaLnBrk="1" fontAlgn="auto" latinLnBrk="0" hangingPunct="1">
+              <a:lnSpc>
+                <a:spcPct val="100000"/>
+              </a:lnSpc>
+              <a:spcBef>
+                <a:spcPts val="0"/>
+              </a:spcBef>
+              <a:spcAft>
+                <a:spcPts val="0"/>
+              </a:spcAft>
+              <a:buClrTx/>
+              <a:buSzTx/>
+              <a:buFontTx/>
+              <a:buNone/>
+              <a:tabLst/>
+              <a:defRPr/>
+            </a:pPr>
+            <a:endParaRPr kumimoji="0" lang="zh-TW" altLang="en-US" sz="4000" b="1" i="0" u="none" strike="noStrike" kern="1200" cap="none" spc="0" normalizeH="0" baseline="0" noProof="0" dirty="0" smtClean="0">
+              <a:ln>
+                <a:noFill/>
+              </a:ln>
+              <a:solidFill>
+                <a:schemeClr val="tx1">
+                  <a:lumMod val="75000"/>
+                  <a:lumOff val="25000"/>
+                </a:schemeClr>
+              </a:solidFill>
+              <a:effectLst/>
+              <a:uLnTx/>
+              <a:uFillTx/>
+              <a:latin typeface="微軟正黑體" panose="020B0604030504040204" pitchFamily="34" charset="-120"/>
+              <a:ea typeface="微軟正黑體" panose="020B0604030504040204" pitchFamily="34" charset="-120"/>
+            </a:endParaRPr>
+          </a:p>
+        </p:txBody>
+      </p:sp>
     </p:spTree>
     <p:extLst>
       <p:ext uri="{BB962C8B-B14F-4D97-AF65-F5344CB8AC3E}">
-        <p14:creationId xmlns:p14="http://schemas.microsoft.com/office/powerpoint/2010/main" val="134129590"/>
+        <p14:creationId xmlns:p14="http://schemas.microsoft.com/office/powerpoint/2010/main" val="459981496"/>
       </p:ext>
     </p:extLst>
   </p:cSld>
@@ -10878,7 +11724,7 @@
           </p:nvSpPr>
           <p:spPr>
             <a:xfrm>
-              <a:off x="5298345" y="2925223"/>
+              <a:off x="5298344" y="3092274"/>
               <a:ext cx="1569660" cy="646331"/>
             </a:xfrm>
             <a:prstGeom prst="rect">
@@ -10894,15 +11740,25 @@
             <a:p>
               <a:pPr algn="ctr"/>
               <a:r>
-                <a:rPr lang="zh-TW" altLang="en-US" sz="3600" dirty="0" smtClean="0">
-                  <a:latin typeface="思源黑体 CN Heavy" panose="020B0A00000000000000" pitchFamily="34" charset="-122"/>
-                  <a:ea typeface="思源黑体 CN Heavy" panose="020B0A00000000000000" pitchFamily="34" charset="-122"/>
+                <a:rPr lang="zh-TW" altLang="en-US" sz="3600" b="1" dirty="0" smtClean="0">
+                  <a:latin typeface="Microsoft JhengHei" charset="-120"/>
+                  <a:ea typeface="Microsoft JhengHei" charset="-120"/>
+                  <a:cs typeface="Microsoft JhengHei" charset="-120"/>
                 </a:rPr>
-                <a:t>我是誰</a:t>
+                <a:t>我是</a:t>
               </a:r>
-              <a:endParaRPr lang="zh-CN" altLang="en-US" sz="3600" dirty="0">
-                <a:latin typeface="思源黑体 CN Heavy" panose="020B0A00000000000000" pitchFamily="34" charset="-122"/>
-                <a:ea typeface="思源黑体 CN Heavy" panose="020B0A00000000000000" pitchFamily="34" charset="-122"/>
+              <a:r>
+                <a:rPr lang="zh-TW" altLang="en-US" sz="3600" b="1" dirty="0" smtClean="0">
+                  <a:latin typeface="Microsoft JhengHei" charset="-120"/>
+                  <a:ea typeface="Microsoft JhengHei" charset="-120"/>
+                  <a:cs typeface="Microsoft JhengHei" charset="-120"/>
+                </a:rPr>
+                <a:t>誰</a:t>
+              </a:r>
+              <a:endParaRPr lang="zh-CN" altLang="en-US" sz="3600" b="1" dirty="0">
+                <a:latin typeface="Microsoft JhengHei" charset="-120"/>
+                <a:ea typeface="Microsoft JhengHei" charset="-120"/>
+                <a:cs typeface="Microsoft JhengHei" charset="-120"/>
               </a:endParaRPr>
             </a:p>
           </p:txBody>
@@ -11026,6 +11882,94 @@
       </p:grpSpPr>
       <p:sp>
         <p:nvSpPr>
+          <p:cNvPr id="2" name="標題 1"/>
+          <p:cNvSpPr>
+            <a:spLocks noGrp="1"/>
+          </p:cNvSpPr>
+          <p:nvPr>
+            <p:ph type="title"/>
+          </p:nvPr>
+        </p:nvSpPr>
+        <p:spPr/>
+        <p:txBody>
+          <a:bodyPr/>
+          <a:lstStyle/>
+          <a:p>
+            <a:endParaRPr lang="zh-TW" altLang="en-US"/>
+          </a:p>
+        </p:txBody>
+      </p:sp>
+      <p:pic>
+        <p:nvPicPr>
+          <p:cNvPr id="4" name="內容版面配置區 3"/>
+          <p:cNvPicPr>
+            <a:picLocks noGrp="1" noChangeAspect="1"/>
+          </p:cNvPicPr>
+          <p:nvPr>
+            <p:ph idx="1"/>
+          </p:nvPr>
+        </p:nvPicPr>
+        <p:blipFill>
+          <a:blip r:embed="rId2" cstate="print">
+            <a:extLst>
+              <a:ext uri="{28A0092B-C50C-407E-A947-70E740481C1C}">
+                <a14:useLocalDpi xmlns:a14="http://schemas.microsoft.com/office/drawing/2010/main" val="0"/>
+              </a:ext>
+            </a:extLst>
+          </a:blip>
+          <a:stretch>
+            <a:fillRect/>
+          </a:stretch>
+        </p:blipFill>
+        <p:spPr>
+          <a:xfrm>
+            <a:off x="813262" y="0"/>
+            <a:ext cx="10565476" cy="6858000"/>
+          </a:xfrm>
+        </p:spPr>
+      </p:pic>
+    </p:spTree>
+    <p:extLst>
+      <p:ext uri="{BB962C8B-B14F-4D97-AF65-F5344CB8AC3E}">
+        <p14:creationId xmlns:p14="http://schemas.microsoft.com/office/powerpoint/2010/main" val="134129590"/>
+      </p:ext>
+    </p:extLst>
+  </p:cSld>
+  <p:clrMapOvr>
+    <a:masterClrMapping/>
+  </p:clrMapOvr>
+  <p:transition spd="slow">
+    <p:push dir="u"/>
+  </p:transition>
+  <p:timing>
+    <p:tnLst>
+      <p:par>
+        <p:cTn id="1" dur="indefinite" restart="never" nodeType="tmRoot"/>
+      </p:par>
+    </p:tnLst>
+  </p:timing>
+</p:sld>
+</file>
+
+<file path=ppt/slides/slide21.xml><?xml version="1.0" encoding="utf-8"?>
+<p:sld xmlns:a="http://schemas.openxmlformats.org/drawingml/2006/main" xmlns:r="http://schemas.openxmlformats.org/officeDocument/2006/relationships" xmlns:p="http://schemas.openxmlformats.org/presentationml/2006/main">
+  <p:cSld>
+    <p:spTree>
+      <p:nvGrpSpPr>
+        <p:cNvPr id="1" name=""/>
+        <p:cNvGrpSpPr/>
+        <p:nvPr/>
+      </p:nvGrpSpPr>
+      <p:grpSpPr>
+        <a:xfrm>
+          <a:off x="0" y="0"/>
+          <a:ext cx="0" cy="0"/>
+          <a:chOff x="0" y="0"/>
+          <a:chExt cx="0" cy="0"/>
+        </a:xfrm>
+      </p:grpSpPr>
+      <p:sp>
+        <p:nvSpPr>
           <p:cNvPr id="4" name="TextBox 1956"/>
           <p:cNvSpPr/>
           <p:nvPr/>
@@ -11059,9 +12003,9 @@
                     <a:lumOff val="25000"/>
                   </a:schemeClr>
                 </a:solidFill>
-                <a:latin typeface="思源黑体 CN Bold" panose="020B0800000000000000" pitchFamily="34" charset="-122"/>
-                <a:ea typeface="思源黑体 CN Bold" panose="020B0800000000000000" pitchFamily="34" charset="-122"/>
-                <a:cs typeface="+mn-ea"/>
+                <a:latin typeface="Microsoft JhengHei" charset="-120"/>
+                <a:ea typeface="Microsoft JhengHei" charset="-120"/>
+                <a:cs typeface="Microsoft JhengHei" charset="-120"/>
                 <a:sym typeface="+mn-lt"/>
               </a:rPr>
               <a:t>Bollienger</a:t>
@@ -11074,9 +12018,9 @@
                     <a:lumOff val="25000"/>
                   </a:schemeClr>
                 </a:solidFill>
-                <a:latin typeface="思源黑体 CN Bold" panose="020B0800000000000000" pitchFamily="34" charset="-122"/>
-                <a:ea typeface="思源黑体 CN Bold" panose="020B0800000000000000" pitchFamily="34" charset="-122"/>
-                <a:cs typeface="+mn-ea"/>
+                <a:latin typeface="Microsoft JhengHei" charset="-120"/>
+                <a:ea typeface="Microsoft JhengHei" charset="-120"/>
+                <a:cs typeface="Microsoft JhengHei" charset="-120"/>
                 <a:sym typeface="+mn-lt"/>
               </a:rPr>
               <a:t> Bands</a:t>
@@ -11088,9 +12032,9 @@
                   <a:lumOff val="25000"/>
                 </a:schemeClr>
               </a:solidFill>
-              <a:latin typeface="思源黑体 CN Bold" panose="020B0800000000000000" pitchFamily="34" charset="-122"/>
-              <a:ea typeface="思源黑体 CN Bold" panose="020B0800000000000000" pitchFamily="34" charset="-122"/>
-              <a:cs typeface="+mn-ea"/>
+              <a:latin typeface="Microsoft JhengHei" charset="-120"/>
+              <a:ea typeface="Microsoft JhengHei" charset="-120"/>
+              <a:cs typeface="Microsoft JhengHei" charset="-120"/>
               <a:sym typeface="+mn-lt"/>
             </a:endParaRPr>
           </a:p>
@@ -11188,20 +12132,7 @@
                 <a:latin typeface="微軟正黑體" panose="020B0604030504040204" pitchFamily="34" charset="-120"/>
                 <a:ea typeface="微軟正黑體" panose="020B0604030504040204" pitchFamily="34" charset="-120"/>
               </a:rPr>
-              <a:t>簡單來說，如果我們</a:t>
-            </a:r>
-            <a:r>
-              <a:rPr lang="zh-TW" altLang="en-US" sz="3600" b="1" dirty="0" smtClean="0">
-                <a:solidFill>
-                  <a:schemeClr val="tx1">
-                    <a:lumMod val="75000"/>
-                    <a:lumOff val="25000"/>
-                  </a:schemeClr>
-                </a:solidFill>
-                <a:latin typeface="微軟正黑體" panose="020B0604030504040204" pitchFamily="34" charset="-120"/>
-                <a:ea typeface="微軟正黑體" panose="020B0604030504040204" pitchFamily="34" charset="-120"/>
-              </a:rPr>
-              <a:t>相信價格是</a:t>
+              <a:t>簡單來說，如果我們相信價格是</a:t>
             </a:r>
             <a:r>
               <a:rPr lang="en-US" altLang="zh-TW" sz="3600" b="1" dirty="0" smtClean="0">
@@ -11457,7 +12388,7 @@
 </p:sld>
 </file>
 
-<file path=ppt/slides/slide21.xml><?xml version="1.0" encoding="utf-8"?>
+<file path=ppt/slides/slide22.xml><?xml version="1.0" encoding="utf-8"?>
 <p:sld xmlns:a="http://schemas.openxmlformats.org/drawingml/2006/main" xmlns:r="http://schemas.openxmlformats.org/officeDocument/2006/relationships" xmlns:p="http://schemas.openxmlformats.org/presentationml/2006/main">
   <p:cSld>
     <p:spTree>
@@ -11757,7 +12688,7 @@
 </p:sld>
 </file>
 
-<file path=ppt/slides/slide22.xml><?xml version="1.0" encoding="utf-8"?>
+<file path=ppt/slides/slide23.xml><?xml version="1.0" encoding="utf-8"?>
 <p:sld xmlns:a="http://schemas.openxmlformats.org/drawingml/2006/main" xmlns:r="http://schemas.openxmlformats.org/officeDocument/2006/relationships" xmlns:p="http://schemas.openxmlformats.org/presentationml/2006/main">
   <p:cSld>
     <p:spTree>
@@ -12378,7 +13309,279 @@
 </p:sld>
 </file>
 
-<file path=ppt/slides/slide23.xml><?xml version="1.0" encoding="utf-8"?>
+<file path=ppt/slides/slide24.xml><?xml version="1.0" encoding="utf-8"?>
+<p:sld xmlns:a="http://schemas.openxmlformats.org/drawingml/2006/main" xmlns:r="http://schemas.openxmlformats.org/officeDocument/2006/relationships" xmlns:p="http://schemas.openxmlformats.org/presentationml/2006/main">
+  <p:cSld>
+    <p:spTree>
+      <p:nvGrpSpPr>
+        <p:cNvPr id="1" name=""/>
+        <p:cNvGrpSpPr/>
+        <p:nvPr/>
+      </p:nvGrpSpPr>
+      <p:grpSpPr>
+        <a:xfrm>
+          <a:off x="0" y="0"/>
+          <a:ext cx="0" cy="0"/>
+          <a:chOff x="0" y="0"/>
+          <a:chExt cx="0" cy="0"/>
+        </a:xfrm>
+      </p:grpSpPr>
+      <p:sp>
+        <p:nvSpPr>
+          <p:cNvPr id="62" name="TextBox 1956"/>
+          <p:cNvSpPr/>
+          <p:nvPr/>
+        </p:nvSpPr>
+        <p:spPr>
+          <a:xfrm>
+            <a:off x="2260806" y="2817110"/>
+            <a:ext cx="8428659" cy="1200329"/>
+          </a:xfrm>
+          <a:prstGeom prst="rect">
+            <a:avLst/>
+          </a:prstGeom>
+          <a:noFill/>
+          <a:ln w="9525">
+            <a:noFill/>
+            <a:miter/>
+          </a:ln>
+        </p:spPr>
+        <p:txBody>
+          <a:bodyPr wrap="square">
+            <a:spAutoFit/>
+          </a:bodyPr>
+          <a:lstStyle/>
+          <a:p>
+            <a:pPr defTabSz="685800"/>
+            <a:r>
+              <a:rPr lang="en-US" altLang="zh-CN" sz="7200" b="1" dirty="0" smtClean="0">
+                <a:solidFill>
+                  <a:schemeClr val="tx1">
+                    <a:lumMod val="75000"/>
+                    <a:lumOff val="25000"/>
+                  </a:schemeClr>
+                </a:solidFill>
+                <a:latin typeface="Microsoft JhengHei" charset="-120"/>
+                <a:ea typeface="Microsoft JhengHei" charset="-120"/>
+                <a:cs typeface="Microsoft JhengHei" charset="-120"/>
+                <a:sym typeface="+mn-lt"/>
+              </a:rPr>
+              <a:t>One more thing</a:t>
+            </a:r>
+            <a:r>
+              <a:rPr lang="mr-IN" altLang="zh-CN" sz="7200" b="1" dirty="0" smtClean="0">
+                <a:solidFill>
+                  <a:schemeClr val="tx1">
+                    <a:lumMod val="75000"/>
+                    <a:lumOff val="25000"/>
+                  </a:schemeClr>
+                </a:solidFill>
+                <a:latin typeface="Microsoft JhengHei" charset="-120"/>
+                <a:ea typeface="Microsoft JhengHei" charset="-120"/>
+                <a:cs typeface="Microsoft JhengHei" charset="-120"/>
+                <a:sym typeface="+mn-lt"/>
+              </a:rPr>
+              <a:t>…</a:t>
+            </a:r>
+            <a:endParaRPr lang="zh-CN" altLang="en-US" sz="7200" b="1" dirty="0">
+              <a:solidFill>
+                <a:schemeClr val="tx1">
+                  <a:lumMod val="75000"/>
+                  <a:lumOff val="25000"/>
+                </a:schemeClr>
+              </a:solidFill>
+              <a:latin typeface="Microsoft JhengHei" charset="-120"/>
+              <a:ea typeface="Microsoft JhengHei" charset="-120"/>
+              <a:cs typeface="Microsoft JhengHei" charset="-120"/>
+              <a:sym typeface="+mn-lt"/>
+            </a:endParaRPr>
+          </a:p>
+        </p:txBody>
+      </p:sp>
+    </p:spTree>
+    <p:extLst>
+      <p:ext uri="{BB962C8B-B14F-4D97-AF65-F5344CB8AC3E}">
+        <p14:creationId xmlns:p14="http://schemas.microsoft.com/office/powerpoint/2010/main" val="653566517"/>
+      </p:ext>
+    </p:extLst>
+  </p:cSld>
+  <p:clrMapOvr>
+    <a:masterClrMapping/>
+  </p:clrMapOvr>
+  <p:transition spd="slow">
+    <p:push dir="u"/>
+  </p:transition>
+  <p:timing>
+    <p:tnLst>
+      <p:par>
+        <p:cTn id="1" dur="indefinite" restart="never" nodeType="tmRoot"/>
+      </p:par>
+    </p:tnLst>
+  </p:timing>
+</p:sld>
+</file>
+
+<file path=ppt/slides/slide25.xml><?xml version="1.0" encoding="utf-8"?>
+<p:sld xmlns:a="http://schemas.openxmlformats.org/drawingml/2006/main" xmlns:r="http://schemas.openxmlformats.org/officeDocument/2006/relationships" xmlns:p="http://schemas.openxmlformats.org/presentationml/2006/main">
+  <p:cSld>
+    <p:spTree>
+      <p:nvGrpSpPr>
+        <p:cNvPr id="1" name=""/>
+        <p:cNvGrpSpPr/>
+        <p:nvPr/>
+      </p:nvGrpSpPr>
+      <p:grpSpPr>
+        <a:xfrm>
+          <a:off x="0" y="0"/>
+          <a:ext cx="0" cy="0"/>
+          <a:chOff x="0" y="0"/>
+          <a:chExt cx="0" cy="0"/>
+        </a:xfrm>
+      </p:grpSpPr>
+      <p:sp>
+        <p:nvSpPr>
+          <p:cNvPr id="62" name="TextBox 1956"/>
+          <p:cNvSpPr/>
+          <p:nvPr/>
+        </p:nvSpPr>
+        <p:spPr>
+          <a:xfrm>
+            <a:off x="669702" y="2508017"/>
+            <a:ext cx="11294771" cy="1938992"/>
+          </a:xfrm>
+          <a:prstGeom prst="rect">
+            <a:avLst/>
+          </a:prstGeom>
+          <a:noFill/>
+          <a:ln w="9525">
+            <a:noFill/>
+            <a:miter/>
+          </a:ln>
+        </p:spPr>
+        <p:txBody>
+          <a:bodyPr wrap="square">
+            <a:spAutoFit/>
+          </a:bodyPr>
+          <a:lstStyle/>
+          <a:p>
+            <a:pPr algn="ctr" defTabSz="685800"/>
+            <a:r>
+              <a:rPr lang="zh-TW" altLang="en-US" sz="4000" b="1" dirty="0" smtClean="0">
+                <a:solidFill>
+                  <a:schemeClr val="tx1">
+                    <a:lumMod val="75000"/>
+                    <a:lumOff val="25000"/>
+                  </a:schemeClr>
+                </a:solidFill>
+                <a:latin typeface="Microsoft JhengHei" charset="-120"/>
+                <a:ea typeface="Microsoft JhengHei" charset="-120"/>
+                <a:cs typeface="Microsoft JhengHei" charset="-120"/>
+                <a:sym typeface="+mn-lt"/>
+              </a:rPr>
+              <a:t>虛擬貨幣市場的風險性較傳統的股、債市更高。</a:t>
+            </a:r>
+            <a:endParaRPr lang="en-US" altLang="zh-TW" sz="4000" b="1" dirty="0" smtClean="0">
+              <a:solidFill>
+                <a:schemeClr val="tx1">
+                  <a:lumMod val="75000"/>
+                  <a:lumOff val="25000"/>
+                </a:schemeClr>
+              </a:solidFill>
+              <a:latin typeface="Microsoft JhengHei" charset="-120"/>
+              <a:ea typeface="Microsoft JhengHei" charset="-120"/>
+              <a:cs typeface="Microsoft JhengHei" charset="-120"/>
+              <a:sym typeface="+mn-lt"/>
+            </a:endParaRPr>
+          </a:p>
+          <a:p>
+            <a:pPr algn="ctr" defTabSz="685800"/>
+            <a:r>
+              <a:rPr lang="zh-TW" altLang="en-US" sz="4000" b="1" dirty="0" smtClean="0">
+                <a:solidFill>
+                  <a:schemeClr val="tx1">
+                    <a:lumMod val="75000"/>
+                    <a:lumOff val="25000"/>
+                  </a:schemeClr>
+                </a:solidFill>
+                <a:latin typeface="Microsoft JhengHei" charset="-120"/>
+                <a:ea typeface="Microsoft JhengHei" charset="-120"/>
+                <a:cs typeface="Microsoft JhengHei" charset="-120"/>
+                <a:sym typeface="+mn-lt"/>
+              </a:rPr>
+              <a:t>加上資金過度集中，易造成</a:t>
+            </a:r>
+            <a:r>
+              <a:rPr lang="en-US" altLang="zh-TW" sz="4000" b="1" dirty="0" smtClean="0">
+                <a:solidFill>
+                  <a:schemeClr val="tx1">
+                    <a:lumMod val="75000"/>
+                    <a:lumOff val="25000"/>
+                  </a:schemeClr>
+                </a:solidFill>
+                <a:latin typeface="Microsoft JhengHei" charset="-120"/>
+                <a:ea typeface="Microsoft JhengHei" charset="-120"/>
+                <a:cs typeface="Microsoft JhengHei" charset="-120"/>
+                <a:sym typeface="+mn-lt"/>
+              </a:rPr>
+              <a:t>Pump &amp; Dump</a:t>
+            </a:r>
+          </a:p>
+          <a:p>
+            <a:pPr algn="ctr" defTabSz="685800"/>
+            <a:r>
+              <a:rPr lang="zh-TW" altLang="en-US" sz="4000" b="1" dirty="0" smtClean="0">
+                <a:solidFill>
+                  <a:schemeClr val="tx1">
+                    <a:lumMod val="75000"/>
+                    <a:lumOff val="25000"/>
+                  </a:schemeClr>
+                </a:solidFill>
+                <a:latin typeface="Microsoft JhengHei" charset="-120"/>
+                <a:ea typeface="Microsoft JhengHei" charset="-120"/>
+                <a:cs typeface="Microsoft JhengHei" charset="-120"/>
+                <a:sym typeface="+mn-lt"/>
+              </a:rPr>
+              <a:t>這是無法透過以上所學的方式來判斷走向的。</a:t>
+            </a:r>
+            <a:endParaRPr lang="zh-CN" altLang="en-US" sz="4000" b="1" dirty="0">
+              <a:solidFill>
+                <a:schemeClr val="tx1">
+                  <a:lumMod val="75000"/>
+                  <a:lumOff val="25000"/>
+                </a:schemeClr>
+              </a:solidFill>
+              <a:latin typeface="Microsoft JhengHei" charset="-120"/>
+              <a:ea typeface="Microsoft JhengHei" charset="-120"/>
+              <a:cs typeface="Microsoft JhengHei" charset="-120"/>
+              <a:sym typeface="+mn-lt"/>
+            </a:endParaRPr>
+          </a:p>
+        </p:txBody>
+      </p:sp>
+    </p:spTree>
+    <p:extLst>
+      <p:ext uri="{BB962C8B-B14F-4D97-AF65-F5344CB8AC3E}">
+        <p14:creationId xmlns:p14="http://schemas.microsoft.com/office/powerpoint/2010/main" val="2001636609"/>
+      </p:ext>
+    </p:extLst>
+  </p:cSld>
+  <p:clrMapOvr>
+    <a:masterClrMapping/>
+  </p:clrMapOvr>
+  <p:transition spd="slow">
+    <p:push dir="u"/>
+  </p:transition>
+  <p:timing>
+    <p:tnLst>
+      <p:par>
+        <p:cTn id="1" dur="indefinite" restart="never" nodeType="tmRoot"/>
+      </p:par>
+    </p:tnLst>
+  </p:timing>
+</p:sld>
+</file>
+
+<file path=ppt/slides/slide26.xml><?xml version="1.0" encoding="utf-8"?>
 <p:sld xmlns:a="http://schemas.openxmlformats.org/drawingml/2006/main" xmlns:r="http://schemas.openxmlformats.org/officeDocument/2006/relationships" xmlns:p="http://schemas.openxmlformats.org/presentationml/2006/main">
   <p:cSld>
     <p:spTree>
@@ -12433,10 +13636,10 @@
         </p:nvGrpSpPr>
         <p:grpSpPr>
           <a:xfrm>
-            <a:off x="3784460" y="2621758"/>
-            <a:ext cx="4427815" cy="2025565"/>
-            <a:chOff x="4112257" y="2381486"/>
-            <a:chExt cx="3916181" cy="2025565"/>
+            <a:off x="3823733" y="2621758"/>
+            <a:ext cx="4349269" cy="2025565"/>
+            <a:chOff x="4146992" y="2381486"/>
+            <a:chExt cx="3846711" cy="2025565"/>
           </a:xfrm>
         </p:grpSpPr>
         <p:sp>
@@ -12447,8 +13650,8 @@
           </p:nvSpPr>
           <p:spPr>
             <a:xfrm>
-              <a:off x="4112257" y="2381486"/>
-              <a:ext cx="3916181" cy="923330"/>
+              <a:off x="4146992" y="2381486"/>
+              <a:ext cx="3846711" cy="923330"/>
             </a:xfrm>
             <a:prstGeom prst="rect">
               <a:avLst/>
@@ -12463,15 +13666,17 @@
             <a:p>
               <a:pPr algn="ctr"/>
               <a:r>
-                <a:rPr lang="en-US" altLang="zh-CN" sz="5400" dirty="0" smtClean="0">
-                  <a:latin typeface="思源黑体 CN Heavy" panose="020B0A00000000000000" pitchFamily="34" charset="-122"/>
-                  <a:ea typeface="思源黑体 CN Heavy" panose="020B0A00000000000000" pitchFamily="34" charset="-122"/>
+                <a:rPr lang="en-US" altLang="zh-CN" sz="5400" b="1" dirty="0" smtClean="0">
+                  <a:latin typeface="Microsoft JhengHei" charset="-120"/>
+                  <a:ea typeface="Microsoft JhengHei" charset="-120"/>
+                  <a:cs typeface="Microsoft JhengHei" charset="-120"/>
                 </a:rPr>
                 <a:t>THANK YOU</a:t>
               </a:r>
-              <a:endParaRPr lang="zh-CN" altLang="en-US" sz="5400" dirty="0">
-                <a:latin typeface="思源黑体 CN Heavy" panose="020B0A00000000000000" pitchFamily="34" charset="-122"/>
-                <a:ea typeface="思源黑体 CN Heavy" panose="020B0A00000000000000" pitchFamily="34" charset="-122"/>
+              <a:endParaRPr lang="zh-CN" altLang="en-US" sz="5400" b="1" dirty="0">
+                <a:latin typeface="Microsoft JhengHei" charset="-120"/>
+                <a:ea typeface="Microsoft JhengHei" charset="-120"/>
+                <a:cs typeface="Microsoft JhengHei" charset="-120"/>
               </a:endParaRPr>
             </a:p>
           </p:txBody>
@@ -12815,7 +14020,7 @@
         <p:spPr bwMode="auto">
           <a:xfrm>
             <a:off x="3288313" y="4680295"/>
-            <a:ext cx="4580613" cy="461665"/>
+            <a:ext cx="6521337" cy="523220"/>
           </a:xfrm>
           <a:prstGeom prst="rect">
             <a:avLst/>
@@ -12957,60 +14162,36 @@
           </a:lstStyle>
           <a:p>
             <a:r>
-              <a:rPr lang="zh-TW" altLang="en-US" sz="2400" dirty="0" smtClean="0">
-                <a:solidFill>
-                  <a:schemeClr val="tx1">
-                    <a:lumMod val="75000"/>
-                    <a:lumOff val="25000"/>
-                  </a:schemeClr>
-                </a:solidFill>
-                <a:latin typeface="思源黑体 CN Bold" panose="020B0800000000000000" pitchFamily="34" charset="-122"/>
-                <a:ea typeface="思源黑体 CN Bold" panose="020B0800000000000000" pitchFamily="34" charset="-122"/>
-                <a:cs typeface="+mn-ea"/>
+              <a:rPr lang="zh-TW" altLang="en-US" sz="2800" b="1" dirty="0" smtClean="0">
+                <a:latin typeface="Microsoft JhengHei" charset="-120"/>
+                <a:ea typeface="Microsoft JhengHei" charset="-120"/>
+                <a:cs typeface="Microsoft JhengHei" charset="-120"/>
                 <a:sym typeface="+mn-lt"/>
               </a:rPr>
               <a:t>台大 </a:t>
             </a:r>
             <a:r>
-              <a:rPr lang="en-US" altLang="zh-TW" sz="2400" dirty="0" smtClean="0">
-                <a:solidFill>
-                  <a:schemeClr val="tx1">
-                    <a:lumMod val="75000"/>
-                    <a:lumOff val="25000"/>
-                  </a:schemeClr>
-                </a:solidFill>
-                <a:latin typeface="思源黑体 CN Bold" panose="020B0800000000000000" pitchFamily="34" charset="-122"/>
-                <a:ea typeface="思源黑体 CN Bold" panose="020B0800000000000000" pitchFamily="34" charset="-122"/>
-                <a:cs typeface="+mn-ea"/>
+              <a:rPr lang="en-US" altLang="zh-TW" sz="2800" b="1" dirty="0" smtClean="0">
+                <a:latin typeface="Microsoft JhengHei" charset="-120"/>
+                <a:ea typeface="Microsoft JhengHei" charset="-120"/>
+                <a:cs typeface="Microsoft JhengHei" charset="-120"/>
                 <a:sym typeface="+mn-lt"/>
               </a:rPr>
               <a:t>Coding &amp; Co-wording Club</a:t>
             </a:r>
             <a:r>
-              <a:rPr lang="zh-TW" altLang="en-US" sz="2400" dirty="0" smtClean="0">
-                <a:solidFill>
-                  <a:schemeClr val="tx1">
-                    <a:lumMod val="75000"/>
-                    <a:lumOff val="25000"/>
-                  </a:schemeClr>
-                </a:solidFill>
-                <a:latin typeface="思源黑体 CN Bold" panose="020B0800000000000000" pitchFamily="34" charset="-122"/>
-                <a:ea typeface="思源黑体 CN Bold" panose="020B0800000000000000" pitchFamily="34" charset="-122"/>
-                <a:cs typeface="+mn-ea"/>
+              <a:rPr lang="zh-TW" altLang="en-US" sz="2800" b="1" dirty="0" smtClean="0">
+                <a:latin typeface="Microsoft JhengHei" charset="-120"/>
+                <a:ea typeface="Microsoft JhengHei" charset="-120"/>
+                <a:cs typeface="Microsoft JhengHei" charset="-120"/>
                 <a:sym typeface="+mn-lt"/>
               </a:rPr>
               <a:t> 講師</a:t>
             </a:r>
-            <a:endParaRPr lang="zh-CN" altLang="en-US" sz="2400" dirty="0">
-              <a:solidFill>
-                <a:schemeClr val="tx1">
-                  <a:lumMod val="75000"/>
-                  <a:lumOff val="25000"/>
-                </a:schemeClr>
-              </a:solidFill>
-              <a:latin typeface="思源黑体 CN Bold" panose="020B0800000000000000" pitchFamily="34" charset="-122"/>
-              <a:ea typeface="思源黑体 CN Bold" panose="020B0800000000000000" pitchFamily="34" charset="-122"/>
-              <a:cs typeface="+mn-ea"/>
+            <a:endParaRPr lang="zh-CN" altLang="en-US" sz="2800" b="1" dirty="0">
+              <a:latin typeface="Microsoft JhengHei" charset="-120"/>
+              <a:ea typeface="Microsoft JhengHei" charset="-120"/>
+              <a:cs typeface="Microsoft JhengHei" charset="-120"/>
               <a:sym typeface="+mn-lt"/>
             </a:endParaRPr>
           </a:p>
@@ -13027,7 +14208,7 @@
         <p:spPr bwMode="auto">
           <a:xfrm>
             <a:off x="3288313" y="3081613"/>
-            <a:ext cx="5492209" cy="461665"/>
+            <a:ext cx="6378669" cy="523220"/>
           </a:xfrm>
           <a:prstGeom prst="rect">
             <a:avLst/>
@@ -13169,30 +14350,18 @@
           </a:lstStyle>
           <a:p>
             <a:r>
-              <a:rPr lang="zh-TW" altLang="en-US" sz="2400" dirty="0" smtClean="0">
-                <a:solidFill>
-                  <a:schemeClr val="tx1">
-                    <a:lumMod val="75000"/>
-                    <a:lumOff val="25000"/>
-                  </a:schemeClr>
-                </a:solidFill>
-                <a:latin typeface="思源黑体 CN Bold" panose="020B0800000000000000" pitchFamily="34" charset="-122"/>
-                <a:ea typeface="思源黑体 CN Bold" panose="020B0800000000000000" pitchFamily="34" charset="-122"/>
-                <a:cs typeface="+mn-ea"/>
+              <a:rPr lang="zh-TW" altLang="en-US" sz="2800" b="1" dirty="0" smtClean="0">
+                <a:latin typeface="Microsoft JhengHei" charset="-120"/>
+                <a:ea typeface="Microsoft JhengHei" charset="-120"/>
+                <a:cs typeface="Microsoft JhengHei" charset="-120"/>
                 <a:sym typeface="+mn-lt"/>
               </a:rPr>
               <a:t>台大行為與資料科學研究中心 研究助理</a:t>
             </a:r>
-            <a:endParaRPr lang="zh-CN" altLang="en-US" sz="2400" dirty="0">
-              <a:solidFill>
-                <a:schemeClr val="tx1">
-                  <a:lumMod val="75000"/>
-                  <a:lumOff val="25000"/>
-                </a:schemeClr>
-              </a:solidFill>
-              <a:latin typeface="思源黑体 CN Bold" panose="020B0800000000000000" pitchFamily="34" charset="-122"/>
-              <a:ea typeface="思源黑体 CN Bold" panose="020B0800000000000000" pitchFamily="34" charset="-122"/>
-              <a:cs typeface="+mn-ea"/>
+            <a:endParaRPr lang="zh-CN" altLang="en-US" sz="2800" b="1" dirty="0">
+              <a:latin typeface="Microsoft JhengHei" charset="-120"/>
+              <a:ea typeface="Microsoft JhengHei" charset="-120"/>
+              <a:cs typeface="Microsoft JhengHei" charset="-120"/>
               <a:sym typeface="+mn-lt"/>
             </a:endParaRPr>
           </a:p>
@@ -13237,7 +14406,7 @@
         <p:spPr bwMode="auto">
           <a:xfrm>
             <a:off x="3288313" y="3862193"/>
-            <a:ext cx="6649577" cy="461665"/>
+            <a:ext cx="7906332" cy="523220"/>
           </a:xfrm>
           <a:prstGeom prst="rect">
             <a:avLst/>
@@ -13379,45 +14548,27 @@
           </a:lstStyle>
           <a:p>
             <a:r>
-              <a:rPr lang="en-US" altLang="zh-TW" sz="2400" dirty="0" smtClean="0">
-                <a:solidFill>
-                  <a:schemeClr val="tx1">
-                    <a:lumMod val="75000"/>
-                    <a:lumOff val="25000"/>
-                  </a:schemeClr>
-                </a:solidFill>
-                <a:latin typeface="思源黑体 CN Bold" panose="020B0800000000000000" pitchFamily="34" charset="-122"/>
-                <a:ea typeface="思源黑体 CN Bold" panose="020B0800000000000000" pitchFamily="34" charset="-122"/>
-                <a:cs typeface="+mn-ea"/>
+              <a:rPr lang="en-US" altLang="zh-TW" sz="2800" b="1" dirty="0" smtClean="0">
+                <a:latin typeface="Microsoft JhengHei" charset="-120"/>
+                <a:ea typeface="Microsoft JhengHei" charset="-120"/>
+                <a:cs typeface="Microsoft JhengHei" charset="-120"/>
                 <a:sym typeface="+mn-lt"/>
               </a:rPr>
               <a:t>107-1</a:t>
             </a:r>
             <a:r>
-              <a:rPr lang="zh-TW" altLang="en-US" sz="2400" dirty="0" smtClean="0">
-                <a:solidFill>
-                  <a:schemeClr val="tx1">
-                    <a:lumMod val="75000"/>
-                    <a:lumOff val="25000"/>
-                  </a:schemeClr>
-                </a:solidFill>
-                <a:latin typeface="思源黑体 CN Bold" panose="020B0800000000000000" pitchFamily="34" charset="-122"/>
-                <a:ea typeface="思源黑体 CN Bold" panose="020B0800000000000000" pitchFamily="34" charset="-122"/>
-                <a:cs typeface="+mn-ea"/>
+              <a:rPr lang="zh-TW" altLang="en-US" sz="2800" b="1" dirty="0" smtClean="0">
+                <a:latin typeface="Microsoft JhengHei" charset="-120"/>
+                <a:ea typeface="Microsoft JhengHei" charset="-120"/>
+                <a:cs typeface="Microsoft JhengHei" charset="-120"/>
                 <a:sym typeface="+mn-lt"/>
               </a:rPr>
               <a:t> 台大經濟系 資料科學與社會研究 課程助教</a:t>
             </a:r>
-            <a:endParaRPr lang="zh-CN" altLang="en-US" sz="2400" dirty="0">
-              <a:solidFill>
-                <a:schemeClr val="tx1">
-                  <a:lumMod val="75000"/>
-                  <a:lumOff val="25000"/>
-                </a:schemeClr>
-              </a:solidFill>
-              <a:latin typeface="思源黑体 CN Bold" panose="020B0800000000000000" pitchFamily="34" charset="-122"/>
-              <a:ea typeface="思源黑体 CN Bold" panose="020B0800000000000000" pitchFamily="34" charset="-122"/>
-              <a:cs typeface="+mn-ea"/>
+            <a:endParaRPr lang="zh-CN" altLang="en-US" sz="2800" b="1" dirty="0">
+              <a:latin typeface="Microsoft JhengHei" charset="-120"/>
+              <a:ea typeface="Microsoft JhengHei" charset="-120"/>
+              <a:cs typeface="Microsoft JhengHei" charset="-120"/>
               <a:sym typeface="+mn-lt"/>
             </a:endParaRPr>
           </a:p>
@@ -13434,7 +14585,7 @@
         <p:spPr bwMode="auto">
           <a:xfrm>
             <a:off x="3288313" y="2387837"/>
-            <a:ext cx="5279009" cy="461665"/>
+            <a:ext cx="6941324" cy="523220"/>
           </a:xfrm>
           <a:prstGeom prst="rect">
             <a:avLst/>
@@ -13576,60 +14727,36 @@
           </a:lstStyle>
           <a:p>
             <a:r>
-              <a:rPr lang="zh-TW" altLang="en-US" sz="2400" dirty="0">
-                <a:solidFill>
-                  <a:schemeClr val="tx1">
-                    <a:lumMod val="75000"/>
-                    <a:lumOff val="25000"/>
-                  </a:schemeClr>
-                </a:solidFill>
-                <a:latin typeface="思源黑体 CN Bold" panose="020B0800000000000000" pitchFamily="34" charset="-122"/>
-                <a:ea typeface="思源黑体 CN Bold" panose="020B0800000000000000" pitchFamily="34" charset="-122"/>
-                <a:cs typeface="+mn-ea"/>
+              <a:rPr lang="zh-TW" altLang="en-US" sz="2800" b="1" dirty="0">
+                <a:latin typeface="Microsoft JhengHei" charset="-120"/>
+                <a:ea typeface="Microsoft JhengHei" charset="-120"/>
+                <a:cs typeface="Microsoft JhengHei" charset="-120"/>
                 <a:sym typeface="+mn-lt"/>
               </a:rPr>
               <a:t>台灣微軟技術中心 </a:t>
             </a:r>
             <a:r>
-              <a:rPr lang="en-US" altLang="zh-TW" sz="2400" dirty="0">
-                <a:solidFill>
-                  <a:schemeClr val="tx1">
-                    <a:lumMod val="75000"/>
-                    <a:lumOff val="25000"/>
-                  </a:schemeClr>
-                </a:solidFill>
-                <a:latin typeface="思源黑体 CN Bold" panose="020B0800000000000000" pitchFamily="34" charset="-122"/>
-                <a:ea typeface="思源黑体 CN Bold" panose="020B0800000000000000" pitchFamily="34" charset="-122"/>
-                <a:cs typeface="+mn-ea"/>
+              <a:rPr lang="en-US" altLang="zh-TW" sz="2800" b="1" dirty="0">
+                <a:latin typeface="Microsoft JhengHei" charset="-120"/>
+                <a:ea typeface="Microsoft JhengHei" charset="-120"/>
+                <a:cs typeface="Microsoft JhengHei" charset="-120"/>
                 <a:sym typeface="+mn-lt"/>
               </a:rPr>
               <a:t>Data &amp; AI team </a:t>
             </a:r>
             <a:r>
-              <a:rPr lang="en-US" altLang="zh-TW" sz="2400" dirty="0" smtClean="0">
-                <a:solidFill>
-                  <a:schemeClr val="tx1">
-                    <a:lumMod val="75000"/>
-                    <a:lumOff val="25000"/>
-                  </a:schemeClr>
-                </a:solidFill>
-                <a:latin typeface="思源黑体 CN Bold" panose="020B0800000000000000" pitchFamily="34" charset="-122"/>
-                <a:ea typeface="思源黑体 CN Bold" panose="020B0800000000000000" pitchFamily="34" charset="-122"/>
-                <a:cs typeface="+mn-ea"/>
+              <a:rPr lang="en-US" altLang="zh-TW" sz="2800" b="1" dirty="0" smtClean="0">
+                <a:latin typeface="Microsoft JhengHei" charset="-120"/>
+                <a:ea typeface="Microsoft JhengHei" charset="-120"/>
+                <a:cs typeface="Microsoft JhengHei" charset="-120"/>
                 <a:sym typeface="+mn-lt"/>
               </a:rPr>
               <a:t>Intern</a:t>
             </a:r>
-            <a:endParaRPr lang="zh-CN" altLang="en-US" sz="2400" dirty="0">
-              <a:solidFill>
-                <a:schemeClr val="tx1">
-                  <a:lumMod val="75000"/>
-                  <a:lumOff val="25000"/>
-                </a:schemeClr>
-              </a:solidFill>
-              <a:latin typeface="思源黑体 CN Bold" panose="020B0800000000000000" pitchFamily="34" charset="-122"/>
-              <a:ea typeface="思源黑体 CN Bold" panose="020B0800000000000000" pitchFamily="34" charset="-122"/>
-              <a:cs typeface="+mn-ea"/>
+            <a:endParaRPr lang="zh-CN" altLang="en-US" sz="2800" b="1" dirty="0">
+              <a:latin typeface="Microsoft JhengHei" charset="-120"/>
+              <a:ea typeface="Microsoft JhengHei" charset="-120"/>
+              <a:cs typeface="Microsoft JhengHei" charset="-120"/>
               <a:sym typeface="+mn-lt"/>
             </a:endParaRPr>
           </a:p>
@@ -14066,7 +15193,7 @@
           </p:nvSpPr>
           <p:spPr>
             <a:xfrm>
-              <a:off x="4836683" y="2925223"/>
+              <a:off x="4836679" y="3138681"/>
               <a:ext cx="2492990" cy="646331"/>
             </a:xfrm>
             <a:prstGeom prst="rect">
@@ -14082,15 +15209,17 @@
             <a:p>
               <a:pPr algn="ctr"/>
               <a:r>
-                <a:rPr lang="zh-TW" altLang="en-US" sz="3600" dirty="0" smtClean="0">
-                  <a:latin typeface="思源黑体 CN Heavy" panose="020B0A00000000000000" pitchFamily="34" charset="-122"/>
-                  <a:ea typeface="思源黑体 CN Heavy" panose="020B0A00000000000000" pitchFamily="34" charset="-122"/>
+                <a:rPr lang="zh-TW" altLang="en-US" sz="3600" b="1" dirty="0" smtClean="0">
+                  <a:latin typeface="Microsoft JhengHei" charset="-120"/>
+                  <a:ea typeface="Microsoft JhengHei" charset="-120"/>
+                  <a:cs typeface="Microsoft JhengHei" charset="-120"/>
                 </a:rPr>
                 <a:t>今天教什麼</a:t>
               </a:r>
-              <a:endParaRPr lang="zh-CN" altLang="en-US" sz="3600" dirty="0">
-                <a:latin typeface="思源黑体 CN Heavy" panose="020B0A00000000000000" pitchFamily="34" charset="-122"/>
-                <a:ea typeface="思源黑体 CN Heavy" panose="020B0A00000000000000" pitchFamily="34" charset="-122"/>
+              <a:endParaRPr lang="zh-CN" altLang="en-US" sz="3600" b="1" dirty="0">
+                <a:latin typeface="Microsoft JhengHei" charset="-120"/>
+                <a:ea typeface="Microsoft JhengHei" charset="-120"/>
+                <a:cs typeface="Microsoft JhengHei" charset="-120"/>
               </a:endParaRPr>
             </a:p>
           </p:txBody>
@@ -14727,7 +15856,7 @@
         <p:spPr bwMode="auto">
           <a:xfrm>
             <a:off x="3288313" y="3395178"/>
-            <a:ext cx="5724644" cy="461665"/>
+            <a:ext cx="6647974" cy="523220"/>
           </a:xfrm>
           <a:prstGeom prst="rect">
             <a:avLst/>
@@ -14869,60 +15998,18 @@
           </a:lstStyle>
           <a:p>
             <a:r>
-              <a:rPr lang="zh-TW" altLang="en-US" sz="2400" dirty="0" smtClean="0">
-                <a:solidFill>
-                  <a:schemeClr val="tx1">
-                    <a:lumMod val="75000"/>
-                    <a:lumOff val="25000"/>
-                  </a:schemeClr>
-                </a:solidFill>
-                <a:latin typeface="思源黑体 CN Bold" panose="020B0800000000000000" pitchFamily="34" charset="-122"/>
-                <a:ea typeface="思源黑体 CN Bold" panose="020B0800000000000000" pitchFamily="34" charset="-122"/>
-                <a:cs typeface="+mn-ea"/>
+              <a:rPr lang="zh-TW" altLang="en-US" sz="2800" b="1" dirty="0" smtClean="0">
+                <a:latin typeface="Microsoft JhengHei" charset="-120"/>
+                <a:ea typeface="Microsoft JhengHei" charset="-120"/>
+                <a:cs typeface="Microsoft JhengHei" charset="-120"/>
                 <a:sym typeface="+mn-lt"/>
               </a:rPr>
-              <a:t>畫出</a:t>
-            </a:r>
-            <a:r>
-              <a:rPr lang="zh-TW" altLang="en-US" sz="2400" b="1" dirty="0" smtClean="0">
-                <a:solidFill>
-                  <a:schemeClr val="tx1">
-                    <a:lumMod val="75000"/>
-                    <a:lumOff val="25000"/>
-                  </a:schemeClr>
-                </a:solidFill>
-                <a:latin typeface="思源黑体 CN Bold" panose="020B0800000000000000" pitchFamily="34" charset="-122"/>
-                <a:ea typeface="思源黑体 CN Bold" panose="020B0800000000000000" pitchFamily="34" charset="-122"/>
-                <a:cs typeface="+mn-ea"/>
-                <a:sym typeface="+mn-lt"/>
-              </a:rPr>
-              <a:t>三種技術分析線圖</a:t>
-            </a:r>
-            <a:r>
-              <a:rPr lang="zh-TW" altLang="en-US" sz="2400" dirty="0" smtClean="0">
-                <a:solidFill>
-                  <a:schemeClr val="tx1">
-                    <a:lumMod val="75000"/>
-                    <a:lumOff val="25000"/>
-                  </a:schemeClr>
-                </a:solidFill>
-                <a:latin typeface="思源黑体 CN Bold" panose="020B0800000000000000" pitchFamily="34" charset="-122"/>
-                <a:ea typeface="思源黑体 CN Bold" panose="020B0800000000000000" pitchFamily="34" charset="-122"/>
-                <a:cs typeface="+mn-ea"/>
-                <a:sym typeface="+mn-lt"/>
-              </a:rPr>
-              <a:t>，並判斷本日策略</a:t>
-            </a:r>
-            <a:endParaRPr lang="zh-CN" altLang="en-US" sz="2400" dirty="0">
-              <a:solidFill>
-                <a:schemeClr val="tx1">
-                  <a:lumMod val="75000"/>
-                  <a:lumOff val="25000"/>
-                </a:schemeClr>
-              </a:solidFill>
-              <a:latin typeface="思源黑体 CN Bold" panose="020B0800000000000000" pitchFamily="34" charset="-122"/>
-              <a:ea typeface="思源黑体 CN Bold" panose="020B0800000000000000" pitchFamily="34" charset="-122"/>
-              <a:cs typeface="+mn-ea"/>
+              <a:t>畫出三種技術分析線圖，並判斷本日策略</a:t>
+            </a:r>
+            <a:endParaRPr lang="zh-CN" altLang="en-US" sz="2800" b="1" dirty="0">
+              <a:latin typeface="Microsoft JhengHei" charset="-120"/>
+              <a:ea typeface="Microsoft JhengHei" charset="-120"/>
+              <a:cs typeface="Microsoft JhengHei" charset="-120"/>
               <a:sym typeface="+mn-lt"/>
             </a:endParaRPr>
           </a:p>
@@ -14967,7 +16054,7 @@
         <p:spPr bwMode="auto">
           <a:xfrm>
             <a:off x="3288313" y="4402520"/>
-            <a:ext cx="5761514" cy="461665"/>
+            <a:ext cx="6877204" cy="523220"/>
           </a:xfrm>
           <a:prstGeom prst="rect">
             <a:avLst/>
@@ -15109,60 +16196,36 @@
           </a:lstStyle>
           <a:p>
             <a:r>
-              <a:rPr lang="zh-TW" altLang="en-US" sz="2400" b="1" dirty="0" smtClean="0">
-                <a:solidFill>
-                  <a:schemeClr val="tx1">
-                    <a:lumMod val="75000"/>
-                    <a:lumOff val="25000"/>
-                  </a:schemeClr>
-                </a:solidFill>
-                <a:latin typeface="思源黑体 CN Bold" panose="020B0800000000000000" pitchFamily="34" charset="-122"/>
-                <a:ea typeface="思源黑体 CN Bold" panose="020B0800000000000000" pitchFamily="34" charset="-122"/>
-                <a:cs typeface="+mn-ea"/>
+              <a:rPr lang="zh-TW" altLang="en-US" sz="2800" b="1" dirty="0" smtClean="0">
+                <a:latin typeface="Microsoft JhengHei" charset="-120"/>
+                <a:ea typeface="Microsoft JhengHei" charset="-120"/>
+                <a:cs typeface="Microsoft JhengHei" charset="-120"/>
                 <a:sym typeface="+mn-lt"/>
               </a:rPr>
               <a:t>自動發送</a:t>
             </a:r>
             <a:r>
-              <a:rPr lang="en-US" altLang="zh-TW" sz="2400" b="1" dirty="0" smtClean="0">
-                <a:solidFill>
-                  <a:schemeClr val="tx1">
-                    <a:lumMod val="75000"/>
-                    <a:lumOff val="25000"/>
-                  </a:schemeClr>
-                </a:solidFill>
-                <a:latin typeface="思源黑体 CN Bold" panose="020B0800000000000000" pitchFamily="34" charset="-122"/>
-                <a:ea typeface="思源黑体 CN Bold" panose="020B0800000000000000" pitchFamily="34" charset="-122"/>
-                <a:cs typeface="+mn-ea"/>
+              <a:rPr lang="en-US" altLang="zh-TW" sz="2800" b="1" dirty="0" smtClean="0">
+                <a:latin typeface="Microsoft JhengHei" charset="-120"/>
+                <a:ea typeface="Microsoft JhengHei" charset="-120"/>
+                <a:cs typeface="Microsoft JhengHei" charset="-120"/>
                 <a:sym typeface="+mn-lt"/>
               </a:rPr>
               <a:t>email</a:t>
             </a:r>
             <a:r>
-              <a:rPr lang="zh-TW" altLang="en-US" sz="2400" dirty="0" smtClean="0">
-                <a:solidFill>
-                  <a:schemeClr val="tx1">
-                    <a:lumMod val="75000"/>
-                    <a:lumOff val="25000"/>
-                  </a:schemeClr>
-                </a:solidFill>
-                <a:latin typeface="思源黑体 CN Bold" panose="020B0800000000000000" pitchFamily="34" charset="-122"/>
-                <a:ea typeface="思源黑体 CN Bold" panose="020B0800000000000000" pitchFamily="34" charset="-122"/>
-                <a:cs typeface="+mn-ea"/>
+              <a:rPr lang="zh-TW" altLang="en-US" sz="2800" b="1" dirty="0" smtClean="0">
+                <a:latin typeface="Microsoft JhengHei" charset="-120"/>
+                <a:ea typeface="Microsoft JhengHei" charset="-120"/>
+                <a:cs typeface="Microsoft JhengHei" charset="-120"/>
                 <a:sym typeface="+mn-lt"/>
               </a:rPr>
               <a:t>，推送本日價格和本日策略</a:t>
             </a:r>
-            <a:endParaRPr lang="zh-CN" altLang="en-US" sz="2400" dirty="0">
-              <a:solidFill>
-                <a:schemeClr val="tx1">
-                  <a:lumMod val="75000"/>
-                  <a:lumOff val="25000"/>
-                </a:schemeClr>
-              </a:solidFill>
-              <a:latin typeface="思源黑体 CN Bold" panose="020B0800000000000000" pitchFamily="34" charset="-122"/>
-              <a:ea typeface="思源黑体 CN Bold" panose="020B0800000000000000" pitchFamily="34" charset="-122"/>
-              <a:cs typeface="+mn-ea"/>
+            <a:endParaRPr lang="zh-CN" altLang="en-US" sz="2800" b="1" dirty="0">
+              <a:latin typeface="Microsoft JhengHei" charset="-120"/>
+              <a:ea typeface="Microsoft JhengHei" charset="-120"/>
+              <a:cs typeface="Microsoft JhengHei" charset="-120"/>
               <a:sym typeface="+mn-lt"/>
             </a:endParaRPr>
           </a:p>
@@ -15179,7 +16242,7 @@
         <p:spPr bwMode="auto">
           <a:xfrm>
             <a:off x="3288313" y="2387837"/>
-            <a:ext cx="5345566" cy="461665"/>
+            <a:ext cx="6646820" cy="523220"/>
           </a:xfrm>
           <a:prstGeom prst="rect">
             <a:avLst/>
@@ -15321,60 +16384,36 @@
           </a:lstStyle>
           <a:p>
             <a:r>
-              <a:rPr lang="zh-TW" altLang="en-US" sz="2400" dirty="0" smtClean="0">
-                <a:solidFill>
-                  <a:schemeClr val="tx1">
-                    <a:lumMod val="75000"/>
-                    <a:lumOff val="25000"/>
-                  </a:schemeClr>
-                </a:solidFill>
-                <a:latin typeface="思源黑体 CN Bold" panose="020B0800000000000000" pitchFamily="34" charset="-122"/>
-                <a:ea typeface="思源黑体 CN Bold" panose="020B0800000000000000" pitchFamily="34" charset="-122"/>
-                <a:cs typeface="+mn-ea"/>
+              <a:rPr lang="zh-TW" altLang="en-US" sz="2800" b="1" dirty="0" smtClean="0">
+                <a:latin typeface="Microsoft JhengHei" charset="-120"/>
+                <a:ea typeface="Microsoft JhengHei" charset="-120"/>
+                <a:cs typeface="Microsoft JhengHei" charset="-120"/>
                 <a:sym typeface="+mn-lt"/>
               </a:rPr>
               <a:t>從</a:t>
             </a:r>
             <a:r>
-              <a:rPr lang="en-US" altLang="zh-TW" sz="2400" dirty="0" err="1" smtClean="0">
-                <a:solidFill>
-                  <a:schemeClr val="tx1">
-                    <a:lumMod val="75000"/>
-                    <a:lumOff val="25000"/>
-                  </a:schemeClr>
-                </a:solidFill>
-                <a:latin typeface="思源黑体 CN Bold" panose="020B0800000000000000" pitchFamily="34" charset="-122"/>
-                <a:ea typeface="思源黑体 CN Bold" panose="020B0800000000000000" pitchFamily="34" charset="-122"/>
-                <a:cs typeface="+mn-ea"/>
+              <a:rPr lang="en-US" altLang="zh-TW" sz="2800" b="1" dirty="0" err="1" smtClean="0">
+                <a:latin typeface="Microsoft JhengHei" charset="-120"/>
+                <a:ea typeface="Microsoft JhengHei" charset="-120"/>
+                <a:cs typeface="Microsoft JhengHei" charset="-120"/>
                 <a:sym typeface="+mn-lt"/>
               </a:rPr>
               <a:t>Coingecko</a:t>
             </a:r>
             <a:r>
-              <a:rPr lang="zh-TW" altLang="en-US" sz="2400" dirty="0" smtClean="0">
-                <a:solidFill>
-                  <a:schemeClr val="tx1">
-                    <a:lumMod val="75000"/>
-                    <a:lumOff val="25000"/>
-                  </a:schemeClr>
-                </a:solidFill>
-                <a:latin typeface="思源黑体 CN Bold" panose="020B0800000000000000" pitchFamily="34" charset="-122"/>
-                <a:ea typeface="思源黑体 CN Bold" panose="020B0800000000000000" pitchFamily="34" charset="-122"/>
-                <a:cs typeface="+mn-ea"/>
+              <a:rPr lang="zh-TW" altLang="en-US" sz="2800" b="1" dirty="0" smtClean="0">
+                <a:latin typeface="Microsoft JhengHei" charset="-120"/>
+                <a:ea typeface="Microsoft JhengHei" charset="-120"/>
+                <a:cs typeface="Microsoft JhengHei" charset="-120"/>
                 <a:sym typeface="+mn-lt"/>
               </a:rPr>
               <a:t>載下最新的比特幣價格資料</a:t>
             </a:r>
-            <a:endParaRPr lang="zh-CN" altLang="en-US" sz="2400" dirty="0">
-              <a:solidFill>
-                <a:schemeClr val="tx1">
-                  <a:lumMod val="75000"/>
-                  <a:lumOff val="25000"/>
-                </a:schemeClr>
-              </a:solidFill>
-              <a:latin typeface="思源黑体 CN Bold" panose="020B0800000000000000" pitchFamily="34" charset="-122"/>
-              <a:ea typeface="思源黑体 CN Bold" panose="020B0800000000000000" pitchFamily="34" charset="-122"/>
-              <a:cs typeface="+mn-ea"/>
+            <a:endParaRPr lang="zh-CN" altLang="en-US" sz="2800" b="1" dirty="0">
+              <a:latin typeface="Microsoft JhengHei" charset="-120"/>
+              <a:ea typeface="Microsoft JhengHei" charset="-120"/>
+              <a:cs typeface="Microsoft JhengHei" charset="-120"/>
               <a:sym typeface="+mn-lt"/>
             </a:endParaRPr>
           </a:p>
@@ -15737,8 +16776,8 @@
           </p:nvSpPr>
           <p:spPr>
             <a:xfrm>
-              <a:off x="4851109" y="2925223"/>
-              <a:ext cx="2464137" cy="646331"/>
+              <a:off x="4900798" y="3140322"/>
+              <a:ext cx="2364751" cy="646331"/>
             </a:xfrm>
             <a:prstGeom prst="rect">
               <a:avLst/>
@@ -15753,15 +16792,17 @@
             <a:p>
               <a:pPr algn="ctr"/>
               <a:r>
-                <a:rPr lang="en-US" altLang="zh-CN" sz="3600" dirty="0" smtClean="0">
-                  <a:latin typeface="思源黑体 CN Heavy" panose="020B0A00000000000000" pitchFamily="34" charset="-122"/>
-                  <a:ea typeface="思源黑体 CN Heavy" panose="020B0A00000000000000" pitchFamily="34" charset="-122"/>
+                <a:rPr lang="en-US" altLang="zh-CN" sz="3600" b="1" dirty="0" smtClean="0">
+                  <a:latin typeface="Microsoft JhengHei" charset="-120"/>
+                  <a:ea typeface="Microsoft JhengHei" charset="-120"/>
+                  <a:cs typeface="Microsoft JhengHei" charset="-120"/>
                 </a:rPr>
                 <a:t>Workflow</a:t>
               </a:r>
-              <a:endParaRPr lang="zh-CN" altLang="en-US" sz="3600" dirty="0">
-                <a:latin typeface="思源黑体 CN Heavy" panose="020B0A00000000000000" pitchFamily="34" charset="-122"/>
-                <a:ea typeface="思源黑体 CN Heavy" panose="020B0A00000000000000" pitchFamily="34" charset="-122"/>
+              <a:endParaRPr lang="zh-CN" altLang="en-US" sz="3600" b="1" dirty="0">
+                <a:latin typeface="Microsoft JhengHei" charset="-120"/>
+                <a:ea typeface="Microsoft JhengHei" charset="-120"/>
+                <a:cs typeface="Microsoft JhengHei" charset="-120"/>
               </a:endParaRPr>
             </a:p>
           </p:txBody>
@@ -16360,89 +17401,53 @@
             <a:pPr defTabSz="685800"/>
             <a:r>
               <a:rPr lang="zh-TW" altLang="en-US" sz="2400" b="1" dirty="0" smtClean="0">
-                <a:solidFill>
-                  <a:schemeClr val="tx1">
-                    <a:lumMod val="75000"/>
-                    <a:lumOff val="25000"/>
-                  </a:schemeClr>
-                </a:solidFill>
-                <a:latin typeface="思源黑体 CN Bold" panose="020B0800000000000000" pitchFamily="34" charset="-122"/>
-                <a:ea typeface="思源黑体 CN Bold" panose="020B0800000000000000" pitchFamily="34" charset="-122"/>
-                <a:cs typeface="+mn-ea"/>
+                <a:latin typeface="Microsoft JhengHei" charset="-120"/>
+                <a:ea typeface="Microsoft JhengHei" charset="-120"/>
+                <a:cs typeface="Microsoft JhengHei" charset="-120"/>
                 <a:sym typeface="+mn-lt"/>
               </a:rPr>
               <a:t>利用</a:t>
             </a:r>
             <a:r>
               <a:rPr lang="en-US" altLang="zh-TW" sz="2400" b="1" dirty="0" smtClean="0">
-                <a:solidFill>
-                  <a:schemeClr val="tx1">
-                    <a:lumMod val="75000"/>
-                    <a:lumOff val="25000"/>
-                  </a:schemeClr>
-                </a:solidFill>
-                <a:latin typeface="思源黑体 CN Bold" panose="020B0800000000000000" pitchFamily="34" charset="-122"/>
-                <a:ea typeface="思源黑体 CN Bold" panose="020B0800000000000000" pitchFamily="34" charset="-122"/>
-                <a:cs typeface="+mn-ea"/>
+                <a:latin typeface="Microsoft JhengHei" charset="-120"/>
+                <a:ea typeface="Microsoft JhengHei" charset="-120"/>
+                <a:cs typeface="Microsoft JhengHei" charset="-120"/>
                 <a:sym typeface="+mn-lt"/>
               </a:rPr>
               <a:t>requests</a:t>
             </a:r>
             <a:r>
               <a:rPr lang="zh-TW" altLang="en-US" sz="2400" b="1" dirty="0" smtClean="0">
-                <a:solidFill>
-                  <a:schemeClr val="tx1">
-                    <a:lumMod val="75000"/>
-                    <a:lumOff val="25000"/>
-                  </a:schemeClr>
-                </a:solidFill>
-                <a:latin typeface="思源黑体 CN Bold" panose="020B0800000000000000" pitchFamily="34" charset="-122"/>
-                <a:ea typeface="思源黑体 CN Bold" panose="020B0800000000000000" pitchFamily="34" charset="-122"/>
-                <a:cs typeface="+mn-ea"/>
+                <a:latin typeface="Microsoft JhengHei" charset="-120"/>
+                <a:ea typeface="Microsoft JhengHei" charset="-120"/>
+                <a:cs typeface="Microsoft JhengHei" charset="-120"/>
                 <a:sym typeface="+mn-lt"/>
               </a:rPr>
               <a:t>套件下載本日比特幣最新價格的</a:t>
             </a:r>
             <a:r>
               <a:rPr lang="en-US" altLang="zh-TW" sz="2400" b="1" dirty="0" smtClean="0">
-                <a:solidFill>
-                  <a:schemeClr val="tx1">
-                    <a:lumMod val="75000"/>
-                    <a:lumOff val="25000"/>
-                  </a:schemeClr>
-                </a:solidFill>
-                <a:latin typeface="思源黑体 CN Bold" panose="020B0800000000000000" pitchFamily="34" charset="-122"/>
-                <a:ea typeface="思源黑体 CN Bold" panose="020B0800000000000000" pitchFamily="34" charset="-122"/>
-                <a:cs typeface="+mn-ea"/>
+                <a:latin typeface="Microsoft JhengHei" charset="-120"/>
+                <a:ea typeface="Microsoft JhengHei" charset="-120"/>
+                <a:cs typeface="Microsoft JhengHei" charset="-120"/>
                 <a:sym typeface="+mn-lt"/>
               </a:rPr>
               <a:t>csv</a:t>
             </a:r>
             <a:r>
               <a:rPr lang="zh-TW" altLang="en-US" sz="2400" b="1" dirty="0" smtClean="0">
-                <a:solidFill>
-                  <a:schemeClr val="tx1">
-                    <a:lumMod val="75000"/>
-                    <a:lumOff val="25000"/>
-                  </a:schemeClr>
-                </a:solidFill>
-                <a:latin typeface="思源黑体 CN Bold" panose="020B0800000000000000" pitchFamily="34" charset="-122"/>
-                <a:ea typeface="思源黑体 CN Bold" panose="020B0800000000000000" pitchFamily="34" charset="-122"/>
-                <a:cs typeface="+mn-ea"/>
+                <a:latin typeface="Microsoft JhengHei" charset="-120"/>
+                <a:ea typeface="Microsoft JhengHei" charset="-120"/>
+                <a:cs typeface="Microsoft JhengHei" charset="-120"/>
                 <a:sym typeface="+mn-lt"/>
               </a:rPr>
               <a:t>檔</a:t>
             </a:r>
             <a:endParaRPr lang="zh-CN" altLang="en-US" sz="2400" b="1" dirty="0">
-              <a:solidFill>
-                <a:schemeClr val="tx1">
-                  <a:lumMod val="75000"/>
-                  <a:lumOff val="25000"/>
-                </a:schemeClr>
-              </a:solidFill>
-              <a:latin typeface="思源黑体 CN Bold" panose="020B0800000000000000" pitchFamily="34" charset="-122"/>
-              <a:ea typeface="思源黑体 CN Bold" panose="020B0800000000000000" pitchFamily="34" charset="-122"/>
-              <a:cs typeface="+mn-ea"/>
+              <a:latin typeface="Microsoft JhengHei" charset="-120"/>
+              <a:ea typeface="Microsoft JhengHei" charset="-120"/>
+              <a:cs typeface="Microsoft JhengHei" charset="-120"/>
               <a:sym typeface="+mn-lt"/>
             </a:endParaRPr>
           </a:p>
@@ -16518,59 +17523,35 @@
             <a:pPr defTabSz="685800"/>
             <a:r>
               <a:rPr lang="zh-TW" altLang="en-US" sz="2400" b="1" dirty="0" smtClean="0">
-                <a:solidFill>
-                  <a:schemeClr val="tx1">
-                    <a:lumMod val="75000"/>
-                    <a:lumOff val="25000"/>
-                  </a:schemeClr>
-                </a:solidFill>
-                <a:latin typeface="思源黑体 CN Bold" panose="020B0800000000000000" pitchFamily="34" charset="-122"/>
-                <a:ea typeface="思源黑体 CN Bold" panose="020B0800000000000000" pitchFamily="34" charset="-122"/>
-                <a:cs typeface="+mn-ea"/>
+                <a:latin typeface="Microsoft JhengHei" charset="-120"/>
+                <a:ea typeface="Microsoft JhengHei" charset="-120"/>
+                <a:cs typeface="Microsoft JhengHei" charset="-120"/>
                 <a:sym typeface="+mn-lt"/>
               </a:rPr>
               <a:t>以</a:t>
             </a:r>
             <a:r>
               <a:rPr lang="en-US" altLang="zh-TW" sz="2400" b="1" dirty="0" smtClean="0">
-                <a:solidFill>
-                  <a:schemeClr val="tx1">
-                    <a:lumMod val="75000"/>
-                    <a:lumOff val="25000"/>
-                  </a:schemeClr>
-                </a:solidFill>
-                <a:latin typeface="思源黑体 CN Bold" panose="020B0800000000000000" pitchFamily="34" charset="-122"/>
-                <a:ea typeface="思源黑体 CN Bold" panose="020B0800000000000000" pitchFamily="34" charset="-122"/>
-                <a:cs typeface="+mn-ea"/>
+                <a:latin typeface="Microsoft JhengHei" charset="-120"/>
+                <a:ea typeface="Microsoft JhengHei" charset="-120"/>
+                <a:cs typeface="Microsoft JhengHei" charset="-120"/>
                 <a:sym typeface="+mn-lt"/>
               </a:rPr>
               <a:t>Pandas</a:t>
             </a:r>
             <a:r>
               <a:rPr lang="zh-TW" altLang="en-US" sz="2400" b="1" dirty="0" smtClean="0">
-                <a:solidFill>
-                  <a:schemeClr val="tx1">
-                    <a:lumMod val="75000"/>
-                    <a:lumOff val="25000"/>
-                  </a:schemeClr>
-                </a:solidFill>
-                <a:latin typeface="思源黑体 CN Bold" panose="020B0800000000000000" pitchFamily="34" charset="-122"/>
-                <a:ea typeface="思源黑体 CN Bold" panose="020B0800000000000000" pitchFamily="34" charset="-122"/>
-                <a:cs typeface="+mn-ea"/>
+                <a:latin typeface="Microsoft JhengHei" charset="-120"/>
+                <a:ea typeface="Microsoft JhengHei" charset="-120"/>
+                <a:cs typeface="Microsoft JhengHei" charset="-120"/>
                 <a:sym typeface="+mn-lt"/>
               </a:rPr>
               <a:t>套件進行資料前處理</a:t>
             </a:r>
             <a:endParaRPr lang="zh-CN" altLang="en-US" sz="2400" b="1" dirty="0">
-              <a:solidFill>
-                <a:schemeClr val="tx1">
-                  <a:lumMod val="75000"/>
-                  <a:lumOff val="25000"/>
-                </a:schemeClr>
-              </a:solidFill>
-              <a:latin typeface="思源黑体 CN Bold" panose="020B0800000000000000" pitchFamily="34" charset="-122"/>
-              <a:ea typeface="思源黑体 CN Bold" panose="020B0800000000000000" pitchFamily="34" charset="-122"/>
-              <a:cs typeface="+mn-ea"/>
+              <a:latin typeface="Microsoft JhengHei" charset="-120"/>
+              <a:ea typeface="Microsoft JhengHei" charset="-120"/>
+              <a:cs typeface="Microsoft JhengHei" charset="-120"/>
               <a:sym typeface="+mn-lt"/>
             </a:endParaRPr>
           </a:p>
@@ -16605,59 +17586,35 @@
             <a:pPr defTabSz="685800"/>
             <a:r>
               <a:rPr lang="zh-TW" altLang="en-US" sz="2400" b="1" dirty="0" smtClean="0">
-                <a:solidFill>
-                  <a:schemeClr val="tx1">
-                    <a:lumMod val="75000"/>
-                    <a:lumOff val="25000"/>
-                  </a:schemeClr>
-                </a:solidFill>
-                <a:latin typeface="思源黑体 CN Bold" panose="020B0800000000000000" pitchFamily="34" charset="-122"/>
-                <a:ea typeface="思源黑体 CN Bold" panose="020B0800000000000000" pitchFamily="34" charset="-122"/>
-                <a:cs typeface="+mn-ea"/>
+                <a:latin typeface="Microsoft JhengHei" charset="-120"/>
+                <a:ea typeface="Microsoft JhengHei" charset="-120"/>
+                <a:cs typeface="Microsoft JhengHei" charset="-120"/>
                 <a:sym typeface="+mn-lt"/>
               </a:rPr>
               <a:t>以</a:t>
             </a:r>
             <a:r>
               <a:rPr lang="en-US" altLang="zh-TW" sz="2400" b="1" dirty="0" err="1" smtClean="0">
-                <a:solidFill>
-                  <a:schemeClr val="tx1">
-                    <a:lumMod val="75000"/>
-                    <a:lumOff val="25000"/>
-                  </a:schemeClr>
-                </a:solidFill>
-                <a:latin typeface="思源黑体 CN Bold" panose="020B0800000000000000" pitchFamily="34" charset="-122"/>
-                <a:ea typeface="思源黑体 CN Bold" panose="020B0800000000000000" pitchFamily="34" charset="-122"/>
-                <a:cs typeface="+mn-ea"/>
+                <a:latin typeface="Microsoft JhengHei" charset="-120"/>
+                <a:ea typeface="Microsoft JhengHei" charset="-120"/>
+                <a:cs typeface="Microsoft JhengHei" charset="-120"/>
                 <a:sym typeface="+mn-lt"/>
               </a:rPr>
               <a:t>Matplotlib</a:t>
             </a:r>
             <a:r>
               <a:rPr lang="zh-TW" altLang="en-US" sz="2400" b="1" dirty="0" smtClean="0">
-                <a:solidFill>
-                  <a:schemeClr val="tx1">
-                    <a:lumMod val="75000"/>
-                    <a:lumOff val="25000"/>
-                  </a:schemeClr>
-                </a:solidFill>
-                <a:latin typeface="思源黑体 CN Bold" panose="020B0800000000000000" pitchFamily="34" charset="-122"/>
-                <a:ea typeface="思源黑体 CN Bold" panose="020B0800000000000000" pitchFamily="34" charset="-122"/>
-                <a:cs typeface="+mn-ea"/>
+                <a:latin typeface="Microsoft JhengHei" charset="-120"/>
+                <a:ea typeface="Microsoft JhengHei" charset="-120"/>
+                <a:cs typeface="Microsoft JhengHei" charset="-120"/>
                 <a:sym typeface="+mn-lt"/>
               </a:rPr>
               <a:t>套件進行資料視覺化</a:t>
             </a:r>
             <a:endParaRPr lang="zh-CN" altLang="en-US" sz="2400" b="1" dirty="0">
-              <a:solidFill>
-                <a:schemeClr val="tx1">
-                  <a:lumMod val="75000"/>
-                  <a:lumOff val="25000"/>
-                </a:schemeClr>
-              </a:solidFill>
-              <a:latin typeface="思源黑体 CN Bold" panose="020B0800000000000000" pitchFamily="34" charset="-122"/>
-              <a:ea typeface="思源黑体 CN Bold" panose="020B0800000000000000" pitchFamily="34" charset="-122"/>
-              <a:cs typeface="+mn-ea"/>
+              <a:latin typeface="Microsoft JhengHei" charset="-120"/>
+              <a:ea typeface="Microsoft JhengHei" charset="-120"/>
+              <a:cs typeface="Microsoft JhengHei" charset="-120"/>
               <a:sym typeface="+mn-lt"/>
             </a:endParaRPr>
           </a:p>
@@ -16692,104 +17649,62 @@
             <a:pPr defTabSz="685800"/>
             <a:r>
               <a:rPr lang="zh-TW" altLang="en-US" sz="2400" b="1" dirty="0" smtClean="0">
-                <a:solidFill>
-                  <a:schemeClr val="tx1">
-                    <a:lumMod val="75000"/>
-                    <a:lumOff val="25000"/>
-                  </a:schemeClr>
-                </a:solidFill>
-                <a:latin typeface="思源黑体 CN Bold" panose="020B0800000000000000" pitchFamily="34" charset="-122"/>
-                <a:ea typeface="思源黑体 CN Bold" panose="020B0800000000000000" pitchFamily="34" charset="-122"/>
-                <a:cs typeface="+mn-ea"/>
+                <a:latin typeface="Microsoft JhengHei" charset="-120"/>
+                <a:ea typeface="Microsoft JhengHei" charset="-120"/>
+                <a:cs typeface="Microsoft JhengHei" charset="-120"/>
                 <a:sym typeface="+mn-lt"/>
               </a:rPr>
               <a:t>計算 </a:t>
             </a:r>
             <a:r>
               <a:rPr lang="en-US" altLang="zh-TW" sz="2400" b="1" dirty="0" smtClean="0">
-                <a:solidFill>
-                  <a:schemeClr val="tx1">
-                    <a:lumMod val="75000"/>
-                    <a:lumOff val="25000"/>
-                  </a:schemeClr>
-                </a:solidFill>
-                <a:latin typeface="思源黑体 CN Bold" panose="020B0800000000000000" pitchFamily="34" charset="-122"/>
-                <a:ea typeface="思源黑体 CN Bold" panose="020B0800000000000000" pitchFamily="34" charset="-122"/>
-                <a:cs typeface="+mn-ea"/>
+                <a:latin typeface="Microsoft JhengHei" charset="-120"/>
+                <a:ea typeface="Microsoft JhengHei" charset="-120"/>
+                <a:cs typeface="Microsoft JhengHei" charset="-120"/>
                 <a:sym typeface="+mn-lt"/>
               </a:rPr>
               <a:t>MA, EMA,</a:t>
             </a:r>
             <a:r>
               <a:rPr lang="zh-TW" altLang="en-US" sz="2400" b="1" dirty="0" smtClean="0">
-                <a:solidFill>
-                  <a:schemeClr val="tx1">
-                    <a:lumMod val="75000"/>
-                    <a:lumOff val="25000"/>
-                  </a:schemeClr>
-                </a:solidFill>
-                <a:latin typeface="思源黑体 CN Bold" panose="020B0800000000000000" pitchFamily="34" charset="-122"/>
-                <a:ea typeface="思源黑体 CN Bold" panose="020B0800000000000000" pitchFamily="34" charset="-122"/>
-                <a:cs typeface="+mn-ea"/>
+                <a:latin typeface="Microsoft JhengHei" charset="-120"/>
+                <a:ea typeface="Microsoft JhengHei" charset="-120"/>
+                <a:cs typeface="Microsoft JhengHei" charset="-120"/>
                 <a:sym typeface="+mn-lt"/>
               </a:rPr>
               <a:t> </a:t>
             </a:r>
             <a:r>
               <a:rPr lang="en-US" altLang="zh-TW" sz="2400" b="1" dirty="0" smtClean="0">
-                <a:solidFill>
-                  <a:schemeClr val="tx1">
-                    <a:lumMod val="75000"/>
-                    <a:lumOff val="25000"/>
-                  </a:schemeClr>
-                </a:solidFill>
-                <a:latin typeface="思源黑体 CN Bold" panose="020B0800000000000000" pitchFamily="34" charset="-122"/>
-                <a:ea typeface="思源黑体 CN Bold" panose="020B0800000000000000" pitchFamily="34" charset="-122"/>
-                <a:cs typeface="+mn-ea"/>
+                <a:latin typeface="Microsoft JhengHei" charset="-120"/>
+                <a:ea typeface="Microsoft JhengHei" charset="-120"/>
+                <a:cs typeface="Microsoft JhengHei" charset="-120"/>
                 <a:sym typeface="+mn-lt"/>
               </a:rPr>
               <a:t>MACD, </a:t>
             </a:r>
             <a:r>
               <a:rPr lang="en-US" altLang="zh-TW" sz="2400" b="1" dirty="0" err="1" smtClean="0">
-                <a:solidFill>
-                  <a:schemeClr val="tx1">
-                    <a:lumMod val="75000"/>
-                    <a:lumOff val="25000"/>
-                  </a:schemeClr>
-                </a:solidFill>
-                <a:latin typeface="思源黑体 CN Bold" panose="020B0800000000000000" pitchFamily="34" charset="-122"/>
-                <a:ea typeface="思源黑体 CN Bold" panose="020B0800000000000000" pitchFamily="34" charset="-122"/>
-                <a:cs typeface="+mn-ea"/>
+                <a:latin typeface="Microsoft JhengHei" charset="-120"/>
+                <a:ea typeface="Microsoft JhengHei" charset="-120"/>
+                <a:cs typeface="Microsoft JhengHei" charset="-120"/>
                 <a:sym typeface="+mn-lt"/>
               </a:rPr>
               <a:t>Bollienger</a:t>
             </a:r>
             <a:r>
               <a:rPr lang="en-US" altLang="zh-TW" sz="2400" b="1" dirty="0" smtClean="0">
-                <a:solidFill>
-                  <a:schemeClr val="tx1">
-                    <a:lumMod val="75000"/>
-                    <a:lumOff val="25000"/>
-                  </a:schemeClr>
-                </a:solidFill>
-                <a:latin typeface="思源黑体 CN Bold" panose="020B0800000000000000" pitchFamily="34" charset="-122"/>
-                <a:ea typeface="思源黑体 CN Bold" panose="020B0800000000000000" pitchFamily="34" charset="-122"/>
-                <a:cs typeface="+mn-ea"/>
+                <a:latin typeface="Microsoft JhengHei" charset="-120"/>
+                <a:ea typeface="Microsoft JhengHei" charset="-120"/>
+                <a:cs typeface="Microsoft JhengHei" charset="-120"/>
                 <a:sym typeface="+mn-lt"/>
               </a:rPr>
               <a:t> Bands </a:t>
             </a:r>
             <a:endParaRPr lang="zh-CN" altLang="en-US" sz="2400" b="1" dirty="0">
-              <a:solidFill>
-                <a:schemeClr val="tx1">
-                  <a:lumMod val="75000"/>
-                  <a:lumOff val="25000"/>
-                </a:schemeClr>
-              </a:solidFill>
-              <a:latin typeface="思源黑体 CN Bold" panose="020B0800000000000000" pitchFamily="34" charset="-122"/>
-              <a:ea typeface="思源黑体 CN Bold" panose="020B0800000000000000" pitchFamily="34" charset="-122"/>
-              <a:cs typeface="+mn-ea"/>
+              <a:latin typeface="Microsoft JhengHei" charset="-120"/>
+              <a:ea typeface="Microsoft JhengHei" charset="-120"/>
+              <a:cs typeface="Microsoft JhengHei" charset="-120"/>
               <a:sym typeface="+mn-lt"/>
             </a:endParaRPr>
           </a:p>
@@ -16824,89 +17739,53 @@
             <a:pPr defTabSz="685800"/>
             <a:r>
               <a:rPr lang="zh-TW" altLang="en-US" sz="2400" b="1" dirty="0" smtClean="0">
-                <a:solidFill>
-                  <a:schemeClr val="tx1">
-                    <a:lumMod val="75000"/>
-                    <a:lumOff val="25000"/>
-                  </a:schemeClr>
-                </a:solidFill>
-                <a:latin typeface="思源黑体 CN Bold" panose="020B0800000000000000" pitchFamily="34" charset="-122"/>
-                <a:ea typeface="思源黑体 CN Bold" panose="020B0800000000000000" pitchFamily="34" charset="-122"/>
-                <a:cs typeface="+mn-ea"/>
+                <a:latin typeface="Microsoft JhengHei" charset="-120"/>
+                <a:ea typeface="Microsoft JhengHei" charset="-120"/>
+                <a:cs typeface="Microsoft JhengHei" charset="-120"/>
                 <a:sym typeface="+mn-lt"/>
               </a:rPr>
               <a:t>使用</a:t>
             </a:r>
             <a:r>
               <a:rPr lang="en-US" altLang="zh-TW" sz="2400" b="1" dirty="0" err="1" smtClean="0">
-                <a:solidFill>
-                  <a:schemeClr val="tx1">
-                    <a:lumMod val="75000"/>
-                    <a:lumOff val="25000"/>
-                  </a:schemeClr>
-                </a:solidFill>
-                <a:latin typeface="思源黑体 CN Bold" panose="020B0800000000000000" pitchFamily="34" charset="-122"/>
-                <a:ea typeface="思源黑体 CN Bold" panose="020B0800000000000000" pitchFamily="34" charset="-122"/>
-                <a:cs typeface="+mn-ea"/>
+                <a:latin typeface="Microsoft JhengHei" charset="-120"/>
+                <a:ea typeface="Microsoft JhengHei" charset="-120"/>
+                <a:cs typeface="Microsoft JhengHei" charset="-120"/>
                 <a:sym typeface="+mn-lt"/>
               </a:rPr>
               <a:t>smtplib</a:t>
             </a:r>
             <a:r>
               <a:rPr lang="zh-TW" altLang="en-US" sz="2400" b="1" dirty="0" smtClean="0">
-                <a:solidFill>
-                  <a:schemeClr val="tx1">
-                    <a:lumMod val="75000"/>
-                    <a:lumOff val="25000"/>
-                  </a:schemeClr>
-                </a:solidFill>
-                <a:latin typeface="思源黑体 CN Bold" panose="020B0800000000000000" pitchFamily="34" charset="-122"/>
-                <a:ea typeface="思源黑体 CN Bold" panose="020B0800000000000000" pitchFamily="34" charset="-122"/>
-                <a:cs typeface="+mn-ea"/>
+                <a:latin typeface="Microsoft JhengHei" charset="-120"/>
+                <a:ea typeface="Microsoft JhengHei" charset="-120"/>
+                <a:cs typeface="Microsoft JhengHei" charset="-120"/>
                 <a:sym typeface="+mn-lt"/>
               </a:rPr>
               <a:t>套件自動發送</a:t>
             </a:r>
             <a:r>
               <a:rPr lang="en-US" altLang="zh-TW" sz="2400" b="1" dirty="0" smtClean="0">
-                <a:solidFill>
-                  <a:schemeClr val="tx1">
-                    <a:lumMod val="75000"/>
-                    <a:lumOff val="25000"/>
-                  </a:schemeClr>
-                </a:solidFill>
-                <a:latin typeface="思源黑体 CN Bold" panose="020B0800000000000000" pitchFamily="34" charset="-122"/>
-                <a:ea typeface="思源黑体 CN Bold" panose="020B0800000000000000" pitchFamily="34" charset="-122"/>
-                <a:cs typeface="+mn-ea"/>
+                <a:latin typeface="Microsoft JhengHei" charset="-120"/>
+                <a:ea typeface="Microsoft JhengHei" charset="-120"/>
+                <a:cs typeface="Microsoft JhengHei" charset="-120"/>
                 <a:sym typeface="+mn-lt"/>
               </a:rPr>
               <a:t>email</a:t>
             </a:r>
             <a:r>
               <a:rPr lang="zh-TW" altLang="en-US" sz="2400" b="1" dirty="0" smtClean="0">
-                <a:solidFill>
-                  <a:schemeClr val="tx1">
-                    <a:lumMod val="75000"/>
-                    <a:lumOff val="25000"/>
-                  </a:schemeClr>
-                </a:solidFill>
-                <a:latin typeface="思源黑体 CN Bold" panose="020B0800000000000000" pitchFamily="34" charset="-122"/>
-                <a:ea typeface="思源黑体 CN Bold" panose="020B0800000000000000" pitchFamily="34" charset="-122"/>
-                <a:cs typeface="+mn-ea"/>
+                <a:latin typeface="Microsoft JhengHei" charset="-120"/>
+                <a:ea typeface="Microsoft JhengHei" charset="-120"/>
+                <a:cs typeface="Microsoft JhengHei" charset="-120"/>
                 <a:sym typeface="+mn-lt"/>
               </a:rPr>
               <a:t>通知本日價格及策略</a:t>
             </a:r>
             <a:endParaRPr lang="zh-CN" altLang="en-US" sz="2400" b="1" dirty="0">
-              <a:solidFill>
-                <a:schemeClr val="tx1">
-                  <a:lumMod val="75000"/>
-                  <a:lumOff val="25000"/>
-                </a:schemeClr>
-              </a:solidFill>
-              <a:latin typeface="思源黑体 CN Bold" panose="020B0800000000000000" pitchFamily="34" charset="-122"/>
-              <a:ea typeface="思源黑体 CN Bold" panose="020B0800000000000000" pitchFamily="34" charset="-122"/>
-              <a:cs typeface="+mn-ea"/>
+              <a:latin typeface="Microsoft JhengHei" charset="-120"/>
+              <a:ea typeface="Microsoft JhengHei" charset="-120"/>
+              <a:cs typeface="Microsoft JhengHei" charset="-120"/>
               <a:sym typeface="+mn-lt"/>
             </a:endParaRPr>
           </a:p>
@@ -17020,15 +17899,17 @@
             <a:p>
               <a:pPr algn="ctr"/>
               <a:r>
-                <a:rPr lang="zh-TW" altLang="en-US" sz="3600" dirty="0" smtClean="0">
-                  <a:latin typeface="思源黑体 CN Heavy" panose="020B0A00000000000000" pitchFamily="34" charset="-122"/>
-                  <a:ea typeface="思源黑体 CN Heavy" panose="020B0A00000000000000" pitchFamily="34" charset="-122"/>
+                <a:rPr lang="zh-TW" altLang="en-US" sz="3600" b="1" dirty="0" smtClean="0">
+                  <a:latin typeface="Microsoft JhengHei" charset="-120"/>
+                  <a:ea typeface="Microsoft JhengHei" charset="-120"/>
+                  <a:cs typeface="Microsoft JhengHei" charset="-120"/>
                 </a:rPr>
                 <a:t>技術分析指標</a:t>
               </a:r>
-              <a:endParaRPr lang="zh-CN" altLang="en-US" sz="3600" dirty="0">
-                <a:latin typeface="思源黑体 CN Heavy" panose="020B0A00000000000000" pitchFamily="34" charset="-122"/>
-                <a:ea typeface="思源黑体 CN Heavy" panose="020B0A00000000000000" pitchFamily="34" charset="-122"/>
+              <a:endParaRPr lang="zh-CN" altLang="en-US" sz="3600" b="1" dirty="0">
+                <a:latin typeface="Microsoft JhengHei" charset="-120"/>
+                <a:ea typeface="Microsoft JhengHei" charset="-120"/>
+                <a:cs typeface="Microsoft JhengHei" charset="-120"/>
               </a:endParaRPr>
             </a:p>
           </p:txBody>
@@ -17554,599 +18435,62 @@
       </p:grpSpPr>
       <p:sp>
         <p:nvSpPr>
-          <p:cNvPr id="4" name="TextBox 1956"/>
-          <p:cNvSpPr/>
-          <p:nvPr/>
-        </p:nvSpPr>
+          <p:cNvPr id="2" name="標題 1"/>
+          <p:cNvSpPr>
+            <a:spLocks noGrp="1"/>
+          </p:cNvSpPr>
+          <p:nvPr>
+            <p:ph type="title"/>
+          </p:nvPr>
+        </p:nvSpPr>
+        <p:spPr/>
+        <p:txBody>
+          <a:bodyPr/>
+          <a:lstStyle/>
+          <a:p>
+            <a:endParaRPr kumimoji="1" lang="zh-TW" altLang="en-US"/>
+          </a:p>
+        </p:txBody>
+      </p:sp>
+      <p:pic>
+        <p:nvPicPr>
+          <p:cNvPr id="4" name="內容版面配置區 3"/>
+          <p:cNvPicPr>
+            <a:picLocks noGrp="1" noChangeAspect="1"/>
+          </p:cNvPicPr>
+          <p:nvPr>
+            <p:ph idx="1"/>
+          </p:nvPr>
+        </p:nvPicPr>
+        <p:blipFill>
+          <a:blip r:embed="rId2">
+            <a:extLst>
+              <a:ext uri="{28A0092B-C50C-407E-A947-70E740481C1C}">
+                <a14:useLocalDpi xmlns:a14="http://schemas.microsoft.com/office/drawing/2010/main" val="0"/>
+              </a:ext>
+            </a:extLst>
+          </a:blip>
+          <a:stretch>
+            <a:fillRect/>
+          </a:stretch>
+        </p:blipFill>
         <p:spPr>
           <a:xfrm>
-            <a:off x="937444" y="705711"/>
-            <a:ext cx="7076024" cy="461665"/>
+            <a:off x="1659228" y="0"/>
+            <a:ext cx="8873544" cy="6904118"/>
           </a:xfrm>
-          <a:prstGeom prst="rect">
-            <a:avLst/>
-          </a:prstGeom>
-          <a:noFill/>
-          <a:ln w="9525">
-            <a:noFill/>
-            <a:miter/>
-          </a:ln>
         </p:spPr>
-        <p:txBody>
-          <a:bodyPr wrap="square">
-            <a:spAutoFit/>
-          </a:bodyPr>
-          <a:lstStyle/>
-          <a:p>
-            <a:pPr defTabSz="685800"/>
-            <a:r>
-              <a:rPr lang="zh-TW" altLang="en-US" sz="2400" b="1" dirty="0" smtClean="0">
-                <a:solidFill>
-                  <a:schemeClr val="tx1">
-                    <a:lumMod val="75000"/>
-                    <a:lumOff val="25000"/>
-                  </a:schemeClr>
-                </a:solidFill>
-                <a:latin typeface="思源黑体 CN Bold" panose="020B0800000000000000" pitchFamily="34" charset="-122"/>
-                <a:ea typeface="思源黑体 CN Bold" panose="020B0800000000000000" pitchFamily="34" charset="-122"/>
-                <a:cs typeface="+mn-ea"/>
-                <a:sym typeface="+mn-lt"/>
-              </a:rPr>
-              <a:t>均線理論 </a:t>
-            </a:r>
-            <a:r>
-              <a:rPr lang="en-US" altLang="zh-TW" sz="2400" b="1" dirty="0" smtClean="0">
-                <a:solidFill>
-                  <a:schemeClr val="tx1">
-                    <a:lumMod val="75000"/>
-                    <a:lumOff val="25000"/>
-                  </a:schemeClr>
-                </a:solidFill>
-                <a:latin typeface="思源黑体 CN Bold" panose="020B0800000000000000" pitchFamily="34" charset="-122"/>
-                <a:ea typeface="思源黑体 CN Bold" panose="020B0800000000000000" pitchFamily="34" charset="-122"/>
-                <a:cs typeface="+mn-ea"/>
-                <a:sym typeface="+mn-lt"/>
-              </a:rPr>
-              <a:t>Moving Average</a:t>
-            </a:r>
-            <a:endParaRPr lang="zh-CN" altLang="en-US" sz="2400" b="1" dirty="0">
-              <a:solidFill>
-                <a:schemeClr val="tx1">
-                  <a:lumMod val="75000"/>
-                  <a:lumOff val="25000"/>
-                </a:schemeClr>
-              </a:solidFill>
-              <a:latin typeface="思源黑体 CN Bold" panose="020B0800000000000000" pitchFamily="34" charset="-122"/>
-              <a:ea typeface="思源黑体 CN Bold" panose="020B0800000000000000" pitchFamily="34" charset="-122"/>
-              <a:cs typeface="+mn-ea"/>
-              <a:sym typeface="+mn-lt"/>
-            </a:endParaRPr>
-          </a:p>
-        </p:txBody>
-      </p:sp>
-      <p:sp>
-        <p:nvSpPr>
-          <p:cNvPr id="8" name="TextBox 1956"/>
-          <p:cNvSpPr/>
-          <p:nvPr/>
-        </p:nvSpPr>
-        <p:spPr>
-          <a:xfrm>
-            <a:off x="1619090" y="1740505"/>
-            <a:ext cx="8996264" cy="1200329"/>
-          </a:xfrm>
-          <a:prstGeom prst="rect">
-            <a:avLst/>
-          </a:prstGeom>
-          <a:noFill/>
-          <a:ln w="9525">
-            <a:noFill/>
-            <a:miter/>
-          </a:ln>
-        </p:spPr>
-        <p:txBody>
-          <a:bodyPr wrap="square">
-            <a:spAutoFit/>
-          </a:bodyPr>
-          <a:lstStyle/>
-          <a:p>
-            <a:pPr lvl="0" defTabSz="685800"/>
-            <a:r>
-              <a:rPr lang="en-US" altLang="zh-TW" sz="2400" b="1" dirty="0" smtClean="0">
-                <a:solidFill>
-                  <a:schemeClr val="tx1">
-                    <a:lumMod val="75000"/>
-                    <a:lumOff val="25000"/>
-                  </a:schemeClr>
-                </a:solidFill>
-                <a:latin typeface="微軟正黑體" panose="020B0604030504040204" pitchFamily="34" charset="-120"/>
-                <a:ea typeface="微軟正黑體" panose="020B0604030504040204" pitchFamily="34" charset="-120"/>
-              </a:rPr>
-              <a:t>N</a:t>
-            </a:r>
-            <a:r>
-              <a:rPr lang="zh-TW" altLang="en-US" sz="2400" b="1" dirty="0" smtClean="0">
-                <a:solidFill>
-                  <a:schemeClr val="tx1">
-                    <a:lumMod val="75000"/>
-                    <a:lumOff val="25000"/>
-                  </a:schemeClr>
-                </a:solidFill>
-                <a:latin typeface="微軟正黑體" panose="020B0604030504040204" pitchFamily="34" charset="-120"/>
-                <a:ea typeface="微軟正黑體" panose="020B0604030504040204" pitchFamily="34" charset="-120"/>
-              </a:rPr>
-              <a:t>日均線</a:t>
-            </a:r>
-            <a:r>
-              <a:rPr lang="en-US" altLang="zh-TW" sz="2400" b="1" dirty="0" smtClean="0">
-                <a:solidFill>
-                  <a:schemeClr val="tx1">
-                    <a:lumMod val="75000"/>
-                    <a:lumOff val="25000"/>
-                  </a:schemeClr>
-                </a:solidFill>
-                <a:latin typeface="微軟正黑體" panose="020B0604030504040204" pitchFamily="34" charset="-120"/>
-                <a:ea typeface="微軟正黑體" panose="020B0604030504040204" pitchFamily="34" charset="-120"/>
-              </a:rPr>
-              <a:t>:</a:t>
-            </a:r>
-          </a:p>
-          <a:p>
-            <a:pPr lvl="0" defTabSz="685800"/>
-            <a:r>
-              <a:rPr lang="zh-TW" altLang="en-US" sz="2400" b="1" dirty="0" smtClean="0">
-                <a:solidFill>
-                  <a:schemeClr val="tx1">
-                    <a:lumMod val="75000"/>
-                    <a:lumOff val="25000"/>
-                  </a:schemeClr>
-                </a:solidFill>
-                <a:latin typeface="微軟正黑體" panose="020B0604030504040204" pitchFamily="34" charset="-120"/>
-                <a:ea typeface="微軟正黑體" panose="020B0604030504040204" pitchFamily="34" charset="-120"/>
-              </a:rPr>
-              <a:t>過去</a:t>
-            </a:r>
-            <a:r>
-              <a:rPr lang="en-US" altLang="zh-TW" sz="2400" b="1" dirty="0" smtClean="0">
-                <a:solidFill>
-                  <a:schemeClr val="tx1">
-                    <a:lumMod val="75000"/>
-                    <a:lumOff val="25000"/>
-                  </a:schemeClr>
-                </a:solidFill>
-                <a:latin typeface="微軟正黑體" panose="020B0604030504040204" pitchFamily="34" charset="-120"/>
-                <a:ea typeface="微軟正黑體" panose="020B0604030504040204" pitchFamily="34" charset="-120"/>
-              </a:rPr>
-              <a:t>N</a:t>
-            </a:r>
-            <a:r>
-              <a:rPr lang="zh-TW" altLang="en-US" sz="2400" b="1" dirty="0" smtClean="0">
-                <a:solidFill>
-                  <a:schemeClr val="tx1">
-                    <a:lumMod val="75000"/>
-                    <a:lumOff val="25000"/>
-                  </a:schemeClr>
-                </a:solidFill>
-                <a:latin typeface="微軟正黑體" panose="020B0604030504040204" pitchFamily="34" charset="-120"/>
-                <a:ea typeface="微軟正黑體" panose="020B0604030504040204" pitchFamily="34" charset="-120"/>
-              </a:rPr>
-              <a:t>日的價格平均畫成的線，可以代表過去</a:t>
-            </a:r>
-            <a:r>
-              <a:rPr lang="en-US" altLang="zh-TW" sz="2400" b="1" dirty="0" smtClean="0">
-                <a:solidFill>
-                  <a:schemeClr val="tx1">
-                    <a:lumMod val="75000"/>
-                    <a:lumOff val="25000"/>
-                  </a:schemeClr>
-                </a:solidFill>
-                <a:latin typeface="微軟正黑體" panose="020B0604030504040204" pitchFamily="34" charset="-120"/>
-                <a:ea typeface="微軟正黑體" panose="020B0604030504040204" pitchFamily="34" charset="-120"/>
-              </a:rPr>
-              <a:t>N</a:t>
-            </a:r>
-            <a:r>
-              <a:rPr lang="zh-TW" altLang="en-US" sz="2400" b="1" dirty="0" smtClean="0">
-                <a:solidFill>
-                  <a:schemeClr val="tx1">
-                    <a:lumMod val="75000"/>
-                    <a:lumOff val="25000"/>
-                  </a:schemeClr>
-                </a:solidFill>
-                <a:latin typeface="微軟正黑體" panose="020B0604030504040204" pitchFamily="34" charset="-120"/>
-                <a:ea typeface="微軟正黑體" panose="020B0604030504040204" pitchFamily="34" charset="-120"/>
-              </a:rPr>
-              <a:t>日購入者的成本</a:t>
-            </a:r>
-          </a:p>
-          <a:p>
-            <a:pPr defTabSz="685800"/>
-            <a:endParaRPr lang="zh-CN" altLang="en-US" sz="2400" b="1" dirty="0">
-              <a:solidFill>
-                <a:schemeClr val="tx1">
-                  <a:lumMod val="75000"/>
-                  <a:lumOff val="25000"/>
-                </a:schemeClr>
-              </a:solidFill>
-              <a:latin typeface="思源黑体 CN Bold" panose="020B0800000000000000" pitchFamily="34" charset="-122"/>
-              <a:ea typeface="思源黑体 CN Bold" panose="020B0800000000000000" pitchFamily="34" charset="-122"/>
-              <a:cs typeface="+mn-ea"/>
-              <a:sym typeface="+mn-lt"/>
-            </a:endParaRPr>
-          </a:p>
-        </p:txBody>
-      </p:sp>
-      <p:sp>
-        <p:nvSpPr>
-          <p:cNvPr id="9" name="TextBox 1956"/>
-          <p:cNvSpPr/>
-          <p:nvPr/>
-        </p:nvSpPr>
-        <p:spPr>
-          <a:xfrm>
-            <a:off x="1619090" y="3414134"/>
-            <a:ext cx="8996264" cy="461665"/>
-          </a:xfrm>
-          <a:prstGeom prst="rect">
-            <a:avLst/>
-          </a:prstGeom>
-          <a:noFill/>
-          <a:ln w="9525">
-            <a:noFill/>
-            <a:miter/>
-          </a:ln>
-        </p:spPr>
-        <p:txBody>
-          <a:bodyPr wrap="square">
-            <a:spAutoFit/>
-          </a:bodyPr>
-          <a:lstStyle/>
-          <a:p>
-            <a:pPr defTabSz="685800"/>
-            <a:endParaRPr lang="zh-CN" altLang="en-US" sz="2400" b="1" dirty="0">
-              <a:solidFill>
-                <a:schemeClr val="tx1">
-                  <a:lumMod val="75000"/>
-                  <a:lumOff val="25000"/>
-                </a:schemeClr>
-              </a:solidFill>
-              <a:latin typeface="思源黑体 CN Bold" panose="020B0800000000000000" pitchFamily="34" charset="-122"/>
-              <a:ea typeface="思源黑体 CN Bold" panose="020B0800000000000000" pitchFamily="34" charset="-122"/>
-              <a:cs typeface="+mn-ea"/>
-              <a:sym typeface="+mn-lt"/>
-            </a:endParaRPr>
-          </a:p>
-        </p:txBody>
-      </p:sp>
-      <p:sp>
-        <p:nvSpPr>
-          <p:cNvPr id="10" name="TextBox 1956"/>
-          <p:cNvSpPr/>
-          <p:nvPr/>
-        </p:nvSpPr>
-        <p:spPr>
-          <a:xfrm>
-            <a:off x="1619090" y="2848869"/>
-            <a:ext cx="8996264" cy="2308324"/>
-          </a:xfrm>
-          <a:prstGeom prst="rect">
-            <a:avLst/>
-          </a:prstGeom>
-          <a:noFill/>
-          <a:ln w="9525">
-            <a:noFill/>
-            <a:miter/>
-          </a:ln>
-        </p:spPr>
-        <p:txBody>
-          <a:bodyPr wrap="square">
-            <a:spAutoFit/>
-          </a:bodyPr>
-          <a:lstStyle/>
-          <a:p>
-            <a:r>
-              <a:rPr lang="zh-TW" altLang="en-US" sz="2400" b="1" dirty="0">
-                <a:solidFill>
-                  <a:schemeClr val="tx1">
-                    <a:lumMod val="75000"/>
-                    <a:lumOff val="25000"/>
-                  </a:schemeClr>
-                </a:solidFill>
-                <a:latin typeface="微軟正黑體" panose="020B0604030504040204" pitchFamily="34" charset="-120"/>
-                <a:ea typeface="微軟正黑體" panose="020B0604030504040204" pitchFamily="34" charset="-120"/>
-              </a:rPr>
-              <a:t>短期均線</a:t>
-            </a:r>
-            <a:r>
-              <a:rPr lang="en-US" altLang="zh-TW" sz="2400" b="1" dirty="0">
-                <a:solidFill>
-                  <a:schemeClr val="tx1">
-                    <a:lumMod val="75000"/>
-                    <a:lumOff val="25000"/>
-                  </a:schemeClr>
-                </a:solidFill>
-                <a:latin typeface="微軟正黑體" panose="020B0604030504040204" pitchFamily="34" charset="-120"/>
-                <a:ea typeface="微軟正黑體" panose="020B0604030504040204" pitchFamily="34" charset="-120"/>
-              </a:rPr>
-              <a:t>(5</a:t>
-            </a:r>
-            <a:r>
-              <a:rPr lang="zh-TW" altLang="en-US" sz="2400" b="1" dirty="0">
-                <a:solidFill>
-                  <a:schemeClr val="tx1">
-                    <a:lumMod val="75000"/>
-                    <a:lumOff val="25000"/>
-                  </a:schemeClr>
-                </a:solidFill>
-                <a:latin typeface="微軟正黑體" panose="020B0604030504040204" pitchFamily="34" charset="-120"/>
-                <a:ea typeface="微軟正黑體" panose="020B0604030504040204" pitchFamily="34" charset="-120"/>
-              </a:rPr>
-              <a:t>日、</a:t>
-            </a:r>
-            <a:r>
-              <a:rPr lang="en-US" altLang="zh-TW" sz="2400" b="1" dirty="0">
-                <a:solidFill>
-                  <a:schemeClr val="tx1">
-                    <a:lumMod val="75000"/>
-                    <a:lumOff val="25000"/>
-                  </a:schemeClr>
-                </a:solidFill>
-                <a:latin typeface="微軟正黑體" panose="020B0604030504040204" pitchFamily="34" charset="-120"/>
-                <a:ea typeface="微軟正黑體" panose="020B0604030504040204" pitchFamily="34" charset="-120"/>
-              </a:rPr>
-              <a:t>10</a:t>
-            </a:r>
-            <a:r>
-              <a:rPr lang="zh-TW" altLang="en-US" sz="2400" b="1" dirty="0">
-                <a:solidFill>
-                  <a:schemeClr val="tx1">
-                    <a:lumMod val="75000"/>
-                    <a:lumOff val="25000"/>
-                  </a:schemeClr>
-                </a:solidFill>
-                <a:latin typeface="微軟正黑體" panose="020B0604030504040204" pitchFamily="34" charset="-120"/>
-                <a:ea typeface="微軟正黑體" panose="020B0604030504040204" pitchFamily="34" charset="-120"/>
-              </a:rPr>
-              <a:t>日</a:t>
-            </a:r>
-            <a:r>
-              <a:rPr lang="en-US" altLang="zh-TW" sz="2400" b="1" dirty="0">
-                <a:solidFill>
-                  <a:schemeClr val="tx1">
-                    <a:lumMod val="75000"/>
-                    <a:lumOff val="25000"/>
-                  </a:schemeClr>
-                </a:solidFill>
-                <a:latin typeface="微軟正黑體" panose="020B0604030504040204" pitchFamily="34" charset="-120"/>
-                <a:ea typeface="微軟正黑體" panose="020B0604030504040204" pitchFamily="34" charset="-120"/>
-              </a:rPr>
-              <a:t>)</a:t>
-            </a:r>
-          </a:p>
-          <a:p>
-            <a:endParaRPr lang="en-US" altLang="zh-TW" sz="2400" b="1" dirty="0">
-              <a:solidFill>
-                <a:schemeClr val="tx1">
-                  <a:lumMod val="75000"/>
-                  <a:lumOff val="25000"/>
-                </a:schemeClr>
-              </a:solidFill>
-              <a:latin typeface="微軟正黑體" panose="020B0604030504040204" pitchFamily="34" charset="-120"/>
-              <a:ea typeface="微軟正黑體" panose="020B0604030504040204" pitchFamily="34" charset="-120"/>
-            </a:endParaRPr>
-          </a:p>
-          <a:p>
-            <a:r>
-              <a:rPr lang="zh-TW" altLang="en-US" sz="2400" b="1" dirty="0">
-                <a:solidFill>
-                  <a:schemeClr val="tx1">
-                    <a:lumMod val="75000"/>
-                    <a:lumOff val="25000"/>
-                  </a:schemeClr>
-                </a:solidFill>
-                <a:latin typeface="微軟正黑體" panose="020B0604030504040204" pitchFamily="34" charset="-120"/>
-                <a:ea typeface="微軟正黑體" panose="020B0604030504040204" pitchFamily="34" charset="-120"/>
-              </a:rPr>
-              <a:t>中期均線</a:t>
-            </a:r>
-            <a:r>
-              <a:rPr lang="en-US" altLang="zh-TW" sz="2400" b="1" dirty="0">
-                <a:solidFill>
-                  <a:schemeClr val="tx1">
-                    <a:lumMod val="75000"/>
-                    <a:lumOff val="25000"/>
-                  </a:schemeClr>
-                </a:solidFill>
-                <a:latin typeface="微軟正黑體" panose="020B0604030504040204" pitchFamily="34" charset="-120"/>
-                <a:ea typeface="微軟正黑體" panose="020B0604030504040204" pitchFamily="34" charset="-120"/>
-              </a:rPr>
-              <a:t>(30</a:t>
-            </a:r>
-            <a:r>
-              <a:rPr lang="zh-TW" altLang="en-US" sz="2400" b="1" dirty="0">
-                <a:solidFill>
-                  <a:schemeClr val="tx1">
-                    <a:lumMod val="75000"/>
-                    <a:lumOff val="25000"/>
-                  </a:schemeClr>
-                </a:solidFill>
-                <a:latin typeface="微軟正黑體" panose="020B0604030504040204" pitchFamily="34" charset="-120"/>
-                <a:ea typeface="微軟正黑體" panose="020B0604030504040204" pitchFamily="34" charset="-120"/>
-              </a:rPr>
-              <a:t>日、</a:t>
-            </a:r>
-            <a:r>
-              <a:rPr lang="en-US" altLang="zh-TW" sz="2400" b="1" dirty="0">
-                <a:solidFill>
-                  <a:schemeClr val="tx1">
-                    <a:lumMod val="75000"/>
-                    <a:lumOff val="25000"/>
-                  </a:schemeClr>
-                </a:solidFill>
-                <a:latin typeface="微軟正黑體" panose="020B0604030504040204" pitchFamily="34" charset="-120"/>
-                <a:ea typeface="微軟正黑體" panose="020B0604030504040204" pitchFamily="34" charset="-120"/>
-              </a:rPr>
-              <a:t>60</a:t>
-            </a:r>
-            <a:r>
-              <a:rPr lang="zh-TW" altLang="en-US" sz="2400" b="1" dirty="0">
-                <a:solidFill>
-                  <a:schemeClr val="tx1">
-                    <a:lumMod val="75000"/>
-                    <a:lumOff val="25000"/>
-                  </a:schemeClr>
-                </a:solidFill>
-                <a:latin typeface="微軟正黑體" panose="020B0604030504040204" pitchFamily="34" charset="-120"/>
-                <a:ea typeface="微軟正黑體" panose="020B0604030504040204" pitchFamily="34" charset="-120"/>
-              </a:rPr>
-              <a:t>日</a:t>
-            </a:r>
-            <a:r>
-              <a:rPr lang="en-US" altLang="zh-TW" sz="2400" b="1" dirty="0">
-                <a:solidFill>
-                  <a:schemeClr val="tx1">
-                    <a:lumMod val="75000"/>
-                    <a:lumOff val="25000"/>
-                  </a:schemeClr>
-                </a:solidFill>
-                <a:latin typeface="微軟正黑體" panose="020B0604030504040204" pitchFamily="34" charset="-120"/>
-                <a:ea typeface="微軟正黑體" panose="020B0604030504040204" pitchFamily="34" charset="-120"/>
-              </a:rPr>
-              <a:t>)</a:t>
-            </a:r>
-          </a:p>
-          <a:p>
-            <a:endParaRPr lang="en-US" altLang="zh-TW" sz="2400" b="1" dirty="0">
-              <a:solidFill>
-                <a:schemeClr val="tx1">
-                  <a:lumMod val="75000"/>
-                  <a:lumOff val="25000"/>
-                </a:schemeClr>
-              </a:solidFill>
-              <a:latin typeface="微軟正黑體" panose="020B0604030504040204" pitchFamily="34" charset="-120"/>
-              <a:ea typeface="微軟正黑體" panose="020B0604030504040204" pitchFamily="34" charset="-120"/>
-            </a:endParaRPr>
-          </a:p>
-          <a:p>
-            <a:r>
-              <a:rPr lang="zh-TW" altLang="en-US" sz="2400" b="1" dirty="0">
-                <a:solidFill>
-                  <a:schemeClr val="tx1">
-                    <a:lumMod val="75000"/>
-                    <a:lumOff val="25000"/>
-                  </a:schemeClr>
-                </a:solidFill>
-                <a:latin typeface="微軟正黑體" panose="020B0604030504040204" pitchFamily="34" charset="-120"/>
-                <a:ea typeface="微軟正黑體" panose="020B0604030504040204" pitchFamily="34" charset="-120"/>
-              </a:rPr>
-              <a:t>長期均線</a:t>
-            </a:r>
-            <a:r>
-              <a:rPr lang="en-US" altLang="zh-TW" sz="2400" b="1" dirty="0">
-                <a:solidFill>
-                  <a:schemeClr val="tx1">
-                    <a:lumMod val="75000"/>
-                    <a:lumOff val="25000"/>
-                  </a:schemeClr>
-                </a:solidFill>
-                <a:latin typeface="微軟正黑體" panose="020B0604030504040204" pitchFamily="34" charset="-120"/>
-                <a:ea typeface="微軟正黑體" panose="020B0604030504040204" pitchFamily="34" charset="-120"/>
-              </a:rPr>
-              <a:t>(90</a:t>
-            </a:r>
-            <a:r>
-              <a:rPr lang="zh-TW" altLang="en-US" sz="2400" b="1" dirty="0">
-                <a:solidFill>
-                  <a:schemeClr val="tx1">
-                    <a:lumMod val="75000"/>
-                    <a:lumOff val="25000"/>
-                  </a:schemeClr>
-                </a:solidFill>
-                <a:latin typeface="微軟正黑體" panose="020B0604030504040204" pitchFamily="34" charset="-120"/>
-                <a:ea typeface="微軟正黑體" panose="020B0604030504040204" pitchFamily="34" charset="-120"/>
-              </a:rPr>
-              <a:t>日、</a:t>
-            </a:r>
-            <a:r>
-              <a:rPr lang="en-US" altLang="zh-TW" sz="2400" b="1" dirty="0">
-                <a:solidFill>
-                  <a:schemeClr val="tx1">
-                    <a:lumMod val="75000"/>
-                    <a:lumOff val="25000"/>
-                  </a:schemeClr>
-                </a:solidFill>
-                <a:latin typeface="微軟正黑體" panose="020B0604030504040204" pitchFamily="34" charset="-120"/>
-                <a:ea typeface="微軟正黑體" panose="020B0604030504040204" pitchFamily="34" charset="-120"/>
-              </a:rPr>
-              <a:t>200</a:t>
-            </a:r>
-            <a:r>
-              <a:rPr lang="zh-TW" altLang="en-US" sz="2400" b="1" dirty="0">
-                <a:solidFill>
-                  <a:schemeClr val="tx1">
-                    <a:lumMod val="75000"/>
-                    <a:lumOff val="25000"/>
-                  </a:schemeClr>
-                </a:solidFill>
-                <a:latin typeface="微軟正黑體" panose="020B0604030504040204" pitchFamily="34" charset="-120"/>
-                <a:ea typeface="微軟正黑體" panose="020B0604030504040204" pitchFamily="34" charset="-120"/>
-              </a:rPr>
-              <a:t>日</a:t>
-            </a:r>
-            <a:r>
-              <a:rPr lang="en-US" altLang="zh-TW" sz="2400" b="1" dirty="0">
-                <a:solidFill>
-                  <a:schemeClr val="tx1">
-                    <a:lumMod val="75000"/>
-                    <a:lumOff val="25000"/>
-                  </a:schemeClr>
-                </a:solidFill>
-                <a:latin typeface="微軟正黑體" panose="020B0604030504040204" pitchFamily="34" charset="-120"/>
-                <a:ea typeface="微軟正黑體" panose="020B0604030504040204" pitchFamily="34" charset="-120"/>
-              </a:rPr>
-              <a:t>)</a:t>
-            </a:r>
-            <a:endParaRPr lang="zh-TW" altLang="en-US" sz="2400" b="1" dirty="0">
-              <a:solidFill>
-                <a:schemeClr val="tx1">
-                  <a:lumMod val="75000"/>
-                  <a:lumOff val="25000"/>
-                </a:schemeClr>
-              </a:solidFill>
-              <a:latin typeface="微軟正黑體" panose="020B0604030504040204" pitchFamily="34" charset="-120"/>
-              <a:ea typeface="微軟正黑體" panose="020B0604030504040204" pitchFamily="34" charset="-120"/>
-            </a:endParaRPr>
-          </a:p>
-          <a:p>
-            <a:pPr lvl="0" defTabSz="685800"/>
-            <a:endParaRPr lang="zh-CN" altLang="en-US" sz="2400" b="1" dirty="0">
-              <a:solidFill>
-                <a:schemeClr val="tx1">
-                  <a:lumMod val="75000"/>
-                  <a:lumOff val="25000"/>
-                </a:schemeClr>
-              </a:solidFill>
-              <a:latin typeface="思源黑体 CN Bold" panose="020B0800000000000000" pitchFamily="34" charset="-122"/>
-              <a:ea typeface="思源黑体 CN Bold" panose="020B0800000000000000" pitchFamily="34" charset="-122"/>
-              <a:cs typeface="+mn-ea"/>
-              <a:sym typeface="+mn-lt"/>
-            </a:endParaRPr>
-          </a:p>
-        </p:txBody>
-      </p:sp>
+      </p:pic>
     </p:spTree>
     <p:extLst>
       <p:ext uri="{BB962C8B-B14F-4D97-AF65-F5344CB8AC3E}">
-        <p14:creationId xmlns:p14="http://schemas.microsoft.com/office/powerpoint/2010/main" val="1937880195"/>
+        <p14:creationId xmlns:p14="http://schemas.microsoft.com/office/powerpoint/2010/main" val="1128414644"/>
       </p:ext>
     </p:extLst>
   </p:cSld>
   <p:clrMapOvr>
     <a:masterClrMapping/>
   </p:clrMapOvr>
-  <p:transition spd="slow">
-    <p:push dir="u"/>
-  </p:transition>
   <p:timing>
     <p:tnLst>
       <p:par>

--- a/政大ppt.pptx
+++ b/政大ppt.pptx
@@ -5,40 +5,41 @@
     <p:sldMasterId id="2147483648" r:id="rId1"/>
   </p:sldMasterIdLst>
   <p:notesMasterIdLst>
-    <p:notesMasterId r:id="rId28"/>
+    <p:notesMasterId r:id="rId29"/>
   </p:notesMasterIdLst>
   <p:sldIdLst>
     <p:sldId id="256" r:id="rId2"/>
-    <p:sldId id="257" r:id="rId3"/>
-    <p:sldId id="279" r:id="rId4"/>
-    <p:sldId id="285" r:id="rId5"/>
-    <p:sldId id="286" r:id="rId6"/>
-    <p:sldId id="287" r:id="rId7"/>
-    <p:sldId id="308" r:id="rId8"/>
-    <p:sldId id="288" r:id="rId9"/>
-    <p:sldId id="309" r:id="rId10"/>
-    <p:sldId id="289" r:id="rId11"/>
-    <p:sldId id="290" r:id="rId12"/>
-    <p:sldId id="291" r:id="rId13"/>
-    <p:sldId id="292" r:id="rId14"/>
-    <p:sldId id="294" r:id="rId15"/>
-    <p:sldId id="295" r:id="rId16"/>
-    <p:sldId id="296" r:id="rId17"/>
-    <p:sldId id="298" r:id="rId18"/>
-    <p:sldId id="300" r:id="rId19"/>
-    <p:sldId id="301" r:id="rId20"/>
-    <p:sldId id="304" r:id="rId21"/>
-    <p:sldId id="306" r:id="rId22"/>
-    <p:sldId id="307" r:id="rId23"/>
-    <p:sldId id="268" r:id="rId24"/>
-    <p:sldId id="311" r:id="rId25"/>
-    <p:sldId id="312" r:id="rId26"/>
-    <p:sldId id="282" r:id="rId27"/>
+    <p:sldId id="314" r:id="rId3"/>
+    <p:sldId id="257" r:id="rId4"/>
+    <p:sldId id="279" r:id="rId5"/>
+    <p:sldId id="285" r:id="rId6"/>
+    <p:sldId id="286" r:id="rId7"/>
+    <p:sldId id="287" r:id="rId8"/>
+    <p:sldId id="308" r:id="rId9"/>
+    <p:sldId id="288" r:id="rId10"/>
+    <p:sldId id="309" r:id="rId11"/>
+    <p:sldId id="289" r:id="rId12"/>
+    <p:sldId id="290" r:id="rId13"/>
+    <p:sldId id="291" r:id="rId14"/>
+    <p:sldId id="292" r:id="rId15"/>
+    <p:sldId id="294" r:id="rId16"/>
+    <p:sldId id="295" r:id="rId17"/>
+    <p:sldId id="296" r:id="rId18"/>
+    <p:sldId id="298" r:id="rId19"/>
+    <p:sldId id="300" r:id="rId20"/>
+    <p:sldId id="301" r:id="rId21"/>
+    <p:sldId id="304" r:id="rId22"/>
+    <p:sldId id="306" r:id="rId23"/>
+    <p:sldId id="307" r:id="rId24"/>
+    <p:sldId id="268" r:id="rId25"/>
+    <p:sldId id="311" r:id="rId26"/>
+    <p:sldId id="312" r:id="rId27"/>
+    <p:sldId id="282" r:id="rId28"/>
   </p:sldIdLst>
   <p:sldSz cx="12192000" cy="6858000"/>
   <p:notesSz cx="6858000" cy="9144000"/>
   <p:custDataLst>
-    <p:tags r:id="rId29"/>
+    <p:tags r:id="rId30"/>
   </p:custDataLst>
   <p:defaultTextStyle>
     <a:defPPr>
@@ -662,7 +663,7 @@
     </p:spTree>
     <p:extLst>
       <p:ext uri="{BB962C8B-B14F-4D97-AF65-F5344CB8AC3E}">
-        <p14:creationId xmlns:p14="http://schemas.microsoft.com/office/powerpoint/2010/main" val="2574771276"/>
+        <p14:creationId xmlns:p14="http://schemas.microsoft.com/office/powerpoint/2010/main" val="4183059674"/>
       </p:ext>
     </p:extLst>
   </p:cSld>
@@ -746,7 +747,7 @@
     </p:spTree>
     <p:extLst>
       <p:ext uri="{BB962C8B-B14F-4D97-AF65-F5344CB8AC3E}">
-        <p14:creationId xmlns:p14="http://schemas.microsoft.com/office/powerpoint/2010/main" val="568432240"/>
+        <p14:creationId xmlns:p14="http://schemas.microsoft.com/office/powerpoint/2010/main" val="2574771276"/>
       </p:ext>
     </p:extLst>
   </p:cSld>
@@ -830,7 +831,7 @@
     </p:spTree>
     <p:extLst>
       <p:ext uri="{BB962C8B-B14F-4D97-AF65-F5344CB8AC3E}">
-        <p14:creationId xmlns:p14="http://schemas.microsoft.com/office/powerpoint/2010/main" val="3502570911"/>
+        <p14:creationId xmlns:p14="http://schemas.microsoft.com/office/powerpoint/2010/main" val="568432240"/>
       </p:ext>
     </p:extLst>
   </p:cSld>
@@ -914,7 +915,7 @@
     </p:spTree>
     <p:extLst>
       <p:ext uri="{BB962C8B-B14F-4D97-AF65-F5344CB8AC3E}">
-        <p14:creationId xmlns:p14="http://schemas.microsoft.com/office/powerpoint/2010/main" val="548037919"/>
+        <p14:creationId xmlns:p14="http://schemas.microsoft.com/office/powerpoint/2010/main" val="3502570911"/>
       </p:ext>
     </p:extLst>
   </p:cSld>
@@ -998,7 +999,7 @@
     </p:spTree>
     <p:extLst>
       <p:ext uri="{BB962C8B-B14F-4D97-AF65-F5344CB8AC3E}">
-        <p14:creationId xmlns:p14="http://schemas.microsoft.com/office/powerpoint/2010/main" val="320986365"/>
+        <p14:creationId xmlns:p14="http://schemas.microsoft.com/office/powerpoint/2010/main" val="548037919"/>
       </p:ext>
     </p:extLst>
   </p:cSld>
@@ -1082,7 +1083,7 @@
     </p:spTree>
     <p:extLst>
       <p:ext uri="{BB962C8B-B14F-4D97-AF65-F5344CB8AC3E}">
-        <p14:creationId xmlns:p14="http://schemas.microsoft.com/office/powerpoint/2010/main" val="1846022883"/>
+        <p14:creationId xmlns:p14="http://schemas.microsoft.com/office/powerpoint/2010/main" val="320986365"/>
       </p:ext>
     </p:extLst>
   </p:cSld>
@@ -1166,7 +1167,7 @@
     </p:spTree>
     <p:extLst>
       <p:ext uri="{BB962C8B-B14F-4D97-AF65-F5344CB8AC3E}">
-        <p14:creationId xmlns:p14="http://schemas.microsoft.com/office/powerpoint/2010/main" val="2288500647"/>
+        <p14:creationId xmlns:p14="http://schemas.microsoft.com/office/powerpoint/2010/main" val="1846022883"/>
       </p:ext>
     </p:extLst>
   </p:cSld>
@@ -1250,7 +1251,7 @@
     </p:spTree>
     <p:extLst>
       <p:ext uri="{BB962C8B-B14F-4D97-AF65-F5344CB8AC3E}">
-        <p14:creationId xmlns:p14="http://schemas.microsoft.com/office/powerpoint/2010/main" val="1600088114"/>
+        <p14:creationId xmlns:p14="http://schemas.microsoft.com/office/powerpoint/2010/main" val="2288500647"/>
       </p:ext>
     </p:extLst>
   </p:cSld>
@@ -1334,7 +1335,7 @@
     </p:spTree>
     <p:extLst>
       <p:ext uri="{BB962C8B-B14F-4D97-AF65-F5344CB8AC3E}">
-        <p14:creationId xmlns:p14="http://schemas.microsoft.com/office/powerpoint/2010/main" val="3599976154"/>
+        <p14:creationId xmlns:p14="http://schemas.microsoft.com/office/powerpoint/2010/main" val="1600088114"/>
       </p:ext>
     </p:extLst>
   </p:cSld>
@@ -1409,7 +1410,7 @@
           <a:p>
             <a:fld id="{FD6B9276-3D5B-46B9-8FB9-3C5C11460D11}" type="slidenum">
               <a:rPr lang="zh-CN" altLang="en-US" smtClean="0"/>
-              <a:t>21</a:t>
+              <a:t>20</a:t>
             </a:fld>
             <a:endParaRPr lang="zh-CN" altLang="en-US"/>
           </a:p>
@@ -1418,7 +1419,7 @@
     </p:spTree>
     <p:extLst>
       <p:ext uri="{BB962C8B-B14F-4D97-AF65-F5344CB8AC3E}">
-        <p14:creationId xmlns:p14="http://schemas.microsoft.com/office/powerpoint/2010/main" val="2714776271"/>
+        <p14:creationId xmlns:p14="http://schemas.microsoft.com/office/powerpoint/2010/main" val="3599976154"/>
       </p:ext>
     </p:extLst>
   </p:cSld>
@@ -1502,7 +1503,7 @@
     </p:spTree>
     <p:extLst>
       <p:ext uri="{BB962C8B-B14F-4D97-AF65-F5344CB8AC3E}">
-        <p14:creationId xmlns:p14="http://schemas.microsoft.com/office/powerpoint/2010/main" val="4035037475"/>
+        <p14:creationId xmlns:p14="http://schemas.microsoft.com/office/powerpoint/2010/main" val="288563507"/>
       </p:ext>
     </p:extLst>
   </p:cSld>
@@ -1577,7 +1578,7 @@
           <a:p>
             <a:fld id="{FD6B9276-3D5B-46B9-8FB9-3C5C11460D11}" type="slidenum">
               <a:rPr lang="zh-CN" altLang="en-US" smtClean="0"/>
-              <a:t>23</a:t>
+              <a:t>22</a:t>
             </a:fld>
             <a:endParaRPr lang="zh-CN" altLang="en-US"/>
           </a:p>
@@ -1586,7 +1587,7 @@
     </p:spTree>
     <p:extLst>
       <p:ext uri="{BB962C8B-B14F-4D97-AF65-F5344CB8AC3E}">
-        <p14:creationId xmlns:p14="http://schemas.microsoft.com/office/powerpoint/2010/main" val="4132698345"/>
+        <p14:creationId xmlns:p14="http://schemas.microsoft.com/office/powerpoint/2010/main" val="2714776271"/>
       </p:ext>
     </p:extLst>
   </p:cSld>
@@ -1670,7 +1671,7 @@
     </p:spTree>
     <p:extLst>
       <p:ext uri="{BB962C8B-B14F-4D97-AF65-F5344CB8AC3E}">
-        <p14:creationId xmlns:p14="http://schemas.microsoft.com/office/powerpoint/2010/main" val="113596814"/>
+        <p14:creationId xmlns:p14="http://schemas.microsoft.com/office/powerpoint/2010/main" val="4132698345"/>
       </p:ext>
     </p:extLst>
   </p:cSld>
@@ -1754,7 +1755,7 @@
     </p:spTree>
     <p:extLst>
       <p:ext uri="{BB962C8B-B14F-4D97-AF65-F5344CB8AC3E}">
-        <p14:creationId xmlns:p14="http://schemas.microsoft.com/office/powerpoint/2010/main" val="1175157208"/>
+        <p14:creationId xmlns:p14="http://schemas.microsoft.com/office/powerpoint/2010/main" val="113596814"/>
       </p:ext>
     </p:extLst>
   </p:cSld>
@@ -1830,6 +1831,90 @@
             <a:fld id="{FD6B9276-3D5B-46B9-8FB9-3C5C11460D11}" type="slidenum">
               <a:rPr lang="zh-CN" altLang="en-US" smtClean="0"/>
               <a:t>26</a:t>
+            </a:fld>
+            <a:endParaRPr lang="zh-CN" altLang="en-US"/>
+          </a:p>
+        </p:txBody>
+      </p:sp>
+    </p:spTree>
+    <p:extLst>
+      <p:ext uri="{BB962C8B-B14F-4D97-AF65-F5344CB8AC3E}">
+        <p14:creationId xmlns:p14="http://schemas.microsoft.com/office/powerpoint/2010/main" val="1175157208"/>
+      </p:ext>
+    </p:extLst>
+  </p:cSld>
+  <p:clrMapOvr>
+    <a:masterClrMapping/>
+  </p:clrMapOvr>
+</p:notes>
+</file>
+
+<file path=ppt/notesSlides/notesSlide24.xml><?xml version="1.0" encoding="utf-8"?>
+<p:notes xmlns:a="http://schemas.openxmlformats.org/drawingml/2006/main" xmlns:r="http://schemas.openxmlformats.org/officeDocument/2006/relationships" xmlns:p="http://schemas.openxmlformats.org/presentationml/2006/main">
+  <p:cSld>
+    <p:spTree>
+      <p:nvGrpSpPr>
+        <p:cNvPr id="1" name=""/>
+        <p:cNvGrpSpPr/>
+        <p:nvPr/>
+      </p:nvGrpSpPr>
+      <p:grpSpPr>
+        <a:xfrm>
+          <a:off x="0" y="0"/>
+          <a:ext cx="0" cy="0"/>
+          <a:chOff x="0" y="0"/>
+          <a:chExt cx="0" cy="0"/>
+        </a:xfrm>
+      </p:grpSpPr>
+      <p:sp>
+        <p:nvSpPr>
+          <p:cNvPr id="2" name="幻灯片图像占位符 1"/>
+          <p:cNvSpPr>
+            <a:spLocks noGrp="1" noRot="1" noChangeAspect="1"/>
+          </p:cNvSpPr>
+          <p:nvPr>
+            <p:ph type="sldImg"/>
+          </p:nvPr>
+        </p:nvSpPr>
+        <p:spPr/>
+      </p:sp>
+      <p:sp>
+        <p:nvSpPr>
+          <p:cNvPr id="3" name="备注占位符 2"/>
+          <p:cNvSpPr>
+            <a:spLocks noGrp="1"/>
+          </p:cNvSpPr>
+          <p:nvPr>
+            <p:ph type="body" idx="1"/>
+          </p:nvPr>
+        </p:nvSpPr>
+        <p:spPr/>
+        <p:txBody>
+          <a:bodyPr/>
+          <a:lstStyle/>
+          <a:p>
+            <a:endParaRPr lang="zh-CN" altLang="en-US"/>
+          </a:p>
+        </p:txBody>
+      </p:sp>
+      <p:sp>
+        <p:nvSpPr>
+          <p:cNvPr id="4" name="灯片编号占位符 3"/>
+          <p:cNvSpPr>
+            <a:spLocks noGrp="1"/>
+          </p:cNvSpPr>
+          <p:nvPr>
+            <p:ph type="sldNum" sz="quarter" idx="10"/>
+          </p:nvPr>
+        </p:nvSpPr>
+        <p:spPr/>
+        <p:txBody>
+          <a:bodyPr/>
+          <a:lstStyle/>
+          <a:p>
+            <a:fld id="{FD6B9276-3D5B-46B9-8FB9-3C5C11460D11}" type="slidenum">
+              <a:rPr lang="zh-CN" altLang="en-US" smtClean="0"/>
+              <a:t>27</a:t>
             </a:fld>
             <a:endParaRPr lang="zh-CN" altLang="en-US"/>
           </a:p>
@@ -1922,7 +2007,7 @@
     </p:spTree>
     <p:extLst>
       <p:ext uri="{BB962C8B-B14F-4D97-AF65-F5344CB8AC3E}">
-        <p14:creationId xmlns:p14="http://schemas.microsoft.com/office/powerpoint/2010/main" val="3057016794"/>
+        <p14:creationId xmlns:p14="http://schemas.microsoft.com/office/powerpoint/2010/main" val="4035037475"/>
       </p:ext>
     </p:extLst>
   </p:cSld>
@@ -2006,7 +2091,7 @@
     </p:spTree>
     <p:extLst>
       <p:ext uri="{BB962C8B-B14F-4D97-AF65-F5344CB8AC3E}">
-        <p14:creationId xmlns:p14="http://schemas.microsoft.com/office/powerpoint/2010/main" val="3111466919"/>
+        <p14:creationId xmlns:p14="http://schemas.microsoft.com/office/powerpoint/2010/main" val="3057016794"/>
       </p:ext>
     </p:extLst>
   </p:cSld>
@@ -2090,7 +2175,7 @@
     </p:spTree>
     <p:extLst>
       <p:ext uri="{BB962C8B-B14F-4D97-AF65-F5344CB8AC3E}">
-        <p14:creationId xmlns:p14="http://schemas.microsoft.com/office/powerpoint/2010/main" val="3616445444"/>
+        <p14:creationId xmlns:p14="http://schemas.microsoft.com/office/powerpoint/2010/main" val="3111466919"/>
       </p:ext>
     </p:extLst>
   </p:cSld>
@@ -2174,7 +2259,7 @@
     </p:spTree>
     <p:extLst>
       <p:ext uri="{BB962C8B-B14F-4D97-AF65-F5344CB8AC3E}">
-        <p14:creationId xmlns:p14="http://schemas.microsoft.com/office/powerpoint/2010/main" val="804996276"/>
+        <p14:creationId xmlns:p14="http://schemas.microsoft.com/office/powerpoint/2010/main" val="3616445444"/>
       </p:ext>
     </p:extLst>
   </p:cSld>
@@ -2258,7 +2343,7 @@
     </p:spTree>
     <p:extLst>
       <p:ext uri="{BB962C8B-B14F-4D97-AF65-F5344CB8AC3E}">
-        <p14:creationId xmlns:p14="http://schemas.microsoft.com/office/powerpoint/2010/main" val="3502417666"/>
+        <p14:creationId xmlns:p14="http://schemas.microsoft.com/office/powerpoint/2010/main" val="804996276"/>
       </p:ext>
     </p:extLst>
   </p:cSld>
@@ -2342,7 +2427,7 @@
     </p:spTree>
     <p:extLst>
       <p:ext uri="{BB962C8B-B14F-4D97-AF65-F5344CB8AC3E}">
-        <p14:creationId xmlns:p14="http://schemas.microsoft.com/office/powerpoint/2010/main" val="321373807"/>
+        <p14:creationId xmlns:p14="http://schemas.microsoft.com/office/powerpoint/2010/main" val="3502417666"/>
       </p:ext>
     </p:extLst>
   </p:cSld>
@@ -2417,7 +2502,7 @@
           <a:p>
             <a:fld id="{FD6B9276-3D5B-46B9-8FB9-3C5C11460D11}" type="slidenum">
               <a:rPr lang="zh-CN" altLang="en-US" smtClean="0"/>
-              <a:t>10</a:t>
+              <a:t>9</a:t>
             </a:fld>
             <a:endParaRPr lang="zh-CN" altLang="en-US"/>
           </a:p>
@@ -2426,7 +2511,7 @@
     </p:spTree>
     <p:extLst>
       <p:ext uri="{BB962C8B-B14F-4D97-AF65-F5344CB8AC3E}">
-        <p14:creationId xmlns:p14="http://schemas.microsoft.com/office/powerpoint/2010/main" val="4183059674"/>
+        <p14:creationId xmlns:p14="http://schemas.microsoft.com/office/powerpoint/2010/main" val="321373807"/>
       </p:ext>
     </p:extLst>
   </p:cSld>
@@ -6342,725 +6427,62 @@
       </p:grpSpPr>
       <p:sp>
         <p:nvSpPr>
-          <p:cNvPr id="4" name="TextBox 1956"/>
-          <p:cNvSpPr/>
-          <p:nvPr/>
-        </p:nvSpPr>
+          <p:cNvPr id="2" name="標題 1"/>
+          <p:cNvSpPr>
+            <a:spLocks noGrp="1"/>
+          </p:cNvSpPr>
+          <p:nvPr>
+            <p:ph type="title"/>
+          </p:nvPr>
+        </p:nvSpPr>
+        <p:spPr/>
+        <p:txBody>
+          <a:bodyPr/>
+          <a:lstStyle/>
+          <a:p>
+            <a:endParaRPr kumimoji="1" lang="zh-TW" altLang="en-US"/>
+          </a:p>
+        </p:txBody>
+      </p:sp>
+      <p:pic>
+        <p:nvPicPr>
+          <p:cNvPr id="4" name="內容版面配置區 3"/>
+          <p:cNvPicPr>
+            <a:picLocks noGrp="1" noChangeAspect="1"/>
+          </p:cNvPicPr>
+          <p:nvPr>
+            <p:ph idx="1"/>
+          </p:nvPr>
+        </p:nvPicPr>
+        <p:blipFill>
+          <a:blip r:embed="rId2">
+            <a:extLst>
+              <a:ext uri="{28A0092B-C50C-407E-A947-70E740481C1C}">
+                <a14:useLocalDpi xmlns:a14="http://schemas.microsoft.com/office/drawing/2010/main" val="0"/>
+              </a:ext>
+            </a:extLst>
+          </a:blip>
+          <a:stretch>
+            <a:fillRect/>
+          </a:stretch>
+        </p:blipFill>
         <p:spPr>
           <a:xfrm>
-            <a:off x="937444" y="705711"/>
-            <a:ext cx="7076024" cy="461665"/>
+            <a:off x="1659228" y="0"/>
+            <a:ext cx="8873544" cy="6904118"/>
           </a:xfrm>
-          <a:prstGeom prst="rect">
-            <a:avLst/>
-          </a:prstGeom>
-          <a:noFill/>
-          <a:ln w="9525">
-            <a:noFill/>
-            <a:miter/>
-          </a:ln>
         </p:spPr>
-        <p:txBody>
-          <a:bodyPr wrap="square">
-            <a:spAutoFit/>
-          </a:bodyPr>
-          <a:lstStyle/>
-          <a:p>
-            <a:pPr defTabSz="685800"/>
-            <a:r>
-              <a:rPr lang="zh-TW" altLang="en-US" sz="2400" b="1" dirty="0" smtClean="0">
-                <a:solidFill>
-                  <a:schemeClr val="tx1">
-                    <a:lumMod val="75000"/>
-                    <a:lumOff val="25000"/>
-                  </a:schemeClr>
-                </a:solidFill>
-                <a:latin typeface="Microsoft JhengHei" charset="-120"/>
-                <a:ea typeface="Microsoft JhengHei" charset="-120"/>
-                <a:cs typeface="Microsoft JhengHei" charset="-120"/>
-                <a:sym typeface="+mn-lt"/>
-              </a:rPr>
-              <a:t>均線理論 </a:t>
-            </a:r>
-            <a:r>
-              <a:rPr lang="en-US" altLang="zh-TW" sz="2400" b="1" dirty="0" smtClean="0">
-                <a:solidFill>
-                  <a:schemeClr val="tx1">
-                    <a:lumMod val="75000"/>
-                    <a:lumOff val="25000"/>
-                  </a:schemeClr>
-                </a:solidFill>
-                <a:latin typeface="Microsoft JhengHei" charset="-120"/>
-                <a:ea typeface="Microsoft JhengHei" charset="-120"/>
-                <a:cs typeface="Microsoft JhengHei" charset="-120"/>
-                <a:sym typeface="+mn-lt"/>
-              </a:rPr>
-              <a:t>Moving Average</a:t>
-            </a:r>
-            <a:endParaRPr lang="zh-CN" altLang="en-US" sz="2400" b="1" dirty="0">
-              <a:solidFill>
-                <a:schemeClr val="tx1">
-                  <a:lumMod val="75000"/>
-                  <a:lumOff val="25000"/>
-                </a:schemeClr>
-              </a:solidFill>
-              <a:latin typeface="Microsoft JhengHei" charset="-120"/>
-              <a:ea typeface="Microsoft JhengHei" charset="-120"/>
-              <a:cs typeface="Microsoft JhengHei" charset="-120"/>
-              <a:sym typeface="+mn-lt"/>
-            </a:endParaRPr>
-          </a:p>
-        </p:txBody>
-      </p:sp>
-      <p:sp>
-        <p:nvSpPr>
-          <p:cNvPr id="8" name="TextBox 1956"/>
-          <p:cNvSpPr/>
-          <p:nvPr/>
-        </p:nvSpPr>
-        <p:spPr>
-          <a:xfrm>
-            <a:off x="1619090" y="1740505"/>
-            <a:ext cx="8996264" cy="830997"/>
-          </a:xfrm>
-          <a:prstGeom prst="rect">
-            <a:avLst/>
-          </a:prstGeom>
-          <a:noFill/>
-          <a:ln w="9525">
-            <a:noFill/>
-            <a:miter/>
-          </a:ln>
-        </p:spPr>
-        <p:txBody>
-          <a:bodyPr wrap="square">
-            <a:spAutoFit/>
-          </a:bodyPr>
-          <a:lstStyle/>
-          <a:p>
-            <a:pPr lvl="0" defTabSz="685800"/>
-            <a:r>
-              <a:rPr lang="en-US" altLang="zh-TW" sz="2400" b="1" dirty="0" smtClean="0">
-                <a:solidFill>
-                  <a:schemeClr val="tx1">
-                    <a:lumMod val="75000"/>
-                    <a:lumOff val="25000"/>
-                  </a:schemeClr>
-                </a:solidFill>
-                <a:latin typeface="微軟正黑體" panose="020B0604030504040204" pitchFamily="34" charset="-120"/>
-                <a:ea typeface="微軟正黑體" panose="020B0604030504040204" pitchFamily="34" charset="-120"/>
-              </a:rPr>
-              <a:t>N</a:t>
-            </a:r>
-            <a:r>
-              <a:rPr lang="zh-TW" altLang="en-US" sz="2400" b="1" dirty="0" smtClean="0">
-                <a:solidFill>
-                  <a:schemeClr val="tx1">
-                    <a:lumMod val="75000"/>
-                    <a:lumOff val="25000"/>
-                  </a:schemeClr>
-                </a:solidFill>
-                <a:latin typeface="微軟正黑體" panose="020B0604030504040204" pitchFamily="34" charset="-120"/>
-                <a:ea typeface="微軟正黑體" panose="020B0604030504040204" pitchFamily="34" charset="-120"/>
-              </a:rPr>
-              <a:t>日均線</a:t>
-            </a:r>
-            <a:r>
-              <a:rPr lang="en-US" altLang="zh-TW" sz="2400" b="1" dirty="0" smtClean="0">
-                <a:solidFill>
-                  <a:schemeClr val="tx1">
-                    <a:lumMod val="75000"/>
-                    <a:lumOff val="25000"/>
-                  </a:schemeClr>
-                </a:solidFill>
-                <a:latin typeface="微軟正黑體" panose="020B0604030504040204" pitchFamily="34" charset="-120"/>
-                <a:ea typeface="微軟正黑體" panose="020B0604030504040204" pitchFamily="34" charset="-120"/>
-              </a:rPr>
-              <a:t>:</a:t>
-            </a:r>
-          </a:p>
-          <a:p>
-            <a:pPr lvl="0" defTabSz="685800"/>
-            <a:r>
-              <a:rPr lang="zh-TW" altLang="en-US" sz="2400" b="1" dirty="0" smtClean="0">
-                <a:solidFill>
-                  <a:schemeClr val="tx1">
-                    <a:lumMod val="75000"/>
-                    <a:lumOff val="25000"/>
-                  </a:schemeClr>
-                </a:solidFill>
-                <a:latin typeface="微軟正黑體" panose="020B0604030504040204" pitchFamily="34" charset="-120"/>
-                <a:ea typeface="微軟正黑體" panose="020B0604030504040204" pitchFamily="34" charset="-120"/>
-              </a:rPr>
-              <a:t>過去</a:t>
-            </a:r>
-            <a:r>
-              <a:rPr lang="en-US" altLang="zh-TW" sz="2400" b="1" dirty="0" smtClean="0">
-                <a:solidFill>
-                  <a:schemeClr val="tx1">
-                    <a:lumMod val="75000"/>
-                    <a:lumOff val="25000"/>
-                  </a:schemeClr>
-                </a:solidFill>
-                <a:latin typeface="微軟正黑體" panose="020B0604030504040204" pitchFamily="34" charset="-120"/>
-                <a:ea typeface="微軟正黑體" panose="020B0604030504040204" pitchFamily="34" charset="-120"/>
-              </a:rPr>
-              <a:t>N</a:t>
-            </a:r>
-            <a:r>
-              <a:rPr lang="zh-TW" altLang="en-US" sz="2400" b="1" dirty="0" smtClean="0">
-                <a:solidFill>
-                  <a:schemeClr val="tx1">
-                    <a:lumMod val="75000"/>
-                    <a:lumOff val="25000"/>
-                  </a:schemeClr>
-                </a:solidFill>
-                <a:latin typeface="微軟正黑體" panose="020B0604030504040204" pitchFamily="34" charset="-120"/>
-                <a:ea typeface="微軟正黑體" panose="020B0604030504040204" pitchFamily="34" charset="-120"/>
-              </a:rPr>
-              <a:t>日的價格平均畫成的線，可以代表過去</a:t>
-            </a:r>
-            <a:r>
-              <a:rPr lang="en-US" altLang="zh-TW" sz="2400" b="1" dirty="0" smtClean="0">
-                <a:solidFill>
-                  <a:schemeClr val="tx1">
-                    <a:lumMod val="75000"/>
-                    <a:lumOff val="25000"/>
-                  </a:schemeClr>
-                </a:solidFill>
-                <a:latin typeface="微軟正黑體" panose="020B0604030504040204" pitchFamily="34" charset="-120"/>
-                <a:ea typeface="微軟正黑體" panose="020B0604030504040204" pitchFamily="34" charset="-120"/>
-              </a:rPr>
-              <a:t>N</a:t>
-            </a:r>
-            <a:r>
-              <a:rPr lang="zh-TW" altLang="en-US" sz="2400" b="1" dirty="0" smtClean="0">
-                <a:solidFill>
-                  <a:schemeClr val="tx1">
-                    <a:lumMod val="75000"/>
-                    <a:lumOff val="25000"/>
-                  </a:schemeClr>
-                </a:solidFill>
-                <a:latin typeface="微軟正黑體" panose="020B0604030504040204" pitchFamily="34" charset="-120"/>
-                <a:ea typeface="微軟正黑體" panose="020B0604030504040204" pitchFamily="34" charset="-120"/>
-              </a:rPr>
-              <a:t>日購入者的</a:t>
-            </a:r>
-            <a:r>
-              <a:rPr lang="zh-TW" altLang="en-US" sz="2400" b="1" dirty="0" smtClean="0">
-                <a:solidFill>
-                  <a:schemeClr val="tx1">
-                    <a:lumMod val="75000"/>
-                    <a:lumOff val="25000"/>
-                  </a:schemeClr>
-                </a:solidFill>
-                <a:latin typeface="微軟正黑體" panose="020B0604030504040204" pitchFamily="34" charset="-120"/>
-                <a:ea typeface="微軟正黑體" panose="020B0604030504040204" pitchFamily="34" charset="-120"/>
-              </a:rPr>
-              <a:t>成本</a:t>
-            </a:r>
-            <a:endParaRPr lang="zh-TW" altLang="en-US" sz="2400" b="1" dirty="0" smtClean="0">
-              <a:solidFill>
-                <a:schemeClr val="tx1">
-                  <a:lumMod val="75000"/>
-                  <a:lumOff val="25000"/>
-                </a:schemeClr>
-              </a:solidFill>
-              <a:latin typeface="微軟正黑體" panose="020B0604030504040204" pitchFamily="34" charset="-120"/>
-              <a:ea typeface="微軟正黑體" panose="020B0604030504040204" pitchFamily="34" charset="-120"/>
-            </a:endParaRPr>
-          </a:p>
-        </p:txBody>
-      </p:sp>
-      <p:sp>
-        <p:nvSpPr>
-          <p:cNvPr id="9" name="TextBox 1956"/>
-          <p:cNvSpPr/>
-          <p:nvPr/>
-        </p:nvSpPr>
-        <p:spPr>
-          <a:xfrm>
-            <a:off x="1619090" y="3414134"/>
-            <a:ext cx="8996264" cy="461665"/>
-          </a:xfrm>
-          <a:prstGeom prst="rect">
-            <a:avLst/>
-          </a:prstGeom>
-          <a:noFill/>
-          <a:ln w="9525">
-            <a:noFill/>
-            <a:miter/>
-          </a:ln>
-        </p:spPr>
-        <p:txBody>
-          <a:bodyPr wrap="square">
-            <a:spAutoFit/>
-          </a:bodyPr>
-          <a:lstStyle/>
-          <a:p>
-            <a:pPr defTabSz="685800"/>
-            <a:endParaRPr lang="zh-CN" altLang="en-US" sz="2400" b="1" dirty="0">
-              <a:solidFill>
-                <a:schemeClr val="tx1">
-                  <a:lumMod val="75000"/>
-                  <a:lumOff val="25000"/>
-                </a:schemeClr>
-              </a:solidFill>
-              <a:latin typeface="思源黑体 CN Bold" panose="020B0800000000000000" pitchFamily="34" charset="-122"/>
-              <a:ea typeface="思源黑体 CN Bold" panose="020B0800000000000000" pitchFamily="34" charset="-122"/>
-              <a:cs typeface="+mn-ea"/>
-              <a:sym typeface="+mn-lt"/>
-            </a:endParaRPr>
-          </a:p>
-        </p:txBody>
-      </p:sp>
-      <p:sp>
-        <p:nvSpPr>
-          <p:cNvPr id="10" name="TextBox 1956"/>
-          <p:cNvSpPr/>
-          <p:nvPr/>
-        </p:nvSpPr>
-        <p:spPr>
-          <a:xfrm>
-            <a:off x="1619090" y="2848869"/>
-            <a:ext cx="8996264" cy="3046988"/>
-          </a:xfrm>
-          <a:prstGeom prst="rect">
-            <a:avLst/>
-          </a:prstGeom>
-          <a:noFill/>
-          <a:ln w="9525">
-            <a:noFill/>
-            <a:miter/>
-          </a:ln>
-        </p:spPr>
-        <p:txBody>
-          <a:bodyPr wrap="square">
-            <a:spAutoFit/>
-          </a:bodyPr>
-          <a:lstStyle/>
-          <a:p>
-            <a:r>
-              <a:rPr lang="zh-TW" altLang="en-US" sz="2400" b="1" dirty="0" smtClean="0">
-                <a:solidFill>
-                  <a:schemeClr val="tx1">
-                    <a:lumMod val="75000"/>
-                    <a:lumOff val="25000"/>
-                  </a:schemeClr>
-                </a:solidFill>
-                <a:latin typeface="微軟正黑體" panose="020B0604030504040204" pitchFamily="34" charset="-120"/>
-                <a:ea typeface="微軟正黑體" panose="020B0604030504040204" pitchFamily="34" charset="-120"/>
-              </a:rPr>
-              <a:t>超短期均線</a:t>
-            </a:r>
-            <a:r>
-              <a:rPr lang="en-US" altLang="zh-TW" sz="2400" b="1" dirty="0">
-                <a:solidFill>
-                  <a:schemeClr val="tx1">
-                    <a:lumMod val="75000"/>
-                    <a:lumOff val="25000"/>
-                  </a:schemeClr>
-                </a:solidFill>
-                <a:latin typeface="微軟正黑體" panose="020B0604030504040204" pitchFamily="34" charset="-120"/>
-                <a:ea typeface="微軟正黑體" panose="020B0604030504040204" pitchFamily="34" charset="-120"/>
-              </a:rPr>
-              <a:t>(</a:t>
-            </a:r>
-            <a:r>
-              <a:rPr lang="en-US" altLang="zh-TW" sz="2400" b="1" dirty="0" smtClean="0">
-                <a:solidFill>
-                  <a:schemeClr val="tx1">
-                    <a:lumMod val="75000"/>
-                    <a:lumOff val="25000"/>
-                  </a:schemeClr>
-                </a:solidFill>
-                <a:latin typeface="微軟正黑體" panose="020B0604030504040204" pitchFamily="34" charset="-120"/>
-                <a:ea typeface="微軟正黑體" panose="020B0604030504040204" pitchFamily="34" charset="-120"/>
-              </a:rPr>
-              <a:t>5</a:t>
-            </a:r>
-            <a:r>
-              <a:rPr lang="zh-TW" altLang="en-US" sz="2400" b="1" dirty="0" smtClean="0">
-                <a:solidFill>
-                  <a:schemeClr val="tx1">
-                    <a:lumMod val="75000"/>
-                    <a:lumOff val="25000"/>
-                  </a:schemeClr>
-                </a:solidFill>
-                <a:latin typeface="微軟正黑體" panose="020B0604030504040204" pitchFamily="34" charset="-120"/>
-                <a:ea typeface="微軟正黑體" panose="020B0604030504040204" pitchFamily="34" charset="-120"/>
-              </a:rPr>
-              <a:t>分</a:t>
-            </a:r>
-            <a:r>
-              <a:rPr lang="en-US" altLang="zh-TW" sz="2400" b="1" dirty="0" smtClean="0">
-                <a:solidFill>
-                  <a:schemeClr val="tx1">
-                    <a:lumMod val="75000"/>
-                    <a:lumOff val="25000"/>
-                  </a:schemeClr>
-                </a:solidFill>
-                <a:latin typeface="微軟正黑體" panose="020B0604030504040204" pitchFamily="34" charset="-120"/>
-                <a:ea typeface="微軟正黑體" panose="020B0604030504040204" pitchFamily="34" charset="-120"/>
-              </a:rPr>
-              <a:t>, 30</a:t>
-            </a:r>
-            <a:r>
-              <a:rPr lang="zh-TW" altLang="en-US" sz="2400" b="1" dirty="0" smtClean="0">
-                <a:solidFill>
-                  <a:schemeClr val="tx1">
-                    <a:lumMod val="75000"/>
-                    <a:lumOff val="25000"/>
-                  </a:schemeClr>
-                </a:solidFill>
-                <a:latin typeface="微軟正黑體" panose="020B0604030504040204" pitchFamily="34" charset="-120"/>
-                <a:ea typeface="微軟正黑體" panose="020B0604030504040204" pitchFamily="34" charset="-120"/>
-              </a:rPr>
-              <a:t>分</a:t>
-            </a:r>
-            <a:r>
-              <a:rPr lang="en-US" altLang="zh-TW" sz="2400" b="1" dirty="0" smtClean="0">
-                <a:solidFill>
-                  <a:schemeClr val="tx1">
-                    <a:lumMod val="75000"/>
-                    <a:lumOff val="25000"/>
-                  </a:schemeClr>
-                </a:solidFill>
-                <a:latin typeface="微軟正黑體" panose="020B0604030504040204" pitchFamily="34" charset="-120"/>
-                <a:ea typeface="微軟正黑體" panose="020B0604030504040204" pitchFamily="34" charset="-120"/>
-              </a:rPr>
-              <a:t>)</a:t>
-            </a:r>
-          </a:p>
-          <a:p>
-            <a:endParaRPr lang="en-US" altLang="zh-TW" sz="2400" b="1" dirty="0">
-              <a:solidFill>
-                <a:schemeClr val="tx1">
-                  <a:lumMod val="75000"/>
-                  <a:lumOff val="25000"/>
-                </a:schemeClr>
-              </a:solidFill>
-              <a:latin typeface="微軟正黑體" panose="020B0604030504040204" pitchFamily="34" charset="-120"/>
-              <a:ea typeface="微軟正黑體" panose="020B0604030504040204" pitchFamily="34" charset="-120"/>
-            </a:endParaRPr>
-          </a:p>
-          <a:p>
-            <a:r>
-              <a:rPr lang="zh-TW" altLang="en-US" sz="2400" b="1" dirty="0" smtClean="0">
-                <a:solidFill>
-                  <a:schemeClr val="tx1">
-                    <a:lumMod val="75000"/>
-                    <a:lumOff val="25000"/>
-                  </a:schemeClr>
-                </a:solidFill>
-                <a:latin typeface="微軟正黑體" panose="020B0604030504040204" pitchFamily="34" charset="-120"/>
-                <a:ea typeface="微軟正黑體" panose="020B0604030504040204" pitchFamily="34" charset="-120"/>
-              </a:rPr>
-              <a:t>短期</a:t>
-            </a:r>
-            <a:r>
-              <a:rPr lang="zh-TW" altLang="en-US" sz="2400" b="1" dirty="0">
-                <a:solidFill>
-                  <a:schemeClr val="tx1">
-                    <a:lumMod val="75000"/>
-                    <a:lumOff val="25000"/>
-                  </a:schemeClr>
-                </a:solidFill>
-                <a:latin typeface="微軟正黑體" panose="020B0604030504040204" pitchFamily="34" charset="-120"/>
-                <a:ea typeface="微軟正黑體" panose="020B0604030504040204" pitchFamily="34" charset="-120"/>
-              </a:rPr>
-              <a:t>均線</a:t>
-            </a:r>
-            <a:r>
-              <a:rPr lang="en-US" altLang="zh-TW" sz="2400" b="1" dirty="0">
-                <a:solidFill>
-                  <a:schemeClr val="tx1">
-                    <a:lumMod val="75000"/>
-                    <a:lumOff val="25000"/>
-                  </a:schemeClr>
-                </a:solidFill>
-                <a:latin typeface="微軟正黑體" panose="020B0604030504040204" pitchFamily="34" charset="-120"/>
-                <a:ea typeface="微軟正黑體" panose="020B0604030504040204" pitchFamily="34" charset="-120"/>
-              </a:rPr>
-              <a:t>(5</a:t>
-            </a:r>
-            <a:r>
-              <a:rPr lang="zh-TW" altLang="en-US" sz="2400" b="1" dirty="0">
-                <a:solidFill>
-                  <a:schemeClr val="tx1">
-                    <a:lumMod val="75000"/>
-                    <a:lumOff val="25000"/>
-                  </a:schemeClr>
-                </a:solidFill>
-                <a:latin typeface="微軟正黑體" panose="020B0604030504040204" pitchFamily="34" charset="-120"/>
-                <a:ea typeface="微軟正黑體" panose="020B0604030504040204" pitchFamily="34" charset="-120"/>
-              </a:rPr>
-              <a:t>日、</a:t>
-            </a:r>
-            <a:r>
-              <a:rPr lang="en-US" altLang="zh-TW" sz="2400" b="1" dirty="0">
-                <a:solidFill>
-                  <a:schemeClr val="tx1">
-                    <a:lumMod val="75000"/>
-                    <a:lumOff val="25000"/>
-                  </a:schemeClr>
-                </a:solidFill>
-                <a:latin typeface="微軟正黑體" panose="020B0604030504040204" pitchFamily="34" charset="-120"/>
-                <a:ea typeface="微軟正黑體" panose="020B0604030504040204" pitchFamily="34" charset="-120"/>
-              </a:rPr>
-              <a:t>10</a:t>
-            </a:r>
-            <a:r>
-              <a:rPr lang="zh-TW" altLang="en-US" sz="2400" b="1" dirty="0">
-                <a:solidFill>
-                  <a:schemeClr val="tx1">
-                    <a:lumMod val="75000"/>
-                    <a:lumOff val="25000"/>
-                  </a:schemeClr>
-                </a:solidFill>
-                <a:latin typeface="微軟正黑體" panose="020B0604030504040204" pitchFamily="34" charset="-120"/>
-                <a:ea typeface="微軟正黑體" panose="020B0604030504040204" pitchFamily="34" charset="-120"/>
-              </a:rPr>
-              <a:t>日</a:t>
-            </a:r>
-            <a:r>
-              <a:rPr lang="en-US" altLang="zh-TW" sz="2400" b="1" dirty="0">
-                <a:solidFill>
-                  <a:schemeClr val="tx1">
-                    <a:lumMod val="75000"/>
-                    <a:lumOff val="25000"/>
-                  </a:schemeClr>
-                </a:solidFill>
-                <a:latin typeface="微軟正黑體" panose="020B0604030504040204" pitchFamily="34" charset="-120"/>
-                <a:ea typeface="微軟正黑體" panose="020B0604030504040204" pitchFamily="34" charset="-120"/>
-              </a:rPr>
-              <a:t>)</a:t>
-            </a:r>
-          </a:p>
-          <a:p>
-            <a:endParaRPr lang="en-US" altLang="zh-TW" sz="2400" b="1" dirty="0">
-              <a:solidFill>
-                <a:schemeClr val="tx1">
-                  <a:lumMod val="75000"/>
-                  <a:lumOff val="25000"/>
-                </a:schemeClr>
-              </a:solidFill>
-              <a:latin typeface="微軟正黑體" panose="020B0604030504040204" pitchFamily="34" charset="-120"/>
-              <a:ea typeface="微軟正黑體" panose="020B0604030504040204" pitchFamily="34" charset="-120"/>
-            </a:endParaRPr>
-          </a:p>
-          <a:p>
-            <a:r>
-              <a:rPr lang="zh-TW" altLang="en-US" sz="2400" b="1" dirty="0">
-                <a:solidFill>
-                  <a:schemeClr val="tx1">
-                    <a:lumMod val="75000"/>
-                    <a:lumOff val="25000"/>
-                  </a:schemeClr>
-                </a:solidFill>
-                <a:latin typeface="微軟正黑體" panose="020B0604030504040204" pitchFamily="34" charset="-120"/>
-                <a:ea typeface="微軟正黑體" panose="020B0604030504040204" pitchFamily="34" charset="-120"/>
-              </a:rPr>
-              <a:t>中期均線</a:t>
-            </a:r>
-            <a:r>
-              <a:rPr lang="en-US" altLang="zh-TW" sz="2400" b="1" dirty="0">
-                <a:solidFill>
-                  <a:schemeClr val="tx1">
-                    <a:lumMod val="75000"/>
-                    <a:lumOff val="25000"/>
-                  </a:schemeClr>
-                </a:solidFill>
-                <a:latin typeface="微軟正黑體" panose="020B0604030504040204" pitchFamily="34" charset="-120"/>
-                <a:ea typeface="微軟正黑體" panose="020B0604030504040204" pitchFamily="34" charset="-120"/>
-              </a:rPr>
-              <a:t>(30</a:t>
-            </a:r>
-            <a:r>
-              <a:rPr lang="zh-TW" altLang="en-US" sz="2400" b="1" dirty="0">
-                <a:solidFill>
-                  <a:schemeClr val="tx1">
-                    <a:lumMod val="75000"/>
-                    <a:lumOff val="25000"/>
-                  </a:schemeClr>
-                </a:solidFill>
-                <a:latin typeface="微軟正黑體" panose="020B0604030504040204" pitchFamily="34" charset="-120"/>
-                <a:ea typeface="微軟正黑體" panose="020B0604030504040204" pitchFamily="34" charset="-120"/>
-              </a:rPr>
-              <a:t>日、</a:t>
-            </a:r>
-            <a:r>
-              <a:rPr lang="en-US" altLang="zh-TW" sz="2400" b="1" dirty="0">
-                <a:solidFill>
-                  <a:schemeClr val="tx1">
-                    <a:lumMod val="75000"/>
-                    <a:lumOff val="25000"/>
-                  </a:schemeClr>
-                </a:solidFill>
-                <a:latin typeface="微軟正黑體" panose="020B0604030504040204" pitchFamily="34" charset="-120"/>
-                <a:ea typeface="微軟正黑體" panose="020B0604030504040204" pitchFamily="34" charset="-120"/>
-              </a:rPr>
-              <a:t>60</a:t>
-            </a:r>
-            <a:r>
-              <a:rPr lang="zh-TW" altLang="en-US" sz="2400" b="1" dirty="0">
-                <a:solidFill>
-                  <a:schemeClr val="tx1">
-                    <a:lumMod val="75000"/>
-                    <a:lumOff val="25000"/>
-                  </a:schemeClr>
-                </a:solidFill>
-                <a:latin typeface="微軟正黑體" panose="020B0604030504040204" pitchFamily="34" charset="-120"/>
-                <a:ea typeface="微軟正黑體" panose="020B0604030504040204" pitchFamily="34" charset="-120"/>
-              </a:rPr>
-              <a:t>日</a:t>
-            </a:r>
-            <a:r>
-              <a:rPr lang="en-US" altLang="zh-TW" sz="2400" b="1" dirty="0">
-                <a:solidFill>
-                  <a:schemeClr val="tx1">
-                    <a:lumMod val="75000"/>
-                    <a:lumOff val="25000"/>
-                  </a:schemeClr>
-                </a:solidFill>
-                <a:latin typeface="微軟正黑體" panose="020B0604030504040204" pitchFamily="34" charset="-120"/>
-                <a:ea typeface="微軟正黑體" panose="020B0604030504040204" pitchFamily="34" charset="-120"/>
-              </a:rPr>
-              <a:t>)</a:t>
-            </a:r>
-          </a:p>
-          <a:p>
-            <a:endParaRPr lang="en-US" altLang="zh-TW" sz="2400" b="1" dirty="0">
-              <a:solidFill>
-                <a:schemeClr val="tx1">
-                  <a:lumMod val="75000"/>
-                  <a:lumOff val="25000"/>
-                </a:schemeClr>
-              </a:solidFill>
-              <a:latin typeface="微軟正黑體" panose="020B0604030504040204" pitchFamily="34" charset="-120"/>
-              <a:ea typeface="微軟正黑體" panose="020B0604030504040204" pitchFamily="34" charset="-120"/>
-            </a:endParaRPr>
-          </a:p>
-          <a:p>
-            <a:r>
-              <a:rPr lang="zh-TW" altLang="en-US" sz="2400" b="1" dirty="0">
-                <a:solidFill>
-                  <a:schemeClr val="tx1">
-                    <a:lumMod val="75000"/>
-                    <a:lumOff val="25000"/>
-                  </a:schemeClr>
-                </a:solidFill>
-                <a:latin typeface="微軟正黑體" panose="020B0604030504040204" pitchFamily="34" charset="-120"/>
-                <a:ea typeface="微軟正黑體" panose="020B0604030504040204" pitchFamily="34" charset="-120"/>
-              </a:rPr>
-              <a:t>長期均線</a:t>
-            </a:r>
-            <a:r>
-              <a:rPr lang="en-US" altLang="zh-TW" sz="2400" b="1" dirty="0">
-                <a:solidFill>
-                  <a:schemeClr val="tx1">
-                    <a:lumMod val="75000"/>
-                    <a:lumOff val="25000"/>
-                  </a:schemeClr>
-                </a:solidFill>
-                <a:latin typeface="微軟正黑體" panose="020B0604030504040204" pitchFamily="34" charset="-120"/>
-                <a:ea typeface="微軟正黑體" panose="020B0604030504040204" pitchFamily="34" charset="-120"/>
-              </a:rPr>
-              <a:t>(90</a:t>
-            </a:r>
-            <a:r>
-              <a:rPr lang="zh-TW" altLang="en-US" sz="2400" b="1" dirty="0">
-                <a:solidFill>
-                  <a:schemeClr val="tx1">
-                    <a:lumMod val="75000"/>
-                    <a:lumOff val="25000"/>
-                  </a:schemeClr>
-                </a:solidFill>
-                <a:latin typeface="微軟正黑體" panose="020B0604030504040204" pitchFamily="34" charset="-120"/>
-                <a:ea typeface="微軟正黑體" panose="020B0604030504040204" pitchFamily="34" charset="-120"/>
-              </a:rPr>
-              <a:t>日、</a:t>
-            </a:r>
-            <a:r>
-              <a:rPr lang="en-US" altLang="zh-TW" sz="2400" b="1" dirty="0">
-                <a:solidFill>
-                  <a:schemeClr val="tx1">
-                    <a:lumMod val="75000"/>
-                    <a:lumOff val="25000"/>
-                  </a:schemeClr>
-                </a:solidFill>
-                <a:latin typeface="微軟正黑體" panose="020B0604030504040204" pitchFamily="34" charset="-120"/>
-                <a:ea typeface="微軟正黑體" panose="020B0604030504040204" pitchFamily="34" charset="-120"/>
-              </a:rPr>
-              <a:t>200</a:t>
-            </a:r>
-            <a:r>
-              <a:rPr lang="zh-TW" altLang="en-US" sz="2400" b="1" dirty="0">
-                <a:solidFill>
-                  <a:schemeClr val="tx1">
-                    <a:lumMod val="75000"/>
-                    <a:lumOff val="25000"/>
-                  </a:schemeClr>
-                </a:solidFill>
-                <a:latin typeface="微軟正黑體" panose="020B0604030504040204" pitchFamily="34" charset="-120"/>
-                <a:ea typeface="微軟正黑體" panose="020B0604030504040204" pitchFamily="34" charset="-120"/>
-              </a:rPr>
-              <a:t>日</a:t>
-            </a:r>
-            <a:r>
-              <a:rPr lang="en-US" altLang="zh-TW" sz="2400" b="1" dirty="0">
-                <a:solidFill>
-                  <a:schemeClr val="tx1">
-                    <a:lumMod val="75000"/>
-                    <a:lumOff val="25000"/>
-                  </a:schemeClr>
-                </a:solidFill>
-                <a:latin typeface="微軟正黑體" panose="020B0604030504040204" pitchFamily="34" charset="-120"/>
-                <a:ea typeface="微軟正黑體" panose="020B0604030504040204" pitchFamily="34" charset="-120"/>
-              </a:rPr>
-              <a:t>)</a:t>
-            </a:r>
-            <a:endParaRPr lang="zh-TW" altLang="en-US" sz="2400" b="1" dirty="0">
-              <a:solidFill>
-                <a:schemeClr val="tx1">
-                  <a:lumMod val="75000"/>
-                  <a:lumOff val="25000"/>
-                </a:schemeClr>
-              </a:solidFill>
-              <a:latin typeface="微軟正黑體" panose="020B0604030504040204" pitchFamily="34" charset="-120"/>
-              <a:ea typeface="微軟正黑體" panose="020B0604030504040204" pitchFamily="34" charset="-120"/>
-            </a:endParaRPr>
-          </a:p>
-          <a:p>
-            <a:pPr lvl="0" defTabSz="685800"/>
-            <a:endParaRPr lang="zh-CN" altLang="en-US" sz="2400" b="1" dirty="0">
-              <a:solidFill>
-                <a:schemeClr val="tx1">
-                  <a:lumMod val="75000"/>
-                  <a:lumOff val="25000"/>
-                </a:schemeClr>
-              </a:solidFill>
-              <a:latin typeface="思源黑体 CN Bold" panose="020B0800000000000000" pitchFamily="34" charset="-122"/>
-              <a:ea typeface="思源黑体 CN Bold" panose="020B0800000000000000" pitchFamily="34" charset="-122"/>
-              <a:cs typeface="+mn-ea"/>
-              <a:sym typeface="+mn-lt"/>
-            </a:endParaRPr>
-          </a:p>
-        </p:txBody>
-      </p:sp>
+      </p:pic>
     </p:spTree>
     <p:extLst>
       <p:ext uri="{BB962C8B-B14F-4D97-AF65-F5344CB8AC3E}">
-        <p14:creationId xmlns:p14="http://schemas.microsoft.com/office/powerpoint/2010/main" val="1937880195"/>
+        <p14:creationId xmlns:p14="http://schemas.microsoft.com/office/powerpoint/2010/main" val="1128414644"/>
       </p:ext>
     </p:extLst>
   </p:cSld>
   <p:clrMapOvr>
     <a:masterClrMapping/>
   </p:clrMapOvr>
-  <p:transition spd="slow">
-    <p:push dir="u"/>
-  </p:transition>
   <p:timing>
     <p:tnLst>
       <p:par>
@@ -7162,6 +6584,143 @@
       </p:sp>
       <p:sp>
         <p:nvSpPr>
+          <p:cNvPr id="8" name="TextBox 1956"/>
+          <p:cNvSpPr/>
+          <p:nvPr/>
+        </p:nvSpPr>
+        <p:spPr>
+          <a:xfrm>
+            <a:off x="1619090" y="1740505"/>
+            <a:ext cx="8996264" cy="830997"/>
+          </a:xfrm>
+          <a:prstGeom prst="rect">
+            <a:avLst/>
+          </a:prstGeom>
+          <a:noFill/>
+          <a:ln w="9525">
+            <a:noFill/>
+            <a:miter/>
+          </a:ln>
+        </p:spPr>
+        <p:txBody>
+          <a:bodyPr wrap="square">
+            <a:spAutoFit/>
+          </a:bodyPr>
+          <a:lstStyle/>
+          <a:p>
+            <a:pPr lvl="0" defTabSz="685800"/>
+            <a:r>
+              <a:rPr lang="en-US" altLang="zh-TW" sz="2400" b="1" dirty="0" smtClean="0">
+                <a:solidFill>
+                  <a:schemeClr val="tx1">
+                    <a:lumMod val="75000"/>
+                    <a:lumOff val="25000"/>
+                  </a:schemeClr>
+                </a:solidFill>
+                <a:latin typeface="微軟正黑體" panose="020B0604030504040204" pitchFamily="34" charset="-120"/>
+                <a:ea typeface="微軟正黑體" panose="020B0604030504040204" pitchFamily="34" charset="-120"/>
+              </a:rPr>
+              <a:t>N</a:t>
+            </a:r>
+            <a:r>
+              <a:rPr lang="zh-TW" altLang="en-US" sz="2400" b="1" dirty="0" smtClean="0">
+                <a:solidFill>
+                  <a:schemeClr val="tx1">
+                    <a:lumMod val="75000"/>
+                    <a:lumOff val="25000"/>
+                  </a:schemeClr>
+                </a:solidFill>
+                <a:latin typeface="微軟正黑體" panose="020B0604030504040204" pitchFamily="34" charset="-120"/>
+                <a:ea typeface="微軟正黑體" panose="020B0604030504040204" pitchFamily="34" charset="-120"/>
+              </a:rPr>
+              <a:t>日均線</a:t>
+            </a:r>
+            <a:r>
+              <a:rPr lang="en-US" altLang="zh-TW" sz="2400" b="1" dirty="0" smtClean="0">
+                <a:solidFill>
+                  <a:schemeClr val="tx1">
+                    <a:lumMod val="75000"/>
+                    <a:lumOff val="25000"/>
+                  </a:schemeClr>
+                </a:solidFill>
+                <a:latin typeface="微軟正黑體" panose="020B0604030504040204" pitchFamily="34" charset="-120"/>
+                <a:ea typeface="微軟正黑體" panose="020B0604030504040204" pitchFamily="34" charset="-120"/>
+              </a:rPr>
+              <a:t>:</a:t>
+            </a:r>
+          </a:p>
+          <a:p>
+            <a:pPr lvl="0" defTabSz="685800"/>
+            <a:r>
+              <a:rPr lang="zh-TW" altLang="en-US" sz="2400" b="1" dirty="0" smtClean="0">
+                <a:solidFill>
+                  <a:schemeClr val="tx1">
+                    <a:lumMod val="75000"/>
+                    <a:lumOff val="25000"/>
+                  </a:schemeClr>
+                </a:solidFill>
+                <a:latin typeface="微軟正黑體" panose="020B0604030504040204" pitchFamily="34" charset="-120"/>
+                <a:ea typeface="微軟正黑體" panose="020B0604030504040204" pitchFamily="34" charset="-120"/>
+              </a:rPr>
+              <a:t>過去</a:t>
+            </a:r>
+            <a:r>
+              <a:rPr lang="en-US" altLang="zh-TW" sz="2400" b="1" dirty="0" smtClean="0">
+                <a:solidFill>
+                  <a:schemeClr val="tx1">
+                    <a:lumMod val="75000"/>
+                    <a:lumOff val="25000"/>
+                  </a:schemeClr>
+                </a:solidFill>
+                <a:latin typeface="微軟正黑體" panose="020B0604030504040204" pitchFamily="34" charset="-120"/>
+                <a:ea typeface="微軟正黑體" panose="020B0604030504040204" pitchFamily="34" charset="-120"/>
+              </a:rPr>
+              <a:t>N</a:t>
+            </a:r>
+            <a:r>
+              <a:rPr lang="zh-TW" altLang="en-US" sz="2400" b="1" dirty="0" smtClean="0">
+                <a:solidFill>
+                  <a:schemeClr val="tx1">
+                    <a:lumMod val="75000"/>
+                    <a:lumOff val="25000"/>
+                  </a:schemeClr>
+                </a:solidFill>
+                <a:latin typeface="微軟正黑體" panose="020B0604030504040204" pitchFamily="34" charset="-120"/>
+                <a:ea typeface="微軟正黑體" panose="020B0604030504040204" pitchFamily="34" charset="-120"/>
+              </a:rPr>
+              <a:t>日的價格平均畫成的線，可以代表過去</a:t>
+            </a:r>
+            <a:r>
+              <a:rPr lang="en-US" altLang="zh-TW" sz="2400" b="1" dirty="0" smtClean="0">
+                <a:solidFill>
+                  <a:schemeClr val="tx1">
+                    <a:lumMod val="75000"/>
+                    <a:lumOff val="25000"/>
+                  </a:schemeClr>
+                </a:solidFill>
+                <a:latin typeface="微軟正黑體" panose="020B0604030504040204" pitchFamily="34" charset="-120"/>
+                <a:ea typeface="微軟正黑體" panose="020B0604030504040204" pitchFamily="34" charset="-120"/>
+              </a:rPr>
+              <a:t>N</a:t>
+            </a:r>
+            <a:r>
+              <a:rPr lang="zh-TW" altLang="en-US" sz="2400" b="1" dirty="0" smtClean="0">
+                <a:solidFill>
+                  <a:schemeClr val="tx1">
+                    <a:lumMod val="75000"/>
+                    <a:lumOff val="25000"/>
+                  </a:schemeClr>
+                </a:solidFill>
+                <a:latin typeface="微軟正黑體" panose="020B0604030504040204" pitchFamily="34" charset="-120"/>
+                <a:ea typeface="微軟正黑體" panose="020B0604030504040204" pitchFamily="34" charset="-120"/>
+              </a:rPr>
+              <a:t>日購入者的成本</a:t>
+            </a:r>
+          </a:p>
+        </p:txBody>
+      </p:sp>
+      <p:sp>
+        <p:nvSpPr>
           <p:cNvPr id="9" name="TextBox 1956"/>
           <p:cNvSpPr/>
           <p:nvPr/>
@@ -7210,8 +6769,8 @@
         </p:nvSpPr>
         <p:spPr>
           <a:xfrm>
-            <a:off x="1619090" y="2444638"/>
-            <a:ext cx="8996264" cy="2554545"/>
+            <a:off x="1619090" y="2848869"/>
+            <a:ext cx="8996264" cy="3046988"/>
           </a:xfrm>
           <a:prstGeom prst="rect">
             <a:avLst/>
@@ -7228,11 +6787,8 @@
           </a:bodyPr>
           <a:lstStyle/>
           <a:p>
-            <a:pPr lvl="0">
-              <a:defRPr/>
-            </a:pPr>
-            <a:r>
-              <a:rPr lang="zh-TW" altLang="en-US" sz="3200" b="1" dirty="0">
+            <a:r>
+              <a:rPr lang="zh-TW" altLang="en-US" sz="2400" b="1" dirty="0" smtClean="0">
                 <a:solidFill>
                   <a:schemeClr val="tx1">
                     <a:lumMod val="75000"/>
@@ -7242,10 +6798,10 @@
                 <a:latin typeface="微軟正黑體" panose="020B0604030504040204" pitchFamily="34" charset="-120"/>
                 <a:ea typeface="微軟正黑體" panose="020B0604030504040204" pitchFamily="34" charset="-120"/>
               </a:rPr>
-              <a:t>若三種均線均向下，</a:t>
-            </a:r>
-            <a:r>
-              <a:rPr lang="zh-TW" altLang="en-US" sz="3200" b="1" dirty="0" smtClean="0">
+              <a:t>超短期均線</a:t>
+            </a:r>
+            <a:r>
+              <a:rPr lang="en-US" altLang="zh-TW" sz="2400" b="1" dirty="0">
                 <a:solidFill>
                   <a:schemeClr val="tx1">
                     <a:lumMod val="75000"/>
@@ -7255,9 +6811,76 @@
                 <a:latin typeface="微軟正黑體" panose="020B0604030504040204" pitchFamily="34" charset="-120"/>
                 <a:ea typeface="微軟正黑體" panose="020B0604030504040204" pitchFamily="34" charset="-120"/>
               </a:rPr>
-              <a:t>代表空頭</a:t>
-            </a:r>
-            <a:endParaRPr lang="en-US" altLang="zh-TW" sz="3200" b="1" dirty="0">
+              <a:t>(</a:t>
+            </a:r>
+            <a:r>
+              <a:rPr lang="en-US" altLang="zh-TW" sz="2400" b="1" dirty="0" smtClean="0">
+                <a:solidFill>
+                  <a:schemeClr val="tx1">
+                    <a:lumMod val="75000"/>
+                    <a:lumOff val="25000"/>
+                  </a:schemeClr>
+                </a:solidFill>
+                <a:latin typeface="微軟正黑體" panose="020B0604030504040204" pitchFamily="34" charset="-120"/>
+                <a:ea typeface="微軟正黑體" panose="020B0604030504040204" pitchFamily="34" charset="-120"/>
+              </a:rPr>
+              <a:t>5</a:t>
+            </a:r>
+            <a:r>
+              <a:rPr lang="zh-TW" altLang="en-US" sz="2400" b="1" dirty="0" smtClean="0">
+                <a:solidFill>
+                  <a:schemeClr val="tx1">
+                    <a:lumMod val="75000"/>
+                    <a:lumOff val="25000"/>
+                  </a:schemeClr>
+                </a:solidFill>
+                <a:latin typeface="微軟正黑體" panose="020B0604030504040204" pitchFamily="34" charset="-120"/>
+                <a:ea typeface="微軟正黑體" panose="020B0604030504040204" pitchFamily="34" charset="-120"/>
+              </a:rPr>
+              <a:t>分</a:t>
+            </a:r>
+            <a:r>
+              <a:rPr lang="en-US" altLang="zh-TW" sz="2400" b="1" dirty="0" smtClean="0">
+                <a:solidFill>
+                  <a:schemeClr val="tx1">
+                    <a:lumMod val="75000"/>
+                    <a:lumOff val="25000"/>
+                  </a:schemeClr>
+                </a:solidFill>
+                <a:latin typeface="微軟正黑體" panose="020B0604030504040204" pitchFamily="34" charset="-120"/>
+                <a:ea typeface="微軟正黑體" panose="020B0604030504040204" pitchFamily="34" charset="-120"/>
+              </a:rPr>
+              <a:t>, 30</a:t>
+            </a:r>
+            <a:r>
+              <a:rPr lang="zh-TW" altLang="en-US" sz="2400" b="1" dirty="0" smtClean="0">
+                <a:solidFill>
+                  <a:schemeClr val="tx1">
+                    <a:lumMod val="75000"/>
+                    <a:lumOff val="25000"/>
+                  </a:schemeClr>
+                </a:solidFill>
+                <a:latin typeface="微軟正黑體" panose="020B0604030504040204" pitchFamily="34" charset="-120"/>
+                <a:ea typeface="微軟正黑體" panose="020B0604030504040204" pitchFamily="34" charset="-120"/>
+              </a:rPr>
+              <a:t>分</a:t>
+            </a:r>
+            <a:r>
+              <a:rPr lang="en-US" altLang="zh-TW" sz="2400" b="1" dirty="0" smtClean="0">
+                <a:solidFill>
+                  <a:schemeClr val="tx1">
+                    <a:lumMod val="75000"/>
+                    <a:lumOff val="25000"/>
+                  </a:schemeClr>
+                </a:solidFill>
+                <a:latin typeface="微軟正黑體" panose="020B0604030504040204" pitchFamily="34" charset="-120"/>
+                <a:ea typeface="微軟正黑體" panose="020B0604030504040204" pitchFamily="34" charset="-120"/>
+              </a:rPr>
+              <a:t>)</a:t>
+            </a:r>
+          </a:p>
+          <a:p>
+            <a:endParaRPr lang="en-US" altLang="zh-TW" sz="2400" b="1" dirty="0">
               <a:solidFill>
                 <a:schemeClr val="tx1">
                   <a:lumMod val="75000"/>
@@ -7269,11 +6892,8 @@
             </a:endParaRPr>
           </a:p>
           <a:p>
-            <a:pPr lvl="0">
-              <a:defRPr/>
-            </a:pPr>
-            <a:r>
-              <a:rPr lang="zh-TW" altLang="en-US" sz="3200" b="1" dirty="0">
+            <a:r>
+              <a:rPr lang="zh-TW" altLang="en-US" sz="2400" b="1" dirty="0" smtClean="0">
                 <a:solidFill>
                   <a:schemeClr val="tx1">
                     <a:lumMod val="75000"/>
@@ -7283,10 +6903,10 @@
                 <a:latin typeface="微軟正黑體" panose="020B0604030504040204" pitchFamily="34" charset="-120"/>
                 <a:ea typeface="微軟正黑體" panose="020B0604030504040204" pitchFamily="34" charset="-120"/>
               </a:rPr>
-              <a:t>反之，若三種均線均</a:t>
-            </a:r>
-            <a:r>
-              <a:rPr lang="zh-TW" altLang="en-US" sz="3200" b="1" dirty="0" smtClean="0">
+              <a:t>短期</a:t>
+            </a:r>
+            <a:r>
+              <a:rPr lang="zh-TW" altLang="en-US" sz="2400" b="1" dirty="0">
                 <a:solidFill>
                   <a:schemeClr val="tx1">
                     <a:lumMod val="75000"/>
@@ -7296,10 +6916,10 @@
                 <a:latin typeface="微軟正黑體" panose="020B0604030504040204" pitchFamily="34" charset="-120"/>
                 <a:ea typeface="微軟正黑體" panose="020B0604030504040204" pitchFamily="34" charset="-120"/>
               </a:rPr>
-              <a:t>向上，則</a:t>
-            </a:r>
-            <a:r>
-              <a:rPr lang="zh-TW" altLang="en-US" sz="3200" b="1" dirty="0">
+              <a:t>均線</a:t>
+            </a:r>
+            <a:r>
+              <a:rPr lang="en-US" altLang="zh-TW" sz="2400" b="1" dirty="0">
                 <a:solidFill>
                   <a:schemeClr val="tx1">
                     <a:lumMod val="75000"/>
@@ -7309,10 +6929,10 @@
                 <a:latin typeface="微軟正黑體" panose="020B0604030504040204" pitchFamily="34" charset="-120"/>
                 <a:ea typeface="微軟正黑體" panose="020B0604030504040204" pitchFamily="34" charset="-120"/>
               </a:rPr>
-              <a:t>為</a:t>
-            </a:r>
-            <a:r>
-              <a:rPr lang="zh-TW" altLang="en-US" sz="3200" b="1" dirty="0" smtClean="0">
+              <a:t>(5</a:t>
+            </a:r>
+            <a:r>
+              <a:rPr lang="zh-TW" altLang="en-US" sz="2400" b="1" dirty="0">
                 <a:solidFill>
                   <a:schemeClr val="tx1">
                     <a:lumMod val="75000"/>
@@ -7322,9 +6942,50 @@
                 <a:latin typeface="微軟正黑體" panose="020B0604030504040204" pitchFamily="34" charset="-120"/>
                 <a:ea typeface="微軟正黑體" panose="020B0604030504040204" pitchFamily="34" charset="-120"/>
               </a:rPr>
-              <a:t>多頭</a:t>
-            </a:r>
-            <a:endParaRPr lang="en-US" altLang="zh-TW" sz="3200" b="1" dirty="0">
+              <a:t>日、</a:t>
+            </a:r>
+            <a:r>
+              <a:rPr lang="en-US" altLang="zh-TW" sz="2400" b="1" dirty="0">
+                <a:solidFill>
+                  <a:schemeClr val="tx1">
+                    <a:lumMod val="75000"/>
+                    <a:lumOff val="25000"/>
+                  </a:schemeClr>
+                </a:solidFill>
+                <a:latin typeface="微軟正黑體" panose="020B0604030504040204" pitchFamily="34" charset="-120"/>
+                <a:ea typeface="微軟正黑體" panose="020B0604030504040204" pitchFamily="34" charset="-120"/>
+              </a:rPr>
+              <a:t>10</a:t>
+            </a:r>
+            <a:r>
+              <a:rPr lang="zh-TW" altLang="en-US" sz="2400" b="1" dirty="0">
+                <a:solidFill>
+                  <a:schemeClr val="tx1">
+                    <a:lumMod val="75000"/>
+                    <a:lumOff val="25000"/>
+                  </a:schemeClr>
+                </a:solidFill>
+                <a:latin typeface="微軟正黑體" panose="020B0604030504040204" pitchFamily="34" charset="-120"/>
+                <a:ea typeface="微軟正黑體" panose="020B0604030504040204" pitchFamily="34" charset="-120"/>
+              </a:rPr>
+              <a:t>日</a:t>
+            </a:r>
+            <a:r>
+              <a:rPr lang="en-US" altLang="zh-TW" sz="2400" b="1" dirty="0">
+                <a:solidFill>
+                  <a:schemeClr val="tx1">
+                    <a:lumMod val="75000"/>
+                    <a:lumOff val="25000"/>
+                  </a:schemeClr>
+                </a:solidFill>
+                <a:latin typeface="微軟正黑體" panose="020B0604030504040204" pitchFamily="34" charset="-120"/>
+                <a:ea typeface="微軟正黑體" panose="020B0604030504040204" pitchFamily="34" charset="-120"/>
+              </a:rPr>
+              <a:t>)</a:t>
+            </a:r>
+          </a:p>
+          <a:p>
+            <a:endParaRPr lang="en-US" altLang="zh-TW" sz="2400" b="1" dirty="0">
               <a:solidFill>
                 <a:schemeClr val="tx1">
                   <a:lumMod val="75000"/>
@@ -7336,10 +6997,87 @@
             </a:endParaRPr>
           </a:p>
           <a:p>
-            <a:pPr lvl="0">
-              <a:defRPr/>
-            </a:pPr>
-            <a:endParaRPr lang="en-US" altLang="zh-TW" sz="3200" b="1" dirty="0">
+            <a:r>
+              <a:rPr lang="zh-TW" altLang="en-US" sz="2400" b="1" dirty="0">
+                <a:solidFill>
+                  <a:schemeClr val="tx1">
+                    <a:lumMod val="75000"/>
+                    <a:lumOff val="25000"/>
+                  </a:schemeClr>
+                </a:solidFill>
+                <a:latin typeface="微軟正黑體" panose="020B0604030504040204" pitchFamily="34" charset="-120"/>
+                <a:ea typeface="微軟正黑體" panose="020B0604030504040204" pitchFamily="34" charset="-120"/>
+              </a:rPr>
+              <a:t>中期均線</a:t>
+            </a:r>
+            <a:r>
+              <a:rPr lang="en-US" altLang="zh-TW" sz="2400" b="1" dirty="0">
+                <a:solidFill>
+                  <a:schemeClr val="tx1">
+                    <a:lumMod val="75000"/>
+                    <a:lumOff val="25000"/>
+                  </a:schemeClr>
+                </a:solidFill>
+                <a:latin typeface="微軟正黑體" panose="020B0604030504040204" pitchFamily="34" charset="-120"/>
+                <a:ea typeface="微軟正黑體" panose="020B0604030504040204" pitchFamily="34" charset="-120"/>
+              </a:rPr>
+              <a:t>(30</a:t>
+            </a:r>
+            <a:r>
+              <a:rPr lang="zh-TW" altLang="en-US" sz="2400" b="1" dirty="0">
+                <a:solidFill>
+                  <a:schemeClr val="tx1">
+                    <a:lumMod val="75000"/>
+                    <a:lumOff val="25000"/>
+                  </a:schemeClr>
+                </a:solidFill>
+                <a:latin typeface="微軟正黑體" panose="020B0604030504040204" pitchFamily="34" charset="-120"/>
+                <a:ea typeface="微軟正黑體" panose="020B0604030504040204" pitchFamily="34" charset="-120"/>
+              </a:rPr>
+              <a:t>日、</a:t>
+            </a:r>
+            <a:r>
+              <a:rPr lang="en-US" altLang="zh-TW" sz="2400" b="1" dirty="0">
+                <a:solidFill>
+                  <a:schemeClr val="tx1">
+                    <a:lumMod val="75000"/>
+                    <a:lumOff val="25000"/>
+                  </a:schemeClr>
+                </a:solidFill>
+                <a:latin typeface="微軟正黑體" panose="020B0604030504040204" pitchFamily="34" charset="-120"/>
+                <a:ea typeface="微軟正黑體" panose="020B0604030504040204" pitchFamily="34" charset="-120"/>
+              </a:rPr>
+              <a:t>60</a:t>
+            </a:r>
+            <a:r>
+              <a:rPr lang="zh-TW" altLang="en-US" sz="2400" b="1" dirty="0">
+                <a:solidFill>
+                  <a:schemeClr val="tx1">
+                    <a:lumMod val="75000"/>
+                    <a:lumOff val="25000"/>
+                  </a:schemeClr>
+                </a:solidFill>
+                <a:latin typeface="微軟正黑體" panose="020B0604030504040204" pitchFamily="34" charset="-120"/>
+                <a:ea typeface="微軟正黑體" panose="020B0604030504040204" pitchFamily="34" charset="-120"/>
+              </a:rPr>
+              <a:t>日</a:t>
+            </a:r>
+            <a:r>
+              <a:rPr lang="en-US" altLang="zh-TW" sz="2400" b="1" dirty="0">
+                <a:solidFill>
+                  <a:schemeClr val="tx1">
+                    <a:lumMod val="75000"/>
+                    <a:lumOff val="25000"/>
+                  </a:schemeClr>
+                </a:solidFill>
+                <a:latin typeface="微軟正黑體" panose="020B0604030504040204" pitchFamily="34" charset="-120"/>
+                <a:ea typeface="微軟正黑體" panose="020B0604030504040204" pitchFamily="34" charset="-120"/>
+              </a:rPr>
+              <a:t>)</a:t>
+            </a:r>
+          </a:p>
+          <a:p>
+            <a:endParaRPr lang="en-US" altLang="zh-TW" sz="2400" b="1" dirty="0">
               <a:solidFill>
                 <a:schemeClr val="tx1">
                   <a:lumMod val="75000"/>
@@ -7351,11 +7089,8 @@
             </a:endParaRPr>
           </a:p>
           <a:p>
-            <a:pPr lvl="0">
-              <a:defRPr/>
-            </a:pPr>
-            <a:r>
-              <a:rPr lang="zh-TW" altLang="en-US" sz="3200" b="1" dirty="0">
+            <a:r>
+              <a:rPr lang="zh-TW" altLang="en-US" sz="2400" b="1" dirty="0">
                 <a:solidFill>
                   <a:schemeClr val="tx1">
                     <a:lumMod val="75000"/>
@@ -7365,22 +7100,23 @@
                 <a:latin typeface="微軟正黑體" panose="020B0604030504040204" pitchFamily="34" charset="-120"/>
                 <a:ea typeface="微軟正黑體" panose="020B0604030504040204" pitchFamily="34" charset="-120"/>
               </a:rPr>
-              <a:t>均線可以做為</a:t>
-            </a:r>
-            <a:r>
-              <a:rPr lang="zh-TW" altLang="en-US" sz="3200" b="1" dirty="0">
-                <a:solidFill>
-                  <a:schemeClr val="accent2">
-                    <a:lumMod val="50000"/>
+              <a:t>長期均線</a:t>
+            </a:r>
+            <a:r>
+              <a:rPr lang="en-US" altLang="zh-TW" sz="2400" b="1" dirty="0">
+                <a:solidFill>
+                  <a:schemeClr val="tx1">
+                    <a:lumMod val="75000"/>
+                    <a:lumOff val="25000"/>
                   </a:schemeClr>
                 </a:solidFill>
                 <a:latin typeface="微軟正黑體" panose="020B0604030504040204" pitchFamily="34" charset="-120"/>
                 <a:ea typeface="微軟正黑體" panose="020B0604030504040204" pitchFamily="34" charset="-120"/>
               </a:rPr>
-              <a:t>型態確認、多空轉換</a:t>
-            </a:r>
-            <a:r>
-              <a:rPr lang="zh-TW" altLang="en-US" sz="3200" b="1" dirty="0">
+              <a:t>(90</a:t>
+            </a:r>
+            <a:r>
+              <a:rPr lang="zh-TW" altLang="en-US" sz="2400" b="1" dirty="0">
                 <a:solidFill>
                   <a:schemeClr val="tx1">
                     <a:lumMod val="75000"/>
@@ -7390,12 +7126,61 @@
                 <a:latin typeface="微軟正黑體" panose="020B0604030504040204" pitchFamily="34" charset="-120"/>
                 <a:ea typeface="微軟正黑體" panose="020B0604030504040204" pitchFamily="34" charset="-120"/>
               </a:rPr>
-              <a:t>的標的之一</a:t>
-            </a:r>
+              <a:t>日、</a:t>
+            </a:r>
+            <a:r>
+              <a:rPr lang="en-US" altLang="zh-TW" sz="2400" b="1" dirty="0">
+                <a:solidFill>
+                  <a:schemeClr val="tx1">
+                    <a:lumMod val="75000"/>
+                    <a:lumOff val="25000"/>
+                  </a:schemeClr>
+                </a:solidFill>
+                <a:latin typeface="微軟正黑體" panose="020B0604030504040204" pitchFamily="34" charset="-120"/>
+                <a:ea typeface="微軟正黑體" panose="020B0604030504040204" pitchFamily="34" charset="-120"/>
+              </a:rPr>
+              <a:t>200</a:t>
+            </a:r>
+            <a:r>
+              <a:rPr lang="zh-TW" altLang="en-US" sz="2400" b="1" dirty="0">
+                <a:solidFill>
+                  <a:schemeClr val="tx1">
+                    <a:lumMod val="75000"/>
+                    <a:lumOff val="25000"/>
+                  </a:schemeClr>
+                </a:solidFill>
+                <a:latin typeface="微軟正黑體" panose="020B0604030504040204" pitchFamily="34" charset="-120"/>
+                <a:ea typeface="微軟正黑體" panose="020B0604030504040204" pitchFamily="34" charset="-120"/>
+              </a:rPr>
+              <a:t>日</a:t>
+            </a:r>
+            <a:r>
+              <a:rPr lang="en-US" altLang="zh-TW" sz="2400" b="1" dirty="0">
+                <a:solidFill>
+                  <a:schemeClr val="tx1">
+                    <a:lumMod val="75000"/>
+                    <a:lumOff val="25000"/>
+                  </a:schemeClr>
+                </a:solidFill>
+                <a:latin typeface="微軟正黑體" panose="020B0604030504040204" pitchFamily="34" charset="-120"/>
+                <a:ea typeface="微軟正黑體" panose="020B0604030504040204" pitchFamily="34" charset="-120"/>
+              </a:rPr>
+              <a:t>)</a:t>
+            </a:r>
+            <a:endParaRPr lang="zh-TW" altLang="en-US" sz="2400" b="1" dirty="0">
+              <a:solidFill>
+                <a:schemeClr val="tx1">
+                  <a:lumMod val="75000"/>
+                  <a:lumOff val="25000"/>
+                </a:schemeClr>
+              </a:solidFill>
+              <a:latin typeface="微軟正黑體" panose="020B0604030504040204" pitchFamily="34" charset="-120"/>
+              <a:ea typeface="微軟正黑體" panose="020B0604030504040204" pitchFamily="34" charset="-120"/>
+            </a:endParaRPr>
           </a:p>
           <a:p>
             <a:pPr lvl="0" defTabSz="685800"/>
-            <a:endParaRPr lang="zh-CN" altLang="en-US" sz="3200" b="1" dirty="0">
+            <a:endParaRPr lang="zh-CN" altLang="en-US" sz="2400" b="1" dirty="0">
               <a:solidFill>
                 <a:schemeClr val="tx1">
                   <a:lumMod val="75000"/>
@@ -7413,7 +7198,7 @@
     </p:spTree>
     <p:extLst>
       <p:ext uri="{BB962C8B-B14F-4D97-AF65-F5344CB8AC3E}">
-        <p14:creationId xmlns:p14="http://schemas.microsoft.com/office/powerpoint/2010/main" val="15961207"/>
+        <p14:creationId xmlns:p14="http://schemas.microsoft.com/office/powerpoint/2010/main" val="1937880195"/>
       </p:ext>
     </p:extLst>
   </p:cSld>
@@ -7572,8 +7357,8 @@
         </p:nvSpPr>
         <p:spPr>
           <a:xfrm>
-            <a:off x="1619089" y="1459753"/>
-            <a:ext cx="9907503" cy="4770537"/>
+            <a:off x="1619090" y="2444638"/>
+            <a:ext cx="8996264" cy="2554545"/>
           </a:xfrm>
           <a:prstGeom prst="rect">
             <a:avLst/>
@@ -7590,587 +7375,183 @@
           </a:bodyPr>
           <a:lstStyle/>
           <a:p>
-            <a:pPr lvl="0" defTabSz="685800"/>
-            <a:r>
-              <a:rPr lang="zh-TW" altLang="en-US" sz="3600" b="1" dirty="0" smtClean="0">
-                <a:solidFill>
-                  <a:schemeClr val="tx1">
-                    <a:lumMod val="75000"/>
-                    <a:lumOff val="25000"/>
-                  </a:schemeClr>
-                </a:solidFill>
-                <a:latin typeface="Microsoft JhengHei" charset="-120"/>
-                <a:ea typeface="Microsoft JhengHei" charset="-120"/>
-                <a:cs typeface="Microsoft JhengHei" charset="-120"/>
-                <a:sym typeface="+mn-lt"/>
-              </a:rPr>
-              <a:t>均線扣抵</a:t>
-            </a:r>
-            <a:r>
-              <a:rPr lang="zh-TW" altLang="en-US" sz="3600" b="1" dirty="0" smtClean="0">
-                <a:solidFill>
-                  <a:schemeClr val="tx1">
-                    <a:lumMod val="75000"/>
-                    <a:lumOff val="25000"/>
-                  </a:schemeClr>
-                </a:solidFill>
-                <a:latin typeface="Microsoft JhengHei" charset="-120"/>
-                <a:ea typeface="Microsoft JhengHei" charset="-120"/>
-                <a:cs typeface="Microsoft JhengHei" charset="-120"/>
-                <a:sym typeface="+mn-lt"/>
-              </a:rPr>
-              <a:t>理論</a:t>
-            </a:r>
-            <a:endParaRPr lang="en-US" altLang="zh-TW" sz="3600" b="1" dirty="0">
+            <a:pPr lvl="0">
+              <a:defRPr/>
+            </a:pPr>
+            <a:r>
+              <a:rPr lang="zh-TW" altLang="en-US" sz="3200" b="1" dirty="0">
+                <a:solidFill>
+                  <a:schemeClr val="tx1">
+                    <a:lumMod val="75000"/>
+                    <a:lumOff val="25000"/>
+                  </a:schemeClr>
+                </a:solidFill>
+                <a:latin typeface="微軟正黑體" panose="020B0604030504040204" pitchFamily="34" charset="-120"/>
+                <a:ea typeface="微軟正黑體" panose="020B0604030504040204" pitchFamily="34" charset="-120"/>
+              </a:rPr>
+              <a:t>若三種均線均向下，</a:t>
+            </a:r>
+            <a:r>
+              <a:rPr lang="zh-TW" altLang="en-US" sz="3200" b="1" dirty="0" smtClean="0">
+                <a:solidFill>
+                  <a:schemeClr val="tx1">
+                    <a:lumMod val="75000"/>
+                    <a:lumOff val="25000"/>
+                  </a:schemeClr>
+                </a:solidFill>
+                <a:latin typeface="微軟正黑體" panose="020B0604030504040204" pitchFamily="34" charset="-120"/>
+                <a:ea typeface="微軟正黑體" panose="020B0604030504040204" pitchFamily="34" charset="-120"/>
+              </a:rPr>
+              <a:t>代表空頭</a:t>
+            </a:r>
+            <a:endParaRPr lang="en-US" altLang="zh-TW" sz="3200" b="1" dirty="0">
               <a:solidFill>
                 <a:schemeClr val="tx1">
                   <a:lumMod val="75000"/>
                   <a:lumOff val="25000"/>
                 </a:schemeClr>
               </a:solidFill>
-              <a:latin typeface="Microsoft JhengHei" charset="-120"/>
-              <a:ea typeface="Microsoft JhengHei" charset="-120"/>
-              <a:cs typeface="Microsoft JhengHei" charset="-120"/>
-              <a:sym typeface="+mn-lt"/>
+              <a:latin typeface="微軟正黑體" panose="020B0604030504040204" pitchFamily="34" charset="-120"/>
+              <a:ea typeface="微軟正黑體" panose="020B0604030504040204" pitchFamily="34" charset="-120"/>
             </a:endParaRPr>
           </a:p>
           <a:p>
-            <a:pPr lvl="0" defTabSz="685800"/>
-            <a:r>
-              <a:rPr lang="zh-TW" altLang="en-US" sz="3600" b="1" dirty="0" smtClean="0">
-                <a:solidFill>
-                  <a:schemeClr val="tx1">
-                    <a:lumMod val="75000"/>
-                    <a:lumOff val="25000"/>
-                  </a:schemeClr>
-                </a:solidFill>
-                <a:latin typeface="Microsoft JhengHei" charset="-120"/>
-                <a:ea typeface="Microsoft JhengHei" charset="-120"/>
-                <a:cs typeface="Microsoft JhengHei" charset="-120"/>
-                <a:sym typeface="+mn-lt"/>
-              </a:rPr>
-              <a:t>可以判斷均線未來走向</a:t>
-            </a:r>
-            <a:endParaRPr lang="en-US" altLang="zh-TW" sz="3600" b="1" dirty="0" smtClean="0">
+            <a:pPr lvl="0">
+              <a:defRPr/>
+            </a:pPr>
+            <a:r>
+              <a:rPr lang="zh-TW" altLang="en-US" sz="3200" b="1" dirty="0">
+                <a:solidFill>
+                  <a:schemeClr val="tx1">
+                    <a:lumMod val="75000"/>
+                    <a:lumOff val="25000"/>
+                  </a:schemeClr>
+                </a:solidFill>
+                <a:latin typeface="微軟正黑體" panose="020B0604030504040204" pitchFamily="34" charset="-120"/>
+                <a:ea typeface="微軟正黑體" panose="020B0604030504040204" pitchFamily="34" charset="-120"/>
+              </a:rPr>
+              <a:t>反之，若三種均線均</a:t>
+            </a:r>
+            <a:r>
+              <a:rPr lang="zh-TW" altLang="en-US" sz="3200" b="1" dirty="0" smtClean="0">
+                <a:solidFill>
+                  <a:schemeClr val="tx1">
+                    <a:lumMod val="75000"/>
+                    <a:lumOff val="25000"/>
+                  </a:schemeClr>
+                </a:solidFill>
+                <a:latin typeface="微軟正黑體" panose="020B0604030504040204" pitchFamily="34" charset="-120"/>
+                <a:ea typeface="微軟正黑體" panose="020B0604030504040204" pitchFamily="34" charset="-120"/>
+              </a:rPr>
+              <a:t>向上，則</a:t>
+            </a:r>
+            <a:r>
+              <a:rPr lang="zh-TW" altLang="en-US" sz="3200" b="1" dirty="0">
+                <a:solidFill>
+                  <a:schemeClr val="tx1">
+                    <a:lumMod val="75000"/>
+                    <a:lumOff val="25000"/>
+                  </a:schemeClr>
+                </a:solidFill>
+                <a:latin typeface="微軟正黑體" panose="020B0604030504040204" pitchFamily="34" charset="-120"/>
+                <a:ea typeface="微軟正黑體" panose="020B0604030504040204" pitchFamily="34" charset="-120"/>
+              </a:rPr>
+              <a:t>為</a:t>
+            </a:r>
+            <a:r>
+              <a:rPr lang="zh-TW" altLang="en-US" sz="3200" b="1" dirty="0" smtClean="0">
+                <a:solidFill>
+                  <a:schemeClr val="tx1">
+                    <a:lumMod val="75000"/>
+                    <a:lumOff val="25000"/>
+                  </a:schemeClr>
+                </a:solidFill>
+                <a:latin typeface="微軟正黑體" panose="020B0604030504040204" pitchFamily="34" charset="-120"/>
+                <a:ea typeface="微軟正黑體" panose="020B0604030504040204" pitchFamily="34" charset="-120"/>
+              </a:rPr>
+              <a:t>多頭</a:t>
+            </a:r>
+            <a:endParaRPr lang="en-US" altLang="zh-TW" sz="3200" b="1" dirty="0">
               <a:solidFill>
                 <a:schemeClr val="tx1">
                   <a:lumMod val="75000"/>
                   <a:lumOff val="25000"/>
                 </a:schemeClr>
               </a:solidFill>
-              <a:latin typeface="Microsoft JhengHei" charset="-120"/>
-              <a:ea typeface="Microsoft JhengHei" charset="-120"/>
-              <a:cs typeface="Microsoft JhengHei" charset="-120"/>
-              <a:sym typeface="+mn-lt"/>
+              <a:latin typeface="微軟正黑體" panose="020B0604030504040204" pitchFamily="34" charset="-120"/>
+              <a:ea typeface="微軟正黑體" panose="020B0604030504040204" pitchFamily="34" charset="-120"/>
             </a:endParaRPr>
           </a:p>
           <a:p>
-            <a:pPr lvl="0" defTabSz="685800"/>
-            <a:endParaRPr lang="en-US" altLang="zh-CN" sz="3600" b="1" dirty="0">
+            <a:pPr lvl="0">
+              <a:defRPr/>
+            </a:pPr>
+            <a:endParaRPr lang="en-US" altLang="zh-TW" sz="3200" b="1" dirty="0">
               <a:solidFill>
                 <a:schemeClr val="tx1">
                   <a:lumMod val="75000"/>
                   <a:lumOff val="25000"/>
                 </a:schemeClr>
               </a:solidFill>
-              <a:latin typeface="Microsoft JhengHei" charset="-120"/>
-              <a:ea typeface="Microsoft JhengHei" charset="-120"/>
-              <a:cs typeface="Microsoft JhengHei" charset="-120"/>
-              <a:sym typeface="+mn-lt"/>
+              <a:latin typeface="微軟正黑體" panose="020B0604030504040204" pitchFamily="34" charset="-120"/>
+              <a:ea typeface="微軟正黑體" panose="020B0604030504040204" pitchFamily="34" charset="-120"/>
             </a:endParaRPr>
           </a:p>
           <a:p>
+            <a:pPr lvl="0">
+              <a:defRPr/>
+            </a:pPr>
+            <a:r>
+              <a:rPr lang="zh-TW" altLang="en-US" sz="3200" b="1" dirty="0">
+                <a:solidFill>
+                  <a:schemeClr val="tx1">
+                    <a:lumMod val="75000"/>
+                    <a:lumOff val="25000"/>
+                  </a:schemeClr>
+                </a:solidFill>
+                <a:latin typeface="微軟正黑體" panose="020B0604030504040204" pitchFamily="34" charset="-120"/>
+                <a:ea typeface="微軟正黑體" panose="020B0604030504040204" pitchFamily="34" charset="-120"/>
+              </a:rPr>
+              <a:t>均線可以做為</a:t>
+            </a:r>
+            <a:r>
+              <a:rPr lang="zh-TW" altLang="en-US" sz="3200" b="1" dirty="0">
+                <a:solidFill>
+                  <a:schemeClr val="accent2">
+                    <a:lumMod val="50000"/>
+                  </a:schemeClr>
+                </a:solidFill>
+                <a:latin typeface="微軟正黑體" panose="020B0604030504040204" pitchFamily="34" charset="-120"/>
+                <a:ea typeface="微軟正黑體" panose="020B0604030504040204" pitchFamily="34" charset="-120"/>
+              </a:rPr>
+              <a:t>型態確認、多空轉換</a:t>
+            </a:r>
+            <a:r>
+              <a:rPr lang="zh-TW" altLang="en-US" sz="3200" b="1" dirty="0">
+                <a:solidFill>
+                  <a:schemeClr val="tx1">
+                    <a:lumMod val="75000"/>
+                    <a:lumOff val="25000"/>
+                  </a:schemeClr>
+                </a:solidFill>
+                <a:latin typeface="微軟正黑體" panose="020B0604030504040204" pitchFamily="34" charset="-120"/>
+                <a:ea typeface="微軟正黑體" panose="020B0604030504040204" pitchFamily="34" charset="-120"/>
+              </a:rPr>
+              <a:t>的標的之一</a:t>
+            </a:r>
+          </a:p>
+          <a:p>
             <a:pPr lvl="0" defTabSz="685800"/>
-            <a:r>
-              <a:rPr lang="zh-TW" altLang="en-US" sz="2800" b="1" dirty="0" smtClean="0">
-                <a:solidFill>
-                  <a:schemeClr val="tx1">
-                    <a:lumMod val="75000"/>
-                    <a:lumOff val="25000"/>
-                  </a:schemeClr>
-                </a:solidFill>
-                <a:latin typeface="Microsoft JhengHei" charset="-120"/>
-                <a:ea typeface="Microsoft JhengHei" charset="-120"/>
-                <a:cs typeface="Microsoft JhengHei" charset="-120"/>
-                <a:sym typeface="+mn-lt"/>
-              </a:rPr>
-              <a:t>若以五日均線來判斷</a:t>
-            </a:r>
-            <a:endParaRPr lang="en-US" altLang="zh-TW" sz="2800" b="1" dirty="0" smtClean="0">
+            <a:endParaRPr lang="zh-CN" altLang="en-US" sz="3200" b="1" dirty="0">
               <a:solidFill>
                 <a:schemeClr val="tx1">
                   <a:lumMod val="75000"/>
                   <a:lumOff val="25000"/>
                 </a:schemeClr>
               </a:solidFill>
-              <a:latin typeface="Microsoft JhengHei" charset="-120"/>
-              <a:ea typeface="Microsoft JhengHei" charset="-120"/>
-              <a:cs typeface="Microsoft JhengHei" charset="-120"/>
-              <a:sym typeface="+mn-lt"/>
-            </a:endParaRPr>
-          </a:p>
-          <a:p>
-            <a:pPr lvl="0" defTabSz="685800"/>
-            <a:r>
-              <a:rPr lang="en-US" altLang="zh-CN" sz="2800" b="1" dirty="0">
-                <a:solidFill>
-                  <a:schemeClr val="tx1">
-                    <a:lumMod val="75000"/>
-                    <a:lumOff val="25000"/>
-                  </a:schemeClr>
-                </a:solidFill>
-                <a:latin typeface="Microsoft JhengHei" charset="-120"/>
-                <a:ea typeface="Microsoft JhengHei" charset="-120"/>
-                <a:cs typeface="Microsoft JhengHei" charset="-120"/>
-                <a:sym typeface="+mn-lt"/>
-              </a:rPr>
-              <a:t>	</a:t>
-            </a:r>
-            <a:r>
-              <a:rPr lang="en-US" altLang="zh-TW" sz="2800" b="1" dirty="0" smtClean="0">
-                <a:solidFill>
-                  <a:schemeClr val="tx1">
-                    <a:lumMod val="75000"/>
-                    <a:lumOff val="25000"/>
-                  </a:schemeClr>
-                </a:solidFill>
-                <a:latin typeface="Microsoft JhengHei" charset="-120"/>
-                <a:ea typeface="Microsoft JhengHei" charset="-120"/>
-                <a:cs typeface="Microsoft JhengHei" charset="-120"/>
-                <a:sym typeface="+mn-lt"/>
-              </a:rPr>
-              <a:t>10/13</a:t>
-            </a:r>
-            <a:r>
-              <a:rPr lang="zh-TW" altLang="en-US" sz="2800" b="1" dirty="0" smtClean="0">
-                <a:solidFill>
-                  <a:schemeClr val="tx1">
-                    <a:lumMod val="75000"/>
-                    <a:lumOff val="25000"/>
-                  </a:schemeClr>
-                </a:solidFill>
-                <a:latin typeface="Microsoft JhengHei" charset="-120"/>
-                <a:ea typeface="Microsoft JhengHei" charset="-120"/>
-                <a:cs typeface="Microsoft JhengHei" charset="-120"/>
-                <a:sym typeface="+mn-lt"/>
-              </a:rPr>
-              <a:t>  </a:t>
-            </a:r>
-            <a:r>
-              <a:rPr lang="en-US" altLang="zh-TW" sz="2800" b="1" dirty="0" smtClean="0">
-                <a:solidFill>
-                  <a:schemeClr val="tx1">
-                    <a:lumMod val="75000"/>
-                    <a:lumOff val="25000"/>
-                  </a:schemeClr>
-                </a:solidFill>
-                <a:latin typeface="Microsoft JhengHei" charset="-120"/>
-                <a:ea typeface="Microsoft JhengHei" charset="-120"/>
-                <a:cs typeface="Microsoft JhengHei" charset="-120"/>
-                <a:sym typeface="+mn-lt"/>
-              </a:rPr>
-              <a:t>6285</a:t>
-            </a:r>
-          </a:p>
-          <a:p>
-            <a:pPr lvl="0" defTabSz="685800"/>
-            <a:r>
-              <a:rPr lang="en-US" altLang="zh-CN" sz="2800" b="1" dirty="0">
-                <a:solidFill>
-                  <a:schemeClr val="tx1">
-                    <a:lumMod val="75000"/>
-                    <a:lumOff val="25000"/>
-                  </a:schemeClr>
-                </a:solidFill>
-                <a:latin typeface="Microsoft JhengHei" charset="-120"/>
-                <a:ea typeface="Microsoft JhengHei" charset="-120"/>
-                <a:cs typeface="Microsoft JhengHei" charset="-120"/>
-                <a:sym typeface="+mn-lt"/>
-              </a:rPr>
-              <a:t>	</a:t>
-            </a:r>
-            <a:r>
-              <a:rPr lang="en-US" altLang="zh-TW" sz="2800" b="1" dirty="0" smtClean="0">
-                <a:solidFill>
-                  <a:schemeClr val="tx1">
-                    <a:lumMod val="75000"/>
-                    <a:lumOff val="25000"/>
-                  </a:schemeClr>
-                </a:solidFill>
-                <a:latin typeface="Microsoft JhengHei" charset="-120"/>
-                <a:ea typeface="Microsoft JhengHei" charset="-120"/>
-                <a:cs typeface="Microsoft JhengHei" charset="-120"/>
-                <a:sym typeface="+mn-lt"/>
-              </a:rPr>
-              <a:t>10/14</a:t>
-            </a:r>
-            <a:r>
-              <a:rPr lang="zh-TW" altLang="en-US" sz="2800" b="1" dirty="0" smtClean="0">
-                <a:solidFill>
-                  <a:schemeClr val="tx1">
-                    <a:lumMod val="75000"/>
-                    <a:lumOff val="25000"/>
-                  </a:schemeClr>
-                </a:solidFill>
-                <a:latin typeface="Microsoft JhengHei" charset="-120"/>
-                <a:ea typeface="Microsoft JhengHei" charset="-120"/>
-                <a:cs typeface="Microsoft JhengHei" charset="-120"/>
-                <a:sym typeface="+mn-lt"/>
-              </a:rPr>
-              <a:t>  </a:t>
-            </a:r>
-            <a:r>
-              <a:rPr lang="en-US" altLang="zh-TW" sz="2800" b="1" dirty="0" smtClean="0">
-                <a:solidFill>
-                  <a:schemeClr val="tx1">
-                    <a:lumMod val="75000"/>
-                    <a:lumOff val="25000"/>
-                  </a:schemeClr>
-                </a:solidFill>
-                <a:latin typeface="Microsoft JhengHei" charset="-120"/>
-                <a:ea typeface="Microsoft JhengHei" charset="-120"/>
-                <a:cs typeface="Microsoft JhengHei" charset="-120"/>
-                <a:sym typeface="+mn-lt"/>
-              </a:rPr>
-              <a:t>6314</a:t>
-            </a:r>
-          </a:p>
-          <a:p>
-            <a:pPr lvl="0" defTabSz="685800"/>
-            <a:r>
-              <a:rPr lang="en-US" altLang="zh-CN" sz="2800" b="1" dirty="0">
-                <a:solidFill>
-                  <a:schemeClr val="tx1">
-                    <a:lumMod val="75000"/>
-                    <a:lumOff val="25000"/>
-                  </a:schemeClr>
-                </a:solidFill>
-                <a:latin typeface="Microsoft JhengHei" charset="-120"/>
-                <a:ea typeface="Microsoft JhengHei" charset="-120"/>
-                <a:cs typeface="Microsoft JhengHei" charset="-120"/>
-                <a:sym typeface="+mn-lt"/>
-              </a:rPr>
-              <a:t>	</a:t>
-            </a:r>
-            <a:r>
-              <a:rPr lang="en-US" altLang="zh-TW" sz="2800" b="1" dirty="0" smtClean="0">
-                <a:solidFill>
-                  <a:schemeClr val="tx1">
-                    <a:lumMod val="75000"/>
-                    <a:lumOff val="25000"/>
-                  </a:schemeClr>
-                </a:solidFill>
-                <a:latin typeface="Microsoft JhengHei" charset="-120"/>
-                <a:ea typeface="Microsoft JhengHei" charset="-120"/>
-                <a:cs typeface="Microsoft JhengHei" charset="-120"/>
-                <a:sym typeface="+mn-lt"/>
-              </a:rPr>
-              <a:t>10/15</a:t>
-            </a:r>
-            <a:r>
-              <a:rPr lang="zh-TW" altLang="en-US" sz="2800" b="1" dirty="0" smtClean="0">
-                <a:solidFill>
-                  <a:schemeClr val="tx1">
-                    <a:lumMod val="75000"/>
-                    <a:lumOff val="25000"/>
-                  </a:schemeClr>
-                </a:solidFill>
-                <a:latin typeface="Microsoft JhengHei" charset="-120"/>
-                <a:ea typeface="Microsoft JhengHei" charset="-120"/>
-                <a:cs typeface="Microsoft JhengHei" charset="-120"/>
-                <a:sym typeface="+mn-lt"/>
-              </a:rPr>
-              <a:t>  </a:t>
-            </a:r>
-            <a:r>
-              <a:rPr lang="en-US" altLang="zh-TW" sz="2800" b="1" dirty="0" smtClean="0">
-                <a:solidFill>
-                  <a:schemeClr val="tx1">
-                    <a:lumMod val="75000"/>
-                    <a:lumOff val="25000"/>
-                  </a:schemeClr>
-                </a:solidFill>
-                <a:latin typeface="Microsoft JhengHei" charset="-120"/>
-                <a:ea typeface="Microsoft JhengHei" charset="-120"/>
-                <a:cs typeface="Microsoft JhengHei" charset="-120"/>
-                <a:sym typeface="+mn-lt"/>
-              </a:rPr>
-              <a:t>6328	</a:t>
-            </a:r>
-          </a:p>
-          <a:p>
-            <a:pPr lvl="0" defTabSz="685800"/>
-            <a:r>
-              <a:rPr lang="en-US" altLang="zh-CN" sz="2800" b="1" dirty="0">
-                <a:solidFill>
-                  <a:schemeClr val="tx1">
-                    <a:lumMod val="75000"/>
-                    <a:lumOff val="25000"/>
-                  </a:schemeClr>
-                </a:solidFill>
-                <a:latin typeface="Microsoft JhengHei" charset="-120"/>
-                <a:ea typeface="Microsoft JhengHei" charset="-120"/>
-                <a:cs typeface="Microsoft JhengHei" charset="-120"/>
-                <a:sym typeface="+mn-lt"/>
-              </a:rPr>
-              <a:t>	</a:t>
-            </a:r>
-            <a:r>
-              <a:rPr lang="en-US" altLang="zh-TW" sz="2800" b="1" dirty="0" smtClean="0">
-                <a:solidFill>
-                  <a:schemeClr val="tx1">
-                    <a:lumMod val="75000"/>
-                    <a:lumOff val="25000"/>
-                  </a:schemeClr>
-                </a:solidFill>
-                <a:latin typeface="Microsoft JhengHei" charset="-120"/>
-                <a:ea typeface="Microsoft JhengHei" charset="-120"/>
-                <a:cs typeface="Microsoft JhengHei" charset="-120"/>
-                <a:sym typeface="+mn-lt"/>
-              </a:rPr>
-              <a:t>10/16</a:t>
-            </a:r>
-            <a:r>
-              <a:rPr lang="zh-TW" altLang="en-US" sz="2800" b="1" dirty="0" smtClean="0">
-                <a:solidFill>
-                  <a:schemeClr val="tx1">
-                    <a:lumMod val="75000"/>
-                    <a:lumOff val="25000"/>
-                  </a:schemeClr>
-                </a:solidFill>
-                <a:latin typeface="Microsoft JhengHei" charset="-120"/>
-                <a:ea typeface="Microsoft JhengHei" charset="-120"/>
-                <a:cs typeface="Microsoft JhengHei" charset="-120"/>
-                <a:sym typeface="+mn-lt"/>
-              </a:rPr>
-              <a:t>  </a:t>
-            </a:r>
-            <a:r>
-              <a:rPr lang="en-US" altLang="zh-TW" sz="2800" b="1" dirty="0" smtClean="0">
-                <a:solidFill>
-                  <a:schemeClr val="tx1">
-                    <a:lumMod val="75000"/>
-                    <a:lumOff val="25000"/>
-                  </a:schemeClr>
-                </a:solidFill>
-                <a:latin typeface="Microsoft JhengHei" charset="-120"/>
-                <a:ea typeface="Microsoft JhengHei" charset="-120"/>
-                <a:cs typeface="Microsoft JhengHei" charset="-120"/>
-                <a:sym typeface="+mn-lt"/>
-              </a:rPr>
-              <a:t>6659	</a:t>
-            </a:r>
-          </a:p>
-          <a:p>
-            <a:pPr lvl="0" defTabSz="685800"/>
-            <a:r>
-              <a:rPr lang="en-US" altLang="zh-CN" sz="2800" b="1" dirty="0">
-                <a:solidFill>
-                  <a:schemeClr val="tx1">
-                    <a:lumMod val="75000"/>
-                    <a:lumOff val="25000"/>
-                  </a:schemeClr>
-                </a:solidFill>
-                <a:latin typeface="Microsoft JhengHei" charset="-120"/>
-                <a:ea typeface="Microsoft JhengHei" charset="-120"/>
-                <a:cs typeface="Microsoft JhengHei" charset="-120"/>
-                <a:sym typeface="+mn-lt"/>
-              </a:rPr>
-              <a:t>	</a:t>
-            </a:r>
-            <a:r>
-              <a:rPr lang="en-US" altLang="zh-TW" sz="2800" b="1" dirty="0" smtClean="0">
-                <a:solidFill>
-                  <a:schemeClr val="tx1">
-                    <a:lumMod val="75000"/>
-                    <a:lumOff val="25000"/>
-                  </a:schemeClr>
-                </a:solidFill>
-                <a:latin typeface="Microsoft JhengHei" charset="-120"/>
-                <a:ea typeface="Microsoft JhengHei" charset="-120"/>
-                <a:cs typeface="Microsoft JhengHei" charset="-120"/>
-                <a:sym typeface="+mn-lt"/>
-              </a:rPr>
-              <a:t>10/17</a:t>
-            </a:r>
-            <a:r>
-              <a:rPr lang="zh-TW" altLang="en-US" sz="2800" b="1" dirty="0" smtClean="0">
-                <a:solidFill>
-                  <a:schemeClr val="tx1">
-                    <a:lumMod val="75000"/>
-                    <a:lumOff val="25000"/>
-                  </a:schemeClr>
-                </a:solidFill>
-                <a:latin typeface="Microsoft JhengHei" charset="-120"/>
-                <a:ea typeface="Microsoft JhengHei" charset="-120"/>
-                <a:cs typeface="Microsoft JhengHei" charset="-120"/>
-                <a:sym typeface="+mn-lt"/>
-              </a:rPr>
-              <a:t>  </a:t>
-            </a:r>
-            <a:r>
-              <a:rPr lang="en-US" altLang="zh-TW" sz="2800" b="1" dirty="0" smtClean="0">
-                <a:solidFill>
-                  <a:schemeClr val="tx1">
-                    <a:lumMod val="75000"/>
-                    <a:lumOff val="25000"/>
-                  </a:schemeClr>
-                </a:solidFill>
-                <a:latin typeface="Microsoft JhengHei" charset="-120"/>
-                <a:ea typeface="Microsoft JhengHei" charset="-120"/>
-                <a:cs typeface="Microsoft JhengHei" charset="-120"/>
-                <a:sym typeface="+mn-lt"/>
-              </a:rPr>
-              <a:t>6635</a:t>
-            </a:r>
-          </a:p>
-          <a:p>
-            <a:pPr lvl="0" defTabSz="685800"/>
-            <a:r>
-              <a:rPr lang="zh-TW" altLang="en-US" sz="2800" b="1" dirty="0" smtClean="0">
-                <a:solidFill>
-                  <a:schemeClr val="tx1">
-                    <a:lumMod val="75000"/>
-                    <a:lumOff val="25000"/>
-                  </a:schemeClr>
-                </a:solidFill>
-                <a:latin typeface="Microsoft JhengHei" charset="-120"/>
-                <a:ea typeface="Microsoft JhengHei" charset="-120"/>
-                <a:cs typeface="Microsoft JhengHei" charset="-120"/>
-                <a:sym typeface="+mn-lt"/>
-              </a:rPr>
-              <a:t>若</a:t>
-            </a:r>
-            <a:r>
-              <a:rPr lang="en-US" altLang="zh-TW" sz="2800" b="1" dirty="0" smtClean="0">
-                <a:solidFill>
-                  <a:schemeClr val="tx1">
-                    <a:lumMod val="75000"/>
-                    <a:lumOff val="25000"/>
-                  </a:schemeClr>
-                </a:solidFill>
-                <a:latin typeface="Microsoft JhengHei" charset="-120"/>
-                <a:ea typeface="Microsoft JhengHei" charset="-120"/>
-                <a:cs typeface="Microsoft JhengHei" charset="-120"/>
-                <a:sym typeface="+mn-lt"/>
-              </a:rPr>
-              <a:t>10/18</a:t>
-            </a:r>
-            <a:r>
-              <a:rPr lang="zh-TW" altLang="en-US" sz="2800" b="1" dirty="0" smtClean="0">
-                <a:solidFill>
-                  <a:schemeClr val="tx1">
-                    <a:lumMod val="75000"/>
-                    <a:lumOff val="25000"/>
-                  </a:schemeClr>
-                </a:solidFill>
-                <a:latin typeface="Microsoft JhengHei" charset="-120"/>
-                <a:ea typeface="Microsoft JhengHei" charset="-120"/>
-                <a:cs typeface="Microsoft JhengHei" charset="-120"/>
-                <a:sym typeface="+mn-lt"/>
-              </a:rPr>
-              <a:t>日的價格高於</a:t>
-            </a:r>
-            <a:r>
-              <a:rPr lang="en-US" altLang="zh-TW" sz="2800" b="1" dirty="0" smtClean="0">
-                <a:solidFill>
-                  <a:schemeClr val="tx1">
-                    <a:lumMod val="75000"/>
-                    <a:lumOff val="25000"/>
-                  </a:schemeClr>
-                </a:solidFill>
-                <a:latin typeface="Microsoft JhengHei" charset="-120"/>
-                <a:ea typeface="Microsoft JhengHei" charset="-120"/>
-                <a:cs typeface="Microsoft JhengHei" charset="-120"/>
-                <a:sym typeface="+mn-lt"/>
-              </a:rPr>
-              <a:t>5</a:t>
-            </a:r>
-            <a:r>
-              <a:rPr lang="zh-TW" altLang="en-US" sz="2800" b="1" dirty="0" smtClean="0">
-                <a:solidFill>
-                  <a:schemeClr val="tx1">
-                    <a:lumMod val="75000"/>
-                    <a:lumOff val="25000"/>
-                  </a:schemeClr>
-                </a:solidFill>
-                <a:latin typeface="Microsoft JhengHei" charset="-120"/>
-                <a:ea typeface="Microsoft JhengHei" charset="-120"/>
-                <a:cs typeface="Microsoft JhengHei" charset="-120"/>
-                <a:sym typeface="+mn-lt"/>
-              </a:rPr>
-              <a:t>日前</a:t>
-            </a:r>
-            <a:r>
-              <a:rPr lang="en-US" altLang="zh-TW" sz="2800" b="1" dirty="0" smtClean="0">
-                <a:solidFill>
-                  <a:schemeClr val="tx1">
-                    <a:lumMod val="75000"/>
-                    <a:lumOff val="25000"/>
-                  </a:schemeClr>
-                </a:solidFill>
-                <a:latin typeface="Microsoft JhengHei" charset="-120"/>
-                <a:ea typeface="Microsoft JhengHei" charset="-120"/>
-                <a:cs typeface="Microsoft JhengHei" charset="-120"/>
-                <a:sym typeface="+mn-lt"/>
-              </a:rPr>
-              <a:t>(10/13)</a:t>
-            </a:r>
-            <a:r>
-              <a:rPr lang="zh-TW" altLang="en-US" sz="2800" b="1" dirty="0" smtClean="0">
-                <a:solidFill>
-                  <a:schemeClr val="tx1">
-                    <a:lumMod val="75000"/>
-                    <a:lumOff val="25000"/>
-                  </a:schemeClr>
-                </a:solidFill>
-                <a:latin typeface="Microsoft JhengHei" charset="-120"/>
-                <a:ea typeface="Microsoft JhengHei" charset="-120"/>
-                <a:cs typeface="Microsoft JhengHei" charset="-120"/>
-                <a:sym typeface="+mn-lt"/>
-              </a:rPr>
-              <a:t>的</a:t>
-            </a:r>
-            <a:r>
-              <a:rPr lang="en-US" altLang="zh-TW" sz="2800" b="1" dirty="0" smtClean="0">
-                <a:solidFill>
-                  <a:schemeClr val="tx1">
-                    <a:lumMod val="75000"/>
-                    <a:lumOff val="25000"/>
-                  </a:schemeClr>
-                </a:solidFill>
-                <a:latin typeface="Microsoft JhengHei" charset="-120"/>
-                <a:ea typeface="Microsoft JhengHei" charset="-120"/>
-                <a:cs typeface="Microsoft JhengHei" charset="-120"/>
-                <a:sym typeface="+mn-lt"/>
-              </a:rPr>
-              <a:t>6285</a:t>
-            </a:r>
-            <a:r>
-              <a:rPr lang="zh-TW" altLang="en-US" sz="2800" b="1" dirty="0" smtClean="0">
-                <a:solidFill>
-                  <a:schemeClr val="tx1">
-                    <a:lumMod val="75000"/>
-                    <a:lumOff val="25000"/>
-                  </a:schemeClr>
-                </a:solidFill>
-                <a:latin typeface="Microsoft JhengHei" charset="-120"/>
-                <a:ea typeface="Microsoft JhengHei" charset="-120"/>
-                <a:cs typeface="Microsoft JhengHei" charset="-120"/>
-                <a:sym typeface="+mn-lt"/>
-              </a:rPr>
-              <a:t>，均線將會上揚</a:t>
-            </a:r>
-            <a:endParaRPr lang="zh-CN" altLang="en-US" sz="2800" b="1" dirty="0">
-              <a:solidFill>
-                <a:schemeClr val="tx1">
-                  <a:lumMod val="75000"/>
-                  <a:lumOff val="25000"/>
-                </a:schemeClr>
-              </a:solidFill>
-              <a:latin typeface="Microsoft JhengHei" charset="-120"/>
-              <a:ea typeface="Microsoft JhengHei" charset="-120"/>
-              <a:cs typeface="Microsoft JhengHei" charset="-120"/>
+              <a:latin typeface="思源黑体 CN Bold" panose="020B0800000000000000" pitchFamily="34" charset="-122"/>
+              <a:ea typeface="思源黑体 CN Bold" panose="020B0800000000000000" pitchFamily="34" charset="-122"/>
+              <a:cs typeface="+mn-ea"/>
               <a:sym typeface="+mn-lt"/>
             </a:endParaRPr>
           </a:p>
@@ -8179,7 +7560,7 @@
     </p:spTree>
     <p:extLst>
       <p:ext uri="{BB962C8B-B14F-4D97-AF65-F5344CB8AC3E}">
-        <p14:creationId xmlns:p14="http://schemas.microsoft.com/office/powerpoint/2010/main" val="1782054272"/>
+        <p14:creationId xmlns:p14="http://schemas.microsoft.com/office/powerpoint/2010/main" val="15961207"/>
       </p:ext>
     </p:extLst>
   </p:cSld>
@@ -8338,8 +7719,8 @@
         </p:nvSpPr>
         <p:spPr>
           <a:xfrm>
-            <a:off x="5027309" y="3044801"/>
-            <a:ext cx="2179826" cy="1200329"/>
+            <a:off x="1619089" y="1459753"/>
+            <a:ext cx="9907503" cy="4770537"/>
           </a:xfrm>
           <a:prstGeom prst="rect">
             <a:avLst/>
@@ -8358,7 +7739,7 @@
           <a:p>
             <a:pPr lvl="0" defTabSz="685800"/>
             <a:r>
-              <a:rPr lang="zh-TW" altLang="en-US" sz="7200" b="1" dirty="0">
+              <a:rPr lang="zh-TW" altLang="en-US" sz="3600" b="1" dirty="0" smtClean="0">
                 <a:solidFill>
                   <a:schemeClr val="tx1">
                     <a:lumMod val="75000"/>
@@ -8370,9 +7751,9 @@
                 <a:cs typeface="Microsoft JhengHei" charset="-120"/>
                 <a:sym typeface="+mn-lt"/>
               </a:rPr>
-              <a:t>盲點</a:t>
-            </a:r>
-            <a:endParaRPr lang="zh-CN" altLang="en-US" sz="7200" b="1" dirty="0">
+              <a:t>均線扣抵理論</a:t>
+            </a:r>
+            <a:endParaRPr lang="en-US" altLang="zh-TW" sz="3600" b="1" dirty="0">
               <a:solidFill>
                 <a:schemeClr val="tx1">
                   <a:lumMod val="75000"/>
@@ -8385,12 +7766,552 @@
               <a:sym typeface="+mn-lt"/>
             </a:endParaRPr>
           </a:p>
+          <a:p>
+            <a:pPr lvl="0" defTabSz="685800"/>
+            <a:r>
+              <a:rPr lang="zh-TW" altLang="en-US" sz="3600" b="1" dirty="0" smtClean="0">
+                <a:solidFill>
+                  <a:schemeClr val="tx1">
+                    <a:lumMod val="75000"/>
+                    <a:lumOff val="25000"/>
+                  </a:schemeClr>
+                </a:solidFill>
+                <a:latin typeface="Microsoft JhengHei" charset="-120"/>
+                <a:ea typeface="Microsoft JhengHei" charset="-120"/>
+                <a:cs typeface="Microsoft JhengHei" charset="-120"/>
+                <a:sym typeface="+mn-lt"/>
+              </a:rPr>
+              <a:t>可以判斷均線未來走向</a:t>
+            </a:r>
+            <a:endParaRPr lang="en-US" altLang="zh-TW" sz="3600" b="1" dirty="0" smtClean="0">
+              <a:solidFill>
+                <a:schemeClr val="tx1">
+                  <a:lumMod val="75000"/>
+                  <a:lumOff val="25000"/>
+                </a:schemeClr>
+              </a:solidFill>
+              <a:latin typeface="Microsoft JhengHei" charset="-120"/>
+              <a:ea typeface="Microsoft JhengHei" charset="-120"/>
+              <a:cs typeface="Microsoft JhengHei" charset="-120"/>
+              <a:sym typeface="+mn-lt"/>
+            </a:endParaRPr>
+          </a:p>
+          <a:p>
+            <a:pPr lvl="0" defTabSz="685800"/>
+            <a:endParaRPr lang="en-US" altLang="zh-CN" sz="3600" b="1" dirty="0">
+              <a:solidFill>
+                <a:schemeClr val="tx1">
+                  <a:lumMod val="75000"/>
+                  <a:lumOff val="25000"/>
+                </a:schemeClr>
+              </a:solidFill>
+              <a:latin typeface="Microsoft JhengHei" charset="-120"/>
+              <a:ea typeface="Microsoft JhengHei" charset="-120"/>
+              <a:cs typeface="Microsoft JhengHei" charset="-120"/>
+              <a:sym typeface="+mn-lt"/>
+            </a:endParaRPr>
+          </a:p>
+          <a:p>
+            <a:pPr lvl="0" defTabSz="685800"/>
+            <a:r>
+              <a:rPr lang="zh-TW" altLang="en-US" sz="2800" b="1" dirty="0" smtClean="0">
+                <a:solidFill>
+                  <a:schemeClr val="tx1">
+                    <a:lumMod val="75000"/>
+                    <a:lumOff val="25000"/>
+                  </a:schemeClr>
+                </a:solidFill>
+                <a:latin typeface="Microsoft JhengHei" charset="-120"/>
+                <a:ea typeface="Microsoft JhengHei" charset="-120"/>
+                <a:cs typeface="Microsoft JhengHei" charset="-120"/>
+                <a:sym typeface="+mn-lt"/>
+              </a:rPr>
+              <a:t>若以五日均線來判斷</a:t>
+            </a:r>
+            <a:endParaRPr lang="en-US" altLang="zh-TW" sz="2800" b="1" dirty="0" smtClean="0">
+              <a:solidFill>
+                <a:schemeClr val="tx1">
+                  <a:lumMod val="75000"/>
+                  <a:lumOff val="25000"/>
+                </a:schemeClr>
+              </a:solidFill>
+              <a:latin typeface="Microsoft JhengHei" charset="-120"/>
+              <a:ea typeface="Microsoft JhengHei" charset="-120"/>
+              <a:cs typeface="Microsoft JhengHei" charset="-120"/>
+              <a:sym typeface="+mn-lt"/>
+            </a:endParaRPr>
+          </a:p>
+          <a:p>
+            <a:pPr lvl="0" defTabSz="685800"/>
+            <a:r>
+              <a:rPr lang="en-US" altLang="zh-CN" sz="2800" b="1" dirty="0">
+                <a:solidFill>
+                  <a:schemeClr val="tx1">
+                    <a:lumMod val="75000"/>
+                    <a:lumOff val="25000"/>
+                  </a:schemeClr>
+                </a:solidFill>
+                <a:latin typeface="Microsoft JhengHei" charset="-120"/>
+                <a:ea typeface="Microsoft JhengHei" charset="-120"/>
+                <a:cs typeface="Microsoft JhengHei" charset="-120"/>
+                <a:sym typeface="+mn-lt"/>
+              </a:rPr>
+              <a:t>	</a:t>
+            </a:r>
+            <a:r>
+              <a:rPr lang="en-US" altLang="zh-TW" sz="2800" b="1" dirty="0" smtClean="0">
+                <a:solidFill>
+                  <a:schemeClr val="tx1">
+                    <a:lumMod val="75000"/>
+                    <a:lumOff val="25000"/>
+                  </a:schemeClr>
+                </a:solidFill>
+                <a:latin typeface="Microsoft JhengHei" charset="-120"/>
+                <a:ea typeface="Microsoft JhengHei" charset="-120"/>
+                <a:cs typeface="Microsoft JhengHei" charset="-120"/>
+                <a:sym typeface="+mn-lt"/>
+              </a:rPr>
+              <a:t>10/13</a:t>
+            </a:r>
+            <a:r>
+              <a:rPr lang="zh-TW" altLang="en-US" sz="2800" b="1" dirty="0" smtClean="0">
+                <a:solidFill>
+                  <a:schemeClr val="tx1">
+                    <a:lumMod val="75000"/>
+                    <a:lumOff val="25000"/>
+                  </a:schemeClr>
+                </a:solidFill>
+                <a:latin typeface="Microsoft JhengHei" charset="-120"/>
+                <a:ea typeface="Microsoft JhengHei" charset="-120"/>
+                <a:cs typeface="Microsoft JhengHei" charset="-120"/>
+                <a:sym typeface="+mn-lt"/>
+              </a:rPr>
+              <a:t>  </a:t>
+            </a:r>
+            <a:r>
+              <a:rPr lang="en-US" altLang="zh-TW" sz="2800" b="1" dirty="0" smtClean="0">
+                <a:solidFill>
+                  <a:schemeClr val="tx1">
+                    <a:lumMod val="75000"/>
+                    <a:lumOff val="25000"/>
+                  </a:schemeClr>
+                </a:solidFill>
+                <a:latin typeface="Microsoft JhengHei" charset="-120"/>
+                <a:ea typeface="Microsoft JhengHei" charset="-120"/>
+                <a:cs typeface="Microsoft JhengHei" charset="-120"/>
+                <a:sym typeface="+mn-lt"/>
+              </a:rPr>
+              <a:t>6285</a:t>
+            </a:r>
+          </a:p>
+          <a:p>
+            <a:pPr lvl="0" defTabSz="685800"/>
+            <a:r>
+              <a:rPr lang="en-US" altLang="zh-CN" sz="2800" b="1" dirty="0">
+                <a:solidFill>
+                  <a:schemeClr val="tx1">
+                    <a:lumMod val="75000"/>
+                    <a:lumOff val="25000"/>
+                  </a:schemeClr>
+                </a:solidFill>
+                <a:latin typeface="Microsoft JhengHei" charset="-120"/>
+                <a:ea typeface="Microsoft JhengHei" charset="-120"/>
+                <a:cs typeface="Microsoft JhengHei" charset="-120"/>
+                <a:sym typeface="+mn-lt"/>
+              </a:rPr>
+              <a:t>	</a:t>
+            </a:r>
+            <a:r>
+              <a:rPr lang="en-US" altLang="zh-TW" sz="2800" b="1" dirty="0" smtClean="0">
+                <a:solidFill>
+                  <a:schemeClr val="tx1">
+                    <a:lumMod val="75000"/>
+                    <a:lumOff val="25000"/>
+                  </a:schemeClr>
+                </a:solidFill>
+                <a:latin typeface="Microsoft JhengHei" charset="-120"/>
+                <a:ea typeface="Microsoft JhengHei" charset="-120"/>
+                <a:cs typeface="Microsoft JhengHei" charset="-120"/>
+                <a:sym typeface="+mn-lt"/>
+              </a:rPr>
+              <a:t>10/14</a:t>
+            </a:r>
+            <a:r>
+              <a:rPr lang="zh-TW" altLang="en-US" sz="2800" b="1" dirty="0" smtClean="0">
+                <a:solidFill>
+                  <a:schemeClr val="tx1">
+                    <a:lumMod val="75000"/>
+                    <a:lumOff val="25000"/>
+                  </a:schemeClr>
+                </a:solidFill>
+                <a:latin typeface="Microsoft JhengHei" charset="-120"/>
+                <a:ea typeface="Microsoft JhengHei" charset="-120"/>
+                <a:cs typeface="Microsoft JhengHei" charset="-120"/>
+                <a:sym typeface="+mn-lt"/>
+              </a:rPr>
+              <a:t>  </a:t>
+            </a:r>
+            <a:r>
+              <a:rPr lang="en-US" altLang="zh-TW" sz="2800" b="1" dirty="0" smtClean="0">
+                <a:solidFill>
+                  <a:schemeClr val="tx1">
+                    <a:lumMod val="75000"/>
+                    <a:lumOff val="25000"/>
+                  </a:schemeClr>
+                </a:solidFill>
+                <a:latin typeface="Microsoft JhengHei" charset="-120"/>
+                <a:ea typeface="Microsoft JhengHei" charset="-120"/>
+                <a:cs typeface="Microsoft JhengHei" charset="-120"/>
+                <a:sym typeface="+mn-lt"/>
+              </a:rPr>
+              <a:t>6314</a:t>
+            </a:r>
+          </a:p>
+          <a:p>
+            <a:pPr lvl="0" defTabSz="685800"/>
+            <a:r>
+              <a:rPr lang="en-US" altLang="zh-CN" sz="2800" b="1" dirty="0">
+                <a:solidFill>
+                  <a:schemeClr val="tx1">
+                    <a:lumMod val="75000"/>
+                    <a:lumOff val="25000"/>
+                  </a:schemeClr>
+                </a:solidFill>
+                <a:latin typeface="Microsoft JhengHei" charset="-120"/>
+                <a:ea typeface="Microsoft JhengHei" charset="-120"/>
+                <a:cs typeface="Microsoft JhengHei" charset="-120"/>
+                <a:sym typeface="+mn-lt"/>
+              </a:rPr>
+              <a:t>	</a:t>
+            </a:r>
+            <a:r>
+              <a:rPr lang="en-US" altLang="zh-TW" sz="2800" b="1" dirty="0" smtClean="0">
+                <a:solidFill>
+                  <a:schemeClr val="tx1">
+                    <a:lumMod val="75000"/>
+                    <a:lumOff val="25000"/>
+                  </a:schemeClr>
+                </a:solidFill>
+                <a:latin typeface="Microsoft JhengHei" charset="-120"/>
+                <a:ea typeface="Microsoft JhengHei" charset="-120"/>
+                <a:cs typeface="Microsoft JhengHei" charset="-120"/>
+                <a:sym typeface="+mn-lt"/>
+              </a:rPr>
+              <a:t>10/15</a:t>
+            </a:r>
+            <a:r>
+              <a:rPr lang="zh-TW" altLang="en-US" sz="2800" b="1" dirty="0" smtClean="0">
+                <a:solidFill>
+                  <a:schemeClr val="tx1">
+                    <a:lumMod val="75000"/>
+                    <a:lumOff val="25000"/>
+                  </a:schemeClr>
+                </a:solidFill>
+                <a:latin typeface="Microsoft JhengHei" charset="-120"/>
+                <a:ea typeface="Microsoft JhengHei" charset="-120"/>
+                <a:cs typeface="Microsoft JhengHei" charset="-120"/>
+                <a:sym typeface="+mn-lt"/>
+              </a:rPr>
+              <a:t>  </a:t>
+            </a:r>
+            <a:r>
+              <a:rPr lang="en-US" altLang="zh-TW" sz="2800" b="1" dirty="0" smtClean="0">
+                <a:solidFill>
+                  <a:schemeClr val="tx1">
+                    <a:lumMod val="75000"/>
+                    <a:lumOff val="25000"/>
+                  </a:schemeClr>
+                </a:solidFill>
+                <a:latin typeface="Microsoft JhengHei" charset="-120"/>
+                <a:ea typeface="Microsoft JhengHei" charset="-120"/>
+                <a:cs typeface="Microsoft JhengHei" charset="-120"/>
+                <a:sym typeface="+mn-lt"/>
+              </a:rPr>
+              <a:t>6328	</a:t>
+            </a:r>
+          </a:p>
+          <a:p>
+            <a:pPr lvl="0" defTabSz="685800"/>
+            <a:r>
+              <a:rPr lang="en-US" altLang="zh-CN" sz="2800" b="1" dirty="0">
+                <a:solidFill>
+                  <a:schemeClr val="tx1">
+                    <a:lumMod val="75000"/>
+                    <a:lumOff val="25000"/>
+                  </a:schemeClr>
+                </a:solidFill>
+                <a:latin typeface="Microsoft JhengHei" charset="-120"/>
+                <a:ea typeface="Microsoft JhengHei" charset="-120"/>
+                <a:cs typeface="Microsoft JhengHei" charset="-120"/>
+                <a:sym typeface="+mn-lt"/>
+              </a:rPr>
+              <a:t>	</a:t>
+            </a:r>
+            <a:r>
+              <a:rPr lang="en-US" altLang="zh-TW" sz="2800" b="1" dirty="0" smtClean="0">
+                <a:solidFill>
+                  <a:schemeClr val="tx1">
+                    <a:lumMod val="75000"/>
+                    <a:lumOff val="25000"/>
+                  </a:schemeClr>
+                </a:solidFill>
+                <a:latin typeface="Microsoft JhengHei" charset="-120"/>
+                <a:ea typeface="Microsoft JhengHei" charset="-120"/>
+                <a:cs typeface="Microsoft JhengHei" charset="-120"/>
+                <a:sym typeface="+mn-lt"/>
+              </a:rPr>
+              <a:t>10/16</a:t>
+            </a:r>
+            <a:r>
+              <a:rPr lang="zh-TW" altLang="en-US" sz="2800" b="1" dirty="0" smtClean="0">
+                <a:solidFill>
+                  <a:schemeClr val="tx1">
+                    <a:lumMod val="75000"/>
+                    <a:lumOff val="25000"/>
+                  </a:schemeClr>
+                </a:solidFill>
+                <a:latin typeface="Microsoft JhengHei" charset="-120"/>
+                <a:ea typeface="Microsoft JhengHei" charset="-120"/>
+                <a:cs typeface="Microsoft JhengHei" charset="-120"/>
+                <a:sym typeface="+mn-lt"/>
+              </a:rPr>
+              <a:t>  </a:t>
+            </a:r>
+            <a:r>
+              <a:rPr lang="en-US" altLang="zh-TW" sz="2800" b="1" dirty="0" smtClean="0">
+                <a:solidFill>
+                  <a:schemeClr val="tx1">
+                    <a:lumMod val="75000"/>
+                    <a:lumOff val="25000"/>
+                  </a:schemeClr>
+                </a:solidFill>
+                <a:latin typeface="Microsoft JhengHei" charset="-120"/>
+                <a:ea typeface="Microsoft JhengHei" charset="-120"/>
+                <a:cs typeface="Microsoft JhengHei" charset="-120"/>
+                <a:sym typeface="+mn-lt"/>
+              </a:rPr>
+              <a:t>6659	</a:t>
+            </a:r>
+          </a:p>
+          <a:p>
+            <a:pPr lvl="0" defTabSz="685800"/>
+            <a:r>
+              <a:rPr lang="en-US" altLang="zh-CN" sz="2800" b="1" dirty="0">
+                <a:solidFill>
+                  <a:schemeClr val="tx1">
+                    <a:lumMod val="75000"/>
+                    <a:lumOff val="25000"/>
+                  </a:schemeClr>
+                </a:solidFill>
+                <a:latin typeface="Microsoft JhengHei" charset="-120"/>
+                <a:ea typeface="Microsoft JhengHei" charset="-120"/>
+                <a:cs typeface="Microsoft JhengHei" charset="-120"/>
+                <a:sym typeface="+mn-lt"/>
+              </a:rPr>
+              <a:t>	</a:t>
+            </a:r>
+            <a:r>
+              <a:rPr lang="en-US" altLang="zh-TW" sz="2800" b="1" dirty="0" smtClean="0">
+                <a:solidFill>
+                  <a:schemeClr val="tx1">
+                    <a:lumMod val="75000"/>
+                    <a:lumOff val="25000"/>
+                  </a:schemeClr>
+                </a:solidFill>
+                <a:latin typeface="Microsoft JhengHei" charset="-120"/>
+                <a:ea typeface="Microsoft JhengHei" charset="-120"/>
+                <a:cs typeface="Microsoft JhengHei" charset="-120"/>
+                <a:sym typeface="+mn-lt"/>
+              </a:rPr>
+              <a:t>10/17</a:t>
+            </a:r>
+            <a:r>
+              <a:rPr lang="zh-TW" altLang="en-US" sz="2800" b="1" dirty="0" smtClean="0">
+                <a:solidFill>
+                  <a:schemeClr val="tx1">
+                    <a:lumMod val="75000"/>
+                    <a:lumOff val="25000"/>
+                  </a:schemeClr>
+                </a:solidFill>
+                <a:latin typeface="Microsoft JhengHei" charset="-120"/>
+                <a:ea typeface="Microsoft JhengHei" charset="-120"/>
+                <a:cs typeface="Microsoft JhengHei" charset="-120"/>
+                <a:sym typeface="+mn-lt"/>
+              </a:rPr>
+              <a:t>  </a:t>
+            </a:r>
+            <a:r>
+              <a:rPr lang="en-US" altLang="zh-TW" sz="2800" b="1" dirty="0" smtClean="0">
+                <a:solidFill>
+                  <a:schemeClr val="tx1">
+                    <a:lumMod val="75000"/>
+                    <a:lumOff val="25000"/>
+                  </a:schemeClr>
+                </a:solidFill>
+                <a:latin typeface="Microsoft JhengHei" charset="-120"/>
+                <a:ea typeface="Microsoft JhengHei" charset="-120"/>
+                <a:cs typeface="Microsoft JhengHei" charset="-120"/>
+                <a:sym typeface="+mn-lt"/>
+              </a:rPr>
+              <a:t>6635</a:t>
+            </a:r>
+          </a:p>
+          <a:p>
+            <a:pPr lvl="0" defTabSz="685800"/>
+            <a:r>
+              <a:rPr lang="zh-TW" altLang="en-US" sz="2800" b="1" dirty="0" smtClean="0">
+                <a:solidFill>
+                  <a:schemeClr val="tx1">
+                    <a:lumMod val="75000"/>
+                    <a:lumOff val="25000"/>
+                  </a:schemeClr>
+                </a:solidFill>
+                <a:latin typeface="Microsoft JhengHei" charset="-120"/>
+                <a:ea typeface="Microsoft JhengHei" charset="-120"/>
+                <a:cs typeface="Microsoft JhengHei" charset="-120"/>
+                <a:sym typeface="+mn-lt"/>
+              </a:rPr>
+              <a:t>若</a:t>
+            </a:r>
+            <a:r>
+              <a:rPr lang="en-US" altLang="zh-TW" sz="2800" b="1" dirty="0" smtClean="0">
+                <a:solidFill>
+                  <a:schemeClr val="tx1">
+                    <a:lumMod val="75000"/>
+                    <a:lumOff val="25000"/>
+                  </a:schemeClr>
+                </a:solidFill>
+                <a:latin typeface="Microsoft JhengHei" charset="-120"/>
+                <a:ea typeface="Microsoft JhengHei" charset="-120"/>
+                <a:cs typeface="Microsoft JhengHei" charset="-120"/>
+                <a:sym typeface="+mn-lt"/>
+              </a:rPr>
+              <a:t>10/18</a:t>
+            </a:r>
+            <a:r>
+              <a:rPr lang="zh-TW" altLang="en-US" sz="2800" b="1" dirty="0" smtClean="0">
+                <a:solidFill>
+                  <a:schemeClr val="tx1">
+                    <a:lumMod val="75000"/>
+                    <a:lumOff val="25000"/>
+                  </a:schemeClr>
+                </a:solidFill>
+                <a:latin typeface="Microsoft JhengHei" charset="-120"/>
+                <a:ea typeface="Microsoft JhengHei" charset="-120"/>
+                <a:cs typeface="Microsoft JhengHei" charset="-120"/>
+                <a:sym typeface="+mn-lt"/>
+              </a:rPr>
+              <a:t>日的價格高於</a:t>
+            </a:r>
+            <a:r>
+              <a:rPr lang="en-US" altLang="zh-TW" sz="2800" b="1" dirty="0" smtClean="0">
+                <a:solidFill>
+                  <a:schemeClr val="tx1">
+                    <a:lumMod val="75000"/>
+                    <a:lumOff val="25000"/>
+                  </a:schemeClr>
+                </a:solidFill>
+                <a:latin typeface="Microsoft JhengHei" charset="-120"/>
+                <a:ea typeface="Microsoft JhengHei" charset="-120"/>
+                <a:cs typeface="Microsoft JhengHei" charset="-120"/>
+                <a:sym typeface="+mn-lt"/>
+              </a:rPr>
+              <a:t>5</a:t>
+            </a:r>
+            <a:r>
+              <a:rPr lang="zh-TW" altLang="en-US" sz="2800" b="1" dirty="0" smtClean="0">
+                <a:solidFill>
+                  <a:schemeClr val="tx1">
+                    <a:lumMod val="75000"/>
+                    <a:lumOff val="25000"/>
+                  </a:schemeClr>
+                </a:solidFill>
+                <a:latin typeface="Microsoft JhengHei" charset="-120"/>
+                <a:ea typeface="Microsoft JhengHei" charset="-120"/>
+                <a:cs typeface="Microsoft JhengHei" charset="-120"/>
+                <a:sym typeface="+mn-lt"/>
+              </a:rPr>
+              <a:t>日前</a:t>
+            </a:r>
+            <a:r>
+              <a:rPr lang="en-US" altLang="zh-TW" sz="2800" b="1" dirty="0" smtClean="0">
+                <a:solidFill>
+                  <a:schemeClr val="tx1">
+                    <a:lumMod val="75000"/>
+                    <a:lumOff val="25000"/>
+                  </a:schemeClr>
+                </a:solidFill>
+                <a:latin typeface="Microsoft JhengHei" charset="-120"/>
+                <a:ea typeface="Microsoft JhengHei" charset="-120"/>
+                <a:cs typeface="Microsoft JhengHei" charset="-120"/>
+                <a:sym typeface="+mn-lt"/>
+              </a:rPr>
+              <a:t>(10/13)</a:t>
+            </a:r>
+            <a:r>
+              <a:rPr lang="zh-TW" altLang="en-US" sz="2800" b="1" dirty="0" smtClean="0">
+                <a:solidFill>
+                  <a:schemeClr val="tx1">
+                    <a:lumMod val="75000"/>
+                    <a:lumOff val="25000"/>
+                  </a:schemeClr>
+                </a:solidFill>
+                <a:latin typeface="Microsoft JhengHei" charset="-120"/>
+                <a:ea typeface="Microsoft JhengHei" charset="-120"/>
+                <a:cs typeface="Microsoft JhengHei" charset="-120"/>
+                <a:sym typeface="+mn-lt"/>
+              </a:rPr>
+              <a:t>的</a:t>
+            </a:r>
+            <a:r>
+              <a:rPr lang="en-US" altLang="zh-TW" sz="2800" b="1" dirty="0" smtClean="0">
+                <a:solidFill>
+                  <a:schemeClr val="tx1">
+                    <a:lumMod val="75000"/>
+                    <a:lumOff val="25000"/>
+                  </a:schemeClr>
+                </a:solidFill>
+                <a:latin typeface="Microsoft JhengHei" charset="-120"/>
+                <a:ea typeface="Microsoft JhengHei" charset="-120"/>
+                <a:cs typeface="Microsoft JhengHei" charset="-120"/>
+                <a:sym typeface="+mn-lt"/>
+              </a:rPr>
+              <a:t>6285</a:t>
+            </a:r>
+            <a:r>
+              <a:rPr lang="zh-TW" altLang="en-US" sz="2800" b="1" dirty="0" smtClean="0">
+                <a:solidFill>
+                  <a:schemeClr val="tx1">
+                    <a:lumMod val="75000"/>
+                    <a:lumOff val="25000"/>
+                  </a:schemeClr>
+                </a:solidFill>
+                <a:latin typeface="Microsoft JhengHei" charset="-120"/>
+                <a:ea typeface="Microsoft JhengHei" charset="-120"/>
+                <a:cs typeface="Microsoft JhengHei" charset="-120"/>
+                <a:sym typeface="+mn-lt"/>
+              </a:rPr>
+              <a:t>，均線將會上揚</a:t>
+            </a:r>
+            <a:endParaRPr lang="zh-CN" altLang="en-US" sz="2800" b="1" dirty="0">
+              <a:solidFill>
+                <a:schemeClr val="tx1">
+                  <a:lumMod val="75000"/>
+                  <a:lumOff val="25000"/>
+                </a:schemeClr>
+              </a:solidFill>
+              <a:latin typeface="Microsoft JhengHei" charset="-120"/>
+              <a:ea typeface="Microsoft JhengHei" charset="-120"/>
+              <a:cs typeface="Microsoft JhengHei" charset="-120"/>
+              <a:sym typeface="+mn-lt"/>
+            </a:endParaRPr>
+          </a:p>
         </p:txBody>
       </p:sp>
     </p:spTree>
     <p:extLst>
       <p:ext uri="{BB962C8B-B14F-4D97-AF65-F5344CB8AC3E}">
-        <p14:creationId xmlns:p14="http://schemas.microsoft.com/office/powerpoint/2010/main" val="2809642738"/>
+        <p14:creationId xmlns:p14="http://schemas.microsoft.com/office/powerpoint/2010/main" val="1782054272"/>
       </p:ext>
     </p:extLst>
   </p:cSld>
@@ -8549,8 +8470,8 @@
         </p:nvSpPr>
         <p:spPr>
           <a:xfrm>
-            <a:off x="1379914" y="1980772"/>
-            <a:ext cx="11280370" cy="3416320"/>
+            <a:off x="5027309" y="3044801"/>
+            <a:ext cx="2179826" cy="1200329"/>
           </a:xfrm>
           <a:prstGeom prst="rect">
             <a:avLst/>
@@ -8567,417 +8488,32 @@
           </a:bodyPr>
           <a:lstStyle/>
           <a:p>
-            <a:pPr lvl="0"/>
-            <a:r>
-              <a:rPr lang="en-US" altLang="zh-TW" sz="3600" b="1" dirty="0">
-                <a:solidFill>
-                  <a:schemeClr val="tx1">
-                    <a:lumMod val="75000"/>
-                    <a:lumOff val="25000"/>
-                  </a:schemeClr>
-                </a:solidFill>
-                <a:latin typeface="微軟正黑體" panose="020B0604030504040204" pitchFamily="34" charset="-120"/>
-                <a:ea typeface="微軟正黑體" panose="020B0604030504040204" pitchFamily="34" charset="-120"/>
-              </a:rPr>
-              <a:t>	</a:t>
-            </a:r>
-            <a:r>
-              <a:rPr lang="zh-TW" altLang="en-US" sz="3600" b="1" dirty="0">
-                <a:solidFill>
-                  <a:schemeClr val="tx1">
-                    <a:lumMod val="75000"/>
-                    <a:lumOff val="25000"/>
-                  </a:schemeClr>
-                </a:solidFill>
-                <a:latin typeface="微軟正黑體" panose="020B0604030504040204" pitchFamily="34" charset="-120"/>
-                <a:ea typeface="微軟正黑體" panose="020B0604030504040204" pitchFamily="34" charset="-120"/>
-              </a:rPr>
-              <a:t>將過去</a:t>
-            </a:r>
-            <a:r>
-              <a:rPr lang="en-US" altLang="zh-TW" sz="3600" b="1" dirty="0">
-                <a:solidFill>
-                  <a:schemeClr val="tx1">
-                    <a:lumMod val="75000"/>
-                    <a:lumOff val="25000"/>
-                  </a:schemeClr>
-                </a:solidFill>
-                <a:latin typeface="微軟正黑體" panose="020B0604030504040204" pitchFamily="34" charset="-120"/>
-                <a:ea typeface="微軟正黑體" panose="020B0604030504040204" pitchFamily="34" charset="-120"/>
-              </a:rPr>
-              <a:t>N</a:t>
-            </a:r>
-            <a:r>
-              <a:rPr lang="zh-TW" altLang="en-US" sz="3600" b="1" dirty="0">
-                <a:solidFill>
-                  <a:schemeClr val="tx1">
-                    <a:lumMod val="75000"/>
-                    <a:lumOff val="25000"/>
-                  </a:schemeClr>
-                </a:solidFill>
-                <a:latin typeface="微軟正黑體" panose="020B0604030504040204" pitchFamily="34" charset="-120"/>
-                <a:ea typeface="微軟正黑體" panose="020B0604030504040204" pitchFamily="34" charset="-120"/>
-              </a:rPr>
-              <a:t>日</a:t>
-            </a:r>
-            <a:r>
-              <a:rPr lang="zh-TW" altLang="en-US" sz="3600" b="1" dirty="0" smtClean="0">
-                <a:solidFill>
-                  <a:schemeClr val="tx1">
-                    <a:lumMod val="75000"/>
-                    <a:lumOff val="25000"/>
-                  </a:schemeClr>
-                </a:solidFill>
-                <a:latin typeface="微軟正黑體" panose="020B0604030504040204" pitchFamily="34" charset="-120"/>
-                <a:ea typeface="微軟正黑體" panose="020B0604030504040204" pitchFamily="34" charset="-120"/>
-              </a:rPr>
-              <a:t>的</a:t>
-            </a:r>
-            <a:r>
-              <a:rPr lang="zh-TW" altLang="en-US" sz="3600" b="1" dirty="0">
-                <a:solidFill>
-                  <a:schemeClr val="tx1">
-                    <a:lumMod val="75000"/>
-                    <a:lumOff val="25000"/>
-                  </a:schemeClr>
-                </a:solidFill>
-                <a:latin typeface="微軟正黑體" panose="020B0604030504040204" pitchFamily="34" charset="-120"/>
-                <a:ea typeface="微軟正黑體" panose="020B0604030504040204" pitchFamily="34" charset="-120"/>
-              </a:rPr>
-              <a:t>價格</a:t>
-            </a:r>
-            <a:r>
-              <a:rPr lang="zh-TW" altLang="en-US" sz="3600" b="1" dirty="0" smtClean="0">
-                <a:solidFill>
-                  <a:schemeClr val="tx1">
-                    <a:lumMod val="75000"/>
-                    <a:lumOff val="25000"/>
-                  </a:schemeClr>
-                </a:solidFill>
-                <a:latin typeface="微軟正黑體" panose="020B0604030504040204" pitchFamily="34" charset="-120"/>
-                <a:ea typeface="微軟正黑體" panose="020B0604030504040204" pitchFamily="34" charset="-120"/>
-              </a:rPr>
-              <a:t>做</a:t>
-            </a:r>
-            <a:r>
-              <a:rPr lang="zh-TW" altLang="en-US" sz="3600" b="1" dirty="0">
-                <a:solidFill>
-                  <a:schemeClr val="tx1">
-                    <a:lumMod val="75000"/>
-                    <a:lumOff val="25000"/>
-                  </a:schemeClr>
-                </a:solidFill>
-                <a:latin typeface="微軟正黑體" panose="020B0604030504040204" pitchFamily="34" charset="-120"/>
-                <a:ea typeface="微軟正黑體" panose="020B0604030504040204" pitchFamily="34" charset="-120"/>
-              </a:rPr>
-              <a:t>算術平均，</a:t>
-            </a:r>
-            <a:endParaRPr lang="en-US" altLang="zh-TW" sz="3600" b="1" dirty="0">
+            <a:pPr lvl="0" defTabSz="685800"/>
+            <a:r>
+              <a:rPr lang="zh-TW" altLang="en-US" sz="7200" b="1" dirty="0">
+                <a:solidFill>
+                  <a:schemeClr val="tx1">
+                    <a:lumMod val="75000"/>
+                    <a:lumOff val="25000"/>
+                  </a:schemeClr>
+                </a:solidFill>
+                <a:latin typeface="Microsoft JhengHei" charset="-120"/>
+                <a:ea typeface="Microsoft JhengHei" charset="-120"/>
+                <a:cs typeface="Microsoft JhengHei" charset="-120"/>
+                <a:sym typeface="+mn-lt"/>
+              </a:rPr>
+              <a:t>盲點</a:t>
+            </a:r>
+            <a:endParaRPr lang="zh-CN" altLang="en-US" sz="7200" b="1" dirty="0">
               <a:solidFill>
                 <a:schemeClr val="tx1">
                   <a:lumMod val="75000"/>
                   <a:lumOff val="25000"/>
                 </a:schemeClr>
               </a:solidFill>
-              <a:latin typeface="微軟正黑體" panose="020B0604030504040204" pitchFamily="34" charset="-120"/>
-              <a:ea typeface="微軟正黑體" panose="020B0604030504040204" pitchFamily="34" charset="-120"/>
-            </a:endParaRPr>
-          </a:p>
-          <a:p>
-            <a:pPr lvl="0"/>
-            <a:r>
-              <a:rPr lang="en-US" altLang="zh-TW" sz="3600" b="1" dirty="0">
-                <a:solidFill>
-                  <a:schemeClr val="tx1">
-                    <a:lumMod val="75000"/>
-                    <a:lumOff val="25000"/>
-                  </a:schemeClr>
-                </a:solidFill>
-                <a:latin typeface="微軟正黑體" panose="020B0604030504040204" pitchFamily="34" charset="-120"/>
-                <a:ea typeface="微軟正黑體" panose="020B0604030504040204" pitchFamily="34" charset="-120"/>
-              </a:rPr>
-              <a:t>	</a:t>
-            </a:r>
-            <a:r>
-              <a:rPr lang="zh-TW" altLang="en-US" sz="3600" b="1" dirty="0">
-                <a:solidFill>
-                  <a:schemeClr val="tx1">
-                    <a:lumMod val="75000"/>
-                    <a:lumOff val="25000"/>
-                  </a:schemeClr>
-                </a:solidFill>
-                <a:latin typeface="微軟正黑體" panose="020B0604030504040204" pitchFamily="34" charset="-120"/>
-                <a:ea typeface="微軟正黑體" panose="020B0604030504040204" pitchFamily="34" charset="-120"/>
-              </a:rPr>
-              <a:t>代表將過去</a:t>
-            </a:r>
-            <a:r>
-              <a:rPr lang="en-US" altLang="zh-TW" sz="3600" b="1" dirty="0">
-                <a:solidFill>
-                  <a:schemeClr val="tx1">
-                    <a:lumMod val="75000"/>
-                    <a:lumOff val="25000"/>
-                  </a:schemeClr>
-                </a:solidFill>
-                <a:latin typeface="微軟正黑體" panose="020B0604030504040204" pitchFamily="34" charset="-120"/>
-                <a:ea typeface="微軟正黑體" panose="020B0604030504040204" pitchFamily="34" charset="-120"/>
-              </a:rPr>
-              <a:t>N</a:t>
-            </a:r>
-            <a:r>
-              <a:rPr lang="zh-TW" altLang="en-US" sz="3600" b="1" dirty="0">
-                <a:solidFill>
-                  <a:schemeClr val="tx1">
-                    <a:lumMod val="75000"/>
-                    <a:lumOff val="25000"/>
-                  </a:schemeClr>
-                </a:solidFill>
-                <a:latin typeface="微軟正黑體" panose="020B0604030504040204" pitchFamily="34" charset="-120"/>
-                <a:ea typeface="微軟正黑體" panose="020B0604030504040204" pitchFamily="34" charset="-120"/>
-              </a:rPr>
-              <a:t>日</a:t>
-            </a:r>
-            <a:r>
-              <a:rPr lang="zh-TW" altLang="en-US" sz="3600" b="1" dirty="0" smtClean="0">
-                <a:solidFill>
-                  <a:schemeClr val="tx1">
-                    <a:lumMod val="75000"/>
-                    <a:lumOff val="25000"/>
-                  </a:schemeClr>
-                </a:solidFill>
-                <a:latin typeface="微軟正黑體" panose="020B0604030504040204" pitchFamily="34" charset="-120"/>
-                <a:ea typeface="微軟正黑體" panose="020B0604030504040204" pitchFamily="34" charset="-120"/>
-              </a:rPr>
-              <a:t>的價格影響</a:t>
-            </a:r>
-            <a:r>
-              <a:rPr lang="zh-TW" altLang="en-US" sz="3600" b="1" dirty="0">
-                <a:solidFill>
-                  <a:srgbClr val="FFC000"/>
-                </a:solidFill>
-                <a:latin typeface="微軟正黑體" panose="020B0604030504040204" pitchFamily="34" charset="-120"/>
-                <a:ea typeface="微軟正黑體" panose="020B0604030504040204" pitchFamily="34" charset="-120"/>
-              </a:rPr>
-              <a:t>視為相同</a:t>
-            </a:r>
-            <a:r>
-              <a:rPr lang="zh-TW" altLang="en-US" sz="3600" b="1" dirty="0">
-                <a:solidFill>
-                  <a:schemeClr val="tx1">
-                    <a:lumMod val="75000"/>
-                    <a:lumOff val="25000"/>
-                  </a:schemeClr>
-                </a:solidFill>
-                <a:latin typeface="微軟正黑體" panose="020B0604030504040204" pitchFamily="34" charset="-120"/>
-                <a:ea typeface="微軟正黑體" panose="020B0604030504040204" pitchFamily="34" charset="-120"/>
-              </a:rPr>
-              <a:t>。</a:t>
-            </a:r>
-            <a:endParaRPr lang="en-US" altLang="zh-TW" sz="3600" b="1" dirty="0">
-              <a:solidFill>
-                <a:schemeClr val="tx1">
-                  <a:lumMod val="75000"/>
-                  <a:lumOff val="25000"/>
-                </a:schemeClr>
-              </a:solidFill>
-              <a:latin typeface="微軟正黑體" panose="020B0604030504040204" pitchFamily="34" charset="-120"/>
-              <a:ea typeface="微軟正黑體" panose="020B0604030504040204" pitchFamily="34" charset="-120"/>
-            </a:endParaRPr>
-          </a:p>
-          <a:p>
-            <a:pPr lvl="0"/>
-            <a:endParaRPr lang="en-US" altLang="zh-TW" sz="3600" b="1" dirty="0">
-              <a:solidFill>
-                <a:schemeClr val="tx1">
-                  <a:lumMod val="75000"/>
-                  <a:lumOff val="25000"/>
-                </a:schemeClr>
-              </a:solidFill>
-              <a:latin typeface="微軟正黑體" panose="020B0604030504040204" pitchFamily="34" charset="-120"/>
-              <a:ea typeface="微軟正黑體" panose="020B0604030504040204" pitchFamily="34" charset="-120"/>
-            </a:endParaRPr>
-          </a:p>
-          <a:p>
-            <a:pPr lvl="0"/>
-            <a:r>
-              <a:rPr lang="en-US" altLang="zh-TW" sz="3600" b="1" dirty="0">
-                <a:solidFill>
-                  <a:schemeClr val="tx1">
-                    <a:lumMod val="75000"/>
-                    <a:lumOff val="25000"/>
-                  </a:schemeClr>
-                </a:solidFill>
-                <a:latin typeface="微軟正黑體" panose="020B0604030504040204" pitchFamily="34" charset="-120"/>
-                <a:ea typeface="微軟正黑體" panose="020B0604030504040204" pitchFamily="34" charset="-120"/>
-              </a:rPr>
-              <a:t>	</a:t>
-            </a:r>
-            <a:r>
-              <a:rPr lang="zh-TW" altLang="en-US" sz="3600" b="1" dirty="0">
-                <a:solidFill>
-                  <a:schemeClr val="tx1">
-                    <a:lumMod val="75000"/>
-                    <a:lumOff val="25000"/>
-                  </a:schemeClr>
-                </a:solidFill>
-                <a:latin typeface="微軟正黑體" panose="020B0604030504040204" pitchFamily="34" charset="-120"/>
-                <a:ea typeface="微軟正黑體" panose="020B0604030504040204" pitchFamily="34" charset="-120"/>
-              </a:rPr>
-              <a:t>然而</a:t>
-            </a:r>
-            <a:r>
-              <a:rPr lang="zh-TW" altLang="en-US" sz="3600" b="1" dirty="0" smtClean="0">
-                <a:solidFill>
-                  <a:schemeClr val="tx1">
-                    <a:lumMod val="75000"/>
-                    <a:lumOff val="25000"/>
-                  </a:schemeClr>
-                </a:solidFill>
-                <a:latin typeface="微軟正黑體" panose="020B0604030504040204" pitchFamily="34" charset="-120"/>
-                <a:ea typeface="微軟正黑體" panose="020B0604030504040204" pitchFamily="34" charset="-120"/>
-              </a:rPr>
-              <a:t>，過去</a:t>
-            </a:r>
-            <a:r>
-              <a:rPr lang="en-US" altLang="zh-TW" sz="3600" b="1" dirty="0">
-                <a:solidFill>
-                  <a:schemeClr val="tx1">
-                    <a:lumMod val="75000"/>
-                    <a:lumOff val="25000"/>
-                  </a:schemeClr>
-                </a:solidFill>
-                <a:latin typeface="微軟正黑體" panose="020B0604030504040204" pitchFamily="34" charset="-120"/>
-                <a:ea typeface="微軟正黑體" panose="020B0604030504040204" pitchFamily="34" charset="-120"/>
-              </a:rPr>
-              <a:t>N</a:t>
-            </a:r>
-            <a:r>
-              <a:rPr lang="zh-TW" altLang="en-US" sz="3600" b="1" dirty="0">
-                <a:solidFill>
-                  <a:schemeClr val="tx1">
-                    <a:lumMod val="75000"/>
-                    <a:lumOff val="25000"/>
-                  </a:schemeClr>
-                </a:solidFill>
-                <a:latin typeface="微軟正黑體" panose="020B0604030504040204" pitchFamily="34" charset="-120"/>
-                <a:ea typeface="微軟正黑體" panose="020B0604030504040204" pitchFamily="34" charset="-120"/>
-              </a:rPr>
-              <a:t>日對</a:t>
-            </a:r>
-            <a:r>
-              <a:rPr lang="zh-TW" altLang="en-US" sz="3600" b="1" dirty="0" smtClean="0">
-                <a:solidFill>
-                  <a:schemeClr val="tx1">
-                    <a:lumMod val="75000"/>
-                    <a:lumOff val="25000"/>
-                  </a:schemeClr>
-                </a:solidFill>
-                <a:latin typeface="微軟正黑體" panose="020B0604030504040204" pitchFamily="34" charset="-120"/>
-                <a:ea typeface="微軟正黑體" panose="020B0604030504040204" pitchFamily="34" charset="-120"/>
-              </a:rPr>
-              <a:t>今日價格和未來價格</a:t>
-            </a:r>
-            <a:endParaRPr lang="en-US" altLang="zh-TW" sz="3600" b="1" dirty="0" smtClean="0">
-              <a:solidFill>
-                <a:schemeClr val="tx1">
-                  <a:lumMod val="75000"/>
-                  <a:lumOff val="25000"/>
-                </a:schemeClr>
-              </a:solidFill>
-              <a:latin typeface="微軟正黑體" panose="020B0604030504040204" pitchFamily="34" charset="-120"/>
-              <a:ea typeface="微軟正黑體" panose="020B0604030504040204" pitchFamily="34" charset="-120"/>
-            </a:endParaRPr>
-          </a:p>
-          <a:p>
-            <a:pPr lvl="0"/>
-            <a:r>
-              <a:rPr lang="en-US" altLang="zh-TW" sz="3600" b="1" dirty="0">
-                <a:solidFill>
-                  <a:schemeClr val="tx1">
-                    <a:lumMod val="75000"/>
-                    <a:lumOff val="25000"/>
-                  </a:schemeClr>
-                </a:solidFill>
-                <a:latin typeface="微軟正黑體" panose="020B0604030504040204" pitchFamily="34" charset="-120"/>
-                <a:ea typeface="微軟正黑體" panose="020B0604030504040204" pitchFamily="34" charset="-120"/>
-              </a:rPr>
-              <a:t>	</a:t>
-            </a:r>
-            <a:r>
-              <a:rPr lang="zh-TW" altLang="en-US" sz="3600" b="1" dirty="0" smtClean="0">
-                <a:solidFill>
-                  <a:schemeClr val="tx1">
-                    <a:lumMod val="75000"/>
-                    <a:lumOff val="25000"/>
-                  </a:schemeClr>
-                </a:solidFill>
-                <a:latin typeface="微軟正黑體" panose="020B0604030504040204" pitchFamily="34" charset="-120"/>
-                <a:ea typeface="微軟正黑體" panose="020B0604030504040204" pitchFamily="34" charset="-120"/>
-              </a:rPr>
-              <a:t>的影響應</a:t>
-            </a:r>
-            <a:r>
-              <a:rPr lang="zh-TW" altLang="en-US" sz="3600" b="1" dirty="0">
-                <a:solidFill>
-                  <a:schemeClr val="tx1">
-                    <a:lumMod val="75000"/>
-                    <a:lumOff val="25000"/>
-                  </a:schemeClr>
-                </a:solidFill>
-                <a:latin typeface="微軟正黑體" panose="020B0604030504040204" pitchFamily="34" charset="-120"/>
-                <a:ea typeface="微軟正黑體" panose="020B0604030504040204" pitchFamily="34" charset="-120"/>
-              </a:rPr>
-              <a:t>該</a:t>
-            </a:r>
-            <a:r>
-              <a:rPr lang="zh-TW" altLang="en-US" sz="3600" b="1" dirty="0" smtClean="0">
-                <a:solidFill>
-                  <a:schemeClr val="tx1">
-                    <a:lumMod val="75000"/>
-                    <a:lumOff val="25000"/>
-                  </a:schemeClr>
-                </a:solidFill>
-                <a:latin typeface="微軟正黑體" panose="020B0604030504040204" pitchFamily="34" charset="-120"/>
-                <a:ea typeface="微軟正黑體" panose="020B0604030504040204" pitchFamily="34" charset="-120"/>
-              </a:rPr>
-              <a:t>是每日</a:t>
-            </a:r>
-            <a:r>
-              <a:rPr lang="zh-TW" altLang="en-US" sz="3600" b="1" dirty="0">
-                <a:solidFill>
-                  <a:schemeClr val="tx1">
-                    <a:lumMod val="75000"/>
-                    <a:lumOff val="25000"/>
-                  </a:schemeClr>
-                </a:solidFill>
-                <a:latin typeface="微軟正黑體" panose="020B0604030504040204" pitchFamily="34" charset="-120"/>
-                <a:ea typeface="微軟正黑體" panose="020B0604030504040204" pitchFamily="34" charset="-120"/>
-              </a:rPr>
-              <a:t>遞增。</a:t>
-            </a:r>
-            <a:endParaRPr lang="en-US" altLang="zh-TW" sz="3600" b="1" dirty="0">
-              <a:solidFill>
-                <a:schemeClr val="tx1">
-                  <a:lumMod val="75000"/>
-                  <a:lumOff val="25000"/>
-                </a:schemeClr>
-              </a:solidFill>
-              <a:latin typeface="微軟正黑體" panose="020B0604030504040204" pitchFamily="34" charset="-120"/>
-              <a:ea typeface="微軟正黑體" panose="020B0604030504040204" pitchFamily="34" charset="-120"/>
-            </a:endParaRPr>
-          </a:p>
-          <a:p>
-            <a:pPr lvl="0" defTabSz="685800"/>
-            <a:endParaRPr lang="zh-CN" altLang="en-US" sz="3600" b="1" dirty="0">
-              <a:solidFill>
-                <a:schemeClr val="tx1">
-                  <a:lumMod val="75000"/>
-                  <a:lumOff val="25000"/>
-                </a:schemeClr>
-              </a:solidFill>
-              <a:latin typeface="思源黑体 CN Bold" panose="020B0800000000000000" pitchFamily="34" charset="-122"/>
-              <a:ea typeface="思源黑体 CN Bold" panose="020B0800000000000000" pitchFamily="34" charset="-122"/>
-              <a:cs typeface="+mn-ea"/>
+              <a:latin typeface="Microsoft JhengHei" charset="-120"/>
+              <a:ea typeface="Microsoft JhengHei" charset="-120"/>
+              <a:cs typeface="Microsoft JhengHei" charset="-120"/>
               <a:sym typeface="+mn-lt"/>
             </a:endParaRPr>
           </a:p>
@@ -8986,7 +8522,7 @@
     </p:spTree>
     <p:extLst>
       <p:ext uri="{BB962C8B-B14F-4D97-AF65-F5344CB8AC3E}">
-        <p14:creationId xmlns:p14="http://schemas.microsoft.com/office/powerpoint/2010/main" val="2004430101"/>
+        <p14:creationId xmlns:p14="http://schemas.microsoft.com/office/powerpoint/2010/main" val="2809642738"/>
       </p:ext>
     </p:extLst>
   </p:cSld>
@@ -9063,10 +8599,10 @@
                 <a:cs typeface="Microsoft JhengHei" charset="-120"/>
                 <a:sym typeface="+mn-lt"/>
               </a:rPr>
-              <a:t>指數移動平均 </a:t>
-            </a:r>
-            <a:r>
-              <a:rPr lang="en-US" altLang="zh-TW" sz="2400" b="1" dirty="0">
+              <a:t>均線理論 </a:t>
+            </a:r>
+            <a:r>
+              <a:rPr lang="en-US" altLang="zh-TW" sz="2400" b="1" dirty="0" smtClean="0">
                 <a:solidFill>
                   <a:schemeClr val="tx1">
                     <a:lumMod val="75000"/>
@@ -9078,21 +8614,7 @@
                 <a:cs typeface="Microsoft JhengHei" charset="-120"/>
                 <a:sym typeface="+mn-lt"/>
               </a:rPr>
-              <a:t>E</a:t>
-            </a:r>
-            <a:r>
-              <a:rPr lang="en-US" altLang="zh-TW" sz="2400" b="1" dirty="0" smtClean="0">
-                <a:solidFill>
-                  <a:schemeClr val="tx1">
-                    <a:lumMod val="75000"/>
-                    <a:lumOff val="25000"/>
-                  </a:schemeClr>
-                </a:solidFill>
-                <a:latin typeface="Microsoft JhengHei" charset="-120"/>
-                <a:ea typeface="Microsoft JhengHei" charset="-120"/>
-                <a:cs typeface="Microsoft JhengHei" charset="-120"/>
-              </a:rPr>
-              <a:t>xponential Moving Average</a:t>
+              <a:t>Moving Average</a:t>
             </a:r>
             <a:endParaRPr lang="zh-CN" altLang="en-US" sz="2400" b="1" dirty="0">
               <a:solidFill>
@@ -9153,29 +8675,33 @@
       </p:sp>
       <p:sp>
         <p:nvSpPr>
-          <p:cNvPr id="5" name="文字方塊 4"/>
-          <p:cNvSpPr txBox="1"/>
+          <p:cNvPr id="10" name="TextBox 1956"/>
+          <p:cNvSpPr/>
           <p:nvPr/>
         </p:nvSpPr>
         <p:spPr>
           <a:xfrm>
-            <a:off x="1619090" y="1982973"/>
-            <a:ext cx="13623636" cy="3416320"/>
+            <a:off x="1379914" y="1980772"/>
+            <a:ext cx="11280370" cy="3416320"/>
           </a:xfrm>
           <a:prstGeom prst="rect">
             <a:avLst/>
           </a:prstGeom>
           <a:noFill/>
+          <a:ln w="9525">
+            <a:noFill/>
+            <a:miter/>
+          </a:ln>
         </p:spPr>
         <p:txBody>
-          <a:bodyPr wrap="square" rtlCol="0">
+          <a:bodyPr wrap="square">
             <a:spAutoFit/>
           </a:bodyPr>
           <a:lstStyle/>
           <a:p>
             <a:pPr lvl="0"/>
             <a:r>
-              <a:rPr lang="zh-TW" altLang="en-US" sz="3600" b="1" dirty="0" smtClean="0">
+              <a:rPr lang="en-US" altLang="zh-TW" sz="3600" b="1" dirty="0">
                 <a:solidFill>
                   <a:schemeClr val="tx1">
                     <a:lumMod val="75000"/>
@@ -9185,7 +8711,7 @@
                 <a:latin typeface="微軟正黑體" panose="020B0604030504040204" pitchFamily="34" charset="-120"/>
                 <a:ea typeface="微軟正黑體" panose="020B0604030504040204" pitchFamily="34" charset="-120"/>
               </a:rPr>
-              <a:t>指數</a:t>
+              <a:t>	</a:t>
             </a:r>
             <a:r>
               <a:rPr lang="zh-TW" altLang="en-US" sz="3600" b="1" dirty="0">
@@ -9198,10 +8724,10 @@
                 <a:latin typeface="微軟正黑體" panose="020B0604030504040204" pitchFamily="34" charset="-120"/>
                 <a:ea typeface="微軟正黑體" panose="020B0604030504040204" pitchFamily="34" charset="-120"/>
               </a:rPr>
-              <a:t>移動</a:t>
-            </a:r>
-            <a:r>
-              <a:rPr lang="zh-TW" altLang="en-US" sz="3600" b="1" dirty="0" smtClean="0">
+              <a:t>將過去</a:t>
+            </a:r>
+            <a:r>
+              <a:rPr lang="en-US" altLang="zh-TW" sz="3600" b="1" dirty="0">
                 <a:solidFill>
                   <a:schemeClr val="tx1">
                     <a:lumMod val="75000"/>
@@ -9211,10 +8737,10 @@
                 <a:latin typeface="微軟正黑體" panose="020B0604030504040204" pitchFamily="34" charset="-120"/>
                 <a:ea typeface="微軟正黑體" panose="020B0604030504040204" pitchFamily="34" charset="-120"/>
               </a:rPr>
-              <a:t>平均</a:t>
-            </a:r>
-            <a:r>
-              <a:rPr lang="en-US" altLang="zh-TW" sz="3600" b="1" dirty="0" smtClean="0">
+              <a:t>N</a:t>
+            </a:r>
+            <a:r>
+              <a:rPr lang="zh-TW" altLang="en-US" sz="3600" b="1" dirty="0">
                 <a:solidFill>
                   <a:schemeClr val="tx1">
                     <a:lumMod val="75000"/>
@@ -9224,7 +8750,7 @@
                 <a:latin typeface="微軟正黑體" panose="020B0604030504040204" pitchFamily="34" charset="-120"/>
                 <a:ea typeface="微軟正黑體" panose="020B0604030504040204" pitchFamily="34" charset="-120"/>
               </a:rPr>
-              <a:t>(EMA)</a:t>
+              <a:t>日</a:t>
             </a:r>
             <a:r>
               <a:rPr lang="zh-TW" altLang="en-US" sz="3600" b="1" dirty="0" smtClean="0">
@@ -9237,7 +8763,251 @@
                 <a:latin typeface="微軟正黑體" panose="020B0604030504040204" pitchFamily="34" charset="-120"/>
                 <a:ea typeface="微軟正黑體" panose="020B0604030504040204" pitchFamily="34" charset="-120"/>
               </a:rPr>
-              <a:t> </a:t>
+              <a:t>的</a:t>
+            </a:r>
+            <a:r>
+              <a:rPr lang="zh-TW" altLang="en-US" sz="3600" b="1" dirty="0">
+                <a:solidFill>
+                  <a:schemeClr val="tx1">
+                    <a:lumMod val="75000"/>
+                    <a:lumOff val="25000"/>
+                  </a:schemeClr>
+                </a:solidFill>
+                <a:latin typeface="微軟正黑體" panose="020B0604030504040204" pitchFamily="34" charset="-120"/>
+                <a:ea typeface="微軟正黑體" panose="020B0604030504040204" pitchFamily="34" charset="-120"/>
+              </a:rPr>
+              <a:t>價格</a:t>
+            </a:r>
+            <a:r>
+              <a:rPr lang="zh-TW" altLang="en-US" sz="3600" b="1" dirty="0" smtClean="0">
+                <a:solidFill>
+                  <a:schemeClr val="tx1">
+                    <a:lumMod val="75000"/>
+                    <a:lumOff val="25000"/>
+                  </a:schemeClr>
+                </a:solidFill>
+                <a:latin typeface="微軟正黑體" panose="020B0604030504040204" pitchFamily="34" charset="-120"/>
+                <a:ea typeface="微軟正黑體" panose="020B0604030504040204" pitchFamily="34" charset="-120"/>
+              </a:rPr>
+              <a:t>做</a:t>
+            </a:r>
+            <a:r>
+              <a:rPr lang="zh-TW" altLang="en-US" sz="3600" b="1" dirty="0">
+                <a:solidFill>
+                  <a:schemeClr val="tx1">
+                    <a:lumMod val="75000"/>
+                    <a:lumOff val="25000"/>
+                  </a:schemeClr>
+                </a:solidFill>
+                <a:latin typeface="微軟正黑體" panose="020B0604030504040204" pitchFamily="34" charset="-120"/>
+                <a:ea typeface="微軟正黑體" panose="020B0604030504040204" pitchFamily="34" charset="-120"/>
+              </a:rPr>
+              <a:t>算術平均，</a:t>
+            </a:r>
+            <a:endParaRPr lang="en-US" altLang="zh-TW" sz="3600" b="1" dirty="0">
+              <a:solidFill>
+                <a:schemeClr val="tx1">
+                  <a:lumMod val="75000"/>
+                  <a:lumOff val="25000"/>
+                </a:schemeClr>
+              </a:solidFill>
+              <a:latin typeface="微軟正黑體" panose="020B0604030504040204" pitchFamily="34" charset="-120"/>
+              <a:ea typeface="微軟正黑體" panose="020B0604030504040204" pitchFamily="34" charset="-120"/>
+            </a:endParaRPr>
+          </a:p>
+          <a:p>
+            <a:pPr lvl="0"/>
+            <a:r>
+              <a:rPr lang="en-US" altLang="zh-TW" sz="3600" b="1" dirty="0">
+                <a:solidFill>
+                  <a:schemeClr val="tx1">
+                    <a:lumMod val="75000"/>
+                    <a:lumOff val="25000"/>
+                  </a:schemeClr>
+                </a:solidFill>
+                <a:latin typeface="微軟正黑體" panose="020B0604030504040204" pitchFamily="34" charset="-120"/>
+                <a:ea typeface="微軟正黑體" panose="020B0604030504040204" pitchFamily="34" charset="-120"/>
+              </a:rPr>
+              <a:t>	</a:t>
+            </a:r>
+            <a:r>
+              <a:rPr lang="zh-TW" altLang="en-US" sz="3600" b="1" dirty="0">
+                <a:solidFill>
+                  <a:schemeClr val="tx1">
+                    <a:lumMod val="75000"/>
+                    <a:lumOff val="25000"/>
+                  </a:schemeClr>
+                </a:solidFill>
+                <a:latin typeface="微軟正黑體" panose="020B0604030504040204" pitchFamily="34" charset="-120"/>
+                <a:ea typeface="微軟正黑體" panose="020B0604030504040204" pitchFamily="34" charset="-120"/>
+              </a:rPr>
+              <a:t>代表將過去</a:t>
+            </a:r>
+            <a:r>
+              <a:rPr lang="en-US" altLang="zh-TW" sz="3600" b="1" dirty="0">
+                <a:solidFill>
+                  <a:schemeClr val="tx1">
+                    <a:lumMod val="75000"/>
+                    <a:lumOff val="25000"/>
+                  </a:schemeClr>
+                </a:solidFill>
+                <a:latin typeface="微軟正黑體" panose="020B0604030504040204" pitchFamily="34" charset="-120"/>
+                <a:ea typeface="微軟正黑體" panose="020B0604030504040204" pitchFamily="34" charset="-120"/>
+              </a:rPr>
+              <a:t>N</a:t>
+            </a:r>
+            <a:r>
+              <a:rPr lang="zh-TW" altLang="en-US" sz="3600" b="1" dirty="0">
+                <a:solidFill>
+                  <a:schemeClr val="tx1">
+                    <a:lumMod val="75000"/>
+                    <a:lumOff val="25000"/>
+                  </a:schemeClr>
+                </a:solidFill>
+                <a:latin typeface="微軟正黑體" panose="020B0604030504040204" pitchFamily="34" charset="-120"/>
+                <a:ea typeface="微軟正黑體" panose="020B0604030504040204" pitchFamily="34" charset="-120"/>
+              </a:rPr>
+              <a:t>日</a:t>
+            </a:r>
+            <a:r>
+              <a:rPr lang="zh-TW" altLang="en-US" sz="3600" b="1" dirty="0" smtClean="0">
+                <a:solidFill>
+                  <a:schemeClr val="tx1">
+                    <a:lumMod val="75000"/>
+                    <a:lumOff val="25000"/>
+                  </a:schemeClr>
+                </a:solidFill>
+                <a:latin typeface="微軟正黑體" panose="020B0604030504040204" pitchFamily="34" charset="-120"/>
+                <a:ea typeface="微軟正黑體" panose="020B0604030504040204" pitchFamily="34" charset="-120"/>
+              </a:rPr>
+              <a:t>的價格影響</a:t>
+            </a:r>
+            <a:r>
+              <a:rPr lang="zh-TW" altLang="en-US" sz="3600" b="1" dirty="0">
+                <a:solidFill>
+                  <a:srgbClr val="FFC000"/>
+                </a:solidFill>
+                <a:latin typeface="微軟正黑體" panose="020B0604030504040204" pitchFamily="34" charset="-120"/>
+                <a:ea typeface="微軟正黑體" panose="020B0604030504040204" pitchFamily="34" charset="-120"/>
+              </a:rPr>
+              <a:t>視為相同</a:t>
+            </a:r>
+            <a:r>
+              <a:rPr lang="zh-TW" altLang="en-US" sz="3600" b="1" dirty="0">
+                <a:solidFill>
+                  <a:schemeClr val="tx1">
+                    <a:lumMod val="75000"/>
+                    <a:lumOff val="25000"/>
+                  </a:schemeClr>
+                </a:solidFill>
+                <a:latin typeface="微軟正黑體" panose="020B0604030504040204" pitchFamily="34" charset="-120"/>
+                <a:ea typeface="微軟正黑體" panose="020B0604030504040204" pitchFamily="34" charset="-120"/>
+              </a:rPr>
+              <a:t>。</a:t>
+            </a:r>
+            <a:endParaRPr lang="en-US" altLang="zh-TW" sz="3600" b="1" dirty="0">
+              <a:solidFill>
+                <a:schemeClr val="tx1">
+                  <a:lumMod val="75000"/>
+                  <a:lumOff val="25000"/>
+                </a:schemeClr>
+              </a:solidFill>
+              <a:latin typeface="微軟正黑體" panose="020B0604030504040204" pitchFamily="34" charset="-120"/>
+              <a:ea typeface="微軟正黑體" panose="020B0604030504040204" pitchFamily="34" charset="-120"/>
+            </a:endParaRPr>
+          </a:p>
+          <a:p>
+            <a:pPr lvl="0"/>
+            <a:endParaRPr lang="en-US" altLang="zh-TW" sz="3600" b="1" dirty="0">
+              <a:solidFill>
+                <a:schemeClr val="tx1">
+                  <a:lumMod val="75000"/>
+                  <a:lumOff val="25000"/>
+                </a:schemeClr>
+              </a:solidFill>
+              <a:latin typeface="微軟正黑體" panose="020B0604030504040204" pitchFamily="34" charset="-120"/>
+              <a:ea typeface="微軟正黑體" panose="020B0604030504040204" pitchFamily="34" charset="-120"/>
+            </a:endParaRPr>
+          </a:p>
+          <a:p>
+            <a:pPr lvl="0"/>
+            <a:r>
+              <a:rPr lang="en-US" altLang="zh-TW" sz="3600" b="1" dirty="0">
+                <a:solidFill>
+                  <a:schemeClr val="tx1">
+                    <a:lumMod val="75000"/>
+                    <a:lumOff val="25000"/>
+                  </a:schemeClr>
+                </a:solidFill>
+                <a:latin typeface="微軟正黑體" panose="020B0604030504040204" pitchFamily="34" charset="-120"/>
+                <a:ea typeface="微軟正黑體" panose="020B0604030504040204" pitchFamily="34" charset="-120"/>
+              </a:rPr>
+              <a:t>	</a:t>
+            </a:r>
+            <a:r>
+              <a:rPr lang="zh-TW" altLang="en-US" sz="3600" b="1" dirty="0">
+                <a:solidFill>
+                  <a:schemeClr val="tx1">
+                    <a:lumMod val="75000"/>
+                    <a:lumOff val="25000"/>
+                  </a:schemeClr>
+                </a:solidFill>
+                <a:latin typeface="微軟正黑體" panose="020B0604030504040204" pitchFamily="34" charset="-120"/>
+                <a:ea typeface="微軟正黑體" panose="020B0604030504040204" pitchFamily="34" charset="-120"/>
+              </a:rPr>
+              <a:t>然而</a:t>
+            </a:r>
+            <a:r>
+              <a:rPr lang="zh-TW" altLang="en-US" sz="3600" b="1" dirty="0" smtClean="0">
+                <a:solidFill>
+                  <a:schemeClr val="tx1">
+                    <a:lumMod val="75000"/>
+                    <a:lumOff val="25000"/>
+                  </a:schemeClr>
+                </a:solidFill>
+                <a:latin typeface="微軟正黑體" panose="020B0604030504040204" pitchFamily="34" charset="-120"/>
+                <a:ea typeface="微軟正黑體" panose="020B0604030504040204" pitchFamily="34" charset="-120"/>
+              </a:rPr>
+              <a:t>，過去</a:t>
+            </a:r>
+            <a:r>
+              <a:rPr lang="en-US" altLang="zh-TW" sz="3600" b="1" dirty="0">
+                <a:solidFill>
+                  <a:schemeClr val="tx1">
+                    <a:lumMod val="75000"/>
+                    <a:lumOff val="25000"/>
+                  </a:schemeClr>
+                </a:solidFill>
+                <a:latin typeface="微軟正黑體" panose="020B0604030504040204" pitchFamily="34" charset="-120"/>
+                <a:ea typeface="微軟正黑體" panose="020B0604030504040204" pitchFamily="34" charset="-120"/>
+              </a:rPr>
+              <a:t>N</a:t>
+            </a:r>
+            <a:r>
+              <a:rPr lang="zh-TW" altLang="en-US" sz="3600" b="1" dirty="0">
+                <a:solidFill>
+                  <a:schemeClr val="tx1">
+                    <a:lumMod val="75000"/>
+                    <a:lumOff val="25000"/>
+                  </a:schemeClr>
+                </a:solidFill>
+                <a:latin typeface="微軟正黑體" panose="020B0604030504040204" pitchFamily="34" charset="-120"/>
+                <a:ea typeface="微軟正黑體" panose="020B0604030504040204" pitchFamily="34" charset="-120"/>
+              </a:rPr>
+              <a:t>日對</a:t>
+            </a:r>
+            <a:r>
+              <a:rPr lang="zh-TW" altLang="en-US" sz="3600" b="1" dirty="0" smtClean="0">
+                <a:solidFill>
+                  <a:schemeClr val="tx1">
+                    <a:lumMod val="75000"/>
+                    <a:lumOff val="25000"/>
+                  </a:schemeClr>
+                </a:solidFill>
+                <a:latin typeface="微軟正黑體" panose="020B0604030504040204" pitchFamily="34" charset="-120"/>
+                <a:ea typeface="微軟正黑體" panose="020B0604030504040204" pitchFamily="34" charset="-120"/>
+              </a:rPr>
+              <a:t>今日價格和未來價格</a:t>
             </a:r>
             <a:endParaRPr lang="en-US" altLang="zh-TW" sz="3600" b="1" dirty="0" smtClean="0">
               <a:solidFill>
@@ -9252,7 +9022,72 @@
           </a:p>
           <a:p>
             <a:pPr lvl="0"/>
-            <a:endParaRPr lang="en-US" altLang="zh-TW" sz="3600" b="1" dirty="0" smtClean="0">
+            <a:r>
+              <a:rPr lang="en-US" altLang="zh-TW" sz="3600" b="1" dirty="0">
+                <a:solidFill>
+                  <a:schemeClr val="tx1">
+                    <a:lumMod val="75000"/>
+                    <a:lumOff val="25000"/>
+                  </a:schemeClr>
+                </a:solidFill>
+                <a:latin typeface="微軟正黑體" panose="020B0604030504040204" pitchFamily="34" charset="-120"/>
+                <a:ea typeface="微軟正黑體" panose="020B0604030504040204" pitchFamily="34" charset="-120"/>
+              </a:rPr>
+              <a:t>	</a:t>
+            </a:r>
+            <a:r>
+              <a:rPr lang="zh-TW" altLang="en-US" sz="3600" b="1" dirty="0" smtClean="0">
+                <a:solidFill>
+                  <a:schemeClr val="tx1">
+                    <a:lumMod val="75000"/>
+                    <a:lumOff val="25000"/>
+                  </a:schemeClr>
+                </a:solidFill>
+                <a:latin typeface="微軟正黑體" panose="020B0604030504040204" pitchFamily="34" charset="-120"/>
+                <a:ea typeface="微軟正黑體" panose="020B0604030504040204" pitchFamily="34" charset="-120"/>
+              </a:rPr>
+              <a:t>的影響應</a:t>
+            </a:r>
+            <a:r>
+              <a:rPr lang="zh-TW" altLang="en-US" sz="3600" b="1" dirty="0">
+                <a:solidFill>
+                  <a:schemeClr val="tx1">
+                    <a:lumMod val="75000"/>
+                    <a:lumOff val="25000"/>
+                  </a:schemeClr>
+                </a:solidFill>
+                <a:latin typeface="微軟正黑體" panose="020B0604030504040204" pitchFamily="34" charset="-120"/>
+                <a:ea typeface="微軟正黑體" panose="020B0604030504040204" pitchFamily="34" charset="-120"/>
+              </a:rPr>
+              <a:t>該</a:t>
+            </a:r>
+            <a:r>
+              <a:rPr lang="zh-TW" altLang="en-US" sz="3600" b="1" dirty="0" smtClean="0">
+                <a:solidFill>
+                  <a:schemeClr val="tx1">
+                    <a:lumMod val="75000"/>
+                    <a:lumOff val="25000"/>
+                  </a:schemeClr>
+                </a:solidFill>
+                <a:latin typeface="微軟正黑體" panose="020B0604030504040204" pitchFamily="34" charset="-120"/>
+                <a:ea typeface="微軟正黑體" panose="020B0604030504040204" pitchFamily="34" charset="-120"/>
+              </a:rPr>
+              <a:t>是每日</a:t>
+            </a:r>
+            <a:r>
+              <a:rPr lang="zh-TW" altLang="en-US" sz="3600" b="1" dirty="0">
+                <a:solidFill>
+                  <a:schemeClr val="tx1">
+                    <a:lumMod val="75000"/>
+                    <a:lumOff val="25000"/>
+                  </a:schemeClr>
+                </a:solidFill>
+                <a:latin typeface="微軟正黑體" panose="020B0604030504040204" pitchFamily="34" charset="-120"/>
+                <a:ea typeface="微軟正黑體" panose="020B0604030504040204" pitchFamily="34" charset="-120"/>
+              </a:rPr>
+              <a:t>遞增。</a:t>
+            </a:r>
+            <a:endParaRPr lang="en-US" altLang="zh-TW" sz="3600" b="1" dirty="0">
               <a:solidFill>
                 <a:schemeClr val="tx1">
                   <a:lumMod val="75000"/>
@@ -9264,265 +9099,26 @@
             </a:endParaRPr>
           </a:p>
           <a:p>
-            <a:pPr lvl="0"/>
-            <a:r>
-              <a:rPr lang="en-US" altLang="zh-TW" sz="3600" b="1" dirty="0">
-                <a:solidFill>
-                  <a:schemeClr val="tx1">
-                    <a:lumMod val="75000"/>
-                    <a:lumOff val="25000"/>
-                  </a:schemeClr>
-                </a:solidFill>
-                <a:latin typeface="微軟正黑體" panose="020B0604030504040204" pitchFamily="34" charset="-120"/>
-                <a:ea typeface="微軟正黑體" panose="020B0604030504040204" pitchFamily="34" charset="-120"/>
-              </a:rPr>
-              <a:t>	</a:t>
-            </a:r>
-            <a:r>
-              <a:rPr lang="zh-TW" altLang="en-US" sz="3600" b="1" dirty="0" smtClean="0">
-                <a:solidFill>
-                  <a:schemeClr val="tx1">
-                    <a:lumMod val="75000"/>
-                    <a:lumOff val="25000"/>
-                  </a:schemeClr>
-                </a:solidFill>
-                <a:latin typeface="微軟正黑體" panose="020B0604030504040204" pitchFamily="34" charset="-120"/>
-                <a:ea typeface="微軟正黑體" panose="020B0604030504040204" pitchFamily="34" charset="-120"/>
-              </a:rPr>
-              <a:t>是</a:t>
-            </a:r>
-            <a:r>
-              <a:rPr lang="zh-TW" altLang="en-US" sz="3600" b="1" dirty="0">
-                <a:solidFill>
-                  <a:schemeClr val="tx1">
-                    <a:lumMod val="75000"/>
-                    <a:lumOff val="25000"/>
-                  </a:schemeClr>
-                </a:solidFill>
-                <a:latin typeface="微軟正黑體" panose="020B0604030504040204" pitchFamily="34" charset="-120"/>
-                <a:ea typeface="微軟正黑體" panose="020B0604030504040204" pitchFamily="34" charset="-120"/>
-              </a:rPr>
-              <a:t>以</a:t>
-            </a:r>
-            <a:r>
-              <a:rPr lang="zh-TW" altLang="en-US" sz="3600" b="1" dirty="0">
-                <a:solidFill>
-                  <a:srgbClr val="FFC000"/>
-                </a:solidFill>
-                <a:latin typeface="微軟正黑體" panose="020B0604030504040204" pitchFamily="34" charset="-120"/>
-                <a:ea typeface="微軟正黑體" panose="020B0604030504040204" pitchFamily="34" charset="-120"/>
-              </a:rPr>
-              <a:t>指數式遞減加權</a:t>
-            </a:r>
-            <a:r>
-              <a:rPr lang="zh-TW" altLang="en-US" sz="3600" b="1" dirty="0">
-                <a:solidFill>
-                  <a:schemeClr val="tx1">
-                    <a:lumMod val="75000"/>
-                    <a:lumOff val="25000"/>
-                  </a:schemeClr>
-                </a:solidFill>
-                <a:latin typeface="微軟正黑體" panose="020B0604030504040204" pitchFamily="34" charset="-120"/>
-                <a:ea typeface="微軟正黑體" panose="020B0604030504040204" pitchFamily="34" charset="-120"/>
-              </a:rPr>
-              <a:t>的移動平均</a:t>
-            </a:r>
-            <a:r>
-              <a:rPr lang="zh-TW" altLang="en-US" sz="3600" b="1" dirty="0" smtClean="0">
-                <a:solidFill>
-                  <a:schemeClr val="tx1">
-                    <a:lumMod val="75000"/>
-                    <a:lumOff val="25000"/>
-                  </a:schemeClr>
-                </a:solidFill>
-                <a:latin typeface="微軟正黑體" panose="020B0604030504040204" pitchFamily="34" charset="-120"/>
-                <a:ea typeface="微軟正黑體" panose="020B0604030504040204" pitchFamily="34" charset="-120"/>
-              </a:rPr>
-              <a:t>。</a:t>
-            </a:r>
-            <a:endParaRPr lang="en-US" altLang="zh-TW" sz="3600" b="1" dirty="0" smtClean="0">
+            <a:pPr lvl="0" defTabSz="685800"/>
+            <a:endParaRPr lang="zh-CN" altLang="en-US" sz="3600" b="1" dirty="0">
               <a:solidFill>
                 <a:schemeClr val="tx1">
                   <a:lumMod val="75000"/>
                   <a:lumOff val="25000"/>
                 </a:schemeClr>
               </a:solidFill>
-              <a:latin typeface="微軟正黑體" panose="020B0604030504040204" pitchFamily="34" charset="-120"/>
-              <a:ea typeface="微軟正黑體" panose="020B0604030504040204" pitchFamily="34" charset="-120"/>
+              <a:latin typeface="思源黑体 CN Bold" panose="020B0800000000000000" pitchFamily="34" charset="-122"/>
+              <a:ea typeface="思源黑体 CN Bold" panose="020B0800000000000000" pitchFamily="34" charset="-122"/>
+              <a:cs typeface="+mn-ea"/>
+              <a:sym typeface="+mn-lt"/>
             </a:endParaRPr>
-          </a:p>
-          <a:p>
-            <a:pPr lvl="0"/>
-            <a:r>
-              <a:rPr lang="en-US" altLang="zh-TW" sz="3600" b="1" dirty="0" smtClean="0">
-                <a:solidFill>
-                  <a:schemeClr val="tx1">
-                    <a:lumMod val="75000"/>
-                    <a:lumOff val="25000"/>
-                  </a:schemeClr>
-                </a:solidFill>
-                <a:latin typeface="微軟正黑體" panose="020B0604030504040204" pitchFamily="34" charset="-120"/>
-                <a:ea typeface="微軟正黑體" panose="020B0604030504040204" pitchFamily="34" charset="-120"/>
-              </a:rPr>
-              <a:t>	</a:t>
-            </a:r>
-            <a:r>
-              <a:rPr lang="zh-TW" altLang="en-US" sz="3600" b="1" dirty="0" smtClean="0">
-                <a:solidFill>
-                  <a:schemeClr val="tx1">
-                    <a:lumMod val="75000"/>
-                    <a:lumOff val="25000"/>
-                  </a:schemeClr>
-                </a:solidFill>
-                <a:latin typeface="微軟正黑體" panose="020B0604030504040204" pitchFamily="34" charset="-120"/>
-                <a:ea typeface="微軟正黑體" panose="020B0604030504040204" pitchFamily="34" charset="-120"/>
-              </a:rPr>
-              <a:t>各</a:t>
-            </a:r>
-            <a:r>
-              <a:rPr lang="zh-TW" altLang="en-US" sz="3600" b="1" dirty="0">
-                <a:solidFill>
-                  <a:schemeClr val="tx1">
-                    <a:lumMod val="75000"/>
-                    <a:lumOff val="25000"/>
-                  </a:schemeClr>
-                </a:solidFill>
-                <a:latin typeface="微軟正黑體" panose="020B0604030504040204" pitchFamily="34" charset="-120"/>
-                <a:ea typeface="微軟正黑體" panose="020B0604030504040204" pitchFamily="34" charset="-120"/>
-              </a:rPr>
-              <a:t>數值的加權影響力隨時間而指數式遞減</a:t>
-            </a:r>
-            <a:r>
-              <a:rPr lang="zh-TW" altLang="en-US" sz="3600" b="1" dirty="0" smtClean="0">
-                <a:solidFill>
-                  <a:schemeClr val="tx1">
-                    <a:lumMod val="75000"/>
-                    <a:lumOff val="25000"/>
-                  </a:schemeClr>
-                </a:solidFill>
-                <a:latin typeface="微軟正黑體" panose="020B0604030504040204" pitchFamily="34" charset="-120"/>
-                <a:ea typeface="微軟正黑體" panose="020B0604030504040204" pitchFamily="34" charset="-120"/>
-              </a:rPr>
-              <a:t>，</a:t>
-            </a:r>
-            <a:endParaRPr lang="en-US" altLang="zh-TW" sz="3600" b="1" dirty="0" smtClean="0">
-              <a:solidFill>
-                <a:schemeClr val="tx1">
-                  <a:lumMod val="75000"/>
-                  <a:lumOff val="25000"/>
-                </a:schemeClr>
-              </a:solidFill>
-              <a:latin typeface="微軟正黑體" panose="020B0604030504040204" pitchFamily="34" charset="-120"/>
-              <a:ea typeface="微軟正黑體" panose="020B0604030504040204" pitchFamily="34" charset="-120"/>
-            </a:endParaRPr>
-          </a:p>
-          <a:p>
-            <a:pPr lvl="0"/>
-            <a:r>
-              <a:rPr lang="en-US" altLang="zh-TW" sz="3600" b="1" dirty="0" smtClean="0">
-                <a:solidFill>
-                  <a:schemeClr val="tx1">
-                    <a:lumMod val="75000"/>
-                    <a:lumOff val="25000"/>
-                  </a:schemeClr>
-                </a:solidFill>
-                <a:latin typeface="微軟正黑體" panose="020B0604030504040204" pitchFamily="34" charset="-120"/>
-                <a:ea typeface="微軟正黑體" panose="020B0604030504040204" pitchFamily="34" charset="-120"/>
-              </a:rPr>
-              <a:t>	</a:t>
-            </a:r>
-            <a:r>
-              <a:rPr lang="zh-TW" altLang="en-US" sz="3600" b="1" dirty="0" smtClean="0">
-                <a:solidFill>
-                  <a:srgbClr val="FFC000"/>
-                </a:solidFill>
-                <a:latin typeface="微軟正黑體" panose="020B0604030504040204" pitchFamily="34" charset="-120"/>
-                <a:ea typeface="微軟正黑體" panose="020B0604030504040204" pitchFamily="34" charset="-120"/>
-              </a:rPr>
-              <a:t>越</a:t>
-            </a:r>
-            <a:r>
-              <a:rPr lang="zh-TW" altLang="en-US" sz="3600" b="1" dirty="0">
-                <a:solidFill>
-                  <a:srgbClr val="FFC000"/>
-                </a:solidFill>
-                <a:latin typeface="微軟正黑體" panose="020B0604030504040204" pitchFamily="34" charset="-120"/>
-                <a:ea typeface="微軟正黑體" panose="020B0604030504040204" pitchFamily="34" charset="-120"/>
-              </a:rPr>
-              <a:t>近期的數據加權影響力越重</a:t>
-            </a:r>
-            <a:r>
-              <a:rPr lang="zh-TW" altLang="en-US" sz="3600" b="1" dirty="0" smtClean="0">
-                <a:solidFill>
-                  <a:schemeClr val="tx1">
-                    <a:lumMod val="75000"/>
-                    <a:lumOff val="25000"/>
-                  </a:schemeClr>
-                </a:solidFill>
-                <a:latin typeface="微軟正黑體" panose="020B0604030504040204" pitchFamily="34" charset="-120"/>
-                <a:ea typeface="微軟正黑體" panose="020B0604030504040204" pitchFamily="34" charset="-120"/>
-              </a:rPr>
-              <a:t>，</a:t>
-            </a:r>
-            <a:endParaRPr lang="en-US" altLang="zh-TW" sz="3600" b="1" dirty="0" smtClean="0">
-              <a:solidFill>
-                <a:schemeClr val="tx1">
-                  <a:lumMod val="75000"/>
-                  <a:lumOff val="25000"/>
-                </a:schemeClr>
-              </a:solidFill>
-              <a:latin typeface="微軟正黑體" panose="020B0604030504040204" pitchFamily="34" charset="-120"/>
-              <a:ea typeface="微軟正黑體" panose="020B0604030504040204" pitchFamily="34" charset="-120"/>
-            </a:endParaRPr>
-          </a:p>
-          <a:p>
-            <a:pPr lvl="0"/>
-            <a:r>
-              <a:rPr lang="en-US" altLang="zh-TW" sz="3600" b="1" dirty="0" smtClean="0">
-                <a:solidFill>
-                  <a:schemeClr val="tx1">
-                    <a:lumMod val="75000"/>
-                    <a:lumOff val="25000"/>
-                  </a:schemeClr>
-                </a:solidFill>
-                <a:latin typeface="微軟正黑體" panose="020B0604030504040204" pitchFamily="34" charset="-120"/>
-                <a:ea typeface="微軟正黑體" panose="020B0604030504040204" pitchFamily="34" charset="-120"/>
-              </a:rPr>
-              <a:t>	</a:t>
-            </a:r>
-            <a:r>
-              <a:rPr lang="zh-TW" altLang="en-US" sz="3600" b="1" dirty="0" smtClean="0">
-                <a:solidFill>
-                  <a:schemeClr val="tx1">
-                    <a:lumMod val="75000"/>
-                    <a:lumOff val="25000"/>
-                  </a:schemeClr>
-                </a:solidFill>
-                <a:latin typeface="微軟正黑體" panose="020B0604030504040204" pitchFamily="34" charset="-120"/>
-                <a:ea typeface="微軟正黑體" panose="020B0604030504040204" pitchFamily="34" charset="-120"/>
-              </a:rPr>
-              <a:t>但</a:t>
-            </a:r>
-            <a:r>
-              <a:rPr lang="zh-TW" altLang="en-US" sz="3600" b="1" dirty="0">
-                <a:solidFill>
-                  <a:schemeClr val="tx1">
-                    <a:lumMod val="75000"/>
-                    <a:lumOff val="25000"/>
-                  </a:schemeClr>
-                </a:solidFill>
-                <a:latin typeface="微軟正黑體" panose="020B0604030504040204" pitchFamily="34" charset="-120"/>
-                <a:ea typeface="微軟正黑體" panose="020B0604030504040204" pitchFamily="34" charset="-120"/>
-              </a:rPr>
-              <a:t>較舊的數據也給予一定的加權值。</a:t>
-            </a:r>
           </a:p>
         </p:txBody>
       </p:sp>
     </p:spTree>
     <p:extLst>
       <p:ext uri="{BB962C8B-B14F-4D97-AF65-F5344CB8AC3E}">
-        <p14:creationId xmlns:p14="http://schemas.microsoft.com/office/powerpoint/2010/main" val="4088085025"/>
+        <p14:creationId xmlns:p14="http://schemas.microsoft.com/office/powerpoint/2010/main" val="2004430101"/>
       </p:ext>
     </p:extLst>
   </p:cSld>
@@ -9587,7 +9183,7 @@
           <a:p>
             <a:pPr defTabSz="685800"/>
             <a:r>
-              <a:rPr lang="en-US" altLang="zh-CN" sz="2400" b="1" dirty="0" smtClean="0">
+              <a:rPr lang="zh-TW" altLang="en-US" sz="2400" b="1" dirty="0" smtClean="0">
                 <a:solidFill>
                   <a:schemeClr val="tx1">
                     <a:lumMod val="75000"/>
@@ -9599,7 +9195,36 @@
                 <a:cs typeface="Microsoft JhengHei" charset="-120"/>
                 <a:sym typeface="+mn-lt"/>
               </a:rPr>
-              <a:t>MACD</a:t>
+              <a:t>指數移動平均 </a:t>
+            </a:r>
+            <a:r>
+              <a:rPr lang="en-US" altLang="zh-TW" sz="2400" b="1" dirty="0">
+                <a:solidFill>
+                  <a:schemeClr val="tx1">
+                    <a:lumMod val="75000"/>
+                    <a:lumOff val="25000"/>
+                  </a:schemeClr>
+                </a:solidFill>
+                <a:latin typeface="Microsoft JhengHei" charset="-120"/>
+                <a:ea typeface="Microsoft JhengHei" charset="-120"/>
+                <a:cs typeface="Microsoft JhengHei" charset="-120"/>
+                <a:sym typeface="+mn-lt"/>
+              </a:rPr>
+              <a:t>E</a:t>
+            </a:r>
+            <a:r>
+              <a:rPr lang="en-US" altLang="zh-TW" sz="2400" b="1" dirty="0" smtClean="0">
+                <a:solidFill>
+                  <a:schemeClr val="tx1">
+                    <a:lumMod val="75000"/>
+                    <a:lumOff val="25000"/>
+                  </a:schemeClr>
+                </a:solidFill>
+                <a:latin typeface="Microsoft JhengHei" charset="-120"/>
+                <a:ea typeface="Microsoft JhengHei" charset="-120"/>
+                <a:cs typeface="Microsoft JhengHei" charset="-120"/>
+              </a:rPr>
+              <a:t>xponential Moving Average</a:t>
             </a:r>
             <a:endParaRPr lang="zh-CN" altLang="en-US" sz="2400" b="1" dirty="0">
               <a:solidFill>
@@ -9660,14 +9285,14 @@
       </p:sp>
       <p:sp>
         <p:nvSpPr>
-          <p:cNvPr id="6" name="文字方塊 5"/>
+          <p:cNvPr id="5" name="文字方塊 4"/>
           <p:cNvSpPr txBox="1"/>
           <p:nvPr/>
         </p:nvSpPr>
         <p:spPr>
           <a:xfrm>
-            <a:off x="1390844" y="2121565"/>
-            <a:ext cx="13623636" cy="2862322"/>
+            <a:off x="1619090" y="1982973"/>
+            <a:ext cx="13623636" cy="3416320"/>
           </a:xfrm>
           <a:prstGeom prst="rect">
             <a:avLst/>
@@ -9682,7 +9307,7 @@
           <a:p>
             <a:pPr lvl="0"/>
             <a:r>
-              <a:rPr lang="zh-TW" altLang="en-US" sz="3600" b="1" dirty="0">
+              <a:rPr lang="zh-TW" altLang="en-US" sz="3600" b="1" dirty="0" smtClean="0">
                 <a:solidFill>
                   <a:schemeClr val="tx1">
                     <a:lumMod val="75000"/>
@@ -9692,10 +9317,10 @@
                 <a:latin typeface="微軟正黑體" panose="020B0604030504040204" pitchFamily="34" charset="-120"/>
                 <a:ea typeface="微軟正黑體" panose="020B0604030504040204" pitchFamily="34" charset="-120"/>
               </a:rPr>
-              <a:t>用於</a:t>
-            </a:r>
-            <a:r>
-              <a:rPr lang="zh-TW" altLang="en-US" sz="3600" b="1" dirty="0" smtClean="0">
+              <a:t>指數</a:t>
+            </a:r>
+            <a:r>
+              <a:rPr lang="zh-TW" altLang="en-US" sz="3600" b="1" dirty="0">
                 <a:solidFill>
                   <a:schemeClr val="tx1">
                     <a:lumMod val="75000"/>
@@ -9705,47 +9330,47 @@
                 <a:latin typeface="微軟正黑體" panose="020B0604030504040204" pitchFamily="34" charset="-120"/>
                 <a:ea typeface="微軟正黑體" panose="020B0604030504040204" pitchFamily="34" charset="-120"/>
               </a:rPr>
-              <a:t>研判</a:t>
+              <a:t>移動</a:t>
             </a:r>
             <a:r>
               <a:rPr lang="zh-TW" altLang="en-US" sz="3600" b="1" dirty="0" smtClean="0">
                 <a:solidFill>
-                  <a:srgbClr val="FFC000"/>
+                  <a:schemeClr val="tx1">
+                    <a:lumMod val="75000"/>
+                    <a:lumOff val="25000"/>
+                  </a:schemeClr>
                 </a:solidFill>
                 <a:latin typeface="微軟正黑體" panose="020B0604030504040204" pitchFamily="34" charset="-120"/>
                 <a:ea typeface="微軟正黑體" panose="020B0604030504040204" pitchFamily="34" charset="-120"/>
               </a:rPr>
-              <a:t>價格</a:t>
-            </a:r>
-            <a:r>
-              <a:rPr lang="zh-TW" altLang="en-US" sz="3600" b="1" dirty="0">
-                <a:solidFill>
-                  <a:srgbClr val="FFC000"/>
+              <a:t>平均</a:t>
+            </a:r>
+            <a:r>
+              <a:rPr lang="en-US" altLang="zh-TW" sz="3600" b="1" dirty="0" smtClean="0">
+                <a:solidFill>
+                  <a:schemeClr val="tx1">
+                    <a:lumMod val="75000"/>
+                    <a:lumOff val="25000"/>
+                  </a:schemeClr>
                 </a:solidFill>
                 <a:latin typeface="微軟正黑體" panose="020B0604030504040204" pitchFamily="34" charset="-120"/>
                 <a:ea typeface="微軟正黑體" panose="020B0604030504040204" pitchFamily="34" charset="-120"/>
               </a:rPr>
-              <a:t>變化的強度、方向、</a:t>
+              <a:t>(EMA)</a:t>
             </a:r>
             <a:r>
               <a:rPr lang="zh-TW" altLang="en-US" sz="3600" b="1" dirty="0" smtClean="0">
                 <a:solidFill>
-                  <a:srgbClr val="FFC000"/>
+                  <a:schemeClr val="tx1">
+                    <a:lumMod val="75000"/>
+                    <a:lumOff val="25000"/>
+                  </a:schemeClr>
                 </a:solidFill>
                 <a:latin typeface="微軟正黑體" panose="020B0604030504040204" pitchFamily="34" charset="-120"/>
                 <a:ea typeface="微軟正黑體" panose="020B0604030504040204" pitchFamily="34" charset="-120"/>
               </a:rPr>
-              <a:t>能量以及趨勢</a:t>
-            </a:r>
-            <a:endParaRPr lang="en-US" altLang="zh-TW" sz="3600" b="1" dirty="0" smtClean="0">
-              <a:solidFill>
-                <a:srgbClr val="FFC000"/>
-              </a:solidFill>
-              <a:latin typeface="微軟正黑體" panose="020B0604030504040204" pitchFamily="34" charset="-120"/>
-              <a:ea typeface="微軟正黑體" panose="020B0604030504040204" pitchFamily="34" charset="-120"/>
-            </a:endParaRPr>
-          </a:p>
-          <a:p>
+              <a:t> </a:t>
+            </a:r>
             <a:endParaRPr lang="en-US" altLang="zh-TW" sz="3600" b="1" dirty="0" smtClean="0">
               <a:solidFill>
                 <a:schemeClr val="tx1">
@@ -9758,71 +9383,7 @@
             </a:endParaRPr>
           </a:p>
           <a:p>
-            <a:r>
-              <a:rPr lang="zh-TW" altLang="en-US" sz="3600" b="1" dirty="0" smtClean="0">
-                <a:solidFill>
-                  <a:schemeClr val="tx1">
-                    <a:lumMod val="75000"/>
-                    <a:lumOff val="25000"/>
-                  </a:schemeClr>
-                </a:solidFill>
-                <a:latin typeface="微軟正黑體" panose="020B0604030504040204" pitchFamily="34" charset="-120"/>
-                <a:ea typeface="微軟正黑體" panose="020B0604030504040204" pitchFamily="34" charset="-120"/>
-              </a:rPr>
-              <a:t>首先計算</a:t>
-            </a:r>
-            <a:r>
-              <a:rPr lang="en-US" altLang="zh-TW" sz="3600" b="1" dirty="0" smtClean="0">
-                <a:solidFill>
-                  <a:schemeClr val="tx1">
-                    <a:lumMod val="75000"/>
-                    <a:lumOff val="25000"/>
-                  </a:schemeClr>
-                </a:solidFill>
-                <a:latin typeface="微軟正黑體" panose="020B0604030504040204" pitchFamily="34" charset="-120"/>
-                <a:ea typeface="微軟正黑體" panose="020B0604030504040204" pitchFamily="34" charset="-120"/>
-              </a:rPr>
-              <a:t>12</a:t>
-            </a:r>
-            <a:r>
-              <a:rPr lang="zh-TW" altLang="en-US" sz="3600" b="1" dirty="0" smtClean="0">
-                <a:solidFill>
-                  <a:schemeClr val="tx1">
-                    <a:lumMod val="75000"/>
-                    <a:lumOff val="25000"/>
-                  </a:schemeClr>
-                </a:solidFill>
-                <a:latin typeface="微軟正黑體" panose="020B0604030504040204" pitchFamily="34" charset="-120"/>
-                <a:ea typeface="微軟正黑體" panose="020B0604030504040204" pitchFamily="34" charset="-120"/>
-              </a:rPr>
-              <a:t>日和</a:t>
-            </a:r>
-            <a:r>
-              <a:rPr lang="en-US" altLang="zh-TW" sz="3600" b="1" dirty="0" smtClean="0">
-                <a:solidFill>
-                  <a:schemeClr val="tx1">
-                    <a:lumMod val="75000"/>
-                    <a:lumOff val="25000"/>
-                  </a:schemeClr>
-                </a:solidFill>
-                <a:latin typeface="微軟正黑體" panose="020B0604030504040204" pitchFamily="34" charset="-120"/>
-                <a:ea typeface="微軟正黑體" panose="020B0604030504040204" pitchFamily="34" charset="-120"/>
-              </a:rPr>
-              <a:t>26</a:t>
-            </a:r>
-            <a:r>
-              <a:rPr lang="zh-TW" altLang="en-US" sz="3600" b="1" dirty="0" smtClean="0">
-                <a:solidFill>
-                  <a:schemeClr val="tx1">
-                    <a:lumMod val="75000"/>
-                    <a:lumOff val="25000"/>
-                  </a:schemeClr>
-                </a:solidFill>
-                <a:latin typeface="微軟正黑體" panose="020B0604030504040204" pitchFamily="34" charset="-120"/>
-                <a:ea typeface="微軟正黑體" panose="020B0604030504040204" pitchFamily="34" charset="-120"/>
-              </a:rPr>
-              <a:t>日的指數移動平均 ，</a:t>
-            </a:r>
+            <a:pPr lvl="0"/>
             <a:endParaRPr lang="en-US" altLang="zh-TW" sz="3600" b="1" dirty="0" smtClean="0">
               <a:solidFill>
                 <a:schemeClr val="tx1">
@@ -9835,8 +9396,9 @@
             </a:endParaRPr>
           </a:p>
           <a:p>
-            <a:r>
-              <a:rPr lang="zh-TW" altLang="en-US" sz="3600" b="1" dirty="0" smtClean="0">
+            <a:pPr lvl="0"/>
+            <a:r>
+              <a:rPr lang="en-US" altLang="zh-TW" sz="3600" b="1" dirty="0">
                 <a:solidFill>
                   <a:schemeClr val="tx1">
                     <a:lumMod val="75000"/>
@@ -9846,10 +9408,10 @@
                 <a:latin typeface="微軟正黑體" panose="020B0604030504040204" pitchFamily="34" charset="-120"/>
                 <a:ea typeface="微軟正黑體" panose="020B0604030504040204" pitchFamily="34" charset="-120"/>
               </a:rPr>
-              <a:t>令</a:t>
-            </a:r>
-            <a:r>
-              <a:rPr lang="en-US" altLang="zh-TW" sz="3600" b="1" dirty="0" smtClean="0">
+              <a:t>	</a:t>
+            </a:r>
+            <a:r>
+              <a:rPr lang="zh-TW" altLang="en-US" sz="3600" b="1" dirty="0" smtClean="0">
                 <a:solidFill>
                   <a:schemeClr val="tx1">
                     <a:lumMod val="75000"/>
@@ -9859,10 +9421,10 @@
                 <a:latin typeface="微軟正黑體" panose="020B0604030504040204" pitchFamily="34" charset="-120"/>
                 <a:ea typeface="微軟正黑體" panose="020B0604030504040204" pitchFamily="34" charset="-120"/>
               </a:rPr>
-              <a:t>DIF</a:t>
-            </a:r>
-            <a:r>
-              <a:rPr lang="zh-TW" altLang="en-US" sz="3600" b="1" dirty="0" smtClean="0">
+              <a:t>是</a:t>
+            </a:r>
+            <a:r>
+              <a:rPr lang="zh-TW" altLang="en-US" sz="3600" b="1" dirty="0">
                 <a:solidFill>
                   <a:schemeClr val="tx1">
                     <a:lumMod val="75000"/>
@@ -9872,23 +9434,20 @@
                 <a:latin typeface="微軟正黑體" panose="020B0604030504040204" pitchFamily="34" charset="-120"/>
                 <a:ea typeface="微軟正黑體" panose="020B0604030504040204" pitchFamily="34" charset="-120"/>
               </a:rPr>
-              <a:t>為</a:t>
-            </a:r>
-            <a:r>
-              <a:rPr lang="en-US" altLang="zh-TW" sz="3600" b="1" dirty="0" smtClean="0">
-                <a:solidFill>
-                  <a:schemeClr val="tx1">
-                    <a:lumMod val="75000"/>
-                    <a:lumOff val="25000"/>
-                  </a:schemeClr>
+              <a:t>以</a:t>
+            </a:r>
+            <a:r>
+              <a:rPr lang="zh-TW" altLang="en-US" sz="3600" b="1" dirty="0">
+                <a:solidFill>
+                  <a:srgbClr val="FFC000"/>
                 </a:solidFill>
                 <a:latin typeface="微軟正黑體" panose="020B0604030504040204" pitchFamily="34" charset="-120"/>
                 <a:ea typeface="微軟正黑體" panose="020B0604030504040204" pitchFamily="34" charset="-120"/>
               </a:rPr>
-              <a:t>12</a:t>
-            </a:r>
-            <a:r>
-              <a:rPr lang="zh-TW" altLang="en-US" sz="3600" b="1" dirty="0" smtClean="0">
+              <a:t>指數式遞減加權</a:t>
+            </a:r>
+            <a:r>
+              <a:rPr lang="zh-TW" altLang="en-US" sz="3600" b="1" dirty="0">
                 <a:solidFill>
                   <a:schemeClr val="tx1">
                     <a:lumMod val="75000"/>
@@ -9898,10 +9457,10 @@
                 <a:latin typeface="微軟正黑體" panose="020B0604030504040204" pitchFamily="34" charset="-120"/>
                 <a:ea typeface="微軟正黑體" panose="020B0604030504040204" pitchFamily="34" charset="-120"/>
               </a:rPr>
-              <a:t>日</a:t>
-            </a:r>
-            <a:r>
-              <a:rPr lang="en-US" altLang="zh-TW" sz="3600" b="1" dirty="0" smtClean="0">
+              <a:t>的移動平均</a:t>
+            </a:r>
+            <a:r>
+              <a:rPr lang="zh-TW" altLang="en-US" sz="3600" b="1" dirty="0" smtClean="0">
                 <a:solidFill>
                   <a:schemeClr val="tx1">
                     <a:lumMod val="75000"/>
@@ -9911,10 +9470,23 @@
                 <a:latin typeface="微軟正黑體" panose="020B0604030504040204" pitchFamily="34" charset="-120"/>
                 <a:ea typeface="微軟正黑體" panose="020B0604030504040204" pitchFamily="34" charset="-120"/>
               </a:rPr>
-              <a:t>EWA – 26</a:t>
-            </a:r>
-            <a:r>
-              <a:rPr lang="zh-TW" altLang="en-US" sz="3600" b="1" dirty="0" smtClean="0">
+              <a:t>。</a:t>
+            </a:r>
+            <a:endParaRPr lang="en-US" altLang="zh-TW" sz="3600" b="1" dirty="0" smtClean="0">
+              <a:solidFill>
+                <a:schemeClr val="tx1">
+                  <a:lumMod val="75000"/>
+                  <a:lumOff val="25000"/>
+                </a:schemeClr>
+              </a:solidFill>
+              <a:latin typeface="微軟正黑體" panose="020B0604030504040204" pitchFamily="34" charset="-120"/>
+              <a:ea typeface="微軟正黑體" panose="020B0604030504040204" pitchFamily="34" charset="-120"/>
+            </a:endParaRPr>
+          </a:p>
+          <a:p>
+            <a:pPr lvl="0"/>
+            <a:r>
+              <a:rPr lang="en-US" altLang="zh-TW" sz="3600" b="1" dirty="0" smtClean="0">
                 <a:solidFill>
                   <a:schemeClr val="tx1">
                     <a:lumMod val="75000"/>
@@ -9924,10 +9496,10 @@
                 <a:latin typeface="微軟正黑體" panose="020B0604030504040204" pitchFamily="34" charset="-120"/>
                 <a:ea typeface="微軟正黑體" panose="020B0604030504040204" pitchFamily="34" charset="-120"/>
               </a:rPr>
-              <a:t>日</a:t>
-            </a:r>
-            <a:r>
-              <a:rPr lang="en-US" altLang="zh-TW" sz="3600" b="1" dirty="0" smtClean="0">
+              <a:t>	</a:t>
+            </a:r>
+            <a:r>
+              <a:rPr lang="zh-TW" altLang="en-US" sz="3600" b="1" dirty="0" smtClean="0">
                 <a:solidFill>
                   <a:schemeClr val="tx1">
                     <a:lumMod val="75000"/>
@@ -9937,12 +9509,10 @@
                 <a:latin typeface="微軟正黑體" panose="020B0604030504040204" pitchFamily="34" charset="-120"/>
                 <a:ea typeface="微軟正黑體" panose="020B0604030504040204" pitchFamily="34" charset="-120"/>
               </a:rPr>
-              <a:t>EWA</a:t>
-            </a:r>
-          </a:p>
-          <a:p>
-            <a:r>
-              <a:rPr lang="zh-TW" altLang="en-US" sz="3600" b="1" dirty="0" smtClean="0">
+              <a:t>各</a:t>
+            </a:r>
+            <a:r>
+              <a:rPr lang="zh-TW" altLang="en-US" sz="3600" b="1" dirty="0">
                 <a:solidFill>
                   <a:schemeClr val="tx1">
                     <a:lumMod val="75000"/>
@@ -9952,10 +9522,10 @@
                 <a:latin typeface="微軟正黑體" panose="020B0604030504040204" pitchFamily="34" charset="-120"/>
                 <a:ea typeface="微軟正黑體" panose="020B0604030504040204" pitchFamily="34" charset="-120"/>
               </a:rPr>
-              <a:t>再令</a:t>
-            </a:r>
-            <a:r>
-              <a:rPr lang="en-US" altLang="zh-TW" sz="3600" b="1" dirty="0" smtClean="0">
+              <a:t>數值的加權影響力隨時間而指數式遞減</a:t>
+            </a:r>
+            <a:r>
+              <a:rPr lang="zh-TW" altLang="en-US" sz="3600" b="1" dirty="0" smtClean="0">
                 <a:solidFill>
                   <a:schemeClr val="tx1">
                     <a:lumMod val="75000"/>
@@ -9965,10 +9535,23 @@
                 <a:latin typeface="微軟正黑體" panose="020B0604030504040204" pitchFamily="34" charset="-120"/>
                 <a:ea typeface="微軟正黑體" panose="020B0604030504040204" pitchFamily="34" charset="-120"/>
               </a:rPr>
-              <a:t>DEM</a:t>
-            </a:r>
-            <a:r>
-              <a:rPr lang="zh-TW" altLang="en-US" sz="3600" b="1" dirty="0" smtClean="0">
+              <a:t>，</a:t>
+            </a:r>
+            <a:endParaRPr lang="en-US" altLang="zh-TW" sz="3600" b="1" dirty="0" smtClean="0">
+              <a:solidFill>
+                <a:schemeClr val="tx1">
+                  <a:lumMod val="75000"/>
+                  <a:lumOff val="25000"/>
+                </a:schemeClr>
+              </a:solidFill>
+              <a:latin typeface="微軟正黑體" panose="020B0604030504040204" pitchFamily="34" charset="-120"/>
+              <a:ea typeface="微軟正黑體" panose="020B0604030504040204" pitchFamily="34" charset="-120"/>
+            </a:endParaRPr>
+          </a:p>
+          <a:p>
+            <a:pPr lvl="0"/>
+            <a:r>
+              <a:rPr lang="en-US" altLang="zh-TW" sz="3600" b="1" dirty="0" smtClean="0">
                 <a:solidFill>
                   <a:schemeClr val="tx1">
                     <a:lumMod val="75000"/>
@@ -9978,36 +9561,30 @@
                 <a:latin typeface="微軟正黑體" panose="020B0604030504040204" pitchFamily="34" charset="-120"/>
                 <a:ea typeface="微軟正黑體" panose="020B0604030504040204" pitchFamily="34" charset="-120"/>
               </a:rPr>
-              <a:t>為</a:t>
-            </a:r>
-            <a:r>
-              <a:rPr lang="en-US" altLang="zh-TW" sz="3600" b="1" dirty="0" smtClean="0">
-                <a:solidFill>
-                  <a:schemeClr val="tx1">
-                    <a:lumMod val="75000"/>
-                    <a:lumOff val="25000"/>
-                  </a:schemeClr>
+              <a:t>	</a:t>
+            </a:r>
+            <a:r>
+              <a:rPr lang="zh-TW" altLang="en-US" sz="3600" b="1" dirty="0" smtClean="0">
+                <a:solidFill>
+                  <a:srgbClr val="FFC000"/>
                 </a:solidFill>
                 <a:latin typeface="微軟正黑體" panose="020B0604030504040204" pitchFamily="34" charset="-120"/>
                 <a:ea typeface="微軟正黑體" panose="020B0604030504040204" pitchFamily="34" charset="-120"/>
               </a:rPr>
-              <a:t>DIF</a:t>
-            </a:r>
-            <a:r>
-              <a:rPr lang="zh-TW" altLang="en-US" sz="3600" b="1" dirty="0" smtClean="0">
-                <a:solidFill>
-                  <a:schemeClr val="tx1">
-                    <a:lumMod val="75000"/>
-                    <a:lumOff val="25000"/>
-                  </a:schemeClr>
+              <a:t>越</a:t>
+            </a:r>
+            <a:r>
+              <a:rPr lang="zh-TW" altLang="en-US" sz="3600" b="1" dirty="0">
+                <a:solidFill>
+                  <a:srgbClr val="FFC000"/>
                 </a:solidFill>
                 <a:latin typeface="微軟正黑體" panose="020B0604030504040204" pitchFamily="34" charset="-120"/>
                 <a:ea typeface="微軟正黑體" panose="020B0604030504040204" pitchFamily="34" charset="-120"/>
               </a:rPr>
-              <a:t>的</a:t>
-            </a:r>
-            <a:r>
-              <a:rPr lang="en-US" altLang="zh-TW" sz="3600" b="1" dirty="0" smtClean="0">
+              <a:t>近期的數據加權影響力越重</a:t>
+            </a:r>
+            <a:r>
+              <a:rPr lang="zh-TW" altLang="en-US" sz="3600" b="1" dirty="0" smtClean="0">
                 <a:solidFill>
                   <a:schemeClr val="tx1">
                     <a:lumMod val="75000"/>
@@ -10017,10 +9594,23 @@
                 <a:latin typeface="微軟正黑體" panose="020B0604030504040204" pitchFamily="34" charset="-120"/>
                 <a:ea typeface="微軟正黑體" panose="020B0604030504040204" pitchFamily="34" charset="-120"/>
               </a:rPr>
-              <a:t>9</a:t>
-            </a:r>
-            <a:r>
-              <a:rPr lang="zh-TW" altLang="en-US" sz="3600" b="1" dirty="0" smtClean="0">
+              <a:t>，</a:t>
+            </a:r>
+            <a:endParaRPr lang="en-US" altLang="zh-TW" sz="3600" b="1" dirty="0" smtClean="0">
+              <a:solidFill>
+                <a:schemeClr val="tx1">
+                  <a:lumMod val="75000"/>
+                  <a:lumOff val="25000"/>
+                </a:schemeClr>
+              </a:solidFill>
+              <a:latin typeface="微軟正黑體" panose="020B0604030504040204" pitchFamily="34" charset="-120"/>
+              <a:ea typeface="微軟正黑體" panose="020B0604030504040204" pitchFamily="34" charset="-120"/>
+            </a:endParaRPr>
+          </a:p>
+          <a:p>
+            <a:pPr lvl="0"/>
+            <a:r>
+              <a:rPr lang="en-US" altLang="zh-TW" sz="3600" b="1" dirty="0" smtClean="0">
                 <a:solidFill>
                   <a:schemeClr val="tx1">
                     <a:lumMod val="75000"/>
@@ -10030,10 +9620,10 @@
                 <a:latin typeface="微軟正黑體" panose="020B0604030504040204" pitchFamily="34" charset="-120"/>
                 <a:ea typeface="微軟正黑體" panose="020B0604030504040204" pitchFamily="34" charset="-120"/>
               </a:rPr>
-              <a:t>日</a:t>
-            </a:r>
-            <a:r>
-              <a:rPr lang="en-US" altLang="zh-TW" sz="3600" b="1" dirty="0" smtClean="0">
+              <a:t>	</a:t>
+            </a:r>
+            <a:r>
+              <a:rPr lang="zh-TW" altLang="en-US" sz="3600" b="1" dirty="0" smtClean="0">
                 <a:solidFill>
                   <a:schemeClr val="tx1">
                     <a:lumMod val="75000"/>
@@ -10043,7 +9633,20 @@
                 <a:latin typeface="微軟正黑體" panose="020B0604030504040204" pitchFamily="34" charset="-120"/>
                 <a:ea typeface="微軟正黑體" panose="020B0604030504040204" pitchFamily="34" charset="-120"/>
               </a:rPr>
-              <a:t>EMA </a:t>
+              <a:t>但</a:t>
+            </a:r>
+            <a:r>
+              <a:rPr lang="zh-TW" altLang="en-US" sz="3600" b="1" dirty="0">
+                <a:solidFill>
+                  <a:schemeClr val="tx1">
+                    <a:lumMod val="75000"/>
+                    <a:lumOff val="25000"/>
+                  </a:schemeClr>
+                </a:solidFill>
+                <a:latin typeface="微軟正黑體" panose="020B0604030504040204" pitchFamily="34" charset="-120"/>
+                <a:ea typeface="微軟正黑體" panose="020B0604030504040204" pitchFamily="34" charset="-120"/>
+              </a:rPr>
+              <a:t>較舊的數據也給予一定的加權值。</a:t>
             </a:r>
           </a:p>
         </p:txBody>
@@ -10051,7 +9654,7 @@
     </p:spTree>
     <p:extLst>
       <p:ext uri="{BB962C8B-B14F-4D97-AF65-F5344CB8AC3E}">
-        <p14:creationId xmlns:p14="http://schemas.microsoft.com/office/powerpoint/2010/main" val="2461780200"/>
+        <p14:creationId xmlns:p14="http://schemas.microsoft.com/office/powerpoint/2010/main" val="4088085025"/>
       </p:ext>
     </p:extLst>
   </p:cSld>
@@ -10189,14 +9792,14 @@
       </p:sp>
       <p:sp>
         <p:nvSpPr>
-          <p:cNvPr id="5" name="文字方塊 4"/>
+          <p:cNvPr id="6" name="文字方塊 5"/>
           <p:cNvSpPr txBox="1"/>
           <p:nvPr/>
         </p:nvSpPr>
         <p:spPr>
           <a:xfrm>
-            <a:off x="2069717" y="2445417"/>
-            <a:ext cx="13623636" cy="1754326"/>
+            <a:off x="1390844" y="2121565"/>
+            <a:ext cx="13623636" cy="2862322"/>
           </a:xfrm>
           <a:prstGeom prst="rect">
             <a:avLst/>
@@ -10211,7 +9814,7 @@
           <a:p>
             <a:pPr lvl="0"/>
             <a:r>
-              <a:rPr lang="zh-TW" altLang="en-US" sz="3600" b="1" dirty="0" smtClean="0">
+              <a:rPr lang="zh-TW" altLang="en-US" sz="3600" b="1" dirty="0">
                 <a:solidFill>
                   <a:schemeClr val="tx1">
                     <a:lumMod val="75000"/>
@@ -10221,17 +9824,20 @@
                 <a:latin typeface="微軟正黑體" panose="020B0604030504040204" pitchFamily="34" charset="-120"/>
                 <a:ea typeface="微軟正黑體" panose="020B0604030504040204" pitchFamily="34" charset="-120"/>
               </a:rPr>
-              <a:t>若</a:t>
-            </a:r>
-            <a:r>
-              <a:rPr lang="en-US" altLang="zh-TW" sz="3600" b="1" dirty="0" smtClean="0">
-                <a:solidFill>
-                  <a:srgbClr val="FFC000"/>
+              <a:t>用於</a:t>
+            </a:r>
+            <a:r>
+              <a:rPr lang="zh-TW" altLang="en-US" sz="3600" b="1" dirty="0" smtClean="0">
+                <a:solidFill>
+                  <a:schemeClr val="tx1">
+                    <a:lumMod val="75000"/>
+                    <a:lumOff val="25000"/>
+                  </a:schemeClr>
                 </a:solidFill>
                 <a:latin typeface="微軟正黑體" panose="020B0604030504040204" pitchFamily="34" charset="-120"/>
                 <a:ea typeface="微軟正黑體" panose="020B0604030504040204" pitchFamily="34" charset="-120"/>
               </a:rPr>
-              <a:t>DIF</a:t>
+              <a:t>研判</a:t>
             </a:r>
             <a:r>
               <a:rPr lang="zh-TW" altLang="en-US" sz="3600" b="1" dirty="0" smtClean="0">
@@ -10241,70 +9847,37 @@
                 <a:latin typeface="微軟正黑體" panose="020B0604030504040204" pitchFamily="34" charset="-120"/>
                 <a:ea typeface="微軟正黑體" panose="020B0604030504040204" pitchFamily="34" charset="-120"/>
               </a:rPr>
-              <a:t>自下而上</a:t>
-            </a:r>
-            <a:r>
-              <a:rPr lang="zh-TW" altLang="en-US" sz="3600" b="1" dirty="0" smtClean="0">
-                <a:solidFill>
-                  <a:schemeClr val="tx1">
-                    <a:lumMod val="75000"/>
-                    <a:lumOff val="25000"/>
-                  </a:schemeClr>
+              <a:t>價格</a:t>
+            </a:r>
+            <a:r>
+              <a:rPr lang="zh-TW" altLang="en-US" sz="3600" b="1" dirty="0">
+                <a:solidFill>
+                  <a:srgbClr val="FFC000"/>
                 </a:solidFill>
                 <a:latin typeface="微軟正黑體" panose="020B0604030504040204" pitchFamily="34" charset="-120"/>
                 <a:ea typeface="微軟正黑體" panose="020B0604030504040204" pitchFamily="34" charset="-120"/>
               </a:rPr>
-              <a:t>突破</a:t>
-            </a:r>
-            <a:r>
-              <a:rPr lang="en-US" altLang="zh-TW" sz="3600" b="1" dirty="0" smtClean="0">
-                <a:solidFill>
-                  <a:schemeClr val="tx1">
-                    <a:lumMod val="75000"/>
-                    <a:lumOff val="25000"/>
-                  </a:schemeClr>
+              <a:t>變化的強度、方向、</a:t>
+            </a:r>
+            <a:r>
+              <a:rPr lang="zh-TW" altLang="en-US" sz="3600" b="1" dirty="0" smtClean="0">
+                <a:solidFill>
+                  <a:srgbClr val="FFC000"/>
                 </a:solidFill>
                 <a:latin typeface="微軟正黑體" panose="020B0604030504040204" pitchFamily="34" charset="-120"/>
                 <a:ea typeface="微軟正黑體" panose="020B0604030504040204" pitchFamily="34" charset="-120"/>
               </a:rPr>
-              <a:t>DEM</a:t>
-            </a:r>
-            <a:r>
-              <a:rPr lang="zh-TW" altLang="en-US" sz="3600" b="1" dirty="0" smtClean="0">
-                <a:solidFill>
-                  <a:schemeClr val="tx1">
-                    <a:lumMod val="75000"/>
-                    <a:lumOff val="25000"/>
-                  </a:schemeClr>
-                </a:solidFill>
-                <a:latin typeface="微軟正黑體" panose="020B0604030504040204" pitchFamily="34" charset="-120"/>
-                <a:ea typeface="微軟正黑體" panose="020B0604030504040204" pitchFamily="34" charset="-120"/>
-              </a:rPr>
-              <a:t>，為</a:t>
-            </a:r>
-            <a:r>
-              <a:rPr lang="zh-TW" altLang="en-US" sz="3600" b="1" dirty="0" smtClean="0">
-                <a:solidFill>
-                  <a:srgbClr val="FFC000"/>
-                </a:solidFill>
-                <a:latin typeface="微軟正黑體" panose="020B0604030504040204" pitchFamily="34" charset="-120"/>
-                <a:ea typeface="微軟正黑體" panose="020B0604030504040204" pitchFamily="34" charset="-120"/>
-              </a:rPr>
-              <a:t>買進</a:t>
-            </a:r>
-            <a:r>
-              <a:rPr lang="zh-TW" altLang="en-US" sz="3600" b="1" dirty="0" smtClean="0">
-                <a:solidFill>
-                  <a:schemeClr val="tx1">
-                    <a:lumMod val="75000"/>
-                    <a:lumOff val="25000"/>
-                  </a:schemeClr>
-                </a:solidFill>
-                <a:latin typeface="微軟正黑體" panose="020B0604030504040204" pitchFamily="34" charset="-120"/>
-                <a:ea typeface="微軟正黑體" panose="020B0604030504040204" pitchFamily="34" charset="-120"/>
-              </a:rPr>
-              <a:t>訊號</a:t>
-            </a:r>
+              <a:t>能量以及趨勢</a:t>
+            </a:r>
+            <a:endParaRPr lang="en-US" altLang="zh-TW" sz="3600" b="1" dirty="0" smtClean="0">
+              <a:solidFill>
+                <a:srgbClr val="FFC000"/>
+              </a:solidFill>
+              <a:latin typeface="微軟正黑體" panose="020B0604030504040204" pitchFamily="34" charset="-120"/>
+              <a:ea typeface="微軟正黑體" panose="020B0604030504040204" pitchFamily="34" charset="-120"/>
+            </a:endParaRPr>
+          </a:p>
+          <a:p>
             <a:endParaRPr lang="en-US" altLang="zh-TW" sz="3600" b="1" dirty="0" smtClean="0">
               <a:solidFill>
                 <a:schemeClr val="tx1">
@@ -10317,7 +9890,71 @@
             </a:endParaRPr>
           </a:p>
           <a:p>
-            <a:pPr lvl="0"/>
+            <a:r>
+              <a:rPr lang="zh-TW" altLang="en-US" sz="3600" b="1" dirty="0" smtClean="0">
+                <a:solidFill>
+                  <a:schemeClr val="tx1">
+                    <a:lumMod val="75000"/>
+                    <a:lumOff val="25000"/>
+                  </a:schemeClr>
+                </a:solidFill>
+                <a:latin typeface="微軟正黑體" panose="020B0604030504040204" pitchFamily="34" charset="-120"/>
+                <a:ea typeface="微軟正黑體" panose="020B0604030504040204" pitchFamily="34" charset="-120"/>
+              </a:rPr>
+              <a:t>首先計算</a:t>
+            </a:r>
+            <a:r>
+              <a:rPr lang="en-US" altLang="zh-TW" sz="3600" b="1" dirty="0" smtClean="0">
+                <a:solidFill>
+                  <a:schemeClr val="tx1">
+                    <a:lumMod val="75000"/>
+                    <a:lumOff val="25000"/>
+                  </a:schemeClr>
+                </a:solidFill>
+                <a:latin typeface="微軟正黑體" panose="020B0604030504040204" pitchFamily="34" charset="-120"/>
+                <a:ea typeface="微軟正黑體" panose="020B0604030504040204" pitchFamily="34" charset="-120"/>
+              </a:rPr>
+              <a:t>12</a:t>
+            </a:r>
+            <a:r>
+              <a:rPr lang="zh-TW" altLang="en-US" sz="3600" b="1" dirty="0" smtClean="0">
+                <a:solidFill>
+                  <a:schemeClr val="tx1">
+                    <a:lumMod val="75000"/>
+                    <a:lumOff val="25000"/>
+                  </a:schemeClr>
+                </a:solidFill>
+                <a:latin typeface="微軟正黑體" panose="020B0604030504040204" pitchFamily="34" charset="-120"/>
+                <a:ea typeface="微軟正黑體" panose="020B0604030504040204" pitchFamily="34" charset="-120"/>
+              </a:rPr>
+              <a:t>日和</a:t>
+            </a:r>
+            <a:r>
+              <a:rPr lang="en-US" altLang="zh-TW" sz="3600" b="1" dirty="0" smtClean="0">
+                <a:solidFill>
+                  <a:schemeClr val="tx1">
+                    <a:lumMod val="75000"/>
+                    <a:lumOff val="25000"/>
+                  </a:schemeClr>
+                </a:solidFill>
+                <a:latin typeface="微軟正黑體" panose="020B0604030504040204" pitchFamily="34" charset="-120"/>
+                <a:ea typeface="微軟正黑體" panose="020B0604030504040204" pitchFamily="34" charset="-120"/>
+              </a:rPr>
+              <a:t>26</a:t>
+            </a:r>
+            <a:r>
+              <a:rPr lang="zh-TW" altLang="en-US" sz="3600" b="1" dirty="0" smtClean="0">
+                <a:solidFill>
+                  <a:schemeClr val="tx1">
+                    <a:lumMod val="75000"/>
+                    <a:lumOff val="25000"/>
+                  </a:schemeClr>
+                </a:solidFill>
+                <a:latin typeface="微軟正黑體" panose="020B0604030504040204" pitchFamily="34" charset="-120"/>
+                <a:ea typeface="微軟正黑體" panose="020B0604030504040204" pitchFamily="34" charset="-120"/>
+              </a:rPr>
+              <a:t>日的指數移動平均 ，</a:t>
+            </a:r>
             <a:endParaRPr lang="en-US" altLang="zh-TW" sz="3600" b="1" dirty="0" smtClean="0">
               <a:solidFill>
                 <a:schemeClr val="tx1">
@@ -10330,7 +9967,6 @@
             </a:endParaRPr>
           </a:p>
           <a:p>
-            <a:pPr lvl="0"/>
             <a:r>
               <a:rPr lang="zh-TW" altLang="en-US" sz="3600" b="1" dirty="0" smtClean="0">
                 <a:solidFill>
@@ -10342,12 +9978,15 @@
                 <a:latin typeface="微軟正黑體" panose="020B0604030504040204" pitchFamily="34" charset="-120"/>
                 <a:ea typeface="微軟正黑體" panose="020B0604030504040204" pitchFamily="34" charset="-120"/>
               </a:rPr>
-              <a:t>若</a:t>
+              <a:t>令</a:t>
             </a:r>
             <a:r>
               <a:rPr lang="en-US" altLang="zh-TW" sz="3600" b="1" dirty="0" smtClean="0">
                 <a:solidFill>
-                  <a:srgbClr val="FFC000"/>
+                  <a:schemeClr val="tx1">
+                    <a:lumMod val="75000"/>
+                    <a:lumOff val="25000"/>
+                  </a:schemeClr>
                 </a:solidFill>
                 <a:latin typeface="微軟正黑體" panose="020B0604030504040204" pitchFamily="34" charset="-120"/>
                 <a:ea typeface="微軟正黑體" panose="020B0604030504040204" pitchFamily="34" charset="-120"/>
@@ -10357,15 +9996,18 @@
             <a:r>
               <a:rPr lang="zh-TW" altLang="en-US" sz="3600" b="1" dirty="0" smtClean="0">
                 <a:solidFill>
-                  <a:srgbClr val="FFC000"/>
+                  <a:schemeClr val="tx1">
+                    <a:lumMod val="75000"/>
+                    <a:lumOff val="25000"/>
+                  </a:schemeClr>
                 </a:solidFill>
                 <a:latin typeface="微軟正黑體" panose="020B0604030504040204" pitchFamily="34" charset="-120"/>
                 <a:ea typeface="微軟正黑體" panose="020B0604030504040204" pitchFamily="34" charset="-120"/>
               </a:rPr>
-              <a:t>由上而下</a:t>
-            </a:r>
-            <a:r>
-              <a:rPr lang="zh-TW" altLang="en-US" sz="3600" b="1" dirty="0" smtClean="0">
+              <a:t>為</a:t>
+            </a:r>
+            <a:r>
+              <a:rPr lang="en-US" altLang="zh-TW" sz="3600" b="1" dirty="0" smtClean="0">
                 <a:solidFill>
                   <a:schemeClr val="tx1">
                     <a:lumMod val="75000"/>
@@ -10375,10 +10017,10 @@
                 <a:latin typeface="微軟正黑體" panose="020B0604030504040204" pitchFamily="34" charset="-120"/>
                 <a:ea typeface="微軟正黑體" panose="020B0604030504040204" pitchFamily="34" charset="-120"/>
               </a:rPr>
-              <a:t>穿透</a:t>
-            </a:r>
-            <a:r>
-              <a:rPr lang="en-US" altLang="zh-TW" sz="3600" b="1" dirty="0" smtClean="0">
+              <a:t>12</a:t>
+            </a:r>
+            <a:r>
+              <a:rPr lang="zh-TW" altLang="en-US" sz="3600" b="1" dirty="0" smtClean="0">
                 <a:solidFill>
                   <a:schemeClr val="tx1">
                     <a:lumMod val="75000"/>
@@ -10388,10 +10030,10 @@
                 <a:latin typeface="微軟正黑體" panose="020B0604030504040204" pitchFamily="34" charset="-120"/>
                 <a:ea typeface="微軟正黑體" panose="020B0604030504040204" pitchFamily="34" charset="-120"/>
               </a:rPr>
-              <a:t>DEM</a:t>
-            </a:r>
-            <a:r>
-              <a:rPr lang="zh-TW" altLang="en-US" sz="3600" b="1" dirty="0" smtClean="0">
+              <a:t>日</a:t>
+            </a:r>
+            <a:r>
+              <a:rPr lang="en-US" altLang="zh-TW" sz="3600" b="1" dirty="0" smtClean="0">
                 <a:solidFill>
                   <a:schemeClr val="tx1">
                     <a:lumMod val="75000"/>
@@ -10401,20 +10043,23 @@
                 <a:latin typeface="微軟正黑體" panose="020B0604030504040204" pitchFamily="34" charset="-120"/>
                 <a:ea typeface="微軟正黑體" panose="020B0604030504040204" pitchFamily="34" charset="-120"/>
               </a:rPr>
-              <a:t>，為</a:t>
+              <a:t>EWA – 26</a:t>
             </a:r>
             <a:r>
               <a:rPr lang="zh-TW" altLang="en-US" sz="3600" b="1" dirty="0" smtClean="0">
                 <a:solidFill>
-                  <a:srgbClr val="FFC000"/>
+                  <a:schemeClr val="tx1">
+                    <a:lumMod val="75000"/>
+                    <a:lumOff val="25000"/>
+                  </a:schemeClr>
                 </a:solidFill>
                 <a:latin typeface="微軟正黑體" panose="020B0604030504040204" pitchFamily="34" charset="-120"/>
                 <a:ea typeface="微軟正黑體" panose="020B0604030504040204" pitchFamily="34" charset="-120"/>
               </a:rPr>
-              <a:t>賣出</a:t>
-            </a:r>
-            <a:r>
-              <a:rPr lang="zh-TW" altLang="en-US" sz="3600" b="1" dirty="0" smtClean="0">
+              <a:t>日</a:t>
+            </a:r>
+            <a:r>
+              <a:rPr lang="en-US" altLang="zh-TW" sz="3600" b="1" dirty="0" smtClean="0">
                 <a:solidFill>
                   <a:schemeClr val="tx1">
                     <a:lumMod val="75000"/>
@@ -10424,25 +10069,121 @@
                 <a:latin typeface="微軟正黑體" panose="020B0604030504040204" pitchFamily="34" charset="-120"/>
                 <a:ea typeface="微軟正黑體" panose="020B0604030504040204" pitchFamily="34" charset="-120"/>
               </a:rPr>
-              <a:t>訊號</a:t>
-            </a:r>
-            <a:endParaRPr lang="en-US" altLang="zh-TW" sz="3600" b="1" dirty="0" smtClean="0">
-              <a:solidFill>
-                <a:schemeClr val="tx1">
-                  <a:lumMod val="75000"/>
-                  <a:lumOff val="25000"/>
-                </a:schemeClr>
-              </a:solidFill>
-              <a:latin typeface="微軟正黑體" panose="020B0604030504040204" pitchFamily="34" charset="-120"/>
-              <a:ea typeface="微軟正黑體" panose="020B0604030504040204" pitchFamily="34" charset="-120"/>
-            </a:endParaRPr>
+              <a:t>EWA</a:t>
+            </a:r>
+          </a:p>
+          <a:p>
+            <a:r>
+              <a:rPr lang="zh-TW" altLang="en-US" sz="3600" b="1" dirty="0" smtClean="0">
+                <a:solidFill>
+                  <a:schemeClr val="tx1">
+                    <a:lumMod val="75000"/>
+                    <a:lumOff val="25000"/>
+                  </a:schemeClr>
+                </a:solidFill>
+                <a:latin typeface="微軟正黑體" panose="020B0604030504040204" pitchFamily="34" charset="-120"/>
+                <a:ea typeface="微軟正黑體" panose="020B0604030504040204" pitchFamily="34" charset="-120"/>
+              </a:rPr>
+              <a:t>再令</a:t>
+            </a:r>
+            <a:r>
+              <a:rPr lang="en-US" altLang="zh-TW" sz="3600" b="1" dirty="0" smtClean="0">
+                <a:solidFill>
+                  <a:schemeClr val="tx1">
+                    <a:lumMod val="75000"/>
+                    <a:lumOff val="25000"/>
+                  </a:schemeClr>
+                </a:solidFill>
+                <a:latin typeface="微軟正黑體" panose="020B0604030504040204" pitchFamily="34" charset="-120"/>
+                <a:ea typeface="微軟正黑體" panose="020B0604030504040204" pitchFamily="34" charset="-120"/>
+              </a:rPr>
+              <a:t>DEM</a:t>
+            </a:r>
+            <a:r>
+              <a:rPr lang="zh-TW" altLang="en-US" sz="3600" b="1" dirty="0" smtClean="0">
+                <a:solidFill>
+                  <a:schemeClr val="tx1">
+                    <a:lumMod val="75000"/>
+                    <a:lumOff val="25000"/>
+                  </a:schemeClr>
+                </a:solidFill>
+                <a:latin typeface="微軟正黑體" panose="020B0604030504040204" pitchFamily="34" charset="-120"/>
+                <a:ea typeface="微軟正黑體" panose="020B0604030504040204" pitchFamily="34" charset="-120"/>
+              </a:rPr>
+              <a:t>為</a:t>
+            </a:r>
+            <a:r>
+              <a:rPr lang="en-US" altLang="zh-TW" sz="3600" b="1" dirty="0" smtClean="0">
+                <a:solidFill>
+                  <a:schemeClr val="tx1">
+                    <a:lumMod val="75000"/>
+                    <a:lumOff val="25000"/>
+                  </a:schemeClr>
+                </a:solidFill>
+                <a:latin typeface="微軟正黑體" panose="020B0604030504040204" pitchFamily="34" charset="-120"/>
+                <a:ea typeface="微軟正黑體" panose="020B0604030504040204" pitchFamily="34" charset="-120"/>
+              </a:rPr>
+              <a:t>DIF</a:t>
+            </a:r>
+            <a:r>
+              <a:rPr lang="zh-TW" altLang="en-US" sz="3600" b="1" dirty="0" smtClean="0">
+                <a:solidFill>
+                  <a:schemeClr val="tx1">
+                    <a:lumMod val="75000"/>
+                    <a:lumOff val="25000"/>
+                  </a:schemeClr>
+                </a:solidFill>
+                <a:latin typeface="微軟正黑體" panose="020B0604030504040204" pitchFamily="34" charset="-120"/>
+                <a:ea typeface="微軟正黑體" panose="020B0604030504040204" pitchFamily="34" charset="-120"/>
+              </a:rPr>
+              <a:t>的</a:t>
+            </a:r>
+            <a:r>
+              <a:rPr lang="en-US" altLang="zh-TW" sz="3600" b="1" dirty="0" smtClean="0">
+                <a:solidFill>
+                  <a:schemeClr val="tx1">
+                    <a:lumMod val="75000"/>
+                    <a:lumOff val="25000"/>
+                  </a:schemeClr>
+                </a:solidFill>
+                <a:latin typeface="微軟正黑體" panose="020B0604030504040204" pitchFamily="34" charset="-120"/>
+                <a:ea typeface="微軟正黑體" panose="020B0604030504040204" pitchFamily="34" charset="-120"/>
+              </a:rPr>
+              <a:t>9</a:t>
+            </a:r>
+            <a:r>
+              <a:rPr lang="zh-TW" altLang="en-US" sz="3600" b="1" dirty="0" smtClean="0">
+                <a:solidFill>
+                  <a:schemeClr val="tx1">
+                    <a:lumMod val="75000"/>
+                    <a:lumOff val="25000"/>
+                  </a:schemeClr>
+                </a:solidFill>
+                <a:latin typeface="微軟正黑體" panose="020B0604030504040204" pitchFamily="34" charset="-120"/>
+                <a:ea typeface="微軟正黑體" panose="020B0604030504040204" pitchFamily="34" charset="-120"/>
+              </a:rPr>
+              <a:t>日</a:t>
+            </a:r>
+            <a:r>
+              <a:rPr lang="en-US" altLang="zh-TW" sz="3600" b="1" dirty="0" smtClean="0">
+                <a:solidFill>
+                  <a:schemeClr val="tx1">
+                    <a:lumMod val="75000"/>
+                    <a:lumOff val="25000"/>
+                  </a:schemeClr>
+                </a:solidFill>
+                <a:latin typeface="微軟正黑體" panose="020B0604030504040204" pitchFamily="34" charset="-120"/>
+                <a:ea typeface="微軟正黑體" panose="020B0604030504040204" pitchFamily="34" charset="-120"/>
+              </a:rPr>
+              <a:t>EMA </a:t>
+            </a:r>
           </a:p>
         </p:txBody>
       </p:sp>
     </p:spTree>
     <p:extLst>
       <p:ext uri="{BB962C8B-B14F-4D97-AF65-F5344CB8AC3E}">
-        <p14:creationId xmlns:p14="http://schemas.microsoft.com/office/powerpoint/2010/main" val="265694418"/>
+        <p14:creationId xmlns:p14="http://schemas.microsoft.com/office/powerpoint/2010/main" val="2461780200"/>
       </p:ext>
     </p:extLst>
   </p:cSld>
@@ -10507,7 +10248,7 @@
           <a:p>
             <a:pPr defTabSz="685800"/>
             <a:r>
-              <a:rPr lang="en-US" altLang="zh-CN" sz="2400" b="1" dirty="0" err="1" smtClean="0">
+              <a:rPr lang="en-US" altLang="zh-CN" sz="2400" b="1" dirty="0" smtClean="0">
                 <a:solidFill>
                   <a:schemeClr val="tx1">
                     <a:lumMod val="75000"/>
@@ -10519,22 +10260,7 @@
                 <a:cs typeface="Microsoft JhengHei" charset="-120"/>
                 <a:sym typeface="+mn-lt"/>
               </a:rPr>
-              <a:t>Bollienger</a:t>
-            </a:r>
-            <a:r>
-              <a:rPr lang="en-US" altLang="zh-CN" sz="2400" b="1" dirty="0" smtClean="0">
-                <a:solidFill>
-                  <a:schemeClr val="tx1">
-                    <a:lumMod val="75000"/>
-                    <a:lumOff val="25000"/>
-                  </a:schemeClr>
-                </a:solidFill>
-                <a:latin typeface="Microsoft JhengHei" charset="-120"/>
-                <a:ea typeface="Microsoft JhengHei" charset="-120"/>
-                <a:cs typeface="Microsoft JhengHei" charset="-120"/>
-                <a:sym typeface="+mn-lt"/>
-              </a:rPr>
-              <a:t> Bands</a:t>
+              <a:t>MACD</a:t>
             </a:r>
             <a:endParaRPr lang="zh-CN" altLang="en-US" sz="2400" b="1" dirty="0">
               <a:solidFill>
@@ -10848,7 +10574,7 @@
     </p:spTree>
     <p:extLst>
       <p:ext uri="{BB962C8B-B14F-4D97-AF65-F5344CB8AC3E}">
-        <p14:creationId xmlns:p14="http://schemas.microsoft.com/office/powerpoint/2010/main" val="1770639796"/>
+        <p14:creationId xmlns:p14="http://schemas.microsoft.com/office/powerpoint/2010/main" val="265694418"/>
       </p:ext>
     </p:extLst>
   </p:cSld>
@@ -11001,14 +10727,14 @@
       </p:sp>
       <p:sp>
         <p:nvSpPr>
-          <p:cNvPr id="6" name="文字方塊 5"/>
+          <p:cNvPr id="5" name="文字方塊 4"/>
           <p:cNvSpPr txBox="1"/>
           <p:nvPr/>
         </p:nvSpPr>
         <p:spPr>
           <a:xfrm>
-            <a:off x="1790007" y="1829084"/>
-            <a:ext cx="10113818" cy="3170099"/>
+            <a:off x="2069717" y="2445417"/>
+            <a:ext cx="13623636" cy="1754326"/>
           </a:xfrm>
           <a:prstGeom prst="rect">
             <a:avLst/>
@@ -11021,91 +10747,103 @@
           </a:bodyPr>
           <a:lstStyle/>
           <a:p>
-            <a:pPr marL="0" marR="0" lvl="0" indent="0" algn="l" defTabSz="914400" rtl="0" eaLnBrk="1" fontAlgn="auto" latinLnBrk="0" hangingPunct="1">
-              <a:lnSpc>
-                <a:spcPct val="100000"/>
-              </a:lnSpc>
-              <a:spcBef>
-                <a:spcPts val="0"/>
-              </a:spcBef>
-              <a:spcAft>
-                <a:spcPts val="0"/>
-              </a:spcAft>
-              <a:buClrTx/>
-              <a:buSzTx/>
-              <a:buFontTx/>
-              <a:buNone/>
-              <a:tabLst/>
-              <a:defRPr/>
-            </a:pPr>
-            <a:r>
-              <a:rPr kumimoji="0" lang="zh-TW" altLang="en-US" sz="4000" b="1" i="0" u="none" strike="noStrike" kern="1200" cap="none" spc="0" normalizeH="0" baseline="0" noProof="0" dirty="0" smtClean="0">
-                <a:ln>
-                  <a:noFill/>
-                </a:ln>
-                <a:solidFill>
-                  <a:schemeClr val="tx1">
-                    <a:lumMod val="75000"/>
-                    <a:lumOff val="25000"/>
-                  </a:schemeClr>
-                </a:solidFill>
-                <a:effectLst/>
-                <a:uLnTx/>
-                <a:uFillTx/>
+            <a:pPr lvl="0"/>
+            <a:r>
+              <a:rPr lang="zh-TW" altLang="en-US" sz="3600" b="1" dirty="0" smtClean="0">
+                <a:solidFill>
+                  <a:schemeClr val="tx1">
+                    <a:lumMod val="75000"/>
+                    <a:lumOff val="25000"/>
+                  </a:schemeClr>
+                </a:solidFill>
                 <a:latin typeface="微軟正黑體" panose="020B0604030504040204" pitchFamily="34" charset="-120"/>
                 <a:ea typeface="微軟正黑體" panose="020B0604030504040204" pitchFamily="34" charset="-120"/>
               </a:rPr>
-              <a:t>布林通道由三條線組成</a:t>
-            </a:r>
-            <a:endParaRPr kumimoji="0" lang="en-US" altLang="zh-TW" sz="4000" b="1" i="0" u="none" strike="noStrike" kern="1200" cap="none" spc="0" normalizeH="0" baseline="0" noProof="0" dirty="0" smtClean="0">
-              <a:ln>
-                <a:noFill/>
-              </a:ln>
-              <a:solidFill>
-                <a:schemeClr val="tx1">
-                  <a:lumMod val="75000"/>
-                  <a:lumOff val="25000"/>
-                </a:schemeClr>
-              </a:solidFill>
-              <a:effectLst/>
-              <a:uLnTx/>
-              <a:uFillTx/>
-              <a:latin typeface="微軟正黑體" panose="020B0604030504040204" pitchFamily="34" charset="-120"/>
-              <a:ea typeface="微軟正黑體" panose="020B0604030504040204" pitchFamily="34" charset="-120"/>
-            </a:endParaRPr>
-          </a:p>
-          <a:p>
-            <a:pPr marL="742950" marR="0" lvl="0" indent="-742950" algn="l" defTabSz="914400" rtl="0" eaLnBrk="1" fontAlgn="auto" latinLnBrk="0" hangingPunct="1">
-              <a:lnSpc>
-                <a:spcPct val="100000"/>
-              </a:lnSpc>
-              <a:spcBef>
-                <a:spcPts val="0"/>
-              </a:spcBef>
-              <a:spcAft>
-                <a:spcPts val="0"/>
-              </a:spcAft>
-              <a:buClrTx/>
-              <a:buSzTx/>
-              <a:buFontTx/>
-              <a:buAutoNum type="arabicPeriod"/>
-              <a:tabLst/>
-              <a:defRPr/>
-            </a:pPr>
-            <a:r>
-              <a:rPr lang="zh-TW" altLang="en-US" sz="4000" b="1" dirty="0" smtClean="0">
-                <a:solidFill>
-                  <a:schemeClr val="tx1">
-                    <a:lumMod val="75000"/>
-                    <a:lumOff val="25000"/>
-                  </a:schemeClr>
+              <a:t>若</a:t>
+            </a:r>
+            <a:r>
+              <a:rPr lang="en-US" altLang="zh-TW" sz="3600" b="1" dirty="0" smtClean="0">
+                <a:solidFill>
+                  <a:srgbClr val="FFC000"/>
                 </a:solidFill>
                 <a:latin typeface="微軟正黑體" panose="020B0604030504040204" pitchFamily="34" charset="-120"/>
                 <a:ea typeface="微軟正黑體" panose="020B0604030504040204" pitchFamily="34" charset="-120"/>
               </a:rPr>
-              <a:t>當前價格</a:t>
-            </a:r>
-            <a:endParaRPr lang="en-US" altLang="zh-TW" sz="4000" b="1" dirty="0" smtClean="0">
+              <a:t>DIF</a:t>
+            </a:r>
+            <a:r>
+              <a:rPr lang="zh-TW" altLang="en-US" sz="3600" b="1" dirty="0" smtClean="0">
+                <a:solidFill>
+                  <a:srgbClr val="FFC000"/>
+                </a:solidFill>
+                <a:latin typeface="微軟正黑體" panose="020B0604030504040204" pitchFamily="34" charset="-120"/>
+                <a:ea typeface="微軟正黑體" panose="020B0604030504040204" pitchFamily="34" charset="-120"/>
+              </a:rPr>
+              <a:t>自下而上</a:t>
+            </a:r>
+            <a:r>
+              <a:rPr lang="zh-TW" altLang="en-US" sz="3600" b="1" dirty="0" smtClean="0">
+                <a:solidFill>
+                  <a:schemeClr val="tx1">
+                    <a:lumMod val="75000"/>
+                    <a:lumOff val="25000"/>
+                  </a:schemeClr>
+                </a:solidFill>
+                <a:latin typeface="微軟正黑體" panose="020B0604030504040204" pitchFamily="34" charset="-120"/>
+                <a:ea typeface="微軟正黑體" panose="020B0604030504040204" pitchFamily="34" charset="-120"/>
+              </a:rPr>
+              <a:t>突破</a:t>
+            </a:r>
+            <a:r>
+              <a:rPr lang="en-US" altLang="zh-TW" sz="3600" b="1" dirty="0" smtClean="0">
+                <a:solidFill>
+                  <a:schemeClr val="tx1">
+                    <a:lumMod val="75000"/>
+                    <a:lumOff val="25000"/>
+                  </a:schemeClr>
+                </a:solidFill>
+                <a:latin typeface="微軟正黑體" panose="020B0604030504040204" pitchFamily="34" charset="-120"/>
+                <a:ea typeface="微軟正黑體" panose="020B0604030504040204" pitchFamily="34" charset="-120"/>
+              </a:rPr>
+              <a:t>DEM</a:t>
+            </a:r>
+            <a:r>
+              <a:rPr lang="zh-TW" altLang="en-US" sz="3600" b="1" dirty="0" smtClean="0">
+                <a:solidFill>
+                  <a:schemeClr val="tx1">
+                    <a:lumMod val="75000"/>
+                    <a:lumOff val="25000"/>
+                  </a:schemeClr>
+                </a:solidFill>
+                <a:latin typeface="微軟正黑體" panose="020B0604030504040204" pitchFamily="34" charset="-120"/>
+                <a:ea typeface="微軟正黑體" panose="020B0604030504040204" pitchFamily="34" charset="-120"/>
+              </a:rPr>
+              <a:t>，為</a:t>
+            </a:r>
+            <a:r>
+              <a:rPr lang="zh-TW" altLang="en-US" sz="3600" b="1" dirty="0" smtClean="0">
+                <a:solidFill>
+                  <a:srgbClr val="FFC000"/>
+                </a:solidFill>
+                <a:latin typeface="微軟正黑體" panose="020B0604030504040204" pitchFamily="34" charset="-120"/>
+                <a:ea typeface="微軟正黑體" panose="020B0604030504040204" pitchFamily="34" charset="-120"/>
+              </a:rPr>
+              <a:t>買進</a:t>
+            </a:r>
+            <a:r>
+              <a:rPr lang="zh-TW" altLang="en-US" sz="3600" b="1" dirty="0" smtClean="0">
+                <a:solidFill>
+                  <a:schemeClr val="tx1">
+                    <a:lumMod val="75000"/>
+                    <a:lumOff val="25000"/>
+                  </a:schemeClr>
+                </a:solidFill>
+                <a:latin typeface="微軟正黑體" panose="020B0604030504040204" pitchFamily="34" charset="-120"/>
+                <a:ea typeface="微軟正黑體" panose="020B0604030504040204" pitchFamily="34" charset="-120"/>
+              </a:rPr>
+              <a:t>訊號</a:t>
+            </a:r>
+            <a:endParaRPr lang="en-US" altLang="zh-TW" sz="3600" b="1" dirty="0" smtClean="0">
               <a:solidFill>
                 <a:schemeClr val="tx1">
                   <a:lumMod val="75000"/>
@@ -11117,113 +10855,8 @@
             </a:endParaRPr>
           </a:p>
           <a:p>
-            <a:pPr marL="742950" marR="0" lvl="0" indent="-742950" algn="l" defTabSz="914400" rtl="0" eaLnBrk="1" fontAlgn="auto" latinLnBrk="0" hangingPunct="1">
-              <a:lnSpc>
-                <a:spcPct val="100000"/>
-              </a:lnSpc>
-              <a:spcBef>
-                <a:spcPts val="0"/>
-              </a:spcBef>
-              <a:spcAft>
-                <a:spcPts val="0"/>
-              </a:spcAft>
-              <a:buClrTx/>
-              <a:buSzTx/>
-              <a:buFontTx/>
-              <a:buAutoNum type="arabicPeriod"/>
-              <a:tabLst/>
-              <a:defRPr/>
-            </a:pPr>
-            <a:r>
-              <a:rPr kumimoji="0" lang="en-US" altLang="zh-TW" sz="4000" b="1" i="0" u="none" strike="noStrike" kern="1200" cap="none" spc="0" normalizeH="0" baseline="0" noProof="0" dirty="0" smtClean="0">
-                <a:ln>
-                  <a:noFill/>
-                </a:ln>
-                <a:solidFill>
-                  <a:schemeClr val="tx1">
-                    <a:lumMod val="75000"/>
-                    <a:lumOff val="25000"/>
-                  </a:schemeClr>
-                </a:solidFill>
-                <a:effectLst/>
-                <a:uLnTx/>
-                <a:uFillTx/>
-                <a:latin typeface="微軟正黑體" panose="020B0604030504040204" pitchFamily="34" charset="-120"/>
-                <a:ea typeface="微軟正黑體" panose="020B0604030504040204" pitchFamily="34" charset="-120"/>
-              </a:rPr>
-              <a:t>20</a:t>
-            </a:r>
-            <a:r>
-              <a:rPr kumimoji="0" lang="zh-TW" altLang="en-US" sz="4000" b="1" i="0" u="none" strike="noStrike" kern="1200" cap="none" spc="0" normalizeH="0" baseline="0" noProof="0" dirty="0" smtClean="0">
-                <a:ln>
-                  <a:noFill/>
-                </a:ln>
-                <a:solidFill>
-                  <a:schemeClr val="tx1">
-                    <a:lumMod val="75000"/>
-                    <a:lumOff val="25000"/>
-                  </a:schemeClr>
-                </a:solidFill>
-                <a:effectLst/>
-                <a:uLnTx/>
-                <a:uFillTx/>
-                <a:latin typeface="微軟正黑體" panose="020B0604030504040204" pitchFamily="34" charset="-120"/>
-                <a:ea typeface="微軟正黑體" panose="020B0604030504040204" pitchFamily="34" charset="-120"/>
-              </a:rPr>
-              <a:t>天的移動平均線 </a:t>
-            </a:r>
-            <a:r>
-              <a:rPr kumimoji="0" lang="en-US" altLang="zh-TW" sz="4000" b="1" i="0" u="none" strike="noStrike" kern="1200" cap="none" spc="0" normalizeH="0" baseline="0" noProof="0" dirty="0" smtClean="0">
-                <a:ln>
-                  <a:noFill/>
-                </a:ln>
-                <a:solidFill>
-                  <a:schemeClr val="tx1">
-                    <a:lumMod val="75000"/>
-                    <a:lumOff val="25000"/>
-                  </a:schemeClr>
-                </a:solidFill>
-                <a:effectLst/>
-                <a:uLnTx/>
-                <a:uFillTx/>
-                <a:latin typeface="微軟正黑體" panose="020B0604030504040204" pitchFamily="34" charset="-120"/>
-                <a:ea typeface="微軟正黑體" panose="020B0604030504040204" pitchFamily="34" charset="-120"/>
-              </a:rPr>
-              <a:t>+</a:t>
-            </a:r>
-            <a:r>
-              <a:rPr kumimoji="0" lang="zh-TW" altLang="en-US" sz="4000" b="1" i="0" u="none" strike="noStrike" kern="1200" cap="none" spc="0" normalizeH="0" baseline="0" noProof="0" dirty="0" smtClean="0">
-                <a:ln>
-                  <a:noFill/>
-                </a:ln>
-                <a:solidFill>
-                  <a:schemeClr val="tx1">
-                    <a:lumMod val="75000"/>
-                    <a:lumOff val="25000"/>
-                  </a:schemeClr>
-                </a:solidFill>
-                <a:effectLst/>
-                <a:uLnTx/>
-                <a:uFillTx/>
-                <a:latin typeface="微軟正黑體" panose="020B0604030504040204" pitchFamily="34" charset="-120"/>
-                <a:ea typeface="微軟正黑體" panose="020B0604030504040204" pitchFamily="34" charset="-120"/>
-              </a:rPr>
-              <a:t> </a:t>
-            </a:r>
-            <a:r>
-              <a:rPr lang="zh-TW" altLang="en-US" sz="4000" b="1" dirty="0" smtClean="0">
-                <a:solidFill>
-                  <a:schemeClr val="tx1">
-                    <a:lumMod val="75000"/>
-                    <a:lumOff val="25000"/>
-                  </a:schemeClr>
-                </a:solidFill>
-                <a:latin typeface="微軟正黑體" panose="020B0604030504040204" pitchFamily="34" charset="-120"/>
-                <a:ea typeface="微軟正黑體" panose="020B0604030504040204" pitchFamily="34" charset="-120"/>
-              </a:rPr>
-              <a:t>兩倍標準差</a:t>
-            </a:r>
-            <a:endParaRPr lang="en-US" altLang="zh-TW" sz="4000" b="1" dirty="0" smtClean="0">
+            <a:pPr lvl="0"/>
+            <a:endParaRPr lang="en-US" altLang="zh-TW" sz="3600" b="1" dirty="0" smtClean="0">
               <a:solidFill>
                 <a:schemeClr val="tx1">
                   <a:lumMod val="75000"/>
@@ -11235,59 +10868,42 @@
             </a:endParaRPr>
           </a:p>
           <a:p>
-            <a:r>
-              <a:rPr kumimoji="0" lang="en-US" altLang="zh-TW" sz="4000" b="1" i="0" u="none" strike="noStrike" kern="1200" cap="none" spc="0" normalizeH="0" baseline="0" noProof="0" dirty="0" smtClean="0">
-                <a:ln>
-                  <a:noFill/>
-                </a:ln>
-                <a:solidFill>
-                  <a:schemeClr val="tx1">
-                    <a:lumMod val="75000"/>
-                    <a:lumOff val="25000"/>
-                  </a:schemeClr>
-                </a:solidFill>
-                <a:effectLst/>
-                <a:uLnTx/>
-                <a:uFillTx/>
+            <a:pPr lvl="0"/>
+            <a:r>
+              <a:rPr lang="zh-TW" altLang="en-US" sz="3600" b="1" dirty="0" smtClean="0">
+                <a:solidFill>
+                  <a:schemeClr val="tx1">
+                    <a:lumMod val="75000"/>
+                    <a:lumOff val="25000"/>
+                  </a:schemeClr>
+                </a:solidFill>
                 <a:latin typeface="微軟正黑體" panose="020B0604030504040204" pitchFamily="34" charset="-120"/>
                 <a:ea typeface="微軟正黑體" panose="020B0604030504040204" pitchFamily="34" charset="-120"/>
               </a:rPr>
-              <a:t>3.</a:t>
-            </a:r>
-            <a:r>
-              <a:rPr kumimoji="0" lang="zh-TW" altLang="en-US" sz="4000" b="1" i="0" u="none" strike="noStrike" kern="1200" cap="none" spc="0" normalizeH="0" baseline="0" noProof="0" dirty="0" smtClean="0">
-                <a:ln>
-                  <a:noFill/>
-                </a:ln>
-                <a:solidFill>
-                  <a:schemeClr val="tx1">
-                    <a:lumMod val="75000"/>
-                    <a:lumOff val="25000"/>
-                  </a:schemeClr>
-                </a:solidFill>
-                <a:effectLst/>
-                <a:uLnTx/>
-                <a:uFillTx/>
+              <a:t>若</a:t>
+            </a:r>
+            <a:r>
+              <a:rPr lang="en-US" altLang="zh-TW" sz="3600" b="1" dirty="0" smtClean="0">
+                <a:solidFill>
+                  <a:srgbClr val="FFC000"/>
+                </a:solidFill>
                 <a:latin typeface="微軟正黑體" panose="020B0604030504040204" pitchFamily="34" charset="-120"/>
                 <a:ea typeface="微軟正黑體" panose="020B0604030504040204" pitchFamily="34" charset="-120"/>
               </a:rPr>
-              <a:t>   </a:t>
-            </a:r>
-            <a:r>
-              <a:rPr lang="en-US" altLang="zh-TW" sz="4000" b="1" dirty="0" smtClean="0">
-                <a:solidFill>
-                  <a:schemeClr val="tx1">
-                    <a:lumMod val="75000"/>
-                    <a:lumOff val="25000"/>
-                  </a:schemeClr>
+              <a:t>DIF</a:t>
+            </a:r>
+            <a:r>
+              <a:rPr lang="zh-TW" altLang="en-US" sz="3600" b="1" dirty="0" smtClean="0">
+                <a:solidFill>
+                  <a:srgbClr val="FFC000"/>
                 </a:solidFill>
                 <a:latin typeface="微軟正黑體" panose="020B0604030504040204" pitchFamily="34" charset="-120"/>
                 <a:ea typeface="微軟正黑體" panose="020B0604030504040204" pitchFamily="34" charset="-120"/>
               </a:rPr>
-              <a:t>20</a:t>
-            </a:r>
-            <a:r>
-              <a:rPr lang="zh-TW" altLang="en-US" sz="4000" b="1" dirty="0">
+              <a:t>由上而下</a:t>
+            </a:r>
+            <a:r>
+              <a:rPr lang="zh-TW" altLang="en-US" sz="3600" b="1" dirty="0" smtClean="0">
                 <a:solidFill>
                   <a:schemeClr val="tx1">
                     <a:lumMod val="75000"/>
@@ -11297,10 +10913,10 @@
                 <a:latin typeface="微軟正黑體" panose="020B0604030504040204" pitchFamily="34" charset="-120"/>
                 <a:ea typeface="微軟正黑體" panose="020B0604030504040204" pitchFamily="34" charset="-120"/>
               </a:rPr>
-              <a:t>天的移動平均線 </a:t>
-            </a:r>
-            <a:r>
-              <a:rPr lang="en-US" altLang="zh-TW" sz="4000" b="1" dirty="0" smtClean="0">
+              <a:t>穿透</a:t>
+            </a:r>
+            <a:r>
+              <a:rPr lang="en-US" altLang="zh-TW" sz="3600" b="1" dirty="0" smtClean="0">
                 <a:solidFill>
                   <a:schemeClr val="tx1">
                     <a:lumMod val="75000"/>
@@ -11310,10 +10926,10 @@
                 <a:latin typeface="微軟正黑體" panose="020B0604030504040204" pitchFamily="34" charset="-120"/>
                 <a:ea typeface="微軟正黑體" panose="020B0604030504040204" pitchFamily="34" charset="-120"/>
               </a:rPr>
-              <a:t>-</a:t>
-            </a:r>
-            <a:r>
-              <a:rPr lang="zh-TW" altLang="en-US" sz="4000" b="1" dirty="0" smtClean="0">
+              <a:t>DEM</a:t>
+            </a:r>
+            <a:r>
+              <a:rPr lang="zh-TW" altLang="en-US" sz="3600" b="1" dirty="0" smtClean="0">
                 <a:solidFill>
                   <a:schemeClr val="tx1">
                     <a:lumMod val="75000"/>
@@ -11323,9 +10939,32 @@
                 <a:latin typeface="微軟正黑體" panose="020B0604030504040204" pitchFamily="34" charset="-120"/>
                 <a:ea typeface="微軟正黑體" panose="020B0604030504040204" pitchFamily="34" charset="-120"/>
               </a:rPr>
-              <a:t>  兩倍標準差</a:t>
-            </a:r>
-            <a:endParaRPr lang="zh-TW" altLang="en-US" sz="4000" b="1" dirty="0">
+              <a:t>，為</a:t>
+            </a:r>
+            <a:r>
+              <a:rPr lang="zh-TW" altLang="en-US" sz="3600" b="1" dirty="0" smtClean="0">
+                <a:solidFill>
+                  <a:srgbClr val="FFC000"/>
+                </a:solidFill>
+                <a:latin typeface="微軟正黑體" panose="020B0604030504040204" pitchFamily="34" charset="-120"/>
+                <a:ea typeface="微軟正黑體" panose="020B0604030504040204" pitchFamily="34" charset="-120"/>
+              </a:rPr>
+              <a:t>賣出</a:t>
+            </a:r>
+            <a:r>
+              <a:rPr lang="zh-TW" altLang="en-US" sz="3600" b="1" dirty="0" smtClean="0">
+                <a:solidFill>
+                  <a:schemeClr val="tx1">
+                    <a:lumMod val="75000"/>
+                    <a:lumOff val="25000"/>
+                  </a:schemeClr>
+                </a:solidFill>
+                <a:latin typeface="微軟正黑體" panose="020B0604030504040204" pitchFamily="34" charset="-120"/>
+                <a:ea typeface="微軟正黑體" panose="020B0604030504040204" pitchFamily="34" charset="-120"/>
+              </a:rPr>
+              <a:t>訊號</a:t>
+            </a:r>
+            <a:endParaRPr lang="en-US" altLang="zh-TW" sz="3600" b="1" dirty="0" smtClean="0">
               <a:solidFill>
                 <a:schemeClr val="tx1">
                   <a:lumMod val="75000"/>
@@ -11336,47 +10975,12 @@
               <a:ea typeface="微軟正黑體" panose="020B0604030504040204" pitchFamily="34" charset="-120"/>
             </a:endParaRPr>
           </a:p>
-          <a:p>
-            <a:pPr marL="0" marR="0" lvl="0" indent="0" algn="l" defTabSz="914400" rtl="0" eaLnBrk="1" fontAlgn="auto" latinLnBrk="0" hangingPunct="1">
-              <a:lnSpc>
-                <a:spcPct val="100000"/>
-              </a:lnSpc>
-              <a:spcBef>
-                <a:spcPts val="0"/>
-              </a:spcBef>
-              <a:spcAft>
-                <a:spcPts val="0"/>
-              </a:spcAft>
-              <a:buClrTx/>
-              <a:buSzTx/>
-              <a:buFontTx/>
-              <a:buNone/>
-              <a:tabLst/>
-              <a:defRPr/>
-            </a:pPr>
-            <a:endParaRPr kumimoji="0" lang="zh-TW" altLang="en-US" sz="4000" b="1" i="0" u="none" strike="noStrike" kern="1200" cap="none" spc="0" normalizeH="0" baseline="0" noProof="0" dirty="0" smtClean="0">
-              <a:ln>
-                <a:noFill/>
-              </a:ln>
-              <a:solidFill>
-                <a:schemeClr val="tx1">
-                  <a:lumMod val="75000"/>
-                  <a:lumOff val="25000"/>
-                </a:schemeClr>
-              </a:solidFill>
-              <a:effectLst/>
-              <a:uLnTx/>
-              <a:uFillTx/>
-              <a:latin typeface="微軟正黑體" panose="020B0604030504040204" pitchFamily="34" charset="-120"/>
-              <a:ea typeface="微軟正黑體" panose="020B0604030504040204" pitchFamily="34" charset="-120"/>
-            </a:endParaRPr>
-          </a:p>
         </p:txBody>
       </p:sp>
     </p:spTree>
     <p:extLst>
       <p:ext uri="{BB962C8B-B14F-4D97-AF65-F5344CB8AC3E}">
-        <p14:creationId xmlns:p14="http://schemas.microsoft.com/office/powerpoint/2010/main" val="459981496"/>
+        <p14:creationId xmlns:p14="http://schemas.microsoft.com/office/powerpoint/2010/main" val="1770639796"/>
       </p:ext>
     </p:extLst>
   </p:cSld>
@@ -11413,437 +11017,64 @@
           <a:chExt cx="0" cy="0"/>
         </a:xfrm>
       </p:grpSpPr>
-      <p:pic>
-        <p:nvPicPr>
-          <p:cNvPr id="4" name="图片 3"/>
-          <p:cNvPicPr>
-            <a:picLocks noChangeAspect="1"/>
-          </p:cNvPicPr>
+      <p:sp>
+        <p:nvSpPr>
+          <p:cNvPr id="5" name="文字方塊 4"/>
+          <p:cNvSpPr txBox="1"/>
           <p:nvPr/>
-        </p:nvPicPr>
-        <p:blipFill>
-          <a:blip r:embed="rId3">
-            <a:extLst>
-              <a:ext uri="{28A0092B-C50C-407E-A947-70E740481C1C}">
-                <a14:useLocalDpi xmlns:a14="http://schemas.microsoft.com/office/drawing/2010/main"/>
-              </a:ext>
-            </a:extLst>
-          </a:blip>
-          <a:stretch>
-            <a:fillRect/>
-          </a:stretch>
-        </p:blipFill>
+        </p:nvSpPr>
         <p:spPr>
           <a:xfrm>
-            <a:off x="0" y="0"/>
-            <a:ext cx="12192000" cy="6858000"/>
+            <a:off x="2030279" y="2975675"/>
+            <a:ext cx="8275022" cy="1015663"/>
           </a:xfrm>
           <a:prstGeom prst="rect">
             <a:avLst/>
           </a:prstGeom>
+          <a:noFill/>
         </p:spPr>
-      </p:pic>
-      <p:grpSp>
-        <p:nvGrpSpPr>
-          <p:cNvPr id="3" name="组合 2"/>
-          <p:cNvGrpSpPr>
-            <a:grpSpLocks noChangeAspect="1"/>
-          </p:cNvGrpSpPr>
-          <p:nvPr/>
-        </p:nvGrpSpPr>
-        <p:grpSpPr>
-          <a:xfrm>
-            <a:off x="5029289" y="2069373"/>
-            <a:ext cx="2133422" cy="1213323"/>
-            <a:chOff x="1093391" y="-1169675"/>
-            <a:chExt cx="1359950" cy="773433"/>
-          </a:xfrm>
-          <a:solidFill>
-            <a:schemeClr val="tx1">
-              <a:lumMod val="85000"/>
-              <a:lumOff val="15000"/>
-            </a:schemeClr>
-          </a:solidFill>
-        </p:grpSpPr>
-        <p:sp>
-          <p:nvSpPr>
-            <p:cNvPr id="5" name="任意多边形 4"/>
-            <p:cNvSpPr/>
-            <p:nvPr/>
-          </p:nvSpPr>
-          <p:spPr>
-            <a:xfrm>
-              <a:off x="1093391" y="-1169675"/>
-              <a:ext cx="767828" cy="773433"/>
-            </a:xfrm>
-            <a:custGeom>
-              <a:avLst/>
-              <a:gdLst/>
-              <a:ahLst/>
-              <a:cxnLst/>
-              <a:rect l="l" t="t" r="r" b="b"/>
-              <a:pathLst>
-                <a:path w="767828" h="773433">
-                  <a:moveTo>
-                    <a:pt x="383185" y="0"/>
-                  </a:moveTo>
-                  <a:cubicBezTo>
-                    <a:pt x="499322" y="52"/>
-                    <a:pt x="592033" y="46540"/>
-                    <a:pt x="661315" y="139464"/>
-                  </a:cubicBezTo>
-                  <a:cubicBezTo>
-                    <a:pt x="730598" y="232388"/>
-                    <a:pt x="766102" y="371436"/>
-                    <a:pt x="767828" y="556608"/>
-                  </a:cubicBezTo>
-                  <a:cubicBezTo>
-                    <a:pt x="767397" y="603342"/>
-                    <a:pt x="764854" y="647227"/>
-                    <a:pt x="760200" y="688263"/>
-                  </a:cubicBezTo>
-                  <a:lnTo>
-                    <a:pt x="745112" y="773433"/>
-                  </a:lnTo>
-                  <a:lnTo>
-                    <a:pt x="506018" y="773433"/>
-                  </a:lnTo>
-                  <a:lnTo>
-                    <a:pt x="512258" y="739730"/>
-                  </a:lnTo>
-                  <a:cubicBezTo>
-                    <a:pt x="519316" y="691261"/>
-                    <a:pt x="522956" y="630221"/>
-                    <a:pt x="523179" y="556608"/>
-                  </a:cubicBezTo>
-                  <a:cubicBezTo>
-                    <a:pt x="522882" y="459043"/>
-                    <a:pt x="516509" y="384341"/>
-                    <a:pt x="504060" y="332502"/>
-                  </a:cubicBezTo>
-                  <a:cubicBezTo>
-                    <a:pt x="491610" y="280663"/>
-                    <a:pt x="474867" y="245264"/>
-                    <a:pt x="453830" y="226305"/>
-                  </a:cubicBezTo>
-                  <a:cubicBezTo>
-                    <a:pt x="432793" y="207345"/>
-                    <a:pt x="409245" y="198400"/>
-                    <a:pt x="383185" y="199471"/>
-                  </a:cubicBezTo>
-                  <a:cubicBezTo>
-                    <a:pt x="357143" y="198400"/>
-                    <a:pt x="333720" y="207345"/>
-                    <a:pt x="312917" y="226305"/>
-                  </a:cubicBezTo>
-                  <a:cubicBezTo>
-                    <a:pt x="292114" y="245264"/>
-                    <a:pt x="275605" y="280663"/>
-                    <a:pt x="263390" y="332502"/>
-                  </a:cubicBezTo>
-                  <a:cubicBezTo>
-                    <a:pt x="251174" y="384341"/>
-                    <a:pt x="244927" y="459043"/>
-                    <a:pt x="244648" y="556608"/>
-                  </a:cubicBezTo>
-                  <a:cubicBezTo>
-                    <a:pt x="244857" y="630221"/>
-                    <a:pt x="248424" y="691261"/>
-                    <a:pt x="255347" y="739730"/>
-                  </a:cubicBezTo>
-                  <a:lnTo>
-                    <a:pt x="261469" y="773433"/>
-                  </a:lnTo>
-                  <a:lnTo>
-                    <a:pt x="22525" y="773433"/>
-                  </a:lnTo>
-                  <a:lnTo>
-                    <a:pt x="7547" y="688263"/>
-                  </a:lnTo>
-                  <a:cubicBezTo>
-                    <a:pt x="2932" y="647227"/>
-                    <a:pt x="416" y="603342"/>
-                    <a:pt x="0" y="556608"/>
-                  </a:cubicBezTo>
-                  <a:cubicBezTo>
-                    <a:pt x="1664" y="370162"/>
-                    <a:pt x="36925" y="230750"/>
-                    <a:pt x="105783" y="138372"/>
-                  </a:cubicBezTo>
-                  <a:cubicBezTo>
-                    <a:pt x="174641" y="45994"/>
-                    <a:pt x="267108" y="-130"/>
-                    <a:pt x="383185" y="0"/>
-                  </a:cubicBezTo>
-                  <a:close/>
-                </a:path>
-              </a:pathLst>
-            </a:custGeom>
-            <a:grpFill/>
-            <a:ln>
-              <a:noFill/>
-            </a:ln>
-          </p:spPr>
-          <p:style>
-            <a:lnRef idx="2">
-              <a:schemeClr val="accent1">
-                <a:shade val="50000"/>
-              </a:schemeClr>
-            </a:lnRef>
-            <a:fillRef idx="1">
-              <a:schemeClr val="accent1"/>
-            </a:fillRef>
-            <a:effectRef idx="0">
-              <a:schemeClr val="accent1"/>
-            </a:effectRef>
-            <a:fontRef idx="minor">
-              <a:schemeClr val="lt1"/>
-            </a:fontRef>
-          </p:style>
-          <p:txBody>
-            <a:bodyPr rtlCol="0" anchor="ctr"/>
-            <a:lstStyle/>
-            <a:p>
-              <a:pPr algn="ctr"/>
-              <a:endParaRPr lang="zh-CN" altLang="en-US" sz="1600">
-                <a:solidFill>
-                  <a:schemeClr val="tx1"/>
-                </a:solidFill>
-              </a:endParaRPr>
-            </a:p>
-          </p:txBody>
-        </p:sp>
-        <p:sp>
-          <p:nvSpPr>
-            <p:cNvPr id="6" name="任意多边形 5"/>
-            <p:cNvSpPr/>
-            <p:nvPr/>
-          </p:nvSpPr>
-          <p:spPr>
-            <a:xfrm>
-              <a:off x="1994465" y="-1149273"/>
-              <a:ext cx="458876" cy="753031"/>
-            </a:xfrm>
-            <a:custGeom>
-              <a:avLst/>
-              <a:gdLst/>
-              <a:ahLst/>
-              <a:cxnLst/>
-              <a:rect l="l" t="t" r="r" b="b"/>
-              <a:pathLst>
-                <a:path w="458876" h="753031">
-                  <a:moveTo>
-                    <a:pt x="268100" y="0"/>
-                  </a:moveTo>
-                  <a:lnTo>
-                    <a:pt x="458876" y="0"/>
-                  </a:lnTo>
-                  <a:lnTo>
-                    <a:pt x="458876" y="753031"/>
-                  </a:lnTo>
-                  <a:lnTo>
-                    <a:pt x="199654" y="753031"/>
-                  </a:lnTo>
-                  <a:lnTo>
-                    <a:pt x="199654" y="257765"/>
-                  </a:lnTo>
-                  <a:lnTo>
-                    <a:pt x="0" y="257765"/>
-                  </a:lnTo>
-                  <a:lnTo>
-                    <a:pt x="0" y="97571"/>
-                  </a:lnTo>
-                  <a:cubicBezTo>
-                    <a:pt x="57444" y="86862"/>
-                    <a:pt x="107234" y="73694"/>
-                    <a:pt x="149370" y="58069"/>
-                  </a:cubicBezTo>
-                  <a:cubicBezTo>
-                    <a:pt x="191506" y="42445"/>
-                    <a:pt x="231083" y="23088"/>
-                    <a:pt x="268100" y="0"/>
-                  </a:cubicBezTo>
-                  <a:close/>
-                </a:path>
-              </a:pathLst>
-            </a:custGeom>
-            <a:grpFill/>
-            <a:ln>
-              <a:noFill/>
-            </a:ln>
-          </p:spPr>
-          <p:style>
-            <a:lnRef idx="2">
-              <a:schemeClr val="accent1">
-                <a:shade val="50000"/>
-              </a:schemeClr>
-            </a:lnRef>
-            <a:fillRef idx="1">
-              <a:schemeClr val="accent1"/>
-            </a:fillRef>
-            <a:effectRef idx="0">
-              <a:schemeClr val="accent1"/>
-            </a:effectRef>
-            <a:fontRef idx="minor">
-              <a:schemeClr val="lt1"/>
-            </a:fontRef>
-          </p:style>
-          <p:txBody>
-            <a:bodyPr rtlCol="0" anchor="ctr"/>
-            <a:lstStyle/>
-            <a:p>
-              <a:pPr algn="ctr"/>
-              <a:endParaRPr lang="zh-CN" altLang="en-US" sz="1600">
-                <a:solidFill>
-                  <a:schemeClr val="tx1"/>
-                </a:solidFill>
-              </a:endParaRPr>
-            </a:p>
-          </p:txBody>
-        </p:sp>
-      </p:grpSp>
-      <p:grpSp>
-        <p:nvGrpSpPr>
-          <p:cNvPr id="7" name="组合 6"/>
-          <p:cNvGrpSpPr/>
-          <p:nvPr/>
-        </p:nvGrpSpPr>
-        <p:grpSpPr>
-          <a:xfrm>
-            <a:off x="4628148" y="3429248"/>
-            <a:ext cx="2935705" cy="1230666"/>
-            <a:chOff x="4615322" y="2848154"/>
-            <a:chExt cx="2935705" cy="1230666"/>
-          </a:xfrm>
-        </p:grpSpPr>
-        <p:sp>
-          <p:nvSpPr>
-            <p:cNvPr id="8" name="文本框 7"/>
-            <p:cNvSpPr txBox="1"/>
-            <p:nvPr/>
-          </p:nvSpPr>
-          <p:spPr>
-            <a:xfrm>
-              <a:off x="5298344" y="3092274"/>
-              <a:ext cx="1569660" cy="646331"/>
-            </a:xfrm>
-            <a:prstGeom prst="rect">
-              <a:avLst/>
-            </a:prstGeom>
-            <a:noFill/>
-          </p:spPr>
-          <p:txBody>
-            <a:bodyPr wrap="none" rtlCol="0">
-              <a:spAutoFit/>
-            </a:bodyPr>
-            <a:lstStyle/>
-            <a:p>
-              <a:pPr algn="ctr"/>
-              <a:r>
-                <a:rPr lang="zh-TW" altLang="en-US" sz="3600" b="1" dirty="0" smtClean="0">
-                  <a:latin typeface="Microsoft JhengHei" charset="-120"/>
-                  <a:ea typeface="Microsoft JhengHei" charset="-120"/>
-                  <a:cs typeface="Microsoft JhengHei" charset="-120"/>
-                </a:rPr>
-                <a:t>我是</a:t>
-              </a:r>
-              <a:r>
-                <a:rPr lang="zh-TW" altLang="en-US" sz="3600" b="1" dirty="0" smtClean="0">
-                  <a:latin typeface="Microsoft JhengHei" charset="-120"/>
-                  <a:ea typeface="Microsoft JhengHei" charset="-120"/>
-                  <a:cs typeface="Microsoft JhengHei" charset="-120"/>
-                </a:rPr>
-                <a:t>誰</a:t>
-              </a:r>
-              <a:endParaRPr lang="zh-CN" altLang="en-US" sz="3600" b="1" dirty="0">
+        <p:txBody>
+          <a:bodyPr wrap="none" rtlCol="0">
+            <a:spAutoFit/>
+          </a:bodyPr>
+          <a:lstStyle/>
+          <a:p>
+            <a:r>
+              <a:rPr kumimoji="1" lang="en-US" altLang="zh-TW" sz="6000" b="1" dirty="0">
                 <a:latin typeface="Microsoft JhengHei" charset="-120"/>
                 <a:ea typeface="Microsoft JhengHei" charset="-120"/>
                 <a:cs typeface="Microsoft JhengHei" charset="-120"/>
-              </a:endParaRPr>
-            </a:p>
-          </p:txBody>
-        </p:sp>
-        <p:cxnSp>
-          <p:nvCxnSpPr>
-            <p:cNvPr id="10" name="直接连接符 9"/>
-            <p:cNvCxnSpPr/>
-            <p:nvPr/>
-          </p:nvCxnSpPr>
-          <p:spPr>
-            <a:xfrm>
-              <a:off x="4615322" y="2848154"/>
-              <a:ext cx="2935705" cy="0"/>
-            </a:xfrm>
-            <a:prstGeom prst="line">
-              <a:avLst/>
-            </a:prstGeom>
-            <a:ln>
-              <a:solidFill>
-                <a:schemeClr val="tx1">
-                  <a:lumMod val="65000"/>
-                  <a:lumOff val="35000"/>
-                </a:schemeClr>
-              </a:solidFill>
-            </a:ln>
-          </p:spPr>
-          <p:style>
-            <a:lnRef idx="1">
-              <a:schemeClr val="accent1"/>
-            </a:lnRef>
-            <a:fillRef idx="0">
-              <a:schemeClr val="accent1"/>
-            </a:fillRef>
-            <a:effectRef idx="0">
-              <a:schemeClr val="accent1"/>
-            </a:effectRef>
-            <a:fontRef idx="minor">
-              <a:schemeClr val="tx1"/>
-            </a:fontRef>
-          </p:style>
-        </p:cxnSp>
-        <p:cxnSp>
-          <p:nvCxnSpPr>
-            <p:cNvPr id="11" name="直接连接符 10"/>
-            <p:cNvCxnSpPr/>
-            <p:nvPr/>
-          </p:nvCxnSpPr>
-          <p:spPr>
-            <a:xfrm>
-              <a:off x="4615322" y="4078820"/>
-              <a:ext cx="2935705" cy="0"/>
-            </a:xfrm>
-            <a:prstGeom prst="line">
-              <a:avLst/>
-            </a:prstGeom>
-            <a:ln>
-              <a:solidFill>
-                <a:schemeClr val="tx1">
-                  <a:lumMod val="65000"/>
-                  <a:lumOff val="35000"/>
-                </a:schemeClr>
-              </a:solidFill>
-            </a:ln>
-          </p:spPr>
-          <p:style>
-            <a:lnRef idx="1">
-              <a:schemeClr val="accent1"/>
-            </a:lnRef>
-            <a:fillRef idx="0">
-              <a:schemeClr val="accent1"/>
-            </a:fillRef>
-            <a:effectRef idx="0">
-              <a:schemeClr val="accent1"/>
-            </a:effectRef>
-            <a:fontRef idx="minor">
-              <a:schemeClr val="tx1"/>
-            </a:fontRef>
-          </p:style>
-        </p:cxnSp>
-      </p:grpSp>
+              </a:rPr>
+              <a:t>https://</a:t>
+            </a:r>
+            <a:r>
+              <a:rPr kumimoji="1" lang="en-US" altLang="zh-TW" sz="6000" b="1" dirty="0" err="1">
+                <a:latin typeface="Microsoft JhengHei" charset="-120"/>
+                <a:ea typeface="Microsoft JhengHei" charset="-120"/>
+                <a:cs typeface="Microsoft JhengHei" charset="-120"/>
+              </a:rPr>
+              <a:t>bit.ly</a:t>
+            </a:r>
+            <a:r>
+              <a:rPr kumimoji="1" lang="en-US" altLang="zh-TW" sz="6000" b="1" dirty="0">
+                <a:latin typeface="Microsoft JhengHei" charset="-120"/>
+                <a:ea typeface="Microsoft JhengHei" charset="-120"/>
+                <a:cs typeface="Microsoft JhengHei" charset="-120"/>
+              </a:rPr>
+              <a:t>/2OZIhLv</a:t>
+            </a:r>
+            <a:endParaRPr kumimoji="1" lang="zh-TW" altLang="en-US" sz="6000" b="1" dirty="0">
+              <a:latin typeface="Microsoft JhengHei" charset="-120"/>
+              <a:ea typeface="Microsoft JhengHei" charset="-120"/>
+              <a:cs typeface="Microsoft JhengHei" charset="-120"/>
+            </a:endParaRPr>
+          </a:p>
+        </p:txBody>
+      </p:sp>
     </p:spTree>
     <p:extLst>
       <p:ext uri="{BB962C8B-B14F-4D97-AF65-F5344CB8AC3E}">
-        <p14:creationId xmlns:p14="http://schemas.microsoft.com/office/powerpoint/2010/main" val="3098563355"/>
+        <p14:creationId xmlns:p14="http://schemas.microsoft.com/office/powerpoint/2010/main" val="611667328"/>
       </p:ext>
     </p:extLst>
   </p:cSld>
@@ -11864,6 +11095,534 @@
 </file>
 
 <file path=ppt/slides/slide20.xml><?xml version="1.0" encoding="utf-8"?>
+<p:sld xmlns:a="http://schemas.openxmlformats.org/drawingml/2006/main" xmlns:r="http://schemas.openxmlformats.org/officeDocument/2006/relationships" xmlns:p="http://schemas.openxmlformats.org/presentationml/2006/main">
+  <p:cSld>
+    <p:spTree>
+      <p:nvGrpSpPr>
+        <p:cNvPr id="1" name=""/>
+        <p:cNvGrpSpPr/>
+        <p:nvPr/>
+      </p:nvGrpSpPr>
+      <p:grpSpPr>
+        <a:xfrm>
+          <a:off x="0" y="0"/>
+          <a:ext cx="0" cy="0"/>
+          <a:chOff x="0" y="0"/>
+          <a:chExt cx="0" cy="0"/>
+        </a:xfrm>
+      </p:grpSpPr>
+      <p:sp>
+        <p:nvSpPr>
+          <p:cNvPr id="4" name="TextBox 1956"/>
+          <p:cNvSpPr/>
+          <p:nvPr/>
+        </p:nvSpPr>
+        <p:spPr>
+          <a:xfrm>
+            <a:off x="937444" y="705711"/>
+            <a:ext cx="7076024" cy="461665"/>
+          </a:xfrm>
+          <a:prstGeom prst="rect">
+            <a:avLst/>
+          </a:prstGeom>
+          <a:noFill/>
+          <a:ln w="9525">
+            <a:noFill/>
+            <a:miter/>
+          </a:ln>
+        </p:spPr>
+        <p:txBody>
+          <a:bodyPr wrap="square">
+            <a:spAutoFit/>
+          </a:bodyPr>
+          <a:lstStyle/>
+          <a:p>
+            <a:pPr defTabSz="685800"/>
+            <a:r>
+              <a:rPr lang="en-US" altLang="zh-CN" sz="2400" b="1" dirty="0" err="1" smtClean="0">
+                <a:solidFill>
+                  <a:schemeClr val="tx1">
+                    <a:lumMod val="75000"/>
+                    <a:lumOff val="25000"/>
+                  </a:schemeClr>
+                </a:solidFill>
+                <a:latin typeface="Microsoft JhengHei" charset="-120"/>
+                <a:ea typeface="Microsoft JhengHei" charset="-120"/>
+                <a:cs typeface="Microsoft JhengHei" charset="-120"/>
+                <a:sym typeface="+mn-lt"/>
+              </a:rPr>
+              <a:t>Bollienger</a:t>
+            </a:r>
+            <a:r>
+              <a:rPr lang="en-US" altLang="zh-CN" sz="2400" b="1" dirty="0" smtClean="0">
+                <a:solidFill>
+                  <a:schemeClr val="tx1">
+                    <a:lumMod val="75000"/>
+                    <a:lumOff val="25000"/>
+                  </a:schemeClr>
+                </a:solidFill>
+                <a:latin typeface="Microsoft JhengHei" charset="-120"/>
+                <a:ea typeface="Microsoft JhengHei" charset="-120"/>
+                <a:cs typeface="Microsoft JhengHei" charset="-120"/>
+                <a:sym typeface="+mn-lt"/>
+              </a:rPr>
+              <a:t> Bands</a:t>
+            </a:r>
+            <a:endParaRPr lang="zh-CN" altLang="en-US" sz="2400" b="1" dirty="0">
+              <a:solidFill>
+                <a:schemeClr val="tx1">
+                  <a:lumMod val="75000"/>
+                  <a:lumOff val="25000"/>
+                </a:schemeClr>
+              </a:solidFill>
+              <a:latin typeface="Microsoft JhengHei" charset="-120"/>
+              <a:ea typeface="Microsoft JhengHei" charset="-120"/>
+              <a:cs typeface="Microsoft JhengHei" charset="-120"/>
+              <a:sym typeface="+mn-lt"/>
+            </a:endParaRPr>
+          </a:p>
+        </p:txBody>
+      </p:sp>
+      <p:sp>
+        <p:nvSpPr>
+          <p:cNvPr id="9" name="TextBox 1956"/>
+          <p:cNvSpPr/>
+          <p:nvPr/>
+        </p:nvSpPr>
+        <p:spPr>
+          <a:xfrm>
+            <a:off x="1619090" y="3414134"/>
+            <a:ext cx="8996264" cy="461665"/>
+          </a:xfrm>
+          <a:prstGeom prst="rect">
+            <a:avLst/>
+          </a:prstGeom>
+          <a:noFill/>
+          <a:ln w="9525">
+            <a:noFill/>
+            <a:miter/>
+          </a:ln>
+        </p:spPr>
+        <p:txBody>
+          <a:bodyPr wrap="square">
+            <a:spAutoFit/>
+          </a:bodyPr>
+          <a:lstStyle/>
+          <a:p>
+            <a:pPr defTabSz="685800"/>
+            <a:endParaRPr lang="zh-CN" altLang="en-US" sz="2400" b="1" dirty="0">
+              <a:solidFill>
+                <a:schemeClr val="tx1">
+                  <a:lumMod val="75000"/>
+                  <a:lumOff val="25000"/>
+                </a:schemeClr>
+              </a:solidFill>
+              <a:latin typeface="思源黑体 CN Bold" panose="020B0800000000000000" pitchFamily="34" charset="-122"/>
+              <a:ea typeface="思源黑体 CN Bold" panose="020B0800000000000000" pitchFamily="34" charset="-122"/>
+              <a:cs typeface="+mn-ea"/>
+              <a:sym typeface="+mn-lt"/>
+            </a:endParaRPr>
+          </a:p>
+        </p:txBody>
+      </p:sp>
+      <p:sp>
+        <p:nvSpPr>
+          <p:cNvPr id="6" name="文字方塊 5"/>
+          <p:cNvSpPr txBox="1"/>
+          <p:nvPr/>
+        </p:nvSpPr>
+        <p:spPr>
+          <a:xfrm>
+            <a:off x="1790007" y="1829084"/>
+            <a:ext cx="10113818" cy="3170099"/>
+          </a:xfrm>
+          <a:prstGeom prst="rect">
+            <a:avLst/>
+          </a:prstGeom>
+          <a:noFill/>
+        </p:spPr>
+        <p:txBody>
+          <a:bodyPr wrap="square" rtlCol="0">
+            <a:spAutoFit/>
+          </a:bodyPr>
+          <a:lstStyle/>
+          <a:p>
+            <a:pPr marL="0" marR="0" lvl="0" indent="0" algn="l" defTabSz="914400" rtl="0" eaLnBrk="1" fontAlgn="auto" latinLnBrk="0" hangingPunct="1">
+              <a:lnSpc>
+                <a:spcPct val="100000"/>
+              </a:lnSpc>
+              <a:spcBef>
+                <a:spcPts val="0"/>
+              </a:spcBef>
+              <a:spcAft>
+                <a:spcPts val="0"/>
+              </a:spcAft>
+              <a:buClrTx/>
+              <a:buSzTx/>
+              <a:buFontTx/>
+              <a:buNone/>
+              <a:tabLst/>
+              <a:defRPr/>
+            </a:pPr>
+            <a:r>
+              <a:rPr kumimoji="0" lang="zh-TW" altLang="en-US" sz="4000" b="1" i="0" u="none" strike="noStrike" kern="1200" cap="none" spc="0" normalizeH="0" baseline="0" noProof="0" dirty="0" smtClean="0">
+                <a:ln>
+                  <a:noFill/>
+                </a:ln>
+                <a:solidFill>
+                  <a:schemeClr val="tx1">
+                    <a:lumMod val="75000"/>
+                    <a:lumOff val="25000"/>
+                  </a:schemeClr>
+                </a:solidFill>
+                <a:effectLst/>
+                <a:uLnTx/>
+                <a:uFillTx/>
+                <a:latin typeface="微軟正黑體" panose="020B0604030504040204" pitchFamily="34" charset="-120"/>
+                <a:ea typeface="微軟正黑體" panose="020B0604030504040204" pitchFamily="34" charset="-120"/>
+              </a:rPr>
+              <a:t>布林通道由三條線組成</a:t>
+            </a:r>
+            <a:endParaRPr kumimoji="0" lang="en-US" altLang="zh-TW" sz="4000" b="1" i="0" u="none" strike="noStrike" kern="1200" cap="none" spc="0" normalizeH="0" baseline="0" noProof="0" dirty="0" smtClean="0">
+              <a:ln>
+                <a:noFill/>
+              </a:ln>
+              <a:solidFill>
+                <a:schemeClr val="tx1">
+                  <a:lumMod val="75000"/>
+                  <a:lumOff val="25000"/>
+                </a:schemeClr>
+              </a:solidFill>
+              <a:effectLst/>
+              <a:uLnTx/>
+              <a:uFillTx/>
+              <a:latin typeface="微軟正黑體" panose="020B0604030504040204" pitchFamily="34" charset="-120"/>
+              <a:ea typeface="微軟正黑體" panose="020B0604030504040204" pitchFamily="34" charset="-120"/>
+            </a:endParaRPr>
+          </a:p>
+          <a:p>
+            <a:pPr marL="742950" marR="0" lvl="0" indent="-742950" algn="l" defTabSz="914400" rtl="0" eaLnBrk="1" fontAlgn="auto" latinLnBrk="0" hangingPunct="1">
+              <a:lnSpc>
+                <a:spcPct val="100000"/>
+              </a:lnSpc>
+              <a:spcBef>
+                <a:spcPts val="0"/>
+              </a:spcBef>
+              <a:spcAft>
+                <a:spcPts val="0"/>
+              </a:spcAft>
+              <a:buClrTx/>
+              <a:buSzTx/>
+              <a:buFontTx/>
+              <a:buAutoNum type="arabicPeriod"/>
+              <a:tabLst/>
+              <a:defRPr/>
+            </a:pPr>
+            <a:r>
+              <a:rPr lang="zh-TW" altLang="en-US" sz="4000" b="1" dirty="0" smtClean="0">
+                <a:solidFill>
+                  <a:schemeClr val="tx1">
+                    <a:lumMod val="75000"/>
+                    <a:lumOff val="25000"/>
+                  </a:schemeClr>
+                </a:solidFill>
+                <a:latin typeface="微軟正黑體" panose="020B0604030504040204" pitchFamily="34" charset="-120"/>
+                <a:ea typeface="微軟正黑體" panose="020B0604030504040204" pitchFamily="34" charset="-120"/>
+              </a:rPr>
+              <a:t>當前價格</a:t>
+            </a:r>
+            <a:endParaRPr lang="en-US" altLang="zh-TW" sz="4000" b="1" dirty="0" smtClean="0">
+              <a:solidFill>
+                <a:schemeClr val="tx1">
+                  <a:lumMod val="75000"/>
+                  <a:lumOff val="25000"/>
+                </a:schemeClr>
+              </a:solidFill>
+              <a:latin typeface="微軟正黑體" panose="020B0604030504040204" pitchFamily="34" charset="-120"/>
+              <a:ea typeface="微軟正黑體" panose="020B0604030504040204" pitchFamily="34" charset="-120"/>
+            </a:endParaRPr>
+          </a:p>
+          <a:p>
+            <a:pPr marL="742950" marR="0" lvl="0" indent="-742950" algn="l" defTabSz="914400" rtl="0" eaLnBrk="1" fontAlgn="auto" latinLnBrk="0" hangingPunct="1">
+              <a:lnSpc>
+                <a:spcPct val="100000"/>
+              </a:lnSpc>
+              <a:spcBef>
+                <a:spcPts val="0"/>
+              </a:spcBef>
+              <a:spcAft>
+                <a:spcPts val="0"/>
+              </a:spcAft>
+              <a:buClrTx/>
+              <a:buSzTx/>
+              <a:buFontTx/>
+              <a:buAutoNum type="arabicPeriod"/>
+              <a:tabLst/>
+              <a:defRPr/>
+            </a:pPr>
+            <a:r>
+              <a:rPr kumimoji="0" lang="en-US" altLang="zh-TW" sz="4000" b="1" i="0" u="none" strike="noStrike" kern="1200" cap="none" spc="0" normalizeH="0" baseline="0" noProof="0" dirty="0" smtClean="0">
+                <a:ln>
+                  <a:noFill/>
+                </a:ln>
+                <a:solidFill>
+                  <a:schemeClr val="tx1">
+                    <a:lumMod val="75000"/>
+                    <a:lumOff val="25000"/>
+                  </a:schemeClr>
+                </a:solidFill>
+                <a:effectLst/>
+                <a:uLnTx/>
+                <a:uFillTx/>
+                <a:latin typeface="微軟正黑體" panose="020B0604030504040204" pitchFamily="34" charset="-120"/>
+                <a:ea typeface="微軟正黑體" panose="020B0604030504040204" pitchFamily="34" charset="-120"/>
+              </a:rPr>
+              <a:t>20</a:t>
+            </a:r>
+            <a:r>
+              <a:rPr kumimoji="0" lang="zh-TW" altLang="en-US" sz="4000" b="1" i="0" u="none" strike="noStrike" kern="1200" cap="none" spc="0" normalizeH="0" baseline="0" noProof="0" dirty="0" smtClean="0">
+                <a:ln>
+                  <a:noFill/>
+                </a:ln>
+                <a:solidFill>
+                  <a:schemeClr val="tx1">
+                    <a:lumMod val="75000"/>
+                    <a:lumOff val="25000"/>
+                  </a:schemeClr>
+                </a:solidFill>
+                <a:effectLst/>
+                <a:uLnTx/>
+                <a:uFillTx/>
+                <a:latin typeface="微軟正黑體" panose="020B0604030504040204" pitchFamily="34" charset="-120"/>
+                <a:ea typeface="微軟正黑體" panose="020B0604030504040204" pitchFamily="34" charset="-120"/>
+              </a:rPr>
+              <a:t>天的移動平均線 </a:t>
+            </a:r>
+            <a:r>
+              <a:rPr kumimoji="0" lang="en-US" altLang="zh-TW" sz="4000" b="1" i="0" u="none" strike="noStrike" kern="1200" cap="none" spc="0" normalizeH="0" baseline="0" noProof="0" dirty="0" smtClean="0">
+                <a:ln>
+                  <a:noFill/>
+                </a:ln>
+                <a:solidFill>
+                  <a:schemeClr val="tx1">
+                    <a:lumMod val="75000"/>
+                    <a:lumOff val="25000"/>
+                  </a:schemeClr>
+                </a:solidFill>
+                <a:effectLst/>
+                <a:uLnTx/>
+                <a:uFillTx/>
+                <a:latin typeface="微軟正黑體" panose="020B0604030504040204" pitchFamily="34" charset="-120"/>
+                <a:ea typeface="微軟正黑體" panose="020B0604030504040204" pitchFamily="34" charset="-120"/>
+              </a:rPr>
+              <a:t>+</a:t>
+            </a:r>
+            <a:r>
+              <a:rPr kumimoji="0" lang="zh-TW" altLang="en-US" sz="4000" b="1" i="0" u="none" strike="noStrike" kern="1200" cap="none" spc="0" normalizeH="0" baseline="0" noProof="0" dirty="0" smtClean="0">
+                <a:ln>
+                  <a:noFill/>
+                </a:ln>
+                <a:solidFill>
+                  <a:schemeClr val="tx1">
+                    <a:lumMod val="75000"/>
+                    <a:lumOff val="25000"/>
+                  </a:schemeClr>
+                </a:solidFill>
+                <a:effectLst/>
+                <a:uLnTx/>
+                <a:uFillTx/>
+                <a:latin typeface="微軟正黑體" panose="020B0604030504040204" pitchFamily="34" charset="-120"/>
+                <a:ea typeface="微軟正黑體" panose="020B0604030504040204" pitchFamily="34" charset="-120"/>
+              </a:rPr>
+              <a:t> </a:t>
+            </a:r>
+            <a:r>
+              <a:rPr lang="zh-TW" altLang="en-US" sz="4000" b="1" dirty="0" smtClean="0">
+                <a:solidFill>
+                  <a:schemeClr val="tx1">
+                    <a:lumMod val="75000"/>
+                    <a:lumOff val="25000"/>
+                  </a:schemeClr>
+                </a:solidFill>
+                <a:latin typeface="微軟正黑體" panose="020B0604030504040204" pitchFamily="34" charset="-120"/>
+                <a:ea typeface="微軟正黑體" panose="020B0604030504040204" pitchFamily="34" charset="-120"/>
+              </a:rPr>
+              <a:t>兩倍標準差</a:t>
+            </a:r>
+            <a:endParaRPr lang="en-US" altLang="zh-TW" sz="4000" b="1" dirty="0" smtClean="0">
+              <a:solidFill>
+                <a:schemeClr val="tx1">
+                  <a:lumMod val="75000"/>
+                  <a:lumOff val="25000"/>
+                </a:schemeClr>
+              </a:solidFill>
+              <a:latin typeface="微軟正黑體" panose="020B0604030504040204" pitchFamily="34" charset="-120"/>
+              <a:ea typeface="微軟正黑體" panose="020B0604030504040204" pitchFamily="34" charset="-120"/>
+            </a:endParaRPr>
+          </a:p>
+          <a:p>
+            <a:r>
+              <a:rPr kumimoji="0" lang="en-US" altLang="zh-TW" sz="4000" b="1" i="0" u="none" strike="noStrike" kern="1200" cap="none" spc="0" normalizeH="0" baseline="0" noProof="0" dirty="0" smtClean="0">
+                <a:ln>
+                  <a:noFill/>
+                </a:ln>
+                <a:solidFill>
+                  <a:schemeClr val="tx1">
+                    <a:lumMod val="75000"/>
+                    <a:lumOff val="25000"/>
+                  </a:schemeClr>
+                </a:solidFill>
+                <a:effectLst/>
+                <a:uLnTx/>
+                <a:uFillTx/>
+                <a:latin typeface="微軟正黑體" panose="020B0604030504040204" pitchFamily="34" charset="-120"/>
+                <a:ea typeface="微軟正黑體" panose="020B0604030504040204" pitchFamily="34" charset="-120"/>
+              </a:rPr>
+              <a:t>3.</a:t>
+            </a:r>
+            <a:r>
+              <a:rPr kumimoji="0" lang="zh-TW" altLang="en-US" sz="4000" b="1" i="0" u="none" strike="noStrike" kern="1200" cap="none" spc="0" normalizeH="0" baseline="0" noProof="0" dirty="0" smtClean="0">
+                <a:ln>
+                  <a:noFill/>
+                </a:ln>
+                <a:solidFill>
+                  <a:schemeClr val="tx1">
+                    <a:lumMod val="75000"/>
+                    <a:lumOff val="25000"/>
+                  </a:schemeClr>
+                </a:solidFill>
+                <a:effectLst/>
+                <a:uLnTx/>
+                <a:uFillTx/>
+                <a:latin typeface="微軟正黑體" panose="020B0604030504040204" pitchFamily="34" charset="-120"/>
+                <a:ea typeface="微軟正黑體" panose="020B0604030504040204" pitchFamily="34" charset="-120"/>
+              </a:rPr>
+              <a:t>   </a:t>
+            </a:r>
+            <a:r>
+              <a:rPr lang="en-US" altLang="zh-TW" sz="4000" b="1" dirty="0" smtClean="0">
+                <a:solidFill>
+                  <a:schemeClr val="tx1">
+                    <a:lumMod val="75000"/>
+                    <a:lumOff val="25000"/>
+                  </a:schemeClr>
+                </a:solidFill>
+                <a:latin typeface="微軟正黑體" panose="020B0604030504040204" pitchFamily="34" charset="-120"/>
+                <a:ea typeface="微軟正黑體" panose="020B0604030504040204" pitchFamily="34" charset="-120"/>
+              </a:rPr>
+              <a:t>20</a:t>
+            </a:r>
+            <a:r>
+              <a:rPr lang="zh-TW" altLang="en-US" sz="4000" b="1" dirty="0">
+                <a:solidFill>
+                  <a:schemeClr val="tx1">
+                    <a:lumMod val="75000"/>
+                    <a:lumOff val="25000"/>
+                  </a:schemeClr>
+                </a:solidFill>
+                <a:latin typeface="微軟正黑體" panose="020B0604030504040204" pitchFamily="34" charset="-120"/>
+                <a:ea typeface="微軟正黑體" panose="020B0604030504040204" pitchFamily="34" charset="-120"/>
+              </a:rPr>
+              <a:t>天的移動平均線 </a:t>
+            </a:r>
+            <a:r>
+              <a:rPr lang="en-US" altLang="zh-TW" sz="4000" b="1" dirty="0" smtClean="0">
+                <a:solidFill>
+                  <a:schemeClr val="tx1">
+                    <a:lumMod val="75000"/>
+                    <a:lumOff val="25000"/>
+                  </a:schemeClr>
+                </a:solidFill>
+                <a:latin typeface="微軟正黑體" panose="020B0604030504040204" pitchFamily="34" charset="-120"/>
+                <a:ea typeface="微軟正黑體" panose="020B0604030504040204" pitchFamily="34" charset="-120"/>
+              </a:rPr>
+              <a:t>-</a:t>
+            </a:r>
+            <a:r>
+              <a:rPr lang="zh-TW" altLang="en-US" sz="4000" b="1" dirty="0" smtClean="0">
+                <a:solidFill>
+                  <a:schemeClr val="tx1">
+                    <a:lumMod val="75000"/>
+                    <a:lumOff val="25000"/>
+                  </a:schemeClr>
+                </a:solidFill>
+                <a:latin typeface="微軟正黑體" panose="020B0604030504040204" pitchFamily="34" charset="-120"/>
+                <a:ea typeface="微軟正黑體" panose="020B0604030504040204" pitchFamily="34" charset="-120"/>
+              </a:rPr>
+              <a:t>  兩倍標準差</a:t>
+            </a:r>
+            <a:endParaRPr lang="zh-TW" altLang="en-US" sz="4000" b="1" dirty="0">
+              <a:solidFill>
+                <a:schemeClr val="tx1">
+                  <a:lumMod val="75000"/>
+                  <a:lumOff val="25000"/>
+                </a:schemeClr>
+              </a:solidFill>
+              <a:latin typeface="微軟正黑體" panose="020B0604030504040204" pitchFamily="34" charset="-120"/>
+              <a:ea typeface="微軟正黑體" panose="020B0604030504040204" pitchFamily="34" charset="-120"/>
+            </a:endParaRPr>
+          </a:p>
+          <a:p>
+            <a:pPr marL="0" marR="0" lvl="0" indent="0" algn="l" defTabSz="914400" rtl="0" eaLnBrk="1" fontAlgn="auto" latinLnBrk="0" hangingPunct="1">
+              <a:lnSpc>
+                <a:spcPct val="100000"/>
+              </a:lnSpc>
+              <a:spcBef>
+                <a:spcPts val="0"/>
+              </a:spcBef>
+              <a:spcAft>
+                <a:spcPts val="0"/>
+              </a:spcAft>
+              <a:buClrTx/>
+              <a:buSzTx/>
+              <a:buFontTx/>
+              <a:buNone/>
+              <a:tabLst/>
+              <a:defRPr/>
+            </a:pPr>
+            <a:endParaRPr kumimoji="0" lang="zh-TW" altLang="en-US" sz="4000" b="1" i="0" u="none" strike="noStrike" kern="1200" cap="none" spc="0" normalizeH="0" baseline="0" noProof="0" dirty="0" smtClean="0">
+              <a:ln>
+                <a:noFill/>
+              </a:ln>
+              <a:solidFill>
+                <a:schemeClr val="tx1">
+                  <a:lumMod val="75000"/>
+                  <a:lumOff val="25000"/>
+                </a:schemeClr>
+              </a:solidFill>
+              <a:effectLst/>
+              <a:uLnTx/>
+              <a:uFillTx/>
+              <a:latin typeface="微軟正黑體" panose="020B0604030504040204" pitchFamily="34" charset="-120"/>
+              <a:ea typeface="微軟正黑體" panose="020B0604030504040204" pitchFamily="34" charset="-120"/>
+            </a:endParaRPr>
+          </a:p>
+        </p:txBody>
+      </p:sp>
+    </p:spTree>
+    <p:extLst>
+      <p:ext uri="{BB962C8B-B14F-4D97-AF65-F5344CB8AC3E}">
+        <p14:creationId xmlns:p14="http://schemas.microsoft.com/office/powerpoint/2010/main" val="459981496"/>
+      </p:ext>
+    </p:extLst>
+  </p:cSld>
+  <p:clrMapOvr>
+    <a:masterClrMapping/>
+  </p:clrMapOvr>
+  <p:transition spd="slow">
+    <p:push dir="u"/>
+  </p:transition>
+  <p:timing>
+    <p:tnLst>
+      <p:par>
+        <p:cTn id="1" dur="indefinite" restart="never" nodeType="tmRoot"/>
+      </p:par>
+    </p:tnLst>
+  </p:timing>
+</p:sld>
+</file>
+
+<file path=ppt/slides/slide21.xml><?xml version="1.0" encoding="utf-8"?>
 <p:sld xmlns:a="http://schemas.openxmlformats.org/drawingml/2006/main" xmlns:r="http://schemas.openxmlformats.org/officeDocument/2006/relationships" xmlns:p="http://schemas.openxmlformats.org/presentationml/2006/main">
   <p:cSld>
     <p:spTree>
@@ -11951,7 +11710,7 @@
 </p:sld>
 </file>
 
-<file path=ppt/slides/slide21.xml><?xml version="1.0" encoding="utf-8"?>
+<file path=ppt/slides/slide22.xml><?xml version="1.0" encoding="utf-8"?>
 <p:sld xmlns:a="http://schemas.openxmlformats.org/drawingml/2006/main" xmlns:r="http://schemas.openxmlformats.org/officeDocument/2006/relationships" xmlns:p="http://schemas.openxmlformats.org/presentationml/2006/main">
   <p:cSld>
     <p:spTree>
@@ -12388,7 +12147,7 @@
 </p:sld>
 </file>
 
-<file path=ppt/slides/slide22.xml><?xml version="1.0" encoding="utf-8"?>
+<file path=ppt/slides/slide23.xml><?xml version="1.0" encoding="utf-8"?>
 <p:sld xmlns:a="http://schemas.openxmlformats.org/drawingml/2006/main" xmlns:r="http://schemas.openxmlformats.org/officeDocument/2006/relationships" xmlns:p="http://schemas.openxmlformats.org/presentationml/2006/main">
   <p:cSld>
     <p:spTree>
@@ -12688,7 +12447,7 @@
 </p:sld>
 </file>
 
-<file path=ppt/slides/slide23.xml><?xml version="1.0" encoding="utf-8"?>
+<file path=ppt/slides/slide24.xml><?xml version="1.0" encoding="utf-8"?>
 <p:sld xmlns:a="http://schemas.openxmlformats.org/drawingml/2006/main" xmlns:r="http://schemas.openxmlformats.org/officeDocument/2006/relationships" xmlns:p="http://schemas.openxmlformats.org/presentationml/2006/main">
   <p:cSld>
     <p:spTree>
@@ -13290,118 +13049,6 @@
     <p:extLst>
       <p:ext uri="{BB962C8B-B14F-4D97-AF65-F5344CB8AC3E}">
         <p14:creationId xmlns:p14="http://schemas.microsoft.com/office/powerpoint/2010/main" val="2981330805"/>
-      </p:ext>
-    </p:extLst>
-  </p:cSld>
-  <p:clrMapOvr>
-    <a:masterClrMapping/>
-  </p:clrMapOvr>
-  <p:transition spd="slow">
-    <p:push dir="u"/>
-  </p:transition>
-  <p:timing>
-    <p:tnLst>
-      <p:par>
-        <p:cTn id="1" dur="indefinite" restart="never" nodeType="tmRoot"/>
-      </p:par>
-    </p:tnLst>
-  </p:timing>
-</p:sld>
-</file>
-
-<file path=ppt/slides/slide24.xml><?xml version="1.0" encoding="utf-8"?>
-<p:sld xmlns:a="http://schemas.openxmlformats.org/drawingml/2006/main" xmlns:r="http://schemas.openxmlformats.org/officeDocument/2006/relationships" xmlns:p="http://schemas.openxmlformats.org/presentationml/2006/main">
-  <p:cSld>
-    <p:spTree>
-      <p:nvGrpSpPr>
-        <p:cNvPr id="1" name=""/>
-        <p:cNvGrpSpPr/>
-        <p:nvPr/>
-      </p:nvGrpSpPr>
-      <p:grpSpPr>
-        <a:xfrm>
-          <a:off x="0" y="0"/>
-          <a:ext cx="0" cy="0"/>
-          <a:chOff x="0" y="0"/>
-          <a:chExt cx="0" cy="0"/>
-        </a:xfrm>
-      </p:grpSpPr>
-      <p:sp>
-        <p:nvSpPr>
-          <p:cNvPr id="62" name="TextBox 1956"/>
-          <p:cNvSpPr/>
-          <p:nvPr/>
-        </p:nvSpPr>
-        <p:spPr>
-          <a:xfrm>
-            <a:off x="2260806" y="2817110"/>
-            <a:ext cx="8428659" cy="1200329"/>
-          </a:xfrm>
-          <a:prstGeom prst="rect">
-            <a:avLst/>
-          </a:prstGeom>
-          <a:noFill/>
-          <a:ln w="9525">
-            <a:noFill/>
-            <a:miter/>
-          </a:ln>
-        </p:spPr>
-        <p:txBody>
-          <a:bodyPr wrap="square">
-            <a:spAutoFit/>
-          </a:bodyPr>
-          <a:lstStyle/>
-          <a:p>
-            <a:pPr defTabSz="685800"/>
-            <a:r>
-              <a:rPr lang="en-US" altLang="zh-CN" sz="7200" b="1" dirty="0" smtClean="0">
-                <a:solidFill>
-                  <a:schemeClr val="tx1">
-                    <a:lumMod val="75000"/>
-                    <a:lumOff val="25000"/>
-                  </a:schemeClr>
-                </a:solidFill>
-                <a:latin typeface="Microsoft JhengHei" charset="-120"/>
-                <a:ea typeface="Microsoft JhengHei" charset="-120"/>
-                <a:cs typeface="Microsoft JhengHei" charset="-120"/>
-                <a:sym typeface="+mn-lt"/>
-              </a:rPr>
-              <a:t>One more thing</a:t>
-            </a:r>
-            <a:r>
-              <a:rPr lang="mr-IN" altLang="zh-CN" sz="7200" b="1" dirty="0" smtClean="0">
-                <a:solidFill>
-                  <a:schemeClr val="tx1">
-                    <a:lumMod val="75000"/>
-                    <a:lumOff val="25000"/>
-                  </a:schemeClr>
-                </a:solidFill>
-                <a:latin typeface="Microsoft JhengHei" charset="-120"/>
-                <a:ea typeface="Microsoft JhengHei" charset="-120"/>
-                <a:cs typeface="Microsoft JhengHei" charset="-120"/>
-                <a:sym typeface="+mn-lt"/>
-              </a:rPr>
-              <a:t>…</a:t>
-            </a:r>
-            <a:endParaRPr lang="zh-CN" altLang="en-US" sz="7200" b="1" dirty="0">
-              <a:solidFill>
-                <a:schemeClr val="tx1">
-                  <a:lumMod val="75000"/>
-                  <a:lumOff val="25000"/>
-                </a:schemeClr>
-              </a:solidFill>
-              <a:latin typeface="Microsoft JhengHei" charset="-120"/>
-              <a:ea typeface="Microsoft JhengHei" charset="-120"/>
-              <a:cs typeface="Microsoft JhengHei" charset="-120"/>
-              <a:sym typeface="+mn-lt"/>
-            </a:endParaRPr>
-          </a:p>
-        </p:txBody>
-      </p:sp>
-    </p:spTree>
-    <p:extLst>
-      <p:ext uri="{BB962C8B-B14F-4D97-AF65-F5344CB8AC3E}">
-        <p14:creationId xmlns:p14="http://schemas.microsoft.com/office/powerpoint/2010/main" val="653566517"/>
       </p:ext>
     </p:extLst>
   </p:cSld>
@@ -13446,6 +13093,118 @@
         </p:nvSpPr>
         <p:spPr>
           <a:xfrm>
+            <a:off x="2260806" y="2817110"/>
+            <a:ext cx="8428659" cy="1200329"/>
+          </a:xfrm>
+          <a:prstGeom prst="rect">
+            <a:avLst/>
+          </a:prstGeom>
+          <a:noFill/>
+          <a:ln w="9525">
+            <a:noFill/>
+            <a:miter/>
+          </a:ln>
+        </p:spPr>
+        <p:txBody>
+          <a:bodyPr wrap="square">
+            <a:spAutoFit/>
+          </a:bodyPr>
+          <a:lstStyle/>
+          <a:p>
+            <a:pPr defTabSz="685800"/>
+            <a:r>
+              <a:rPr lang="en-US" altLang="zh-CN" sz="7200" b="1" dirty="0" smtClean="0">
+                <a:solidFill>
+                  <a:schemeClr val="tx1">
+                    <a:lumMod val="75000"/>
+                    <a:lumOff val="25000"/>
+                  </a:schemeClr>
+                </a:solidFill>
+                <a:latin typeface="Microsoft JhengHei" charset="-120"/>
+                <a:ea typeface="Microsoft JhengHei" charset="-120"/>
+                <a:cs typeface="Microsoft JhengHei" charset="-120"/>
+                <a:sym typeface="+mn-lt"/>
+              </a:rPr>
+              <a:t>One more thing</a:t>
+            </a:r>
+            <a:r>
+              <a:rPr lang="mr-IN" altLang="zh-CN" sz="7200" b="1" dirty="0" smtClean="0">
+                <a:solidFill>
+                  <a:schemeClr val="tx1">
+                    <a:lumMod val="75000"/>
+                    <a:lumOff val="25000"/>
+                  </a:schemeClr>
+                </a:solidFill>
+                <a:latin typeface="Microsoft JhengHei" charset="-120"/>
+                <a:ea typeface="Microsoft JhengHei" charset="-120"/>
+                <a:cs typeface="Microsoft JhengHei" charset="-120"/>
+                <a:sym typeface="+mn-lt"/>
+              </a:rPr>
+              <a:t>…</a:t>
+            </a:r>
+            <a:endParaRPr lang="zh-CN" altLang="en-US" sz="7200" b="1" dirty="0">
+              <a:solidFill>
+                <a:schemeClr val="tx1">
+                  <a:lumMod val="75000"/>
+                  <a:lumOff val="25000"/>
+                </a:schemeClr>
+              </a:solidFill>
+              <a:latin typeface="Microsoft JhengHei" charset="-120"/>
+              <a:ea typeface="Microsoft JhengHei" charset="-120"/>
+              <a:cs typeface="Microsoft JhengHei" charset="-120"/>
+              <a:sym typeface="+mn-lt"/>
+            </a:endParaRPr>
+          </a:p>
+        </p:txBody>
+      </p:sp>
+    </p:spTree>
+    <p:extLst>
+      <p:ext uri="{BB962C8B-B14F-4D97-AF65-F5344CB8AC3E}">
+        <p14:creationId xmlns:p14="http://schemas.microsoft.com/office/powerpoint/2010/main" val="653566517"/>
+      </p:ext>
+    </p:extLst>
+  </p:cSld>
+  <p:clrMapOvr>
+    <a:masterClrMapping/>
+  </p:clrMapOvr>
+  <p:transition spd="slow">
+    <p:push dir="u"/>
+  </p:transition>
+  <p:timing>
+    <p:tnLst>
+      <p:par>
+        <p:cTn id="1" dur="indefinite" restart="never" nodeType="tmRoot"/>
+      </p:par>
+    </p:tnLst>
+  </p:timing>
+</p:sld>
+</file>
+
+<file path=ppt/slides/slide26.xml><?xml version="1.0" encoding="utf-8"?>
+<p:sld xmlns:a="http://schemas.openxmlformats.org/drawingml/2006/main" xmlns:r="http://schemas.openxmlformats.org/officeDocument/2006/relationships" xmlns:p="http://schemas.openxmlformats.org/presentationml/2006/main">
+  <p:cSld>
+    <p:spTree>
+      <p:nvGrpSpPr>
+        <p:cNvPr id="1" name=""/>
+        <p:cNvGrpSpPr/>
+        <p:nvPr/>
+      </p:nvGrpSpPr>
+      <p:grpSpPr>
+        <a:xfrm>
+          <a:off x="0" y="0"/>
+          <a:ext cx="0" cy="0"/>
+          <a:chOff x="0" y="0"/>
+          <a:chExt cx="0" cy="0"/>
+        </a:xfrm>
+      </p:grpSpPr>
+      <p:sp>
+        <p:nvSpPr>
+          <p:cNvPr id="62" name="TextBox 1956"/>
+          <p:cNvSpPr/>
+          <p:nvPr/>
+        </p:nvSpPr>
+        <p:spPr>
+          <a:xfrm>
             <a:off x="669702" y="2508017"/>
             <a:ext cx="11294771" cy="1938992"/>
           </a:xfrm>
@@ -13581,7 +13340,7 @@
 </p:sld>
 </file>
 
-<file path=ppt/slides/slide26.xml><?xml version="1.0" encoding="utf-8"?>
+<file path=ppt/slides/slide27.xml><?xml version="1.0" encoding="utf-8"?>
 <p:sld xmlns:a="http://schemas.openxmlformats.org/drawingml/2006/main" xmlns:r="http://schemas.openxmlformats.org/officeDocument/2006/relationships" xmlns:p="http://schemas.openxmlformats.org/presentationml/2006/main">
   <p:cSld>
     <p:spTree>
@@ -13909,6 +13668,465 @@
 </file>
 
 <file path=ppt/slides/slide3.xml><?xml version="1.0" encoding="utf-8"?>
+<p:sld xmlns:a="http://schemas.openxmlformats.org/drawingml/2006/main" xmlns:r="http://schemas.openxmlformats.org/officeDocument/2006/relationships" xmlns:p="http://schemas.openxmlformats.org/presentationml/2006/main">
+  <p:cSld>
+    <p:spTree>
+      <p:nvGrpSpPr>
+        <p:cNvPr id="1" name=""/>
+        <p:cNvGrpSpPr/>
+        <p:nvPr/>
+      </p:nvGrpSpPr>
+      <p:grpSpPr>
+        <a:xfrm>
+          <a:off x="0" y="0"/>
+          <a:ext cx="0" cy="0"/>
+          <a:chOff x="0" y="0"/>
+          <a:chExt cx="0" cy="0"/>
+        </a:xfrm>
+      </p:grpSpPr>
+      <p:pic>
+        <p:nvPicPr>
+          <p:cNvPr id="4" name="图片 3"/>
+          <p:cNvPicPr>
+            <a:picLocks noChangeAspect="1"/>
+          </p:cNvPicPr>
+          <p:nvPr/>
+        </p:nvPicPr>
+        <p:blipFill>
+          <a:blip r:embed="rId3">
+            <a:extLst>
+              <a:ext uri="{28A0092B-C50C-407E-A947-70E740481C1C}">
+                <a14:useLocalDpi xmlns:a14="http://schemas.microsoft.com/office/drawing/2010/main"/>
+              </a:ext>
+            </a:extLst>
+          </a:blip>
+          <a:stretch>
+            <a:fillRect/>
+          </a:stretch>
+        </p:blipFill>
+        <p:spPr>
+          <a:xfrm>
+            <a:off x="0" y="0"/>
+            <a:ext cx="12192000" cy="6858000"/>
+          </a:xfrm>
+          <a:prstGeom prst="rect">
+            <a:avLst/>
+          </a:prstGeom>
+        </p:spPr>
+      </p:pic>
+      <p:grpSp>
+        <p:nvGrpSpPr>
+          <p:cNvPr id="3" name="组合 2"/>
+          <p:cNvGrpSpPr>
+            <a:grpSpLocks noChangeAspect="1"/>
+          </p:cNvGrpSpPr>
+          <p:nvPr/>
+        </p:nvGrpSpPr>
+        <p:grpSpPr>
+          <a:xfrm>
+            <a:off x="5029289" y="2069373"/>
+            <a:ext cx="2133422" cy="1213323"/>
+            <a:chOff x="1093391" y="-1169675"/>
+            <a:chExt cx="1359950" cy="773433"/>
+          </a:xfrm>
+          <a:solidFill>
+            <a:schemeClr val="tx1">
+              <a:lumMod val="85000"/>
+              <a:lumOff val="15000"/>
+            </a:schemeClr>
+          </a:solidFill>
+        </p:grpSpPr>
+        <p:sp>
+          <p:nvSpPr>
+            <p:cNvPr id="5" name="任意多边形 4"/>
+            <p:cNvSpPr/>
+            <p:nvPr/>
+          </p:nvSpPr>
+          <p:spPr>
+            <a:xfrm>
+              <a:off x="1093391" y="-1169675"/>
+              <a:ext cx="767828" cy="773433"/>
+            </a:xfrm>
+            <a:custGeom>
+              <a:avLst/>
+              <a:gdLst/>
+              <a:ahLst/>
+              <a:cxnLst/>
+              <a:rect l="l" t="t" r="r" b="b"/>
+              <a:pathLst>
+                <a:path w="767828" h="773433">
+                  <a:moveTo>
+                    <a:pt x="383185" y="0"/>
+                  </a:moveTo>
+                  <a:cubicBezTo>
+                    <a:pt x="499322" y="52"/>
+                    <a:pt x="592033" y="46540"/>
+                    <a:pt x="661315" y="139464"/>
+                  </a:cubicBezTo>
+                  <a:cubicBezTo>
+                    <a:pt x="730598" y="232388"/>
+                    <a:pt x="766102" y="371436"/>
+                    <a:pt x="767828" y="556608"/>
+                  </a:cubicBezTo>
+                  <a:cubicBezTo>
+                    <a:pt x="767397" y="603342"/>
+                    <a:pt x="764854" y="647227"/>
+                    <a:pt x="760200" y="688263"/>
+                  </a:cubicBezTo>
+                  <a:lnTo>
+                    <a:pt x="745112" y="773433"/>
+                  </a:lnTo>
+                  <a:lnTo>
+                    <a:pt x="506018" y="773433"/>
+                  </a:lnTo>
+                  <a:lnTo>
+                    <a:pt x="512258" y="739730"/>
+                  </a:lnTo>
+                  <a:cubicBezTo>
+                    <a:pt x="519316" y="691261"/>
+                    <a:pt x="522956" y="630221"/>
+                    <a:pt x="523179" y="556608"/>
+                  </a:cubicBezTo>
+                  <a:cubicBezTo>
+                    <a:pt x="522882" y="459043"/>
+                    <a:pt x="516509" y="384341"/>
+                    <a:pt x="504060" y="332502"/>
+                  </a:cubicBezTo>
+                  <a:cubicBezTo>
+                    <a:pt x="491610" y="280663"/>
+                    <a:pt x="474867" y="245264"/>
+                    <a:pt x="453830" y="226305"/>
+                  </a:cubicBezTo>
+                  <a:cubicBezTo>
+                    <a:pt x="432793" y="207345"/>
+                    <a:pt x="409245" y="198400"/>
+                    <a:pt x="383185" y="199471"/>
+                  </a:cubicBezTo>
+                  <a:cubicBezTo>
+                    <a:pt x="357143" y="198400"/>
+                    <a:pt x="333720" y="207345"/>
+                    <a:pt x="312917" y="226305"/>
+                  </a:cubicBezTo>
+                  <a:cubicBezTo>
+                    <a:pt x="292114" y="245264"/>
+                    <a:pt x="275605" y="280663"/>
+                    <a:pt x="263390" y="332502"/>
+                  </a:cubicBezTo>
+                  <a:cubicBezTo>
+                    <a:pt x="251174" y="384341"/>
+                    <a:pt x="244927" y="459043"/>
+                    <a:pt x="244648" y="556608"/>
+                  </a:cubicBezTo>
+                  <a:cubicBezTo>
+                    <a:pt x="244857" y="630221"/>
+                    <a:pt x="248424" y="691261"/>
+                    <a:pt x="255347" y="739730"/>
+                  </a:cubicBezTo>
+                  <a:lnTo>
+                    <a:pt x="261469" y="773433"/>
+                  </a:lnTo>
+                  <a:lnTo>
+                    <a:pt x="22525" y="773433"/>
+                  </a:lnTo>
+                  <a:lnTo>
+                    <a:pt x="7547" y="688263"/>
+                  </a:lnTo>
+                  <a:cubicBezTo>
+                    <a:pt x="2932" y="647227"/>
+                    <a:pt x="416" y="603342"/>
+                    <a:pt x="0" y="556608"/>
+                  </a:cubicBezTo>
+                  <a:cubicBezTo>
+                    <a:pt x="1664" y="370162"/>
+                    <a:pt x="36925" y="230750"/>
+                    <a:pt x="105783" y="138372"/>
+                  </a:cubicBezTo>
+                  <a:cubicBezTo>
+                    <a:pt x="174641" y="45994"/>
+                    <a:pt x="267108" y="-130"/>
+                    <a:pt x="383185" y="0"/>
+                  </a:cubicBezTo>
+                  <a:close/>
+                </a:path>
+              </a:pathLst>
+            </a:custGeom>
+            <a:grpFill/>
+            <a:ln>
+              <a:noFill/>
+            </a:ln>
+          </p:spPr>
+          <p:style>
+            <a:lnRef idx="2">
+              <a:schemeClr val="accent1">
+                <a:shade val="50000"/>
+              </a:schemeClr>
+            </a:lnRef>
+            <a:fillRef idx="1">
+              <a:schemeClr val="accent1"/>
+            </a:fillRef>
+            <a:effectRef idx="0">
+              <a:schemeClr val="accent1"/>
+            </a:effectRef>
+            <a:fontRef idx="minor">
+              <a:schemeClr val="lt1"/>
+            </a:fontRef>
+          </p:style>
+          <p:txBody>
+            <a:bodyPr rtlCol="0" anchor="ctr"/>
+            <a:lstStyle/>
+            <a:p>
+              <a:pPr algn="ctr"/>
+              <a:endParaRPr lang="zh-CN" altLang="en-US" sz="1600">
+                <a:solidFill>
+                  <a:schemeClr val="tx1"/>
+                </a:solidFill>
+              </a:endParaRPr>
+            </a:p>
+          </p:txBody>
+        </p:sp>
+        <p:sp>
+          <p:nvSpPr>
+            <p:cNvPr id="6" name="任意多边形 5"/>
+            <p:cNvSpPr/>
+            <p:nvPr/>
+          </p:nvSpPr>
+          <p:spPr>
+            <a:xfrm>
+              <a:off x="1994465" y="-1149273"/>
+              <a:ext cx="458876" cy="753031"/>
+            </a:xfrm>
+            <a:custGeom>
+              <a:avLst/>
+              <a:gdLst/>
+              <a:ahLst/>
+              <a:cxnLst/>
+              <a:rect l="l" t="t" r="r" b="b"/>
+              <a:pathLst>
+                <a:path w="458876" h="753031">
+                  <a:moveTo>
+                    <a:pt x="268100" y="0"/>
+                  </a:moveTo>
+                  <a:lnTo>
+                    <a:pt x="458876" y="0"/>
+                  </a:lnTo>
+                  <a:lnTo>
+                    <a:pt x="458876" y="753031"/>
+                  </a:lnTo>
+                  <a:lnTo>
+                    <a:pt x="199654" y="753031"/>
+                  </a:lnTo>
+                  <a:lnTo>
+                    <a:pt x="199654" y="257765"/>
+                  </a:lnTo>
+                  <a:lnTo>
+                    <a:pt x="0" y="257765"/>
+                  </a:lnTo>
+                  <a:lnTo>
+                    <a:pt x="0" y="97571"/>
+                  </a:lnTo>
+                  <a:cubicBezTo>
+                    <a:pt x="57444" y="86862"/>
+                    <a:pt x="107234" y="73694"/>
+                    <a:pt x="149370" y="58069"/>
+                  </a:cubicBezTo>
+                  <a:cubicBezTo>
+                    <a:pt x="191506" y="42445"/>
+                    <a:pt x="231083" y="23088"/>
+                    <a:pt x="268100" y="0"/>
+                  </a:cubicBezTo>
+                  <a:close/>
+                </a:path>
+              </a:pathLst>
+            </a:custGeom>
+            <a:grpFill/>
+            <a:ln>
+              <a:noFill/>
+            </a:ln>
+          </p:spPr>
+          <p:style>
+            <a:lnRef idx="2">
+              <a:schemeClr val="accent1">
+                <a:shade val="50000"/>
+              </a:schemeClr>
+            </a:lnRef>
+            <a:fillRef idx="1">
+              <a:schemeClr val="accent1"/>
+            </a:fillRef>
+            <a:effectRef idx="0">
+              <a:schemeClr val="accent1"/>
+            </a:effectRef>
+            <a:fontRef idx="minor">
+              <a:schemeClr val="lt1"/>
+            </a:fontRef>
+          </p:style>
+          <p:txBody>
+            <a:bodyPr rtlCol="0" anchor="ctr"/>
+            <a:lstStyle/>
+            <a:p>
+              <a:pPr algn="ctr"/>
+              <a:endParaRPr lang="zh-CN" altLang="en-US" sz="1600">
+                <a:solidFill>
+                  <a:schemeClr val="tx1"/>
+                </a:solidFill>
+              </a:endParaRPr>
+            </a:p>
+          </p:txBody>
+        </p:sp>
+      </p:grpSp>
+      <p:grpSp>
+        <p:nvGrpSpPr>
+          <p:cNvPr id="7" name="组合 6"/>
+          <p:cNvGrpSpPr/>
+          <p:nvPr/>
+        </p:nvGrpSpPr>
+        <p:grpSpPr>
+          <a:xfrm>
+            <a:off x="4628148" y="3429248"/>
+            <a:ext cx="2935705" cy="1230666"/>
+            <a:chOff x="4615322" y="2848154"/>
+            <a:chExt cx="2935705" cy="1230666"/>
+          </a:xfrm>
+        </p:grpSpPr>
+        <p:sp>
+          <p:nvSpPr>
+            <p:cNvPr id="8" name="文本框 7"/>
+            <p:cNvSpPr txBox="1"/>
+            <p:nvPr/>
+          </p:nvSpPr>
+          <p:spPr>
+            <a:xfrm>
+              <a:off x="5298344" y="3092274"/>
+              <a:ext cx="1569660" cy="646331"/>
+            </a:xfrm>
+            <a:prstGeom prst="rect">
+              <a:avLst/>
+            </a:prstGeom>
+            <a:noFill/>
+          </p:spPr>
+          <p:txBody>
+            <a:bodyPr wrap="none" rtlCol="0">
+              <a:spAutoFit/>
+            </a:bodyPr>
+            <a:lstStyle/>
+            <a:p>
+              <a:pPr algn="ctr"/>
+              <a:r>
+                <a:rPr lang="zh-TW" altLang="en-US" sz="3600" b="1" dirty="0" smtClean="0">
+                  <a:latin typeface="Microsoft JhengHei" charset="-120"/>
+                  <a:ea typeface="Microsoft JhengHei" charset="-120"/>
+                  <a:cs typeface="Microsoft JhengHei" charset="-120"/>
+                </a:rPr>
+                <a:t>我是誰</a:t>
+              </a:r>
+              <a:endParaRPr lang="zh-CN" altLang="en-US" sz="3600" b="1" dirty="0">
+                <a:latin typeface="Microsoft JhengHei" charset="-120"/>
+                <a:ea typeface="Microsoft JhengHei" charset="-120"/>
+                <a:cs typeface="Microsoft JhengHei" charset="-120"/>
+              </a:endParaRPr>
+            </a:p>
+          </p:txBody>
+        </p:sp>
+        <p:cxnSp>
+          <p:nvCxnSpPr>
+            <p:cNvPr id="10" name="直接连接符 9"/>
+            <p:cNvCxnSpPr/>
+            <p:nvPr/>
+          </p:nvCxnSpPr>
+          <p:spPr>
+            <a:xfrm>
+              <a:off x="4615322" y="2848154"/>
+              <a:ext cx="2935705" cy="0"/>
+            </a:xfrm>
+            <a:prstGeom prst="line">
+              <a:avLst/>
+            </a:prstGeom>
+            <a:ln>
+              <a:solidFill>
+                <a:schemeClr val="tx1">
+                  <a:lumMod val="65000"/>
+                  <a:lumOff val="35000"/>
+                </a:schemeClr>
+              </a:solidFill>
+            </a:ln>
+          </p:spPr>
+          <p:style>
+            <a:lnRef idx="1">
+              <a:schemeClr val="accent1"/>
+            </a:lnRef>
+            <a:fillRef idx="0">
+              <a:schemeClr val="accent1"/>
+            </a:fillRef>
+            <a:effectRef idx="0">
+              <a:schemeClr val="accent1"/>
+            </a:effectRef>
+            <a:fontRef idx="minor">
+              <a:schemeClr val="tx1"/>
+            </a:fontRef>
+          </p:style>
+        </p:cxnSp>
+        <p:cxnSp>
+          <p:nvCxnSpPr>
+            <p:cNvPr id="11" name="直接连接符 10"/>
+            <p:cNvCxnSpPr/>
+            <p:nvPr/>
+          </p:nvCxnSpPr>
+          <p:spPr>
+            <a:xfrm>
+              <a:off x="4615322" y="4078820"/>
+              <a:ext cx="2935705" cy="0"/>
+            </a:xfrm>
+            <a:prstGeom prst="line">
+              <a:avLst/>
+            </a:prstGeom>
+            <a:ln>
+              <a:solidFill>
+                <a:schemeClr val="tx1">
+                  <a:lumMod val="65000"/>
+                  <a:lumOff val="35000"/>
+                </a:schemeClr>
+              </a:solidFill>
+            </a:ln>
+          </p:spPr>
+          <p:style>
+            <a:lnRef idx="1">
+              <a:schemeClr val="accent1"/>
+            </a:lnRef>
+            <a:fillRef idx="0">
+              <a:schemeClr val="accent1"/>
+            </a:fillRef>
+            <a:effectRef idx="0">
+              <a:schemeClr val="accent1"/>
+            </a:effectRef>
+            <a:fontRef idx="minor">
+              <a:schemeClr val="tx1"/>
+            </a:fontRef>
+          </p:style>
+        </p:cxnSp>
+      </p:grpSp>
+    </p:spTree>
+    <p:extLst>
+      <p:ext uri="{BB962C8B-B14F-4D97-AF65-F5344CB8AC3E}">
+        <p14:creationId xmlns:p14="http://schemas.microsoft.com/office/powerpoint/2010/main" val="3098563355"/>
+      </p:ext>
+    </p:extLst>
+  </p:cSld>
+  <p:clrMapOvr>
+    <a:masterClrMapping/>
+  </p:clrMapOvr>
+  <p:transition spd="slow">
+    <p:push dir="u"/>
+  </p:transition>
+  <p:timing>
+    <p:tnLst>
+      <p:par>
+        <p:cTn id="1" dur="indefinite" restart="never" nodeType="tmRoot"/>
+      </p:par>
+    </p:tnLst>
+  </p:timing>
+</p:sld>
+</file>
+
+<file path=ppt/slides/slide4.xml><?xml version="1.0" encoding="utf-8"?>
 <p:sld xmlns:a="http://schemas.openxmlformats.org/drawingml/2006/main" xmlns:r="http://schemas.openxmlformats.org/officeDocument/2006/relationships" xmlns:p="http://schemas.openxmlformats.org/presentationml/2006/main">
   <p:cSld>
     <p:spTree>
@@ -15124,7 +15342,7 @@
 </p:sld>
 </file>
 
-<file path=ppt/slides/slide4.xml><?xml version="1.0" encoding="utf-8"?>
+<file path=ppt/slides/slide5.xml><?xml version="1.0" encoding="utf-8"?>
 <p:sld xmlns:a="http://schemas.openxmlformats.org/drawingml/2006/main" xmlns:r="http://schemas.openxmlformats.org/officeDocument/2006/relationships" xmlns:p="http://schemas.openxmlformats.org/presentationml/2006/main">
   <p:cSld>
     <p:spTree>
@@ -15744,7 +15962,7 @@
 </p:sld>
 </file>
 
-<file path=ppt/slides/slide5.xml><?xml version="1.0" encoding="utf-8"?>
+<file path=ppt/slides/slide6.xml><?xml version="1.0" encoding="utf-8"?>
 <p:sld xmlns:a="http://schemas.openxmlformats.org/drawingml/2006/main" xmlns:r="http://schemas.openxmlformats.org/officeDocument/2006/relationships" xmlns:p="http://schemas.openxmlformats.org/presentationml/2006/main">
   <p:cSld>
     <p:spTree>
@@ -16707,7 +16925,7 @@
 </p:sld>
 </file>
 
-<file path=ppt/slides/slide6.xml><?xml version="1.0" encoding="utf-8"?>
+<file path=ppt/slides/slide7.xml><?xml version="1.0" encoding="utf-8"?>
 <p:sld xmlns:a="http://schemas.openxmlformats.org/drawingml/2006/main" xmlns:r="http://schemas.openxmlformats.org/officeDocument/2006/relationships" xmlns:p="http://schemas.openxmlformats.org/presentationml/2006/main">
   <p:cSld>
     <p:spTree>
@@ -17355,7 +17573,7 @@
 </p:sld>
 </file>
 
-<file path=ppt/slides/slide7.xml><?xml version="1.0" encoding="utf-8"?>
+<file path=ppt/slides/slide8.xml><?xml version="1.0" encoding="utf-8"?>
 <p:sld xmlns:a="http://schemas.openxmlformats.org/drawingml/2006/main" xmlns:r="http://schemas.openxmlformats.org/officeDocument/2006/relationships" xmlns:p="http://schemas.openxmlformats.org/presentationml/2006/main">
   <p:cSld>
     <p:spTree>
@@ -17814,7 +18032,7 @@
 </p:sld>
 </file>
 
-<file path=ppt/slides/slide8.xml><?xml version="1.0" encoding="utf-8"?>
+<file path=ppt/slides/slide9.xml><?xml version="1.0" encoding="utf-8"?>
 <p:sld xmlns:a="http://schemas.openxmlformats.org/drawingml/2006/main" xmlns:r="http://schemas.openxmlformats.org/officeDocument/2006/relationships" xmlns:p="http://schemas.openxmlformats.org/presentationml/2006/main">
   <p:cSld>
     <p:spTree>
@@ -18410,91 +18628,6 @@
             </p:seq>
           </p:childTnLst>
         </p:cTn>
-      </p:par>
-    </p:tnLst>
-  </p:timing>
-</p:sld>
-</file>
-
-<file path=ppt/slides/slide9.xml><?xml version="1.0" encoding="utf-8"?>
-<p:sld xmlns:a="http://schemas.openxmlformats.org/drawingml/2006/main" xmlns:r="http://schemas.openxmlformats.org/officeDocument/2006/relationships" xmlns:p="http://schemas.openxmlformats.org/presentationml/2006/main">
-  <p:cSld>
-    <p:spTree>
-      <p:nvGrpSpPr>
-        <p:cNvPr id="1" name=""/>
-        <p:cNvGrpSpPr/>
-        <p:nvPr/>
-      </p:nvGrpSpPr>
-      <p:grpSpPr>
-        <a:xfrm>
-          <a:off x="0" y="0"/>
-          <a:ext cx="0" cy="0"/>
-          <a:chOff x="0" y="0"/>
-          <a:chExt cx="0" cy="0"/>
-        </a:xfrm>
-      </p:grpSpPr>
-      <p:sp>
-        <p:nvSpPr>
-          <p:cNvPr id="2" name="標題 1"/>
-          <p:cNvSpPr>
-            <a:spLocks noGrp="1"/>
-          </p:cNvSpPr>
-          <p:nvPr>
-            <p:ph type="title"/>
-          </p:nvPr>
-        </p:nvSpPr>
-        <p:spPr/>
-        <p:txBody>
-          <a:bodyPr/>
-          <a:lstStyle/>
-          <a:p>
-            <a:endParaRPr kumimoji="1" lang="zh-TW" altLang="en-US"/>
-          </a:p>
-        </p:txBody>
-      </p:sp>
-      <p:pic>
-        <p:nvPicPr>
-          <p:cNvPr id="4" name="內容版面配置區 3"/>
-          <p:cNvPicPr>
-            <a:picLocks noGrp="1" noChangeAspect="1"/>
-          </p:cNvPicPr>
-          <p:nvPr>
-            <p:ph idx="1"/>
-          </p:nvPr>
-        </p:nvPicPr>
-        <p:blipFill>
-          <a:blip r:embed="rId2">
-            <a:extLst>
-              <a:ext uri="{28A0092B-C50C-407E-A947-70E740481C1C}">
-                <a14:useLocalDpi xmlns:a14="http://schemas.microsoft.com/office/drawing/2010/main" val="0"/>
-              </a:ext>
-            </a:extLst>
-          </a:blip>
-          <a:stretch>
-            <a:fillRect/>
-          </a:stretch>
-        </p:blipFill>
-        <p:spPr>
-          <a:xfrm>
-            <a:off x="1659228" y="0"/>
-            <a:ext cx="8873544" cy="6904118"/>
-          </a:xfrm>
-        </p:spPr>
-      </p:pic>
-    </p:spTree>
-    <p:extLst>
-      <p:ext uri="{BB962C8B-B14F-4D97-AF65-F5344CB8AC3E}">
-        <p14:creationId xmlns:p14="http://schemas.microsoft.com/office/powerpoint/2010/main" val="1128414644"/>
-      </p:ext>
-    </p:extLst>
-  </p:cSld>
-  <p:clrMapOvr>
-    <a:masterClrMapping/>
-  </p:clrMapOvr>
-  <p:timing>
-    <p:tnLst>
-      <p:par>
-        <p:cTn id="1" dur="indefinite" restart="never" nodeType="tmRoot"/>
       </p:par>
     </p:tnLst>
   </p:timing>
